--- a/Documentation/Roadmap.pptx
+++ b/Documentation/Roadmap.pptx
@@ -109,10 +109,10 @@
   </p:defaultTextStyle>
   <p:extLst>
     <p:ext uri="{EFAFB233-063F-42B5-8137-9DF3F51BA10A}">
-      <p15:sldGuideLst xmlns:p15="http://schemas.microsoft.com/office/powerpoint/2012/main" xmlns=""/>
+      <p15:sldGuideLst xmlns="" xmlns:p15="http://schemas.microsoft.com/office/powerpoint/2012/main"/>
     </p:ext>
     <p:ext uri="{2D200454-40CA-4A62-9FC3-DE9A4176ACB9}">
-      <p15:notesGuideLst xmlns:p15="http://schemas.microsoft.com/office/powerpoint/2012/main" xmlns=""/>
+      <p15:notesGuideLst xmlns="" xmlns:p15="http://schemas.microsoft.com/office/powerpoint/2012/main"/>
     </p:ext>
   </p:extLst>
 </p:presentation>
@@ -209,7 +209,7 @@
             <a:fld id="{783318CE-7023-48EA-BE1A-FD2616466EBB}" type="datetimeFigureOut">
               <a:rPr lang="en-US" smtClean="0"/>
               <a:pPr/>
-              <a:t>9/23/2020</a:t>
+              <a:t>10/1/2020</a:t>
             </a:fld>
             <a:endParaRPr lang="en-US"/>
           </a:p>
@@ -377,7 +377,7 @@
     </p:spTree>
     <p:extLst>
       <p:ext uri="{BB962C8B-B14F-4D97-AF65-F5344CB8AC3E}">
-        <p14:creationId xmlns:p14="http://schemas.microsoft.com/office/powerpoint/2010/main" xmlns="" val="4234112256"/>
+        <p14:creationId xmlns="" xmlns:p14="http://schemas.microsoft.com/office/powerpoint/2010/main" val="4234112256"/>
       </p:ext>
     </p:extLst>
   </p:cSld>
@@ -607,7 +607,7 @@
             <a:fld id="{D06AC3B0-CB85-40CE-8E40-078D7E0039DD}" type="datetimeFigureOut">
               <a:rPr lang="en-US" smtClean="0"/>
               <a:pPr/>
-              <a:t>9/23/2020</a:t>
+              <a:t>10/1/2020</a:t>
             </a:fld>
             <a:endParaRPr lang="en-US"/>
           </a:p>
@@ -659,7 +659,7 @@
     </p:spTree>
     <p:extLst>
       <p:ext uri="{BB962C8B-B14F-4D97-AF65-F5344CB8AC3E}">
-        <p14:creationId xmlns:p14="http://schemas.microsoft.com/office/powerpoint/2010/main" xmlns="" val="3859316076"/>
+        <p14:creationId xmlns="" xmlns:p14="http://schemas.microsoft.com/office/powerpoint/2010/main" val="3859316076"/>
       </p:ext>
     </p:extLst>
   </p:cSld>
@@ -777,7 +777,7 @@
             <a:fld id="{D06AC3B0-CB85-40CE-8E40-078D7E0039DD}" type="datetimeFigureOut">
               <a:rPr lang="en-US" smtClean="0"/>
               <a:pPr/>
-              <a:t>9/23/2020</a:t>
+              <a:t>10/1/2020</a:t>
             </a:fld>
             <a:endParaRPr lang="en-US"/>
           </a:p>
@@ -829,7 +829,7 @@
     </p:spTree>
     <p:extLst>
       <p:ext uri="{BB962C8B-B14F-4D97-AF65-F5344CB8AC3E}">
-        <p14:creationId xmlns:p14="http://schemas.microsoft.com/office/powerpoint/2010/main" xmlns="" val="3685075688"/>
+        <p14:creationId xmlns="" xmlns:p14="http://schemas.microsoft.com/office/powerpoint/2010/main" val="3685075688"/>
       </p:ext>
     </p:extLst>
   </p:cSld>
@@ -957,7 +957,7 @@
             <a:fld id="{D06AC3B0-CB85-40CE-8E40-078D7E0039DD}" type="datetimeFigureOut">
               <a:rPr lang="en-US" smtClean="0"/>
               <a:pPr/>
-              <a:t>9/23/2020</a:t>
+              <a:t>10/1/2020</a:t>
             </a:fld>
             <a:endParaRPr lang="en-US"/>
           </a:p>
@@ -1009,7 +1009,7 @@
     </p:spTree>
     <p:extLst>
       <p:ext uri="{BB962C8B-B14F-4D97-AF65-F5344CB8AC3E}">
-        <p14:creationId xmlns:p14="http://schemas.microsoft.com/office/powerpoint/2010/main" xmlns="" val="45727051"/>
+        <p14:creationId xmlns="" xmlns:p14="http://schemas.microsoft.com/office/powerpoint/2010/main" val="45727051"/>
       </p:ext>
     </p:extLst>
   </p:cSld>
@@ -1127,7 +1127,7 @@
             <a:fld id="{D06AC3B0-CB85-40CE-8E40-078D7E0039DD}" type="datetimeFigureOut">
               <a:rPr lang="en-US" smtClean="0"/>
               <a:pPr/>
-              <a:t>9/23/2020</a:t>
+              <a:t>10/1/2020</a:t>
             </a:fld>
             <a:endParaRPr lang="en-US"/>
           </a:p>
@@ -1179,7 +1179,7 @@
     </p:spTree>
     <p:extLst>
       <p:ext uri="{BB962C8B-B14F-4D97-AF65-F5344CB8AC3E}">
-        <p14:creationId xmlns:p14="http://schemas.microsoft.com/office/powerpoint/2010/main" xmlns="" val="4100769080"/>
+        <p14:creationId xmlns="" xmlns:p14="http://schemas.microsoft.com/office/powerpoint/2010/main" val="4100769080"/>
       </p:ext>
     </p:extLst>
   </p:cSld>
@@ -1374,7 +1374,7 @@
             <a:fld id="{D06AC3B0-CB85-40CE-8E40-078D7E0039DD}" type="datetimeFigureOut">
               <a:rPr lang="en-US" smtClean="0"/>
               <a:pPr/>
-              <a:t>9/23/2020</a:t>
+              <a:t>10/1/2020</a:t>
             </a:fld>
             <a:endParaRPr lang="en-US"/>
           </a:p>
@@ -1426,7 +1426,7 @@
     </p:spTree>
     <p:extLst>
       <p:ext uri="{BB962C8B-B14F-4D97-AF65-F5344CB8AC3E}">
-        <p14:creationId xmlns:p14="http://schemas.microsoft.com/office/powerpoint/2010/main" xmlns="" val="4153629267"/>
+        <p14:creationId xmlns="" xmlns:p14="http://schemas.microsoft.com/office/powerpoint/2010/main" val="4153629267"/>
       </p:ext>
     </p:extLst>
   </p:cSld>
@@ -1605,7 +1605,7 @@
             <a:fld id="{D06AC3B0-CB85-40CE-8E40-078D7E0039DD}" type="datetimeFigureOut">
               <a:rPr lang="en-US" smtClean="0"/>
               <a:pPr/>
-              <a:t>9/23/2020</a:t>
+              <a:t>10/1/2020</a:t>
             </a:fld>
             <a:endParaRPr lang="en-US"/>
           </a:p>
@@ -1657,7 +1657,7 @@
     </p:spTree>
     <p:extLst>
       <p:ext uri="{BB962C8B-B14F-4D97-AF65-F5344CB8AC3E}">
-        <p14:creationId xmlns:p14="http://schemas.microsoft.com/office/powerpoint/2010/main" xmlns="" val="3748050883"/>
+        <p14:creationId xmlns="" xmlns:p14="http://schemas.microsoft.com/office/powerpoint/2010/main" val="3748050883"/>
       </p:ext>
     </p:extLst>
   </p:cSld>
@@ -1971,7 +1971,7 @@
             <a:fld id="{D06AC3B0-CB85-40CE-8E40-078D7E0039DD}" type="datetimeFigureOut">
               <a:rPr lang="en-US" smtClean="0"/>
               <a:pPr/>
-              <a:t>9/23/2020</a:t>
+              <a:t>10/1/2020</a:t>
             </a:fld>
             <a:endParaRPr lang="en-US"/>
           </a:p>
@@ -2023,7 +2023,7 @@
     </p:spTree>
     <p:extLst>
       <p:ext uri="{BB962C8B-B14F-4D97-AF65-F5344CB8AC3E}">
-        <p14:creationId xmlns:p14="http://schemas.microsoft.com/office/powerpoint/2010/main" xmlns="" val="1671992807"/>
+        <p14:creationId xmlns="" xmlns:p14="http://schemas.microsoft.com/office/powerpoint/2010/main" val="1671992807"/>
       </p:ext>
     </p:extLst>
   </p:cSld>
@@ -2090,7 +2090,7 @@
             <a:fld id="{D06AC3B0-CB85-40CE-8E40-078D7E0039DD}" type="datetimeFigureOut">
               <a:rPr lang="en-US" smtClean="0"/>
               <a:pPr/>
-              <a:t>9/23/2020</a:t>
+              <a:t>10/1/2020</a:t>
             </a:fld>
             <a:endParaRPr lang="en-US"/>
           </a:p>
@@ -2142,7 +2142,7 @@
     </p:spTree>
     <p:extLst>
       <p:ext uri="{BB962C8B-B14F-4D97-AF65-F5344CB8AC3E}">
-        <p14:creationId xmlns:p14="http://schemas.microsoft.com/office/powerpoint/2010/main" xmlns="" val="3513402120"/>
+        <p14:creationId xmlns="" xmlns:p14="http://schemas.microsoft.com/office/powerpoint/2010/main" val="3513402120"/>
       </p:ext>
     </p:extLst>
   </p:cSld>
@@ -2187,7 +2187,7 @@
             <a:fld id="{D06AC3B0-CB85-40CE-8E40-078D7E0039DD}" type="datetimeFigureOut">
               <a:rPr lang="en-US" smtClean="0"/>
               <a:pPr/>
-              <a:t>9/23/2020</a:t>
+              <a:t>10/1/2020</a:t>
             </a:fld>
             <a:endParaRPr lang="en-US"/>
           </a:p>
@@ -2239,7 +2239,7 @@
     </p:spTree>
     <p:extLst>
       <p:ext uri="{BB962C8B-B14F-4D97-AF65-F5344CB8AC3E}">
-        <p14:creationId xmlns:p14="http://schemas.microsoft.com/office/powerpoint/2010/main" xmlns="" val="1443656764"/>
+        <p14:creationId xmlns="" xmlns:p14="http://schemas.microsoft.com/office/powerpoint/2010/main" val="1443656764"/>
       </p:ext>
     </p:extLst>
   </p:cSld>
@@ -2464,7 +2464,7 @@
             <a:fld id="{D06AC3B0-CB85-40CE-8E40-078D7E0039DD}" type="datetimeFigureOut">
               <a:rPr lang="en-US" smtClean="0"/>
               <a:pPr/>
-              <a:t>9/23/2020</a:t>
+              <a:t>10/1/2020</a:t>
             </a:fld>
             <a:endParaRPr lang="en-US"/>
           </a:p>
@@ -2516,7 +2516,7 @@
     </p:spTree>
     <p:extLst>
       <p:ext uri="{BB962C8B-B14F-4D97-AF65-F5344CB8AC3E}">
-        <p14:creationId xmlns:p14="http://schemas.microsoft.com/office/powerpoint/2010/main" xmlns="" val="3620878868"/>
+        <p14:creationId xmlns="" xmlns:p14="http://schemas.microsoft.com/office/powerpoint/2010/main" val="3620878868"/>
       </p:ext>
     </p:extLst>
   </p:cSld>
@@ -2718,7 +2718,7 @@
             <a:fld id="{D06AC3B0-CB85-40CE-8E40-078D7E0039DD}" type="datetimeFigureOut">
               <a:rPr lang="en-US" smtClean="0"/>
               <a:pPr/>
-              <a:t>9/23/2020</a:t>
+              <a:t>10/1/2020</a:t>
             </a:fld>
             <a:endParaRPr lang="en-US"/>
           </a:p>
@@ -2770,7 +2770,7 @@
     </p:spTree>
     <p:extLst>
       <p:ext uri="{BB962C8B-B14F-4D97-AF65-F5344CB8AC3E}">
-        <p14:creationId xmlns:p14="http://schemas.microsoft.com/office/powerpoint/2010/main" xmlns="" val="58069187"/>
+        <p14:creationId xmlns="" xmlns:p14="http://schemas.microsoft.com/office/powerpoint/2010/main" val="58069187"/>
       </p:ext>
     </p:extLst>
   </p:cSld>
@@ -2931,7 +2931,7 @@
             <a:fld id="{D06AC3B0-CB85-40CE-8E40-078D7E0039DD}" type="datetimeFigureOut">
               <a:rPr lang="en-US" smtClean="0"/>
               <a:pPr/>
-              <a:t>9/23/2020</a:t>
+              <a:t>10/1/2020</a:t>
             </a:fld>
             <a:endParaRPr lang="en-US"/>
           </a:p>
@@ -3019,7 +3019,7 @@
     </p:spTree>
     <p:extLst>
       <p:ext uri="{BB962C8B-B14F-4D97-AF65-F5344CB8AC3E}">
-        <p14:creationId xmlns:p14="http://schemas.microsoft.com/office/powerpoint/2010/main" xmlns="" val="3629400047"/>
+        <p14:creationId xmlns="" xmlns:p14="http://schemas.microsoft.com/office/powerpoint/2010/main" val="3629400047"/>
       </p:ext>
     </p:extLst>
   </p:cSld>
@@ -3342,7 +3342,7 @@
           <p:cNvPr id="20" name="OTLSHAPE_SL_d9a7df2045804d9cb17247706c303bca_BackgroundRectangle">
             <a:extLst>
               <a:ext uri="{FF2B5EF4-FFF2-40B4-BE49-F238E27FC236}">
-                <a16:creationId xmlns:a16="http://schemas.microsoft.com/office/drawing/2014/main" xmlns="" id="{66DCDDA1-B827-4D84-B5C4-9C8FBC668642}"/>
+                <a16:creationId xmlns="" xmlns:a16="http://schemas.microsoft.com/office/drawing/2014/main" id="{66DCDDA1-B827-4D84-B5C4-9C8FBC668642}"/>
               </a:ext>
             </a:extLst>
           </p:cNvPr>
@@ -3374,7 +3374,7 @@
           <a:effectLst/>
           <a:extLst>
             <a:ext uri="{91240B29-F687-4F45-9708-019B960494DF}">
-              <a14:hiddenLine xmlns:a14="http://schemas.microsoft.com/office/drawing/2010/main" xmlns="" w="12700" cap="flat" cmpd="sng" algn="ctr">
+              <a14:hiddenLine xmlns="" xmlns:a14="http://schemas.microsoft.com/office/drawing/2010/main" w="12700" cap="flat" cmpd="sng" algn="ctr">
                 <a:solidFill>
                   <a:schemeClr val="accent1">
                     <a:shade val="50000"/>
@@ -3416,7 +3416,7 @@
           <p:cNvPr id="26" name="OTLSHAPE_SL_289bf47ff7d04780b5bda4d0e147a7d0_BackgroundRectangle">
             <a:extLst>
               <a:ext uri="{FF2B5EF4-FFF2-40B4-BE49-F238E27FC236}">
-                <a16:creationId xmlns:a16="http://schemas.microsoft.com/office/drawing/2014/main" xmlns="" id="{7BA13860-D243-4688-A0E2-DE88EECBFCF2}"/>
+                <a16:creationId xmlns="" xmlns:a16="http://schemas.microsoft.com/office/drawing/2014/main" id="{7BA13860-D243-4688-A0E2-DE88EECBFCF2}"/>
               </a:ext>
             </a:extLst>
           </p:cNvPr>
@@ -3448,7 +3448,7 @@
           <a:effectLst/>
           <a:extLst>
             <a:ext uri="{91240B29-F687-4F45-9708-019B960494DF}">
-              <a14:hiddenLine xmlns:a14="http://schemas.microsoft.com/office/drawing/2010/main" xmlns="" w="12700" cap="flat" cmpd="sng" algn="ctr">
+              <a14:hiddenLine xmlns="" xmlns:a14="http://schemas.microsoft.com/office/drawing/2010/main" w="12700" cap="flat" cmpd="sng" algn="ctr">
                 <a:solidFill>
                   <a:schemeClr val="accent1">
                     <a:shade val="50000"/>
@@ -3490,7 +3490,7 @@
           <p:cNvPr id="4" name="OTLSHAPE_TB_00000000000000000000000000000000_ScaleContainer">
             <a:extLst>
               <a:ext uri="{FF2B5EF4-FFF2-40B4-BE49-F238E27FC236}">
-                <a16:creationId xmlns:a16="http://schemas.microsoft.com/office/drawing/2014/main" xmlns="" id="{FC9F7E8D-667F-42F5-9478-D33669C2121B}"/>
+                <a16:creationId xmlns="" xmlns:a16="http://schemas.microsoft.com/office/drawing/2014/main" id="{FC9F7E8D-667F-42F5-9478-D33669C2121B}"/>
               </a:ext>
             </a:extLst>
           </p:cNvPr>
@@ -3520,7 +3520,7 @@
           <a:effectLst/>
           <a:extLst>
             <a:ext uri="{91240B29-F687-4F45-9708-019B960494DF}">
-              <a14:hiddenLine xmlns:a14="http://schemas.microsoft.com/office/drawing/2010/main" xmlns="" w="12700" cap="flat" cmpd="sng" algn="ctr">
+              <a14:hiddenLine xmlns="" xmlns:a14="http://schemas.microsoft.com/office/drawing/2010/main" w="12700" cap="flat" cmpd="sng" algn="ctr">
                 <a:solidFill>
                   <a:schemeClr val="accent1">
                     <a:shade val="50000"/>
@@ -3562,7 +3562,7 @@
           <p:cNvPr id="18" name="OTLSHAPE_SL_7c21b9d0849c4bca94c2f6458ca272ef_HeaderRectangle">
             <a:extLst>
               <a:ext uri="{FF2B5EF4-FFF2-40B4-BE49-F238E27FC236}">
-                <a16:creationId xmlns:a16="http://schemas.microsoft.com/office/drawing/2014/main" xmlns="" id="{2DE43ACE-F7F4-4337-8C97-AE90C444592E}"/>
+                <a16:creationId xmlns="" xmlns:a16="http://schemas.microsoft.com/office/drawing/2014/main" id="{2DE43ACE-F7F4-4337-8C97-AE90C444592E}"/>
               </a:ext>
             </a:extLst>
           </p:cNvPr>
@@ -3594,7 +3594,7 @@
           <a:effectLst/>
           <a:extLst>
             <a:ext uri="{91240B29-F687-4F45-9708-019B960494DF}">
-              <a14:hiddenLine xmlns:a14="http://schemas.microsoft.com/office/drawing/2010/main" xmlns="" w="12700" cap="flat" cmpd="sng" algn="ctr">
+              <a14:hiddenLine xmlns="" xmlns:a14="http://schemas.microsoft.com/office/drawing/2010/main" w="12700" cap="flat" cmpd="sng" algn="ctr">
                 <a:solidFill>
                   <a:schemeClr val="accent1">
                     <a:shade val="50000"/>
@@ -3636,7 +3636,7 @@
           <p:cNvPr id="21" name="OTLSHAPE_SL_d9a7df2045804d9cb17247706c303bca_HeaderRectangle">
             <a:extLst>
               <a:ext uri="{FF2B5EF4-FFF2-40B4-BE49-F238E27FC236}">
-                <a16:creationId xmlns:a16="http://schemas.microsoft.com/office/drawing/2014/main" xmlns="" id="{3E7DF4B2-D667-426E-AA85-7A6C85442106}"/>
+                <a16:creationId xmlns="" xmlns:a16="http://schemas.microsoft.com/office/drawing/2014/main" id="{3E7DF4B2-D667-426E-AA85-7A6C85442106}"/>
               </a:ext>
             </a:extLst>
           </p:cNvPr>
@@ -3668,7 +3668,7 @@
           <a:effectLst/>
           <a:extLst>
             <a:ext uri="{91240B29-F687-4F45-9708-019B960494DF}">
-              <a14:hiddenLine xmlns:a14="http://schemas.microsoft.com/office/drawing/2010/main" xmlns="" w="12700" cap="flat" cmpd="sng" algn="ctr">
+              <a14:hiddenLine xmlns="" xmlns:a14="http://schemas.microsoft.com/office/drawing/2010/main" w="12700" cap="flat" cmpd="sng" algn="ctr">
                 <a:solidFill>
                   <a:schemeClr val="accent1">
                     <a:shade val="50000"/>
@@ -3710,7 +3710,7 @@
           <p:cNvPr id="24" name="OTLSHAPE_SL_a6b291b9f3134548847ec52cf049f87b_HeaderRectangle">
             <a:extLst>
               <a:ext uri="{FF2B5EF4-FFF2-40B4-BE49-F238E27FC236}">
-                <a16:creationId xmlns:a16="http://schemas.microsoft.com/office/drawing/2014/main" xmlns="" id="{B56E05F9-C635-4E88-9EEF-7A9E36485C4E}"/>
+                <a16:creationId xmlns="" xmlns:a16="http://schemas.microsoft.com/office/drawing/2014/main" id="{B56E05F9-C635-4E88-9EEF-7A9E36485C4E}"/>
               </a:ext>
             </a:extLst>
           </p:cNvPr>
@@ -3742,7 +3742,7 @@
           <a:effectLst/>
           <a:extLst>
             <a:ext uri="{91240B29-F687-4F45-9708-019B960494DF}">
-              <a14:hiddenLine xmlns:a14="http://schemas.microsoft.com/office/drawing/2010/main" xmlns="" w="12700" cap="flat" cmpd="sng" algn="ctr">
+              <a14:hiddenLine xmlns="" xmlns:a14="http://schemas.microsoft.com/office/drawing/2010/main" w="12700" cap="flat" cmpd="sng" algn="ctr">
                 <a:solidFill>
                   <a:schemeClr val="accent1">
                     <a:shade val="50000"/>
@@ -3784,7 +3784,7 @@
           <p:cNvPr id="27" name="OTLSHAPE_SL_289bf47ff7d04780b5bda4d0e147a7d0_HeaderRectangle">
             <a:extLst>
               <a:ext uri="{FF2B5EF4-FFF2-40B4-BE49-F238E27FC236}">
-                <a16:creationId xmlns:a16="http://schemas.microsoft.com/office/drawing/2014/main" xmlns="" id="{B88DFAF3-5022-4F35-AAA2-1AF6595671D6}"/>
+                <a16:creationId xmlns="" xmlns:a16="http://schemas.microsoft.com/office/drawing/2014/main" id="{B88DFAF3-5022-4F35-AAA2-1AF6595671D6}"/>
               </a:ext>
             </a:extLst>
           </p:cNvPr>
@@ -3816,7 +3816,7 @@
           <a:effectLst/>
           <a:extLst>
             <a:ext uri="{91240B29-F687-4F45-9708-019B960494DF}">
-              <a14:hiddenLine xmlns:a14="http://schemas.microsoft.com/office/drawing/2010/main" xmlns="" w="12700" cap="flat" cmpd="sng" algn="ctr">
+              <a14:hiddenLine xmlns="" xmlns:a14="http://schemas.microsoft.com/office/drawing/2010/main" w="12700" cap="flat" cmpd="sng" algn="ctr">
                 <a:solidFill>
                   <a:schemeClr val="accent1">
                     <a:shade val="50000"/>
@@ -3858,7 +3858,7 @@
           <p:cNvPr id="29" name="OTLSHAPE_G_00000000000000000000000000000000_ShapeBelow0">
             <a:extLst>
               <a:ext uri="{FF2B5EF4-FFF2-40B4-BE49-F238E27FC236}">
-                <a16:creationId xmlns:a16="http://schemas.microsoft.com/office/drawing/2014/main" xmlns="" id="{85CF7363-126A-4C1A-A67F-471524242E5E}"/>
+                <a16:creationId xmlns="" xmlns:a16="http://schemas.microsoft.com/office/drawing/2014/main" id="{85CF7363-126A-4C1A-A67F-471524242E5E}"/>
               </a:ext>
             </a:extLst>
           </p:cNvPr>
@@ -3909,7 +3909,7 @@
           <p:cNvPr id="30" name="OTLSHAPE_G_00000000000000000000000000000000_ShapeBelow1">
             <a:extLst>
               <a:ext uri="{FF2B5EF4-FFF2-40B4-BE49-F238E27FC236}">
-                <a16:creationId xmlns:a16="http://schemas.microsoft.com/office/drawing/2014/main" xmlns="" id="{32931418-8FD4-4C98-8F38-368996F6D0FF}"/>
+                <a16:creationId xmlns="" xmlns:a16="http://schemas.microsoft.com/office/drawing/2014/main" id="{32931418-8FD4-4C98-8F38-368996F6D0FF}"/>
               </a:ext>
             </a:extLst>
           </p:cNvPr>
@@ -3960,7 +3960,7 @@
           <p:cNvPr id="31" name="OTLSHAPE_G_00000000000000000000000000000000_ShapeBelow2">
             <a:extLst>
               <a:ext uri="{FF2B5EF4-FFF2-40B4-BE49-F238E27FC236}">
-                <a16:creationId xmlns:a16="http://schemas.microsoft.com/office/drawing/2014/main" xmlns="" id="{AF82692A-6124-4245-9780-3B01B3D37B3D}"/>
+                <a16:creationId xmlns="" xmlns:a16="http://schemas.microsoft.com/office/drawing/2014/main" id="{AF82692A-6124-4245-9780-3B01B3D37B3D}"/>
               </a:ext>
             </a:extLst>
           </p:cNvPr>
@@ -4011,7 +4011,7 @@
           <p:cNvPr id="32" name="OTLSHAPE_G_00000000000000000000000000000000_ShapeBelow3">
             <a:extLst>
               <a:ext uri="{FF2B5EF4-FFF2-40B4-BE49-F238E27FC236}">
-                <a16:creationId xmlns:a16="http://schemas.microsoft.com/office/drawing/2014/main" xmlns="" id="{CE6D351B-48C2-424B-845D-19BE90DCE759}"/>
+                <a16:creationId xmlns="" xmlns:a16="http://schemas.microsoft.com/office/drawing/2014/main" id="{CE6D351B-48C2-424B-845D-19BE90DCE759}"/>
               </a:ext>
             </a:extLst>
           </p:cNvPr>
@@ -4062,7 +4062,7 @@
           <p:cNvPr id="80" name="OTLSHAPE_SLT_e29fb8690b6043e6b8b49ec05b550ba3_Shape">
             <a:extLst>
               <a:ext uri="{FF2B5EF4-FFF2-40B4-BE49-F238E27FC236}">
-                <a16:creationId xmlns:a16="http://schemas.microsoft.com/office/drawing/2014/main" xmlns="" id="{9A477AD3-B119-402E-8E76-EABF59C9A5EC}"/>
+                <a16:creationId xmlns="" xmlns:a16="http://schemas.microsoft.com/office/drawing/2014/main" id="{9A477AD3-B119-402E-8E76-EABF59C9A5EC}"/>
               </a:ext>
             </a:extLst>
           </p:cNvPr>
@@ -4092,7 +4092,7 @@
           <a:effectLst/>
           <a:extLst>
             <a:ext uri="{91240B29-F687-4F45-9708-019B960494DF}">
-              <a14:hiddenLine xmlns:a14="http://schemas.microsoft.com/office/drawing/2010/main" xmlns="" w="12700" cap="flat" cmpd="sng" algn="ctr">
+              <a14:hiddenLine xmlns="" xmlns:a14="http://schemas.microsoft.com/office/drawing/2010/main" w="12700" cap="flat" cmpd="sng" algn="ctr">
                 <a:solidFill>
                   <a:schemeClr val="accent1">
                     <a:shade val="50000"/>
@@ -4138,7 +4138,7 @@
           <p:cNvPr id="88" name="OTLSHAPE_SLT_5fdc1ae17390491587eeb3e0a5701e86_Shape">
             <a:extLst>
               <a:ext uri="{FF2B5EF4-FFF2-40B4-BE49-F238E27FC236}">
-                <a16:creationId xmlns:a16="http://schemas.microsoft.com/office/drawing/2014/main" xmlns="" id="{E551897C-3474-4EEF-966B-9EE54F027C72}"/>
+                <a16:creationId xmlns="" xmlns:a16="http://schemas.microsoft.com/office/drawing/2014/main" id="{E551897C-3474-4EEF-966B-9EE54F027C72}"/>
               </a:ext>
             </a:extLst>
           </p:cNvPr>
@@ -4168,7 +4168,7 @@
           <a:effectLst/>
           <a:extLst>
             <a:ext uri="{91240B29-F687-4F45-9708-019B960494DF}">
-              <a14:hiddenLine xmlns:a14="http://schemas.microsoft.com/office/drawing/2010/main" xmlns="" w="12700" cap="flat" cmpd="sng" algn="ctr">
+              <a14:hiddenLine xmlns="" xmlns:a14="http://schemas.microsoft.com/office/drawing/2010/main" w="12700" cap="flat" cmpd="sng" algn="ctr">
                 <a:solidFill>
                   <a:schemeClr val="accent1">
                     <a:shade val="50000"/>
@@ -4214,7 +4214,7 @@
           <p:cNvPr id="115" name="OTLSHAPE_SLT_7b49690012f9431fa579863039774321_Shape">
             <a:extLst>
               <a:ext uri="{FF2B5EF4-FFF2-40B4-BE49-F238E27FC236}">
-                <a16:creationId xmlns:a16="http://schemas.microsoft.com/office/drawing/2014/main" xmlns="" id="{5B2BC97F-A100-45D4-8266-1AD2E7AF9B68}"/>
+                <a16:creationId xmlns="" xmlns:a16="http://schemas.microsoft.com/office/drawing/2014/main" id="{5B2BC97F-A100-45D4-8266-1AD2E7AF9B68}"/>
               </a:ext>
             </a:extLst>
           </p:cNvPr>
@@ -4244,7 +4244,7 @@
           <a:effectLst/>
           <a:extLst>
             <a:ext uri="{91240B29-F687-4F45-9708-019B960494DF}">
-              <a14:hiddenLine xmlns:a14="http://schemas.microsoft.com/office/drawing/2010/main" xmlns="" w="12700" cap="flat" cmpd="sng" algn="ctr">
+              <a14:hiddenLine xmlns="" xmlns:a14="http://schemas.microsoft.com/office/drawing/2010/main" w="12700" cap="flat" cmpd="sng" algn="ctr">
                 <a:solidFill>
                   <a:schemeClr val="accent1">
                     <a:shade val="50000"/>
@@ -4290,7 +4290,7 @@
           <p:cNvPr id="142" name="OTLSHAPE_SLT_fa7160ae8db649c4a586c26722e094ca_Shape">
             <a:extLst>
               <a:ext uri="{FF2B5EF4-FFF2-40B4-BE49-F238E27FC236}">
-                <a16:creationId xmlns:a16="http://schemas.microsoft.com/office/drawing/2014/main" xmlns="" id="{7D6085F5-FC26-4859-8202-DC743C547DE9}"/>
+                <a16:creationId xmlns="" xmlns:a16="http://schemas.microsoft.com/office/drawing/2014/main" id="{7D6085F5-FC26-4859-8202-DC743C547DE9}"/>
               </a:ext>
             </a:extLst>
           </p:cNvPr>
@@ -4320,7 +4320,7 @@
           <a:effectLst/>
           <a:extLst>
             <a:ext uri="{91240B29-F687-4F45-9708-019B960494DF}">
-              <a14:hiddenLine xmlns:a14="http://schemas.microsoft.com/office/drawing/2010/main" xmlns="" w="12700" cap="flat" cmpd="sng" algn="ctr">
+              <a14:hiddenLine xmlns="" xmlns:a14="http://schemas.microsoft.com/office/drawing/2010/main" w="12700" cap="flat" cmpd="sng" algn="ctr">
                 <a:solidFill>
                   <a:schemeClr val="accent1">
                     <a:shade val="50000"/>
@@ -4366,7 +4366,7 @@
           <p:cNvPr id="190" name="OTLSHAPE_SLT_f631a3c93f6048078ae9c87026bdb2a3_Shape">
             <a:extLst>
               <a:ext uri="{FF2B5EF4-FFF2-40B4-BE49-F238E27FC236}">
-                <a16:creationId xmlns:a16="http://schemas.microsoft.com/office/drawing/2014/main" xmlns="" id="{D06EB1C5-F2E2-4487-AED6-5802C050E6F5}"/>
+                <a16:creationId xmlns="" xmlns:a16="http://schemas.microsoft.com/office/drawing/2014/main" id="{D06EB1C5-F2E2-4487-AED6-5802C050E6F5}"/>
               </a:ext>
             </a:extLst>
           </p:cNvPr>
@@ -4398,7 +4398,7 @@
           <a:effectLst/>
           <a:extLst>
             <a:ext uri="{91240B29-F687-4F45-9708-019B960494DF}">
-              <a14:hiddenLine xmlns:a14="http://schemas.microsoft.com/office/drawing/2010/main" xmlns="" w="12700" cap="flat" cmpd="sng" algn="ctr">
+              <a14:hiddenLine xmlns="" xmlns:a14="http://schemas.microsoft.com/office/drawing/2010/main" w="12700" cap="flat" cmpd="sng" algn="ctr">
                 <a:solidFill>
                   <a:schemeClr val="accent1">
                     <a:shade val="50000"/>
@@ -4444,7 +4444,7 @@
           <p:cNvPr id="206" name="OTLSHAPE_SLT_5d9d890d48fc4418822012084c459be1_Shape">
             <a:extLst>
               <a:ext uri="{FF2B5EF4-FFF2-40B4-BE49-F238E27FC236}">
-                <a16:creationId xmlns:a16="http://schemas.microsoft.com/office/drawing/2014/main" xmlns="" id="{42C4C092-26D4-49AC-8E5F-C9FECC174ECD}"/>
+                <a16:creationId xmlns="" xmlns:a16="http://schemas.microsoft.com/office/drawing/2014/main" id="{42C4C092-26D4-49AC-8E5F-C9FECC174ECD}"/>
               </a:ext>
             </a:extLst>
           </p:cNvPr>
@@ -4476,7 +4476,7 @@
           <a:effectLst/>
           <a:extLst>
             <a:ext uri="{91240B29-F687-4F45-9708-019B960494DF}">
-              <a14:hiddenLine xmlns:a14="http://schemas.microsoft.com/office/drawing/2010/main" xmlns="" w="12700" cap="flat" cmpd="sng" algn="ctr">
+              <a14:hiddenLine xmlns="" xmlns:a14="http://schemas.microsoft.com/office/drawing/2010/main" w="12700" cap="flat" cmpd="sng" algn="ctr">
                 <a:solidFill>
                   <a:schemeClr val="accent1">
                     <a:shade val="50000"/>
@@ -4522,7 +4522,7 @@
           <p:cNvPr id="19" name="OTLSHAPE_SL_7c21b9d0849c4bca94c2f6458ca272ef_Header">
             <a:extLst>
               <a:ext uri="{FF2B5EF4-FFF2-40B4-BE49-F238E27FC236}">
-                <a16:creationId xmlns:a16="http://schemas.microsoft.com/office/drawing/2014/main" xmlns="" id="{63D5D7D0-0A1E-439D-9F17-0CB7871508C3}"/>
+                <a16:creationId xmlns="" xmlns:a16="http://schemas.microsoft.com/office/drawing/2014/main" id="{63D5D7D0-0A1E-439D-9F17-0CB7871508C3}"/>
               </a:ext>
             </a:extLst>
           </p:cNvPr>
@@ -4573,7 +4573,7 @@
           <p:cNvPr id="22" name="OTLSHAPE_SL_d9a7df2045804d9cb17247706c303bca_Header">
             <a:extLst>
               <a:ext uri="{FF2B5EF4-FFF2-40B4-BE49-F238E27FC236}">
-                <a16:creationId xmlns:a16="http://schemas.microsoft.com/office/drawing/2014/main" xmlns="" id="{CFDFFF43-F1C0-4B95-B9BB-B64BDC35057C}"/>
+                <a16:creationId xmlns="" xmlns:a16="http://schemas.microsoft.com/office/drawing/2014/main" id="{CFDFFF43-F1C0-4B95-B9BB-B64BDC35057C}"/>
               </a:ext>
             </a:extLst>
           </p:cNvPr>
@@ -4624,7 +4624,7 @@
           <p:cNvPr id="25" name="OTLSHAPE_SL_a6b291b9f3134548847ec52cf049f87b_Header">
             <a:extLst>
               <a:ext uri="{FF2B5EF4-FFF2-40B4-BE49-F238E27FC236}">
-                <a16:creationId xmlns:a16="http://schemas.microsoft.com/office/drawing/2014/main" xmlns="" id="{E7904867-8E9E-4C60-89CE-B600EB9C8968}"/>
+                <a16:creationId xmlns="" xmlns:a16="http://schemas.microsoft.com/office/drawing/2014/main" id="{E7904867-8E9E-4C60-89CE-B600EB9C8968}"/>
               </a:ext>
             </a:extLst>
           </p:cNvPr>
@@ -4675,7 +4675,7 @@
           <p:cNvPr id="28" name="OTLSHAPE_SL_289bf47ff7d04780b5bda4d0e147a7d0_Header">
             <a:extLst>
               <a:ext uri="{FF2B5EF4-FFF2-40B4-BE49-F238E27FC236}">
-                <a16:creationId xmlns:a16="http://schemas.microsoft.com/office/drawing/2014/main" xmlns="" id="{26EB0043-B7A4-49CA-AD09-548FE65E6004}"/>
+                <a16:creationId xmlns="" xmlns:a16="http://schemas.microsoft.com/office/drawing/2014/main" id="{26EB0043-B7A4-49CA-AD09-548FE65E6004}"/>
               </a:ext>
             </a:extLst>
           </p:cNvPr>
@@ -4726,7 +4726,7 @@
           <p:cNvPr id="6" name="OTLSHAPE_TB_00000000000000000000000000000000_TodayMarkerShape">
             <a:extLst>
               <a:ext uri="{FF2B5EF4-FFF2-40B4-BE49-F238E27FC236}">
-                <a16:creationId xmlns:a16="http://schemas.microsoft.com/office/drawing/2014/main" xmlns="" id="{1E579F3F-368D-432D-8DBC-7BC487121331}"/>
+                <a16:creationId xmlns="" xmlns:a16="http://schemas.microsoft.com/office/drawing/2014/main" id="{1E579F3F-368D-432D-8DBC-7BC487121331}"/>
               </a:ext>
             </a:extLst>
           </p:cNvPr>
@@ -4756,7 +4756,7 @@
           <a:effectLst/>
           <a:extLst>
             <a:ext uri="{91240B29-F687-4F45-9708-019B960494DF}">
-              <a14:hiddenLine xmlns:a14="http://schemas.microsoft.com/office/drawing/2010/main" xmlns="" w="12700" cap="flat" cmpd="sng" algn="ctr">
+              <a14:hiddenLine xmlns="" xmlns:a14="http://schemas.microsoft.com/office/drawing/2010/main" w="12700" cap="flat" cmpd="sng" algn="ctr">
                 <a:solidFill>
                   <a:schemeClr val="accent1">
                     <a:shade val="50000"/>
@@ -4798,7 +4798,7 @@
           <p:cNvPr id="7" name="OTLSHAPE_TB_00000000000000000000000000000000_TodayMarkerText">
             <a:extLst>
               <a:ext uri="{FF2B5EF4-FFF2-40B4-BE49-F238E27FC236}">
-                <a16:creationId xmlns:a16="http://schemas.microsoft.com/office/drawing/2014/main" xmlns="" id="{FD6A7150-C73F-4314-AEC2-FE0C1B4ED80E}"/>
+                <a16:creationId xmlns="" xmlns:a16="http://schemas.microsoft.com/office/drawing/2014/main" id="{FD6A7150-C73F-4314-AEC2-FE0C1B4ED80E}"/>
               </a:ext>
             </a:extLst>
           </p:cNvPr>
@@ -4849,7 +4849,7 @@
           <p:cNvPr id="8" name="OTLSHAPE_TB_00000000000000000000000000000000_TimescaleInterval1">
             <a:extLst>
               <a:ext uri="{FF2B5EF4-FFF2-40B4-BE49-F238E27FC236}">
-                <a16:creationId xmlns:a16="http://schemas.microsoft.com/office/drawing/2014/main" xmlns="" id="{FAA145D6-9D30-4EE6-AE30-0996DC44E99C}"/>
+                <a16:creationId xmlns="" xmlns:a16="http://schemas.microsoft.com/office/drawing/2014/main" id="{FAA145D6-9D30-4EE6-AE30-0996DC44E99C}"/>
               </a:ext>
             </a:extLst>
           </p:cNvPr>
@@ -4899,7 +4899,7 @@
           <p:cNvPr id="10" name="OTLSHAPE_TB_00000000000000000000000000000000_TimescaleInterval2">
             <a:extLst>
               <a:ext uri="{FF2B5EF4-FFF2-40B4-BE49-F238E27FC236}">
-                <a16:creationId xmlns:a16="http://schemas.microsoft.com/office/drawing/2014/main" xmlns="" id="{3CB447A3-0921-4DF4-B42F-6FEA86646024}"/>
+                <a16:creationId xmlns="" xmlns:a16="http://schemas.microsoft.com/office/drawing/2014/main" id="{3CB447A3-0921-4DF4-B42F-6FEA86646024}"/>
               </a:ext>
             </a:extLst>
           </p:cNvPr>
@@ -4933,8 +4933,49 @@
                 </a:solidFill>
                 <a:latin typeface="Calibri" panose="020F0502020204030204" pitchFamily="34" charset="0"/>
               </a:rPr>
-              <a:t>Sprint </a:t>
-            </a:r>
+              <a:t>Sprint 3</a:t>
+            </a:r>
+            <a:endParaRPr lang="fr-FR" sz="1400" spc="-30">
+              <a:solidFill>
+                <a:schemeClr val="dk1"/>
+              </a:solidFill>
+              <a:latin typeface="Calibri" panose="020F0502020204030204" pitchFamily="34" charset="0"/>
+            </a:endParaRPr>
+          </a:p>
+        </p:txBody>
+      </p:sp>
+      <p:sp>
+        <p:nvSpPr>
+          <p:cNvPr id="14" name="OTLSHAPE_TB_00000000000000000000000000000000_TimescaleInterval4">
+            <a:extLst>
+              <a:ext uri="{FF2B5EF4-FFF2-40B4-BE49-F238E27FC236}">
+                <a16:creationId xmlns="" xmlns:a16="http://schemas.microsoft.com/office/drawing/2014/main" id="{47BDCADF-1F30-4396-A527-5516F720530F}"/>
+              </a:ext>
+            </a:extLst>
+          </p:cNvPr>
+          <p:cNvSpPr txBox="1"/>
+          <p:nvPr>
+            <p:custDataLst>
+              <p:tags r:id="rId27"/>
+            </p:custDataLst>
+          </p:nvPr>
+        </p:nvSpPr>
+        <p:spPr>
+          <a:xfrm>
+            <a:off x="7196536" y="1148080"/>
+            <a:ext cx="211596" cy="203200"/>
+          </a:xfrm>
+          <a:prstGeom prst="rect">
+            <a:avLst/>
+          </a:prstGeom>
+          <a:noFill/>
+        </p:spPr>
+        <p:txBody>
+          <a:bodyPr vert="horz" wrap="none" lIns="0" tIns="0" rIns="0" bIns="0" rtlCol="0" anchor="ctr" anchorCtr="0">
+            <a:noAutofit/>
+          </a:bodyPr>
+          <a:lstStyle/>
+          <a:p>
             <a:r>
               <a:rPr lang="fr-FR" sz="1400" spc="-30" smtClean="0">
                 <a:solidFill>
@@ -4942,7 +4983,7 @@
                 </a:solidFill>
                 <a:latin typeface="Calibri" panose="020F0502020204030204" pitchFamily="34" charset="0"/>
               </a:rPr>
-              <a:t>3</a:t>
+              <a:t>Sprint 4</a:t>
             </a:r>
             <a:endParaRPr lang="fr-FR" sz="1400" spc="-30">
               <a:solidFill>
@@ -4955,23 +4996,23 @@
       </p:sp>
       <p:sp>
         <p:nvSpPr>
-          <p:cNvPr id="14" name="OTLSHAPE_TB_00000000000000000000000000000000_TimescaleInterval4">
+          <p:cNvPr id="16" name="OTLSHAPE_TB_00000000000000000000000000000000_TimescaleInterval5">
             <a:extLst>
               <a:ext uri="{FF2B5EF4-FFF2-40B4-BE49-F238E27FC236}">
-                <a16:creationId xmlns:a16="http://schemas.microsoft.com/office/drawing/2014/main" xmlns="" id="{47BDCADF-1F30-4396-A527-5516F720530F}"/>
+                <a16:creationId xmlns="" xmlns:a16="http://schemas.microsoft.com/office/drawing/2014/main" id="{086E125A-837E-4F33-8DF2-D670223A7DFD}"/>
               </a:ext>
             </a:extLst>
           </p:cNvPr>
           <p:cNvSpPr txBox="1"/>
           <p:nvPr>
             <p:custDataLst>
-              <p:tags r:id="rId27"/>
+              <p:tags r:id="rId28"/>
             </p:custDataLst>
           </p:nvPr>
         </p:nvSpPr>
         <p:spPr>
           <a:xfrm>
-            <a:off x="7196536" y="1148080"/>
+            <a:off x="9248063" y="1148080"/>
             <a:ext cx="211596" cy="203200"/>
           </a:xfrm>
           <a:prstGeom prst="rect">
@@ -4992,16 +5033,7 @@
                 </a:solidFill>
                 <a:latin typeface="Calibri" panose="020F0502020204030204" pitchFamily="34" charset="0"/>
               </a:rPr>
-              <a:t>Sprint </a:t>
-            </a:r>
-            <a:r>
-              <a:rPr lang="fr-FR" sz="1400" spc="-30" smtClean="0">
-                <a:solidFill>
-                  <a:schemeClr val="dk1"/>
-                </a:solidFill>
-                <a:latin typeface="Calibri" panose="020F0502020204030204" pitchFamily="34" charset="0"/>
-              </a:rPr>
-              <a:t>4</a:t>
+              <a:t>Sprint 5</a:t>
             </a:r>
             <a:endParaRPr lang="fr-FR" sz="1400" spc="-30">
               <a:solidFill>
@@ -5014,69 +5046,10 @@
       </p:sp>
       <p:sp>
         <p:nvSpPr>
-          <p:cNvPr id="16" name="OTLSHAPE_TB_00000000000000000000000000000000_TimescaleInterval5">
-            <a:extLst>
-              <a:ext uri="{FF2B5EF4-FFF2-40B4-BE49-F238E27FC236}">
-                <a16:creationId xmlns:a16="http://schemas.microsoft.com/office/drawing/2014/main" xmlns="" id="{086E125A-837E-4F33-8DF2-D670223A7DFD}"/>
-              </a:ext>
-            </a:extLst>
-          </p:cNvPr>
-          <p:cNvSpPr txBox="1"/>
-          <p:nvPr>
-            <p:custDataLst>
-              <p:tags r:id="rId28"/>
-            </p:custDataLst>
-          </p:nvPr>
-        </p:nvSpPr>
-        <p:spPr>
-          <a:xfrm>
-            <a:off x="9248063" y="1148080"/>
-            <a:ext cx="211596" cy="203200"/>
-          </a:xfrm>
-          <a:prstGeom prst="rect">
-            <a:avLst/>
-          </a:prstGeom>
-          <a:noFill/>
-        </p:spPr>
-        <p:txBody>
-          <a:bodyPr vert="horz" wrap="none" lIns="0" tIns="0" rIns="0" bIns="0" rtlCol="0" anchor="ctr" anchorCtr="0">
-            <a:noAutofit/>
-          </a:bodyPr>
-          <a:lstStyle/>
-          <a:p>
-            <a:r>
-              <a:rPr lang="fr-FR" sz="1400" spc="-30" smtClean="0">
-                <a:solidFill>
-                  <a:schemeClr val="dk1"/>
-                </a:solidFill>
-                <a:latin typeface="Calibri" panose="020F0502020204030204" pitchFamily="34" charset="0"/>
-              </a:rPr>
-              <a:t>Sprint </a:t>
-            </a:r>
-            <a:r>
-              <a:rPr lang="fr-FR" sz="1400" spc="-30" smtClean="0">
-                <a:solidFill>
-                  <a:schemeClr val="dk1"/>
-                </a:solidFill>
-                <a:latin typeface="Calibri" panose="020F0502020204030204" pitchFamily="34" charset="0"/>
-              </a:rPr>
-              <a:t>5</a:t>
-            </a:r>
-            <a:endParaRPr lang="fr-FR" sz="1400" spc="-30">
-              <a:solidFill>
-                <a:schemeClr val="dk1"/>
-              </a:solidFill>
-              <a:latin typeface="Calibri" panose="020F0502020204030204" pitchFamily="34" charset="0"/>
-            </a:endParaRPr>
-          </a:p>
-        </p:txBody>
-      </p:sp>
-      <p:sp>
-        <p:nvSpPr>
           <p:cNvPr id="39" name="OTLSHAPE_SLT_b73ad38723d84eb99574edc4c455c3b0_Title">
             <a:extLst>
               <a:ext uri="{FF2B5EF4-FFF2-40B4-BE49-F238E27FC236}">
-                <a16:creationId xmlns:a16="http://schemas.microsoft.com/office/drawing/2014/main" xmlns="" id="{05AC0117-DF07-4AF8-9CC8-A560A7EC3070}"/>
+                <a16:creationId xmlns="" xmlns:a16="http://schemas.microsoft.com/office/drawing/2014/main" id="{05AC0117-DF07-4AF8-9CC8-A560A7EC3070}"/>
               </a:ext>
             </a:extLst>
           </p:cNvPr>
@@ -5127,7 +5100,7 @@
           <p:cNvPr id="56" name="OTLSHAPE_SLT_1fb5c9bea8d7491e93ab109404a0a91b_Title">
             <a:extLst>
               <a:ext uri="{FF2B5EF4-FFF2-40B4-BE49-F238E27FC236}">
-                <a16:creationId xmlns:a16="http://schemas.microsoft.com/office/drawing/2014/main" xmlns="" id="{454A064B-E20E-4C3D-B536-B65824461D46}"/>
+                <a16:creationId xmlns="" xmlns:a16="http://schemas.microsoft.com/office/drawing/2014/main" id="{454A064B-E20E-4C3D-B536-B65824461D46}"/>
               </a:ext>
             </a:extLst>
           </p:cNvPr>
@@ -5181,7 +5154,7 @@
           <p:cNvPr id="94" name="OTLSHAPE_SLT_5fdc1ae17390491587eeb3e0a5701e86_Title">
             <a:extLst>
               <a:ext uri="{FF2B5EF4-FFF2-40B4-BE49-F238E27FC236}">
-                <a16:creationId xmlns:a16="http://schemas.microsoft.com/office/drawing/2014/main" xmlns="" id="{BAEE7FA3-5766-4B53-A85B-AEF0E5523AB1}"/>
+                <a16:creationId xmlns="" xmlns:a16="http://schemas.microsoft.com/office/drawing/2014/main" id="{BAEE7FA3-5766-4B53-A85B-AEF0E5523AB1}"/>
               </a:ext>
             </a:extLst>
           </p:cNvPr>
@@ -5216,16 +5189,7 @@
                 </a:solidFill>
                 <a:latin typeface="Calibri" panose="020F0502020204030204" pitchFamily="34" charset="0"/>
               </a:rPr>
-              <a:t>Architecture </a:t>
-            </a:r>
-            <a:r>
-              <a:rPr lang="fr-FR" sz="1100" spc="-4" dirty="0" smtClean="0">
-                <a:solidFill>
-                  <a:schemeClr val="lt1"/>
-                </a:solidFill>
-                <a:latin typeface="Calibri" panose="020F0502020204030204" pitchFamily="34" charset="0"/>
-              </a:rPr>
-              <a:t>technique</a:t>
+              <a:t>Architecture technique</a:t>
             </a:r>
             <a:endParaRPr lang="fr-FR" sz="1100" spc="-4" dirty="0">
               <a:solidFill>
@@ -5241,7 +5205,7 @@
           <p:cNvPr id="121" name="OTLSHAPE_SLT_7b49690012f9431fa579863039774321_Title">
             <a:extLst>
               <a:ext uri="{FF2B5EF4-FFF2-40B4-BE49-F238E27FC236}">
-                <a16:creationId xmlns:a16="http://schemas.microsoft.com/office/drawing/2014/main" xmlns="" id="{593DAB30-5EB9-49D3-A1DC-E80297DE2728}"/>
+                <a16:creationId xmlns="" xmlns:a16="http://schemas.microsoft.com/office/drawing/2014/main" id="{593DAB30-5EB9-49D3-A1DC-E80297DE2728}"/>
               </a:ext>
             </a:extLst>
           </p:cNvPr>
@@ -5292,7 +5256,7 @@
           <p:cNvPr id="212" name="OTLSHAPE_SLT_5d9d890d48fc4418822012084c459be1_Title">
             <a:extLst>
               <a:ext uri="{FF2B5EF4-FFF2-40B4-BE49-F238E27FC236}">
-                <a16:creationId xmlns:a16="http://schemas.microsoft.com/office/drawing/2014/main" xmlns="" id="{BA7D591F-B9F5-4614-9212-5CC7972A7A5A}"/>
+                <a16:creationId xmlns="" xmlns:a16="http://schemas.microsoft.com/office/drawing/2014/main" id="{BA7D591F-B9F5-4614-9212-5CC7972A7A5A}"/>
               </a:ext>
             </a:extLst>
           </p:cNvPr>
@@ -5343,7 +5307,7 @@
           <p:cNvPr id="9" name="OTLSHAPE_TB_00000000000000000000000000000000_Separator1">
             <a:extLst>
               <a:ext uri="{FF2B5EF4-FFF2-40B4-BE49-F238E27FC236}">
-                <a16:creationId xmlns:a16="http://schemas.microsoft.com/office/drawing/2014/main" xmlns="" id="{FA1F0A09-18A7-46DE-BA1E-5C8D16EF75FB}"/>
+                <a16:creationId xmlns="" xmlns:a16="http://schemas.microsoft.com/office/drawing/2014/main" id="{FA1F0A09-18A7-46DE-BA1E-5C8D16EF75FB}"/>
               </a:ext>
             </a:extLst>
           </p:cNvPr>
@@ -5394,7 +5358,7 @@
           <p:cNvPr id="11" name="OTLSHAPE_TB_00000000000000000000000000000000_Separator2">
             <a:extLst>
               <a:ext uri="{FF2B5EF4-FFF2-40B4-BE49-F238E27FC236}">
-                <a16:creationId xmlns:a16="http://schemas.microsoft.com/office/drawing/2014/main" xmlns="" id="{D956C2CA-AD07-4717-A9D4-C1D146594489}"/>
+                <a16:creationId xmlns="" xmlns:a16="http://schemas.microsoft.com/office/drawing/2014/main" id="{D956C2CA-AD07-4717-A9D4-C1D146594489}"/>
               </a:ext>
             </a:extLst>
           </p:cNvPr>
@@ -5445,7 +5409,7 @@
           <p:cNvPr id="13" name="OTLSHAPE_TB_00000000000000000000000000000000_Separator3">
             <a:extLst>
               <a:ext uri="{FF2B5EF4-FFF2-40B4-BE49-F238E27FC236}">
-                <a16:creationId xmlns:a16="http://schemas.microsoft.com/office/drawing/2014/main" xmlns="" id="{E4AF6D18-3343-4BE8-A55E-68D4601880DB}"/>
+                <a16:creationId xmlns="" xmlns:a16="http://schemas.microsoft.com/office/drawing/2014/main" id="{E4AF6D18-3343-4BE8-A55E-68D4601880DB}"/>
               </a:ext>
             </a:extLst>
           </p:cNvPr>
@@ -5496,7 +5460,7 @@
           <p:cNvPr id="15" name="OTLSHAPE_TB_00000000000000000000000000000000_Separator4">
             <a:extLst>
               <a:ext uri="{FF2B5EF4-FFF2-40B4-BE49-F238E27FC236}">
-                <a16:creationId xmlns:a16="http://schemas.microsoft.com/office/drawing/2014/main" xmlns="" id="{0940E5F1-4A72-4A59-932D-236F112CA6CC}"/>
+                <a16:creationId xmlns="" xmlns:a16="http://schemas.microsoft.com/office/drawing/2014/main" id="{0940E5F1-4A72-4A59-932D-236F112CA6CC}"/>
               </a:ext>
             </a:extLst>
           </p:cNvPr>
@@ -5547,7 +5511,7 @@
           <p:cNvPr id="222" name="TextBox 221">
             <a:extLst>
               <a:ext uri="{FF2B5EF4-FFF2-40B4-BE49-F238E27FC236}">
-                <a16:creationId xmlns:a16="http://schemas.microsoft.com/office/drawing/2014/main" xmlns="" id="{F2449170-EDD9-4C8D-BE36-E016BFAD9ADF}"/>
+                <a16:creationId xmlns="" xmlns:a16="http://schemas.microsoft.com/office/drawing/2014/main" id="{F2449170-EDD9-4C8D-BE36-E016BFAD9ADF}"/>
               </a:ext>
             </a:extLst>
           </p:cNvPr>
@@ -5590,7 +5554,7 @@
           <p:cNvPr id="106" name="OTLSHAPE_TB_00000000000000000000000000000000_TimescaleInterval2">
             <a:extLst>
               <a:ext uri="{FF2B5EF4-FFF2-40B4-BE49-F238E27FC236}">
-                <a16:creationId xmlns:a16="http://schemas.microsoft.com/office/drawing/2014/main" xmlns="" id="{3CB447A3-0921-4DF4-B42F-6FEA86646024}"/>
+                <a16:creationId xmlns="" xmlns:a16="http://schemas.microsoft.com/office/drawing/2014/main" id="{3CB447A3-0921-4DF4-B42F-6FEA86646024}"/>
               </a:ext>
             </a:extLst>
           </p:cNvPr>
@@ -5624,16 +5588,7 @@
                 </a:solidFill>
                 <a:latin typeface="Calibri" panose="020F0502020204030204" pitchFamily="34" charset="0"/>
               </a:rPr>
-              <a:t>Sprint </a:t>
-            </a:r>
-            <a:r>
-              <a:rPr lang="fr-FR" sz="1400" spc="-30" smtClean="0">
-                <a:solidFill>
-                  <a:schemeClr val="dk1"/>
-                </a:solidFill>
-                <a:latin typeface="Calibri" panose="020F0502020204030204" pitchFamily="34" charset="0"/>
-              </a:rPr>
-              <a:t>2</a:t>
+              <a:t>Sprint 2</a:t>
             </a:r>
             <a:endParaRPr lang="fr-FR" sz="1400" spc="-30">
               <a:solidFill>
@@ -5649,7 +5604,7 @@
           <p:cNvPr id="109" name="OTLSHAPE_SLT_5fdc1ae17390491587eeb3e0a5701e86_Shape">
             <a:extLst>
               <a:ext uri="{FF2B5EF4-FFF2-40B4-BE49-F238E27FC236}">
-                <a16:creationId xmlns:a16="http://schemas.microsoft.com/office/drawing/2014/main" xmlns="" id="{E551897C-3474-4EEF-966B-9EE54F027C72}"/>
+                <a16:creationId xmlns="" xmlns:a16="http://schemas.microsoft.com/office/drawing/2014/main" id="{E551897C-3474-4EEF-966B-9EE54F027C72}"/>
               </a:ext>
             </a:extLst>
           </p:cNvPr>
@@ -5679,7 +5634,7 @@
           <a:effectLst/>
           <a:extLst>
             <a:ext uri="{91240B29-F687-4F45-9708-019B960494DF}">
-              <a14:hiddenLine xmlns:a14="http://schemas.microsoft.com/office/drawing/2010/main" xmlns="" w="12700" cap="flat" cmpd="sng" algn="ctr">
+              <a14:hiddenLine xmlns="" xmlns:a14="http://schemas.microsoft.com/office/drawing/2010/main" w="12700" cap="flat" cmpd="sng" algn="ctr">
                 <a:solidFill>
                   <a:schemeClr val="accent1">
                     <a:shade val="50000"/>
@@ -5725,7 +5680,7 @@
           <p:cNvPr id="111" name="OTLSHAPE_SLT_5fdc1ae17390491587eeb3e0a5701e86_Title">
             <a:extLst>
               <a:ext uri="{FF2B5EF4-FFF2-40B4-BE49-F238E27FC236}">
-                <a16:creationId xmlns:a16="http://schemas.microsoft.com/office/drawing/2014/main" xmlns="" id="{BAEE7FA3-5766-4B53-A85B-AEF0E5523AB1}"/>
+                <a16:creationId xmlns="" xmlns:a16="http://schemas.microsoft.com/office/drawing/2014/main" id="{BAEE7FA3-5766-4B53-A85B-AEF0E5523AB1}"/>
               </a:ext>
             </a:extLst>
           </p:cNvPr>
@@ -5776,7 +5731,7 @@
           <p:cNvPr id="118" name="OTLSHAPE_SLT_5fdc1ae17390491587eeb3e0a5701e86_Shape">
             <a:extLst>
               <a:ext uri="{FF2B5EF4-FFF2-40B4-BE49-F238E27FC236}">
-                <a16:creationId xmlns:a16="http://schemas.microsoft.com/office/drawing/2014/main" xmlns="" id="{E551897C-3474-4EEF-966B-9EE54F027C72}"/>
+                <a16:creationId xmlns="" xmlns:a16="http://schemas.microsoft.com/office/drawing/2014/main" id="{E551897C-3474-4EEF-966B-9EE54F027C72}"/>
               </a:ext>
             </a:extLst>
           </p:cNvPr>
@@ -5806,7 +5761,7 @@
           <a:effectLst/>
           <a:extLst>
             <a:ext uri="{91240B29-F687-4F45-9708-019B960494DF}">
-              <a14:hiddenLine xmlns:a14="http://schemas.microsoft.com/office/drawing/2010/main" xmlns="" w="12700" cap="flat" cmpd="sng" algn="ctr">
+              <a14:hiddenLine xmlns="" xmlns:a14="http://schemas.microsoft.com/office/drawing/2010/main" w="12700" cap="flat" cmpd="sng" algn="ctr">
                 <a:solidFill>
                   <a:schemeClr val="accent1">
                     <a:shade val="50000"/>
@@ -5852,7 +5807,7 @@
           <p:cNvPr id="119" name="OTLSHAPE_SLT_7b49690012f9431fa579863039774321_Title">
             <a:extLst>
               <a:ext uri="{FF2B5EF4-FFF2-40B4-BE49-F238E27FC236}">
-                <a16:creationId xmlns:a16="http://schemas.microsoft.com/office/drawing/2014/main" xmlns="" id="{593DAB30-5EB9-49D3-A1DC-E80297DE2728}"/>
+                <a16:creationId xmlns="" xmlns:a16="http://schemas.microsoft.com/office/drawing/2014/main" id="{593DAB30-5EB9-49D3-A1DC-E80297DE2728}"/>
               </a:ext>
             </a:extLst>
           </p:cNvPr>
@@ -5903,7 +5858,7 @@
           <p:cNvPr id="120" name="OTLSHAPE_SLT_5fdc1ae17390491587eeb3e0a5701e86_Shape">
             <a:extLst>
               <a:ext uri="{FF2B5EF4-FFF2-40B4-BE49-F238E27FC236}">
-                <a16:creationId xmlns:a16="http://schemas.microsoft.com/office/drawing/2014/main" xmlns="" id="{E551897C-3474-4EEF-966B-9EE54F027C72}"/>
+                <a16:creationId xmlns="" xmlns:a16="http://schemas.microsoft.com/office/drawing/2014/main" id="{E551897C-3474-4EEF-966B-9EE54F027C72}"/>
               </a:ext>
             </a:extLst>
           </p:cNvPr>
@@ -5933,7 +5888,7 @@
           <a:effectLst/>
           <a:extLst>
             <a:ext uri="{91240B29-F687-4F45-9708-019B960494DF}">
-              <a14:hiddenLine xmlns:a14="http://schemas.microsoft.com/office/drawing/2010/main" xmlns="" w="12700" cap="flat" cmpd="sng" algn="ctr">
+              <a14:hiddenLine xmlns="" xmlns:a14="http://schemas.microsoft.com/office/drawing/2010/main" w="12700" cap="flat" cmpd="sng" algn="ctr">
                 <a:solidFill>
                   <a:schemeClr val="accent1">
                     <a:shade val="50000"/>
@@ -5979,7 +5934,7 @@
           <p:cNvPr id="122" name="OTLSHAPE_SLT_5fdc1ae17390491587eeb3e0a5701e86_Title">
             <a:extLst>
               <a:ext uri="{FF2B5EF4-FFF2-40B4-BE49-F238E27FC236}">
-                <a16:creationId xmlns:a16="http://schemas.microsoft.com/office/drawing/2014/main" xmlns="" id="{BAEE7FA3-5766-4B53-A85B-AEF0E5523AB1}"/>
+                <a16:creationId xmlns="" xmlns:a16="http://schemas.microsoft.com/office/drawing/2014/main" id="{BAEE7FA3-5766-4B53-A85B-AEF0E5523AB1}"/>
               </a:ext>
             </a:extLst>
           </p:cNvPr>
@@ -6030,7 +5985,7 @@
           <p:cNvPr id="129" name="OTLSHAPE_SLT_5fdc1ae17390491587eeb3e0a5701e86_Shape">
             <a:extLst>
               <a:ext uri="{FF2B5EF4-FFF2-40B4-BE49-F238E27FC236}">
-                <a16:creationId xmlns:a16="http://schemas.microsoft.com/office/drawing/2014/main" xmlns="" id="{E551897C-3474-4EEF-966B-9EE54F027C72}"/>
+                <a16:creationId xmlns="" xmlns:a16="http://schemas.microsoft.com/office/drawing/2014/main" id="{E551897C-3474-4EEF-966B-9EE54F027C72}"/>
               </a:ext>
             </a:extLst>
           </p:cNvPr>
@@ -6043,7 +5998,7 @@
         </p:nvSpPr>
         <p:spPr>
           <a:xfrm>
-            <a:off x="3931919" y="4284617"/>
+            <a:off x="7197633" y="4075611"/>
             <a:ext cx="1149531" cy="195943"/>
           </a:xfrm>
           <a:prstGeom prst="chevron">
@@ -6060,7 +6015,7 @@
           <a:effectLst/>
           <a:extLst>
             <a:ext uri="{91240B29-F687-4F45-9708-019B960494DF}">
-              <a14:hiddenLine xmlns:a14="http://schemas.microsoft.com/office/drawing/2010/main" xmlns="" w="12700" cap="flat" cmpd="sng" algn="ctr">
+              <a14:hiddenLine xmlns="" xmlns:a14="http://schemas.microsoft.com/office/drawing/2010/main" w="12700" cap="flat" cmpd="sng" algn="ctr">
                 <a:solidFill>
                   <a:schemeClr val="accent1">
                     <a:shade val="50000"/>
@@ -6106,7 +6061,7 @@
           <p:cNvPr id="130" name="OTLSHAPE_SLT_5fdc1ae17390491587eeb3e0a5701e86_Title">
             <a:extLst>
               <a:ext uri="{FF2B5EF4-FFF2-40B4-BE49-F238E27FC236}">
-                <a16:creationId xmlns:a16="http://schemas.microsoft.com/office/drawing/2014/main" xmlns="" id="{BAEE7FA3-5766-4B53-A85B-AEF0E5523AB1}"/>
+                <a16:creationId xmlns="" xmlns:a16="http://schemas.microsoft.com/office/drawing/2014/main" id="{BAEE7FA3-5766-4B53-A85B-AEF0E5523AB1}"/>
               </a:ext>
             </a:extLst>
           </p:cNvPr>
@@ -6119,7 +6074,7 @@
         </p:nvSpPr>
         <p:spPr>
           <a:xfrm>
-            <a:off x="3840488" y="4314786"/>
+            <a:off x="7184579" y="4079655"/>
             <a:ext cx="1345475" cy="169277"/>
           </a:xfrm>
           <a:prstGeom prst="rect">
@@ -6157,7 +6112,7 @@
           <p:cNvPr id="131" name="OTLSHAPE_SLT_5fdc1ae17390491587eeb3e0a5701e86_Shape">
             <a:extLst>
               <a:ext uri="{FF2B5EF4-FFF2-40B4-BE49-F238E27FC236}">
-                <a16:creationId xmlns:a16="http://schemas.microsoft.com/office/drawing/2014/main" xmlns="" id="{E551897C-3474-4EEF-966B-9EE54F027C72}"/>
+                <a16:creationId xmlns="" xmlns:a16="http://schemas.microsoft.com/office/drawing/2014/main" id="{E551897C-3474-4EEF-966B-9EE54F027C72}"/>
               </a:ext>
             </a:extLst>
           </p:cNvPr>
@@ -6187,7 +6142,7 @@
           <a:effectLst/>
           <a:extLst>
             <a:ext uri="{91240B29-F687-4F45-9708-019B960494DF}">
-              <a14:hiddenLine xmlns:a14="http://schemas.microsoft.com/office/drawing/2010/main" xmlns="" w="12700" cap="flat" cmpd="sng" algn="ctr">
+              <a14:hiddenLine xmlns="" xmlns:a14="http://schemas.microsoft.com/office/drawing/2010/main" w="12700" cap="flat" cmpd="sng" algn="ctr">
                 <a:solidFill>
                   <a:schemeClr val="accent1">
                     <a:shade val="50000"/>
@@ -6233,7 +6188,7 @@
           <p:cNvPr id="133" name="OTLSHAPE_SLT_5fdc1ae17390491587eeb3e0a5701e86_Shape">
             <a:extLst>
               <a:ext uri="{FF2B5EF4-FFF2-40B4-BE49-F238E27FC236}">
-                <a16:creationId xmlns:a16="http://schemas.microsoft.com/office/drawing/2014/main" xmlns="" id="{E551897C-3474-4EEF-966B-9EE54F027C72}"/>
+                <a16:creationId xmlns="" xmlns:a16="http://schemas.microsoft.com/office/drawing/2014/main" id="{E551897C-3474-4EEF-966B-9EE54F027C72}"/>
               </a:ext>
             </a:extLst>
           </p:cNvPr>
@@ -6263,7 +6218,7 @@
           <a:effectLst/>
           <a:extLst>
             <a:ext uri="{91240B29-F687-4F45-9708-019B960494DF}">
-              <a14:hiddenLine xmlns:a14="http://schemas.microsoft.com/office/drawing/2010/main" xmlns="" w="12700" cap="flat" cmpd="sng" algn="ctr">
+              <a14:hiddenLine xmlns="" xmlns:a14="http://schemas.microsoft.com/office/drawing/2010/main" w="12700" cap="flat" cmpd="sng" algn="ctr">
                 <a:solidFill>
                   <a:schemeClr val="accent1">
                     <a:shade val="50000"/>
@@ -6309,7 +6264,7 @@
           <p:cNvPr id="137" name="OTLSHAPE_SLT_5fdc1ae17390491587eeb3e0a5701e86_Title">
             <a:extLst>
               <a:ext uri="{FF2B5EF4-FFF2-40B4-BE49-F238E27FC236}">
-                <a16:creationId xmlns:a16="http://schemas.microsoft.com/office/drawing/2014/main" xmlns="" id="{BAEE7FA3-5766-4B53-A85B-AEF0E5523AB1}"/>
+                <a16:creationId xmlns="" xmlns:a16="http://schemas.microsoft.com/office/drawing/2014/main" id="{BAEE7FA3-5766-4B53-A85B-AEF0E5523AB1}"/>
               </a:ext>
             </a:extLst>
           </p:cNvPr>
@@ -6360,7 +6315,7 @@
           <p:cNvPr id="138" name="OTLSHAPE_SLT_5fdc1ae17390491587eeb3e0a5701e86_Title">
             <a:extLst>
               <a:ext uri="{FF2B5EF4-FFF2-40B4-BE49-F238E27FC236}">
-                <a16:creationId xmlns:a16="http://schemas.microsoft.com/office/drawing/2014/main" xmlns="" id="{BAEE7FA3-5766-4B53-A85B-AEF0E5523AB1}"/>
+                <a16:creationId xmlns="" xmlns:a16="http://schemas.microsoft.com/office/drawing/2014/main" id="{BAEE7FA3-5766-4B53-A85B-AEF0E5523AB1}"/>
               </a:ext>
             </a:extLst>
           </p:cNvPr>
@@ -6411,7 +6366,7 @@
           <p:cNvPr id="139" name="OTLSHAPE_SLT_5fdc1ae17390491587eeb3e0a5701e86_Shape">
             <a:extLst>
               <a:ext uri="{FF2B5EF4-FFF2-40B4-BE49-F238E27FC236}">
-                <a16:creationId xmlns:a16="http://schemas.microsoft.com/office/drawing/2014/main" xmlns="" id="{E551897C-3474-4EEF-966B-9EE54F027C72}"/>
+                <a16:creationId xmlns="" xmlns:a16="http://schemas.microsoft.com/office/drawing/2014/main" id="{E551897C-3474-4EEF-966B-9EE54F027C72}"/>
               </a:ext>
             </a:extLst>
           </p:cNvPr>
@@ -6441,7 +6396,7 @@
           <a:effectLst/>
           <a:extLst>
             <a:ext uri="{91240B29-F687-4F45-9708-019B960494DF}">
-              <a14:hiddenLine xmlns:a14="http://schemas.microsoft.com/office/drawing/2010/main" xmlns="" w="12700" cap="flat" cmpd="sng" algn="ctr">
+              <a14:hiddenLine xmlns="" xmlns:a14="http://schemas.microsoft.com/office/drawing/2010/main" w="12700" cap="flat" cmpd="sng" algn="ctr">
                 <a:solidFill>
                   <a:schemeClr val="accent1">
                     <a:shade val="50000"/>
@@ -6487,7 +6442,7 @@
           <p:cNvPr id="144" name="OTLSHAPE_SLT_5fdc1ae17390491587eeb3e0a5701e86_Title">
             <a:extLst>
               <a:ext uri="{FF2B5EF4-FFF2-40B4-BE49-F238E27FC236}">
-                <a16:creationId xmlns:a16="http://schemas.microsoft.com/office/drawing/2014/main" xmlns="" id="{BAEE7FA3-5766-4B53-A85B-AEF0E5523AB1}"/>
+                <a16:creationId xmlns="" xmlns:a16="http://schemas.microsoft.com/office/drawing/2014/main" id="{BAEE7FA3-5766-4B53-A85B-AEF0E5523AB1}"/>
               </a:ext>
             </a:extLst>
           </p:cNvPr>
@@ -6547,7 +6502,7 @@
           <p:cNvPr id="147" name="OTLSHAPE_SLT_5fdc1ae17390491587eeb3e0a5701e86_Title">
             <a:extLst>
               <a:ext uri="{FF2B5EF4-FFF2-40B4-BE49-F238E27FC236}">
-                <a16:creationId xmlns:a16="http://schemas.microsoft.com/office/drawing/2014/main" xmlns="" id="{BAEE7FA3-5766-4B53-A85B-AEF0E5523AB1}"/>
+                <a16:creationId xmlns="" xmlns:a16="http://schemas.microsoft.com/office/drawing/2014/main" id="{BAEE7FA3-5766-4B53-A85B-AEF0E5523AB1}"/>
               </a:ext>
             </a:extLst>
           </p:cNvPr>
@@ -6598,7 +6553,7 @@
           <p:cNvPr id="149" name="OTLSHAPE_SLT_5fdc1ae17390491587eeb3e0a5701e86_Title">
             <a:extLst>
               <a:ext uri="{FF2B5EF4-FFF2-40B4-BE49-F238E27FC236}">
-                <a16:creationId xmlns:a16="http://schemas.microsoft.com/office/drawing/2014/main" xmlns="" id="{BAEE7FA3-5766-4B53-A85B-AEF0E5523AB1}"/>
+                <a16:creationId xmlns="" xmlns:a16="http://schemas.microsoft.com/office/drawing/2014/main" id="{BAEE7FA3-5766-4B53-A85B-AEF0E5523AB1}"/>
               </a:ext>
             </a:extLst>
           </p:cNvPr>
@@ -6649,7 +6604,7 @@
           <p:cNvPr id="152" name="OTLSHAPE_TB_00000000000000000000000000000000_TodayMarkerText">
             <a:extLst>
               <a:ext uri="{FF2B5EF4-FFF2-40B4-BE49-F238E27FC236}">
-                <a16:creationId xmlns:a16="http://schemas.microsoft.com/office/drawing/2014/main" xmlns="" id="{FD6A7150-C73F-4314-AEC2-FE0C1B4ED80E}"/>
+                <a16:creationId xmlns="" xmlns:a16="http://schemas.microsoft.com/office/drawing/2014/main" id="{FD6A7150-C73F-4314-AEC2-FE0C1B4ED80E}"/>
               </a:ext>
             </a:extLst>
           </p:cNvPr>
@@ -6700,7 +6655,7 @@
           <p:cNvPr id="153" name="OTLSHAPE_TB_00000000000000000000000000000000_TodayMarkerText">
             <a:extLst>
               <a:ext uri="{FF2B5EF4-FFF2-40B4-BE49-F238E27FC236}">
-                <a16:creationId xmlns:a16="http://schemas.microsoft.com/office/drawing/2014/main" xmlns="" id="{FD6A7150-C73F-4314-AEC2-FE0C1B4ED80E}"/>
+                <a16:creationId xmlns="" xmlns:a16="http://schemas.microsoft.com/office/drawing/2014/main" id="{FD6A7150-C73F-4314-AEC2-FE0C1B4ED80E}"/>
               </a:ext>
             </a:extLst>
           </p:cNvPr>
@@ -6751,7 +6706,7 @@
           <p:cNvPr id="154" name="OTLSHAPE_TB_00000000000000000000000000000000_TodayMarkerText">
             <a:extLst>
               <a:ext uri="{FF2B5EF4-FFF2-40B4-BE49-F238E27FC236}">
-                <a16:creationId xmlns:a16="http://schemas.microsoft.com/office/drawing/2014/main" xmlns="" id="{FD6A7150-C73F-4314-AEC2-FE0C1B4ED80E}"/>
+                <a16:creationId xmlns="" xmlns:a16="http://schemas.microsoft.com/office/drawing/2014/main" id="{FD6A7150-C73F-4314-AEC2-FE0C1B4ED80E}"/>
               </a:ext>
             </a:extLst>
           </p:cNvPr>
@@ -6802,7 +6757,7 @@
           <p:cNvPr id="155" name="OTLSHAPE_TB_00000000000000000000000000000000_TodayMarkerText">
             <a:extLst>
               <a:ext uri="{FF2B5EF4-FFF2-40B4-BE49-F238E27FC236}">
-                <a16:creationId xmlns:a16="http://schemas.microsoft.com/office/drawing/2014/main" xmlns="" id="{FD6A7150-C73F-4314-AEC2-FE0C1B4ED80E}"/>
+                <a16:creationId xmlns="" xmlns:a16="http://schemas.microsoft.com/office/drawing/2014/main" id="{FD6A7150-C73F-4314-AEC2-FE0C1B4ED80E}"/>
               </a:ext>
             </a:extLst>
           </p:cNvPr>
@@ -6853,7 +6808,7 @@
           <p:cNvPr id="157" name="OTLSHAPE_TB_00000000000000000000000000000000_TodayMarkerText">
             <a:extLst>
               <a:ext uri="{FF2B5EF4-FFF2-40B4-BE49-F238E27FC236}">
-                <a16:creationId xmlns:a16="http://schemas.microsoft.com/office/drawing/2014/main" xmlns="" id="{FD6A7150-C73F-4314-AEC2-FE0C1B4ED80E}"/>
+                <a16:creationId xmlns="" xmlns:a16="http://schemas.microsoft.com/office/drawing/2014/main" id="{FD6A7150-C73F-4314-AEC2-FE0C1B4ED80E}"/>
               </a:ext>
             </a:extLst>
           </p:cNvPr>
@@ -6904,7 +6859,7 @@
           <p:cNvPr id="159" name="OTLSHAPE_TB_00000000000000000000000000000000_TodayMarkerText">
             <a:extLst>
               <a:ext uri="{FF2B5EF4-FFF2-40B4-BE49-F238E27FC236}">
-                <a16:creationId xmlns:a16="http://schemas.microsoft.com/office/drawing/2014/main" xmlns="" id="{FD6A7150-C73F-4314-AEC2-FE0C1B4ED80E}"/>
+                <a16:creationId xmlns="" xmlns:a16="http://schemas.microsoft.com/office/drawing/2014/main" id="{FD6A7150-C73F-4314-AEC2-FE0C1B4ED80E}"/>
               </a:ext>
             </a:extLst>
           </p:cNvPr>
@@ -6956,7 +6911,7 @@
     </p:custDataLst>
     <p:extLst>
       <p:ext uri="{BB962C8B-B14F-4D97-AF65-F5344CB8AC3E}">
-        <p14:creationId xmlns:p14="http://schemas.microsoft.com/office/powerpoint/2010/main" xmlns="" val="968112438"/>
+        <p14:creationId xmlns="" xmlns:p14="http://schemas.microsoft.com/office/powerpoint/2010/main" val="968112438"/>
       </p:ext>
     </p:extLst>
   </p:cSld>
@@ -7589,7 +7544,7 @@
   <a:extraClrSchemeLst/>
   <a:extLst>
     <a:ext uri="{05A4C25C-085E-4340-85A3-A5531E510DB2}">
-      <thm15:themeFamily xmlns:thm15="http://schemas.microsoft.com/office/thememl/2012/main" xmlns="" name="Office Theme" id="{62F939B6-93AF-4DB8-9C6B-D6C7DFDC589F}" vid="{4A3C46E8-61CC-4603-A589-7422A47A8E4A}"/>
+      <thm15:themeFamily xmlns="" xmlns:thm15="http://schemas.microsoft.com/office/thememl/2012/main" name="Office Theme" id="{62F939B6-93AF-4DB8-9C6B-D6C7DFDC589F}" vid="{4A3C46E8-61CC-4603-A589-7422A47A8E4A}"/>
     </a:ext>
   </a:extLst>
 </a:theme>
@@ -7884,7 +7839,7 @@
   <a:extraClrSchemeLst/>
   <a:extLst>
     <a:ext uri="{05A4C25C-085E-4340-85A3-A5531E510DB2}">
-      <thm15:themeFamily xmlns:thm15="http://schemas.microsoft.com/office/thememl/2012/main" xmlns="" name="Office Theme" id="{62F939B6-93AF-4DB8-9C6B-D6C7DFDC589F}" vid="{4A3C46E8-61CC-4603-A589-7422A47A8E4A}"/>
+      <thm15:themeFamily xmlns="" xmlns:thm15="http://schemas.microsoft.com/office/thememl/2012/main" name="Office Theme" id="{62F939B6-93AF-4DB8-9C6B-D6C7DFDC589F}" vid="{4A3C46E8-61CC-4603-A589-7422A47A8E4A}"/>
     </a:ext>
   </a:extLst>
 </a:theme>

--- a/Documentation/Roadmap.pptx
+++ b/Documentation/Roadmap.pptx
@@ -5,10 +5,33 @@
     <p:sldMasterId id="2147483834" r:id="rId1"/>
   </p:sldMasterIdLst>
   <p:notesMasterIdLst>
-    <p:notesMasterId r:id="rId3"/>
+    <p:notesMasterId r:id="rId26"/>
   </p:notesMasterIdLst>
   <p:sldIdLst>
-    <p:sldId id="961" r:id="rId2"/>
+    <p:sldId id="989" r:id="rId2"/>
+    <p:sldId id="976" r:id="rId3"/>
+    <p:sldId id="977" r:id="rId4"/>
+    <p:sldId id="978" r:id="rId5"/>
+    <p:sldId id="979" r:id="rId6"/>
+    <p:sldId id="980" r:id="rId7"/>
+    <p:sldId id="986" r:id="rId8"/>
+    <p:sldId id="981" r:id="rId9"/>
+    <p:sldId id="982" r:id="rId10"/>
+    <p:sldId id="984" r:id="rId11"/>
+    <p:sldId id="963" r:id="rId12"/>
+    <p:sldId id="962" r:id="rId13"/>
+    <p:sldId id="965" r:id="rId14"/>
+    <p:sldId id="968" r:id="rId15"/>
+    <p:sldId id="967" r:id="rId16"/>
+    <p:sldId id="969" r:id="rId17"/>
+    <p:sldId id="970" r:id="rId18"/>
+    <p:sldId id="971" r:id="rId19"/>
+    <p:sldId id="972" r:id="rId20"/>
+    <p:sldId id="973" r:id="rId21"/>
+    <p:sldId id="974" r:id="rId22"/>
+    <p:sldId id="975" r:id="rId23"/>
+    <p:sldId id="985" r:id="rId24"/>
+    <p:sldId id="987" r:id="rId25"/>
   </p:sldIdLst>
   <p:sldSz cx="12192000" cy="6858000"/>
   <p:notesSz cx="6858000" cy="9144000"/>
@@ -209,7 +232,7 @@
             <a:fld id="{783318CE-7023-48EA-BE1A-FD2616466EBB}" type="datetimeFigureOut">
               <a:rPr lang="en-US" smtClean="0"/>
               <a:pPr/>
-              <a:t>10/1/2020</a:t>
+              <a:t>10/18/2020</a:t>
             </a:fld>
             <a:endParaRPr lang="en-US"/>
           </a:p>
@@ -607,7 +630,7 @@
             <a:fld id="{D06AC3B0-CB85-40CE-8E40-078D7E0039DD}" type="datetimeFigureOut">
               <a:rPr lang="en-US" smtClean="0"/>
               <a:pPr/>
-              <a:t>10/1/2020</a:t>
+              <a:t>10/18/2020</a:t>
             </a:fld>
             <a:endParaRPr lang="en-US"/>
           </a:p>
@@ -777,7 +800,7 @@
             <a:fld id="{D06AC3B0-CB85-40CE-8E40-078D7E0039DD}" type="datetimeFigureOut">
               <a:rPr lang="en-US" smtClean="0"/>
               <a:pPr/>
-              <a:t>10/1/2020</a:t>
+              <a:t>10/18/2020</a:t>
             </a:fld>
             <a:endParaRPr lang="en-US"/>
           </a:p>
@@ -957,7 +980,7 @@
             <a:fld id="{D06AC3B0-CB85-40CE-8E40-078D7E0039DD}" type="datetimeFigureOut">
               <a:rPr lang="en-US" smtClean="0"/>
               <a:pPr/>
-              <a:t>10/1/2020</a:t>
+              <a:t>10/18/2020</a:t>
             </a:fld>
             <a:endParaRPr lang="en-US"/>
           </a:p>
@@ -1127,7 +1150,7 @@
             <a:fld id="{D06AC3B0-CB85-40CE-8E40-078D7E0039DD}" type="datetimeFigureOut">
               <a:rPr lang="en-US" smtClean="0"/>
               <a:pPr/>
-              <a:t>10/1/2020</a:t>
+              <a:t>10/18/2020</a:t>
             </a:fld>
             <a:endParaRPr lang="en-US"/>
           </a:p>
@@ -1374,7 +1397,7 @@
             <a:fld id="{D06AC3B0-CB85-40CE-8E40-078D7E0039DD}" type="datetimeFigureOut">
               <a:rPr lang="en-US" smtClean="0"/>
               <a:pPr/>
-              <a:t>10/1/2020</a:t>
+              <a:t>10/18/2020</a:t>
             </a:fld>
             <a:endParaRPr lang="en-US"/>
           </a:p>
@@ -1605,7 +1628,7 @@
             <a:fld id="{D06AC3B0-CB85-40CE-8E40-078D7E0039DD}" type="datetimeFigureOut">
               <a:rPr lang="en-US" smtClean="0"/>
               <a:pPr/>
-              <a:t>10/1/2020</a:t>
+              <a:t>10/18/2020</a:t>
             </a:fld>
             <a:endParaRPr lang="en-US"/>
           </a:p>
@@ -1971,7 +1994,7 @@
             <a:fld id="{D06AC3B0-CB85-40CE-8E40-078D7E0039DD}" type="datetimeFigureOut">
               <a:rPr lang="en-US" smtClean="0"/>
               <a:pPr/>
-              <a:t>10/1/2020</a:t>
+              <a:t>10/18/2020</a:t>
             </a:fld>
             <a:endParaRPr lang="en-US"/>
           </a:p>
@@ -2090,7 +2113,7 @@
             <a:fld id="{D06AC3B0-CB85-40CE-8E40-078D7E0039DD}" type="datetimeFigureOut">
               <a:rPr lang="en-US" smtClean="0"/>
               <a:pPr/>
-              <a:t>10/1/2020</a:t>
+              <a:t>10/18/2020</a:t>
             </a:fld>
             <a:endParaRPr lang="en-US"/>
           </a:p>
@@ -2187,7 +2210,7 @@
             <a:fld id="{D06AC3B0-CB85-40CE-8E40-078D7E0039DD}" type="datetimeFigureOut">
               <a:rPr lang="en-US" smtClean="0"/>
               <a:pPr/>
-              <a:t>10/1/2020</a:t>
+              <a:t>10/18/2020</a:t>
             </a:fld>
             <a:endParaRPr lang="en-US"/>
           </a:p>
@@ -2464,7 +2487,7 @@
             <a:fld id="{D06AC3B0-CB85-40CE-8E40-078D7E0039DD}" type="datetimeFigureOut">
               <a:rPr lang="en-US" smtClean="0"/>
               <a:pPr/>
-              <a:t>10/1/2020</a:t>
+              <a:t>10/18/2020</a:t>
             </a:fld>
             <a:endParaRPr lang="en-US"/>
           </a:p>
@@ -2718,7 +2741,7 @@
             <a:fld id="{D06AC3B0-CB85-40CE-8E40-078D7E0039DD}" type="datetimeFigureOut">
               <a:rPr lang="en-US" smtClean="0"/>
               <a:pPr/>
-              <a:t>10/1/2020</a:t>
+              <a:t>10/18/2020</a:t>
             </a:fld>
             <a:endParaRPr lang="en-US"/>
           </a:p>
@@ -2931,7 +2954,7 @@
             <a:fld id="{D06AC3B0-CB85-40CE-8E40-078D7E0039DD}" type="datetimeFigureOut">
               <a:rPr lang="en-US" smtClean="0"/>
               <a:pPr/>
-              <a:t>10/1/2020</a:t>
+              <a:t>10/18/2020</a:t>
             </a:fld>
             <a:endParaRPr lang="en-US"/>
           </a:p>
@@ -3342,6 +3365,5469 @@
           <p:cNvPr id="20" name="OTLSHAPE_SL_d9a7df2045804d9cb17247706c303bca_BackgroundRectangle">
             <a:extLst>
               <a:ext uri="{FF2B5EF4-FFF2-40B4-BE49-F238E27FC236}">
+                <a16:creationId xmlns:a16="http://schemas.microsoft.com/office/drawing/2014/main" xmlns="" id="{66DCDDA1-B827-4D84-B5C4-9C8FBC668642}"/>
+              </a:ext>
+            </a:extLst>
+          </p:cNvPr>
+          <p:cNvSpPr/>
+          <p:nvPr>
+            <p:custDataLst>
+              <p:tags r:id="rId2"/>
+            </p:custDataLst>
+          </p:nvPr>
+        </p:nvSpPr>
+        <p:spPr>
+          <a:xfrm>
+            <a:off x="63500" y="3361267"/>
+            <a:ext cx="11201400" cy="1392343"/>
+          </a:xfrm>
+          <a:prstGeom prst="rect">
+            <a:avLst/>
+          </a:prstGeom>
+          <a:solidFill>
+            <a:schemeClr val="dk1">
+              <a:alpha val="14902"/>
+            </a:schemeClr>
+          </a:solidFill>
+          <a:ln w="12700" cap="flat" cmpd="sng" algn="ctr">
+            <a:noFill/>
+            <a:prstDash val="solid"/>
+            <a:miter lim="800000"/>
+          </a:ln>
+          <a:effectLst/>
+          <a:extLst>
+            <a:ext uri="{91240B29-F687-4F45-9708-019B960494DF}">
+              <a14:hiddenLine xmlns:a14="http://schemas.microsoft.com/office/drawing/2010/main" xmlns="" w="12700" cap="flat" cmpd="sng" algn="ctr">
+                <a:solidFill>
+                  <a:schemeClr val="accent1">
+                    <a:shade val="50000"/>
+                  </a:schemeClr>
+                </a:solidFill>
+                <a:prstDash val="solid"/>
+                <a:miter lim="800000"/>
+              </a14:hiddenLine>
+            </a:ext>
+          </a:extLst>
+        </p:spPr>
+        <p:style>
+          <a:lnRef idx="2">
+            <a:schemeClr val="accent1">
+              <a:shade val="50000"/>
+            </a:schemeClr>
+          </a:lnRef>
+          <a:fillRef idx="1">
+            <a:schemeClr val="accent1"/>
+          </a:fillRef>
+          <a:effectRef idx="0">
+            <a:schemeClr val="accent1"/>
+          </a:effectRef>
+          <a:fontRef idx="minor">
+            <a:schemeClr val="lt1"/>
+          </a:fontRef>
+        </p:style>
+        <p:txBody>
+          <a:bodyPr rtlCol="0" anchor="ctr"/>
+          <a:lstStyle/>
+          <a:p>
+            <a:pPr algn="ctr"/>
+            <a:endParaRPr lang="fr-FR" dirty="0"/>
+          </a:p>
+        </p:txBody>
+      </p:sp>
+      <p:sp>
+        <p:nvSpPr>
+          <p:cNvPr id="26" name="OTLSHAPE_SL_289bf47ff7d04780b5bda4d0e147a7d0_BackgroundRectangle">
+            <a:extLst>
+              <a:ext uri="{FF2B5EF4-FFF2-40B4-BE49-F238E27FC236}">
+                <a16:creationId xmlns:a16="http://schemas.microsoft.com/office/drawing/2014/main" xmlns="" id="{7BA13860-D243-4688-A0E2-DE88EECBFCF2}"/>
+              </a:ext>
+            </a:extLst>
+          </p:cNvPr>
+          <p:cNvSpPr/>
+          <p:nvPr>
+            <p:custDataLst>
+              <p:tags r:id="rId3"/>
+            </p:custDataLst>
+          </p:nvPr>
+        </p:nvSpPr>
+        <p:spPr>
+          <a:xfrm>
+            <a:off x="63500" y="5883910"/>
+            <a:ext cx="11201400" cy="762000"/>
+          </a:xfrm>
+          <a:prstGeom prst="rect">
+            <a:avLst/>
+          </a:prstGeom>
+          <a:solidFill>
+            <a:schemeClr val="dk1">
+              <a:alpha val="14902"/>
+            </a:schemeClr>
+          </a:solidFill>
+          <a:ln w="12700" cap="flat" cmpd="sng" algn="ctr">
+            <a:noFill/>
+            <a:prstDash val="solid"/>
+            <a:miter lim="800000"/>
+          </a:ln>
+          <a:effectLst/>
+          <a:extLst>
+            <a:ext uri="{91240B29-F687-4F45-9708-019B960494DF}">
+              <a14:hiddenLine xmlns:a14="http://schemas.microsoft.com/office/drawing/2010/main" xmlns="" w="12700" cap="flat" cmpd="sng" algn="ctr">
+                <a:solidFill>
+                  <a:schemeClr val="accent1">
+                    <a:shade val="50000"/>
+                  </a:schemeClr>
+                </a:solidFill>
+                <a:prstDash val="solid"/>
+                <a:miter lim="800000"/>
+              </a14:hiddenLine>
+            </a:ext>
+          </a:extLst>
+        </p:spPr>
+        <p:style>
+          <a:lnRef idx="2">
+            <a:schemeClr val="accent1">
+              <a:shade val="50000"/>
+            </a:schemeClr>
+          </a:lnRef>
+          <a:fillRef idx="1">
+            <a:schemeClr val="accent1"/>
+          </a:fillRef>
+          <a:effectRef idx="0">
+            <a:schemeClr val="accent1"/>
+          </a:effectRef>
+          <a:fontRef idx="minor">
+            <a:schemeClr val="lt1"/>
+          </a:fontRef>
+        </p:style>
+        <p:txBody>
+          <a:bodyPr rtlCol="0" anchor="ctr"/>
+          <a:lstStyle/>
+          <a:p>
+            <a:pPr algn="ctr"/>
+            <a:endParaRPr lang="fr-FR"/>
+          </a:p>
+        </p:txBody>
+      </p:sp>
+      <p:sp>
+        <p:nvSpPr>
+          <p:cNvPr id="4" name="OTLSHAPE_TB_00000000000000000000000000000000_ScaleContainer">
+            <a:extLst>
+              <a:ext uri="{FF2B5EF4-FFF2-40B4-BE49-F238E27FC236}">
+                <a16:creationId xmlns:a16="http://schemas.microsoft.com/office/drawing/2014/main" xmlns="" id="{FC9F7E8D-667F-42F5-9478-D33669C2121B}"/>
+              </a:ext>
+            </a:extLst>
+          </p:cNvPr>
+          <p:cNvSpPr/>
+          <p:nvPr>
+            <p:custDataLst>
+              <p:tags r:id="rId4"/>
+            </p:custDataLst>
+          </p:nvPr>
+        </p:nvSpPr>
+        <p:spPr>
+          <a:xfrm>
+            <a:off x="933365" y="1059180"/>
+            <a:ext cx="10337800" cy="381000"/>
+          </a:xfrm>
+          <a:prstGeom prst="rect">
+            <a:avLst/>
+          </a:prstGeom>
+          <a:solidFill>
+            <a:srgbClr val="E1E1E1"/>
+          </a:solidFill>
+          <a:ln w="12700" cap="flat" cmpd="sng" algn="ctr">
+            <a:noFill/>
+            <a:prstDash val="solid"/>
+            <a:miter lim="800000"/>
+          </a:ln>
+          <a:effectLst/>
+          <a:extLst>
+            <a:ext uri="{91240B29-F687-4F45-9708-019B960494DF}">
+              <a14:hiddenLine xmlns:a14="http://schemas.microsoft.com/office/drawing/2010/main" xmlns="" w="12700" cap="flat" cmpd="sng" algn="ctr">
+                <a:solidFill>
+                  <a:schemeClr val="accent1">
+                    <a:shade val="50000"/>
+                  </a:schemeClr>
+                </a:solidFill>
+                <a:prstDash val="solid"/>
+                <a:miter lim="800000"/>
+              </a14:hiddenLine>
+            </a:ext>
+          </a:extLst>
+        </p:spPr>
+        <p:style>
+          <a:lnRef idx="2">
+            <a:schemeClr val="accent1">
+              <a:shade val="50000"/>
+            </a:schemeClr>
+          </a:lnRef>
+          <a:fillRef idx="1">
+            <a:schemeClr val="accent1"/>
+          </a:fillRef>
+          <a:effectRef idx="0">
+            <a:schemeClr val="accent1"/>
+          </a:effectRef>
+          <a:fontRef idx="minor">
+            <a:schemeClr val="lt1"/>
+          </a:fontRef>
+        </p:style>
+        <p:txBody>
+          <a:bodyPr rtlCol="0" anchor="ctr"/>
+          <a:lstStyle/>
+          <a:p>
+            <a:pPr algn="ctr"/>
+            <a:endParaRPr lang="fr-FR"/>
+          </a:p>
+        </p:txBody>
+      </p:sp>
+      <p:sp>
+        <p:nvSpPr>
+          <p:cNvPr id="18" name="OTLSHAPE_SL_7c21b9d0849c4bca94c2f6458ca272ef_HeaderRectangle">
+            <a:extLst>
+              <a:ext uri="{FF2B5EF4-FFF2-40B4-BE49-F238E27FC236}">
+                <a16:creationId xmlns:a16="http://schemas.microsoft.com/office/drawing/2014/main" xmlns="" id="{2DE43ACE-F7F4-4337-8C97-AE90C444592E}"/>
+              </a:ext>
+            </a:extLst>
+          </p:cNvPr>
+          <p:cNvSpPr/>
+          <p:nvPr>
+            <p:custDataLst>
+              <p:tags r:id="rId5"/>
+            </p:custDataLst>
+          </p:nvPr>
+        </p:nvSpPr>
+        <p:spPr>
+          <a:xfrm>
+            <a:off x="63499" y="1643380"/>
+            <a:ext cx="863963" cy="1654387"/>
+          </a:xfrm>
+          <a:prstGeom prst="rect">
+            <a:avLst/>
+          </a:prstGeom>
+          <a:solidFill>
+            <a:srgbClr val="9ADED8">
+              <a:alpha val="49804"/>
+            </a:srgbClr>
+          </a:solidFill>
+          <a:ln w="12700" cap="flat" cmpd="sng" algn="ctr">
+            <a:noFill/>
+            <a:prstDash val="solid"/>
+            <a:miter lim="800000"/>
+          </a:ln>
+          <a:effectLst/>
+          <a:extLst>
+            <a:ext uri="{91240B29-F687-4F45-9708-019B960494DF}">
+              <a14:hiddenLine xmlns:a14="http://schemas.microsoft.com/office/drawing/2010/main" xmlns="" w="12700" cap="flat" cmpd="sng" algn="ctr">
+                <a:solidFill>
+                  <a:schemeClr val="accent1">
+                    <a:shade val="50000"/>
+                  </a:schemeClr>
+                </a:solidFill>
+                <a:prstDash val="solid"/>
+                <a:miter lim="800000"/>
+              </a14:hiddenLine>
+            </a:ext>
+          </a:extLst>
+        </p:spPr>
+        <p:style>
+          <a:lnRef idx="2">
+            <a:schemeClr val="accent1">
+              <a:shade val="50000"/>
+            </a:schemeClr>
+          </a:lnRef>
+          <a:fillRef idx="1">
+            <a:schemeClr val="accent1"/>
+          </a:fillRef>
+          <a:effectRef idx="0">
+            <a:schemeClr val="accent1"/>
+          </a:effectRef>
+          <a:fontRef idx="minor">
+            <a:schemeClr val="lt1"/>
+          </a:fontRef>
+        </p:style>
+        <p:txBody>
+          <a:bodyPr rtlCol="0" anchor="ctr"/>
+          <a:lstStyle/>
+          <a:p>
+            <a:pPr algn="ctr"/>
+            <a:endParaRPr lang="fr-FR"/>
+          </a:p>
+        </p:txBody>
+      </p:sp>
+      <p:sp>
+        <p:nvSpPr>
+          <p:cNvPr id="21" name="OTLSHAPE_SL_d9a7df2045804d9cb17247706c303bca_HeaderRectangle">
+            <a:extLst>
+              <a:ext uri="{FF2B5EF4-FFF2-40B4-BE49-F238E27FC236}">
+                <a16:creationId xmlns:a16="http://schemas.microsoft.com/office/drawing/2014/main" xmlns="" id="{3E7DF4B2-D667-426E-AA85-7A6C85442106}"/>
+              </a:ext>
+            </a:extLst>
+          </p:cNvPr>
+          <p:cNvSpPr/>
+          <p:nvPr>
+            <p:custDataLst>
+              <p:tags r:id="rId6"/>
+            </p:custDataLst>
+          </p:nvPr>
+        </p:nvSpPr>
+        <p:spPr>
+          <a:xfrm>
+            <a:off x="63500" y="3361267"/>
+            <a:ext cx="877026" cy="1392343"/>
+          </a:xfrm>
+          <a:prstGeom prst="rect">
+            <a:avLst/>
+          </a:prstGeom>
+          <a:solidFill>
+            <a:srgbClr val="6F3198">
+              <a:alpha val="49804"/>
+            </a:srgbClr>
+          </a:solidFill>
+          <a:ln w="12700" cap="flat" cmpd="sng" algn="ctr">
+            <a:noFill/>
+            <a:prstDash val="solid"/>
+            <a:miter lim="800000"/>
+          </a:ln>
+          <a:effectLst/>
+          <a:extLst>
+            <a:ext uri="{91240B29-F687-4F45-9708-019B960494DF}">
+              <a14:hiddenLine xmlns:a14="http://schemas.microsoft.com/office/drawing/2010/main" xmlns="" w="12700" cap="flat" cmpd="sng" algn="ctr">
+                <a:solidFill>
+                  <a:schemeClr val="accent1">
+                    <a:shade val="50000"/>
+                  </a:schemeClr>
+                </a:solidFill>
+                <a:prstDash val="solid"/>
+                <a:miter lim="800000"/>
+              </a14:hiddenLine>
+            </a:ext>
+          </a:extLst>
+        </p:spPr>
+        <p:style>
+          <a:lnRef idx="2">
+            <a:schemeClr val="accent1">
+              <a:shade val="50000"/>
+            </a:schemeClr>
+          </a:lnRef>
+          <a:fillRef idx="1">
+            <a:schemeClr val="accent1"/>
+          </a:fillRef>
+          <a:effectRef idx="0">
+            <a:schemeClr val="accent1"/>
+          </a:effectRef>
+          <a:fontRef idx="minor">
+            <a:schemeClr val="lt1"/>
+          </a:fontRef>
+        </p:style>
+        <p:txBody>
+          <a:bodyPr rtlCol="0" anchor="ctr"/>
+          <a:lstStyle/>
+          <a:p>
+            <a:pPr algn="ctr"/>
+            <a:endParaRPr lang="fr-FR"/>
+          </a:p>
+        </p:txBody>
+      </p:sp>
+      <p:sp>
+        <p:nvSpPr>
+          <p:cNvPr id="24" name="OTLSHAPE_SL_a6b291b9f3134548847ec52cf049f87b_HeaderRectangle">
+            <a:extLst>
+              <a:ext uri="{FF2B5EF4-FFF2-40B4-BE49-F238E27FC236}">
+                <a16:creationId xmlns:a16="http://schemas.microsoft.com/office/drawing/2014/main" xmlns="" id="{B56E05F9-C635-4E88-9EEF-7A9E36485C4E}"/>
+              </a:ext>
+            </a:extLst>
+          </p:cNvPr>
+          <p:cNvSpPr/>
+          <p:nvPr>
+            <p:custDataLst>
+              <p:tags r:id="rId7"/>
+            </p:custDataLst>
+          </p:nvPr>
+        </p:nvSpPr>
+        <p:spPr>
+          <a:xfrm>
+            <a:off x="63500" y="4817110"/>
+            <a:ext cx="877026" cy="1003300"/>
+          </a:xfrm>
+          <a:prstGeom prst="rect">
+            <a:avLst/>
+          </a:prstGeom>
+          <a:solidFill>
+            <a:srgbClr val="F0642F">
+              <a:alpha val="49804"/>
+            </a:srgbClr>
+          </a:solidFill>
+          <a:ln w="12700" cap="flat" cmpd="sng" algn="ctr">
+            <a:noFill/>
+            <a:prstDash val="solid"/>
+            <a:miter lim="800000"/>
+          </a:ln>
+          <a:effectLst/>
+          <a:extLst>
+            <a:ext uri="{91240B29-F687-4F45-9708-019B960494DF}">
+              <a14:hiddenLine xmlns:a14="http://schemas.microsoft.com/office/drawing/2010/main" xmlns="" w="12700" cap="flat" cmpd="sng" algn="ctr">
+                <a:solidFill>
+                  <a:schemeClr val="accent1">
+                    <a:shade val="50000"/>
+                  </a:schemeClr>
+                </a:solidFill>
+                <a:prstDash val="solid"/>
+                <a:miter lim="800000"/>
+              </a14:hiddenLine>
+            </a:ext>
+          </a:extLst>
+        </p:spPr>
+        <p:style>
+          <a:lnRef idx="2">
+            <a:schemeClr val="accent1">
+              <a:shade val="50000"/>
+            </a:schemeClr>
+          </a:lnRef>
+          <a:fillRef idx="1">
+            <a:schemeClr val="accent1"/>
+          </a:fillRef>
+          <a:effectRef idx="0">
+            <a:schemeClr val="accent1"/>
+          </a:effectRef>
+          <a:fontRef idx="minor">
+            <a:schemeClr val="lt1"/>
+          </a:fontRef>
+        </p:style>
+        <p:txBody>
+          <a:bodyPr rtlCol="0" anchor="ctr"/>
+          <a:lstStyle/>
+          <a:p>
+            <a:pPr algn="ctr"/>
+            <a:endParaRPr lang="fr-FR"/>
+          </a:p>
+        </p:txBody>
+      </p:sp>
+      <p:sp>
+        <p:nvSpPr>
+          <p:cNvPr id="27" name="OTLSHAPE_SL_289bf47ff7d04780b5bda4d0e147a7d0_HeaderRectangle">
+            <a:extLst>
+              <a:ext uri="{FF2B5EF4-FFF2-40B4-BE49-F238E27FC236}">
+                <a16:creationId xmlns:a16="http://schemas.microsoft.com/office/drawing/2014/main" xmlns="" id="{B88DFAF3-5022-4F35-AAA2-1AF6595671D6}"/>
+              </a:ext>
+            </a:extLst>
+          </p:cNvPr>
+          <p:cNvSpPr/>
+          <p:nvPr>
+            <p:custDataLst>
+              <p:tags r:id="rId8"/>
+            </p:custDataLst>
+          </p:nvPr>
+        </p:nvSpPr>
+        <p:spPr>
+          <a:xfrm>
+            <a:off x="63500" y="5883910"/>
+            <a:ext cx="877026" cy="762000"/>
+          </a:xfrm>
+          <a:prstGeom prst="rect">
+            <a:avLst/>
+          </a:prstGeom>
+          <a:solidFill>
+            <a:srgbClr val="FEBA0A">
+              <a:alpha val="49804"/>
+            </a:srgbClr>
+          </a:solidFill>
+          <a:ln w="12700" cap="flat" cmpd="sng" algn="ctr">
+            <a:noFill/>
+            <a:prstDash val="solid"/>
+            <a:miter lim="800000"/>
+          </a:ln>
+          <a:effectLst/>
+          <a:extLst>
+            <a:ext uri="{91240B29-F687-4F45-9708-019B960494DF}">
+              <a14:hiddenLine xmlns:a14="http://schemas.microsoft.com/office/drawing/2010/main" xmlns="" w="12700" cap="flat" cmpd="sng" algn="ctr">
+                <a:solidFill>
+                  <a:schemeClr val="accent1">
+                    <a:shade val="50000"/>
+                  </a:schemeClr>
+                </a:solidFill>
+                <a:prstDash val="solid"/>
+                <a:miter lim="800000"/>
+              </a14:hiddenLine>
+            </a:ext>
+          </a:extLst>
+        </p:spPr>
+        <p:style>
+          <a:lnRef idx="2">
+            <a:schemeClr val="accent1">
+              <a:shade val="50000"/>
+            </a:schemeClr>
+          </a:lnRef>
+          <a:fillRef idx="1">
+            <a:schemeClr val="accent1"/>
+          </a:fillRef>
+          <a:effectRef idx="0">
+            <a:schemeClr val="accent1"/>
+          </a:effectRef>
+          <a:fontRef idx="minor">
+            <a:schemeClr val="lt1"/>
+          </a:fontRef>
+        </p:style>
+        <p:txBody>
+          <a:bodyPr rtlCol="0" anchor="ctr"/>
+          <a:lstStyle/>
+          <a:p>
+            <a:pPr algn="ctr"/>
+            <a:endParaRPr lang="fr-FR"/>
+          </a:p>
+        </p:txBody>
+      </p:sp>
+      <p:cxnSp>
+        <p:nvCxnSpPr>
+          <p:cNvPr id="29" name="OTLSHAPE_G_00000000000000000000000000000000_ShapeBelow0">
+            <a:extLst>
+              <a:ext uri="{FF2B5EF4-FFF2-40B4-BE49-F238E27FC236}">
+                <a16:creationId xmlns:a16="http://schemas.microsoft.com/office/drawing/2014/main" xmlns="" id="{85CF7363-126A-4C1A-A67F-471524242E5E}"/>
+              </a:ext>
+            </a:extLst>
+          </p:cNvPr>
+          <p:cNvCxnSpPr/>
+          <p:nvPr>
+            <p:custDataLst>
+              <p:tags r:id="rId9"/>
+            </p:custDataLst>
+          </p:nvPr>
+        </p:nvCxnSpPr>
+        <p:spPr>
+          <a:xfrm>
+            <a:off x="3007437" y="1440180"/>
+            <a:ext cx="0" cy="5205730"/>
+          </a:xfrm>
+          <a:prstGeom prst="line">
+            <a:avLst/>
+          </a:prstGeom>
+          <a:ln w="8626" cap="flat" cmpd="sng" algn="ctr">
+            <a:solidFill>
+              <a:schemeClr val="dk1">
+                <a:alpha val="14902"/>
+              </a:schemeClr>
+            </a:solidFill>
+            <a:prstDash val="solid"/>
+            <a:miter lim="800000"/>
+            <a:headEnd type="none" w="med" len="med"/>
+            <a:tailEnd type="none" w="med" len="med"/>
+          </a:ln>
+        </p:spPr>
+        <p:style>
+          <a:lnRef idx="1">
+            <a:schemeClr val="accent1"/>
+          </a:lnRef>
+          <a:fillRef idx="0">
+            <a:schemeClr val="accent1"/>
+          </a:fillRef>
+          <a:effectRef idx="0">
+            <a:schemeClr val="accent1"/>
+          </a:effectRef>
+          <a:fontRef idx="minor">
+            <a:schemeClr val="tx1"/>
+          </a:fontRef>
+        </p:style>
+      </p:cxnSp>
+      <p:cxnSp>
+        <p:nvCxnSpPr>
+          <p:cNvPr id="30" name="OTLSHAPE_G_00000000000000000000000000000000_ShapeBelow1">
+            <a:extLst>
+              <a:ext uri="{FF2B5EF4-FFF2-40B4-BE49-F238E27FC236}">
+                <a16:creationId xmlns:a16="http://schemas.microsoft.com/office/drawing/2014/main" xmlns="" id="{32931418-8FD4-4C98-8F38-368996F6D0FF}"/>
+              </a:ext>
+            </a:extLst>
+          </p:cNvPr>
+          <p:cNvCxnSpPr/>
+          <p:nvPr>
+            <p:custDataLst>
+              <p:tags r:id="rId10"/>
+            </p:custDataLst>
+          </p:nvPr>
+        </p:nvCxnSpPr>
+        <p:spPr>
+          <a:xfrm>
+            <a:off x="5081508" y="1440180"/>
+            <a:ext cx="0" cy="5205730"/>
+          </a:xfrm>
+          <a:prstGeom prst="line">
+            <a:avLst/>
+          </a:prstGeom>
+          <a:ln w="8626" cap="flat" cmpd="sng" algn="ctr">
+            <a:solidFill>
+              <a:schemeClr val="dk1">
+                <a:alpha val="14902"/>
+              </a:schemeClr>
+            </a:solidFill>
+            <a:prstDash val="solid"/>
+            <a:miter lim="800000"/>
+            <a:headEnd type="none" w="med" len="med"/>
+            <a:tailEnd type="none" w="med" len="med"/>
+          </a:ln>
+        </p:spPr>
+        <p:style>
+          <a:lnRef idx="1">
+            <a:schemeClr val="accent1"/>
+          </a:lnRef>
+          <a:fillRef idx="0">
+            <a:schemeClr val="accent1"/>
+          </a:fillRef>
+          <a:effectRef idx="0">
+            <a:schemeClr val="accent1"/>
+          </a:effectRef>
+          <a:fontRef idx="minor">
+            <a:schemeClr val="tx1"/>
+          </a:fontRef>
+        </p:style>
+      </p:cxnSp>
+      <p:cxnSp>
+        <p:nvCxnSpPr>
+          <p:cNvPr id="31" name="OTLSHAPE_G_00000000000000000000000000000000_ShapeBelow2">
+            <a:extLst>
+              <a:ext uri="{FF2B5EF4-FFF2-40B4-BE49-F238E27FC236}">
+                <a16:creationId xmlns:a16="http://schemas.microsoft.com/office/drawing/2014/main" xmlns="" id="{AF82692A-6124-4245-9780-3B01B3D37B3D}"/>
+              </a:ext>
+            </a:extLst>
+          </p:cNvPr>
+          <p:cNvCxnSpPr/>
+          <p:nvPr>
+            <p:custDataLst>
+              <p:tags r:id="rId11"/>
+            </p:custDataLst>
+          </p:nvPr>
+        </p:nvCxnSpPr>
+        <p:spPr>
+          <a:xfrm>
+            <a:off x="7133036" y="1440180"/>
+            <a:ext cx="0" cy="5205730"/>
+          </a:xfrm>
+          <a:prstGeom prst="line">
+            <a:avLst/>
+          </a:prstGeom>
+          <a:ln w="8626" cap="flat" cmpd="sng" algn="ctr">
+            <a:solidFill>
+              <a:schemeClr val="dk1">
+                <a:alpha val="14902"/>
+              </a:schemeClr>
+            </a:solidFill>
+            <a:prstDash val="solid"/>
+            <a:miter lim="800000"/>
+            <a:headEnd type="none" w="med" len="med"/>
+            <a:tailEnd type="none" w="med" len="med"/>
+          </a:ln>
+        </p:spPr>
+        <p:style>
+          <a:lnRef idx="1">
+            <a:schemeClr val="accent1"/>
+          </a:lnRef>
+          <a:fillRef idx="0">
+            <a:schemeClr val="accent1"/>
+          </a:fillRef>
+          <a:effectRef idx="0">
+            <a:schemeClr val="accent1"/>
+          </a:effectRef>
+          <a:fontRef idx="minor">
+            <a:schemeClr val="tx1"/>
+          </a:fontRef>
+        </p:style>
+      </p:cxnSp>
+      <p:cxnSp>
+        <p:nvCxnSpPr>
+          <p:cNvPr id="32" name="OTLSHAPE_G_00000000000000000000000000000000_ShapeBelow3">
+            <a:extLst>
+              <a:ext uri="{FF2B5EF4-FFF2-40B4-BE49-F238E27FC236}">
+                <a16:creationId xmlns:a16="http://schemas.microsoft.com/office/drawing/2014/main" xmlns="" id="{CE6D351B-48C2-424B-845D-19BE90DCE759}"/>
+              </a:ext>
+            </a:extLst>
+          </p:cNvPr>
+          <p:cNvCxnSpPr/>
+          <p:nvPr>
+            <p:custDataLst>
+              <p:tags r:id="rId12"/>
+            </p:custDataLst>
+          </p:nvPr>
+        </p:nvCxnSpPr>
+        <p:spPr>
+          <a:xfrm>
+            <a:off x="9184563" y="1440180"/>
+            <a:ext cx="0" cy="5205730"/>
+          </a:xfrm>
+          <a:prstGeom prst="line">
+            <a:avLst/>
+          </a:prstGeom>
+          <a:ln w="8626" cap="flat" cmpd="sng" algn="ctr">
+            <a:solidFill>
+              <a:schemeClr val="dk1">
+                <a:alpha val="14902"/>
+              </a:schemeClr>
+            </a:solidFill>
+            <a:prstDash val="solid"/>
+            <a:miter lim="800000"/>
+            <a:headEnd type="none" w="med" len="med"/>
+            <a:tailEnd type="none" w="med" len="med"/>
+          </a:ln>
+        </p:spPr>
+        <p:style>
+          <a:lnRef idx="1">
+            <a:schemeClr val="accent1"/>
+          </a:lnRef>
+          <a:fillRef idx="0">
+            <a:schemeClr val="accent1"/>
+          </a:fillRef>
+          <a:effectRef idx="0">
+            <a:schemeClr val="accent1"/>
+          </a:effectRef>
+          <a:fontRef idx="minor">
+            <a:schemeClr val="tx1"/>
+          </a:fontRef>
+        </p:style>
+      </p:cxnSp>
+      <p:sp>
+        <p:nvSpPr>
+          <p:cNvPr id="80" name="OTLSHAPE_SLT_e29fb8690b6043e6b8b49ec05b550ba3_Shape">
+            <a:extLst>
+              <a:ext uri="{FF2B5EF4-FFF2-40B4-BE49-F238E27FC236}">
+                <a16:creationId xmlns:a16="http://schemas.microsoft.com/office/drawing/2014/main" xmlns="" id="{9A477AD3-B119-402E-8E76-EABF59C9A5EC}"/>
+              </a:ext>
+            </a:extLst>
+          </p:cNvPr>
+          <p:cNvSpPr/>
+          <p:nvPr>
+            <p:custDataLst>
+              <p:tags r:id="rId13"/>
+            </p:custDataLst>
+          </p:nvPr>
+        </p:nvSpPr>
+        <p:spPr>
+          <a:xfrm>
+            <a:off x="1016677" y="2364377"/>
+            <a:ext cx="7343551" cy="216021"/>
+          </a:xfrm>
+          <a:prstGeom prst="chevron">
+            <a:avLst/>
+          </a:prstGeom>
+          <a:solidFill>
+            <a:srgbClr val="56CFDB"/>
+          </a:solidFill>
+          <a:ln w="12700" cap="flat" cmpd="sng" algn="ctr">
+            <a:noFill/>
+            <a:prstDash val="solid"/>
+            <a:miter lim="800000"/>
+          </a:ln>
+          <a:effectLst/>
+          <a:extLst>
+            <a:ext uri="{91240B29-F687-4F45-9708-019B960494DF}">
+              <a14:hiddenLine xmlns:a14="http://schemas.microsoft.com/office/drawing/2010/main" xmlns="" w="12700" cap="flat" cmpd="sng" algn="ctr">
+                <a:solidFill>
+                  <a:schemeClr val="accent1">
+                    <a:shade val="50000"/>
+                  </a:schemeClr>
+                </a:solidFill>
+                <a:prstDash val="solid"/>
+                <a:miter lim="800000"/>
+              </a14:hiddenLine>
+            </a:ext>
+          </a:extLst>
+        </p:spPr>
+        <p:style>
+          <a:lnRef idx="2">
+            <a:schemeClr val="accent1">
+              <a:shade val="50000"/>
+            </a:schemeClr>
+          </a:lnRef>
+          <a:fillRef idx="1">
+            <a:schemeClr val="accent1"/>
+          </a:fillRef>
+          <a:effectRef idx="0">
+            <a:schemeClr val="accent1"/>
+          </a:effectRef>
+          <a:fontRef idx="minor">
+            <a:schemeClr val="lt1"/>
+          </a:fontRef>
+        </p:style>
+        <p:txBody>
+          <a:bodyPr rtlCol="0" anchor="ctr"/>
+          <a:lstStyle/>
+          <a:p>
+            <a:pPr algn="ctr"/>
+            <a:endParaRPr lang="fr-FR" dirty="0">
+              <a:solidFill>
+                <a:schemeClr val="tx1"/>
+              </a:solidFill>
+            </a:endParaRPr>
+          </a:p>
+        </p:txBody>
+      </p:sp>
+      <p:sp>
+        <p:nvSpPr>
+          <p:cNvPr id="88" name="OTLSHAPE_SLT_5fdc1ae17390491587eeb3e0a5701e86_Shape">
+            <a:extLst>
+              <a:ext uri="{FF2B5EF4-FFF2-40B4-BE49-F238E27FC236}">
+                <a16:creationId xmlns:a16="http://schemas.microsoft.com/office/drawing/2014/main" xmlns="" id="{E551897C-3474-4EEF-966B-9EE54F027C72}"/>
+              </a:ext>
+            </a:extLst>
+          </p:cNvPr>
+          <p:cNvSpPr/>
+          <p:nvPr>
+            <p:custDataLst>
+              <p:tags r:id="rId14"/>
+            </p:custDataLst>
+          </p:nvPr>
+        </p:nvSpPr>
+        <p:spPr>
+          <a:xfrm>
+            <a:off x="1045028" y="3438555"/>
+            <a:ext cx="2434029" cy="232108"/>
+          </a:xfrm>
+          <a:prstGeom prst="chevron">
+            <a:avLst/>
+          </a:prstGeom>
+          <a:solidFill>
+            <a:srgbClr val="A363C3"/>
+          </a:solidFill>
+          <a:ln w="12700" cap="flat" cmpd="sng" algn="ctr">
+            <a:noFill/>
+            <a:prstDash val="solid"/>
+            <a:miter lim="800000"/>
+          </a:ln>
+          <a:effectLst/>
+          <a:extLst>
+            <a:ext uri="{91240B29-F687-4F45-9708-019B960494DF}">
+              <a14:hiddenLine xmlns:a14="http://schemas.microsoft.com/office/drawing/2010/main" xmlns="" w="12700" cap="flat" cmpd="sng" algn="ctr">
+                <a:solidFill>
+                  <a:schemeClr val="accent1">
+                    <a:shade val="50000"/>
+                  </a:schemeClr>
+                </a:solidFill>
+                <a:prstDash val="solid"/>
+                <a:miter lim="800000"/>
+              </a14:hiddenLine>
+            </a:ext>
+          </a:extLst>
+        </p:spPr>
+        <p:style>
+          <a:lnRef idx="2">
+            <a:schemeClr val="accent1">
+              <a:shade val="50000"/>
+            </a:schemeClr>
+          </a:lnRef>
+          <a:fillRef idx="1">
+            <a:schemeClr val="accent1"/>
+          </a:fillRef>
+          <a:effectRef idx="0">
+            <a:schemeClr val="accent1"/>
+          </a:effectRef>
+          <a:fontRef idx="minor">
+            <a:schemeClr val="lt1"/>
+          </a:fontRef>
+        </p:style>
+        <p:txBody>
+          <a:bodyPr rtlCol="0" anchor="ctr"/>
+          <a:lstStyle/>
+          <a:p>
+            <a:pPr algn="ctr"/>
+            <a:endParaRPr lang="fr-FR">
+              <a:solidFill>
+                <a:schemeClr val="tx1"/>
+              </a:solidFill>
+            </a:endParaRPr>
+          </a:p>
+        </p:txBody>
+      </p:sp>
+      <p:sp>
+        <p:nvSpPr>
+          <p:cNvPr id="115" name="OTLSHAPE_SLT_7b49690012f9431fa579863039774321_Shape">
+            <a:extLst>
+              <a:ext uri="{FF2B5EF4-FFF2-40B4-BE49-F238E27FC236}">
+                <a16:creationId xmlns:a16="http://schemas.microsoft.com/office/drawing/2014/main" xmlns="" id="{5B2BC97F-A100-45D4-8266-1AD2E7AF9B68}"/>
+              </a:ext>
+            </a:extLst>
+          </p:cNvPr>
+          <p:cNvSpPr/>
+          <p:nvPr>
+            <p:custDataLst>
+              <p:tags r:id="rId15"/>
+            </p:custDataLst>
+          </p:nvPr>
+        </p:nvSpPr>
+        <p:spPr>
+          <a:xfrm>
+            <a:off x="2670743" y="3732107"/>
+            <a:ext cx="7492160" cy="212876"/>
+          </a:xfrm>
+          <a:prstGeom prst="chevron">
+            <a:avLst/>
+          </a:prstGeom>
+          <a:solidFill>
+            <a:srgbClr val="A363C3"/>
+          </a:solidFill>
+          <a:ln w="12700" cap="flat" cmpd="sng" algn="ctr">
+            <a:noFill/>
+            <a:prstDash val="solid"/>
+            <a:miter lim="800000"/>
+          </a:ln>
+          <a:effectLst/>
+          <a:extLst>
+            <a:ext uri="{91240B29-F687-4F45-9708-019B960494DF}">
+              <a14:hiddenLine xmlns:a14="http://schemas.microsoft.com/office/drawing/2010/main" xmlns="" w="12700" cap="flat" cmpd="sng" algn="ctr">
+                <a:solidFill>
+                  <a:schemeClr val="accent1">
+                    <a:shade val="50000"/>
+                  </a:schemeClr>
+                </a:solidFill>
+                <a:prstDash val="solid"/>
+                <a:miter lim="800000"/>
+              </a14:hiddenLine>
+            </a:ext>
+          </a:extLst>
+        </p:spPr>
+        <p:style>
+          <a:lnRef idx="2">
+            <a:schemeClr val="accent1">
+              <a:shade val="50000"/>
+            </a:schemeClr>
+          </a:lnRef>
+          <a:fillRef idx="1">
+            <a:schemeClr val="accent1"/>
+          </a:fillRef>
+          <a:effectRef idx="0">
+            <a:schemeClr val="accent1"/>
+          </a:effectRef>
+          <a:fontRef idx="minor">
+            <a:schemeClr val="lt1"/>
+          </a:fontRef>
+        </p:style>
+        <p:txBody>
+          <a:bodyPr rtlCol="0" anchor="ctr"/>
+          <a:lstStyle/>
+          <a:p>
+            <a:pPr algn="ctr"/>
+            <a:endParaRPr lang="fr-FR">
+              <a:solidFill>
+                <a:schemeClr val="tx1"/>
+              </a:solidFill>
+            </a:endParaRPr>
+          </a:p>
+        </p:txBody>
+      </p:sp>
+      <p:sp>
+        <p:nvSpPr>
+          <p:cNvPr id="142" name="OTLSHAPE_SLT_fa7160ae8db649c4a586c26722e094ca_Shape">
+            <a:extLst>
+              <a:ext uri="{FF2B5EF4-FFF2-40B4-BE49-F238E27FC236}">
+                <a16:creationId xmlns:a16="http://schemas.microsoft.com/office/drawing/2014/main" xmlns="" id="{7D6085F5-FC26-4859-8202-DC743C547DE9}"/>
+              </a:ext>
+            </a:extLst>
+          </p:cNvPr>
+          <p:cNvSpPr/>
+          <p:nvPr>
+            <p:custDataLst>
+              <p:tags r:id="rId16"/>
+            </p:custDataLst>
+          </p:nvPr>
+        </p:nvSpPr>
+        <p:spPr>
+          <a:xfrm>
+            <a:off x="1038787" y="5207907"/>
+            <a:ext cx="9150241" cy="226241"/>
+          </a:xfrm>
+          <a:prstGeom prst="chevron">
+            <a:avLst/>
+          </a:prstGeom>
+          <a:solidFill>
+            <a:srgbClr val="E37416"/>
+          </a:solidFill>
+          <a:ln w="12700" cap="flat" cmpd="sng" algn="ctr">
+            <a:noFill/>
+            <a:prstDash val="solid"/>
+            <a:miter lim="800000"/>
+          </a:ln>
+          <a:effectLst/>
+          <a:extLst>
+            <a:ext uri="{91240B29-F687-4F45-9708-019B960494DF}">
+              <a14:hiddenLine xmlns:a14="http://schemas.microsoft.com/office/drawing/2010/main" xmlns="" w="12700" cap="flat" cmpd="sng" algn="ctr">
+                <a:solidFill>
+                  <a:schemeClr val="accent1">
+                    <a:shade val="50000"/>
+                  </a:schemeClr>
+                </a:solidFill>
+                <a:prstDash val="solid"/>
+                <a:miter lim="800000"/>
+              </a14:hiddenLine>
+            </a:ext>
+          </a:extLst>
+        </p:spPr>
+        <p:style>
+          <a:lnRef idx="2">
+            <a:schemeClr val="accent1">
+              <a:shade val="50000"/>
+            </a:schemeClr>
+          </a:lnRef>
+          <a:fillRef idx="1">
+            <a:schemeClr val="accent1"/>
+          </a:fillRef>
+          <a:effectRef idx="0">
+            <a:schemeClr val="accent1"/>
+          </a:effectRef>
+          <a:fontRef idx="minor">
+            <a:schemeClr val="lt1"/>
+          </a:fontRef>
+        </p:style>
+        <p:txBody>
+          <a:bodyPr rtlCol="0" anchor="ctr"/>
+          <a:lstStyle/>
+          <a:p>
+            <a:pPr algn="ctr"/>
+            <a:endParaRPr lang="fr-FR">
+              <a:solidFill>
+                <a:schemeClr val="tx1"/>
+              </a:solidFill>
+            </a:endParaRPr>
+          </a:p>
+        </p:txBody>
+      </p:sp>
+      <p:sp>
+        <p:nvSpPr>
+          <p:cNvPr id="190" name="OTLSHAPE_SLT_f631a3c93f6048078ae9c87026bdb2a3_Shape">
+            <a:extLst>
+              <a:ext uri="{FF2B5EF4-FFF2-40B4-BE49-F238E27FC236}">
+                <a16:creationId xmlns:a16="http://schemas.microsoft.com/office/drawing/2014/main" xmlns="" id="{D06EB1C5-F2E2-4487-AED6-5802C050E6F5}"/>
+              </a:ext>
+            </a:extLst>
+          </p:cNvPr>
+          <p:cNvSpPr/>
+          <p:nvPr>
+            <p:custDataLst>
+              <p:tags r:id="rId17"/>
+            </p:custDataLst>
+          </p:nvPr>
+        </p:nvSpPr>
+        <p:spPr>
+          <a:xfrm>
+            <a:off x="7245756" y="5922010"/>
+            <a:ext cx="3060837" cy="178344"/>
+          </a:xfrm>
+          <a:prstGeom prst="chevron">
+            <a:avLst/>
+          </a:prstGeom>
+          <a:solidFill>
+            <a:srgbClr val="E4D41F">
+              <a:alpha val="69804"/>
+            </a:srgbClr>
+          </a:solidFill>
+          <a:ln w="12700" cap="flat" cmpd="sng" algn="ctr">
+            <a:noFill/>
+            <a:prstDash val="solid"/>
+            <a:miter lim="800000"/>
+          </a:ln>
+          <a:effectLst/>
+          <a:extLst>
+            <a:ext uri="{91240B29-F687-4F45-9708-019B960494DF}">
+              <a14:hiddenLine xmlns:a14="http://schemas.microsoft.com/office/drawing/2010/main" xmlns="" w="12700" cap="flat" cmpd="sng" algn="ctr">
+                <a:solidFill>
+                  <a:schemeClr val="accent1">
+                    <a:shade val="50000"/>
+                  </a:schemeClr>
+                </a:solidFill>
+                <a:prstDash val="solid"/>
+                <a:miter lim="800000"/>
+              </a14:hiddenLine>
+            </a:ext>
+          </a:extLst>
+        </p:spPr>
+        <p:style>
+          <a:lnRef idx="2">
+            <a:schemeClr val="accent1">
+              <a:shade val="50000"/>
+            </a:schemeClr>
+          </a:lnRef>
+          <a:fillRef idx="1">
+            <a:schemeClr val="accent1"/>
+          </a:fillRef>
+          <a:effectRef idx="0">
+            <a:schemeClr val="accent1"/>
+          </a:effectRef>
+          <a:fontRef idx="minor">
+            <a:schemeClr val="lt1"/>
+          </a:fontRef>
+        </p:style>
+        <p:txBody>
+          <a:bodyPr rtlCol="0" anchor="ctr"/>
+          <a:lstStyle/>
+          <a:p>
+            <a:pPr algn="ctr"/>
+            <a:endParaRPr lang="fr-FR">
+              <a:solidFill>
+                <a:schemeClr val="tx1"/>
+              </a:solidFill>
+            </a:endParaRPr>
+          </a:p>
+        </p:txBody>
+      </p:sp>
+      <p:sp>
+        <p:nvSpPr>
+          <p:cNvPr id="206" name="OTLSHAPE_SLT_5d9d890d48fc4418822012084c459be1_Shape">
+            <a:extLst>
+              <a:ext uri="{FF2B5EF4-FFF2-40B4-BE49-F238E27FC236}">
+                <a16:creationId xmlns:a16="http://schemas.microsoft.com/office/drawing/2014/main" xmlns="" id="{42C4C092-26D4-49AC-8E5F-C9FECC174ECD}"/>
+              </a:ext>
+            </a:extLst>
+          </p:cNvPr>
+          <p:cNvSpPr/>
+          <p:nvPr>
+            <p:custDataLst>
+              <p:tags r:id="rId18"/>
+            </p:custDataLst>
+          </p:nvPr>
+        </p:nvSpPr>
+        <p:spPr>
+          <a:xfrm>
+            <a:off x="7899539" y="6215562"/>
+            <a:ext cx="3282267" cy="198302"/>
+          </a:xfrm>
+          <a:prstGeom prst="chevron">
+            <a:avLst/>
+          </a:prstGeom>
+          <a:solidFill>
+            <a:srgbClr val="E4D41F">
+              <a:alpha val="69804"/>
+            </a:srgbClr>
+          </a:solidFill>
+          <a:ln w="12700" cap="flat" cmpd="sng" algn="ctr">
+            <a:noFill/>
+            <a:prstDash val="solid"/>
+            <a:miter lim="800000"/>
+          </a:ln>
+          <a:effectLst/>
+          <a:extLst>
+            <a:ext uri="{91240B29-F687-4F45-9708-019B960494DF}">
+              <a14:hiddenLine xmlns:a14="http://schemas.microsoft.com/office/drawing/2010/main" xmlns="" w="12700" cap="flat" cmpd="sng" algn="ctr">
+                <a:solidFill>
+                  <a:schemeClr val="accent1">
+                    <a:shade val="50000"/>
+                  </a:schemeClr>
+                </a:solidFill>
+                <a:prstDash val="solid"/>
+                <a:miter lim="800000"/>
+              </a14:hiddenLine>
+            </a:ext>
+          </a:extLst>
+        </p:spPr>
+        <p:style>
+          <a:lnRef idx="2">
+            <a:schemeClr val="accent1">
+              <a:shade val="50000"/>
+            </a:schemeClr>
+          </a:lnRef>
+          <a:fillRef idx="1">
+            <a:schemeClr val="accent1"/>
+          </a:fillRef>
+          <a:effectRef idx="0">
+            <a:schemeClr val="accent1"/>
+          </a:effectRef>
+          <a:fontRef idx="minor">
+            <a:schemeClr val="lt1"/>
+          </a:fontRef>
+        </p:style>
+        <p:txBody>
+          <a:bodyPr rtlCol="0" anchor="ctr"/>
+          <a:lstStyle/>
+          <a:p>
+            <a:pPr algn="ctr"/>
+            <a:endParaRPr lang="fr-FR">
+              <a:solidFill>
+                <a:schemeClr val="tx1"/>
+              </a:solidFill>
+            </a:endParaRPr>
+          </a:p>
+        </p:txBody>
+      </p:sp>
+      <p:sp>
+        <p:nvSpPr>
+          <p:cNvPr id="19" name="OTLSHAPE_SL_7c21b9d0849c4bca94c2f6458ca272ef_Header">
+            <a:extLst>
+              <a:ext uri="{FF2B5EF4-FFF2-40B4-BE49-F238E27FC236}">
+                <a16:creationId xmlns:a16="http://schemas.microsoft.com/office/drawing/2014/main" xmlns="" id="{63D5D7D0-0A1E-439D-9F17-0CB7871508C3}"/>
+              </a:ext>
+            </a:extLst>
+          </p:cNvPr>
+          <p:cNvSpPr txBox="1"/>
+          <p:nvPr>
+            <p:custDataLst>
+              <p:tags r:id="rId19"/>
+            </p:custDataLst>
+          </p:nvPr>
+        </p:nvSpPr>
+        <p:spPr>
+          <a:xfrm>
+            <a:off x="63500" y="2377546"/>
+            <a:ext cx="749300" cy="186055"/>
+          </a:xfrm>
+          <a:prstGeom prst="rect">
+            <a:avLst/>
+          </a:prstGeom>
+          <a:noFill/>
+        </p:spPr>
+        <p:txBody>
+          <a:bodyPr vert="horz" wrap="square" lIns="0" tIns="0" rIns="0" bIns="0" rtlCol="0" anchor="ctr" anchorCtr="0">
+            <a:noAutofit/>
+          </a:bodyPr>
+          <a:lstStyle/>
+          <a:p>
+            <a:pPr algn="ctr"/>
+            <a:r>
+              <a:rPr lang="fr-FR" sz="1200" smtClean="0">
+                <a:solidFill>
+                  <a:schemeClr val="dk1"/>
+                </a:solidFill>
+                <a:latin typeface="Calibri" panose="020F0502020204030204" pitchFamily="34" charset="0"/>
+              </a:rPr>
+              <a:t>Analyse</a:t>
+            </a:r>
+            <a:endParaRPr lang="fr-FR" sz="1200">
+              <a:solidFill>
+                <a:schemeClr val="dk1"/>
+              </a:solidFill>
+              <a:latin typeface="Calibri" panose="020F0502020204030204" pitchFamily="34" charset="0"/>
+            </a:endParaRPr>
+          </a:p>
+        </p:txBody>
+      </p:sp>
+      <p:sp>
+        <p:nvSpPr>
+          <p:cNvPr id="22" name="OTLSHAPE_SL_d9a7df2045804d9cb17247706c303bca_Header">
+            <a:extLst>
+              <a:ext uri="{FF2B5EF4-FFF2-40B4-BE49-F238E27FC236}">
+                <a16:creationId xmlns:a16="http://schemas.microsoft.com/office/drawing/2014/main" xmlns="" id="{CFDFFF43-F1C0-4B95-B9BB-B64BDC35057C}"/>
+              </a:ext>
+            </a:extLst>
+          </p:cNvPr>
+          <p:cNvSpPr txBox="1"/>
+          <p:nvPr>
+            <p:custDataLst>
+              <p:tags r:id="rId20"/>
+            </p:custDataLst>
+          </p:nvPr>
+        </p:nvSpPr>
+        <p:spPr>
+          <a:xfrm>
+            <a:off x="63500" y="3964411"/>
+            <a:ext cx="749300" cy="186055"/>
+          </a:xfrm>
+          <a:prstGeom prst="rect">
+            <a:avLst/>
+          </a:prstGeom>
+          <a:noFill/>
+        </p:spPr>
+        <p:txBody>
+          <a:bodyPr vert="horz" wrap="square" lIns="0" tIns="0" rIns="0" bIns="0" rtlCol="0" anchor="ctr" anchorCtr="0">
+            <a:noAutofit/>
+          </a:bodyPr>
+          <a:lstStyle/>
+          <a:p>
+            <a:pPr algn="ctr"/>
+            <a:r>
+              <a:rPr lang="fr-FR" sz="1200" smtClean="0">
+                <a:solidFill>
+                  <a:srgbClr val="203864"/>
+                </a:solidFill>
+                <a:latin typeface="Calibri" panose="020F0502020204030204" pitchFamily="34" charset="0"/>
+              </a:rPr>
+              <a:t>Dev</a:t>
+            </a:r>
+            <a:endParaRPr lang="fr-FR" sz="1200">
+              <a:solidFill>
+                <a:srgbClr val="203864"/>
+              </a:solidFill>
+              <a:latin typeface="Calibri" panose="020F0502020204030204" pitchFamily="34" charset="0"/>
+            </a:endParaRPr>
+          </a:p>
+        </p:txBody>
+      </p:sp>
+      <p:sp>
+        <p:nvSpPr>
+          <p:cNvPr id="25" name="OTLSHAPE_SL_a6b291b9f3134548847ec52cf049f87b_Header">
+            <a:extLst>
+              <a:ext uri="{FF2B5EF4-FFF2-40B4-BE49-F238E27FC236}">
+                <a16:creationId xmlns:a16="http://schemas.microsoft.com/office/drawing/2014/main" xmlns="" id="{E7904867-8E9E-4C60-89CE-B600EB9C8968}"/>
+              </a:ext>
+            </a:extLst>
+          </p:cNvPr>
+          <p:cNvSpPr txBox="1"/>
+          <p:nvPr>
+            <p:custDataLst>
+              <p:tags r:id="rId21"/>
+            </p:custDataLst>
+          </p:nvPr>
+        </p:nvSpPr>
+        <p:spPr>
+          <a:xfrm>
+            <a:off x="63500" y="5225733"/>
+            <a:ext cx="749300" cy="186055"/>
+          </a:xfrm>
+          <a:prstGeom prst="rect">
+            <a:avLst/>
+          </a:prstGeom>
+          <a:noFill/>
+        </p:spPr>
+        <p:txBody>
+          <a:bodyPr vert="horz" wrap="square" lIns="0" tIns="0" rIns="0" bIns="0" rtlCol="0" anchor="ctr" anchorCtr="0">
+            <a:noAutofit/>
+          </a:bodyPr>
+          <a:lstStyle/>
+          <a:p>
+            <a:pPr algn="ctr"/>
+            <a:r>
+              <a:rPr lang="fr-FR" sz="1200" smtClean="0">
+                <a:solidFill>
+                  <a:srgbClr val="203864"/>
+                </a:solidFill>
+                <a:latin typeface="Calibri" panose="020F0502020204030204" pitchFamily="34" charset="0"/>
+              </a:rPr>
+              <a:t>Test</a:t>
+            </a:r>
+            <a:endParaRPr lang="fr-FR" sz="1200">
+              <a:solidFill>
+                <a:srgbClr val="203864"/>
+              </a:solidFill>
+              <a:latin typeface="Calibri" panose="020F0502020204030204" pitchFamily="34" charset="0"/>
+            </a:endParaRPr>
+          </a:p>
+        </p:txBody>
+      </p:sp>
+      <p:sp>
+        <p:nvSpPr>
+          <p:cNvPr id="28" name="OTLSHAPE_SL_289bf47ff7d04780b5bda4d0e147a7d0_Header">
+            <a:extLst>
+              <a:ext uri="{FF2B5EF4-FFF2-40B4-BE49-F238E27FC236}">
+                <a16:creationId xmlns:a16="http://schemas.microsoft.com/office/drawing/2014/main" xmlns="" id="{26EB0043-B7A4-49CA-AD09-548FE65E6004}"/>
+              </a:ext>
+            </a:extLst>
+          </p:cNvPr>
+          <p:cNvSpPr txBox="1"/>
+          <p:nvPr>
+            <p:custDataLst>
+              <p:tags r:id="rId22"/>
+            </p:custDataLst>
+          </p:nvPr>
+        </p:nvSpPr>
+        <p:spPr>
+          <a:xfrm>
+            <a:off x="89626" y="6178731"/>
+            <a:ext cx="824774" cy="179207"/>
+          </a:xfrm>
+          <a:prstGeom prst="rect">
+            <a:avLst/>
+          </a:prstGeom>
+          <a:noFill/>
+        </p:spPr>
+        <p:txBody>
+          <a:bodyPr vert="horz" wrap="square" lIns="0" tIns="0" rIns="0" bIns="0" rtlCol="0" anchor="ctr" anchorCtr="0">
+            <a:noAutofit/>
+          </a:bodyPr>
+          <a:lstStyle/>
+          <a:p>
+            <a:pPr algn="ctr"/>
+            <a:r>
+              <a:rPr lang="fr-FR" sz="1200" dirty="0" smtClean="0">
+                <a:solidFill>
+                  <a:srgbClr val="203864"/>
+                </a:solidFill>
+                <a:latin typeface="Calibri" panose="020F0502020204030204" pitchFamily="34" charset="0"/>
+              </a:rPr>
+              <a:t>Déploiement</a:t>
+            </a:r>
+            <a:endParaRPr lang="fr-FR" sz="1200" dirty="0">
+              <a:solidFill>
+                <a:srgbClr val="203864"/>
+              </a:solidFill>
+              <a:latin typeface="Calibri" panose="020F0502020204030204" pitchFamily="34" charset="0"/>
+            </a:endParaRPr>
+          </a:p>
+        </p:txBody>
+      </p:sp>
+      <p:sp>
+        <p:nvSpPr>
+          <p:cNvPr id="6" name="OTLSHAPE_TB_00000000000000000000000000000000_TodayMarkerShape">
+            <a:extLst>
+              <a:ext uri="{FF2B5EF4-FFF2-40B4-BE49-F238E27FC236}">
+                <a16:creationId xmlns:a16="http://schemas.microsoft.com/office/drawing/2014/main" xmlns="" id="{1E579F3F-368D-432D-8DBC-7BC487121331}"/>
+              </a:ext>
+            </a:extLst>
+          </p:cNvPr>
+          <p:cNvSpPr/>
+          <p:nvPr>
+            <p:custDataLst>
+              <p:tags r:id="rId23"/>
+            </p:custDataLst>
+          </p:nvPr>
+        </p:nvSpPr>
+        <p:spPr>
+          <a:xfrm flipV="1">
+            <a:off x="6016164" y="879929"/>
+            <a:ext cx="114300" cy="127000"/>
+          </a:xfrm>
+          <a:prstGeom prst="triangle">
+            <a:avLst/>
+          </a:prstGeom>
+          <a:solidFill>
+            <a:srgbClr val="737373"/>
+          </a:solidFill>
+          <a:ln w="12700" cap="flat" cmpd="sng" algn="ctr">
+            <a:noFill/>
+            <a:prstDash val="solid"/>
+            <a:miter lim="800000"/>
+          </a:ln>
+          <a:effectLst/>
+          <a:extLst>
+            <a:ext uri="{91240B29-F687-4F45-9708-019B960494DF}">
+              <a14:hiddenLine xmlns:a14="http://schemas.microsoft.com/office/drawing/2010/main" xmlns="" w="12700" cap="flat" cmpd="sng" algn="ctr">
+                <a:solidFill>
+                  <a:schemeClr val="accent1">
+                    <a:shade val="50000"/>
+                  </a:schemeClr>
+                </a:solidFill>
+                <a:prstDash val="solid"/>
+                <a:miter lim="800000"/>
+              </a14:hiddenLine>
+            </a:ext>
+          </a:extLst>
+        </p:spPr>
+        <p:style>
+          <a:lnRef idx="2">
+            <a:schemeClr val="accent1">
+              <a:shade val="50000"/>
+            </a:schemeClr>
+          </a:lnRef>
+          <a:fillRef idx="1">
+            <a:schemeClr val="accent1"/>
+          </a:fillRef>
+          <a:effectRef idx="0">
+            <a:schemeClr val="accent1"/>
+          </a:effectRef>
+          <a:fontRef idx="minor">
+            <a:schemeClr val="lt1"/>
+          </a:fontRef>
+        </p:style>
+        <p:txBody>
+          <a:bodyPr rtlCol="0" anchor="ctr"/>
+          <a:lstStyle/>
+          <a:p>
+            <a:pPr algn="ctr"/>
+            <a:endParaRPr lang="fr-FR"/>
+          </a:p>
+        </p:txBody>
+      </p:sp>
+      <p:sp>
+        <p:nvSpPr>
+          <p:cNvPr id="7" name="OTLSHAPE_TB_00000000000000000000000000000000_TodayMarkerText">
+            <a:extLst>
+              <a:ext uri="{FF2B5EF4-FFF2-40B4-BE49-F238E27FC236}">
+                <a16:creationId xmlns:a16="http://schemas.microsoft.com/office/drawing/2014/main" xmlns="" id="{FD6A7150-C73F-4314-AEC2-FE0C1B4ED80E}"/>
+              </a:ext>
+            </a:extLst>
+          </p:cNvPr>
+          <p:cNvSpPr txBox="1"/>
+          <p:nvPr>
+            <p:custDataLst>
+              <p:tags r:id="rId24"/>
+            </p:custDataLst>
+          </p:nvPr>
+        </p:nvSpPr>
+        <p:spPr>
+          <a:xfrm>
+            <a:off x="1815737" y="681581"/>
+            <a:ext cx="418012" cy="184666"/>
+          </a:xfrm>
+          <a:prstGeom prst="rect">
+            <a:avLst/>
+          </a:prstGeom>
+          <a:noFill/>
+        </p:spPr>
+        <p:txBody>
+          <a:bodyPr vert="horz" wrap="square" lIns="0" tIns="0" rIns="0" bIns="0" rtlCol="0" anchor="ctr" anchorCtr="0">
+            <a:spAutoFit/>
+          </a:bodyPr>
+          <a:lstStyle/>
+          <a:p>
+            <a:pPr algn="ctr"/>
+            <a:r>
+              <a:rPr lang="fr-FR" sz="1200" spc="-12" dirty="0" err="1" smtClean="0">
+                <a:solidFill>
+                  <a:schemeClr val="dk1"/>
+                </a:solidFill>
+                <a:latin typeface="Calibri" panose="020F0502020204030204" pitchFamily="34" charset="0"/>
+              </a:rPr>
+              <a:t>Today</a:t>
+            </a:r>
+            <a:endParaRPr lang="fr-FR" sz="1200" spc="-12" dirty="0">
+              <a:solidFill>
+                <a:schemeClr val="dk1"/>
+              </a:solidFill>
+              <a:latin typeface="Calibri" panose="020F0502020204030204" pitchFamily="34" charset="0"/>
+            </a:endParaRPr>
+          </a:p>
+        </p:txBody>
+      </p:sp>
+      <p:sp>
+        <p:nvSpPr>
+          <p:cNvPr id="8" name="OTLSHAPE_TB_00000000000000000000000000000000_TimescaleInterval1">
+            <a:extLst>
+              <a:ext uri="{FF2B5EF4-FFF2-40B4-BE49-F238E27FC236}">
+                <a16:creationId xmlns:a16="http://schemas.microsoft.com/office/drawing/2014/main" xmlns="" id="{FAA145D6-9D30-4EE6-AE30-0996DC44E99C}"/>
+              </a:ext>
+            </a:extLst>
+          </p:cNvPr>
+          <p:cNvSpPr txBox="1"/>
+          <p:nvPr>
+            <p:custDataLst>
+              <p:tags r:id="rId25"/>
+            </p:custDataLst>
+          </p:nvPr>
+        </p:nvSpPr>
+        <p:spPr>
+          <a:xfrm>
+            <a:off x="996865" y="1148080"/>
+            <a:ext cx="211596" cy="203200"/>
+          </a:xfrm>
+          <a:prstGeom prst="rect">
+            <a:avLst/>
+          </a:prstGeom>
+          <a:noFill/>
+        </p:spPr>
+        <p:txBody>
+          <a:bodyPr vert="horz" wrap="none" lIns="0" tIns="0" rIns="0" bIns="0" rtlCol="0" anchor="ctr" anchorCtr="0">
+            <a:noAutofit/>
+          </a:bodyPr>
+          <a:lstStyle/>
+          <a:p>
+            <a:r>
+              <a:rPr lang="fr-FR" sz="1400" spc="-30" dirty="0" smtClean="0">
+                <a:solidFill>
+                  <a:schemeClr val="dk1"/>
+                </a:solidFill>
+                <a:latin typeface="Calibri" panose="020F0502020204030204" pitchFamily="34" charset="0"/>
+              </a:rPr>
+              <a:t>Sprint 1</a:t>
+            </a:r>
+            <a:endParaRPr lang="fr-FR" sz="1400" spc="-30" dirty="0">
+              <a:solidFill>
+                <a:schemeClr val="dk1"/>
+              </a:solidFill>
+              <a:latin typeface="Calibri" panose="020F0502020204030204" pitchFamily="34" charset="0"/>
+            </a:endParaRPr>
+          </a:p>
+        </p:txBody>
+      </p:sp>
+      <p:sp>
+        <p:nvSpPr>
+          <p:cNvPr id="10" name="OTLSHAPE_TB_00000000000000000000000000000000_TimescaleInterval2">
+            <a:extLst>
+              <a:ext uri="{FF2B5EF4-FFF2-40B4-BE49-F238E27FC236}">
+                <a16:creationId xmlns:a16="http://schemas.microsoft.com/office/drawing/2014/main" xmlns="" id="{3CB447A3-0921-4DF4-B42F-6FEA86646024}"/>
+              </a:ext>
+            </a:extLst>
+          </p:cNvPr>
+          <p:cNvSpPr txBox="1"/>
+          <p:nvPr>
+            <p:custDataLst>
+              <p:tags r:id="rId26"/>
+            </p:custDataLst>
+          </p:nvPr>
+        </p:nvSpPr>
+        <p:spPr>
+          <a:xfrm>
+            <a:off x="5200183" y="1161143"/>
+            <a:ext cx="211596" cy="203200"/>
+          </a:xfrm>
+          <a:prstGeom prst="rect">
+            <a:avLst/>
+          </a:prstGeom>
+          <a:noFill/>
+        </p:spPr>
+        <p:txBody>
+          <a:bodyPr vert="horz" wrap="none" lIns="0" tIns="0" rIns="0" bIns="0" rtlCol="0" anchor="ctr" anchorCtr="0">
+            <a:noAutofit/>
+          </a:bodyPr>
+          <a:lstStyle/>
+          <a:p>
+            <a:r>
+              <a:rPr lang="fr-FR" sz="1400" spc="-30" smtClean="0">
+                <a:solidFill>
+                  <a:schemeClr val="dk1"/>
+                </a:solidFill>
+                <a:latin typeface="Calibri" panose="020F0502020204030204" pitchFamily="34" charset="0"/>
+              </a:rPr>
+              <a:t>Sprint 3</a:t>
+            </a:r>
+            <a:endParaRPr lang="fr-FR" sz="1400" spc="-30">
+              <a:solidFill>
+                <a:schemeClr val="dk1"/>
+              </a:solidFill>
+              <a:latin typeface="Calibri" panose="020F0502020204030204" pitchFamily="34" charset="0"/>
+            </a:endParaRPr>
+          </a:p>
+        </p:txBody>
+      </p:sp>
+      <p:sp>
+        <p:nvSpPr>
+          <p:cNvPr id="14" name="OTLSHAPE_TB_00000000000000000000000000000000_TimescaleInterval4">
+            <a:extLst>
+              <a:ext uri="{FF2B5EF4-FFF2-40B4-BE49-F238E27FC236}">
+                <a16:creationId xmlns:a16="http://schemas.microsoft.com/office/drawing/2014/main" xmlns="" id="{47BDCADF-1F30-4396-A527-5516F720530F}"/>
+              </a:ext>
+            </a:extLst>
+          </p:cNvPr>
+          <p:cNvSpPr txBox="1"/>
+          <p:nvPr>
+            <p:custDataLst>
+              <p:tags r:id="rId27"/>
+            </p:custDataLst>
+          </p:nvPr>
+        </p:nvSpPr>
+        <p:spPr>
+          <a:xfrm>
+            <a:off x="7196536" y="1148080"/>
+            <a:ext cx="211596" cy="203200"/>
+          </a:xfrm>
+          <a:prstGeom prst="rect">
+            <a:avLst/>
+          </a:prstGeom>
+          <a:noFill/>
+        </p:spPr>
+        <p:txBody>
+          <a:bodyPr vert="horz" wrap="none" lIns="0" tIns="0" rIns="0" bIns="0" rtlCol="0" anchor="ctr" anchorCtr="0">
+            <a:noAutofit/>
+          </a:bodyPr>
+          <a:lstStyle/>
+          <a:p>
+            <a:r>
+              <a:rPr lang="fr-FR" sz="1400" spc="-30" smtClean="0">
+                <a:solidFill>
+                  <a:schemeClr val="dk1"/>
+                </a:solidFill>
+                <a:latin typeface="Calibri" panose="020F0502020204030204" pitchFamily="34" charset="0"/>
+              </a:rPr>
+              <a:t>Sprint 4</a:t>
+            </a:r>
+            <a:endParaRPr lang="fr-FR" sz="1400" spc="-30">
+              <a:solidFill>
+                <a:schemeClr val="dk1"/>
+              </a:solidFill>
+              <a:latin typeface="Calibri" panose="020F0502020204030204" pitchFamily="34" charset="0"/>
+            </a:endParaRPr>
+          </a:p>
+        </p:txBody>
+      </p:sp>
+      <p:sp>
+        <p:nvSpPr>
+          <p:cNvPr id="16" name="OTLSHAPE_TB_00000000000000000000000000000000_TimescaleInterval5">
+            <a:extLst>
+              <a:ext uri="{FF2B5EF4-FFF2-40B4-BE49-F238E27FC236}">
+                <a16:creationId xmlns:a16="http://schemas.microsoft.com/office/drawing/2014/main" xmlns="" id="{086E125A-837E-4F33-8DF2-D670223A7DFD}"/>
+              </a:ext>
+            </a:extLst>
+          </p:cNvPr>
+          <p:cNvSpPr txBox="1"/>
+          <p:nvPr>
+            <p:custDataLst>
+              <p:tags r:id="rId28"/>
+            </p:custDataLst>
+          </p:nvPr>
+        </p:nvSpPr>
+        <p:spPr>
+          <a:xfrm>
+            <a:off x="9248063" y="1148080"/>
+            <a:ext cx="211596" cy="203200"/>
+          </a:xfrm>
+          <a:prstGeom prst="rect">
+            <a:avLst/>
+          </a:prstGeom>
+          <a:noFill/>
+        </p:spPr>
+        <p:txBody>
+          <a:bodyPr vert="horz" wrap="none" lIns="0" tIns="0" rIns="0" bIns="0" rtlCol="0" anchor="ctr" anchorCtr="0">
+            <a:noAutofit/>
+          </a:bodyPr>
+          <a:lstStyle/>
+          <a:p>
+            <a:r>
+              <a:rPr lang="fr-FR" sz="1400" spc="-30" smtClean="0">
+                <a:solidFill>
+                  <a:schemeClr val="dk1"/>
+                </a:solidFill>
+                <a:latin typeface="Calibri" panose="020F0502020204030204" pitchFamily="34" charset="0"/>
+              </a:rPr>
+              <a:t>Sprint 5</a:t>
+            </a:r>
+            <a:endParaRPr lang="fr-FR" sz="1400" spc="-30">
+              <a:solidFill>
+                <a:schemeClr val="dk1"/>
+              </a:solidFill>
+              <a:latin typeface="Calibri" panose="020F0502020204030204" pitchFamily="34" charset="0"/>
+            </a:endParaRPr>
+          </a:p>
+        </p:txBody>
+      </p:sp>
+      <p:sp>
+        <p:nvSpPr>
+          <p:cNvPr id="39" name="OTLSHAPE_SLT_b73ad38723d84eb99574edc4c455c3b0_Title">
+            <a:extLst>
+              <a:ext uri="{FF2B5EF4-FFF2-40B4-BE49-F238E27FC236}">
+                <a16:creationId xmlns:a16="http://schemas.microsoft.com/office/drawing/2014/main" xmlns="" id="{05AC0117-DF07-4AF8-9CC8-A560A7EC3070}"/>
+              </a:ext>
+            </a:extLst>
+          </p:cNvPr>
+          <p:cNvSpPr txBox="1"/>
+          <p:nvPr>
+            <p:custDataLst>
+              <p:tags r:id="rId29"/>
+            </p:custDataLst>
+          </p:nvPr>
+        </p:nvSpPr>
+        <p:spPr>
+          <a:xfrm>
+            <a:off x="7313203" y="2175764"/>
+            <a:ext cx="990600" cy="170519"/>
+          </a:xfrm>
+          <a:prstGeom prst="rect">
+            <a:avLst/>
+          </a:prstGeom>
+          <a:noFill/>
+        </p:spPr>
+        <p:txBody>
+          <a:bodyPr vert="horz" wrap="square" lIns="0" tIns="0" rIns="0" bIns="0" rtlCol="0" anchor="ctr" anchorCtr="0">
+            <a:noAutofit/>
+          </a:bodyPr>
+          <a:lstStyle/>
+          <a:p>
+            <a:pPr algn="ctr"/>
+            <a:r>
+              <a:rPr lang="fr-FR" sz="1100" spc="-4" smtClean="0">
+                <a:solidFill>
+                  <a:schemeClr val="lt1"/>
+                </a:solidFill>
+                <a:latin typeface="Calibri" panose="020F0502020204030204" pitchFamily="34" charset="0"/>
+              </a:rPr>
+              <a:t>System Balancing</a:t>
+            </a:r>
+            <a:endParaRPr lang="fr-FR" sz="1100" spc="-4">
+              <a:solidFill>
+                <a:schemeClr val="lt1"/>
+              </a:solidFill>
+              <a:latin typeface="Calibri" panose="020F0502020204030204" pitchFamily="34" charset="0"/>
+            </a:endParaRPr>
+          </a:p>
+        </p:txBody>
+      </p:sp>
+      <p:sp>
+        <p:nvSpPr>
+          <p:cNvPr id="56" name="OTLSHAPE_SLT_1fb5c9bea8d7491e93ab109404a0a91b_Title">
+            <a:extLst>
+              <a:ext uri="{FF2B5EF4-FFF2-40B4-BE49-F238E27FC236}">
+                <a16:creationId xmlns:a16="http://schemas.microsoft.com/office/drawing/2014/main" xmlns="" id="{454A064B-E20E-4C3D-B536-B65824461D46}"/>
+              </a:ext>
+            </a:extLst>
+          </p:cNvPr>
+          <p:cNvSpPr txBox="1"/>
+          <p:nvPr>
+            <p:custDataLst>
+              <p:tags r:id="rId30"/>
+            </p:custDataLst>
+          </p:nvPr>
+        </p:nvSpPr>
+        <p:spPr>
+          <a:xfrm>
+            <a:off x="2511329" y="2358448"/>
+            <a:ext cx="4124601" cy="338554"/>
+          </a:xfrm>
+          <a:prstGeom prst="rect">
+            <a:avLst/>
+          </a:prstGeom>
+          <a:noFill/>
+        </p:spPr>
+        <p:txBody>
+          <a:bodyPr vert="horz" wrap="square" lIns="0" tIns="0" rIns="0" bIns="0" rtlCol="0" anchor="ctr" anchorCtr="0">
+            <a:spAutoFit/>
+          </a:bodyPr>
+          <a:lstStyle/>
+          <a:p>
+            <a:pPr algn="ctr"/>
+            <a:r>
+              <a:rPr lang="fr-FR" sz="1100" spc="-4" dirty="0" smtClean="0">
+                <a:solidFill>
+                  <a:schemeClr val="lt1"/>
+                </a:solidFill>
+                <a:latin typeface="Calibri" panose="020F0502020204030204" pitchFamily="34" charset="0"/>
+              </a:rPr>
+              <a:t>Comprendre les besoins + proposer des solutions techniques</a:t>
+            </a:r>
+          </a:p>
+          <a:p>
+            <a:pPr algn="ctr"/>
+            <a:endParaRPr lang="fr-FR" sz="1100" spc="-2" dirty="0">
+              <a:solidFill>
+                <a:schemeClr val="lt1"/>
+              </a:solidFill>
+              <a:latin typeface="Calibri" panose="020F0502020204030204" pitchFamily="34" charset="0"/>
+            </a:endParaRPr>
+          </a:p>
+        </p:txBody>
+      </p:sp>
+      <p:sp>
+        <p:nvSpPr>
+          <p:cNvPr id="94" name="OTLSHAPE_SLT_5fdc1ae17390491587eeb3e0a5701e86_Title">
+            <a:extLst>
+              <a:ext uri="{FF2B5EF4-FFF2-40B4-BE49-F238E27FC236}">
+                <a16:creationId xmlns:a16="http://schemas.microsoft.com/office/drawing/2014/main" xmlns="" id="{BAEE7FA3-5766-4B53-A85B-AEF0E5523AB1}"/>
+              </a:ext>
+            </a:extLst>
+          </p:cNvPr>
+          <p:cNvSpPr txBox="1"/>
+          <p:nvPr>
+            <p:custDataLst>
+              <p:tags r:id="rId31"/>
+            </p:custDataLst>
+          </p:nvPr>
+        </p:nvSpPr>
+        <p:spPr>
+          <a:xfrm>
+            <a:off x="1280160" y="3416328"/>
+            <a:ext cx="1640536" cy="169277"/>
+          </a:xfrm>
+          <a:prstGeom prst="rect">
+            <a:avLst/>
+          </a:prstGeom>
+          <a:noFill/>
+        </p:spPr>
+        <p:txBody>
+          <a:bodyPr vert="horz" wrap="square" lIns="0" tIns="0" rIns="0" bIns="0" rtlCol="0" anchor="ctr" anchorCtr="0">
+            <a:spAutoFit/>
+          </a:bodyPr>
+          <a:lstStyle/>
+          <a:p>
+            <a:pPr algn="ctr"/>
+            <a:r>
+              <a:rPr lang="fr-FR" sz="1100" spc="-4" dirty="0" smtClean="0">
+                <a:solidFill>
+                  <a:schemeClr val="lt1"/>
+                </a:solidFill>
+                <a:latin typeface="Calibri" panose="020F0502020204030204" pitchFamily="34" charset="0"/>
+              </a:rPr>
+              <a:t>Architecture technique</a:t>
+            </a:r>
+            <a:endParaRPr lang="fr-FR" sz="1100" spc="-4" dirty="0">
+              <a:solidFill>
+                <a:schemeClr val="lt1"/>
+              </a:solidFill>
+              <a:latin typeface="Calibri" panose="020F0502020204030204" pitchFamily="34" charset="0"/>
+            </a:endParaRPr>
+          </a:p>
+        </p:txBody>
+      </p:sp>
+      <p:sp>
+        <p:nvSpPr>
+          <p:cNvPr id="121" name="OTLSHAPE_SLT_7b49690012f9431fa579863039774321_Title">
+            <a:extLst>
+              <a:ext uri="{FF2B5EF4-FFF2-40B4-BE49-F238E27FC236}">
+                <a16:creationId xmlns:a16="http://schemas.microsoft.com/office/drawing/2014/main" xmlns="" id="{593DAB30-5EB9-49D3-A1DC-E80297DE2728}"/>
+              </a:ext>
+            </a:extLst>
+          </p:cNvPr>
+          <p:cNvSpPr txBox="1"/>
+          <p:nvPr>
+            <p:custDataLst>
+              <p:tags r:id="rId32"/>
+            </p:custDataLst>
+          </p:nvPr>
+        </p:nvSpPr>
+        <p:spPr>
+          <a:xfrm>
+            <a:off x="4506371" y="3748446"/>
+            <a:ext cx="914400" cy="170519"/>
+          </a:xfrm>
+          <a:prstGeom prst="rect">
+            <a:avLst/>
+          </a:prstGeom>
+          <a:noFill/>
+        </p:spPr>
+        <p:txBody>
+          <a:bodyPr vert="horz" wrap="square" lIns="0" tIns="0" rIns="0" bIns="0" rtlCol="0" anchor="ctr" anchorCtr="0">
+            <a:spAutoFit/>
+          </a:bodyPr>
+          <a:lstStyle/>
+          <a:p>
+            <a:pPr algn="ctr"/>
+            <a:r>
+              <a:rPr lang="fr-FR" sz="1100" spc="-4" dirty="0" smtClean="0">
+                <a:solidFill>
+                  <a:schemeClr val="lt1"/>
+                </a:solidFill>
+                <a:latin typeface="Calibri" panose="020F0502020204030204" pitchFamily="34" charset="0"/>
+              </a:rPr>
+              <a:t>Documentation</a:t>
+            </a:r>
+            <a:endParaRPr lang="fr-FR" sz="1100" spc="-4" dirty="0">
+              <a:solidFill>
+                <a:schemeClr val="lt1"/>
+              </a:solidFill>
+              <a:latin typeface="Calibri" panose="020F0502020204030204" pitchFamily="34" charset="0"/>
+            </a:endParaRPr>
+          </a:p>
+        </p:txBody>
+      </p:sp>
+      <p:sp>
+        <p:nvSpPr>
+          <p:cNvPr id="212" name="OTLSHAPE_SLT_5d9d890d48fc4418822012084c459be1_Title">
+            <a:extLst>
+              <a:ext uri="{FF2B5EF4-FFF2-40B4-BE49-F238E27FC236}">
+                <a16:creationId xmlns:a16="http://schemas.microsoft.com/office/drawing/2014/main" xmlns="" id="{BA7D591F-B9F5-4614-9212-5CC7972A7A5A}"/>
+              </a:ext>
+            </a:extLst>
+          </p:cNvPr>
+          <p:cNvSpPr txBox="1"/>
+          <p:nvPr>
+            <p:custDataLst>
+              <p:tags r:id="rId33"/>
+            </p:custDataLst>
+          </p:nvPr>
+        </p:nvSpPr>
+        <p:spPr>
+          <a:xfrm>
+            <a:off x="8281851" y="6192834"/>
+            <a:ext cx="1985555" cy="169277"/>
+          </a:xfrm>
+          <a:prstGeom prst="rect">
+            <a:avLst/>
+          </a:prstGeom>
+          <a:noFill/>
+        </p:spPr>
+        <p:txBody>
+          <a:bodyPr vert="horz" wrap="square" lIns="0" tIns="0" rIns="0" bIns="0" rtlCol="0" anchor="ctr" anchorCtr="0">
+            <a:spAutoFit/>
+          </a:bodyPr>
+          <a:lstStyle/>
+          <a:p>
+            <a:pPr algn="ctr"/>
+            <a:r>
+              <a:rPr lang="fr-FR" sz="1100" spc="-4" dirty="0" smtClean="0">
+                <a:solidFill>
+                  <a:schemeClr val="lt1"/>
+                </a:solidFill>
+                <a:latin typeface="Calibri" panose="020F0502020204030204" pitchFamily="34" charset="0"/>
+              </a:rPr>
+              <a:t>Stabilisation de l’application </a:t>
+            </a:r>
+            <a:endParaRPr lang="fr-FR" sz="1100" spc="-4" dirty="0">
+              <a:solidFill>
+                <a:schemeClr val="lt1"/>
+              </a:solidFill>
+              <a:latin typeface="Calibri" panose="020F0502020204030204" pitchFamily="34" charset="0"/>
+            </a:endParaRPr>
+          </a:p>
+        </p:txBody>
+      </p:sp>
+      <p:cxnSp>
+        <p:nvCxnSpPr>
+          <p:cNvPr id="9" name="OTLSHAPE_TB_00000000000000000000000000000000_Separator1">
+            <a:extLst>
+              <a:ext uri="{FF2B5EF4-FFF2-40B4-BE49-F238E27FC236}">
+                <a16:creationId xmlns:a16="http://schemas.microsoft.com/office/drawing/2014/main" xmlns="" id="{FA1F0A09-18A7-46DE-BA1E-5C8D16EF75FB}"/>
+              </a:ext>
+            </a:extLst>
+          </p:cNvPr>
+          <p:cNvCxnSpPr/>
+          <p:nvPr>
+            <p:custDataLst>
+              <p:tags r:id="rId34"/>
+            </p:custDataLst>
+          </p:nvPr>
+        </p:nvCxnSpPr>
+        <p:spPr>
+          <a:xfrm>
+            <a:off x="3007437" y="1148080"/>
+            <a:ext cx="0" cy="203200"/>
+          </a:xfrm>
+          <a:prstGeom prst="line">
+            <a:avLst/>
+          </a:prstGeom>
+          <a:ln w="9525" cap="flat" cmpd="sng" algn="ctr">
+            <a:solidFill>
+              <a:schemeClr val="dk1">
+                <a:alpha val="29804"/>
+              </a:schemeClr>
+            </a:solidFill>
+            <a:prstDash val="solid"/>
+            <a:miter lim="800000"/>
+            <a:headEnd type="none" w="med" len="med"/>
+            <a:tailEnd type="none" w="med" len="med"/>
+          </a:ln>
+        </p:spPr>
+        <p:style>
+          <a:lnRef idx="1">
+            <a:schemeClr val="accent1"/>
+          </a:lnRef>
+          <a:fillRef idx="0">
+            <a:schemeClr val="accent1"/>
+          </a:fillRef>
+          <a:effectRef idx="0">
+            <a:schemeClr val="accent1"/>
+          </a:effectRef>
+          <a:fontRef idx="minor">
+            <a:schemeClr val="tx1"/>
+          </a:fontRef>
+        </p:style>
+      </p:cxnSp>
+      <p:cxnSp>
+        <p:nvCxnSpPr>
+          <p:cNvPr id="11" name="OTLSHAPE_TB_00000000000000000000000000000000_Separator2">
+            <a:extLst>
+              <a:ext uri="{FF2B5EF4-FFF2-40B4-BE49-F238E27FC236}">
+                <a16:creationId xmlns:a16="http://schemas.microsoft.com/office/drawing/2014/main" xmlns="" id="{D956C2CA-AD07-4717-A9D4-C1D146594489}"/>
+              </a:ext>
+            </a:extLst>
+          </p:cNvPr>
+          <p:cNvCxnSpPr/>
+          <p:nvPr>
+            <p:custDataLst>
+              <p:tags r:id="rId35"/>
+            </p:custDataLst>
+          </p:nvPr>
+        </p:nvCxnSpPr>
+        <p:spPr>
+          <a:xfrm>
+            <a:off x="5081508" y="1148080"/>
+            <a:ext cx="0" cy="203200"/>
+          </a:xfrm>
+          <a:prstGeom prst="line">
+            <a:avLst/>
+          </a:prstGeom>
+          <a:ln w="9525" cap="flat" cmpd="sng" algn="ctr">
+            <a:solidFill>
+              <a:schemeClr val="dk1">
+                <a:alpha val="29804"/>
+              </a:schemeClr>
+            </a:solidFill>
+            <a:prstDash val="solid"/>
+            <a:miter lim="800000"/>
+            <a:headEnd type="none" w="med" len="med"/>
+            <a:tailEnd type="none" w="med" len="med"/>
+          </a:ln>
+        </p:spPr>
+        <p:style>
+          <a:lnRef idx="1">
+            <a:schemeClr val="accent1"/>
+          </a:lnRef>
+          <a:fillRef idx="0">
+            <a:schemeClr val="accent1"/>
+          </a:fillRef>
+          <a:effectRef idx="0">
+            <a:schemeClr val="accent1"/>
+          </a:effectRef>
+          <a:fontRef idx="minor">
+            <a:schemeClr val="tx1"/>
+          </a:fontRef>
+        </p:style>
+      </p:cxnSp>
+      <p:cxnSp>
+        <p:nvCxnSpPr>
+          <p:cNvPr id="13" name="OTLSHAPE_TB_00000000000000000000000000000000_Separator3">
+            <a:extLst>
+              <a:ext uri="{FF2B5EF4-FFF2-40B4-BE49-F238E27FC236}">
+                <a16:creationId xmlns:a16="http://schemas.microsoft.com/office/drawing/2014/main" xmlns="" id="{E4AF6D18-3343-4BE8-A55E-68D4601880DB}"/>
+              </a:ext>
+            </a:extLst>
+          </p:cNvPr>
+          <p:cNvCxnSpPr/>
+          <p:nvPr>
+            <p:custDataLst>
+              <p:tags r:id="rId36"/>
+            </p:custDataLst>
+          </p:nvPr>
+        </p:nvCxnSpPr>
+        <p:spPr>
+          <a:xfrm>
+            <a:off x="7133036" y="1148080"/>
+            <a:ext cx="0" cy="203200"/>
+          </a:xfrm>
+          <a:prstGeom prst="line">
+            <a:avLst/>
+          </a:prstGeom>
+          <a:ln w="9525" cap="flat" cmpd="sng" algn="ctr">
+            <a:solidFill>
+              <a:schemeClr val="dk1">
+                <a:alpha val="29804"/>
+              </a:schemeClr>
+            </a:solidFill>
+            <a:prstDash val="solid"/>
+            <a:miter lim="800000"/>
+            <a:headEnd type="none" w="med" len="med"/>
+            <a:tailEnd type="none" w="med" len="med"/>
+          </a:ln>
+        </p:spPr>
+        <p:style>
+          <a:lnRef idx="1">
+            <a:schemeClr val="accent1"/>
+          </a:lnRef>
+          <a:fillRef idx="0">
+            <a:schemeClr val="accent1"/>
+          </a:fillRef>
+          <a:effectRef idx="0">
+            <a:schemeClr val="accent1"/>
+          </a:effectRef>
+          <a:fontRef idx="minor">
+            <a:schemeClr val="tx1"/>
+          </a:fontRef>
+        </p:style>
+      </p:cxnSp>
+      <p:cxnSp>
+        <p:nvCxnSpPr>
+          <p:cNvPr id="15" name="OTLSHAPE_TB_00000000000000000000000000000000_Separator4">
+            <a:extLst>
+              <a:ext uri="{FF2B5EF4-FFF2-40B4-BE49-F238E27FC236}">
+                <a16:creationId xmlns:a16="http://schemas.microsoft.com/office/drawing/2014/main" xmlns="" id="{0940E5F1-4A72-4A59-932D-236F112CA6CC}"/>
+              </a:ext>
+            </a:extLst>
+          </p:cNvPr>
+          <p:cNvCxnSpPr/>
+          <p:nvPr>
+            <p:custDataLst>
+              <p:tags r:id="rId37"/>
+            </p:custDataLst>
+          </p:nvPr>
+        </p:nvCxnSpPr>
+        <p:spPr>
+          <a:xfrm>
+            <a:off x="9184563" y="1148080"/>
+            <a:ext cx="0" cy="203200"/>
+          </a:xfrm>
+          <a:prstGeom prst="line">
+            <a:avLst/>
+          </a:prstGeom>
+          <a:ln w="9525" cap="flat" cmpd="sng" algn="ctr">
+            <a:solidFill>
+              <a:schemeClr val="dk1">
+                <a:alpha val="29804"/>
+              </a:schemeClr>
+            </a:solidFill>
+            <a:prstDash val="solid"/>
+            <a:miter lim="800000"/>
+            <a:headEnd type="none" w="med" len="med"/>
+            <a:tailEnd type="none" w="med" len="med"/>
+          </a:ln>
+        </p:spPr>
+        <p:style>
+          <a:lnRef idx="1">
+            <a:schemeClr val="accent1"/>
+          </a:lnRef>
+          <a:fillRef idx="0">
+            <a:schemeClr val="accent1"/>
+          </a:fillRef>
+          <a:effectRef idx="0">
+            <a:schemeClr val="accent1"/>
+          </a:effectRef>
+          <a:fontRef idx="minor">
+            <a:schemeClr val="tx1"/>
+          </a:fontRef>
+        </p:style>
+      </p:cxnSp>
+      <p:sp>
+        <p:nvSpPr>
+          <p:cNvPr id="222" name="TextBox 221">
+            <a:extLst>
+              <a:ext uri="{FF2B5EF4-FFF2-40B4-BE49-F238E27FC236}">
+                <a16:creationId xmlns:a16="http://schemas.microsoft.com/office/drawing/2014/main" xmlns="" id="{F2449170-EDD9-4C8D-BE36-E016BFAD9ADF}"/>
+              </a:ext>
+            </a:extLst>
+          </p:cNvPr>
+          <p:cNvSpPr txBox="1"/>
+          <p:nvPr/>
+        </p:nvSpPr>
+        <p:spPr>
+          <a:xfrm>
+            <a:off x="2504939" y="92989"/>
+            <a:ext cx="7182123" cy="707886"/>
+          </a:xfrm>
+          <a:prstGeom prst="rect">
+            <a:avLst/>
+          </a:prstGeom>
+          <a:noFill/>
+        </p:spPr>
+        <p:txBody>
+          <a:bodyPr wrap="square" rtlCol="0">
+            <a:spAutoFit/>
+          </a:bodyPr>
+          <a:lstStyle/>
+          <a:p>
+            <a:pPr algn="ctr"/>
+            <a:r>
+              <a:rPr lang="fr-FR" sz="4000" dirty="0" err="1" smtClean="0">
+                <a:latin typeface="Segoe UI" panose="020B0502040204020203" pitchFamily="34" charset="0"/>
+                <a:cs typeface="Segoe UI" panose="020B0502040204020203" pitchFamily="34" charset="0"/>
+              </a:rPr>
+              <a:t>Roadmap</a:t>
+            </a:r>
+            <a:endParaRPr lang="fr-FR" sz="4000" dirty="0" smtClean="0">
+              <a:latin typeface="Segoe UI" panose="020B0502040204020203" pitchFamily="34" charset="0"/>
+              <a:cs typeface="Segoe UI" panose="020B0502040204020203" pitchFamily="34" charset="0"/>
+            </a:endParaRPr>
+          </a:p>
+        </p:txBody>
+      </p:sp>
+      <p:sp>
+        <p:nvSpPr>
+          <p:cNvPr id="106" name="OTLSHAPE_TB_00000000000000000000000000000000_TimescaleInterval2">
+            <a:extLst>
+              <a:ext uri="{FF2B5EF4-FFF2-40B4-BE49-F238E27FC236}">
+                <a16:creationId xmlns:a16="http://schemas.microsoft.com/office/drawing/2014/main" xmlns="" id="{3CB447A3-0921-4DF4-B42F-6FEA86646024}"/>
+              </a:ext>
+            </a:extLst>
+          </p:cNvPr>
+          <p:cNvSpPr txBox="1"/>
+          <p:nvPr>
+            <p:custDataLst>
+              <p:tags r:id="rId38"/>
+            </p:custDataLst>
+          </p:nvPr>
+        </p:nvSpPr>
+        <p:spPr>
+          <a:xfrm>
+            <a:off x="3158023" y="1156788"/>
+            <a:ext cx="211596" cy="203200"/>
+          </a:xfrm>
+          <a:prstGeom prst="rect">
+            <a:avLst/>
+          </a:prstGeom>
+          <a:noFill/>
+        </p:spPr>
+        <p:txBody>
+          <a:bodyPr vert="horz" wrap="none" lIns="0" tIns="0" rIns="0" bIns="0" rtlCol="0" anchor="ctr" anchorCtr="0">
+            <a:noAutofit/>
+          </a:bodyPr>
+          <a:lstStyle/>
+          <a:p>
+            <a:r>
+              <a:rPr lang="fr-FR" sz="1400" spc="-30" smtClean="0">
+                <a:solidFill>
+                  <a:schemeClr val="dk1"/>
+                </a:solidFill>
+                <a:latin typeface="Calibri" panose="020F0502020204030204" pitchFamily="34" charset="0"/>
+              </a:rPr>
+              <a:t>Sprint 2</a:t>
+            </a:r>
+            <a:endParaRPr lang="fr-FR" sz="1400" spc="-30">
+              <a:solidFill>
+                <a:schemeClr val="dk1"/>
+              </a:solidFill>
+              <a:latin typeface="Calibri" panose="020F0502020204030204" pitchFamily="34" charset="0"/>
+            </a:endParaRPr>
+          </a:p>
+        </p:txBody>
+      </p:sp>
+      <p:sp>
+        <p:nvSpPr>
+          <p:cNvPr id="109" name="OTLSHAPE_SLT_5fdc1ae17390491587eeb3e0a5701e86_Shape">
+            <a:extLst>
+              <a:ext uri="{FF2B5EF4-FFF2-40B4-BE49-F238E27FC236}">
+                <a16:creationId xmlns:a16="http://schemas.microsoft.com/office/drawing/2014/main" xmlns="" id="{E551897C-3474-4EEF-966B-9EE54F027C72}"/>
+              </a:ext>
+            </a:extLst>
+          </p:cNvPr>
+          <p:cNvSpPr/>
+          <p:nvPr>
+            <p:custDataLst>
+              <p:tags r:id="rId39"/>
+            </p:custDataLst>
+          </p:nvPr>
+        </p:nvSpPr>
+        <p:spPr>
+          <a:xfrm>
+            <a:off x="1339652" y="4008967"/>
+            <a:ext cx="1638680" cy="171148"/>
+          </a:xfrm>
+          <a:prstGeom prst="chevron">
+            <a:avLst/>
+          </a:prstGeom>
+          <a:solidFill>
+            <a:srgbClr val="A363C3"/>
+          </a:solidFill>
+          <a:ln w="12700" cap="flat" cmpd="sng" algn="ctr">
+            <a:noFill/>
+            <a:prstDash val="solid"/>
+            <a:miter lim="800000"/>
+          </a:ln>
+          <a:effectLst/>
+          <a:extLst>
+            <a:ext uri="{91240B29-F687-4F45-9708-019B960494DF}">
+              <a14:hiddenLine xmlns:a14="http://schemas.microsoft.com/office/drawing/2010/main" xmlns="" w="12700" cap="flat" cmpd="sng" algn="ctr">
+                <a:solidFill>
+                  <a:schemeClr val="accent1">
+                    <a:shade val="50000"/>
+                  </a:schemeClr>
+                </a:solidFill>
+                <a:prstDash val="solid"/>
+                <a:miter lim="800000"/>
+              </a14:hiddenLine>
+            </a:ext>
+          </a:extLst>
+        </p:spPr>
+        <p:style>
+          <a:lnRef idx="2">
+            <a:schemeClr val="accent1">
+              <a:shade val="50000"/>
+            </a:schemeClr>
+          </a:lnRef>
+          <a:fillRef idx="1">
+            <a:schemeClr val="accent1"/>
+          </a:fillRef>
+          <a:effectRef idx="0">
+            <a:schemeClr val="accent1"/>
+          </a:effectRef>
+          <a:fontRef idx="minor">
+            <a:schemeClr val="lt1"/>
+          </a:fontRef>
+        </p:style>
+        <p:txBody>
+          <a:bodyPr rtlCol="0" anchor="ctr"/>
+          <a:lstStyle/>
+          <a:p>
+            <a:pPr algn="ctr"/>
+            <a:endParaRPr lang="fr-FR">
+              <a:solidFill>
+                <a:schemeClr val="tx1"/>
+              </a:solidFill>
+            </a:endParaRPr>
+          </a:p>
+        </p:txBody>
+      </p:sp>
+      <p:sp>
+        <p:nvSpPr>
+          <p:cNvPr id="111" name="OTLSHAPE_SLT_5fdc1ae17390491587eeb3e0a5701e86_Title">
+            <a:extLst>
+              <a:ext uri="{FF2B5EF4-FFF2-40B4-BE49-F238E27FC236}">
+                <a16:creationId xmlns:a16="http://schemas.microsoft.com/office/drawing/2014/main" xmlns="" id="{BAEE7FA3-5766-4B53-A85B-AEF0E5523AB1}"/>
+              </a:ext>
+            </a:extLst>
+          </p:cNvPr>
+          <p:cNvSpPr txBox="1"/>
+          <p:nvPr>
+            <p:custDataLst>
+              <p:tags r:id="rId40"/>
+            </p:custDataLst>
+          </p:nvPr>
+        </p:nvSpPr>
+        <p:spPr>
+          <a:xfrm>
+            <a:off x="1432560" y="3999802"/>
+            <a:ext cx="1640536" cy="169277"/>
+          </a:xfrm>
+          <a:prstGeom prst="rect">
+            <a:avLst/>
+          </a:prstGeom>
+          <a:noFill/>
+        </p:spPr>
+        <p:txBody>
+          <a:bodyPr vert="horz" wrap="square" lIns="0" tIns="0" rIns="0" bIns="0" rtlCol="0" anchor="ctr" anchorCtr="0">
+            <a:spAutoFit/>
+          </a:bodyPr>
+          <a:lstStyle/>
+          <a:p>
+            <a:pPr algn="ctr"/>
+            <a:r>
+              <a:rPr lang="fr-FR" sz="1100" spc="-4" dirty="0" smtClean="0">
+                <a:solidFill>
+                  <a:schemeClr val="lt1"/>
+                </a:solidFill>
+                <a:latin typeface="Calibri" panose="020F0502020204030204" pitchFamily="34" charset="0"/>
+              </a:rPr>
+              <a:t>Authentification</a:t>
+            </a:r>
+            <a:endParaRPr lang="fr-FR" sz="1100" spc="-4" dirty="0">
+              <a:solidFill>
+                <a:schemeClr val="lt1"/>
+              </a:solidFill>
+              <a:latin typeface="Calibri" panose="020F0502020204030204" pitchFamily="34" charset="0"/>
+            </a:endParaRPr>
+          </a:p>
+        </p:txBody>
+      </p:sp>
+      <p:sp>
+        <p:nvSpPr>
+          <p:cNvPr id="118" name="OTLSHAPE_SLT_5fdc1ae17390491587eeb3e0a5701e86_Shape">
+            <a:extLst>
+              <a:ext uri="{FF2B5EF4-FFF2-40B4-BE49-F238E27FC236}">
+                <a16:creationId xmlns:a16="http://schemas.microsoft.com/office/drawing/2014/main" xmlns="" id="{E551897C-3474-4EEF-966B-9EE54F027C72}"/>
+              </a:ext>
+            </a:extLst>
+          </p:cNvPr>
+          <p:cNvSpPr/>
+          <p:nvPr>
+            <p:custDataLst>
+              <p:tags r:id="rId41"/>
+            </p:custDataLst>
+          </p:nvPr>
+        </p:nvSpPr>
+        <p:spPr>
+          <a:xfrm>
+            <a:off x="1574783" y="4283287"/>
+            <a:ext cx="1390486" cy="171147"/>
+          </a:xfrm>
+          <a:prstGeom prst="chevron">
+            <a:avLst/>
+          </a:prstGeom>
+          <a:solidFill>
+            <a:srgbClr val="A363C3"/>
+          </a:solidFill>
+          <a:ln w="12700" cap="flat" cmpd="sng" algn="ctr">
+            <a:noFill/>
+            <a:prstDash val="solid"/>
+            <a:miter lim="800000"/>
+          </a:ln>
+          <a:effectLst/>
+          <a:extLst>
+            <a:ext uri="{91240B29-F687-4F45-9708-019B960494DF}">
+              <a14:hiddenLine xmlns:a14="http://schemas.microsoft.com/office/drawing/2010/main" xmlns="" w="12700" cap="flat" cmpd="sng" algn="ctr">
+                <a:solidFill>
+                  <a:schemeClr val="accent1">
+                    <a:shade val="50000"/>
+                  </a:schemeClr>
+                </a:solidFill>
+                <a:prstDash val="solid"/>
+                <a:miter lim="800000"/>
+              </a14:hiddenLine>
+            </a:ext>
+          </a:extLst>
+        </p:spPr>
+        <p:style>
+          <a:lnRef idx="2">
+            <a:schemeClr val="accent1">
+              <a:shade val="50000"/>
+            </a:schemeClr>
+          </a:lnRef>
+          <a:fillRef idx="1">
+            <a:schemeClr val="accent1"/>
+          </a:fillRef>
+          <a:effectRef idx="0">
+            <a:schemeClr val="accent1"/>
+          </a:effectRef>
+          <a:fontRef idx="minor">
+            <a:schemeClr val="lt1"/>
+          </a:fontRef>
+        </p:style>
+        <p:txBody>
+          <a:bodyPr rtlCol="0" anchor="ctr"/>
+          <a:lstStyle/>
+          <a:p>
+            <a:pPr algn="ctr"/>
+            <a:endParaRPr lang="fr-FR" dirty="0">
+              <a:solidFill>
+                <a:schemeClr val="tx1"/>
+              </a:solidFill>
+            </a:endParaRPr>
+          </a:p>
+        </p:txBody>
+      </p:sp>
+      <p:sp>
+        <p:nvSpPr>
+          <p:cNvPr id="119" name="OTLSHAPE_SLT_7b49690012f9431fa579863039774321_Title">
+            <a:extLst>
+              <a:ext uri="{FF2B5EF4-FFF2-40B4-BE49-F238E27FC236}">
+                <a16:creationId xmlns:a16="http://schemas.microsoft.com/office/drawing/2014/main" xmlns="" id="{593DAB30-5EB9-49D3-A1DC-E80297DE2728}"/>
+              </a:ext>
+            </a:extLst>
+          </p:cNvPr>
+          <p:cNvSpPr txBox="1"/>
+          <p:nvPr>
+            <p:custDataLst>
+              <p:tags r:id="rId42"/>
+            </p:custDataLst>
+          </p:nvPr>
+        </p:nvSpPr>
+        <p:spPr>
+          <a:xfrm>
+            <a:off x="1763486" y="4280289"/>
+            <a:ext cx="1053422" cy="169277"/>
+          </a:xfrm>
+          <a:prstGeom prst="rect">
+            <a:avLst/>
+          </a:prstGeom>
+          <a:noFill/>
+        </p:spPr>
+        <p:txBody>
+          <a:bodyPr vert="horz" wrap="square" lIns="0" tIns="0" rIns="0" bIns="0" rtlCol="0" anchor="ctr" anchorCtr="0">
+            <a:spAutoFit/>
+          </a:bodyPr>
+          <a:lstStyle/>
+          <a:p>
+            <a:pPr algn="ctr"/>
+            <a:r>
+              <a:rPr lang="fr-FR" sz="1100" spc="-4" dirty="0" smtClean="0">
+                <a:solidFill>
+                  <a:schemeClr val="lt1"/>
+                </a:solidFill>
+                <a:latin typeface="Calibri" panose="020F0502020204030204" pitchFamily="34" charset="0"/>
+              </a:rPr>
+              <a:t>Maquette du site</a:t>
+            </a:r>
+            <a:endParaRPr lang="fr-FR" sz="1100" spc="-4" dirty="0">
+              <a:solidFill>
+                <a:schemeClr val="lt1"/>
+              </a:solidFill>
+              <a:latin typeface="Calibri" panose="020F0502020204030204" pitchFamily="34" charset="0"/>
+            </a:endParaRPr>
+          </a:p>
+        </p:txBody>
+      </p:sp>
+      <p:sp>
+        <p:nvSpPr>
+          <p:cNvPr id="120" name="OTLSHAPE_SLT_5fdc1ae17390491587eeb3e0a5701e86_Shape">
+            <a:extLst>
+              <a:ext uri="{FF2B5EF4-FFF2-40B4-BE49-F238E27FC236}">
+                <a16:creationId xmlns:a16="http://schemas.microsoft.com/office/drawing/2014/main" xmlns="" id="{E551897C-3474-4EEF-966B-9EE54F027C72}"/>
+              </a:ext>
+            </a:extLst>
+          </p:cNvPr>
+          <p:cNvSpPr/>
+          <p:nvPr>
+            <p:custDataLst>
+              <p:tags r:id="rId43"/>
+            </p:custDataLst>
+          </p:nvPr>
+        </p:nvSpPr>
+        <p:spPr>
+          <a:xfrm>
+            <a:off x="3020406" y="4017675"/>
+            <a:ext cx="1669160" cy="201628"/>
+          </a:xfrm>
+          <a:prstGeom prst="chevron">
+            <a:avLst/>
+          </a:prstGeom>
+          <a:solidFill>
+            <a:srgbClr val="A363C3"/>
+          </a:solidFill>
+          <a:ln w="12700" cap="flat" cmpd="sng" algn="ctr">
+            <a:noFill/>
+            <a:prstDash val="solid"/>
+            <a:miter lim="800000"/>
+          </a:ln>
+          <a:effectLst/>
+          <a:extLst>
+            <a:ext uri="{91240B29-F687-4F45-9708-019B960494DF}">
+              <a14:hiddenLine xmlns:a14="http://schemas.microsoft.com/office/drawing/2010/main" xmlns="" w="12700" cap="flat" cmpd="sng" algn="ctr">
+                <a:solidFill>
+                  <a:schemeClr val="accent1">
+                    <a:shade val="50000"/>
+                  </a:schemeClr>
+                </a:solidFill>
+                <a:prstDash val="solid"/>
+                <a:miter lim="800000"/>
+              </a14:hiddenLine>
+            </a:ext>
+          </a:extLst>
+        </p:spPr>
+        <p:style>
+          <a:lnRef idx="2">
+            <a:schemeClr val="accent1">
+              <a:shade val="50000"/>
+            </a:schemeClr>
+          </a:lnRef>
+          <a:fillRef idx="1">
+            <a:schemeClr val="accent1"/>
+          </a:fillRef>
+          <a:effectRef idx="0">
+            <a:schemeClr val="accent1"/>
+          </a:effectRef>
+          <a:fontRef idx="minor">
+            <a:schemeClr val="lt1"/>
+          </a:fontRef>
+        </p:style>
+        <p:txBody>
+          <a:bodyPr rtlCol="0" anchor="ctr"/>
+          <a:lstStyle/>
+          <a:p>
+            <a:pPr algn="ctr"/>
+            <a:endParaRPr lang="fr-FR">
+              <a:solidFill>
+                <a:schemeClr val="tx1"/>
+              </a:solidFill>
+            </a:endParaRPr>
+          </a:p>
+        </p:txBody>
+      </p:sp>
+      <p:sp>
+        <p:nvSpPr>
+          <p:cNvPr id="122" name="OTLSHAPE_SLT_5fdc1ae17390491587eeb3e0a5701e86_Title">
+            <a:extLst>
+              <a:ext uri="{FF2B5EF4-FFF2-40B4-BE49-F238E27FC236}">
+                <a16:creationId xmlns:a16="http://schemas.microsoft.com/office/drawing/2014/main" xmlns="" id="{BAEE7FA3-5766-4B53-A85B-AEF0E5523AB1}"/>
+              </a:ext>
+            </a:extLst>
+          </p:cNvPr>
+          <p:cNvSpPr txBox="1"/>
+          <p:nvPr>
+            <p:custDataLst>
+              <p:tags r:id="rId44"/>
+            </p:custDataLst>
+          </p:nvPr>
+        </p:nvSpPr>
+        <p:spPr>
+          <a:xfrm>
+            <a:off x="3013166" y="4005321"/>
+            <a:ext cx="1127760" cy="169277"/>
+          </a:xfrm>
+          <a:prstGeom prst="rect">
+            <a:avLst/>
+          </a:prstGeom>
+          <a:noFill/>
+        </p:spPr>
+        <p:txBody>
+          <a:bodyPr vert="horz" wrap="square" lIns="0" tIns="0" rIns="0" bIns="0" rtlCol="0" anchor="ctr" anchorCtr="0">
+            <a:spAutoFit/>
+          </a:bodyPr>
+          <a:lstStyle/>
+          <a:p>
+            <a:pPr algn="ctr"/>
+            <a:r>
+              <a:rPr lang="fr-FR" sz="1100" spc="-4" dirty="0" smtClean="0">
+                <a:solidFill>
+                  <a:schemeClr val="lt1"/>
+                </a:solidFill>
+                <a:latin typeface="Calibri" panose="020F0502020204030204" pitchFamily="34" charset="0"/>
+              </a:rPr>
+              <a:t>Stock</a:t>
+            </a:r>
+            <a:endParaRPr lang="fr-FR" sz="1100" spc="-4" dirty="0">
+              <a:solidFill>
+                <a:schemeClr val="lt1"/>
+              </a:solidFill>
+              <a:latin typeface="Calibri" panose="020F0502020204030204" pitchFamily="34" charset="0"/>
+            </a:endParaRPr>
+          </a:p>
+        </p:txBody>
+      </p:sp>
+      <p:sp>
+        <p:nvSpPr>
+          <p:cNvPr id="129" name="OTLSHAPE_SLT_5fdc1ae17390491587eeb3e0a5701e86_Shape">
+            <a:extLst>
+              <a:ext uri="{FF2B5EF4-FFF2-40B4-BE49-F238E27FC236}">
+                <a16:creationId xmlns:a16="http://schemas.microsoft.com/office/drawing/2014/main" xmlns="" id="{E551897C-3474-4EEF-966B-9EE54F027C72}"/>
+              </a:ext>
+            </a:extLst>
+          </p:cNvPr>
+          <p:cNvSpPr/>
+          <p:nvPr>
+            <p:custDataLst>
+              <p:tags r:id="rId45"/>
+            </p:custDataLst>
+          </p:nvPr>
+        </p:nvSpPr>
+        <p:spPr>
+          <a:xfrm>
+            <a:off x="7197633" y="4075611"/>
+            <a:ext cx="1149531" cy="195943"/>
+          </a:xfrm>
+          <a:prstGeom prst="chevron">
+            <a:avLst/>
+          </a:prstGeom>
+          <a:solidFill>
+            <a:srgbClr val="A363C3"/>
+          </a:solidFill>
+          <a:ln w="12700" cap="flat" cmpd="sng" algn="ctr">
+            <a:noFill/>
+            <a:prstDash val="solid"/>
+            <a:miter lim="800000"/>
+          </a:ln>
+          <a:effectLst/>
+          <a:extLst>
+            <a:ext uri="{91240B29-F687-4F45-9708-019B960494DF}">
+              <a14:hiddenLine xmlns:a14="http://schemas.microsoft.com/office/drawing/2010/main" xmlns="" w="12700" cap="flat" cmpd="sng" algn="ctr">
+                <a:solidFill>
+                  <a:schemeClr val="accent1">
+                    <a:shade val="50000"/>
+                  </a:schemeClr>
+                </a:solidFill>
+                <a:prstDash val="solid"/>
+                <a:miter lim="800000"/>
+              </a14:hiddenLine>
+            </a:ext>
+          </a:extLst>
+        </p:spPr>
+        <p:style>
+          <a:lnRef idx="2">
+            <a:schemeClr val="accent1">
+              <a:shade val="50000"/>
+            </a:schemeClr>
+          </a:lnRef>
+          <a:fillRef idx="1">
+            <a:schemeClr val="accent1"/>
+          </a:fillRef>
+          <a:effectRef idx="0">
+            <a:schemeClr val="accent1"/>
+          </a:effectRef>
+          <a:fontRef idx="minor">
+            <a:schemeClr val="lt1"/>
+          </a:fontRef>
+        </p:style>
+        <p:txBody>
+          <a:bodyPr rtlCol="0" anchor="ctr"/>
+          <a:lstStyle/>
+          <a:p>
+            <a:pPr algn="ctr"/>
+            <a:endParaRPr lang="fr-FR">
+              <a:solidFill>
+                <a:schemeClr val="tx1"/>
+              </a:solidFill>
+            </a:endParaRPr>
+          </a:p>
+        </p:txBody>
+      </p:sp>
+      <p:sp>
+        <p:nvSpPr>
+          <p:cNvPr id="130" name="OTLSHAPE_SLT_5fdc1ae17390491587eeb3e0a5701e86_Title">
+            <a:extLst>
+              <a:ext uri="{FF2B5EF4-FFF2-40B4-BE49-F238E27FC236}">
+                <a16:creationId xmlns:a16="http://schemas.microsoft.com/office/drawing/2014/main" xmlns="" id="{BAEE7FA3-5766-4B53-A85B-AEF0E5523AB1}"/>
+              </a:ext>
+            </a:extLst>
+          </p:cNvPr>
+          <p:cNvSpPr txBox="1"/>
+          <p:nvPr>
+            <p:custDataLst>
+              <p:tags r:id="rId46"/>
+            </p:custDataLst>
+          </p:nvPr>
+        </p:nvSpPr>
+        <p:spPr>
+          <a:xfrm>
+            <a:off x="7184579" y="4079655"/>
+            <a:ext cx="1345475" cy="169277"/>
+          </a:xfrm>
+          <a:prstGeom prst="rect">
+            <a:avLst/>
+          </a:prstGeom>
+          <a:noFill/>
+        </p:spPr>
+        <p:txBody>
+          <a:bodyPr vert="horz" wrap="square" lIns="0" tIns="0" rIns="0" bIns="0" rtlCol="0" anchor="ctr" anchorCtr="0">
+            <a:spAutoFit/>
+          </a:bodyPr>
+          <a:lstStyle/>
+          <a:p>
+            <a:pPr algn="ctr"/>
+            <a:r>
+              <a:rPr lang="fr-FR" sz="1100" spc="-4" dirty="0" smtClean="0">
+                <a:solidFill>
+                  <a:schemeClr val="lt1"/>
+                </a:solidFill>
+                <a:latin typeface="Calibri" panose="020F0502020204030204" pitchFamily="34" charset="0"/>
+              </a:rPr>
+              <a:t>Contrats</a:t>
+            </a:r>
+            <a:endParaRPr lang="fr-FR" sz="1100" spc="-4" dirty="0">
+              <a:solidFill>
+                <a:schemeClr val="lt1"/>
+              </a:solidFill>
+              <a:latin typeface="Calibri" panose="020F0502020204030204" pitchFamily="34" charset="0"/>
+            </a:endParaRPr>
+          </a:p>
+        </p:txBody>
+      </p:sp>
+      <p:sp>
+        <p:nvSpPr>
+          <p:cNvPr id="131" name="OTLSHAPE_SLT_5fdc1ae17390491587eeb3e0a5701e86_Shape">
+            <a:extLst>
+              <a:ext uri="{FF2B5EF4-FFF2-40B4-BE49-F238E27FC236}">
+                <a16:creationId xmlns:a16="http://schemas.microsoft.com/office/drawing/2014/main" xmlns="" id="{E551897C-3474-4EEF-966B-9EE54F027C72}"/>
+              </a:ext>
+            </a:extLst>
+          </p:cNvPr>
+          <p:cNvSpPr/>
+          <p:nvPr>
+            <p:custDataLst>
+              <p:tags r:id="rId47"/>
+            </p:custDataLst>
+          </p:nvPr>
+        </p:nvSpPr>
+        <p:spPr>
+          <a:xfrm>
+            <a:off x="5106109" y="4039447"/>
+            <a:ext cx="1656098" cy="162439"/>
+          </a:xfrm>
+          <a:prstGeom prst="chevron">
+            <a:avLst/>
+          </a:prstGeom>
+          <a:solidFill>
+            <a:srgbClr val="A363C3"/>
+          </a:solidFill>
+          <a:ln w="12700" cap="flat" cmpd="sng" algn="ctr">
+            <a:noFill/>
+            <a:prstDash val="solid"/>
+            <a:miter lim="800000"/>
+          </a:ln>
+          <a:effectLst/>
+          <a:extLst>
+            <a:ext uri="{91240B29-F687-4F45-9708-019B960494DF}">
+              <a14:hiddenLine xmlns:a14="http://schemas.microsoft.com/office/drawing/2010/main" xmlns="" w="12700" cap="flat" cmpd="sng" algn="ctr">
+                <a:solidFill>
+                  <a:schemeClr val="accent1">
+                    <a:shade val="50000"/>
+                  </a:schemeClr>
+                </a:solidFill>
+                <a:prstDash val="solid"/>
+                <a:miter lim="800000"/>
+              </a14:hiddenLine>
+            </a:ext>
+          </a:extLst>
+        </p:spPr>
+        <p:style>
+          <a:lnRef idx="2">
+            <a:schemeClr val="accent1">
+              <a:shade val="50000"/>
+            </a:schemeClr>
+          </a:lnRef>
+          <a:fillRef idx="1">
+            <a:schemeClr val="accent1"/>
+          </a:fillRef>
+          <a:effectRef idx="0">
+            <a:schemeClr val="accent1"/>
+          </a:effectRef>
+          <a:fontRef idx="minor">
+            <a:schemeClr val="lt1"/>
+          </a:fontRef>
+        </p:style>
+        <p:txBody>
+          <a:bodyPr rtlCol="0" anchor="ctr"/>
+          <a:lstStyle/>
+          <a:p>
+            <a:pPr algn="ctr"/>
+            <a:endParaRPr lang="fr-FR">
+              <a:solidFill>
+                <a:schemeClr val="tx1"/>
+              </a:solidFill>
+            </a:endParaRPr>
+          </a:p>
+        </p:txBody>
+      </p:sp>
+      <p:sp>
+        <p:nvSpPr>
+          <p:cNvPr id="133" name="OTLSHAPE_SLT_5fdc1ae17390491587eeb3e0a5701e86_Shape">
+            <a:extLst>
+              <a:ext uri="{FF2B5EF4-FFF2-40B4-BE49-F238E27FC236}">
+                <a16:creationId xmlns:a16="http://schemas.microsoft.com/office/drawing/2014/main" xmlns="" id="{E551897C-3474-4EEF-966B-9EE54F027C72}"/>
+              </a:ext>
+            </a:extLst>
+          </p:cNvPr>
+          <p:cNvSpPr/>
+          <p:nvPr>
+            <p:custDataLst>
+              <p:tags r:id="rId48"/>
+            </p:custDataLst>
+          </p:nvPr>
+        </p:nvSpPr>
+        <p:spPr>
+          <a:xfrm>
+            <a:off x="3042177" y="4522772"/>
+            <a:ext cx="1477572" cy="205982"/>
+          </a:xfrm>
+          <a:prstGeom prst="chevron">
+            <a:avLst/>
+          </a:prstGeom>
+          <a:solidFill>
+            <a:srgbClr val="A363C3"/>
+          </a:solidFill>
+          <a:ln w="12700" cap="flat" cmpd="sng" algn="ctr">
+            <a:noFill/>
+            <a:prstDash val="solid"/>
+            <a:miter lim="800000"/>
+          </a:ln>
+          <a:effectLst/>
+          <a:extLst>
+            <a:ext uri="{91240B29-F687-4F45-9708-019B960494DF}">
+              <a14:hiddenLine xmlns:a14="http://schemas.microsoft.com/office/drawing/2010/main" xmlns="" w="12700" cap="flat" cmpd="sng" algn="ctr">
+                <a:solidFill>
+                  <a:schemeClr val="accent1">
+                    <a:shade val="50000"/>
+                  </a:schemeClr>
+                </a:solidFill>
+                <a:prstDash val="solid"/>
+                <a:miter lim="800000"/>
+              </a14:hiddenLine>
+            </a:ext>
+          </a:extLst>
+        </p:spPr>
+        <p:style>
+          <a:lnRef idx="2">
+            <a:schemeClr val="accent1">
+              <a:shade val="50000"/>
+            </a:schemeClr>
+          </a:lnRef>
+          <a:fillRef idx="1">
+            <a:schemeClr val="accent1"/>
+          </a:fillRef>
+          <a:effectRef idx="0">
+            <a:schemeClr val="accent1"/>
+          </a:effectRef>
+          <a:fontRef idx="minor">
+            <a:schemeClr val="lt1"/>
+          </a:fontRef>
+        </p:style>
+        <p:txBody>
+          <a:bodyPr rtlCol="0" anchor="ctr"/>
+          <a:lstStyle/>
+          <a:p>
+            <a:pPr algn="ctr"/>
+            <a:endParaRPr lang="fr-FR">
+              <a:solidFill>
+                <a:schemeClr val="tx1"/>
+              </a:solidFill>
+            </a:endParaRPr>
+          </a:p>
+        </p:txBody>
+      </p:sp>
+      <p:sp>
+        <p:nvSpPr>
+          <p:cNvPr id="137" name="OTLSHAPE_SLT_5fdc1ae17390491587eeb3e0a5701e86_Title">
+            <a:extLst>
+              <a:ext uri="{FF2B5EF4-FFF2-40B4-BE49-F238E27FC236}">
+                <a16:creationId xmlns:a16="http://schemas.microsoft.com/office/drawing/2014/main" xmlns="" id="{BAEE7FA3-5766-4B53-A85B-AEF0E5523AB1}"/>
+              </a:ext>
+            </a:extLst>
+          </p:cNvPr>
+          <p:cNvSpPr txBox="1"/>
+          <p:nvPr>
+            <p:custDataLst>
+              <p:tags r:id="rId49"/>
+            </p:custDataLst>
+          </p:nvPr>
+        </p:nvSpPr>
+        <p:spPr>
+          <a:xfrm>
+            <a:off x="3148149" y="4573784"/>
+            <a:ext cx="953588" cy="169277"/>
+          </a:xfrm>
+          <a:prstGeom prst="rect">
+            <a:avLst/>
+          </a:prstGeom>
+          <a:noFill/>
+        </p:spPr>
+        <p:txBody>
+          <a:bodyPr vert="horz" wrap="square" lIns="0" tIns="0" rIns="0" bIns="0" rtlCol="0" anchor="ctr" anchorCtr="0">
+            <a:spAutoFit/>
+          </a:bodyPr>
+          <a:lstStyle/>
+          <a:p>
+            <a:pPr algn="ctr"/>
+            <a:r>
+              <a:rPr lang="fr-FR" sz="1100" spc="-4" dirty="0" smtClean="0">
+                <a:solidFill>
+                  <a:schemeClr val="lt1"/>
+                </a:solidFill>
+                <a:latin typeface="Calibri" panose="020F0502020204030204" pitchFamily="34" charset="0"/>
+              </a:rPr>
+              <a:t>Administration</a:t>
+            </a:r>
+            <a:endParaRPr lang="fr-FR" sz="1100" spc="-4" dirty="0">
+              <a:solidFill>
+                <a:schemeClr val="lt1"/>
+              </a:solidFill>
+              <a:latin typeface="Calibri" panose="020F0502020204030204" pitchFamily="34" charset="0"/>
+            </a:endParaRPr>
+          </a:p>
+        </p:txBody>
+      </p:sp>
+      <p:sp>
+        <p:nvSpPr>
+          <p:cNvPr id="138" name="OTLSHAPE_SLT_5fdc1ae17390491587eeb3e0a5701e86_Title">
+            <a:extLst>
+              <a:ext uri="{FF2B5EF4-FFF2-40B4-BE49-F238E27FC236}">
+                <a16:creationId xmlns:a16="http://schemas.microsoft.com/office/drawing/2014/main" xmlns="" id="{BAEE7FA3-5766-4B53-A85B-AEF0E5523AB1}"/>
+              </a:ext>
+            </a:extLst>
+          </p:cNvPr>
+          <p:cNvSpPr txBox="1"/>
+          <p:nvPr>
+            <p:custDataLst>
+              <p:tags r:id="rId50"/>
+            </p:custDataLst>
+          </p:nvPr>
+        </p:nvSpPr>
+        <p:spPr>
+          <a:xfrm>
+            <a:off x="5090200" y="4025933"/>
+            <a:ext cx="1640536" cy="169277"/>
+          </a:xfrm>
+          <a:prstGeom prst="rect">
+            <a:avLst/>
+          </a:prstGeom>
+          <a:noFill/>
+        </p:spPr>
+        <p:txBody>
+          <a:bodyPr vert="horz" wrap="square" lIns="0" tIns="0" rIns="0" bIns="0" rtlCol="0" anchor="ctr" anchorCtr="0">
+            <a:spAutoFit/>
+          </a:bodyPr>
+          <a:lstStyle/>
+          <a:p>
+            <a:pPr algn="ctr"/>
+            <a:r>
+              <a:rPr lang="fr-FR" sz="1100" spc="-4" dirty="0" smtClean="0">
+                <a:solidFill>
+                  <a:schemeClr val="lt1"/>
+                </a:solidFill>
+                <a:latin typeface="Calibri" panose="020F0502020204030204" pitchFamily="34" charset="0"/>
+              </a:rPr>
+              <a:t>Sous-traitants</a:t>
+            </a:r>
+            <a:endParaRPr lang="fr-FR" sz="1100" spc="-4" dirty="0">
+              <a:solidFill>
+                <a:schemeClr val="lt1"/>
+              </a:solidFill>
+              <a:latin typeface="Calibri" panose="020F0502020204030204" pitchFamily="34" charset="0"/>
+            </a:endParaRPr>
+          </a:p>
+        </p:txBody>
+      </p:sp>
+      <p:sp>
+        <p:nvSpPr>
+          <p:cNvPr id="139" name="OTLSHAPE_SLT_5fdc1ae17390491587eeb3e0a5701e86_Shape">
+            <a:extLst>
+              <a:ext uri="{FF2B5EF4-FFF2-40B4-BE49-F238E27FC236}">
+                <a16:creationId xmlns:a16="http://schemas.microsoft.com/office/drawing/2014/main" xmlns="" id="{E551897C-3474-4EEF-966B-9EE54F027C72}"/>
+              </a:ext>
+            </a:extLst>
+          </p:cNvPr>
+          <p:cNvSpPr/>
+          <p:nvPr>
+            <p:custDataLst>
+              <p:tags r:id="rId51"/>
+            </p:custDataLst>
+          </p:nvPr>
+        </p:nvSpPr>
+        <p:spPr>
+          <a:xfrm>
+            <a:off x="5114817" y="4361664"/>
+            <a:ext cx="4081433" cy="223399"/>
+          </a:xfrm>
+          <a:prstGeom prst="chevron">
+            <a:avLst/>
+          </a:prstGeom>
+          <a:solidFill>
+            <a:srgbClr val="A363C3"/>
+          </a:solidFill>
+          <a:ln w="12700" cap="flat" cmpd="sng" algn="ctr">
+            <a:noFill/>
+            <a:prstDash val="solid"/>
+            <a:miter lim="800000"/>
+          </a:ln>
+          <a:effectLst/>
+          <a:extLst>
+            <a:ext uri="{91240B29-F687-4F45-9708-019B960494DF}">
+              <a14:hiddenLine xmlns:a14="http://schemas.microsoft.com/office/drawing/2010/main" xmlns="" w="12700" cap="flat" cmpd="sng" algn="ctr">
+                <a:solidFill>
+                  <a:schemeClr val="accent1">
+                    <a:shade val="50000"/>
+                  </a:schemeClr>
+                </a:solidFill>
+                <a:prstDash val="solid"/>
+                <a:miter lim="800000"/>
+              </a14:hiddenLine>
+            </a:ext>
+          </a:extLst>
+        </p:spPr>
+        <p:style>
+          <a:lnRef idx="2">
+            <a:schemeClr val="accent1">
+              <a:shade val="50000"/>
+            </a:schemeClr>
+          </a:lnRef>
+          <a:fillRef idx="1">
+            <a:schemeClr val="accent1"/>
+          </a:fillRef>
+          <a:effectRef idx="0">
+            <a:schemeClr val="accent1"/>
+          </a:effectRef>
+          <a:fontRef idx="minor">
+            <a:schemeClr val="lt1"/>
+          </a:fontRef>
+        </p:style>
+        <p:txBody>
+          <a:bodyPr rtlCol="0" anchor="ctr"/>
+          <a:lstStyle/>
+          <a:p>
+            <a:pPr algn="ctr"/>
+            <a:endParaRPr lang="fr-FR">
+              <a:solidFill>
+                <a:schemeClr val="tx1"/>
+              </a:solidFill>
+            </a:endParaRPr>
+          </a:p>
+        </p:txBody>
+      </p:sp>
+      <p:sp>
+        <p:nvSpPr>
+          <p:cNvPr id="144" name="OTLSHAPE_SLT_5fdc1ae17390491587eeb3e0a5701e86_Title">
+            <a:extLst>
+              <a:ext uri="{FF2B5EF4-FFF2-40B4-BE49-F238E27FC236}">
+                <a16:creationId xmlns:a16="http://schemas.microsoft.com/office/drawing/2014/main" xmlns="" id="{BAEE7FA3-5766-4B53-A85B-AEF0E5523AB1}"/>
+              </a:ext>
+            </a:extLst>
+          </p:cNvPr>
+          <p:cNvSpPr txBox="1"/>
+          <p:nvPr>
+            <p:custDataLst>
+              <p:tags r:id="rId52"/>
+            </p:custDataLst>
+          </p:nvPr>
+        </p:nvSpPr>
+        <p:spPr>
+          <a:xfrm>
+            <a:off x="5425440" y="4392850"/>
+            <a:ext cx="2386149" cy="169277"/>
+          </a:xfrm>
+          <a:prstGeom prst="rect">
+            <a:avLst/>
+          </a:prstGeom>
+          <a:noFill/>
+        </p:spPr>
+        <p:txBody>
+          <a:bodyPr vert="horz" wrap="square" lIns="0" tIns="0" rIns="0" bIns="0" rtlCol="0" anchor="ctr" anchorCtr="0">
+            <a:spAutoFit/>
+          </a:bodyPr>
+          <a:lstStyle/>
+          <a:p>
+            <a:pPr algn="ctr"/>
+            <a:r>
+              <a:rPr lang="fr-FR" sz="1100" spc="-4" dirty="0" err="1" smtClean="0">
+                <a:solidFill>
+                  <a:schemeClr val="lt1"/>
+                </a:solidFill>
+                <a:latin typeface="Calibri" panose="020F0502020204030204" pitchFamily="34" charset="0"/>
+              </a:rPr>
+              <a:t>WorkFlow</a:t>
+            </a:r>
+            <a:r>
+              <a:rPr lang="fr-FR" sz="1100" spc="-4" dirty="0" smtClean="0">
+                <a:solidFill>
+                  <a:schemeClr val="lt1"/>
+                </a:solidFill>
+                <a:latin typeface="Calibri" panose="020F0502020204030204" pitchFamily="34" charset="0"/>
+              </a:rPr>
+              <a:t> dossier Client</a:t>
+            </a:r>
+            <a:endParaRPr lang="fr-FR" sz="1100" spc="-4" dirty="0">
+              <a:solidFill>
+                <a:schemeClr val="lt1"/>
+              </a:solidFill>
+              <a:latin typeface="Calibri" panose="020F0502020204030204" pitchFamily="34" charset="0"/>
+            </a:endParaRPr>
+          </a:p>
+        </p:txBody>
+      </p:sp>
+      <p:sp>
+        <p:nvSpPr>
+          <p:cNvPr id="147" name="OTLSHAPE_SLT_5fdc1ae17390491587eeb3e0a5701e86_Title">
+            <a:extLst>
+              <a:ext uri="{FF2B5EF4-FFF2-40B4-BE49-F238E27FC236}">
+                <a16:creationId xmlns:a16="http://schemas.microsoft.com/office/drawing/2014/main" xmlns="" id="{BAEE7FA3-5766-4B53-A85B-AEF0E5523AB1}"/>
+              </a:ext>
+            </a:extLst>
+          </p:cNvPr>
+          <p:cNvSpPr txBox="1"/>
+          <p:nvPr>
+            <p:custDataLst>
+              <p:tags r:id="rId53"/>
+            </p:custDataLst>
+          </p:nvPr>
+        </p:nvSpPr>
+        <p:spPr>
+          <a:xfrm>
+            <a:off x="2595154" y="5227712"/>
+            <a:ext cx="4537166" cy="169277"/>
+          </a:xfrm>
+          <a:prstGeom prst="rect">
+            <a:avLst/>
+          </a:prstGeom>
+          <a:noFill/>
+        </p:spPr>
+        <p:txBody>
+          <a:bodyPr vert="horz" wrap="square" lIns="0" tIns="0" rIns="0" bIns="0" rtlCol="0" anchor="ctr" anchorCtr="0">
+            <a:spAutoFit/>
+          </a:bodyPr>
+          <a:lstStyle/>
+          <a:p>
+            <a:pPr algn="ctr"/>
+            <a:r>
+              <a:rPr lang="fr-FR" sz="1100" spc="-4" dirty="0" smtClean="0">
+                <a:solidFill>
+                  <a:schemeClr val="lt1"/>
+                </a:solidFill>
+                <a:latin typeface="Calibri" panose="020F0502020204030204" pitchFamily="34" charset="0"/>
+              </a:rPr>
+              <a:t>Test de chaque fonctionnalité au milieu de sprint et à la fin du sprint</a:t>
+            </a:r>
+            <a:endParaRPr lang="fr-FR" sz="1100" spc="-4" dirty="0">
+              <a:solidFill>
+                <a:schemeClr val="lt1"/>
+              </a:solidFill>
+              <a:latin typeface="Calibri" panose="020F0502020204030204" pitchFamily="34" charset="0"/>
+            </a:endParaRPr>
+          </a:p>
+        </p:txBody>
+      </p:sp>
+      <p:sp>
+        <p:nvSpPr>
+          <p:cNvPr id="149" name="OTLSHAPE_SLT_5fdc1ae17390491587eeb3e0a5701e86_Title">
+            <a:extLst>
+              <a:ext uri="{FF2B5EF4-FFF2-40B4-BE49-F238E27FC236}">
+                <a16:creationId xmlns:a16="http://schemas.microsoft.com/office/drawing/2014/main" xmlns="" id="{BAEE7FA3-5766-4B53-A85B-AEF0E5523AB1}"/>
+              </a:ext>
+            </a:extLst>
+          </p:cNvPr>
+          <p:cNvSpPr txBox="1"/>
+          <p:nvPr>
+            <p:custDataLst>
+              <p:tags r:id="rId54"/>
+            </p:custDataLst>
+          </p:nvPr>
+        </p:nvSpPr>
+        <p:spPr>
+          <a:xfrm>
+            <a:off x="7872545" y="5906980"/>
+            <a:ext cx="1640536" cy="169277"/>
+          </a:xfrm>
+          <a:prstGeom prst="rect">
+            <a:avLst/>
+          </a:prstGeom>
+          <a:noFill/>
+        </p:spPr>
+        <p:txBody>
+          <a:bodyPr vert="horz" wrap="square" lIns="0" tIns="0" rIns="0" bIns="0" rtlCol="0" anchor="ctr" anchorCtr="0">
+            <a:spAutoFit/>
+          </a:bodyPr>
+          <a:lstStyle/>
+          <a:p>
+            <a:pPr algn="ctr"/>
+            <a:r>
+              <a:rPr lang="fr-FR" sz="1100" spc="-4" dirty="0" smtClean="0">
+                <a:solidFill>
+                  <a:schemeClr val="lt1"/>
+                </a:solidFill>
+                <a:latin typeface="Calibri" panose="020F0502020204030204" pitchFamily="34" charset="0"/>
+              </a:rPr>
+              <a:t>Intégration + Hébergement</a:t>
+            </a:r>
+            <a:endParaRPr lang="fr-FR" sz="1100" spc="-4" dirty="0">
+              <a:solidFill>
+                <a:schemeClr val="lt1"/>
+              </a:solidFill>
+              <a:latin typeface="Calibri" panose="020F0502020204030204" pitchFamily="34" charset="0"/>
+            </a:endParaRPr>
+          </a:p>
+        </p:txBody>
+      </p:sp>
+      <p:sp>
+        <p:nvSpPr>
+          <p:cNvPr id="152" name="OTLSHAPE_TB_00000000000000000000000000000000_TodayMarkerText">
+            <a:extLst>
+              <a:ext uri="{FF2B5EF4-FFF2-40B4-BE49-F238E27FC236}">
+                <a16:creationId xmlns:a16="http://schemas.microsoft.com/office/drawing/2014/main" xmlns="" id="{FD6A7150-C73F-4314-AEC2-FE0C1B4ED80E}"/>
+              </a:ext>
+            </a:extLst>
+          </p:cNvPr>
+          <p:cNvSpPr txBox="1"/>
+          <p:nvPr>
+            <p:custDataLst>
+              <p:tags r:id="rId55"/>
+            </p:custDataLst>
+          </p:nvPr>
+        </p:nvSpPr>
+        <p:spPr>
+          <a:xfrm>
+            <a:off x="5886995" y="703352"/>
+            <a:ext cx="418012" cy="184666"/>
+          </a:xfrm>
+          <a:prstGeom prst="rect">
+            <a:avLst/>
+          </a:prstGeom>
+          <a:noFill/>
+        </p:spPr>
+        <p:txBody>
+          <a:bodyPr vert="horz" wrap="square" lIns="0" tIns="0" rIns="0" bIns="0" rtlCol="0" anchor="ctr" anchorCtr="0">
+            <a:spAutoFit/>
+          </a:bodyPr>
+          <a:lstStyle/>
+          <a:p>
+            <a:pPr algn="ctr"/>
+            <a:r>
+              <a:rPr lang="fr-FR" sz="1200" spc="-12" dirty="0" smtClean="0">
+                <a:solidFill>
+                  <a:schemeClr val="dk1"/>
+                </a:solidFill>
+                <a:latin typeface="Calibri" panose="020F0502020204030204" pitchFamily="34" charset="0"/>
+              </a:rPr>
+              <a:t>18/9</a:t>
+            </a:r>
+            <a:endParaRPr lang="fr-FR" sz="1200" spc="-12" dirty="0">
+              <a:solidFill>
+                <a:schemeClr val="dk1"/>
+              </a:solidFill>
+              <a:latin typeface="Calibri" panose="020F0502020204030204" pitchFamily="34" charset="0"/>
+            </a:endParaRPr>
+          </a:p>
+        </p:txBody>
+      </p:sp>
+      <p:sp>
+        <p:nvSpPr>
+          <p:cNvPr id="153" name="OTLSHAPE_TB_00000000000000000000000000000000_TodayMarkerText">
+            <a:extLst>
+              <a:ext uri="{FF2B5EF4-FFF2-40B4-BE49-F238E27FC236}">
+                <a16:creationId xmlns:a16="http://schemas.microsoft.com/office/drawing/2014/main" xmlns="" id="{FD6A7150-C73F-4314-AEC2-FE0C1B4ED80E}"/>
+              </a:ext>
+            </a:extLst>
+          </p:cNvPr>
+          <p:cNvSpPr txBox="1"/>
+          <p:nvPr>
+            <p:custDataLst>
+              <p:tags r:id="rId56"/>
+            </p:custDataLst>
+          </p:nvPr>
+        </p:nvSpPr>
+        <p:spPr>
+          <a:xfrm>
+            <a:off x="2817223" y="794793"/>
+            <a:ext cx="418012" cy="184666"/>
+          </a:xfrm>
+          <a:prstGeom prst="rect">
+            <a:avLst/>
+          </a:prstGeom>
+          <a:noFill/>
+        </p:spPr>
+        <p:txBody>
+          <a:bodyPr vert="horz" wrap="square" lIns="0" tIns="0" rIns="0" bIns="0" rtlCol="0" anchor="ctr" anchorCtr="0">
+            <a:spAutoFit/>
+          </a:bodyPr>
+          <a:lstStyle/>
+          <a:p>
+            <a:pPr algn="ctr"/>
+            <a:r>
+              <a:rPr lang="fr-FR" sz="1200" spc="-12" dirty="0" smtClean="0">
+                <a:solidFill>
+                  <a:schemeClr val="dk1"/>
+                </a:solidFill>
+                <a:latin typeface="Calibri" panose="020F0502020204030204" pitchFamily="34" charset="0"/>
+              </a:rPr>
+              <a:t>28/9</a:t>
+            </a:r>
+            <a:endParaRPr lang="fr-FR" sz="1200" spc="-12" dirty="0">
+              <a:solidFill>
+                <a:schemeClr val="dk1"/>
+              </a:solidFill>
+              <a:latin typeface="Calibri" panose="020F0502020204030204" pitchFamily="34" charset="0"/>
+            </a:endParaRPr>
+          </a:p>
+        </p:txBody>
+      </p:sp>
+      <p:sp>
+        <p:nvSpPr>
+          <p:cNvPr id="154" name="OTLSHAPE_TB_00000000000000000000000000000000_TodayMarkerText">
+            <a:extLst>
+              <a:ext uri="{FF2B5EF4-FFF2-40B4-BE49-F238E27FC236}">
+                <a16:creationId xmlns:a16="http://schemas.microsoft.com/office/drawing/2014/main" xmlns="" id="{FD6A7150-C73F-4314-AEC2-FE0C1B4ED80E}"/>
+              </a:ext>
+            </a:extLst>
+          </p:cNvPr>
+          <p:cNvSpPr txBox="1"/>
+          <p:nvPr>
+            <p:custDataLst>
+              <p:tags r:id="rId57"/>
+            </p:custDataLst>
+          </p:nvPr>
+        </p:nvSpPr>
+        <p:spPr>
+          <a:xfrm>
+            <a:off x="4929052" y="790438"/>
+            <a:ext cx="418012" cy="184666"/>
+          </a:xfrm>
+          <a:prstGeom prst="rect">
+            <a:avLst/>
+          </a:prstGeom>
+          <a:noFill/>
+        </p:spPr>
+        <p:txBody>
+          <a:bodyPr vert="horz" wrap="square" lIns="0" tIns="0" rIns="0" bIns="0" rtlCol="0" anchor="ctr" anchorCtr="0">
+            <a:spAutoFit/>
+          </a:bodyPr>
+          <a:lstStyle/>
+          <a:p>
+            <a:pPr algn="ctr"/>
+            <a:r>
+              <a:rPr lang="fr-FR" sz="1200" spc="-12" dirty="0" smtClean="0">
+                <a:solidFill>
+                  <a:schemeClr val="dk1"/>
+                </a:solidFill>
+                <a:latin typeface="Calibri" panose="020F0502020204030204" pitchFamily="34" charset="0"/>
+              </a:rPr>
+              <a:t>12/10</a:t>
+            </a:r>
+            <a:endParaRPr lang="fr-FR" sz="1200" spc="-12" dirty="0">
+              <a:solidFill>
+                <a:schemeClr val="dk1"/>
+              </a:solidFill>
+              <a:latin typeface="Calibri" panose="020F0502020204030204" pitchFamily="34" charset="0"/>
+            </a:endParaRPr>
+          </a:p>
+        </p:txBody>
+      </p:sp>
+      <p:sp>
+        <p:nvSpPr>
+          <p:cNvPr id="155" name="OTLSHAPE_TB_00000000000000000000000000000000_TodayMarkerText">
+            <a:extLst>
+              <a:ext uri="{FF2B5EF4-FFF2-40B4-BE49-F238E27FC236}">
+                <a16:creationId xmlns:a16="http://schemas.microsoft.com/office/drawing/2014/main" xmlns="" id="{FD6A7150-C73F-4314-AEC2-FE0C1B4ED80E}"/>
+              </a:ext>
+            </a:extLst>
+          </p:cNvPr>
+          <p:cNvSpPr txBox="1"/>
+          <p:nvPr>
+            <p:custDataLst>
+              <p:tags r:id="rId58"/>
+            </p:custDataLst>
+          </p:nvPr>
+        </p:nvSpPr>
+        <p:spPr>
+          <a:xfrm>
+            <a:off x="6940732" y="790439"/>
+            <a:ext cx="418012" cy="184666"/>
+          </a:xfrm>
+          <a:prstGeom prst="rect">
+            <a:avLst/>
+          </a:prstGeom>
+          <a:noFill/>
+        </p:spPr>
+        <p:txBody>
+          <a:bodyPr vert="horz" wrap="square" lIns="0" tIns="0" rIns="0" bIns="0" rtlCol="0" anchor="ctr" anchorCtr="0">
+            <a:spAutoFit/>
+          </a:bodyPr>
+          <a:lstStyle/>
+          <a:p>
+            <a:pPr algn="ctr"/>
+            <a:r>
+              <a:rPr lang="fr-FR" sz="1200" spc="-12" dirty="0" smtClean="0">
+                <a:solidFill>
+                  <a:schemeClr val="dk1"/>
+                </a:solidFill>
+                <a:latin typeface="Calibri" panose="020F0502020204030204" pitchFamily="34" charset="0"/>
+              </a:rPr>
+              <a:t>26/10</a:t>
+            </a:r>
+            <a:endParaRPr lang="fr-FR" sz="1200" spc="-12" dirty="0">
+              <a:solidFill>
+                <a:schemeClr val="dk1"/>
+              </a:solidFill>
+              <a:latin typeface="Calibri" panose="020F0502020204030204" pitchFamily="34" charset="0"/>
+            </a:endParaRPr>
+          </a:p>
+        </p:txBody>
+      </p:sp>
+      <p:sp>
+        <p:nvSpPr>
+          <p:cNvPr id="157" name="OTLSHAPE_TB_00000000000000000000000000000000_TodayMarkerText">
+            <a:extLst>
+              <a:ext uri="{FF2B5EF4-FFF2-40B4-BE49-F238E27FC236}">
+                <a16:creationId xmlns:a16="http://schemas.microsoft.com/office/drawing/2014/main" xmlns="" id="{FD6A7150-C73F-4314-AEC2-FE0C1B4ED80E}"/>
+              </a:ext>
+            </a:extLst>
+          </p:cNvPr>
+          <p:cNvSpPr txBox="1"/>
+          <p:nvPr>
+            <p:custDataLst>
+              <p:tags r:id="rId59"/>
+            </p:custDataLst>
+          </p:nvPr>
+        </p:nvSpPr>
+        <p:spPr>
+          <a:xfrm>
+            <a:off x="8908869" y="799147"/>
+            <a:ext cx="418012" cy="184666"/>
+          </a:xfrm>
+          <a:prstGeom prst="rect">
+            <a:avLst/>
+          </a:prstGeom>
+          <a:noFill/>
+        </p:spPr>
+        <p:txBody>
+          <a:bodyPr vert="horz" wrap="square" lIns="0" tIns="0" rIns="0" bIns="0" rtlCol="0" anchor="ctr" anchorCtr="0">
+            <a:spAutoFit/>
+          </a:bodyPr>
+          <a:lstStyle/>
+          <a:p>
+            <a:pPr algn="ctr"/>
+            <a:r>
+              <a:rPr lang="fr-FR" sz="1200" spc="-12" dirty="0" smtClean="0">
+                <a:solidFill>
+                  <a:schemeClr val="dk1"/>
+                </a:solidFill>
+                <a:latin typeface="Calibri" panose="020F0502020204030204" pitchFamily="34" charset="0"/>
+              </a:rPr>
+              <a:t>9/11</a:t>
+            </a:r>
+            <a:endParaRPr lang="fr-FR" sz="1200" spc="-12" dirty="0">
+              <a:solidFill>
+                <a:schemeClr val="dk1"/>
+              </a:solidFill>
+              <a:latin typeface="Calibri" panose="020F0502020204030204" pitchFamily="34" charset="0"/>
+            </a:endParaRPr>
+          </a:p>
+        </p:txBody>
+      </p:sp>
+      <p:sp>
+        <p:nvSpPr>
+          <p:cNvPr id="159" name="OTLSHAPE_TB_00000000000000000000000000000000_TodayMarkerText">
+            <a:extLst>
+              <a:ext uri="{FF2B5EF4-FFF2-40B4-BE49-F238E27FC236}">
+                <a16:creationId xmlns:a16="http://schemas.microsoft.com/office/drawing/2014/main" xmlns="" id="{FD6A7150-C73F-4314-AEC2-FE0C1B4ED80E}"/>
+              </a:ext>
+            </a:extLst>
+          </p:cNvPr>
+          <p:cNvSpPr txBox="1"/>
+          <p:nvPr>
+            <p:custDataLst>
+              <p:tags r:id="rId60"/>
+            </p:custDataLst>
+          </p:nvPr>
+        </p:nvSpPr>
+        <p:spPr>
+          <a:xfrm>
+            <a:off x="11046823" y="807855"/>
+            <a:ext cx="418012" cy="184666"/>
+          </a:xfrm>
+          <a:prstGeom prst="rect">
+            <a:avLst/>
+          </a:prstGeom>
+          <a:noFill/>
+        </p:spPr>
+        <p:txBody>
+          <a:bodyPr vert="horz" wrap="square" lIns="0" tIns="0" rIns="0" bIns="0" rtlCol="0" anchor="ctr" anchorCtr="0">
+            <a:spAutoFit/>
+          </a:bodyPr>
+          <a:lstStyle/>
+          <a:p>
+            <a:pPr algn="ctr"/>
+            <a:r>
+              <a:rPr lang="fr-FR" sz="1200" spc="-12" dirty="0" smtClean="0">
+                <a:solidFill>
+                  <a:schemeClr val="dk1"/>
+                </a:solidFill>
+                <a:latin typeface="Calibri" panose="020F0502020204030204" pitchFamily="34" charset="0"/>
+              </a:rPr>
+              <a:t>22/11</a:t>
+            </a:r>
+            <a:endParaRPr lang="fr-FR" sz="1200" spc="-12" dirty="0">
+              <a:solidFill>
+                <a:schemeClr val="dk1"/>
+              </a:solidFill>
+              <a:latin typeface="Calibri" panose="020F0502020204030204" pitchFamily="34" charset="0"/>
+            </a:endParaRPr>
+          </a:p>
+        </p:txBody>
+      </p:sp>
+    </p:spTree>
+    <p:custDataLst>
+      <p:tags r:id="rId1"/>
+    </p:custDataLst>
+    <p:extLst>
+      <p:ext uri="{BB962C8B-B14F-4D97-AF65-F5344CB8AC3E}">
+        <p14:creationId xmlns:p14="http://schemas.microsoft.com/office/powerpoint/2010/main" xmlns="" val="968112438"/>
+      </p:ext>
+    </p:extLst>
+  </p:cSld>
+  <p:clrMapOvr>
+    <a:masterClrMapping/>
+  </p:clrMapOvr>
+  <p:timing>
+    <p:tnLst>
+      <p:par>
+        <p:cTn id="1" dur="indefinite" restart="never" nodeType="tmRoot"/>
+      </p:par>
+    </p:tnLst>
+  </p:timing>
+</p:sld>
+</file>
+
+<file path=ppt/slides/slide10.xml><?xml version="1.0" encoding="utf-8"?>
+<p:sld xmlns:a="http://schemas.openxmlformats.org/drawingml/2006/main" xmlns:r="http://schemas.openxmlformats.org/officeDocument/2006/relationships" xmlns:p="http://schemas.openxmlformats.org/presentationml/2006/main">
+  <p:cSld>
+    <p:spTree>
+      <p:nvGrpSpPr>
+        <p:cNvPr id="1" name=""/>
+        <p:cNvGrpSpPr/>
+        <p:nvPr/>
+      </p:nvGrpSpPr>
+      <p:grpSpPr>
+        <a:xfrm>
+          <a:off x="0" y="0"/>
+          <a:ext cx="0" cy="0"/>
+          <a:chOff x="0" y="0"/>
+          <a:chExt cx="0" cy="0"/>
+        </a:xfrm>
+      </p:grpSpPr>
+      <p:sp>
+        <p:nvSpPr>
+          <p:cNvPr id="2" name="Titre 1"/>
+          <p:cNvSpPr>
+            <a:spLocks noGrp="1"/>
+          </p:cNvSpPr>
+          <p:nvPr>
+            <p:ph type="title"/>
+          </p:nvPr>
+        </p:nvSpPr>
+        <p:spPr/>
+        <p:txBody>
+          <a:bodyPr/>
+          <a:lstStyle/>
+          <a:p>
+            <a:r>
+              <a:rPr lang="fr-FR" dirty="0" smtClean="0"/>
+              <a:t>Mise à jour d’une agence</a:t>
+            </a:r>
+            <a:endParaRPr lang="fr-FR" dirty="0"/>
+          </a:p>
+        </p:txBody>
+      </p:sp>
+      <p:pic>
+        <p:nvPicPr>
+          <p:cNvPr id="9218" name="Picture 2"/>
+          <p:cNvPicPr>
+            <a:picLocks noGrp="1" noChangeAspect="1" noChangeArrowheads="1"/>
+          </p:cNvPicPr>
+          <p:nvPr>
+            <p:ph idx="1"/>
+          </p:nvPr>
+        </p:nvPicPr>
+        <p:blipFill>
+          <a:blip r:embed="rId2" cstate="print"/>
+          <a:srcRect/>
+          <a:stretch>
+            <a:fillRect/>
+          </a:stretch>
+        </p:blipFill>
+        <p:spPr bwMode="auto">
+          <a:xfrm>
+            <a:off x="838200" y="2675931"/>
+            <a:ext cx="10515600" cy="2650725"/>
+          </a:xfrm>
+          <a:prstGeom prst="rect">
+            <a:avLst/>
+          </a:prstGeom>
+          <a:noFill/>
+          <a:ln w="9525">
+            <a:noFill/>
+            <a:miter lim="800000"/>
+            <a:headEnd/>
+            <a:tailEnd/>
+          </a:ln>
+        </p:spPr>
+      </p:pic>
+    </p:spTree>
+  </p:cSld>
+  <p:clrMapOvr>
+    <a:masterClrMapping/>
+  </p:clrMapOvr>
+  <p:timing>
+    <p:tnLst>
+      <p:par>
+        <p:cTn id="1" dur="indefinite" restart="never" nodeType="tmRoot"/>
+      </p:par>
+    </p:tnLst>
+  </p:timing>
+</p:sld>
+</file>
+
+<file path=ppt/slides/slide11.xml><?xml version="1.0" encoding="utf-8"?>
+<p:sld xmlns:a="http://schemas.openxmlformats.org/drawingml/2006/main" xmlns:r="http://schemas.openxmlformats.org/officeDocument/2006/relationships" xmlns:p="http://schemas.openxmlformats.org/presentationml/2006/main">
+  <p:cSld>
+    <p:spTree>
+      <p:nvGrpSpPr>
+        <p:cNvPr id="1" name=""/>
+        <p:cNvGrpSpPr/>
+        <p:nvPr/>
+      </p:nvGrpSpPr>
+      <p:grpSpPr>
+        <a:xfrm>
+          <a:off x="0" y="0"/>
+          <a:ext cx="0" cy="0"/>
+          <a:chOff x="0" y="0"/>
+          <a:chExt cx="0" cy="0"/>
+        </a:xfrm>
+      </p:grpSpPr>
+      <p:sp>
+        <p:nvSpPr>
+          <p:cNvPr id="2" name="Titre 1"/>
+          <p:cNvSpPr>
+            <a:spLocks noGrp="1"/>
+          </p:cNvSpPr>
+          <p:nvPr>
+            <p:ph type="title"/>
+          </p:nvPr>
+        </p:nvSpPr>
+        <p:spPr/>
+        <p:txBody>
+          <a:bodyPr>
+            <a:normAutofit fontScale="90000"/>
+          </a:bodyPr>
+          <a:lstStyle/>
+          <a:p>
+            <a:r>
+              <a:rPr lang="fr-FR" b="1" dirty="0" smtClean="0"/>
+              <a:t>Diagramme de cas d’utilisation : Gestion du Stock</a:t>
+            </a:r>
+            <a:br>
+              <a:rPr lang="fr-FR" b="1" dirty="0" smtClean="0"/>
+            </a:br>
+            <a:endParaRPr lang="fr-FR" dirty="0"/>
+          </a:p>
+        </p:txBody>
+      </p:sp>
+      <p:sp>
+        <p:nvSpPr>
+          <p:cNvPr id="3" name="Espace réservé du contenu 2"/>
+          <p:cNvSpPr>
+            <a:spLocks noGrp="1"/>
+          </p:cNvSpPr>
+          <p:nvPr>
+            <p:ph idx="1"/>
+          </p:nvPr>
+        </p:nvSpPr>
+        <p:spPr/>
+        <p:txBody>
+          <a:bodyPr/>
+          <a:lstStyle/>
+          <a:p>
+            <a:endParaRPr lang="fr-FR" dirty="0"/>
+          </a:p>
+        </p:txBody>
+      </p:sp>
+      <p:pic>
+        <p:nvPicPr>
+          <p:cNvPr id="2050" name="Picture 2"/>
+          <p:cNvPicPr>
+            <a:picLocks noChangeAspect="1" noChangeArrowheads="1"/>
+          </p:cNvPicPr>
+          <p:nvPr/>
+        </p:nvPicPr>
+        <p:blipFill>
+          <a:blip r:embed="rId2" cstate="print"/>
+          <a:srcRect/>
+          <a:stretch>
+            <a:fillRect/>
+          </a:stretch>
+        </p:blipFill>
+        <p:spPr bwMode="auto">
+          <a:xfrm>
+            <a:off x="875211" y="1881208"/>
+            <a:ext cx="10450286" cy="4360202"/>
+          </a:xfrm>
+          <a:prstGeom prst="rect">
+            <a:avLst/>
+          </a:prstGeom>
+          <a:noFill/>
+          <a:ln w="9525">
+            <a:noFill/>
+            <a:miter lim="800000"/>
+            <a:headEnd/>
+            <a:tailEnd/>
+          </a:ln>
+        </p:spPr>
+      </p:pic>
+    </p:spTree>
+  </p:cSld>
+  <p:clrMapOvr>
+    <a:masterClrMapping/>
+  </p:clrMapOvr>
+  <p:timing>
+    <p:tnLst>
+      <p:par>
+        <p:cTn id="1" dur="indefinite" restart="never" nodeType="tmRoot"/>
+      </p:par>
+    </p:tnLst>
+  </p:timing>
+</p:sld>
+</file>
+
+<file path=ppt/slides/slide12.xml><?xml version="1.0" encoding="utf-8"?>
+<p:sld xmlns:a="http://schemas.openxmlformats.org/drawingml/2006/main" xmlns:r="http://schemas.openxmlformats.org/officeDocument/2006/relationships" xmlns:p="http://schemas.openxmlformats.org/presentationml/2006/main">
+  <p:cSld>
+    <p:spTree>
+      <p:nvGrpSpPr>
+        <p:cNvPr id="1" name=""/>
+        <p:cNvGrpSpPr/>
+        <p:nvPr/>
+      </p:nvGrpSpPr>
+      <p:grpSpPr>
+        <a:xfrm>
+          <a:off x="0" y="0"/>
+          <a:ext cx="0" cy="0"/>
+          <a:chOff x="0" y="0"/>
+          <a:chExt cx="0" cy="0"/>
+        </a:xfrm>
+      </p:grpSpPr>
+      <p:sp>
+        <p:nvSpPr>
+          <p:cNvPr id="2" name="Titre 1"/>
+          <p:cNvSpPr>
+            <a:spLocks noGrp="1"/>
+          </p:cNvSpPr>
+          <p:nvPr>
+            <p:ph type="ctrTitle"/>
+          </p:nvPr>
+        </p:nvSpPr>
+        <p:spPr/>
+        <p:txBody>
+          <a:bodyPr/>
+          <a:lstStyle/>
+          <a:p>
+            <a:endParaRPr lang="fr-FR"/>
+          </a:p>
+        </p:txBody>
+      </p:sp>
+      <p:sp>
+        <p:nvSpPr>
+          <p:cNvPr id="3" name="Sous-titre 2"/>
+          <p:cNvSpPr>
+            <a:spLocks noGrp="1"/>
+          </p:cNvSpPr>
+          <p:nvPr>
+            <p:ph type="subTitle" idx="1"/>
+          </p:nvPr>
+        </p:nvSpPr>
+        <p:spPr/>
+        <p:txBody>
+          <a:bodyPr/>
+          <a:lstStyle/>
+          <a:p>
+            <a:endParaRPr lang="fr-FR"/>
+          </a:p>
+        </p:txBody>
+      </p:sp>
+      <p:pic>
+        <p:nvPicPr>
+          <p:cNvPr id="1026" name="Picture 2" descr="D:\TAOUFIK_HADDAD\Sunny\Svn1\trunk\Documentation\class diagram.png"/>
+          <p:cNvPicPr>
+            <a:picLocks noChangeAspect="1" noChangeArrowheads="1"/>
+          </p:cNvPicPr>
+          <p:nvPr/>
+        </p:nvPicPr>
+        <p:blipFill>
+          <a:blip r:embed="rId2" cstate="print"/>
+          <a:srcRect/>
+          <a:stretch>
+            <a:fillRect/>
+          </a:stretch>
+        </p:blipFill>
+        <p:spPr bwMode="auto">
+          <a:xfrm>
+            <a:off x="1" y="0"/>
+            <a:ext cx="12493184" cy="6858000"/>
+          </a:xfrm>
+          <a:prstGeom prst="rect">
+            <a:avLst/>
+          </a:prstGeom>
+          <a:noFill/>
+        </p:spPr>
+      </p:pic>
+    </p:spTree>
+  </p:cSld>
+  <p:clrMapOvr>
+    <a:masterClrMapping/>
+  </p:clrMapOvr>
+  <p:timing>
+    <p:tnLst>
+      <p:par>
+        <p:cTn id="1" dur="indefinite" restart="never" nodeType="tmRoot"/>
+      </p:par>
+    </p:tnLst>
+  </p:timing>
+</p:sld>
+</file>
+
+<file path=ppt/slides/slide13.xml><?xml version="1.0" encoding="utf-8"?>
+<p:sld xmlns:a="http://schemas.openxmlformats.org/drawingml/2006/main" xmlns:r="http://schemas.openxmlformats.org/officeDocument/2006/relationships" xmlns:p="http://schemas.openxmlformats.org/presentationml/2006/main">
+  <p:cSld>
+    <p:spTree>
+      <p:nvGrpSpPr>
+        <p:cNvPr id="1" name=""/>
+        <p:cNvGrpSpPr/>
+        <p:nvPr/>
+      </p:nvGrpSpPr>
+      <p:grpSpPr>
+        <a:xfrm>
+          <a:off x="0" y="0"/>
+          <a:ext cx="0" cy="0"/>
+          <a:chOff x="0" y="0"/>
+          <a:chExt cx="0" cy="0"/>
+        </a:xfrm>
+      </p:grpSpPr>
+      <p:sp>
+        <p:nvSpPr>
+          <p:cNvPr id="2" name="Titre 1"/>
+          <p:cNvSpPr>
+            <a:spLocks noGrp="1"/>
+          </p:cNvSpPr>
+          <p:nvPr>
+            <p:ph type="title"/>
+          </p:nvPr>
+        </p:nvSpPr>
+        <p:spPr/>
+        <p:txBody>
+          <a:bodyPr>
+            <a:normAutofit fontScale="90000"/>
+          </a:bodyPr>
+          <a:lstStyle/>
+          <a:p>
+            <a:r>
+              <a:rPr lang="fr-FR" b="1" dirty="0" smtClean="0"/>
+              <a:t>Diagramme des de séquence : </a:t>
+            </a:r>
+            <a:r>
+              <a:rPr lang="fr-FR" dirty="0" smtClean="0"/>
+              <a:t> </a:t>
+            </a:r>
+            <a:r>
+              <a:rPr lang="fr-FR" b="1" dirty="0" smtClean="0"/>
+              <a:t>Ajouter un article </a:t>
+            </a:r>
+            <a:br>
+              <a:rPr lang="fr-FR" b="1" dirty="0" smtClean="0"/>
+            </a:br>
+            <a:endParaRPr lang="fr-FR" dirty="0"/>
+          </a:p>
+        </p:txBody>
+      </p:sp>
+      <p:pic>
+        <p:nvPicPr>
+          <p:cNvPr id="3074" name="Picture 2"/>
+          <p:cNvPicPr>
+            <a:picLocks noGrp="1" noChangeAspect="1" noChangeArrowheads="1"/>
+          </p:cNvPicPr>
+          <p:nvPr>
+            <p:ph idx="1"/>
+          </p:nvPr>
+        </p:nvPicPr>
+        <p:blipFill>
+          <a:blip r:embed="rId2" cstate="print"/>
+          <a:srcRect/>
+          <a:stretch>
+            <a:fillRect/>
+          </a:stretch>
+        </p:blipFill>
+        <p:spPr bwMode="auto">
+          <a:xfrm>
+            <a:off x="2466975" y="1839119"/>
+            <a:ext cx="7258050" cy="4324350"/>
+          </a:xfrm>
+          <a:prstGeom prst="rect">
+            <a:avLst/>
+          </a:prstGeom>
+          <a:noFill/>
+          <a:ln w="9525">
+            <a:noFill/>
+            <a:miter lim="800000"/>
+            <a:headEnd/>
+            <a:tailEnd/>
+          </a:ln>
+        </p:spPr>
+      </p:pic>
+    </p:spTree>
+  </p:cSld>
+  <p:clrMapOvr>
+    <a:masterClrMapping/>
+  </p:clrMapOvr>
+  <p:timing>
+    <p:tnLst>
+      <p:par>
+        <p:cTn id="1" dur="indefinite" restart="never" nodeType="tmRoot"/>
+      </p:par>
+    </p:tnLst>
+  </p:timing>
+</p:sld>
+</file>
+
+<file path=ppt/slides/slide14.xml><?xml version="1.0" encoding="utf-8"?>
+<p:sld xmlns:a="http://schemas.openxmlformats.org/drawingml/2006/main" xmlns:r="http://schemas.openxmlformats.org/officeDocument/2006/relationships" xmlns:p="http://schemas.openxmlformats.org/presentationml/2006/main">
+  <p:cSld>
+    <p:spTree>
+      <p:nvGrpSpPr>
+        <p:cNvPr id="1" name=""/>
+        <p:cNvGrpSpPr/>
+        <p:nvPr/>
+      </p:nvGrpSpPr>
+      <p:grpSpPr>
+        <a:xfrm>
+          <a:off x="0" y="0"/>
+          <a:ext cx="0" cy="0"/>
+          <a:chOff x="0" y="0"/>
+          <a:chExt cx="0" cy="0"/>
+        </a:xfrm>
+      </p:grpSpPr>
+      <p:sp>
+        <p:nvSpPr>
+          <p:cNvPr id="2" name="Titre 1"/>
+          <p:cNvSpPr>
+            <a:spLocks noGrp="1"/>
+          </p:cNvSpPr>
+          <p:nvPr>
+            <p:ph type="title"/>
+          </p:nvPr>
+        </p:nvSpPr>
+        <p:spPr/>
+        <p:txBody>
+          <a:bodyPr>
+            <a:normAutofit fontScale="90000"/>
+          </a:bodyPr>
+          <a:lstStyle/>
+          <a:p>
+            <a:r>
+              <a:rPr lang="fr-FR" b="1" dirty="0" smtClean="0"/>
+              <a:t>Diagramme des de séquence : </a:t>
+            </a:r>
+            <a:r>
+              <a:rPr lang="fr-FR" dirty="0" smtClean="0"/>
+              <a:t> </a:t>
+            </a:r>
+            <a:r>
+              <a:rPr lang="fr-FR" b="1" dirty="0" smtClean="0"/>
+              <a:t>Supprimer un article </a:t>
+            </a:r>
+            <a:br>
+              <a:rPr lang="fr-FR" b="1" dirty="0" smtClean="0"/>
+            </a:br>
+            <a:endParaRPr lang="fr-FR" dirty="0"/>
+          </a:p>
+        </p:txBody>
+      </p:sp>
+      <p:pic>
+        <p:nvPicPr>
+          <p:cNvPr id="5" name="Picture 2"/>
+          <p:cNvPicPr>
+            <a:picLocks noGrp="1" noChangeAspect="1" noChangeArrowheads="1"/>
+          </p:cNvPicPr>
+          <p:nvPr>
+            <p:ph idx="1"/>
+          </p:nvPr>
+        </p:nvPicPr>
+        <p:blipFill>
+          <a:blip r:embed="rId2" cstate="print"/>
+          <a:srcRect/>
+          <a:stretch>
+            <a:fillRect/>
+          </a:stretch>
+        </p:blipFill>
+        <p:spPr bwMode="auto">
+          <a:xfrm>
+            <a:off x="3176587" y="1867694"/>
+            <a:ext cx="5838825" cy="4267200"/>
+          </a:xfrm>
+          <a:prstGeom prst="rect">
+            <a:avLst/>
+          </a:prstGeom>
+          <a:noFill/>
+          <a:ln w="9525">
+            <a:noFill/>
+            <a:miter lim="800000"/>
+            <a:headEnd/>
+            <a:tailEnd/>
+          </a:ln>
+        </p:spPr>
+      </p:pic>
+    </p:spTree>
+  </p:cSld>
+  <p:clrMapOvr>
+    <a:masterClrMapping/>
+  </p:clrMapOvr>
+  <p:timing>
+    <p:tnLst>
+      <p:par>
+        <p:cTn id="1" dur="indefinite" restart="never" nodeType="tmRoot"/>
+      </p:par>
+    </p:tnLst>
+  </p:timing>
+</p:sld>
+</file>
+
+<file path=ppt/slides/slide15.xml><?xml version="1.0" encoding="utf-8"?>
+<p:sld xmlns:a="http://schemas.openxmlformats.org/drawingml/2006/main" xmlns:r="http://schemas.openxmlformats.org/officeDocument/2006/relationships" xmlns:p="http://schemas.openxmlformats.org/presentationml/2006/main">
+  <p:cSld>
+    <p:spTree>
+      <p:nvGrpSpPr>
+        <p:cNvPr id="1" name=""/>
+        <p:cNvGrpSpPr/>
+        <p:nvPr/>
+      </p:nvGrpSpPr>
+      <p:grpSpPr>
+        <a:xfrm>
+          <a:off x="0" y="0"/>
+          <a:ext cx="0" cy="0"/>
+          <a:chOff x="0" y="0"/>
+          <a:chExt cx="0" cy="0"/>
+        </a:xfrm>
+      </p:grpSpPr>
+      <p:sp>
+        <p:nvSpPr>
+          <p:cNvPr id="2" name="Titre 1"/>
+          <p:cNvSpPr>
+            <a:spLocks noGrp="1"/>
+          </p:cNvSpPr>
+          <p:nvPr>
+            <p:ph type="title"/>
+          </p:nvPr>
+        </p:nvSpPr>
+        <p:spPr/>
+        <p:txBody>
+          <a:bodyPr/>
+          <a:lstStyle/>
+          <a:p>
+            <a:r>
+              <a:rPr lang="fr-FR" b="1" dirty="0" smtClean="0"/>
+              <a:t>Diagramme des de séquence : Entrée en stock</a:t>
+            </a:r>
+            <a:endParaRPr lang="fr-FR" dirty="0"/>
+          </a:p>
+        </p:txBody>
+      </p:sp>
+      <p:pic>
+        <p:nvPicPr>
+          <p:cNvPr id="5125" name="Picture 5"/>
+          <p:cNvPicPr>
+            <a:picLocks noGrp="1" noChangeAspect="1" noChangeArrowheads="1"/>
+          </p:cNvPicPr>
+          <p:nvPr>
+            <p:ph idx="1"/>
+          </p:nvPr>
+        </p:nvPicPr>
+        <p:blipFill>
+          <a:blip r:embed="rId2" cstate="print"/>
+          <a:srcRect/>
+          <a:stretch>
+            <a:fillRect/>
+          </a:stretch>
+        </p:blipFill>
+        <p:spPr bwMode="auto">
+          <a:xfrm>
+            <a:off x="3237130" y="1825625"/>
+            <a:ext cx="5717739" cy="4351338"/>
+          </a:xfrm>
+          <a:prstGeom prst="rect">
+            <a:avLst/>
+          </a:prstGeom>
+          <a:noFill/>
+          <a:ln w="9525">
+            <a:noFill/>
+            <a:miter lim="800000"/>
+            <a:headEnd/>
+            <a:tailEnd/>
+          </a:ln>
+        </p:spPr>
+      </p:pic>
+    </p:spTree>
+  </p:cSld>
+  <p:clrMapOvr>
+    <a:masterClrMapping/>
+  </p:clrMapOvr>
+  <p:timing>
+    <p:tnLst>
+      <p:par>
+        <p:cTn id="1" dur="indefinite" restart="never" nodeType="tmRoot"/>
+      </p:par>
+    </p:tnLst>
+  </p:timing>
+</p:sld>
+</file>
+
+<file path=ppt/slides/slide16.xml><?xml version="1.0" encoding="utf-8"?>
+<p:sld xmlns:a="http://schemas.openxmlformats.org/drawingml/2006/main" xmlns:r="http://schemas.openxmlformats.org/officeDocument/2006/relationships" xmlns:p="http://schemas.openxmlformats.org/presentationml/2006/main">
+  <p:cSld>
+    <p:spTree>
+      <p:nvGrpSpPr>
+        <p:cNvPr id="1" name=""/>
+        <p:cNvGrpSpPr/>
+        <p:nvPr/>
+      </p:nvGrpSpPr>
+      <p:grpSpPr>
+        <a:xfrm>
+          <a:off x="0" y="0"/>
+          <a:ext cx="0" cy="0"/>
+          <a:chOff x="0" y="0"/>
+          <a:chExt cx="0" cy="0"/>
+        </a:xfrm>
+      </p:grpSpPr>
+      <p:sp>
+        <p:nvSpPr>
+          <p:cNvPr id="2" name="Titre 1"/>
+          <p:cNvSpPr>
+            <a:spLocks noGrp="1"/>
+          </p:cNvSpPr>
+          <p:nvPr>
+            <p:ph type="title"/>
+          </p:nvPr>
+        </p:nvSpPr>
+        <p:spPr/>
+        <p:txBody>
+          <a:bodyPr/>
+          <a:lstStyle/>
+          <a:p>
+            <a:r>
+              <a:rPr lang="fr-FR" b="1" dirty="0" smtClean="0"/>
+              <a:t>Diagramme des de séquence : Sortie du stock</a:t>
+            </a:r>
+            <a:endParaRPr lang="fr-FR" dirty="0"/>
+          </a:p>
+        </p:txBody>
+      </p:sp>
+      <p:pic>
+        <p:nvPicPr>
+          <p:cNvPr id="6146" name="Picture 2"/>
+          <p:cNvPicPr>
+            <a:picLocks noGrp="1" noChangeAspect="1" noChangeArrowheads="1"/>
+          </p:cNvPicPr>
+          <p:nvPr>
+            <p:ph idx="1"/>
+          </p:nvPr>
+        </p:nvPicPr>
+        <p:blipFill>
+          <a:blip r:embed="rId2" cstate="print"/>
+          <a:srcRect/>
+          <a:stretch>
+            <a:fillRect/>
+          </a:stretch>
+        </p:blipFill>
+        <p:spPr bwMode="auto">
+          <a:xfrm>
+            <a:off x="2652872" y="1825625"/>
+            <a:ext cx="6886255" cy="4351338"/>
+          </a:xfrm>
+          <a:prstGeom prst="rect">
+            <a:avLst/>
+          </a:prstGeom>
+          <a:noFill/>
+          <a:ln w="9525">
+            <a:noFill/>
+            <a:miter lim="800000"/>
+            <a:headEnd/>
+            <a:tailEnd/>
+          </a:ln>
+        </p:spPr>
+      </p:pic>
+    </p:spTree>
+  </p:cSld>
+  <p:clrMapOvr>
+    <a:masterClrMapping/>
+  </p:clrMapOvr>
+  <p:timing>
+    <p:tnLst>
+      <p:par>
+        <p:cTn id="1" dur="indefinite" restart="never" nodeType="tmRoot"/>
+      </p:par>
+    </p:tnLst>
+  </p:timing>
+</p:sld>
+</file>
+
+<file path=ppt/slides/slide17.xml><?xml version="1.0" encoding="utf-8"?>
+<p:sld xmlns:a="http://schemas.openxmlformats.org/drawingml/2006/main" xmlns:r="http://schemas.openxmlformats.org/officeDocument/2006/relationships" xmlns:p="http://schemas.openxmlformats.org/presentationml/2006/main">
+  <p:cSld>
+    <p:spTree>
+      <p:nvGrpSpPr>
+        <p:cNvPr id="1" name=""/>
+        <p:cNvGrpSpPr/>
+        <p:nvPr/>
+      </p:nvGrpSpPr>
+      <p:grpSpPr>
+        <a:xfrm>
+          <a:off x="0" y="0"/>
+          <a:ext cx="0" cy="0"/>
+          <a:chOff x="0" y="0"/>
+          <a:chExt cx="0" cy="0"/>
+        </a:xfrm>
+      </p:grpSpPr>
+      <p:sp>
+        <p:nvSpPr>
+          <p:cNvPr id="2" name="Titre 1"/>
+          <p:cNvSpPr>
+            <a:spLocks noGrp="1"/>
+          </p:cNvSpPr>
+          <p:nvPr>
+            <p:ph type="title"/>
+          </p:nvPr>
+        </p:nvSpPr>
+        <p:spPr/>
+        <p:txBody>
+          <a:bodyPr/>
+          <a:lstStyle/>
+          <a:p>
+            <a:r>
+              <a:rPr lang="fr-FR" b="1" dirty="0" smtClean="0"/>
+              <a:t>Mise à jour du stock</a:t>
+            </a:r>
+            <a:br>
+              <a:rPr lang="fr-FR" b="1" dirty="0" smtClean="0"/>
+            </a:br>
+            <a:endParaRPr lang="fr-FR" dirty="0"/>
+          </a:p>
+        </p:txBody>
+      </p:sp>
+      <p:sp>
+        <p:nvSpPr>
+          <p:cNvPr id="3" name="Espace réservé du contenu 2"/>
+          <p:cNvSpPr>
+            <a:spLocks noGrp="1"/>
+          </p:cNvSpPr>
+          <p:nvPr>
+            <p:ph idx="1"/>
+          </p:nvPr>
+        </p:nvSpPr>
+        <p:spPr/>
+        <p:txBody>
+          <a:bodyPr>
+            <a:normAutofit fontScale="55000" lnSpcReduction="20000"/>
+          </a:bodyPr>
+          <a:lstStyle/>
+          <a:p>
+            <a:pPr fontAlgn="base">
+              <a:buNone/>
+            </a:pPr>
+            <a:endParaRPr lang="fr-FR" b="1" dirty="0" smtClean="0"/>
+          </a:p>
+          <a:p>
+            <a:pPr fontAlgn="base">
+              <a:buNone/>
+            </a:pPr>
+            <a:r>
+              <a:rPr lang="fr-FR" b="1" dirty="0" smtClean="0"/>
+              <a:t>Ajouter un article</a:t>
+            </a:r>
+          </a:p>
+          <a:p>
+            <a:pPr fontAlgn="base">
+              <a:buNone/>
+            </a:pPr>
+            <a:r>
+              <a:rPr lang="fr-FR" dirty="0" smtClean="0"/>
+              <a:t>Choisir « Stock ».</a:t>
+            </a:r>
+            <a:endParaRPr lang="fr-FR" b="1" dirty="0" smtClean="0"/>
+          </a:p>
+          <a:p>
+            <a:pPr fontAlgn="base">
+              <a:buNone/>
+            </a:pPr>
+            <a:r>
+              <a:rPr lang="fr-FR" dirty="0" smtClean="0"/>
+              <a:t>Remplir tous les champs après cliquer sur le bouton ajouter.</a:t>
+            </a:r>
+            <a:endParaRPr lang="fr-FR" b="1" dirty="0" smtClean="0"/>
+          </a:p>
+          <a:p>
+            <a:pPr fontAlgn="base">
+              <a:buNone/>
+            </a:pPr>
+            <a:r>
+              <a:rPr lang="fr-FR" b="1" dirty="0" smtClean="0"/>
+              <a:t/>
+            </a:r>
+            <a:br>
+              <a:rPr lang="fr-FR" b="1" dirty="0" smtClean="0"/>
+            </a:br>
+            <a:endParaRPr lang="fr-FR" b="1" dirty="0" smtClean="0"/>
+          </a:p>
+          <a:p>
+            <a:pPr fontAlgn="base">
+              <a:buNone/>
+            </a:pPr>
+            <a:r>
+              <a:rPr lang="fr-FR" b="1" dirty="0" smtClean="0"/>
+              <a:t>Supprimer un article</a:t>
+            </a:r>
+          </a:p>
+          <a:p>
+            <a:pPr fontAlgn="base">
+              <a:buNone/>
+            </a:pPr>
+            <a:r>
+              <a:rPr lang="fr-FR" dirty="0" smtClean="0"/>
+              <a:t>Choisir « Stock ».</a:t>
+            </a:r>
+            <a:endParaRPr lang="fr-FR" b="1" dirty="0" smtClean="0"/>
+          </a:p>
+          <a:p>
+            <a:pPr fontAlgn="base">
+              <a:buNone/>
+            </a:pPr>
+            <a:r>
+              <a:rPr lang="fr-FR" dirty="0" smtClean="0"/>
+              <a:t>Remplir le champ code Article après cliquer sur le bouton supprimer.</a:t>
+            </a:r>
+            <a:endParaRPr lang="fr-FR" b="1" dirty="0" smtClean="0"/>
+          </a:p>
+          <a:p>
+            <a:pPr fontAlgn="base">
+              <a:buNone/>
+            </a:pPr>
+            <a:r>
+              <a:rPr lang="fr-FR" b="1" dirty="0" smtClean="0"/>
+              <a:t/>
+            </a:r>
+            <a:br>
+              <a:rPr lang="fr-FR" b="1" dirty="0" smtClean="0"/>
+            </a:br>
+            <a:endParaRPr lang="fr-FR" b="1" dirty="0" smtClean="0"/>
+          </a:p>
+          <a:p>
+            <a:pPr fontAlgn="base">
+              <a:buNone/>
+            </a:pPr>
+            <a:r>
+              <a:rPr lang="fr-FR" b="1" dirty="0" smtClean="0"/>
+              <a:t>Modifier un article</a:t>
+            </a:r>
+          </a:p>
+          <a:p>
+            <a:pPr fontAlgn="base">
+              <a:buNone/>
+            </a:pPr>
+            <a:r>
+              <a:rPr lang="fr-FR" dirty="0" smtClean="0"/>
+              <a:t>Choisir « Stock ».</a:t>
+            </a:r>
+            <a:endParaRPr lang="fr-FR" b="1" dirty="0" smtClean="0"/>
+          </a:p>
+          <a:p>
+            <a:pPr fontAlgn="base">
+              <a:buNone/>
+            </a:pPr>
+            <a:r>
+              <a:rPr lang="fr-FR" dirty="0" smtClean="0"/>
+              <a:t>Dans </a:t>
+            </a:r>
+            <a:r>
+              <a:rPr lang="fr-FR" dirty="0" smtClean="0"/>
+              <a:t>la partie Recherche : choisir un champ pour rechercher un article.</a:t>
+            </a:r>
+            <a:endParaRPr lang="fr-FR" b="1" dirty="0" smtClean="0"/>
+          </a:p>
+          <a:p>
+            <a:pPr fontAlgn="base">
+              <a:buNone/>
+            </a:pPr>
+            <a:r>
+              <a:rPr lang="fr-FR" dirty="0" smtClean="0"/>
+              <a:t>Les champs  sont remplis puis on peut modifier.</a:t>
+            </a:r>
+            <a:endParaRPr lang="fr-FR" b="1" dirty="0" smtClean="0"/>
+          </a:p>
+          <a:p>
+            <a:endParaRPr lang="fr-FR" dirty="0"/>
+          </a:p>
+        </p:txBody>
+      </p:sp>
+    </p:spTree>
+  </p:cSld>
+  <p:clrMapOvr>
+    <a:masterClrMapping/>
+  </p:clrMapOvr>
+  <p:timing>
+    <p:tnLst>
+      <p:par>
+        <p:cTn id="1" dur="indefinite" restart="never" nodeType="tmRoot"/>
+      </p:par>
+    </p:tnLst>
+  </p:timing>
+</p:sld>
+</file>
+
+<file path=ppt/slides/slide18.xml><?xml version="1.0" encoding="utf-8"?>
+<p:sld xmlns:a="http://schemas.openxmlformats.org/drawingml/2006/main" xmlns:r="http://schemas.openxmlformats.org/officeDocument/2006/relationships" xmlns:p="http://schemas.openxmlformats.org/presentationml/2006/main">
+  <p:cSld>
+    <p:spTree>
+      <p:nvGrpSpPr>
+        <p:cNvPr id="1" name=""/>
+        <p:cNvGrpSpPr/>
+        <p:nvPr/>
+      </p:nvGrpSpPr>
+      <p:grpSpPr>
+        <a:xfrm>
+          <a:off x="0" y="0"/>
+          <a:ext cx="0" cy="0"/>
+          <a:chOff x="0" y="0"/>
+          <a:chExt cx="0" cy="0"/>
+        </a:xfrm>
+      </p:grpSpPr>
+      <p:sp>
+        <p:nvSpPr>
+          <p:cNvPr id="2" name="Titre 1"/>
+          <p:cNvSpPr>
+            <a:spLocks noGrp="1"/>
+          </p:cNvSpPr>
+          <p:nvPr>
+            <p:ph type="title"/>
+          </p:nvPr>
+        </p:nvSpPr>
+        <p:spPr/>
+        <p:txBody>
+          <a:bodyPr/>
+          <a:lstStyle/>
+          <a:p>
+            <a:endParaRPr lang="fr-FR"/>
+          </a:p>
+        </p:txBody>
+      </p:sp>
+      <p:sp>
+        <p:nvSpPr>
+          <p:cNvPr id="3" name="Espace réservé du contenu 2"/>
+          <p:cNvSpPr>
+            <a:spLocks noGrp="1"/>
+          </p:cNvSpPr>
+          <p:nvPr>
+            <p:ph idx="1"/>
+          </p:nvPr>
+        </p:nvSpPr>
+        <p:spPr/>
+        <p:txBody>
+          <a:bodyPr>
+            <a:normAutofit/>
+          </a:bodyPr>
+          <a:lstStyle/>
+          <a:p>
+            <a:pPr fontAlgn="base">
+              <a:buNone/>
+            </a:pPr>
+            <a:r>
+              <a:rPr lang="fr-FR" sz="1500" b="1" dirty="0" smtClean="0"/>
+              <a:t>Pour une nouvelle entrée </a:t>
+            </a:r>
+          </a:p>
+          <a:p>
+            <a:pPr fontAlgn="base">
+              <a:buNone/>
+            </a:pPr>
+            <a:r>
+              <a:rPr lang="fr-FR" sz="1500" dirty="0" smtClean="0"/>
+              <a:t>Choisir « Entrée ».</a:t>
+            </a:r>
+            <a:endParaRPr lang="fr-FR" sz="1500" b="1" dirty="0" smtClean="0"/>
+          </a:p>
+          <a:p>
+            <a:pPr fontAlgn="base">
+              <a:buNone/>
+            </a:pPr>
+            <a:r>
+              <a:rPr lang="fr-FR" sz="1500" dirty="0" smtClean="0"/>
+              <a:t>Remplir les champs indiqués.</a:t>
+            </a:r>
+            <a:endParaRPr lang="fr-FR" sz="1500" b="1" dirty="0" smtClean="0"/>
+          </a:p>
+          <a:p>
+            <a:pPr fontAlgn="base">
+              <a:buNone/>
+            </a:pPr>
+            <a:r>
+              <a:rPr lang="fr-FR" sz="1500" dirty="0" smtClean="0"/>
+              <a:t>Cliquer « Enregistrer » pour terminer la transaction.</a:t>
+            </a:r>
+          </a:p>
+          <a:p>
+            <a:pPr fontAlgn="base">
+              <a:buNone/>
+            </a:pPr>
+            <a:endParaRPr lang="fr-FR" sz="1500" b="1" dirty="0" smtClean="0"/>
+          </a:p>
+          <a:p>
+            <a:pPr fontAlgn="base">
+              <a:buNone/>
+            </a:pPr>
+            <a:r>
+              <a:rPr lang="fr-FR" sz="1500" b="1" dirty="0" smtClean="0"/>
+              <a:t>Pour une nouvelle sortie</a:t>
+            </a:r>
+          </a:p>
+          <a:p>
+            <a:pPr fontAlgn="base">
+              <a:buNone/>
+            </a:pPr>
+            <a:r>
+              <a:rPr lang="fr-FR" sz="1600" dirty="0" smtClean="0"/>
+              <a:t>Choisir «sortie».</a:t>
+            </a:r>
+            <a:endParaRPr lang="fr-FR" sz="1600" b="1" dirty="0" smtClean="0"/>
+          </a:p>
+          <a:p>
+            <a:pPr fontAlgn="base">
+              <a:buNone/>
+            </a:pPr>
+            <a:r>
+              <a:rPr lang="fr-FR" sz="1600" dirty="0" smtClean="0"/>
+              <a:t>Remplir les champs indiqués.</a:t>
+            </a:r>
+            <a:endParaRPr lang="fr-FR" sz="1600" b="1" dirty="0" smtClean="0"/>
+          </a:p>
+          <a:p>
+            <a:pPr fontAlgn="base">
+              <a:buNone/>
+            </a:pPr>
+            <a:r>
+              <a:rPr lang="fr-FR" sz="1600" dirty="0" smtClean="0"/>
+              <a:t>Cliquer « Enregistrer » pour terminer la transaction.</a:t>
+            </a:r>
+            <a:r>
+              <a:rPr lang="fr-FR" sz="1600" b="1" dirty="0" smtClean="0"/>
+              <a:t/>
+            </a:r>
+            <a:br>
+              <a:rPr lang="fr-FR" sz="1600" b="1" dirty="0" smtClean="0"/>
+            </a:br>
+            <a:endParaRPr lang="fr-FR" sz="1600" b="1" dirty="0" smtClean="0"/>
+          </a:p>
+          <a:p>
+            <a:pPr fontAlgn="base">
+              <a:buNone/>
+            </a:pPr>
+            <a:r>
+              <a:rPr lang="fr-FR" sz="1600" i="1" dirty="0" smtClean="0">
+                <a:solidFill>
+                  <a:srgbClr val="FF0000"/>
+                </a:solidFill>
+              </a:rPr>
+              <a:t>Attention : </a:t>
+            </a:r>
+            <a:r>
+              <a:rPr lang="fr-FR" sz="1600" dirty="0" smtClean="0">
+                <a:solidFill>
+                  <a:srgbClr val="FF0000"/>
+                </a:solidFill>
+              </a:rPr>
+              <a:t> «La quantité sortie est insuffisant ! » </a:t>
+            </a:r>
+            <a:r>
+              <a:rPr lang="fr-FR" sz="1600" dirty="0" smtClean="0"/>
+              <a:t>si la quantité est supérieure à la celle disponible.</a:t>
+            </a:r>
+            <a:endParaRPr lang="fr-FR" sz="1600" b="1" dirty="0" smtClean="0">
+              <a:solidFill>
+                <a:srgbClr val="FF0000"/>
+              </a:solidFill>
+            </a:endParaRPr>
+          </a:p>
+          <a:p>
+            <a:pPr fontAlgn="base">
+              <a:buNone/>
+            </a:pPr>
+            <a:endParaRPr lang="fr-FR" sz="1500" b="1" dirty="0" smtClean="0"/>
+          </a:p>
+          <a:p>
+            <a:endParaRPr lang="fr-FR" dirty="0"/>
+          </a:p>
+        </p:txBody>
+      </p:sp>
+    </p:spTree>
+  </p:cSld>
+  <p:clrMapOvr>
+    <a:masterClrMapping/>
+  </p:clrMapOvr>
+  <p:timing>
+    <p:tnLst>
+      <p:par>
+        <p:cTn id="1" dur="indefinite" restart="never" nodeType="tmRoot"/>
+      </p:par>
+    </p:tnLst>
+  </p:timing>
+</p:sld>
+</file>
+
+<file path=ppt/slides/slide19.xml><?xml version="1.0" encoding="utf-8"?>
+<p:sld xmlns:a="http://schemas.openxmlformats.org/drawingml/2006/main" xmlns:r="http://schemas.openxmlformats.org/officeDocument/2006/relationships" xmlns:p="http://schemas.openxmlformats.org/presentationml/2006/main">
+  <p:cSld>
+    <p:spTree>
+      <p:nvGrpSpPr>
+        <p:cNvPr id="1" name=""/>
+        <p:cNvGrpSpPr/>
+        <p:nvPr/>
+      </p:nvGrpSpPr>
+      <p:grpSpPr>
+        <a:xfrm>
+          <a:off x="0" y="0"/>
+          <a:ext cx="0" cy="0"/>
+          <a:chOff x="0" y="0"/>
+          <a:chExt cx="0" cy="0"/>
+        </a:xfrm>
+      </p:grpSpPr>
+      <p:sp>
+        <p:nvSpPr>
+          <p:cNvPr id="2" name="Titre 1"/>
+          <p:cNvSpPr>
+            <a:spLocks noGrp="1"/>
+          </p:cNvSpPr>
+          <p:nvPr>
+            <p:ph type="title"/>
+          </p:nvPr>
+        </p:nvSpPr>
+        <p:spPr/>
+        <p:txBody>
+          <a:bodyPr/>
+          <a:lstStyle/>
+          <a:p>
+            <a:r>
+              <a:rPr lang="fr-FR" b="1" dirty="0" smtClean="0"/>
+              <a:t>Gestion des Fournisseurs</a:t>
+            </a:r>
+            <a:endParaRPr lang="fr-FR" dirty="0"/>
+          </a:p>
+        </p:txBody>
+      </p:sp>
+      <p:sp>
+        <p:nvSpPr>
+          <p:cNvPr id="3" name="Espace réservé du contenu 2"/>
+          <p:cNvSpPr>
+            <a:spLocks noGrp="1"/>
+          </p:cNvSpPr>
+          <p:nvPr>
+            <p:ph idx="1"/>
+          </p:nvPr>
+        </p:nvSpPr>
+        <p:spPr/>
+        <p:txBody>
+          <a:bodyPr>
+            <a:noAutofit/>
+          </a:bodyPr>
+          <a:lstStyle/>
+          <a:p>
+            <a:pPr fontAlgn="base"/>
+            <a:endParaRPr lang="fr-FR" sz="1500" b="1" dirty="0" smtClean="0"/>
+          </a:p>
+          <a:p>
+            <a:pPr fontAlgn="base">
+              <a:buNone/>
+            </a:pPr>
+            <a:r>
+              <a:rPr lang="fr-FR" sz="1500" b="1" dirty="0" smtClean="0"/>
+              <a:t>Ajouter un fournisseur</a:t>
+            </a:r>
+          </a:p>
+          <a:p>
+            <a:pPr fontAlgn="base">
+              <a:buNone/>
+            </a:pPr>
+            <a:r>
+              <a:rPr lang="fr-FR" sz="1500" dirty="0" smtClean="0"/>
+              <a:t> Choisir « Fournisseurs »                                                                                                                               </a:t>
+            </a:r>
+            <a:endParaRPr lang="fr-FR" sz="1500" b="1" dirty="0" smtClean="0"/>
+          </a:p>
+          <a:p>
+            <a:pPr fontAlgn="base">
+              <a:buNone/>
+            </a:pPr>
+            <a:r>
+              <a:rPr lang="fr-FR" sz="1500" dirty="0" smtClean="0"/>
+              <a:t>Introduire les données nécessaires et cliquer sur le  bouton  Ajouter.</a:t>
+            </a:r>
+            <a:endParaRPr lang="fr-FR" sz="1500" b="1" dirty="0" smtClean="0"/>
+          </a:p>
+          <a:p>
+            <a:pPr fontAlgn="base">
+              <a:buNone/>
+            </a:pPr>
+            <a:endParaRPr lang="fr-FR" sz="1500" b="1" dirty="0" smtClean="0"/>
+          </a:p>
+          <a:p>
+            <a:pPr fontAlgn="base">
+              <a:buNone/>
+            </a:pPr>
+            <a:r>
+              <a:rPr lang="fr-FR" sz="1500" b="1" dirty="0" smtClean="0"/>
+              <a:t>Supprimer un fournisseur</a:t>
+            </a:r>
+          </a:p>
+          <a:p>
+            <a:pPr fontAlgn="base">
+              <a:buNone/>
+            </a:pPr>
+            <a:r>
+              <a:rPr lang="fr-FR" sz="1500" dirty="0" smtClean="0"/>
+              <a:t>Choisir « Fournisseur»</a:t>
+            </a:r>
+            <a:endParaRPr lang="fr-FR" sz="1500" b="1" dirty="0" smtClean="0"/>
+          </a:p>
+          <a:p>
+            <a:pPr fontAlgn="base">
+              <a:buNone/>
+            </a:pPr>
+            <a:r>
+              <a:rPr lang="fr-FR" sz="1500" dirty="0" smtClean="0"/>
+              <a:t>Introduire le code de fournisseur que vous voulez supprimer puis appuyer sur  le bouton supprimer.</a:t>
+            </a:r>
+            <a:r>
+              <a:rPr lang="fr-FR" sz="1500" b="1" dirty="0" smtClean="0"/>
+              <a:t/>
+            </a:r>
+            <a:br>
+              <a:rPr lang="fr-FR" sz="1500" b="1" dirty="0" smtClean="0"/>
+            </a:br>
+            <a:endParaRPr lang="fr-FR" sz="1500" b="1" dirty="0" smtClean="0"/>
+          </a:p>
+          <a:p>
+            <a:pPr fontAlgn="base">
+              <a:buNone/>
+            </a:pPr>
+            <a:r>
+              <a:rPr lang="fr-FR" sz="1500" b="1" dirty="0" smtClean="0"/>
+              <a:t>Modifier un fournisseur</a:t>
+            </a:r>
+          </a:p>
+          <a:p>
+            <a:pPr fontAlgn="base">
+              <a:buNone/>
+            </a:pPr>
+            <a:r>
+              <a:rPr lang="fr-FR" sz="1500" dirty="0" smtClean="0"/>
+              <a:t>Choisir « Fournisseur»</a:t>
+            </a:r>
+            <a:endParaRPr lang="fr-FR" sz="1500" b="1" dirty="0" smtClean="0"/>
+          </a:p>
+          <a:p>
+            <a:pPr fontAlgn="base">
+              <a:buNone/>
+            </a:pPr>
+            <a:r>
+              <a:rPr lang="fr-FR" sz="1500" dirty="0" smtClean="0"/>
+              <a:t>Introduire le code de fournisseur que vous voulez modifier  puis appuyer sur recherche et les </a:t>
+            </a:r>
+            <a:r>
+              <a:rPr lang="fr-FR" sz="1500" dirty="0" smtClean="0"/>
+              <a:t>champs </a:t>
+            </a:r>
+            <a:r>
+              <a:rPr lang="fr-FR" sz="1500" dirty="0" smtClean="0"/>
+              <a:t>seront remplis.</a:t>
+            </a:r>
+            <a:endParaRPr lang="fr-FR" sz="1500" b="1" dirty="0" smtClean="0"/>
+          </a:p>
+          <a:p>
+            <a:pPr fontAlgn="base">
+              <a:buNone/>
+            </a:pPr>
+            <a:r>
+              <a:rPr lang="fr-FR" sz="1500" dirty="0" smtClean="0"/>
+              <a:t>Modifier les informations que vous voulez et appuyez sur le bouton  modifier.</a:t>
+            </a:r>
+            <a:endParaRPr lang="fr-FR" sz="1500" b="1" dirty="0" smtClean="0"/>
+          </a:p>
+          <a:p>
+            <a:endParaRPr lang="fr-FR" sz="1500" dirty="0"/>
+          </a:p>
+        </p:txBody>
+      </p:sp>
+    </p:spTree>
+  </p:cSld>
+  <p:clrMapOvr>
+    <a:masterClrMapping/>
+  </p:clrMapOvr>
+  <p:timing>
+    <p:tnLst>
+      <p:par>
+        <p:cTn id="1" dur="indefinite" restart="never" nodeType="tmRoot"/>
+      </p:par>
+    </p:tnLst>
+  </p:timing>
+</p:sld>
+</file>
+
+<file path=ppt/slides/slide2.xml><?xml version="1.0" encoding="utf-8"?>
+<p:sld xmlns:a="http://schemas.openxmlformats.org/drawingml/2006/main" xmlns:r="http://schemas.openxmlformats.org/officeDocument/2006/relationships" xmlns:p="http://schemas.openxmlformats.org/presentationml/2006/main">
+  <p:cSld>
+    <p:spTree>
+      <p:nvGrpSpPr>
+        <p:cNvPr id="1" name=""/>
+        <p:cNvGrpSpPr/>
+        <p:nvPr/>
+      </p:nvGrpSpPr>
+      <p:grpSpPr>
+        <a:xfrm>
+          <a:off x="0" y="0"/>
+          <a:ext cx="0" cy="0"/>
+          <a:chOff x="0" y="0"/>
+          <a:chExt cx="0" cy="0"/>
+        </a:xfrm>
+      </p:grpSpPr>
+      <p:sp>
+        <p:nvSpPr>
+          <p:cNvPr id="2" name="Titre 1"/>
+          <p:cNvSpPr>
+            <a:spLocks noGrp="1"/>
+          </p:cNvSpPr>
+          <p:nvPr>
+            <p:ph type="title"/>
+          </p:nvPr>
+        </p:nvSpPr>
+        <p:spPr/>
+        <p:txBody>
+          <a:bodyPr/>
+          <a:lstStyle/>
+          <a:p>
+            <a:r>
+              <a:rPr lang="fr-FR" dirty="0" smtClean="0"/>
+              <a:t>Gestion des utilisateurs</a:t>
+            </a:r>
+            <a:endParaRPr lang="fr-FR" dirty="0"/>
+          </a:p>
+        </p:txBody>
+      </p:sp>
+      <p:pic>
+        <p:nvPicPr>
+          <p:cNvPr id="1026" name="Picture 2"/>
+          <p:cNvPicPr>
+            <a:picLocks noGrp="1" noChangeAspect="1" noChangeArrowheads="1"/>
+          </p:cNvPicPr>
+          <p:nvPr>
+            <p:ph idx="1"/>
+          </p:nvPr>
+        </p:nvPicPr>
+        <p:blipFill>
+          <a:blip r:embed="rId2" cstate="print"/>
+          <a:srcRect/>
+          <a:stretch>
+            <a:fillRect/>
+          </a:stretch>
+        </p:blipFill>
+        <p:spPr bwMode="auto">
+          <a:xfrm>
+            <a:off x="3167844" y="1825625"/>
+            <a:ext cx="5856312" cy="4351338"/>
+          </a:xfrm>
+          <a:prstGeom prst="rect">
+            <a:avLst/>
+          </a:prstGeom>
+          <a:noFill/>
+          <a:ln w="9525">
+            <a:noFill/>
+            <a:miter lim="800000"/>
+            <a:headEnd/>
+            <a:tailEnd/>
+          </a:ln>
+        </p:spPr>
+      </p:pic>
+    </p:spTree>
+  </p:cSld>
+  <p:clrMapOvr>
+    <a:masterClrMapping/>
+  </p:clrMapOvr>
+  <p:timing>
+    <p:tnLst>
+      <p:par>
+        <p:cTn id="1" dur="indefinite" restart="never" nodeType="tmRoot"/>
+      </p:par>
+    </p:tnLst>
+  </p:timing>
+</p:sld>
+</file>
+
+<file path=ppt/slides/slide20.xml><?xml version="1.0" encoding="utf-8"?>
+<p:sld xmlns:a="http://schemas.openxmlformats.org/drawingml/2006/main" xmlns:r="http://schemas.openxmlformats.org/officeDocument/2006/relationships" xmlns:p="http://schemas.openxmlformats.org/presentationml/2006/main">
+  <p:cSld>
+    <p:spTree>
+      <p:nvGrpSpPr>
+        <p:cNvPr id="1" name=""/>
+        <p:cNvGrpSpPr/>
+        <p:nvPr/>
+      </p:nvGrpSpPr>
+      <p:grpSpPr>
+        <a:xfrm>
+          <a:off x="0" y="0"/>
+          <a:ext cx="0" cy="0"/>
+          <a:chOff x="0" y="0"/>
+          <a:chExt cx="0" cy="0"/>
+        </a:xfrm>
+      </p:grpSpPr>
+      <p:sp>
+        <p:nvSpPr>
+          <p:cNvPr id="2" name="Titre 1"/>
+          <p:cNvSpPr>
+            <a:spLocks noGrp="1"/>
+          </p:cNvSpPr>
+          <p:nvPr>
+            <p:ph type="title"/>
+          </p:nvPr>
+        </p:nvSpPr>
+        <p:spPr/>
+        <p:txBody>
+          <a:bodyPr/>
+          <a:lstStyle/>
+          <a:p>
+            <a:r>
+              <a:rPr lang="fr-FR" b="1" dirty="0" smtClean="0"/>
+              <a:t>Gestion des commandes Fournisseurs</a:t>
+            </a:r>
+            <a:endParaRPr lang="fr-FR" b="1" dirty="0"/>
+          </a:p>
+        </p:txBody>
+      </p:sp>
+      <p:sp>
+        <p:nvSpPr>
+          <p:cNvPr id="3" name="Espace réservé du contenu 2"/>
+          <p:cNvSpPr>
+            <a:spLocks noGrp="1"/>
+          </p:cNvSpPr>
+          <p:nvPr>
+            <p:ph idx="1"/>
+          </p:nvPr>
+        </p:nvSpPr>
+        <p:spPr/>
+        <p:txBody>
+          <a:bodyPr>
+            <a:normAutofit/>
+          </a:bodyPr>
+          <a:lstStyle/>
+          <a:p>
+            <a:pPr fontAlgn="base">
+              <a:buNone/>
+            </a:pPr>
+            <a:endParaRPr lang="fr-FR" sz="1500" b="1" dirty="0" smtClean="0"/>
+          </a:p>
+          <a:p>
+            <a:pPr fontAlgn="base">
+              <a:buNone/>
+            </a:pPr>
+            <a:r>
+              <a:rPr lang="fr-FR" sz="1500" b="1" dirty="0" smtClean="0"/>
+              <a:t>Entrer  une nouvelle commande :</a:t>
+            </a:r>
+          </a:p>
+          <a:p>
+            <a:pPr fontAlgn="base">
+              <a:buNone/>
+            </a:pPr>
+            <a:r>
+              <a:rPr lang="fr-FR" sz="1500" dirty="0" smtClean="0"/>
+              <a:t>Choisir «Commande » au menu principal puis choisir « Nouvelle Commande »</a:t>
+            </a:r>
+            <a:endParaRPr lang="fr-FR" sz="1500" b="1" dirty="0" smtClean="0"/>
+          </a:p>
+          <a:p>
+            <a:pPr fontAlgn="base">
+              <a:buNone/>
+            </a:pPr>
+            <a:r>
+              <a:rPr lang="fr-FR" sz="1500" dirty="0" smtClean="0"/>
+              <a:t>Introduire les informations de la  commande</a:t>
+            </a:r>
+          </a:p>
+          <a:p>
+            <a:pPr fontAlgn="base">
+              <a:buNone/>
+            </a:pPr>
+            <a:r>
+              <a:rPr lang="fr-FR" sz="1500" dirty="0" smtClean="0"/>
+              <a:t>Choisi l’article à commander </a:t>
+            </a:r>
+          </a:p>
+          <a:p>
+            <a:pPr fontAlgn="base">
+              <a:buNone/>
+            </a:pPr>
+            <a:r>
+              <a:rPr lang="fr-FR" sz="1500" dirty="0" smtClean="0"/>
+              <a:t>Introduire la quantité commandée</a:t>
+            </a:r>
+          </a:p>
+          <a:p>
+            <a:pPr fontAlgn="base">
+              <a:buNone/>
+            </a:pPr>
+            <a:r>
+              <a:rPr lang="fr-FR" sz="1500" dirty="0" smtClean="0"/>
+              <a:t>Appuyer  sur le bouton ajouter  une ligne de commande sera créée</a:t>
+            </a:r>
+          </a:p>
+          <a:p>
+            <a:pPr fontAlgn="base">
+              <a:buNone/>
+            </a:pPr>
+            <a:r>
+              <a:rPr lang="fr-FR" sz="1500" dirty="0" smtClean="0"/>
+              <a:t>Et si </a:t>
+            </a:r>
+            <a:r>
+              <a:rPr lang="fr-FR" sz="1500" smtClean="0"/>
+              <a:t>vous voulez supprimer </a:t>
+            </a:r>
+            <a:r>
+              <a:rPr lang="fr-FR" sz="1500" dirty="0" smtClean="0"/>
+              <a:t>une ligne clique sur annuler</a:t>
+            </a:r>
+            <a:endParaRPr lang="fr-FR" sz="1500" b="1" dirty="0" smtClean="0"/>
+          </a:p>
+          <a:p>
+            <a:pPr fontAlgn="base">
+              <a:buNone/>
+            </a:pPr>
+            <a:r>
+              <a:rPr lang="fr-FR" sz="1500" dirty="0" smtClean="0"/>
+              <a:t>Enfin appuyer sur le bouton  commander</a:t>
+            </a:r>
+            <a:endParaRPr lang="fr-FR" sz="1500" b="1" dirty="0" smtClean="0"/>
+          </a:p>
+          <a:p>
+            <a:endParaRPr lang="fr-FR" sz="1500" dirty="0"/>
+          </a:p>
+        </p:txBody>
+      </p:sp>
+    </p:spTree>
+  </p:cSld>
+  <p:clrMapOvr>
+    <a:masterClrMapping/>
+  </p:clrMapOvr>
+  <p:timing>
+    <p:tnLst>
+      <p:par>
+        <p:cTn id="1" dur="indefinite" restart="never" nodeType="tmRoot"/>
+      </p:par>
+    </p:tnLst>
+  </p:timing>
+</p:sld>
+</file>
+
+<file path=ppt/slides/slide21.xml><?xml version="1.0" encoding="utf-8"?>
+<p:sld xmlns:a="http://schemas.openxmlformats.org/drawingml/2006/main" xmlns:r="http://schemas.openxmlformats.org/officeDocument/2006/relationships" xmlns:p="http://schemas.openxmlformats.org/presentationml/2006/main">
+  <p:cSld>
+    <p:spTree>
+      <p:nvGrpSpPr>
+        <p:cNvPr id="1" name=""/>
+        <p:cNvGrpSpPr/>
+        <p:nvPr/>
+      </p:nvGrpSpPr>
+      <p:grpSpPr>
+        <a:xfrm>
+          <a:off x="0" y="0"/>
+          <a:ext cx="0" cy="0"/>
+          <a:chOff x="0" y="0"/>
+          <a:chExt cx="0" cy="0"/>
+        </a:xfrm>
+      </p:grpSpPr>
+      <p:sp>
+        <p:nvSpPr>
+          <p:cNvPr id="2" name="Titre 1"/>
+          <p:cNvSpPr>
+            <a:spLocks noGrp="1"/>
+          </p:cNvSpPr>
+          <p:nvPr>
+            <p:ph type="title"/>
+          </p:nvPr>
+        </p:nvSpPr>
+        <p:spPr/>
+        <p:txBody>
+          <a:bodyPr/>
+          <a:lstStyle/>
+          <a:p>
+            <a:endParaRPr lang="fr-FR" dirty="0"/>
+          </a:p>
+        </p:txBody>
+      </p:sp>
+      <p:sp>
+        <p:nvSpPr>
+          <p:cNvPr id="3" name="Espace réservé du contenu 2"/>
+          <p:cNvSpPr>
+            <a:spLocks noGrp="1"/>
+          </p:cNvSpPr>
+          <p:nvPr>
+            <p:ph idx="1"/>
+          </p:nvPr>
+        </p:nvSpPr>
+        <p:spPr/>
+        <p:txBody>
+          <a:bodyPr/>
+          <a:lstStyle/>
+          <a:p>
+            <a:pPr fontAlgn="base">
+              <a:buNone/>
+            </a:pPr>
+            <a:r>
+              <a:rPr lang="fr-FR" sz="1500" b="1" dirty="0" smtClean="0"/>
+              <a:t>Consulter les commandes :</a:t>
+            </a:r>
+          </a:p>
+          <a:p>
+            <a:pPr fontAlgn="base">
+              <a:buNone/>
+            </a:pPr>
+            <a:r>
+              <a:rPr lang="fr-FR" sz="1500" dirty="0" smtClean="0"/>
+              <a:t>Cliquer «Commande » au menu principal</a:t>
+            </a:r>
+          </a:p>
+          <a:p>
+            <a:pPr fontAlgn="base">
+              <a:buNone/>
+            </a:pPr>
+            <a:r>
+              <a:rPr lang="fr-FR" sz="1500" dirty="0" smtClean="0"/>
+              <a:t>Choisir « Consulter Commande »</a:t>
+            </a:r>
+            <a:endParaRPr lang="fr-FR" sz="1500" b="1" dirty="0" smtClean="0"/>
+          </a:p>
+          <a:p>
+            <a:pPr>
+              <a:buNone/>
+            </a:pPr>
+            <a:endParaRPr lang="fr-FR" dirty="0"/>
+          </a:p>
+        </p:txBody>
+      </p:sp>
+    </p:spTree>
+  </p:cSld>
+  <p:clrMapOvr>
+    <a:masterClrMapping/>
+  </p:clrMapOvr>
+  <p:timing>
+    <p:tnLst>
+      <p:par>
+        <p:cTn id="1" dur="indefinite" restart="never" nodeType="tmRoot"/>
+      </p:par>
+    </p:tnLst>
+  </p:timing>
+</p:sld>
+</file>
+
+<file path=ppt/slides/slide22.xml><?xml version="1.0" encoding="utf-8"?>
+<p:sld xmlns:a="http://schemas.openxmlformats.org/drawingml/2006/main" xmlns:r="http://schemas.openxmlformats.org/officeDocument/2006/relationships" xmlns:p="http://schemas.openxmlformats.org/presentationml/2006/main">
+  <p:cSld>
+    <p:spTree>
+      <p:nvGrpSpPr>
+        <p:cNvPr id="1" name=""/>
+        <p:cNvGrpSpPr/>
+        <p:nvPr/>
+      </p:nvGrpSpPr>
+      <p:grpSpPr>
+        <a:xfrm>
+          <a:off x="0" y="0"/>
+          <a:ext cx="0" cy="0"/>
+          <a:chOff x="0" y="0"/>
+          <a:chExt cx="0" cy="0"/>
+        </a:xfrm>
+      </p:grpSpPr>
+      <p:sp>
+        <p:nvSpPr>
+          <p:cNvPr id="2" name="Titre 1"/>
+          <p:cNvSpPr>
+            <a:spLocks noGrp="1"/>
+          </p:cNvSpPr>
+          <p:nvPr>
+            <p:ph type="title"/>
+          </p:nvPr>
+        </p:nvSpPr>
+        <p:spPr/>
+        <p:txBody>
+          <a:bodyPr/>
+          <a:lstStyle/>
+          <a:p>
+            <a:r>
+              <a:rPr lang="fr-FR" b="1" dirty="0" smtClean="0"/>
+              <a:t>La réception des commandes Fournisseurs</a:t>
+            </a:r>
+            <a:endParaRPr lang="fr-FR" b="1" dirty="0"/>
+          </a:p>
+        </p:txBody>
+      </p:sp>
+      <p:sp>
+        <p:nvSpPr>
+          <p:cNvPr id="3" name="Espace réservé du contenu 2"/>
+          <p:cNvSpPr>
+            <a:spLocks noGrp="1"/>
+          </p:cNvSpPr>
+          <p:nvPr>
+            <p:ph idx="1"/>
+          </p:nvPr>
+        </p:nvSpPr>
+        <p:spPr/>
+        <p:txBody>
+          <a:bodyPr>
+            <a:normAutofit/>
+          </a:bodyPr>
+          <a:lstStyle/>
+          <a:p>
+            <a:pPr fontAlgn="base">
+              <a:buNone/>
+            </a:pPr>
+            <a:endParaRPr lang="fr-FR" sz="1500" b="1" dirty="0" smtClean="0"/>
+          </a:p>
+          <a:p>
+            <a:pPr fontAlgn="base">
+              <a:buNone/>
+            </a:pPr>
+            <a:r>
+              <a:rPr lang="fr-FR" sz="1500" dirty="0" smtClean="0"/>
+              <a:t>Appuyer sur «Réception».</a:t>
+            </a:r>
+            <a:endParaRPr lang="fr-FR" sz="1500" b="1" dirty="0" smtClean="0"/>
+          </a:p>
+          <a:p>
+            <a:pPr fontAlgn="base">
+              <a:buNone/>
+            </a:pPr>
+            <a:r>
+              <a:rPr lang="fr-FR" sz="1500" dirty="0" smtClean="0"/>
+              <a:t>Introduire les informations de la  Réception puis  le bon de commande et Choisir l’article à réceptionner.</a:t>
+            </a:r>
+            <a:endParaRPr lang="fr-FR" sz="1500" b="1" dirty="0" smtClean="0"/>
+          </a:p>
+          <a:p>
+            <a:pPr fontAlgn="base">
+              <a:buNone/>
+            </a:pPr>
+            <a:r>
+              <a:rPr lang="fr-FR" sz="1500" dirty="0" smtClean="0"/>
+              <a:t>Introduire la quantité livrée</a:t>
+            </a:r>
+            <a:endParaRPr lang="fr-FR" sz="1500" b="1" dirty="0" smtClean="0"/>
+          </a:p>
+          <a:p>
+            <a:pPr fontAlgn="base">
+              <a:buNone/>
+            </a:pPr>
+            <a:r>
+              <a:rPr lang="fr-FR" sz="1500" dirty="0" smtClean="0"/>
+              <a:t>Appuyer sur le bouton  Réceptionner.</a:t>
+            </a:r>
+            <a:endParaRPr lang="fr-FR" sz="1500" b="1" dirty="0" smtClean="0"/>
+          </a:p>
+          <a:p>
+            <a:pPr>
+              <a:buNone/>
+            </a:pPr>
+            <a:endParaRPr lang="fr-FR" sz="1500" dirty="0"/>
+          </a:p>
+        </p:txBody>
+      </p:sp>
+    </p:spTree>
+  </p:cSld>
+  <p:clrMapOvr>
+    <a:masterClrMapping/>
+  </p:clrMapOvr>
+  <p:timing>
+    <p:tnLst>
+      <p:par>
+        <p:cTn id="1" dur="indefinite" restart="never" nodeType="tmRoot"/>
+      </p:par>
+    </p:tnLst>
+  </p:timing>
+</p:sld>
+</file>
+
+<file path=ppt/slides/slide23.xml><?xml version="1.0" encoding="utf-8"?>
+<p:sld xmlns:a="http://schemas.openxmlformats.org/drawingml/2006/main" xmlns:r="http://schemas.openxmlformats.org/officeDocument/2006/relationships" xmlns:p="http://schemas.openxmlformats.org/presentationml/2006/main">
+  <p:cSld>
+    <p:spTree>
+      <p:nvGrpSpPr>
+        <p:cNvPr id="1" name=""/>
+        <p:cNvGrpSpPr/>
+        <p:nvPr/>
+      </p:nvGrpSpPr>
+      <p:grpSpPr>
+        <a:xfrm>
+          <a:off x="0" y="0"/>
+          <a:ext cx="0" cy="0"/>
+          <a:chOff x="0" y="0"/>
+          <a:chExt cx="0" cy="0"/>
+        </a:xfrm>
+      </p:grpSpPr>
+      <p:sp>
+        <p:nvSpPr>
+          <p:cNvPr id="2" name="Titre 1"/>
+          <p:cNvSpPr>
+            <a:spLocks noGrp="1"/>
+          </p:cNvSpPr>
+          <p:nvPr>
+            <p:ph type="title"/>
+          </p:nvPr>
+        </p:nvSpPr>
+        <p:spPr/>
+        <p:txBody>
+          <a:bodyPr/>
+          <a:lstStyle/>
+          <a:p>
+            <a:r>
+              <a:rPr lang="fr-FR" dirty="0" smtClean="0"/>
+              <a:t>Gestion des articles</a:t>
+            </a:r>
+            <a:endParaRPr lang="fr-FR" dirty="0"/>
+          </a:p>
+        </p:txBody>
+      </p:sp>
+      <p:pic>
+        <p:nvPicPr>
+          <p:cNvPr id="10242" name="Picture 2"/>
+          <p:cNvPicPr>
+            <a:picLocks noGrp="1" noChangeAspect="1" noChangeArrowheads="1"/>
+          </p:cNvPicPr>
+          <p:nvPr>
+            <p:ph idx="1"/>
+          </p:nvPr>
+        </p:nvPicPr>
+        <p:blipFill>
+          <a:blip r:embed="rId2" cstate="print"/>
+          <a:srcRect/>
+          <a:stretch>
+            <a:fillRect/>
+          </a:stretch>
+        </p:blipFill>
+        <p:spPr bwMode="auto">
+          <a:xfrm>
+            <a:off x="838200" y="1927006"/>
+            <a:ext cx="10515600" cy="4148576"/>
+          </a:xfrm>
+          <a:prstGeom prst="rect">
+            <a:avLst/>
+          </a:prstGeom>
+          <a:noFill/>
+          <a:ln w="9525">
+            <a:noFill/>
+            <a:miter lim="800000"/>
+            <a:headEnd/>
+            <a:tailEnd/>
+          </a:ln>
+        </p:spPr>
+      </p:pic>
+    </p:spTree>
+  </p:cSld>
+  <p:clrMapOvr>
+    <a:masterClrMapping/>
+  </p:clrMapOvr>
+  <p:timing>
+    <p:tnLst>
+      <p:par>
+        <p:cTn id="1" dur="indefinite" restart="never" nodeType="tmRoot"/>
+      </p:par>
+    </p:tnLst>
+  </p:timing>
+</p:sld>
+</file>
+
+<file path=ppt/slides/slide24.xml><?xml version="1.0" encoding="utf-8"?>
+<p:sld xmlns:a="http://schemas.openxmlformats.org/drawingml/2006/main" xmlns:r="http://schemas.openxmlformats.org/officeDocument/2006/relationships" xmlns:p="http://schemas.openxmlformats.org/presentationml/2006/main">
+  <p:cSld>
+    <p:spTree>
+      <p:nvGrpSpPr>
+        <p:cNvPr id="1" name=""/>
+        <p:cNvGrpSpPr/>
+        <p:nvPr/>
+      </p:nvGrpSpPr>
+      <p:grpSpPr>
+        <a:xfrm>
+          <a:off x="0" y="0"/>
+          <a:ext cx="0" cy="0"/>
+          <a:chOff x="0" y="0"/>
+          <a:chExt cx="0" cy="0"/>
+        </a:xfrm>
+      </p:grpSpPr>
+      <p:sp>
+        <p:nvSpPr>
+          <p:cNvPr id="20" name="OTLSHAPE_SL_d9a7df2045804d9cb17247706c303bca_BackgroundRectangle">
+            <a:extLst>
+              <a:ext uri="{FF2B5EF4-FFF2-40B4-BE49-F238E27FC236}">
                 <a16:creationId xmlns="" xmlns:a16="http://schemas.microsoft.com/office/drawing/2014/main" id="{66DCDDA1-B827-4D84-B5C4-9C8FBC668642}"/>
               </a:ext>
             </a:extLst>
@@ -4151,8 +9637,8 @@
         </p:nvSpPr>
         <p:spPr>
           <a:xfrm>
-            <a:off x="1045028" y="3438555"/>
-            <a:ext cx="2434029" cy="232108"/>
+            <a:off x="1110342" y="3725937"/>
+            <a:ext cx="4428309" cy="219045"/>
           </a:xfrm>
           <a:prstGeom prst="chevron">
             <a:avLst/>
@@ -4201,7 +9687,7 @@
           <a:lstStyle/>
           <a:p>
             <a:pPr algn="ctr"/>
-            <a:endParaRPr lang="fr-FR">
+            <a:endParaRPr lang="fr-FR" dirty="0">
               <a:solidFill>
                 <a:schemeClr val="tx1"/>
               </a:solidFill>
@@ -4227,7 +9713,7 @@
         </p:nvSpPr>
         <p:spPr>
           <a:xfrm>
-            <a:off x="2670743" y="3732107"/>
+            <a:off x="3493703" y="3457787"/>
             <a:ext cx="7492160" cy="212876"/>
           </a:xfrm>
           <a:prstGeom prst="chevron">
@@ -4739,7 +10225,7 @@
         </p:nvSpPr>
         <p:spPr>
           <a:xfrm flipV="1">
-            <a:off x="1940552" y="866866"/>
+            <a:off x="6081478" y="892992"/>
             <a:ext cx="114300" cy="127000"/>
           </a:xfrm>
           <a:prstGeom prst="triangle">
@@ -4811,7 +10297,7 @@
         </p:nvSpPr>
         <p:spPr>
           <a:xfrm>
-            <a:off x="1815737" y="681581"/>
+            <a:off x="5904410" y="720771"/>
             <a:ext cx="418012" cy="184666"/>
           </a:xfrm>
           <a:prstGeom prst="rect">
@@ -5167,7 +10653,7 @@
         </p:nvSpPr>
         <p:spPr>
           <a:xfrm>
-            <a:off x="1280160" y="3416328"/>
+            <a:off x="2429691" y="3742899"/>
             <a:ext cx="1640536" cy="169277"/>
           </a:xfrm>
           <a:prstGeom prst="rect">
@@ -5218,7 +10704,7 @@
         </p:nvSpPr>
         <p:spPr>
           <a:xfrm>
-            <a:off x="4506371" y="3748446"/>
+            <a:off x="5303206" y="3474126"/>
             <a:ext cx="914400" cy="170519"/>
           </a:xfrm>
           <a:prstGeom prst="rect">
@@ -5617,8 +11103,8 @@
         </p:nvSpPr>
         <p:spPr>
           <a:xfrm>
-            <a:off x="1339652" y="4008967"/>
-            <a:ext cx="1638680" cy="171148"/>
+            <a:off x="1358536" y="4008967"/>
+            <a:ext cx="1619795" cy="236462"/>
           </a:xfrm>
           <a:prstGeom prst="chevron">
             <a:avLst/>
@@ -5693,7 +11179,7 @@
         </p:nvSpPr>
         <p:spPr>
           <a:xfrm>
-            <a:off x="1432560" y="3999802"/>
+            <a:off x="1432560" y="4018382"/>
             <a:ext cx="1640536" cy="169277"/>
           </a:xfrm>
           <a:prstGeom prst="rect">
@@ -5744,8 +11230,8 @@
         </p:nvSpPr>
         <p:spPr>
           <a:xfrm>
-            <a:off x="1574783" y="4283287"/>
-            <a:ext cx="1390486" cy="171147"/>
+            <a:off x="1535595" y="4402184"/>
+            <a:ext cx="1390486" cy="209006"/>
           </a:xfrm>
           <a:prstGeom prst="chevron">
             <a:avLst/>
@@ -5820,7 +11306,7 @@
         </p:nvSpPr>
         <p:spPr>
           <a:xfrm>
-            <a:off x="1763486" y="4280289"/>
+            <a:off x="1672046" y="4397854"/>
             <a:ext cx="1053422" cy="169277"/>
           </a:xfrm>
           <a:prstGeom prst="rect">
@@ -5871,8 +11357,8 @@
         </p:nvSpPr>
         <p:spPr>
           <a:xfrm>
-            <a:off x="3020406" y="4017675"/>
-            <a:ext cx="1669160" cy="201628"/>
+            <a:off x="3020405" y="4017675"/>
+            <a:ext cx="4007412" cy="214691"/>
           </a:xfrm>
           <a:prstGeom prst="chevron">
             <a:avLst/>
@@ -5947,8 +11433,8 @@
         </p:nvSpPr>
         <p:spPr>
           <a:xfrm>
-            <a:off x="3013166" y="4005321"/>
-            <a:ext cx="1127760" cy="169277"/>
+            <a:off x="3013165" y="4005321"/>
+            <a:ext cx="3309257" cy="174793"/>
           </a:xfrm>
           <a:prstGeom prst="rect">
             <a:avLst/>
@@ -5969,7 +11455,7 @@
                 </a:solidFill>
                 <a:latin typeface="Calibri" panose="020F0502020204030204" pitchFamily="34" charset="0"/>
               </a:rPr>
-              <a:t>Stock</a:t>
+              <a:t>Gestion de Stock</a:t>
             </a:r>
             <a:endParaRPr lang="fr-FR" sz="1100" spc="-4" dirty="0">
               <a:solidFill>
@@ -5998,8 +11484,8 @@
         </p:nvSpPr>
         <p:spPr>
           <a:xfrm>
-            <a:off x="7197633" y="4075611"/>
-            <a:ext cx="1149531" cy="195943"/>
+            <a:off x="7171510" y="4049486"/>
+            <a:ext cx="796832" cy="195942"/>
           </a:xfrm>
           <a:prstGeom prst="chevron">
             <a:avLst/>
@@ -6048,7 +11534,7 @@
           <a:lstStyle/>
           <a:p>
             <a:pPr algn="ctr"/>
-            <a:endParaRPr lang="fr-FR">
+            <a:endParaRPr lang="fr-FR" dirty="0">
               <a:solidFill>
                 <a:schemeClr val="tx1"/>
               </a:solidFill>
@@ -6074,8 +11560,8 @@
         </p:nvSpPr>
         <p:spPr>
           <a:xfrm>
-            <a:off x="7184579" y="4079655"/>
-            <a:ext cx="1345475" cy="169277"/>
+            <a:off x="7223761" y="4047198"/>
+            <a:ext cx="640080" cy="169277"/>
           </a:xfrm>
           <a:prstGeom prst="rect">
             <a:avLst/>
@@ -6125,8 +11611,8 @@
         </p:nvSpPr>
         <p:spPr>
           <a:xfrm>
-            <a:off x="5106109" y="4039447"/>
-            <a:ext cx="1656098" cy="162439"/>
+            <a:off x="6021977" y="4376057"/>
+            <a:ext cx="1097279" cy="222069"/>
           </a:xfrm>
           <a:prstGeom prst="chevron">
             <a:avLst/>
@@ -6175,7 +11661,7 @@
           <a:lstStyle/>
           <a:p>
             <a:pPr algn="ctr"/>
-            <a:endParaRPr lang="fr-FR">
+            <a:endParaRPr lang="fr-FR" dirty="0">
               <a:solidFill>
                 <a:schemeClr val="tx1"/>
               </a:solidFill>
@@ -6201,8 +11687,8 @@
         </p:nvSpPr>
         <p:spPr>
           <a:xfrm>
-            <a:off x="3042177" y="4522772"/>
-            <a:ext cx="1477572" cy="205982"/>
+            <a:off x="3133616" y="4379080"/>
+            <a:ext cx="1869457" cy="219045"/>
           </a:xfrm>
           <a:prstGeom prst="chevron">
             <a:avLst/>
@@ -6277,7 +11763,7 @@
         </p:nvSpPr>
         <p:spPr>
           <a:xfrm>
-            <a:off x="3148149" y="4573784"/>
+            <a:off x="3304904" y="4403967"/>
             <a:ext cx="953588" cy="169277"/>
           </a:xfrm>
           <a:prstGeom prst="rect">
@@ -6328,8 +11814,8 @@
         </p:nvSpPr>
         <p:spPr>
           <a:xfrm>
-            <a:off x="5090200" y="4025933"/>
-            <a:ext cx="1640536" cy="169277"/>
+            <a:off x="6191794" y="4406242"/>
+            <a:ext cx="849086" cy="169277"/>
           </a:xfrm>
           <a:prstGeom prst="rect">
             <a:avLst/>
@@ -6379,8 +11865,8 @@
         </p:nvSpPr>
         <p:spPr>
           <a:xfrm>
-            <a:off x="5114817" y="4361664"/>
-            <a:ext cx="4081433" cy="223399"/>
+            <a:off x="7171509" y="4361664"/>
+            <a:ext cx="2024741" cy="223399"/>
           </a:xfrm>
           <a:prstGeom prst="chevron">
             <a:avLst/>
@@ -6455,8 +11941,8 @@
         </p:nvSpPr>
         <p:spPr>
           <a:xfrm>
-            <a:off x="5425440" y="4392850"/>
-            <a:ext cx="2386149" cy="169277"/>
+            <a:off x="7093130" y="4397787"/>
+            <a:ext cx="1933303" cy="169277"/>
           </a:xfrm>
           <a:prstGeom prst="rect">
             <a:avLst/>
@@ -6786,18 +12272,46 @@
           <a:p>
             <a:pPr algn="ctr"/>
             <a:r>
-              <a:rPr lang="fr-FR" sz="1200" spc="-12" dirty="0" smtClean="0">
-                <a:solidFill>
-                  <a:schemeClr val="dk1"/>
-                </a:solidFill>
+              <a:rPr lang="fr-FR" sz="1200" b="1" dirty="0" smtClean="0">
+                <a:ln w="18000">
+                  <a:solidFill>
+                    <a:schemeClr val="accent2">
+                      <a:satMod val="140000"/>
+                    </a:schemeClr>
+                  </a:solidFill>
+                  <a:prstDash val="solid"/>
+                  <a:miter lim="800000"/>
+                </a:ln>
+                <a:noFill/>
+                <a:effectLst>
+                  <a:outerShdw blurRad="25500" dist="23000" dir="7020000" algn="tl">
+                    <a:srgbClr val="000000">
+                      <a:alpha val="50000"/>
+                    </a:srgbClr>
+                  </a:outerShdw>
+                </a:effectLst>
                 <a:latin typeface="Calibri" panose="020F0502020204030204" pitchFamily="34" charset="0"/>
               </a:rPr>
               <a:t>26/10</a:t>
             </a:r>
-            <a:endParaRPr lang="fr-FR" sz="1200" spc="-12" dirty="0">
-              <a:solidFill>
-                <a:schemeClr val="dk1"/>
-              </a:solidFill>
+            <a:endParaRPr lang="fr-FR" sz="1200" b="1" dirty="0">
+              <a:ln w="18000">
+                <a:solidFill>
+                  <a:schemeClr val="accent2">
+                    <a:satMod val="140000"/>
+                  </a:schemeClr>
+                </a:solidFill>
+                <a:prstDash val="solid"/>
+                <a:miter lim="800000"/>
+              </a:ln>
+              <a:noFill/>
+              <a:effectLst>
+                <a:outerShdw blurRad="25500" dist="23000" dir="7020000" algn="tl">
+                  <a:srgbClr val="000000">
+                    <a:alpha val="50000"/>
+                  </a:srgbClr>
+                </a:outerShdw>
+              </a:effectLst>
               <a:latin typeface="Calibri" panose="020F0502020204030204" pitchFamily="34" charset="0"/>
             </a:endParaRPr>
           </a:p>
@@ -6888,18 +12402,46 @@
           <a:p>
             <a:pPr algn="ctr"/>
             <a:r>
-              <a:rPr lang="fr-FR" sz="1200" spc="-12" dirty="0" smtClean="0">
-                <a:solidFill>
-                  <a:schemeClr val="dk1"/>
-                </a:solidFill>
+              <a:rPr lang="fr-FR" sz="1200" b="1" dirty="0" smtClean="0">
+                <a:ln w="18000">
+                  <a:solidFill>
+                    <a:schemeClr val="accent2">
+                      <a:satMod val="140000"/>
+                    </a:schemeClr>
+                  </a:solidFill>
+                  <a:prstDash val="solid"/>
+                  <a:miter lim="800000"/>
+                </a:ln>
+                <a:noFill/>
+                <a:effectLst>
+                  <a:outerShdw blurRad="25500" dist="23000" dir="7020000" algn="tl">
+                    <a:srgbClr val="000000">
+                      <a:alpha val="50000"/>
+                    </a:srgbClr>
+                  </a:outerShdw>
+                </a:effectLst>
                 <a:latin typeface="Calibri" panose="020F0502020204030204" pitchFamily="34" charset="0"/>
               </a:rPr>
               <a:t>22/11</a:t>
             </a:r>
-            <a:endParaRPr lang="fr-FR" sz="1200" spc="-12" dirty="0">
-              <a:solidFill>
-                <a:schemeClr val="dk1"/>
-              </a:solidFill>
+            <a:endParaRPr lang="fr-FR" sz="1200" b="1" dirty="0">
+              <a:ln w="18000">
+                <a:solidFill>
+                  <a:schemeClr val="accent2">
+                    <a:satMod val="140000"/>
+                  </a:schemeClr>
+                </a:solidFill>
+                <a:prstDash val="solid"/>
+                <a:miter lim="800000"/>
+              </a:ln>
+              <a:noFill/>
+              <a:effectLst>
+                <a:outerShdw blurRad="25500" dist="23000" dir="7020000" algn="tl">
+                  <a:srgbClr val="000000">
+                    <a:alpha val="50000"/>
+                  </a:srgbClr>
+                </a:outerShdw>
+              </a:effectLst>
               <a:latin typeface="Calibri" panose="020F0502020204030204" pitchFamily="34" charset="0"/>
             </a:endParaRPr>
           </a:p>
@@ -6928,6 +12470,629 @@
 </p:sld>
 </file>
 
+<file path=ppt/slides/slide3.xml><?xml version="1.0" encoding="utf-8"?>
+<p:sld xmlns:a="http://schemas.openxmlformats.org/drawingml/2006/main" xmlns:r="http://schemas.openxmlformats.org/officeDocument/2006/relationships" xmlns:p="http://schemas.openxmlformats.org/presentationml/2006/main">
+  <p:cSld>
+    <p:spTree>
+      <p:nvGrpSpPr>
+        <p:cNvPr id="1" name=""/>
+        <p:cNvGrpSpPr/>
+        <p:nvPr/>
+      </p:nvGrpSpPr>
+      <p:grpSpPr>
+        <a:xfrm>
+          <a:off x="0" y="0"/>
+          <a:ext cx="0" cy="0"/>
+          <a:chOff x="0" y="0"/>
+          <a:chExt cx="0" cy="0"/>
+        </a:xfrm>
+      </p:grpSpPr>
+      <p:sp>
+        <p:nvSpPr>
+          <p:cNvPr id="2" name="Titre 1"/>
+          <p:cNvSpPr>
+            <a:spLocks noGrp="1"/>
+          </p:cNvSpPr>
+          <p:nvPr>
+            <p:ph type="title"/>
+          </p:nvPr>
+        </p:nvSpPr>
+        <p:spPr/>
+        <p:txBody>
+          <a:bodyPr/>
+          <a:lstStyle/>
+          <a:p>
+            <a:r>
+              <a:rPr lang="fr-FR" dirty="0" smtClean="0"/>
+              <a:t>Mon Profil</a:t>
+            </a:r>
+            <a:endParaRPr lang="fr-FR" dirty="0"/>
+          </a:p>
+        </p:txBody>
+      </p:sp>
+      <p:pic>
+        <p:nvPicPr>
+          <p:cNvPr id="2050" name="Picture 2"/>
+          <p:cNvPicPr>
+            <a:picLocks noGrp="1" noChangeAspect="1" noChangeArrowheads="1"/>
+          </p:cNvPicPr>
+          <p:nvPr>
+            <p:ph idx="1"/>
+          </p:nvPr>
+        </p:nvPicPr>
+        <p:blipFill>
+          <a:blip r:embed="rId2" cstate="print"/>
+          <a:srcRect/>
+          <a:stretch>
+            <a:fillRect/>
+          </a:stretch>
+        </p:blipFill>
+        <p:spPr bwMode="auto">
+          <a:xfrm>
+            <a:off x="838200" y="2402292"/>
+            <a:ext cx="10515600" cy="3198003"/>
+          </a:xfrm>
+          <a:prstGeom prst="rect">
+            <a:avLst/>
+          </a:prstGeom>
+          <a:noFill/>
+          <a:ln w="9525">
+            <a:noFill/>
+            <a:miter lim="800000"/>
+            <a:headEnd/>
+            <a:tailEnd/>
+          </a:ln>
+        </p:spPr>
+      </p:pic>
+    </p:spTree>
+  </p:cSld>
+  <p:clrMapOvr>
+    <a:masterClrMapping/>
+  </p:clrMapOvr>
+  <p:timing>
+    <p:tnLst>
+      <p:par>
+        <p:cTn id="1" dur="indefinite" restart="never" nodeType="tmRoot"/>
+      </p:par>
+    </p:tnLst>
+  </p:timing>
+</p:sld>
+</file>
+
+<file path=ppt/slides/slide4.xml><?xml version="1.0" encoding="utf-8"?>
+<p:sld xmlns:a="http://schemas.openxmlformats.org/drawingml/2006/main" xmlns:r="http://schemas.openxmlformats.org/officeDocument/2006/relationships" xmlns:p="http://schemas.openxmlformats.org/presentationml/2006/main">
+  <p:cSld>
+    <p:spTree>
+      <p:nvGrpSpPr>
+        <p:cNvPr id="1" name=""/>
+        <p:cNvGrpSpPr/>
+        <p:nvPr/>
+      </p:nvGrpSpPr>
+      <p:grpSpPr>
+        <a:xfrm>
+          <a:off x="0" y="0"/>
+          <a:ext cx="0" cy="0"/>
+          <a:chOff x="0" y="0"/>
+          <a:chExt cx="0" cy="0"/>
+        </a:xfrm>
+      </p:grpSpPr>
+      <p:sp>
+        <p:nvSpPr>
+          <p:cNvPr id="2" name="Titre 1"/>
+          <p:cNvSpPr>
+            <a:spLocks noGrp="1"/>
+          </p:cNvSpPr>
+          <p:nvPr>
+            <p:ph type="title"/>
+          </p:nvPr>
+        </p:nvSpPr>
+        <p:spPr/>
+        <p:txBody>
+          <a:bodyPr/>
+          <a:lstStyle/>
+          <a:p>
+            <a:r>
+              <a:rPr lang="fr-FR" dirty="0" smtClean="0"/>
+              <a:t>Gestion des utilisateurs</a:t>
+            </a:r>
+            <a:endParaRPr lang="fr-FR" dirty="0"/>
+          </a:p>
+        </p:txBody>
+      </p:sp>
+      <p:pic>
+        <p:nvPicPr>
+          <p:cNvPr id="3074" name="Picture 2"/>
+          <p:cNvPicPr>
+            <a:picLocks noGrp="1" noChangeAspect="1" noChangeArrowheads="1"/>
+          </p:cNvPicPr>
+          <p:nvPr>
+            <p:ph idx="1"/>
+          </p:nvPr>
+        </p:nvPicPr>
+        <p:blipFill>
+          <a:blip r:embed="rId2" cstate="print"/>
+          <a:srcRect/>
+          <a:stretch>
+            <a:fillRect/>
+          </a:stretch>
+        </p:blipFill>
+        <p:spPr bwMode="auto">
+          <a:xfrm>
+            <a:off x="1267254" y="1825625"/>
+            <a:ext cx="9657492" cy="4351338"/>
+          </a:xfrm>
+          <a:prstGeom prst="rect">
+            <a:avLst/>
+          </a:prstGeom>
+          <a:noFill/>
+          <a:ln w="9525">
+            <a:noFill/>
+            <a:miter lim="800000"/>
+            <a:headEnd/>
+            <a:tailEnd/>
+          </a:ln>
+        </p:spPr>
+      </p:pic>
+    </p:spTree>
+  </p:cSld>
+  <p:clrMapOvr>
+    <a:masterClrMapping/>
+  </p:clrMapOvr>
+  <p:timing>
+    <p:tnLst>
+      <p:par>
+        <p:cTn id="1" dur="indefinite" restart="never" nodeType="tmRoot"/>
+      </p:par>
+    </p:tnLst>
+  </p:timing>
+</p:sld>
+</file>
+
+<file path=ppt/slides/slide5.xml><?xml version="1.0" encoding="utf-8"?>
+<p:sld xmlns:a="http://schemas.openxmlformats.org/drawingml/2006/main" xmlns:r="http://schemas.openxmlformats.org/officeDocument/2006/relationships" xmlns:p="http://schemas.openxmlformats.org/presentationml/2006/main">
+  <p:cSld>
+    <p:spTree>
+      <p:nvGrpSpPr>
+        <p:cNvPr id="1" name=""/>
+        <p:cNvGrpSpPr/>
+        <p:nvPr/>
+      </p:nvGrpSpPr>
+      <p:grpSpPr>
+        <a:xfrm>
+          <a:off x="0" y="0"/>
+          <a:ext cx="0" cy="0"/>
+          <a:chOff x="0" y="0"/>
+          <a:chExt cx="0" cy="0"/>
+        </a:xfrm>
+      </p:grpSpPr>
+      <p:sp>
+        <p:nvSpPr>
+          <p:cNvPr id="2" name="Titre 1"/>
+          <p:cNvSpPr>
+            <a:spLocks noGrp="1"/>
+          </p:cNvSpPr>
+          <p:nvPr>
+            <p:ph type="title"/>
+          </p:nvPr>
+        </p:nvSpPr>
+        <p:spPr/>
+        <p:txBody>
+          <a:bodyPr/>
+          <a:lstStyle/>
+          <a:p>
+            <a:r>
+              <a:rPr lang="fr-FR" dirty="0" smtClean="0"/>
+              <a:t>Ajouter un utilisateur</a:t>
+            </a:r>
+            <a:endParaRPr lang="fr-FR" dirty="0"/>
+          </a:p>
+        </p:txBody>
+      </p:sp>
+      <p:pic>
+        <p:nvPicPr>
+          <p:cNvPr id="4098" name="Picture 2"/>
+          <p:cNvPicPr>
+            <a:picLocks noGrp="1" noChangeAspect="1" noChangeArrowheads="1"/>
+          </p:cNvPicPr>
+          <p:nvPr>
+            <p:ph idx="1"/>
+          </p:nvPr>
+        </p:nvPicPr>
+        <p:blipFill>
+          <a:blip r:embed="rId2" cstate="print"/>
+          <a:srcRect/>
+          <a:stretch>
+            <a:fillRect/>
+          </a:stretch>
+        </p:blipFill>
+        <p:spPr bwMode="auto">
+          <a:xfrm>
+            <a:off x="4347631" y="1825625"/>
+            <a:ext cx="3496738" cy="4351338"/>
+          </a:xfrm>
+          <a:prstGeom prst="rect">
+            <a:avLst/>
+          </a:prstGeom>
+          <a:noFill/>
+          <a:ln w="9525">
+            <a:noFill/>
+            <a:miter lim="800000"/>
+            <a:headEnd/>
+            <a:tailEnd/>
+          </a:ln>
+        </p:spPr>
+      </p:pic>
+    </p:spTree>
+  </p:cSld>
+  <p:clrMapOvr>
+    <a:masterClrMapping/>
+  </p:clrMapOvr>
+  <p:timing>
+    <p:tnLst>
+      <p:par>
+        <p:cTn id="1" dur="indefinite" restart="never" nodeType="tmRoot"/>
+      </p:par>
+    </p:tnLst>
+  </p:timing>
+</p:sld>
+</file>
+
+<file path=ppt/slides/slide6.xml><?xml version="1.0" encoding="utf-8"?>
+<p:sld xmlns:a="http://schemas.openxmlformats.org/drawingml/2006/main" xmlns:r="http://schemas.openxmlformats.org/officeDocument/2006/relationships" xmlns:p="http://schemas.openxmlformats.org/presentationml/2006/main">
+  <p:cSld>
+    <p:spTree>
+      <p:nvGrpSpPr>
+        <p:cNvPr id="1" name=""/>
+        <p:cNvGrpSpPr/>
+        <p:nvPr/>
+      </p:nvGrpSpPr>
+      <p:grpSpPr>
+        <a:xfrm>
+          <a:off x="0" y="0"/>
+          <a:ext cx="0" cy="0"/>
+          <a:chOff x="0" y="0"/>
+          <a:chExt cx="0" cy="0"/>
+        </a:xfrm>
+      </p:grpSpPr>
+      <p:sp>
+        <p:nvSpPr>
+          <p:cNvPr id="2" name="Titre 1"/>
+          <p:cNvSpPr>
+            <a:spLocks noGrp="1"/>
+          </p:cNvSpPr>
+          <p:nvPr>
+            <p:ph type="title"/>
+          </p:nvPr>
+        </p:nvSpPr>
+        <p:spPr/>
+        <p:txBody>
+          <a:bodyPr/>
+          <a:lstStyle/>
+          <a:p>
+            <a:r>
+              <a:rPr lang="fr-FR" dirty="0" smtClean="0"/>
+              <a:t>Mise à jour d’un utilisateur</a:t>
+            </a:r>
+            <a:endParaRPr lang="fr-FR" dirty="0"/>
+          </a:p>
+        </p:txBody>
+      </p:sp>
+      <p:pic>
+        <p:nvPicPr>
+          <p:cNvPr id="5122" name="Picture 2"/>
+          <p:cNvPicPr>
+            <a:picLocks noGrp="1" noChangeAspect="1" noChangeArrowheads="1"/>
+          </p:cNvPicPr>
+          <p:nvPr>
+            <p:ph idx="1"/>
+          </p:nvPr>
+        </p:nvPicPr>
+        <p:blipFill>
+          <a:blip r:embed="rId2" cstate="print"/>
+          <a:srcRect/>
+          <a:stretch>
+            <a:fillRect/>
+          </a:stretch>
+        </p:blipFill>
+        <p:spPr bwMode="auto">
+          <a:xfrm>
+            <a:off x="838200" y="2853039"/>
+            <a:ext cx="10515600" cy="2296510"/>
+          </a:xfrm>
+          <a:prstGeom prst="rect">
+            <a:avLst/>
+          </a:prstGeom>
+          <a:noFill/>
+          <a:ln w="9525">
+            <a:noFill/>
+            <a:miter lim="800000"/>
+            <a:headEnd/>
+            <a:tailEnd/>
+          </a:ln>
+        </p:spPr>
+      </p:pic>
+    </p:spTree>
+  </p:cSld>
+  <p:clrMapOvr>
+    <a:masterClrMapping/>
+  </p:clrMapOvr>
+  <p:timing>
+    <p:tnLst>
+      <p:par>
+        <p:cTn id="1" dur="indefinite" restart="never" nodeType="tmRoot"/>
+      </p:par>
+    </p:tnLst>
+  </p:timing>
+</p:sld>
+</file>
+
+<file path=ppt/slides/slide7.xml><?xml version="1.0" encoding="utf-8"?>
+<p:sld xmlns:a="http://schemas.openxmlformats.org/drawingml/2006/main" xmlns:r="http://schemas.openxmlformats.org/officeDocument/2006/relationships" xmlns:p="http://schemas.openxmlformats.org/presentationml/2006/main">
+  <p:cSld>
+    <p:spTree>
+      <p:nvGrpSpPr>
+        <p:cNvPr id="1" name=""/>
+        <p:cNvGrpSpPr/>
+        <p:nvPr/>
+      </p:nvGrpSpPr>
+      <p:grpSpPr>
+        <a:xfrm>
+          <a:off x="0" y="0"/>
+          <a:ext cx="0" cy="0"/>
+          <a:chOff x="0" y="0"/>
+          <a:chExt cx="0" cy="0"/>
+        </a:xfrm>
+      </p:grpSpPr>
+      <p:sp>
+        <p:nvSpPr>
+          <p:cNvPr id="2" name="Titre 1"/>
+          <p:cNvSpPr>
+            <a:spLocks noGrp="1"/>
+          </p:cNvSpPr>
+          <p:nvPr>
+            <p:ph type="title"/>
+          </p:nvPr>
+        </p:nvSpPr>
+        <p:spPr/>
+        <p:txBody>
+          <a:bodyPr/>
+          <a:lstStyle/>
+          <a:p>
+            <a:r>
+              <a:rPr lang="fr-FR" dirty="0" smtClean="0"/>
+              <a:t>Supprimer un utilisateur</a:t>
+            </a:r>
+            <a:endParaRPr lang="fr-FR" dirty="0"/>
+          </a:p>
+        </p:txBody>
+      </p:sp>
+      <p:pic>
+        <p:nvPicPr>
+          <p:cNvPr id="11266" name="Picture 2"/>
+          <p:cNvPicPr>
+            <a:picLocks noGrp="1" noChangeAspect="1" noChangeArrowheads="1"/>
+          </p:cNvPicPr>
+          <p:nvPr>
+            <p:ph idx="1"/>
+          </p:nvPr>
+        </p:nvPicPr>
+        <p:blipFill>
+          <a:blip r:embed="rId2" cstate="print"/>
+          <a:srcRect/>
+          <a:stretch>
+            <a:fillRect/>
+          </a:stretch>
+        </p:blipFill>
+        <p:spPr bwMode="auto">
+          <a:xfrm>
+            <a:off x="3838575" y="2343944"/>
+            <a:ext cx="4514850" cy="3314700"/>
+          </a:xfrm>
+          <a:prstGeom prst="rect">
+            <a:avLst/>
+          </a:prstGeom>
+          <a:noFill/>
+          <a:ln w="9525">
+            <a:noFill/>
+            <a:miter lim="800000"/>
+            <a:headEnd/>
+            <a:tailEnd/>
+          </a:ln>
+        </p:spPr>
+      </p:pic>
+    </p:spTree>
+  </p:cSld>
+  <p:clrMapOvr>
+    <a:masterClrMapping/>
+  </p:clrMapOvr>
+  <p:timing>
+    <p:tnLst>
+      <p:par>
+        <p:cTn id="1" dur="indefinite" restart="never" nodeType="tmRoot"/>
+      </p:par>
+    </p:tnLst>
+  </p:timing>
+</p:sld>
+</file>
+
+<file path=ppt/slides/slide8.xml><?xml version="1.0" encoding="utf-8"?>
+<p:sld xmlns:a="http://schemas.openxmlformats.org/drawingml/2006/main" xmlns:r="http://schemas.openxmlformats.org/officeDocument/2006/relationships" xmlns:p="http://schemas.openxmlformats.org/presentationml/2006/main">
+  <p:cSld>
+    <p:spTree>
+      <p:nvGrpSpPr>
+        <p:cNvPr id="1" name=""/>
+        <p:cNvGrpSpPr/>
+        <p:nvPr/>
+      </p:nvGrpSpPr>
+      <p:grpSpPr>
+        <a:xfrm>
+          <a:off x="0" y="0"/>
+          <a:ext cx="0" cy="0"/>
+          <a:chOff x="0" y="0"/>
+          <a:chExt cx="0" cy="0"/>
+        </a:xfrm>
+      </p:grpSpPr>
+      <p:sp>
+        <p:nvSpPr>
+          <p:cNvPr id="2" name="Titre 1"/>
+          <p:cNvSpPr>
+            <a:spLocks noGrp="1"/>
+          </p:cNvSpPr>
+          <p:nvPr>
+            <p:ph type="title"/>
+          </p:nvPr>
+        </p:nvSpPr>
+        <p:spPr/>
+        <p:txBody>
+          <a:bodyPr/>
+          <a:lstStyle/>
+          <a:p>
+            <a:r>
+              <a:rPr lang="fr-FR" dirty="0" smtClean="0"/>
+              <a:t>Gestion des agences</a:t>
+            </a:r>
+            <a:endParaRPr lang="fr-FR" dirty="0"/>
+          </a:p>
+        </p:txBody>
+      </p:sp>
+      <p:pic>
+        <p:nvPicPr>
+          <p:cNvPr id="6146" name="Picture 2"/>
+          <p:cNvPicPr>
+            <a:picLocks noGrp="1" noChangeAspect="1" noChangeArrowheads="1"/>
+          </p:cNvPicPr>
+          <p:nvPr>
+            <p:ph idx="1"/>
+          </p:nvPr>
+        </p:nvPicPr>
+        <p:blipFill>
+          <a:blip r:embed="rId2" cstate="print"/>
+          <a:srcRect/>
+          <a:stretch>
+            <a:fillRect/>
+          </a:stretch>
+        </p:blipFill>
+        <p:spPr bwMode="auto">
+          <a:xfrm>
+            <a:off x="838200" y="1919997"/>
+            <a:ext cx="10515600" cy="4162593"/>
+          </a:xfrm>
+          <a:prstGeom prst="rect">
+            <a:avLst/>
+          </a:prstGeom>
+          <a:noFill/>
+          <a:ln w="9525">
+            <a:noFill/>
+            <a:miter lim="800000"/>
+            <a:headEnd/>
+            <a:tailEnd/>
+          </a:ln>
+        </p:spPr>
+      </p:pic>
+    </p:spTree>
+  </p:cSld>
+  <p:clrMapOvr>
+    <a:masterClrMapping/>
+  </p:clrMapOvr>
+  <p:timing>
+    <p:tnLst>
+      <p:par>
+        <p:cTn id="1" dur="indefinite" restart="never" nodeType="tmRoot"/>
+      </p:par>
+    </p:tnLst>
+  </p:timing>
+</p:sld>
+</file>
+
+<file path=ppt/slides/slide9.xml><?xml version="1.0" encoding="utf-8"?>
+<p:sld xmlns:a="http://schemas.openxmlformats.org/drawingml/2006/main" xmlns:r="http://schemas.openxmlformats.org/officeDocument/2006/relationships" xmlns:p="http://schemas.openxmlformats.org/presentationml/2006/main">
+  <p:cSld>
+    <p:spTree>
+      <p:nvGrpSpPr>
+        <p:cNvPr id="1" name=""/>
+        <p:cNvGrpSpPr/>
+        <p:nvPr/>
+      </p:nvGrpSpPr>
+      <p:grpSpPr>
+        <a:xfrm>
+          <a:off x="0" y="0"/>
+          <a:ext cx="0" cy="0"/>
+          <a:chOff x="0" y="0"/>
+          <a:chExt cx="0" cy="0"/>
+        </a:xfrm>
+      </p:grpSpPr>
+      <p:sp>
+        <p:nvSpPr>
+          <p:cNvPr id="2" name="Titre 1"/>
+          <p:cNvSpPr>
+            <a:spLocks noGrp="1"/>
+          </p:cNvSpPr>
+          <p:nvPr>
+            <p:ph type="title"/>
+          </p:nvPr>
+        </p:nvSpPr>
+        <p:spPr/>
+        <p:txBody>
+          <a:bodyPr/>
+          <a:lstStyle/>
+          <a:p>
+            <a:r>
+              <a:rPr lang="fr-FR" dirty="0" smtClean="0"/>
+              <a:t>Ajouter une agence</a:t>
+            </a:r>
+            <a:endParaRPr lang="fr-FR" dirty="0"/>
+          </a:p>
+        </p:txBody>
+      </p:sp>
+      <p:pic>
+        <p:nvPicPr>
+          <p:cNvPr id="7172" name="Picture 4"/>
+          <p:cNvPicPr>
+            <a:picLocks noGrp="1" noChangeAspect="1" noChangeArrowheads="1"/>
+          </p:cNvPicPr>
+          <p:nvPr>
+            <p:ph idx="1"/>
+          </p:nvPr>
+        </p:nvPicPr>
+        <p:blipFill>
+          <a:blip r:embed="rId2" cstate="print"/>
+          <a:srcRect/>
+          <a:stretch>
+            <a:fillRect/>
+          </a:stretch>
+        </p:blipFill>
+        <p:spPr bwMode="auto">
+          <a:xfrm>
+            <a:off x="3743325" y="1920081"/>
+            <a:ext cx="4705350" cy="4162425"/>
+          </a:xfrm>
+          <a:prstGeom prst="rect">
+            <a:avLst/>
+          </a:prstGeom>
+          <a:noFill/>
+          <a:ln w="9525">
+            <a:noFill/>
+            <a:miter lim="800000"/>
+            <a:headEnd/>
+            <a:tailEnd/>
+          </a:ln>
+        </p:spPr>
+      </p:pic>
+    </p:spTree>
+  </p:cSld>
+  <p:clrMapOvr>
+    <a:masterClrMapping/>
+  </p:clrMapOvr>
+  <p:timing>
+    <p:tnLst>
+      <p:par>
+        <p:cTn id="1" dur="indefinite" restart="never" nodeType="tmRoot"/>
+      </p:par>
+    </p:tnLst>
+  </p:timing>
+</p:sld>
+</file>
+
 <file path=ppt/tags/tag1.xml><?xml version="1.0" encoding="utf-8"?>
 <p:tagLst xmlns:a="http://schemas.openxmlformats.org/drawingml/2006/main" xmlns:r="http://schemas.openxmlformats.org/officeDocument/2006/relationships" xmlns:p="http://schemas.openxmlformats.org/presentationml/2006/main">
   <p:tag name="__PART_0" val="eyIkaWQiOiIxIiwiQ3VsdHVyZUluZm9OYW1lIjoiZW4tVVMiLCJTdHlsZU5hbWUiOm51bGwsIlZlcnNpb24iOnsiJGlkIjoiMiIsIlZlcnNpb24iOiIzLjIuMCIsIk9yaWdpbmFsQXNzZW1ibHlWZXJzaW9uIjoiNC4wMC4wMS4wMCIsIkVkaXRpb24iOiJQcm8iLCJJc1BsdXNFZGl0aW9uIjp0cnVlLCJJc1Byb0VkaXRpb24iOnRydWV9LCJFZmZlY3QiOjAsIlN0eWxlIjp7IiRpZCI6IjMiLCJUaW1lYmFuZFN0eWxlIjp7IiRpZCI6IjQiLCJTY2FsZU1hcmtpbmciOjAsIlNoYXBlIjowLCJTaGFwZVN0eWxlIjp7IiRpZCI6IjUiLCJNYXJnaW4iOnsiJGlkIjoiNiIsIlRvcCI6MCwiTGVmdCI6MTIsIlJpZ2h0IjoxMiwiQm90dG9tIjowfSwiUGFkZGluZyI6eyIkaWQiOiI3IiwiVG9wIjo3LCJMZWZ0IjowLCJSaWdodCI6MCwiQm90dG9tIjo3fSwiQmFja2dyb3VuZCI6eyIkaWQiOiI4IiwiQ29sb3IiOnsiJGlkIjoiOSIsIkEiOjI1NSwiUiI6MjI1LCJHIjoyMjUsIkIiOjIyNX19LCJJc1Zpc2libGUiOnRydWUsIldpZHRoIjo4NTguMCwiSGVpZ2h0IjozMC4wLCJCb3JkZXJTdHlsZSI6eyIkaWQiOiIxMCIsIkxpbmVDb2xvciI6eyIkaWQiOiIxMSIsIiR0eXBlIjoiTkxSRS5Db21tb24uRG9tLlNvbGlkQ29sb3JCcnVzaCwgTkxSRS5Db21tb24iLCJDb2xvciI6eyIkaWQiOiIxMiIsIkEiOjI1NSwiUiI6MjU1LCJHIjowLCJCIjowfX0sIkxpbmVXZWlnaHQiOjAuMCwiTGluZVR5cGUiOjAsIlBhcmVudFN0eWxlIjpudWxsfSwiUGFyZW50U3R5bGUiOm51bGx9LCJSaWdodEVuZENhcHNTdHlsZSI6eyIkaWQiOiIxMyIsIkZvbnRTZXR0aW5ncyI6eyIkaWQiOiIxNCIsIkZvbnRTaXplIjoxOCwiRm9udE5hbWUiOiJDYWxpYnJpIiwiSXNCb2xkIjp0cnVlLCJJc0l0YWxpYyI6ZmFsc2UsIklzVW5kZXJsaW5lZCI6ZmFsc2UsIlBhcmVudFN0eWxlIjpudWxsfSwiQXV0b1NpemUiOjAsIkZvcmVncm91bmQiOnsiJGlkIjoiMTUiLCJDb2xvciI6eyIkaWQiOiIxNiIsIkEiOjI1NSwiUiI6MjM3LCJHIjoxMjUsIkIiOjQ5fX0sIk1heFdpZHRoIjoiSW5maW5pdHkiLCJNYXhIZWlnaHQiOiJJbmZpbml0eSIsIlNtYXJ0Rm9yZWdyb3VuZElzQWN0aXZlIjpmYWxzZSwiSG9yaXpvbnRhbEFsaWdubWVudCI6MCwiVmVydGljYWxBbGlnbm1lbnQiOjAsIlNtYXJ0Rm9yZWdyb3VuZCI6bnVsbCwiQmFja2dyb3VuZEZpbGxUeXBlIjowLCJNYXJnaW4iOnsiJGlkIjoiMTciLCJUb3AiOjAsIkxlZnQiOjAsIlJpZ2h0IjoyNSwiQm90dG9tIjowfSwiUGFkZGluZyI6eyIkaWQiOiIxOCIsIlRvcCI6MCwiTGVmdCI6MCwiUmlnaHQiOjAsIkJvdHRvbSI6MH0sIkJhY2tncm91bmQiOnsiJGlkIjoiMTkiLCJDb2xvciI6eyIkaWQiOiIyMCIsIkEiOjg5LCJSIjowLCJHIjowLCJCIjowfX0sIklzVmlzaWJsZSI6ZmFsc2UsIldpZHRoIjowLjAsIkhlaWdodCI6MC4wLCJCb3JkZXJTdHlsZSI6bnVsbCwiUGFyZW50U3R5bGUiOm51bGx9LCJMZWZ0RW5kQ2Fwc1N0eWxlIjp7IiRpZCI6IjIxIiwiRm9udFNldHRpbmdzIjp7IiRpZCI6IjIyIiwiRm9udFNpemUiOjE4LCJGb250TmFtZSI6IkNhbGlicmkiLCJJc0JvbGQiOnRydWUsIklzSXRhbGljIjpmYWxzZSwiSXNVbmRlcmxpbmVkIjpmYWxzZSwiUGFyZW50U3R5bGUiOm51bGx9LCJBdXRvU2l6ZSI6MCwiRm9yZWdyb3VuZCI6eyIkaWQiOiIyMyIsIkNvbG9yIjp7IiRpZCI6IjI0IiwiQSI6MjU1LCJSIjoyMzcsIkciOjEyNSwiQiI6NDl9fSwiTWF4V2lkdGgiOiJJbmZpbml0eSIsIk1heEhlaWdodCI6IkluZmluaXR5IiwiU21hcnRGb3JlZ3JvdW5kSXNBY3RpdmUiOmZhbHNlLCJIb3Jpem9udGFsQWxpZ25tZW50IjowLCJWZXJ0aWNhbEFsaWdubWVudCI6MCwiU21hcnRGb3JlZ3JvdW5kIjpudWxsLCJCYWNrZ3JvdW5kRmlsbFR5cGUiOjAsIk1hcmdpbiI6eyIkaWQiOiIyNSIsIlRvcCI6MCwiTGVmdCI6MjUsIlJpZ2h0IjowLCJCb3R0b20iOjB9LCJQYWRkaW5nIjp7IiRpZCI6IjI2IiwiVG9wIjowLCJMZWZ0IjowLCJSaWdodCI6MCwiQm90dG9tIjowfSwiQmFja2dyb3VuZCI6eyIkaWQiOiIyNyIsIkNvbG9yIjp7IiRyZWYiOiIyMCJ9fSwiSXNWaXNpYmxlIjpmYWxzZSwiV2lkdGgiOjAuMCwiSGVpZ2h0IjowLjAsIkJvcmRlclN0eWxlIjpudWxsLCJQYXJlbnRTdHlsZSI6bnVsbH0sIlRvZGF5VGV4dFN0eWxlIjp7IiRpZCI6IjI4IiwiRm9udFNldHRpbmdzIjp7IiRpZCI6IjI5IiwiRm9udFNpemUiOjEyLCJGb250TmFtZSI6IkNhbGlicmkiLCJJc0JvbGQiOmZhbHNlLCJJc0l0YWxpYyI6ZmFsc2UsIklzVW5kZXJsaW5lZCI6ZmFsc2UsIlBhcmVudFN0eWxlIjpudWxsfSwiQXV0b1NpemUiOjAsIkZvcmVncm91bmQiOnsiJGlkIjoiMzAiLCJDb2xvciI6eyIkaWQiOiIzMSIsIkEiOjI1NSwiUiI6MCwiRyI6MCwiQiI6MH19LCJNYXhXaWR0aCI6MjAwLjAsIk1heEhlaWdodCI6IkluZmluaXR5IiwiU21hcnRGb3JlZ3JvdW5kSXNBY3RpdmUiOmZhbHNlLCJIb3Jpem9udGFsQWxpZ25tZW50IjowLCJWZXJ0aWNhbEFsaWdubWVudCI6MCwiU21hcnRGb3JlZ3JvdW5kIjpudWxsLCJCYWNrZ3JvdW5kRmlsbFR5cGUiOjAsIk1hcmdpbiI6eyIkaWQiOiIzMiIsIlRvcCI6MCwiTGVmdCI6MCwiUmlnaHQiOjAsIkJvdHRvbSI6MH0sIlBhZGRpbmciOnsiJGlkIjoiMzMiLCJUb3AiOjAsIkxlZnQiOjAsIlJpZ2h0IjowLCJCb3R0b20iOjB9LCJCYWNrZ3JvdW5kIjp7IiRpZCI6IjM0IiwiQ29sb3IiOnsiJHJlZiI6IjIwIn19LCJJc1Zpc2libGUiOnRydWUsIldpZHRoIjowLjAsIkhlaWdodCI6MC4wLCJCb3JkZXJTdHlsZSI6bnVsbCwiUGFyZW50U3R5bGUiOm51bGx9LCJUb2RheU1hcmtlclN0eWxlIjp7IiRpZCI6IjM1IiwiTWFyZ2luIjp7IiRpZCI6IjM2IiwiVG9wIjowLCJMZWZ0IjowLCJSaWdodCI6MCwiQm90dG9tIjowfSwiUGFkZGluZyI6eyIkaWQiOiIzNyIsIlRvcCI6MCwiTGVmdCI6MCwiUmlnaHQiOjAsIkJvdHRvbSI6MH0sIkJhY2tncm91bmQiOnsiJGlkIjoiMzgiLCJDb2xvciI6eyIkaWQiOiIzOSIsIkEiOjI1NSwiUiI6MTE1LCJHIjoxMTUsIkIiOjExNX19LCJJc1Zpc2libGUiOnRydWUsIldpZHRoIjowLjAsIkhlaWdodCI6MC4wLCJCb3JkZXJTdHlsZSI6bnVsbCwiUGFyZW50U3R5bGUiOm51bGx9LCJTY2FsZVN0eWxlIjp7IiRpZCI6IjQwIiwiU2hvd1NlZ21lbnRTZXBhcmF0b3JzIjp0cnVlLCJTZWdtZW50U2VwYXJhdG9yT3BhY2l0eSI6MzAsIkZvbnRTZXR0aW5ncyI6eyIkaWQiOiI0MSIsIkZvbnRTaXplIjoxNCwiRm9udE5hbWUiOiJDYWxpYnJpIiwiSXNCb2xkIjpmYWxzZSwiSXNJdGFsaWMiOmZhbHNlLCJJc1VuZGVybGluZWQiOmZhbHNlLCJQYXJlbnRTdHlsZSI6bnVsbH0sIkF1dG9TaXplIjowLCJGb3JlZ3JvdW5kIjp7IiRpZCI6IjQyIiwiQ29sb3IiOnsiJGlkIjoiNDMiLCJBIjoyNTUsIlIiOjAsIkciOjAsIkIiOjB9fSwiTWF4V2lkdGgiOjIwMC4wLCJNYXhIZWlnaHQiOiJJbmZpbml0eSIsIlNtYXJ0Rm9yZWdyb3VuZElzQWN0aXZlIjpmYWxzZSwiSG9yaXpvbnRhbEFsaWdubWVudCI6MCwiVmVydGljYWxBbGlnbm1lbnQiOjEsIlNtYXJ0Rm9yZWdyb3VuZCI6bnVsbCwiQmFja2dyb3VuZEZpbGxUeXBlIjowLCJNYXJnaW4iOnsiJGlkIjoiNDQiLCJUb3AiOjAsIkxlZnQiOjUsIlJpZ2h0IjowLCJCb3R0b20iOjB9LCJQYWRkaW5nIjp7IiRpZCI6IjQ1IiwiVG9wIjowLCJMZWZ0IjowLCJSaWdodCI6MCwiQm90dG9tIjowfSwiQmFja2dyb3VuZCI6eyIkaWQiOiI0NiIsIkNvbG9yIjp7IiRyZWYiOiIyMCJ9fSwiSXNWaXNpYmxlIjp0cnVlLCJXaWR0aCI6MC4wLCJIZWlnaHQiOjAuMCwiQm9yZGVyU3R5bGUiOm51bGwsIlBhcmVudFN0eWxlIjpudWxsfSwiRWxhcHNlZFRpbWVCYWNrZ3JvdW5kIjp7IiRpZCI6IjQ3IiwiQ29sb3IiOnsiJGlkIjoiNDgiLCJBIjoxOTEsIlIiOjAsIkciOjAsIkIiOjB9fSwiQXBwZW5kWWVhck9uWWVhckNoYW5nZSI6dHJ1ZSwiRWxhcHNlZFRpbWVGb3JtYXQiOjAsIlRvZGF5TWFya2VyUG9zaXRpb24iOjEsIlF1aWNrUG9zaXRpb24iOjMsIkFic29sdXRlUG9zaXRpb24iOjgzLjQsIk1hcmdpbiI6eyIkaWQiOiI0OSIsIlRvcCI6MCwiTGVmdCI6MTAsIlJpZ2h0IjoxMCwiQm90dG9tIjowfSwiUGFkZGluZyI6eyIkaWQiOiI1MCIsIlRvcCI6MCwiTGVmdCI6MCwiUmlnaHQiOjAsIkJvdHRvbSI6MH0sIkJhY2tncm91bmQiOnsiJGlkIjoiNTEiLCJDb2xvciI6eyIkaWQiOiI1MiIsIkEiOjI1NSwiUiI6NDcsIkciOjU0LCJCIjoxNTN9fSwiSXNWaXNpYmxlIjp0cnVlLCJXaWR0aCI6MC4wLCJIZWlnaHQiOjAuMCwiQm9yZGVyU3R5bGUiOm51bGwsIlBhcmVudFN0eWxlIjpudWxsfSwiRGVmYXVsdE1pbGVzdG9uZVN0eWxlIjp7IiRpZCI6IjUzIiwiU2hhcGUiOjAsIkNvbm5lY3Rvck1hcmdpbiI6eyIkaWQiOiI1NCIsIlRvcCI6MCwiTGVmdCI6MiwiUmlnaHQiOjIsIkJvdHRvbSI6MH0sIkNvbm5lY3RvclN0eWxlIjp7IiRpZCI6IjU1IiwiTGluZUNvbG9yIjp7IiRpZCI6IjU2IiwiJHR5cGUiOiJOTFJFLkNvbW1vbi5Eb20uU29saWRDb2xvckJydXNoLCBOTFJFLkNvbW1vbiIsIkNvbG9yIjp7IiRpZCI6IjU3IiwiQSI6MTI3LCJSIjoxMTUsIkciOjExNSwiQiI6MTE1fX0sIkxpbmVXZWlnaHQiOjEuMCwiTGluZVR5cGUiOjAsIlBhcmVudFN0eWxlIjpudWxsfSwiSXNCZWxvd1RpbWViYW5kIjpmYWxzZSwiUG9zaXRpb25PblRhc2siOjAsIkhpZGVEYXRlIjpmYWxzZSwiU2hhcGVTaXplIjoxLCJTcGFjaW5nIjoxLjAsIlBhZGRpbmciOnsiJGlkIjoiNTgiLCJUb3AiOjcsIkxlZnQiOjMsIlJpZ2h0IjowLCJCb3R0b20iOjJ9LCJTaGFwZVN0eWxlIjp7IiRpZCI6IjU5IiwiTWFyZ2luIjp7IiRpZCI6IjYwIiwiVG9wIjowLCJMZWZ0IjowLCJSaWdodCI6MCwiQm90dG9tIjowfSwiUGFkZGluZyI6eyIkaWQiOiI2MSIsIlRvcCI6MCwiTGVmdCI6MCwiUmlnaHQiOjAsIkJvdHRvbSI6MH0sIkJhY2tncm91bmQiOnsiJGlkIjoiNjIiLCJDb2xvciI6eyIkaWQiOiI2MyIsIkEiOjI1NSwiUiI6MTE1LCJHIjoxMTUsIkIiOjExNX19LCJJc1Zpc2libGUiOnRydWUsIldpZHRoIjoxOC4wLCJIZWlnaHQiOjIwLjAsIkJvcmRlclN0eWxlIjp7IiRpZCI6IjY0IiwiTGluZUNvbG9yIjp7IiRpZCI6IjY1IiwiJHR5cGUiOiJOTFJFLkNvbW1vbi5Eb20uU29saWRDb2xvckJydXNoLCBOTFJFLkNvbW1vbiIsIkNvbG9yIjp7IiRpZCI6IjY2IiwiQSI6MjU1LCJSIjoyNTUsIkciOjAsIkIiOjB9fSwiTGluZVdlaWdodCI6MC4wLCJMaW5lVHlwZSI6MCwiUGFyZW50U3R5bGUiOm51bGx9LCJQYXJlbnRTdHlsZSI6bnVsbH0sIlRpdGxlU3R5bGUiOnsiJGlkIjoiNjciLCJGb250U2V0dGluZ3MiOnsiJGlkIjoiNjgiLCJGb250U2l6ZSI6MTEsIkZvbnROYW1lIjoiQ2FsaWJyaSIsIklzQm9sZCI6dHJ1ZSwiSXNJdGFsaWMiOmZhbHNlLCJJc1VuZGVybGluZWQiOmZhbHNlLCJQYXJlbnRTdHlsZSI6bnVsbH0sIkF1dG9TaXplIjowLCJGb3JlZ3JvdW5kIjp7IiRpZCI6IjY5IiwiQ29sb3IiOnsiJGlkIjoiNzAiLCJBIjoyNTUsIlIiOjAsIkciOjAsIkIiOjB9fSwiTWF4V2lkdGgiOjIwMC4wLCJNYXhIZWlnaHQiOiJJbmZpbml0eSIsIlNtYXJ0Rm9yZWdyb3VuZElzQWN0aXZlIjpmYWxzZSwiSG9yaXpvbnRhbEFsaWdubWVudCI6MSwiVmVydGljYWxBbGlnbm1lbnQiOjAsIlNtYXJ0Rm9yZWdyb3VuZCI6bnVsbCwiQmFja2dyb3VuZEZpbGxUeXBlIjowLCJNYXJnaW4iOnsiJGlkIjoiNzEiLCJUb3AiOjAsIkxlZnQiOjAsIlJpZ2h0IjowLCJCb3R0b20iOjB9LCJQYWRkaW5nIjp7IiRpZCI6IjcyIiwiVG9wIjowLCJMZWZ0IjowLCJSaWdodCI6MCwiQm90dG9tIjowfSwiQmFja2dyb3VuZCI6eyIkaWQiOiI3MyIsIkNvbG9yIjp7IiRyZWYiOiIyMCJ9fSwiSXNWaXNpYmxlIjp0cnVlLCJXaWR0aCI6MC4wLCJIZWlnaHQiOjAuMCwiQm9yZGVyU3R5bGUiOm51bGwsIlBhcmVudFN0eWxlIjpudWxsfSwiRGF0ZVN0eWxlIjp7IiRpZCI6Ijc0IiwiRm9udFNldHRpbmdzIjp7IiRpZCI6Ijc1IiwiRm9udFNpemUiOjEwLCJGb250TmFtZSI6IkNhbGlicmkiLCJJc0JvbGQiOmZhbHNlLCJJc0l0YWxpYyI6ZmFsc2UsIklzVW5kZXJsaW5lZCI6ZmFsc2UsIlBhcmVudFN0eWxlIjpudWxsfSwiQXV0b1NpemUiOjAsIkZvcmVncm91bmQiOnsiJGlkIjoiNzYiLCJDb2xvciI6eyIkaWQiOiI3NyIsIkEiOjI1NSwiUiI6NjgsIkciOjg0LCJCIjoxMDZ9fSwiTWF4V2lkdGgiOjIwMC4wLCJNYXhIZWlnaHQiOiJJbmZpbml0eSIsIlNtYXJ0Rm9yZWdyb3VuZElzQWN0aXZlIjpmYWxzZSwiSG9yaXpvbnRhbEFsaWdubWVudCI6MCwiVmVydGljYWxBbGlnbm1lbnQiOjAsIlNtYXJ0Rm9yZWdyb3VuZCI6bnVsbCwiQmFja2dyb3VuZEZpbGxUeXBlIjowLCJNYXJnaW4iOnsiJGlkIjoiNzgiLCJUb3AiOjAsIkxlZnQiOjAsIlJpZ2h0IjowLCJCb3R0b20iOjB9LCJQYWRkaW5nIjp7IiRpZCI6Ijc5IiwiVG9wIjowLCJMZWZ0IjowLCJSaWdodCI6MCwiQm90dG9tIjowfSwiQmFja2dyb3VuZCI6eyIkaWQiOiI4MCIsIkNvbG9yIjp7IiRyZWYiOiIyMCJ9fSwiSXNWaXNpYmxlIjp0cnVlLCJXaWR0aCI6MC4wLCJIZWlnaHQiOjAuMCwiQm9yZGVyU3R5bGUiOm51bGwsIlBhcmVudFN0eWxlIjpudWxsfSwiRGF0ZUZvcm1hdCI6eyIkaWQiOiI4MSIsIkZvcm1hdFN0cmluZyI6Ik1NTSBkIiwiU2VwYXJhdG9yIjoiLyIsIlVzZUludGVybmF0aW9uYWxEYXRlRm9ybWF0IjpmYWxzZSwiRGF0ZUlzVmlzaWJsZSI6dHJ1ZSwiVGltZUlzVmlzaWJsZSI6ZmFsc2UsIkhvdXJEaWdpdHMiOjEsIkFtUG1EZXNpZ25hdG9yIjoyLCJUcmltMDBNaW51dGVzIjpmYWxzZSwiTGFzdEtub3duVmlzaWJpbGl0eVN0YXRlIjpudWxsfSwiSXNWaXNpYmxlIjp0cnVlLCJQYXJlbnRTdHlsZSI6bnVsbH0sIkRlZmF1bHRUYXNrU3R5bGUiOnsiJGlkIjoiODIiLCJTaGFwZSI6MSwiU2hhcGVUaGlja25lc3MiOjMsIkR1cmF0aW9uRm9ybWF0IjowLCJJbmNsdWRlTm9uV29ya2luZ0RheXNJbkR1cmF0aW9uIjpmYWxzZSwiUGVyY2VudGFnZUNvbXBsZXRlU3R5bGUiOnsiJGlkIjoiODMiLCJGb250U2V0dGluZ3MiOnsiJGlkIjoiODQiLCJGb250U2l6ZSI6MTAsIkZvbnROYW1lIjoiQ2FsaWJyaSIsIklzQm9sZCI6ZmFsc2UsIklzSXRhbGljIjpmYWxzZSwiSXNVbmRlcmxpbmVkIjpmYWxzZSwiUGFyZW50U3R5bGUiOm51bGx9LCJBdXRvU2l6ZSI6MCwiRm9yZWdyb3VuZCI6eyIkaWQiOiI4NSIsIkNvbG9yIjp7IiRpZCI6Ijg2IiwiQSI6MjU1LCJSIjoyMzgsIkciOjIzNiwiQiI6MjI1fX0sIk1heFdpZHRoIjoyMDAuMCwiTWF4SGVpZ2h0IjoiSW5maW5pdHkiLCJTbWFydEZvcmVncm91bmRJc0FjdGl2ZSI6ZmFsc2UsIkhvcml6b250YWxBbGlnbm1lbnQiOjEsIlZlcnRpY2FsQWxpZ25tZW50IjowLCJTbWFydEZvcmVncm91bmQiOm51bGwsIkJhY2tncm91bmRGaWxsVHlwZSI6MCwiTWFyZ2luIjp7IiRpZCI6Ijg3IiwiVG9wIjowLCJMZWZ0IjowLCJSaWdodCI6MCwiQm90dG9tIjowfSwiUGFkZGluZyI6eyIkaWQiOiI4OCIsIlRvcCI6MCwiTGVmdCI6MCwiUmlnaHQiOjAsIkJvdHRvbSI6MH0sIkJhY2tncm91bmQiOnsiJGlkIjoiODkiLCJDb2xvciI6eyIkcmVmIjoiMjAifX0sIklzVmlzaWJsZSI6dHJ1ZSwiV2lkdGgiOjAuMCwiSGVpZ2h0IjowLjAsIkJvcmRlclN0eWxlIjpudWxsLCJQYXJlbnRTdHlsZSI6bnVsbH0sIkR1cmF0aW9uU3R5bGUiOnsiJGlkIjoiOTAiLCJGb250U2V0dGluZ3MiOnsiJGlkIjoiOTEiLCJGb250U2l6ZSI6MTAsIkZvbnROYW1lIjoiQ2FsaWJyaSIsIklzQm9sZCI6ZmFsc2UsIklzSXRhbGljIjpmYWxzZSwiSXNVbmRlcmxpbmVkIjpmYWxzZSwiUGFyZW50U3R5bGUiOm51bGx9LCJBdXRvU2l6ZSI6MCwiRm9yZWdyb3VuZCI6eyIkaWQiOiI5MiIsIkNvbG9yIjp7IiRpZCI6IjkzIiwiQSI6MjU1LCJSIjoyMzcsIkciOjEyNSwiQiI6NDl9fSwiTWF4V2lkdGgiOjIwMC4wLCJNYXhIZWlnaHQiOiJJbmZpbml0eSIsIlNtYXJ0Rm9yZWdyb3VuZElzQWN0aXZlIjpmYWxzZSwiSG9yaXpvbnRhbEFsaWdubWVudCI6MCwiVmVydGljYWxBbGlnbm1lbnQiOjAsIlNtYXJ0Rm9yZWdyb3VuZCI6bnVsbCwiQmFja2dyb3VuZEZpbGxUeXBlIjowLCJNYXJnaW4iOnsiJGlkIjoiOTQiLCJUb3AiOjAsIkxlZnQiOjAsIlJpZ2h0IjowLCJCb3R0b20iOjB9LCJQYWRkaW5nIjp7IiRpZCI6Ijk1IiwiVG9wIjowLCJMZWZ0IjowLCJSaWdodCI6MCwiQm90dG9tIjowfSwiQmFja2dyb3VuZCI6eyIkaWQiOiI5NiIsIkNvbG9yIjp7IiRyZWYiOiIyMCJ9fSwiSXNWaXNpYmxlIjp0cnVlLCJXaWR0aCI6MC4wLCJIZWlnaHQiOjAuMCwiQm9yZGVyU3R5bGUiOm51bGwsIlBhcmVudFN0eWxlIjpudWxsfSwiSG9yaXpvbnRhbENvbm5lY3RvclN0eWxlIjp7IiRpZCI6Ijk3IiwiTGluZUNvbG9yIjp7IiRpZCI6Ijk4IiwiJHR5cGUiOiJOTFJFLkNvbW1vbi5Eb20uU29saWRDb2xvckJydXNoLCBOTFJFLkNvbW1vbiIsIkNvbG9yIjp7IiRpZCI6Ijk5IiwiQSI6MjU1LCJSIjoyMDQsIkciOjIwNCwiQiI6MjA0fX0sIkxpbmVXZWlnaHQiOjEuMCwiTGluZVR5cGUiOjAsIlBhcmVudFN0eWxlIjpudWxsfSwiVmVydGljYWxDb25uZWN0b3JTdHlsZSI6eyIkaWQiOiIxMDAiLCJMaW5lQ29sb3IiOnsiJGlkIjoiMTAxIiwiJHR5cGUiOiJOTFJFLkNvbW1vbi5Eb20uU29saWRDb2xvckJydXNoLCBOTFJFLkNvbW1vbiIsIkNvbG9yIjp7IiRpZCI6IjEwMiIsIkEiOjI1NSwiUiI6MjA0LCJHIjoyMDQsIkIiOjIwNH19LCJMaW5lV2VpZ2h0IjowLjAsIkxpbmVUeXBlIjowLCJQYXJlbnRTdHlsZSI6bnVsbH0sIk1hcmdpbiI6bnVsbCwiU3RhcnREYXRlUG9zaXRpb24iOjQsIkVuZERhdGVQb3NpdGlvbiI6NCwiRGF0ZUlzVmlzaWJsZSI6dHJ1ZSwiVGl0bGVQb3NpdGlvbiI6NSwiRHVyYXRpb25Qb3NpdGlvbiI6NiwiUGVyY2VudGFnZUNvbXBsZXRlZFBvc2l0aW9uIjoyLCJTcGFjaW5nIjo1LCJJc0JlbG93VGltZWJhbmQiOnRydWUsIlBlcmNlbnRhZ2VDb21wbGV0ZVNoYXBlT3BhY2l0eSI6MzUsIlNoYXBlU3R5bGUiOnsiJGlkIjoiMTAzIiwiTWFyZ2luIjp7IiRpZCI6IjEwNCIsIlRvcCI6MCwiTGVmdCI6NCwiUmlnaHQiOjQsIkJvdHRvbSI6MH0sIlBhZGRpbmciOnsiJGlkIjoiMTA1IiwiVG9wIjowLCJMZWZ0IjowLCJSaWdodCI6MCwiQm90dG9tIjowfSwiQmFja2dyb3VuZCI6eyIkaWQiOiIxMDYiLCJDb2xvciI6eyIkaWQiOiIxMDciLCJBIjoyNTUsIlIiOjkxLCJHIjoxNTUsIkIiOjIxM319LCJJc1Zpc2libGUiOnRydWUsIldpZHRoIjowLjAsIkhlaWdodCI6MTQuMCwiQm9yZGVyU3R5bGUiOnsiJGlkIjoiMTA4IiwiTGluZUNvbG9yIjp7IiRpZCI6IjEwOSIsIiR0eXBlIjoiTkxSRS5Db21tb24uRG9tLlNvbGlkQ29sb3JCcnVzaCwgTkxSRS5Db21tb24iLCJDb2xvciI6eyIkaWQiOiIxMTAiLCJBIjoyNTUsIlIiOjI1NSwiRyI6MCwiQiI6MH19LCJMaW5lV2VpZ2h0IjowLjAsIkxpbmVUeXBlIjowLCJQYXJlbnRTdHlsZSI6bnVsbH0sIlBhcmVudFN0eWxlIjpudWxsfSwiVGl0bGVTdHlsZSI6eyIkaWQiOiIxMTEiLCJGb250U2V0dGluZ3MiOnsiJGlkIjoiMTEyIiwiRm9udFNpemUiOjExLCJGb250TmFtZSI6IkNhbGlicmkiLCJJc0JvbGQiOmZhbHNlLCJJc0l0YWxpYyI6ZmFsc2UsIklzVW5kZXJsaW5lZCI6ZmFsc2UsIlBhcmVudFN0eWxlIjpudWxsfSwiQXV0b1NpemUiOjAsIkZvcmVncm91bmQiOnsiJGlkIjoiMTEzIiwiQ29sb3IiOnsiJGlkIjoiMTE0IiwiQSI6MjU1LCJSIjowLCJHIjowLCJCIjowfX0sIk1heFdpZHRoIjo5NjAuMCwiTWF4SGVpZ2h0IjoiSW5maW5pdHkiLCJTbWFydEZvcmVncm91bmRJc0FjdGl2ZSI6ZmFsc2UsIkhvcml6b250YWxBbGlnbm1lbnQiOjAsIlZlcnRpY2FsQWxpZ25tZW50IjowLCJTbWFydEZvcmVncm91bmQiOm51bGwsIkJhY2tncm91bmRGaWxsVHlwZSI6MCwiTWFyZ2luIjp7IiRpZCI6IjExNSIsIlRvcCI6MCwiTGVmdCI6MCwiUmlnaHQiOjAsIkJvdHRvbSI6MH0sIlBhZGRpbmciOnsiJGlkIjoiMTE2IiwiVG9wIjowLCJMZWZ0IjowLCJSaWdodCI6MCwiQm90dG9tIjowfSwiQmFja2dyb3VuZCI6eyIkaWQiOiIxMTciLCJDb2xvciI6eyIkcmVmIjoiMjAifX0sIklzVmlzaWJsZSI6dHJ1ZSwiV2lkdGgiOjAuMCwiSGVpZ2h0IjowLjAsIkJvcmRlclN0eWxlIjpudWxsLCJQYXJlbnRTdHlsZSI6bnVsbH0sIkRhdGVTdHlsZSI6eyIkaWQiOiIxMTgiLCJGb250U2V0dGluZ3MiOnsiJGlkIjoiMTE5IiwiRm9udFNpemUiOjEwLCJGb250TmFtZSI6IkNhbGlicmkiLCJJc0JvbGQiOmZhbHNlLCJJc0l0YWxpYyI6ZmFsc2UsIklzVW5kZXJsaW5lZCI6ZmFsc2UsIlBhcmVudFN0eWxlIjpudWxsfSwiQXV0b1NpemUiOjAsIkZvcmVncm91bmQiOnsiJGlkIjoiMTIwIiwiQ29sb3IiOnsiJGlkIjoiMTIxIiwiQSI6MjU1LCJSIjo2OCwiRyI6ODQsIkIiOjEwNn19LCJNYXhXaWR0aCI6MjAwLjAsIk1heEhlaWdodCI6IkluZmluaXR5IiwiU21hcnRGb3JlZ3JvdW5kSXNBY3RpdmUiOmZhbHNlLCJIb3Jpem9udGFsQWxpZ25tZW50IjowLCJWZXJ0aWNhbEFsaWdubWVudCI6MCwiU21hcnRGb3JlZ3JvdW5kIjpudWxsLCJCYWNrZ3JvdW5kRmlsbFR5cGUiOjAsIk1hcmdpbiI6eyIkaWQiOiIxMjIiLCJUb3AiOjAsIkxlZnQiOjAsIlJpZ2h0IjowLCJCb3R0b20iOjB9LCJQYWRkaW5nIjp7IiRpZCI6IjEyMyIsIlRvcCI6MCwiTGVmdCI6MCwiUmlnaHQiOjAsIkJvdHRvbSI6MH0sIkJhY2tncm91bmQiOnsiJGlkIjoiMTI0IiwiQ29sb3IiOnsiJHJlZiI6IjIwIn19LCJJc1Zpc2libGUiOnRydWUsIldpZHRoIjowLjAsIkhlaWdodCI6MC4wLCJCb3JkZXJTdHlsZSI6bnVsbCwiUGFyZW50U3R5bGUiOm51bGx9LCJEYXRlRm9ybWF0Ijp7IiRpZCI6IjEyNSIsIkZvcm1hdFN0cmluZyI6Ik1NTSBkIiwiU2VwYXJhdG9yIjoiLyIsIlVzZUludGVybmF0aW9uYWxEYXRlRm9ybWF0IjpmYWxzZSwiRGF0ZUlzVmlzaWJsZSI6ZmFsc2UsIlRpbWVJc1Zpc2libGUiOmZhbHNlLCJIb3VyRGlnaXRzIjoxLCJBbVBtRGVzaWduYXRvciI6MiwiVHJpbTAwTWludXRlcyI6ZmFsc2UsIkxhc3RLbm93blZpc2liaWxpdHlTdGF0ZSI6eyIkaWQiOiIxMjYiLCJEYXRlUGFydElzVmlzaWJsZSI6dHJ1ZSwiVGltZVBhcnRJc1Zpc2libGUiOmZhbHNlfX0sIklzVmlzaWJsZSI6dHJ1ZSwiUGFyZW50U3R5bGUiOm51bGwsIl9leHBsaWNpdGx5U2V0Ijp7IiRpZCI6IjEyNyIsIlNoYXBlU3R5bGUiOmZhbHNlLCJUaXRsZVN0eWxlIjpmYWxzZSwiRGF0ZVN0eWxlIjpmYWxzZSwiSG9yaXpvbnRhbENvbm5lY3RvclN0eWxlIjpmYWxzZSwiVmVydGljYWxDb25uZWN0b3JTdHlsZSI6ZmFsc2UsIlBlcmNlbnRhZ2VDb21wbGV0ZVNoYXBlT3BhY2l0eSI6ZmFsc2UsIkR1cmF0aW9uRm9ybWF0IjpmYWxzZSwiRHVyYXRpb25Qb3NpdGlvbiI6ZmFsc2UsIkVuZERhdGVQb3NpdGlvbiI6ZmFsc2UsIklzQmVsb3dUaW1lYmFuZCI6ZmFsc2UsIlBlcmNlbnRhZ2VDb21wbGV0ZWRQb3NpdGlvbiI6ZmFsc2UsIlNoYXBlIjpmYWxzZSwiU2hhcGVUaGlja25lc3MiOmZhbHNlLCJTcGFjaW5nIjpmYWxzZSwiU3RhcnREYXRlUG9zaXRpb24iOmZhbHNlLCJUaXRsZVBvc2l0aW9uIjpmYWxzZSwiRGF0ZUZvcm1hdCI6ZmFsc2UsIklzVmlzaWJsZSI6ZmFsc2UsIk1hcmdpbiI6ZmFsc2V9fSwiR3JpZGxpbmVQYW5lbFN0eWxlIjp7IiRpZCI6IjEyOCIsIkdyaWRsaW5lU3R5bGUiOnsiJGlkIjoiMTI5IiwiTGluZUNvbG9yIjp7IiRpZCI6IjEzMCIsIiR0eXBlIjoiTkxSRS5Db21tb24uRG9tLlNvbGlkQ29sb3JCcnVzaCwgTkxSRS5Db21tb24iLCJDb2xvciI6eyIkaWQiOiIxMzEiLCJBIjozOCwiUiI6MCwiRyI6MCwiQiI6MH19LCJMaW5lV2VpZ2h0IjowLjkwNTYxNjc2LCJMaW5lVHlwZSI6MCwiUGFyZW50U3R5bGUiOm51bGx9LCJNYXJnaW4iOnsiJGlkIjoiMTMyIiwiVG9wIjowLCJMZWZ0IjowLCJSaWdodCI6MCwiQm90dG9tIjowfSwiUGFkZGluZyI6eyIkaWQiOiIxMzMiLCJUb3AiOjAsIkxlZnQiOjAsIlJpZ2h0IjowLCJCb3R0b20iOjB9LCJCYWNrZ3JvdW5kIjpudWxsLCJJc1Zpc2libGUiOnRydWUsIldpZHRoIjowLjAsIkhlaWdodCI6MC4wLCJCb3JkZXJTdHlsZSI6eyIkaWQiOiIxMzQiLCJMaW5lQ29sb3IiOm51bGwsIkxpbmVXZWlnaHQiOjAuMCwiTGluZVR5cGUiOjAsIlBhcmVudFN0eWxlIjpudWxsfSwiUGFyZW50U3R5bGUiOm51bGx9LCJTaG93RWxhcHNlZFRpbWVHcmFkaWVudFN0eWxlIjpmYWxzZSwiRGVmYXVsdFN3aW1sYW5lU3R5bGUiOnsiJGlkIjoiMTM1IiwiSGVhZGVyU3R5bGUiOnsiJGlkIjoiMTM2IiwiVGV4dFN0eWxlIjp7IiRpZCI6IjEzNyIsIkZvbnRTZXR0aW5ncyI6eyIkaWQiOiIxMzgiLCJGb250U2l6ZSI6MTIsIkZvbnROYW1lIjoiQ2FsaWJyaSIsIklzQm9sZCI6ZmFsc2UsIklzSXRhbGljIjpmYWxzZSwiSXNVbmRlcmxpbmVkIjpmYWxzZSwiUGFyZW50U3R5bGUiOm51bGx9LCJBdXRvU2l6ZSI6MCwiRm9yZWdyb3VuZCI6eyIkaWQiOiIxMzkiLCJDb2xvciI6eyIkaWQiOiIxNDAiLCJBIjoyNTUsIlIiOjMyLCJHIjo1NiwiQiI6MTAwfX0sIk1heFdpZHRoIjowLjAsIk1heEhlaWdodCI6MC4wLCJTbWFydEZvcmVncm91bmRJc0FjdGl2ZSI6ZmFsc2UsIkhvcml6b250YWxBbGlnbm1lbnQiOjAsIlZlcnRpY2FsQWxpZ25tZW50IjowLCJTbWFydEZvcmVncm91bmQiOm51bGwsIkJhY2tncm91bmRGaWxsVHlwZSI6MCwiTWFyZ2luIjp7IiRpZCI6IjE0MSIsIlRvcCI6MCwiTGVmdCI6MCwiUmlnaHQiOjAsIkJvdHRvbSI6MH0sIlBhZGRpbmciOnsiJGlkIjoiMTQyIiwiVG9wIjowLCJMZWZ0IjowLCJSaWdodCI6MCwiQm90dG9tIjowfSwiQmFja2dyb3VuZCI6bnVsbCwiSXNWaXNpYmxlIjpmYWxzZSwiV2lkdGgiOjAuMCwiSGVpZ2h0IjowLjAsIkJvcmRlclN0eWxlIjpudWxsLCJQYXJlbnRTdHlsZSI6bnVsbH0sIlJlY3RhbmdsZVN0eWxlIjp7IiRpZCI6IjE0MyIsIk1hcmdpbiI6eyIkaWQiOiIxNDQiLCJUb3AiOjAsIkxlZnQiOjAsIlJpZ2h0IjowLCJCb3R0b20iOjB9LCJQYWRkaW5nIjp7IiRpZCI6IjE0NSIsIlRvcCI6MCwiTGVmdCI6MCwiUmlnaHQiOjAsIkJvdHRvbSI6MH0sIkJhY2tncm91bmQiOnsiJGlkIjoiMTQ2IiwiQ29sb3IiOnsiJGlkIjoiMTQ3IiwiQSI6MTI3LCJSIjo5MSwiRyI6MTU1LCJCIjoyMTN9fSwiSXNWaXNpYmxlIjpmYWxzZSwiV2lkdGgiOjAuMCwiSGVpZ2h0IjowLjAsIkJvcmRlclN0eWxlIjp7IiRpZCI6IjE0OCIsIkxpbmVDb2xvciI6eyIkaWQiOiIxNDkiLCIkdHlwZSI6Ik5MUkUuQ29tbW9uLkRvbS5Tb2xpZENvbG9yQnJ1c2gsIE5MUkUuQ29tbW9uIiwiQ29sb3IiOnsiJGlkIjoiMTUwIiwiQSI6MjU1LCJSIjoyNTUsIkciOjAsIkIiOjB9fSwiTGluZVdlaWdodCI6MC4wLCJMaW5lVHlwZSI6MCwiUGFyZW50U3R5bGUiOm51bGx9LCJQYXJlbnRTdHlsZSI6bnVsbH0sIk1hcmdpbiI6eyIkaWQiOiIxNTEiLCJUb3AiOjAsIkxlZnQiOjAsIlJpZ2h0IjowLCJCb3R0b20iOjB9LCJQYWRkaW5nIjp7IiRpZCI6IjE1MiIsIlRvcCI6MCwiTGVmdCI6MCwiUmlnaHQiOjAsIkJvdHRvbSI6MH0sIkJhY2tncm91bmQiOm51bGwsIklzVmlzaWJsZSI6dHJ1ZSwiV2lkdGgiOjAuMCwiSGVpZ2h0IjowLjAsIkJvcmRlclN0eWxlIjpudWxsLCJQYXJlbnRTdHlsZSI6bnVsbH0sIkJhY2tncm91bmRTdHlsZSI6eyIkaWQiOiIxNTMiLCJNYXJnaW4iOnsiJGlkIjoiMTU0IiwiVG9wIjowLCJMZWZ0IjowLCJSaWdodCI6MCwiQm90dG9tIjowfSwiUGFkZGluZyI6eyIkaWQiOiIxNTUiLCJUb3AiOjAsIkxlZnQiOjAsIlJpZ2h0IjowLCJCb3R0b20iOjB9LCJCYWNrZ3JvdW5kIjp7IiRpZCI6IjE1NiIsIkNvbG9yIjp7IiRpZCI6IjE1NyIsIkEiOjM4LCJSIjo5MSwiRyI6MTU1LCJCIjoyMTN9fSwiSXNWaXNpYmxlIjp0cnVlLCJXaWR0aCI6MC4wLCJIZWlnaHQiOjAuMCwiQm9yZGVyU3R5bGUiOnsiJGlkIjoiMTU4IiwiTGluZUNvbG9yIjp7IiRpZCI6IjE1OSIsIiR0eXBlIjoiTkxSRS5Db21tb24uRG9tLlNvbGlkQ29sb3JCcnVzaCwgTkxSRS5Db21tb24iLCJDb2xvciI6eyIkaWQiOiIxNjAiLCJBIjoyNTUsIlIiOjI1NSwiRyI6MCwiQiI6MH19LCJMaW5lV2VpZ2h0IjowLjAsIkxpbmVUeXBlIjowLCJQYXJlbnRTdHlsZSI6bnVsbH0sIlBhcmVudFN0eWxlIjpudWxsfSwiSXNBYm92ZVRpbWViYW5kIjpmYWxzZSwiTWFyZ2luIjp7IiRpZCI6IjE2MSIsIlRvcCI6MCwiTGVmdCI6MCwiUmlnaHQiOjAsIkJvdHRvbSI6MH0sIlBhZGRpbmciOnsiJGlkIjoiMTYyIiwiVG9wIjowLCJMZWZ0IjowLCJSaWdodCI6MCwiQm90dG9tIjowfSwiSXNWaXNpYmxlIjp0cnVlLCJXaWR0aCI6MC4wLCJIZWlnaHQiOjAuMCwiQm9yZGVyU3R5bGUiOm51bGwsIlBhcmVudFN0eWxlIjpudWxsfX0sIlNjYWxlIjp7IiRpZCI6IjE2MyIsIlN0YXJ0RGF0ZSI6IjAwMDEtMDEtMDFUMDA6MDA6MDAiLCJFbmREYXRlIjoiMjAyMS0xMi0xNlQyMzo1OTowMCIsIkZvcm1hdCI6Ik1NTSIsIlR5cGUiOjMsIkF1dG9EYXRlUmFuZ2UiOnRydWUsIldvcmtpbmdEYXlzIjozMSwiVG9kYXlNYXJrZXJUZXh0IjoiVG9kYXkiLCJBdXRvU2NhbGVUeXBlIjpmYWxzZX0sIk1pbGVzdG9uZXMiOltdLCJUYXNrcyI6W10sIlN3aW1sYW5lcyI6W3siJGlkIjoiMTY0IiwiSWQiOiI3YzIxYjlkMC04NDljLTRiY2EtOTRjMi1mNjQ1OGNhMjcyZWYiLCJJbmRleCI6MCwiSGVhZGVyVGV4dCI6IkRlbGl2ZXJ5IiwiU3R5bGUiOnsiJGlkIjoiMTY1IiwiSGVhZGVyU3R5bGUiOnsiJGlkIjoiMTY2IiwiVGV4dFN0eWxlIjp7IiRpZCI6IjE2NyIsIkZvbnRTZXR0aW5ncyI6eyIkaWQiOiIxNjgiLCJGb250U2l6ZSI6MTIsIkZvbnROYW1lIjoiQ2FsaWJyaSIsIklzQm9sZCI6ZmFsc2UsIklzSXRhbGljIjpmYWxzZSwiSXNVbmRlcmxpbmVkIjpmYWxzZSwiUGFyZW50U3R5bGUiOm51bGx9LCJBdXRvU2l6ZSI6MCwiRm9yZWdyb3VuZCI6eyIkaWQiOiIxNjkiLCJDb2xvciI6eyIkaWQiOiIxNzAiLCJBIjoyNTUsIlIiOjAsIkciOjAsIkIiOjB9fSwiTWF4V2lkdGgiOjAuMCwiTWF4SGVpZ2h0IjowLjAsIlNtYXJ0Rm9yZWdyb3VuZElzQWN0aXZlIjpmYWxzZSwiSG9yaXpvbnRhbEFsaWdubWVudCI6MCwiVmVydGljYWxBbGlnbm1lbnQiOjAsIlNtYXJ0Rm9yZWdyb3VuZCI6bnVsbCwiQmFja2dyb3VuZEZpbGxUeXBlIjowLCJNYXJnaW4iOnsiJHJlZiI6IjE0MSJ9LCJQYWRkaW5nIjp7IiRyZWYiOiIxNDIifSwiQmFja2dyb3VuZCI6bnVsbCwiSXNWaXNpYmxlIjpmYWxzZSwiV2lkdGgiOjAuMCwiSGVpZ2h0IjowLjAsIkJvcmRlclN0eWxlIjpudWxsLCJQYXJlbnRTdHlsZSI6bnVsbH0sIlJlY3RhbmdsZVN0eWxlIjp7IiRpZCI6IjE3MSIsIk1hcmdpbiI6eyIkcmVmIjoiMTQ0In0sIlBhZGRpbmciOnsiJHJlZiI6IjE0NSJ9LCJCYWNrZ3JvdW5kIjp7IiRpZCI6IjE3MiIsIkNvbG9yIjp7IiRpZCI6IjE3MyIsIkEiOjEyNywiUiI6MTU0LCJHIjoyMjIsIkIiOjIxNn19LCJJc1Zpc2libGUiOmZhbHNlLCJXaWR0aCI6MC4wLCJIZWlnaHQiOjAuMCwiQm9yZGVyU3R5bGUiOnsiJGlkIjoiMTc0IiwiTGluZUNvbG9yIjp7IiRyZWYiOiIxNDkifSwiTGluZVdlaWdodCI6MC4wLCJMaW5lVHlwZSI6MCwiUGFyZW50U3R5bGUiOm51bGx9LCJQYXJlbnRTdHlsZSI6bnVsbH0sIk1hcmdpbiI6eyIkcmVmIjoiMTUxIn0sIlBhZGRpbmciOnsiJHJlZiI6IjE1MiJ9LCJCYWNrZ3JvdW5kIjpudWxsLCJJc1Zpc2libGUiOnRydWUsIldpZHRoIjowLjAsIkhlaWdodCI6MC4wLCJCb3JkZXJTdHlsZSI6bnVsbCwiUGFyZW50U3R5bGUiOm51bGx9LCJCYWNrZ3JvdW5kU3R5bGUiOnsiJGlkIjoiMTc1IiwiTWFyZ2luIjp7IiRyZWYiOiIxNTQifSwiUGFkZGluZyI6eyIkcmVmIjoiMTU1In0sIkJhY2tncm91bmQiOnsiJGlkIjoiMTc2IiwiQ29sb3IiOnsiJGlkIjoiMTc3IiwiQSI6MzgsIlIiOjAsIkciOjAsIkIiOjB9fSwiSXNWaXNpYmxlIjp0cnVlLCJXaWR0aCI6MC4wLCJIZWlnaHQiOjAuMCwiQm9yZGVyU3R5bGUiOnsiJGlkIjoiMTc4IiwiTGluZUNvbG9yIjp7IiRpZCI6IjE3OSIsIiR0eXBlIjoiTkxSRS5Db21tb24uRG9tLlNvbGlkQ29sb3JCcnVzaCwgTkxSRS5Db21tb24iLCJDb2xvciI6eyIkaWQiOiIxODAiLCJBIjoyNTUsIlIiOjIsIkciOjE3OCwiQiI6MjM4fX0sIkxpbmVXZWlnaHQiOjAuMCwiTGluZVR5cGUiOjAsIlBhcmVudFN0eWxlIjpudWxsfSwiUGFyZW50U3R5bGUiOm51bGx9LCJJc0Fib3ZlVGltZWJhbmQiOmZhbHNlLCJNYXJnaW4iOnsiJHJlZiI6IjE2MSJ9LCJQYWRkaW5nIjp7IiRyZWYiOiIxNjIifSwiSXNWaXNpYmxlIjp0cnVlLCJXaWR0aCI6MC4wLCJIZWlnaHQiOjAuMCwiQm9yZGVyU3R5bGUiOm51bGwsIlBhcmVudFN0eWxlIjpudWxsfSwiVGFza3MiOlt7IiRpZCI6IjE4MSIsIl9hdHRhY2hlZE1pbGVzdG9uZXMiOlt7IiRpZCI6IjE4MiIsIkRhdGUiOiIyMDE5LTEyLTI3VDExOjU5OjAwIiwiU3R5bGUiOnsiJGlkIjoiMTgzIiwiU2hhcGUiOjEsIkNvbm5lY3Rvck1hcmdpbiI6eyIkaWQiOiIxODQiLCJUb3AiOjAsIkxlZnQiOjIsIlJpZ2h0IjoyLCJCb3R0b20iOjB9LCJDb25uZWN0b3JTdHlsZSI6eyIkaWQiOiIxODUiLCJMaW5lQ29sb3IiOnsiJGlkIjoiMTg2IiwiJHR5cGUiOiJOTFJFLkNvbW1vbi5Eb20uU29saWRDb2xvckJydXNoLCBOTFJFLkNvbW1vbiIsIkNvbG9yIjp7IiRpZCI6IjE4NyIsIkEiOjEyNywiUiI6MTE1LCJHIjoxMTUsIkIiOjExNX19LCJMaW5lV2VpZ2h0IjoxLjAsIkxpbmVUeXBlIjowLCJQYXJlbnRTdHlsZSI6bnVsbH0sIklzQmVsb3dUaW1lYmFuZCI6dHJ1ZSwiUG9zaXRpb25PblRhc2siOjMsIkhpZGVEYXRlIjpmYWxzZSwiU2hhcGVTaXplIjoxLCJTcGFjaW5nIjoxLjAsIlBhZGRpbmciOnsiJGlkIjoiMTg4IiwiVG9wIjo3LCJMZWZ0IjozLCJSaWdodCI6MCwiQm90dG9tIjoyfSwiU2hhcGVTdHlsZSI6eyIkaWQiOiIxODkiLCJNYXJnaW4iOnsiJGlkIjoiMTkwIiwiVG9wIjowLCJMZWZ0IjowLCJSaWdodCI6MCwiQm90dG9tIjowfSwiUGFkZGluZyI6eyIkaWQiOiIxOTEiLCJUb3AiOjAsIkxlZnQiOjAsIlJpZ2h0IjowLCJCb3R0b20iOjB9LCJCYWNrZ3JvdW5kIjp7IiRpZCI6IjE5MiIsIkNvbG9yIjp7IiRpZCI6IjE5MyIsIkEiOjI1NSwiUiI6MTE1LCJHIjoxMTUsIkIiOjExNX19LCJJc1Zpc2libGUiOnRydWUsIldpZHRoIjoxOC4wLCJIZWlnaHQiOjIwLjAsIkJvcmRlclN0eWxlIjp7IiRpZCI6IjE5NCIsIkxpbmVDb2xvciI6eyIkcmVmIjoiNjUifSwiTGluZVdlaWdodCI6MC4wLCJMaW5lVHlwZSI6MCwiUGFyZW50U3R5bGUiOm51bGx9LCJQYXJlbnRTdHlsZSI6bnVsbH0sIlRpdGxlU3R5bGUiOnsiJGlkIjoiMTk1IiwiRm9udFNldHRpbmdzIjp7IiRpZCI6IjE5NiIsIkZvbnRTaXplIjoxMSwiRm9udE5hbWUiOiJDYWxpYnJpIiwiSXNCb2xkIjp0cnVlLCJJc0l0YWxpYyI6ZmFsc2UsIklzVW5kZXJsaW5lZCI6ZmFsc2UsIlBhcmVudFN0eWxlIjpudWxsfSwiQXV0b1NpemUiOjAsIkZvcmVncm91bmQiOnsiJGlkIjoiMTk3IiwiQ29sb3IiOnsiJGlkIjoiMTk4IiwiQSI6MjU1LCJSIjowLCJHIjowLCJCIjowfX0sIk1heFdpZHRoIjoyMDAuMCwiTWF4SGVpZ2h0IjoiSW5maW5pdHkiLCJTbWFydEZvcmVncm91bmRJc0FjdGl2ZSI6ZmFsc2UsIkhvcml6b250YWxBbGlnbm1lbnQiOjEsIlZlcnRpY2FsQWxpZ25tZW50IjowLCJTbWFydEZvcmVncm91bmQiOm51bGwsIkJhY2tncm91bmRGaWxsVHlwZSI6MCwiTWFyZ2luIjp7IiRpZCI6IjE5OSIsIlRvcCI6MCwiTGVmdCI6MCwiUmlnaHQiOjAsIkJvdHRvbSI6MH0sIlBhZGRpbmciOnsiJGlkIjoiMjAwIiwiVG9wIjowLCJMZWZ0IjowLCJSaWdodCI6MCwiQm90dG9tIjowfSwiQmFja2dyb3VuZCI6eyIkcmVmIjoiNzMifSwiSXNWaXNpYmxlIjp0cnVlLCJXaWR0aCI6MC4wLCJIZWlnaHQiOjAuMCwiQm9yZGVyU3R5bGUiOnsiJGlkIjoiMjAxIiwiTGluZUNvbG9yIjpudWxsLCJMaW5lV2VpZ2h0IjowLjAsIkxpbmVUeXBlIjowLCJQYXJlbnRTdHlsZSI6bnVsbH0sIlBhcmVudFN0eWxlIjpudWxsfSwiRGF0ZVN0eWxlIjp7IiRpZCI6IjIwMiIsIkZvbnRTZXR0aW5ncyI6eyIkaWQiOiIyMDMiLCJGb250U2l6ZSI6MTAsIkZvbnROYW1lIjoiQ2FsaWJyaSIsIklzQm9sZCI6ZmFsc2UsIklzSXRhbGljIjpmYWxzZSwiSXNVbmRlcmxpbmVkIjpmYWxzZSwiUGFyZW50U3R5bGUiOm51bGx9LCJBdXRvU2l6ZSI6MCwiRm9yZWdyb3VuZCI6eyIkaWQiOiIyMDQiLCJDb2xvciI6eyIkaWQiOiIyMDUiLCJBIjoyNTUsIlIiOjY4LCJHIjo4NCwiQiI6MTA2fX0sIk1heFdpZHRoIjoyMDAuMCwiTWF4SGVpZ2h0IjoiSW5maW5pdHkiLCJTbWFydEZvcmVncm91bmRJc0FjdGl2ZSI6ZmFsc2UsIkhvcml6b250YWxBbGlnbm1lbnQiOjEsIlZlcnRpY2FsQWxpZ25tZW50IjowLCJTbWFydEZvcmVncm91bmQiOm51bGwsIkJhY2tncm91bmRGaWxsVHlwZSI6MCwiTWFyZ2luIjp7IiRpZCI6IjIwNiIsIlRvcCI6MCwiTGVmdCI6MCwiUmlnaHQiOjAsIkJvdHRvbSI6MH0sIlBhZGRpbmciOnsiJGlkIjoiMjA3IiwiVG9wIjowLCJMZWZ0IjowLCJSaWdodCI6MCwiQm90dG9tIjowfSwiQmFja2dyb3VuZCI6eyIkcmVmIjoiODAifSwiSXNWaXNpYmxlIjp0cnVlLCJXaWR0aCI6MC4wLCJIZWlnaHQiOjAuMCwiQm9yZGVyU3R5bGUiOnsiJGlkIjoiMjA4IiwiTGluZUNvbG9yIjpudWxsLCJMaW5lV2VpZ2h0IjowLjAsIkxpbmVUeXBlIjowLCJQYXJlbnRTdHlsZSI6bnVsbH0sIlBhcmVudFN0eWxlIjpudWxsfSwiRGF0ZUZvcm1hdCI6eyIkaWQiOiIyMDkiLCJGb3JtYXRTdHJpbmciOiJNTU0gZCIsIlNlcGFyYXRvciI6Ii8iLCJVc2VJbnRlcm5hdGlvbmFsRGF0ZUZvcm1hdCI6ZmFsc2UsIkRhdGVJc1Zpc2libGUiOnRydWUsIlRpbWVJc1Zpc2libGUiOmZhbHNlLCJIb3VyRGlnaXRzIjoxLCJBbVBtRGVzaWduYXRvciI6MiwiVHJpbTAwTWludXRlcyI6ZmFsc2UsIkxhc3RLbm93blZpc2liaWxpdHlTdGF0ZSI6bnVsbH0sIklzVmlzaWJsZSI6dHJ1ZSwiUGFyZW50U3R5bGUiOm51bGx9LCJJbmRleCI6MiwiUGVyY2VudGFnZUNvbXBsZXRlIjpudWxsLCJQb3NpdGlvbiI6eyJSYXRpbyI6MC4wLCJJc0N1c3RvbSI6ZmFsc2V9LCJEYXRlRm9ybWF0Ijp7IiRyZWYiOiIyMDkifSwiUmVsYXRlZFRhc2tJZCI6ImI3M2FkMzg3LTIzZDgtNGViOS05NTc0LWVkYzRjNDU1YzNiMCIsIklkIjoiZGNmZjFjNjMtOWQ1NS00NDQ4LWJjNjEtNDg0MmU4NjRjZjk2IiwiSW1wb3J0SWQiOm51bGwsIlRpdGxlIjoiUGhhc2UgMSIsIk5vdGUiOm51bGwsIkh5cGVybGluayI6eyIkaWQiOiIyMTAiLCJBZGRyZXNzIjoiIiwiU3ViQWRkcmVzcyI6IiJ9LCJJc0NoYW5nZWQiOmZhbHNlLCJJc05ldyI6ZmFsc2V9LHsiJGlkIjoiMjExIiwiRGF0ZSI6IjIwMjAtMDMtMjdUMTE6NTk6MDAiLCJTdHlsZSI6eyIkaWQiOiIyMTIiLCJTaGFwZSI6MSwiQ29ubmVjdG9yTWFyZ2luIjp7IiRpZCI6IjIxMyIsIlRvcCI6MCwiTGVmdCI6MiwiUmlnaHQiOjIsIkJvdHRvbSI6MH0sIkNvbm5lY3RvclN0eWxlIjp7IiRpZCI6IjIxNCIsIkxpbmVDb2xvciI6eyIkaWQiOiIyMTUiLCIkdHlwZSI6Ik5MUkUuQ29tbW9uLkRvbS5Tb2xpZENvbG9yQnJ1c2gsIE5MUkUuQ29tbW9uIiwiQ29sb3IiOnsiJGlkIjoiMjE2IiwiQSI6MTI3LCJSIjoxMTUsIkciOjExNSwiQiI6MTE1fX0sIkxpbmVXZWlnaHQiOjEuMCwiTGluZVR5cGUiOjAsIlBhcmVudFN0eWxlIjpudWxsfSwiSXNCZWxvd1RpbWViYW5kIjp0cnVlLCJQb3NpdGlvbk9uVGFzayI6MywiSGlkZURhdGUiOmZhbHNlLCJTaGFwZVNpemUiOjEsIlNwYWNpbmciOjEuMCwiUGFkZGluZyI6eyIkaWQiOiIyMTciLCJUb3AiOjcsIkxlZnQiOjMsIlJpZ2h0IjowLCJCb3R0b20iOjJ9LCJTaGFwZVN0eWxlIjp7IiRpZCI6IjIxOCIsIk1hcmdpbiI6eyIkaWQiOiIyMTkiLCJUb3AiOjAsIkxlZnQiOjAsIlJpZ2h0IjowLCJCb3R0b20iOjB9LCJQYWRkaW5nIjp7IiRpZCI6IjIyMCIsIlRvcCI6MCwiTGVmdCI6MCwiUmlnaHQiOjAsIkJvdHRvbSI6MH0sIkJhY2tncm91bmQiOnsiJGlkIjoiMjIxIiwiQ29sb3IiOnsiJGlkIjoiMjIyIiwiQSI6MjU1LCJSIjoxMTUsIkciOjExNSwiQiI6MTE1fX0sIklzVmlzaWJsZSI6dHJ1ZSwiV2lkdGgiOjE4LjAsIkhlaWdodCI6MjAuMCwiQm9yZGVyU3R5bGUiOnsiJGlkIjoiMjIzIiwiTGluZUNvbG9yIjp7IiRyZWYiOiI2NSJ9LCJMaW5lV2VpZ2h0IjowLjAsIkxpbmVUeXBlIjowLCJQYXJlbnRTdHlsZSI6bnVsbH0sIlBhcmVudFN0eWxlIjpudWxsfSwiVGl0bGVTdHlsZSI6eyIkaWQiOiIyMjQiLCJGb250U2V0dGluZ3MiOnsiJGlkIjoiMjI1IiwiRm9udFNpemUiOjExLCJGb250TmFtZSI6IkNhbGlicmkiLCJJc0JvbGQiOnRydWUsIklzSXRhbGljIjpmYWxzZSwiSXNVbmRlcmxpbmVkIjpmYWxzZSwiUGFyZW50U3R5bGUiOm51bGx9LCJBdXRvU2l6ZSI6MCwiRm9yZWdyb3VuZCI6eyIkaWQiOiIyMjYiLCJDb2xvciI6eyIkaWQiOiIyMjciLCJBIjoyNTUsIlIiOjAsIkciOjAsIkIiOjB9fSwiTWF4V2lkdGgiOjIwMC4wLCJNYXhIZWlnaHQiOiJJbmZpbml0eSIsIlNtYXJ0Rm9yZWdyb3VuZElzQWN0aXZlIjpmYWxzZSwiSG9yaXpvbnRhbEFsaWdubWVudCI6MSwiVmVydGljYWxBbGlnbm1lbnQiOjAsIlNtYXJ0Rm9yZWdyb3VuZCI6bnVsbCwiQmFja2dyb3VuZEZpbGxUeXBlIjowLCJNYXJnaW4iOnsiJGlkIjoiMjI4IiwiVG9wIjowLCJMZWZ0IjowLCJSaWdodCI6MCwiQm90dG9tIjowfSwiUGFkZGluZyI6eyIkaWQiOiIyMjkiLCJUb3AiOjAsIkxlZnQiOjAsIlJpZ2h0IjowLCJCb3R0b20iOjB9LCJCYWNrZ3JvdW5kIjp7IiRyZWYiOiI3MyJ9LCJJc1Zpc2libGUiOnRydWUsIldpZHRoIjowLjAsIkhlaWdodCI6MC4wLCJCb3JkZXJTdHlsZSI6eyIkaWQiOiIyMzAiLCJMaW5lQ29sb3IiOm51bGwsIkxpbmVXZWlnaHQiOjAuMCwiTGluZVR5cGUiOjAsIlBhcmVudFN0eWxlIjpudWxsfSwiUGFyZW50U3R5bGUiOm51bGx9LCJEYXRlU3R5bGUiOnsiJGlkIjoiMjMxIiwiRm9udFNldHRpbmdzIjp7IiRpZCI6IjIzMiIsIkZvbnRTaXplIjoxMCwiRm9udE5hbWUiOiJDYWxpYnJpIiwiSXNCb2xkIjpmYWxzZSwiSXNJdGFsaWMiOmZhbHNlLCJJc1VuZGVybGluZWQiOmZhbHNlLCJQYXJlbnRTdHlsZSI6bnVsbH0sIkF1dG9TaXplIjowLCJGb3JlZ3JvdW5kIjp7IiRpZCI6IjIzMyIsIkNvbG9yIjp7IiRpZCI6IjIzNCIsIkEiOjI1NSwiUiI6NjgsIkciOjg0LCJCIjoxMDZ9fSwiTWF4V2lkdGgiOjIwMC4wLCJNYXhIZWlnaHQiOiJJbmZpbml0eSIsIlNtYXJ0Rm9yZWdyb3VuZElzQWN0aXZlIjpmYWxzZSwiSG9yaXpvbnRhbEFsaWdubWVudCI6MSwiVmVydGljYWxBbGlnbm1lbnQiOjAsIlNtYXJ0Rm9yZWdyb3VuZCI6bnVsbCwiQmFja2dyb3VuZEZpbGxUeXBlIjowLCJNYXJnaW4iOnsiJGlkIjoiMjM1IiwiVG9wIjowLCJMZWZ0IjowLCJSaWdodCI6MCwiQm90dG9tIjowfSwiUGFkZGluZyI6eyIkaWQiOiIyMzYiLCJUb3AiOjAsIkxlZnQiOjAsIlJpZ2h0IjowLCJCb3R0b20iOjB9LCJCYWNrZ3JvdW5kIjp7IiRyZWYiOiI4MCJ9LCJJc1Zpc2libGUiOnRydWUsIldpZHRoIjowLjAsIkhlaWdodCI6MC4wLCJCb3JkZXJTdHlsZSI6eyIkaWQiOiIyMzciLCJMaW5lQ29sb3IiOm51bGwsIkxpbmVXZWlnaHQiOjAuMCwiTGluZVR5cGUiOjAsIlBhcmVudFN0eWxlIjpudWxsfSwiUGFyZW50U3R5bGUiOm51bGx9LCJEYXRlRm9ybWF0Ijp7IiRpZCI6IjIzOCIsIkZvcm1hdFN0cmluZyI6Ik1NTSBkIiwiU2VwYXJhdG9yIjoiLyIsIlVzZUludGVybmF0aW9uYWxEYXRlRm9ybWF0IjpmYWxzZSwiRGF0ZUlzVmlzaWJsZSI6dHJ1ZSwiVGltZUlzVmlzaWJsZSI6ZmFsc2UsIkhvdXJEaWdpdHMiOjEsIkFtUG1EZXNpZ25hdG9yIjoyLCJUcmltMDBNaW51dGVzIjpmYWxzZSwiTGFzdEtub3duVmlzaWJpbGl0eVN0YXRlIjpudWxsfSwiSXNWaXNpYmxlIjp0cnVlLCJQYXJlbnRTdHlsZSI6bnVsbH0sIkluZGV4IjozLCJQZXJjZW50YWdlQ29tcGxldGUiOm51bGwsIlBvc2l0aW9uIjp7IlJhdGlvIjowLjAsIklzQ3VzdG9tIjpmYWxzZX0sIkRhdGVGb3JtYXQiOnsiJHJlZiI6IjIzOCJ9LCJSZWxhdGVkVGFza0lkIjoiYjczYWQzODctMjNkOC00ZWI5LTk1NzQtZWRjNGM0NTVjM2IwIiwiSWQiOiJmMTY0NGY0Ni0xYzE1LTRlOWEtODA4ZC0wZjE1NjdhMTlkNjUiLCJJbXBvcnRJZCI6bnVsbCwiVGl0bGUiOiJQaGFzZSAyIiwiTm90ZSI6bnVsbCwiSHlwZXJsaW5rIjp7IiRpZCI6IjIzOSIsIkFkZHJlc3MiOiIiLCJTdWJBZGRyZXNzIjoiIn0sIklzQ2hhbmdlZCI6ZmFsc2UsIklzTmV3IjpmYWxzZX0seyIkaWQiOiIyNDAiLCJEYXRlIjoiMjAyMC0wNy0wNVQxMTo1OTowMCIsIlN0eWxlIjp7IiRpZCI6IjI0MSIsIlNoYXBlIjoxLCJDb25uZWN0b3JNYXJnaW4iOnsiJGlkIjoiMjQyIiwiVG9wIjowLCJMZWZ0IjoyLCJSaWdodCI6MiwiQm90dG9tIjowfSwiQ29ubmVjdG9yU3R5bGUiOnsiJGlkIjoiMjQzIiwiTGluZUNvbG9yIjp7IiRpZCI6IjI0NCIsIiR0eXBlIjoiTkxSRS5Db21tb24uRG9tLlNvbGlkQ29sb3JCcnVzaCwgTkxSRS5Db21tb24iLCJDb2xvciI6eyIkaWQiOiIyNDUiLCJBIjoxMjcsIlIiOjExNSwiRyI6MTE1LCJCIjoxMTV9fSwiTGluZVdlaWdodCI6MS4wLCJMaW5lVHlwZSI6MCwiUGFyZW50U3R5bGUiOm51bGx9LCJJc0JlbG93VGltZWJhbmQiOnRydWUsIlBvc2l0aW9uT25UYXNrIjozLCJIaWRlRGF0ZSI6ZmFsc2UsIlNoYXBlU2l6ZSI6MSwiU3BhY2luZyI6MS4wLCJQYWRkaW5nIjp7IiRpZCI6IjI0NiIsIlRvcCI6NywiTGVmdCI6MywiUmlnaHQiOjAsIkJvdHRvbSI6Mn0sIlNoYXBlU3R5bGUiOnsiJGlkIjoiMjQ3IiwiTWFyZ2luIjp7IiRpZCI6IjI0OCIsIlRvcCI6MCwiTGVmdCI6MCwiUmlnaHQiOjAsIkJvdHRvbSI6MH0sIlBhZGRpbmciOnsiJGlkIjoiMjQ5IiwiVG9wIjowLCJMZWZ0IjowLCJSaWdodCI6MCwiQm90dG9tIjowfSwiQmFja2dyb3VuZCI6eyIkaWQiOiIyNTAiLCJDb2xvciI6eyIkaWQiOiIyNTEiLCJBIjoyNTUsIlIiOjExNSwiRyI6MTE1LCJCIjoxMTV9fSwiSXNWaXNpYmxlIjp0cnVlLCJXaWR0aCI6MTguMCwiSGVpZ2h0IjoyMC4wLCJCb3JkZXJTdHlsZSI6eyIkaWQiOiIyNTIiLCJMaW5lQ29sb3IiOnsiJHJlZiI6IjY1In0sIkxpbmVXZWlnaHQiOjAuMCwiTGluZVR5cGUiOjAsIlBhcmVudFN0eWxlIjpudWxsfSwiUGFyZW50U3R5bGUiOm51bGx9LCJUaXRsZVN0eWxlIjp7IiRpZCI6IjI1MyIsIkZvbnRTZXR0aW5ncyI6eyIkaWQiOiIyNTQiLCJGb250U2l6ZSI6MTEsIkZvbnROYW1lIjoiQ2FsaWJyaSIsIklzQm9sZCI6dHJ1ZSwiSXNJdGFsaWMiOmZhbHNlLCJJc1VuZGVybGluZWQiOmZhbHNlLCJQYXJlbnRTdHlsZSI6bnVsbH0sIkF1dG9TaXplIjowLCJGb3JlZ3JvdW5kIjp7IiRpZCI6IjI1NSIsIkNvbG9yIjp7IiRpZCI6IjI1NiIsIkEiOjI1NSwiUiI6MCwiRyI6MCwiQiI6MH19LCJNYXhXaWR0aCI6MjAwLjAsIk1heEhlaWdodCI6IkluZmluaXR5IiwiU21hcnRGb3JlZ3JvdW5kSXNBY3RpdmUiOmZhbHNlLCJIb3Jpem9udGFsQWxpZ25tZW50IjoxLCJWZXJ0aWNhbEFsaWdubWVudCI6MCwiU21hcnRGb3JlZ3JvdW5kIjpudWxsLCJCYWNrZ3JvdW5kRmlsbFR5cGUiOjAsIk1hcmdpbiI6eyIkaWQiOiIyNTciLCJUb3AiOjAsIkxlZnQiOjAsIlJpZ2h0IjowLCJCb3R0b20iOjB9LCJQYWRkaW5nIjp7IiRpZCI6IjI1OCIsIlRvcCI6MCwiTGVmdCI6MCwiUmlnaHQiOjAsIkJvdHRvbSI6MH0sIkJhY2tncm91bmQiOnsiJHJlZiI6IjczIn0sIklzVmlzaWJsZSI6dHJ1ZSwiV2lkdGgiOjAuMCwiSGVpZ2h0IjowLjAsIkJvcmRlclN0eWxlIjp7IiRpZCI6IjI1OSIsIkxpbmVDb2xvciI6bnVsbCwiTGluZVdlaWdodCI6MC4wLCJMaW5lVHlwZSI6MCwiUGFyZW50U3R5bGUiOm51bGx9LCJQYXJlbnRTdHlsZSI6bnVsbH0sIkRhdGVTdHlsZSI6eyIkaWQiOiIyNjAiLCJGb250U2V0dGluZ3MiOnsiJGlkIjoiMjYxIiwiRm9udFNpemUiOjEwLCJGb250TmFtZSI6IkNhbGlicmkiLCJJc0JvbGQiOmZhbHNlLCJJc0l0YWxpYyI6ZmFsc2UsIklzVW5kZXJsaW5lZCI6ZmFsc2UsIlBhcmVudFN0eWxlIjpudWxsfSwiQXV0b1NpemUiOjAsIkZvcmVncm91bmQiOnsiJGlkIjoiMjYyIiwiQ29sb3IiOnsiJGlkIjoiMjYzIiwiQSI6MjU1LCJSIjo2OCwiRyI6ODQsIkIiOjEwNn19LCJNYXhXaWR0aCI6MjAwLjAsIk1heEhlaWdodCI6IkluZmluaXR5IiwiU21hcnRGb3JlZ3JvdW5kSXNBY3RpdmUiOmZhbHNlLCJIb3Jpem9udGFsQWxpZ25tZW50IjoxLCJWZXJ0aWNhbEFsaWdubWVudCI6MCwiU21hcnRGb3JlZ3JvdW5kIjpudWxsLCJCYWNrZ3JvdW5kRmlsbFR5cGUiOjAsIk1hcmdpbiI6eyIkaWQiOiIyNjQiLCJUb3AiOjAsIkxlZnQiOjAsIlJpZ2h0IjowLCJCb3R0b20iOjB9LCJQYWRkaW5nIjp7IiRpZCI6IjI2NSIsIlRvcCI6MCwiTGVmdCI6MCwiUmlnaHQiOjAsIkJvdHRvbSI6MH0sIkJhY2tncm91bmQiOnsiJHJlZiI6IjgwIn0sIklzVmlzaWJsZSI6dHJ1ZSwiV2lkdGgiOjAuMCwiSGVpZ2h0IjowLjAsIkJvcmRlclN0eWxlIjp7IiRpZCI6IjI2NiIsIkxpbmVDb2xvciI6bnVsbCwiTGluZVdlaWdodCI6MC4wLCJMaW5lVHlwZSI6MCwiUGFyZW50U3R5bGUiOm51bGx9LCJQYXJlbnRTdHlsZSI6bnVsbH0sIkRhdGVGb3JtYXQiOnsiJGlkIjoiMjY3IiwiRm9ybWF0U3RyaW5nIjoiTU1NIGQiLCJTZXBhcmF0b3IiOiIvIiwiVXNlSW50ZXJuYXRpb25hbERhdGVGb3JtYXQiOmZhbHNlLCJEYXRlSXNWaXNpYmxlIjp0cnVlLCJUaW1lSXNWaXNpYmxlIjpmYWxzZSwiSG91ckRpZ2l0cyI6MSwiQW1QbURlc2lnbmF0b3IiOjIsIlRyaW0wME1pbnV0ZXMiOmZhbHNlLCJMYXN0S25vd25WaXNpYmlsaXR5U3RhdGUiOm51bGx9LCJJc1Zpc2libGUiOnRydWUsIlBhcmVudFN0eWxlIjpudWxsfSwiSW5kZXgiOjQsIlBlcmNlbnRhZ2VDb21wbGV0ZSI6bnVsbCwiUG9zaXRpb24iOnsiUmF0aW8iOjAuMCwiSXNDdXN0b20iOmZhbHNlfSwiRGF0ZUZvcm1hdCI6eyIkcmVmIjoiMjY3In0sIlJlbGF0ZWRUYXNrSWQiOiJiNzNhZDM4Ny0yM2Q4LTRlYjktOTU3NC1lZGM0YzQ1NWMzYjAiLCJJZCI6ImMyOWRmMGNjLWMyZWMtNGIzMi1hYmVhLWZmYTlkYzI1OWQzOSIsIkltcG9ydElkIjpudWxsLCJUaXRsZSI6IlBoYXNlIDMiLCJOb3RlIjpudWxsLCJIeXBlcmxpbmsiOnsiJGlkIjoiMjY4IiwiQWRkcmVzcyI6IiIsIlN1YkFkZHJlc3MiOiIifSwiSXNDaGFuZ2VkIjpmYWxzZSwiSXNOZXciOmZhbHNlfV0sIlRhc2tEZWZpbml0aW9uIjp7IiRpZCI6IjI2OSIsIkdyb3VwTmFtZSI6bnVsbCwiU3RhcnREYXRlIjoiMjAxOS0xMi0xNVQwMDowMDowMCIsIkVuZERhdGUiOiIyMDIwLTA5LTE1VDExOjU5OjAwIiwiUGVyY2VudGFnZUNvbXBsZXRlIjpudWxsLCJTdHlsZSI6eyIkaWQiOiIyNzAiLCJTaGFwZSI6MSwiU2hhcGVUaGlja25lc3MiOjEsIkR1cmF0aW9uRm9ybWF0IjowLCJJbmNsdWRlTm9uV29ya2luZ0RheXNJbkR1cmF0aW9uIjpmYWxzZSwiUGVyY2VudGFnZUNvbXBsZXRlU3R5bGUiOnsiJGlkIjoiMjcxIiwiRm9udFNldHRpbmdzIjp7IiRpZCI6IjI3MiIsIkZvbnRTaXplIjoxMCwiRm9udE5hbWUiOiJDYWxpYnJpIiwiSXNCb2xkIjpmYWxzZSwiSXNJdGFsaWMiOmZhbHNlLCJJc1VuZGVybGluZWQiOmZhbHNlLCJQYXJlbnRTdHlsZSI6bnVsbH0sIkF1dG9TaXplIjowLCJGb3JlZ3JvdW5kIjp7IiRyZWYiOiI4NSJ9LCJNYXhXaWR0aCI6MjAwLjAsIk1heEhlaWdodCI6IkluZmluaXR5IiwiU21hcnRGb3JlZ3JvdW5kSXNBY3RpdmUiOmZhbHNlLCJIb3Jpem9udGFsQWxpZ25tZW50IjoxLCJWZXJ0aWNhbEFsaWdubWVudCI6MCwiU21hcnRGb3JlZ3JvdW5kIjpudWxsLCJCYWNrZ3JvdW5kRmlsbFR5cGUiOjAsIk1hcmdpbiI6eyIkaWQiOiIyNzMiLCJUb3AiOjAsIkxlZnQiOjAsIlJpZ2h0IjowLCJCb3R0b20iOjB9LCJQYWRkaW5nIjp7IiRpZCI6IjI3NCIsIlRvcCI6MCwiTGVmdCI6MCwiUmlnaHQiOjAsIkJvdHRvbSI6MH0sIkJhY2tncm91bmQiOnsiJHJlZiI6Ijg5In0sIklzVmlzaWJsZSI6dHJ1ZSwiV2lkdGgiOjAuMCwiSGVpZ2h0IjowLjAsIkJvcmRlclN0eWxlIjp7IiRpZCI6IjI3NSIsIkxpbmVDb2xvciI6bnVsbCwiTGluZVdlaWdodCI6MC4wLCJMaW5lVHlwZSI6MCwiUGFyZW50U3R5bGUiOm51bGx9LCJQYXJlbnRTdHlsZSI6bnVsbH0sIkR1cmF0aW9uU3R5bGUiOnsiJGlkIjoiMjc2IiwiRm9udFNldHRpbmdzIjp7IiRpZCI6IjI3NyIsIkZvbnRTaXplIjoxMCwiRm9udE5hbWUiOiJDYWxpYnJpIiwiSXNCb2xkIjpmYWxzZSwiSXNJdGFsaWMiOmZhbHNlLCJJc1VuZGVybGluZWQiOmZhbHNlLCJQYXJlbnRTdHlsZSI6bnVsbH0sIkF1dG9TaXplIjowLCJGb3JlZ3JvdW5kIjp7IiRpZCI6IjI3OCIsIkNvbG9yIjp7IiRyZWYiOiI5MyJ9fSwiTWF4V2lkdGgiOjIwMC4wLCJNYXhIZWlnaHQiOiJJbmZpbml0eSIsIlNtYXJ0Rm9yZWdyb3VuZElzQWN0aXZlIjpmYWxzZSwiSG9yaXpvbnRhbEFsaWdubWVudCI6MCwiVmVydGljYWxBbGlnbm1lbnQiOjAsIlNtYXJ0Rm9yZWdyb3VuZCI6bnVsbCwiQmFja2dyb3VuZEZpbGxUeXBlIjowLCJNYXJnaW4iOnsiJGlkIjoiMjc5IiwiVG9wIjowLCJMZWZ0IjowLCJSaWdodCI6MCwiQm90dG9tIjowfSwiUGFkZGluZyI6eyIkaWQiOiIyODAiLCJUb3AiOjAsIkxlZnQiOjAsIlJpZ2h0IjowLCJCb3R0b20iOjB9LCJCYWNrZ3JvdW5kIjp7IiRyZWYiOiI5NiJ9LCJJc1Zpc2libGUiOnRydWUsIldpZHRoIjowLjAsIkhlaWdodCI6MC4wLCJCb3JkZXJTdHlsZSI6eyIkaWQiOiIyODEiLCJMaW5lQ29sb3IiOm51bGwsIkxpbmVXZWlnaHQiOjAuMCwiTGluZVR5cGUiOjAsIlBhcmVudFN0eWxlIjpudWxsfSwiUGFyZW50U3R5bGUiOm51bGx9LCJIb3Jpem9udGFsQ29ubmVjdG9yU3R5bGUiOnsiJGlkIjoiMjgyIiwiTGluZUNvbG9yIjp7IiRyZWYiOiI5OCJ9LCJMaW5lV2VpZ2h0IjoxLjAsIkxpbmVUeXBlIjowLCJQYXJlbnRTdHlsZSI6bnVsbH0sIlZlcnRpY2FsQ29ubmVjdG9yU3R5bGUiOnsiJGlkIjoiMjgzIiwiTGluZUNvbG9yIjp7IiRyZWYiOiIxMDEifSwiTGluZVdlaWdodCI6MC4wLCJMaW5lVHlwZSI6MCwiUGFyZW50U3R5bGUiOm51bGx9LCJNYXJnaW4iOm51bGwsIlN0YXJ0RGF0ZVBvc2l0aW9uIjo2LCJFbmREYXRlUG9zaXRpb24iOjYsIkRhdGVJc1Zpc2libGUiOmZhbHNlLCJUaXRsZVBvc2l0aW9uIjoyLCJEdXJhdGlvblBvc2l0aW9uIjo2LCJQZXJjZW50YWdlQ29tcGxldGVkUG9zaXRpb24iOjIsIlNwYWNpbmciOjMsIklzQmVsb3dUaW1lYmFuZCI6dHJ1ZSwiUGVyY2VudGFnZUNvbXBsZXRlU2hhcGVPcGFjaXR5IjozNSwiU2hhcGVTdHlsZSI6eyIkaWQiOiIyODQiLCJNYXJnaW4iOnsiJGlkIjoiMjg1IiwiVG9wIjowLCJMZWZ0Ijo0LCJSaWdodCI6NCwiQm90dG9tIjowfSwiUGFkZGluZyI6eyIkaWQiOiIyODYiLCJUb3AiOjAsIkxlZnQiOjAsIlJpZ2h0IjowLCJCb3R0b20iOjB9LCJCYWNrZ3JvdW5kIjp7IiRpZCI6IjI4NyIsIkNvbG9yIjp7IiRpZCI6IjI4OCIsIkEiOjI1NSwiUiI6ODYsIkciOjIwNywiQiI6MjE5fX0sIklzVmlzaWJsZSI6dHJ1ZSwiV2lkdGgiOjAuMCwiSGVpZ2h0IjoxNi4wLCJCb3JkZXJTdHlsZSI6eyIkaWQiOiIyODkiLCJMaW5lQ29sb3IiOnsiJGlkIjoiMjkwIiwiJHR5cGUiOiJOTFJFLkNvbW1vbi5Eb20uU29saWRDb2xvckJydXNoLCBOTFJFLkNvbW1vbiIsIkNvbG9yIjp7IiRpZCI6IjI5MSIsIkEiOjI1NSwiUiI6MjU1LCJHIjowLCJCIjowfX0sIkxpbmVXZWlnaHQiOjAuMCwiTGluZVR5cGUiOjAsIlBhcmVudFN0eWxlIjpudWxsfSwiUGFyZW50U3R5bGUiOm51bGx9LCJUaXRsZVN0eWxlIjp7IiRpZCI6IjI5MiIsIkZvbnRTZXR0aW5ncyI6eyIkaWQiOiIyOTMiLCJGb250U2l6ZSI6MTEsIkZvbnROYW1lIjoiQ2FsaWJyaSIsIklzQm9sZCI6ZmFsc2UsIklzSXRhbGljIjpmYWxzZSwiSXNVbmRlcmxpbmVkIjpmYWxzZSwiUGFyZW50U3R5bGUiOm51bGx9LCJBdXRvU2l6ZSI6MiwiRm9yZWdyb3VuZCI6eyIkaWQiOiIyOTQiLCJDb2xvciI6eyIkaWQiOiIyOTUiLCJBIjoyNTUsIlIiOjI1NSwiRyI6MjU1LCJCIjoyNTV9fSwiTWF4V2lkdGgiOjc3LjI0NjY2NjY2NjY2NjY3LCJNYXhIZWlnaHQiOiJJbmZpbml0eSIsIlNtYXJ0Rm9yZWdyb3VuZElzQWN0aXZlIjpmYWxzZSwiSG9yaXpvbnRhbEFsaWdubWVudCI6MSwiVmVydGljYWxBbGlnbm1lbnQiOjAsIlNtYXJ0Rm9yZWdyb3VuZCI6bnVsbCwiQmFja2dyb3VuZEZpbGxUeXBlIjowLCJNYXJnaW4iOnsiJGlkIjoiMjk2IiwiVG9wIjowLCJMZWZ0IjowLCJSaWdodCI6MCwiQm90dG9tIjowfSwiUGFkZGluZyI6eyIkaWQiOiIyOTciLCJUb3AiOjAsIkxlZnQiOjAsIlJpZ2h0IjowLCJCb3R0b20iOjB9LCJCYWNrZ3JvdW5kIjp7IiRyZWYiOiIxMTcifSwiSXNWaXNpYmxlIjp0cnVlLCJXaWR0aCI6MC4wLCJIZWlnaHQiOjAuMCwiQm9yZGVyU3R5bGUiOnsiJGlkIjoiMjk4IiwiTGluZUNvbG9yIjpudWxsLCJMaW5lV2VpZ2h0IjowLjAsIkxpbmVUeXBlIjowLCJQYXJlbnRTdHlsZSI6bnVsbH0sIlBhcmVudFN0eWxlIjpudWxsfSwiRGF0ZVN0eWxlIjp7IiRpZCI6IjI5OSIsIkZvbnRTZXR0aW5ncyI6eyIkaWQiOiIzMDAiLCJGb250U2l6ZSI6MTAsIkZvbnROYW1lIjoiQ2FsaWJyaSIsIklzQm9sZCI6ZmFsc2UsIklzSXRhbGljIjpmYWxzZSwiSXNVbmRlcmxpbmVkIjpmYWxzZSwiUGFyZW50U3R5bGUiOm51bGx9LCJBdXRvU2l6ZSI6MCwiRm9yZWdyb3VuZCI6eyIkaWQiOiIzMDEiLCJDb2xvciI6eyIkcmVmIjoiMTIxIn19LCJNYXhXaWR0aCI6MjAwLjAsIk1heEhlaWdodCI6IkluZmluaXR5IiwiU21hcnRGb3JlZ3JvdW5kSXNBY3RpdmUiOmZhbHNlLCJIb3Jpem9udGFsQWxpZ25tZW50IjowLCJWZXJ0aWNhbEFsaWdubWVudCI6MCwiU21hcnRGb3JlZ3JvdW5kIjpudWxsLCJCYWNrZ3JvdW5kRmlsbFR5cGUiOjAsIk1hcmdpbiI6eyIkaWQiOiIzMDIiLCJUb3AiOjAsIkxlZnQiOjAsIlJpZ2h0IjowLCJCb3R0b20iOjB9LCJQYWRkaW5nIjp7IiRpZCI6IjMwMyIsIlRvcCI6MCwiTGVmdCI6MCwiUmlnaHQiOjAsIkJvdHRvbSI6MH0sIkJhY2tncm91bmQiOnsiJHJlZiI6IjEyNCJ9LCJJc1Zpc2libGUiOnRydWUsIldpZHRoIjowLjAsIkhlaWdodCI6MC4wLCJCb3JkZXJTdHlsZSI6eyIkaWQiOiIzMDQiLCJMaW5lQ29sb3IiOm51bGwsIkxpbmVXZWlnaHQiOjAuMCwiTGluZVR5cGUiOjAsIlBhcmVudFN0eWxlIjpudWxsfSwiUGFyZW50U3R5bGUiOm51bGx9LCJEYXRlRm9ybWF0Ijp7IiRpZCI6IjMwNSIsIkZvcm1hdFN0cmluZyI6Ik1NTSBkIiwiU2VwYXJhdG9yIjoiLyIsIlVzZUludGVybmF0aW9uYWxEYXRlRm9ybWF0IjpmYWxzZSwiRGF0ZUlzVmlzaWJsZSI6ZmFsc2UsIlRpbWVJc1Zpc2libGUiOmZhbHNlLCJIb3VyRGlnaXRzIjoxLCJBbVBtRGVzaWduYXRvciI6MiwiVHJpbTAwTWludXRlcyI6ZmFsc2UsIkxhc3RLbm93blZpc2liaWxpdHlTdGF0ZSI6eyIkaWQiOiIzMDYiLCJEYXRlUGFydElzVmlzaWJsZSI6dHJ1ZSwiVGltZVBhcnRJc1Zpc2libGUiOmZhbHNlfX0sIklzVmlzaWJsZSI6dHJ1ZSwiUGFyZW50U3R5bGUiOm51bGx9LCJJbmRleCI6MSwiU21hcnREdXJhdGlvbkFjdGl2YXRlZCI6ZmFsc2UsIkRhdGVGb3JtYXQiOnsiJHJlZiI6IjMwNSJ9LCJJZCI6ImI3M2FkMzg3LTIzZDgtNGViOS05NTc0LWVkYzRjNDU1YzNiMCIsIkltcG9ydElkIjpudWxsLCJUaXRsZSI6IlN5c3RlbSBCYWxhbmNpbmciLCJOb3RlIjpudWxsLCJIeXBlcmxpbmsiOnsiJGlkIjoiMzA3IiwiQWRkcmVzcyI6IiIsIlN1YkFkZHJlc3MiOiIifSwiSXNDaGFuZ2VkIjpmYWxzZSwiSXNOZXciOmZhbHNlfSwiSW5kZXgiOjB9LHsiJGlkIjoiMzA4IiwiX2F0dGFjaGVkTWlsZXN0b25lcyI6W10sIlRhc2tEZWZpbml0aW9uIjp7IiRpZCI6IjMwOSIsIkdyb3VwTmFtZSI6IjcwMDM5MjE5LWNkMTQtNGM0OC1hYzkwLTFmZmM0YTI1MTAwMSIsIlN0YXJ0RGF0ZSI6IjIwMTktMDgtMjBUMDA6MDA6MDAiLCJFbmREYXRlIjoiMjAxOS0xMS0yM1QxMTo1OTowMCIsIlBlcmNlbnRhZ2VDb21wbGV0ZSI6ODUuMCwiU3R5bGUiOnsiJGlkIjoiMzEwIiwiU2hhcGUiOjQsIlNoYXBlVGhpY2tuZXNzIjoxLCJEdXJhdGlvbkZvcm1hdCI6MCwiSW5jbHVkZU5vbldvcmtpbmdEYXlzSW5EdXJhdGlvbiI6ZmFsc2UsIlBlcmNlbnRhZ2VDb21wbGV0ZVN0eWxlIjp7IiRpZCI6IjMxMSIsIkZvbnRTZXR0aW5ncyI6eyIkaWQiOiIzMTIiLCJGb250U2l6ZSI6MTAsIkZvbnROYW1lIjoiQ2FsaWJyaSIsIklzQm9sZCI6ZmFsc2UsIklzSXRhbGljIjpmYWxzZSwiSXNVbmRlcmxpbmVkIjpmYWxzZSwiUGFyZW50U3R5bGUiOm51bGx9LCJBdXRvU2l6ZSI6MCwiRm9yZWdyb3VuZCI6eyIkaWQiOiIzMTMiLCJDb2xvciI6eyIkaWQiOiIzMTQiLCJBIjoyNTUsIlIiOjE5MiwiRyI6ODAsIkIiOjc3fX0sIk1heFdpZHRoIjoyMDAuMCwiTWF4SGVpZ2h0IjoiSW5maW5pdHkiLCJTbWFydEZvcmVncm91bmRJc0FjdGl2ZSI6ZmFsc2UsIkhvcml6b250YWxBbGlnbm1lbnQiOjEsIlZlcnRpY2FsQWxpZ25tZW50IjowLCJTbWFydEZvcmVncm91bmQiOm51bGwsIkJhY2tncm91bmRGaWxsVHlwZSI6MCwiTWFyZ2luIjp7IiRpZCI6IjMxNSIsIlRvcCI6MCwiTGVmdCI6MCwiUmlnaHQiOjAsIkJvdHRvbSI6MH0sIlBhZGRpbmciOnsiJGlkIjoiMzE2IiwiVG9wIjowLCJMZWZ0IjowLCJSaWdodCI6MCwiQm90dG9tIjowfSwiQmFja2dyb3VuZCI6eyIkcmVmIjoiODkifSwiSXNWaXNpYmxlIjp0cnVlLCJXaWR0aCI6MC4wLCJIZWlnaHQiOjAuMCwiQm9yZGVyU3R5bGUiOnsiJGlkIjoiMzE3IiwiTGluZUNvbG9yIjpudWxsLCJMaW5lV2VpZ2h0IjowLjAsIkxpbmVUeXBlIjowLCJQYXJlbnRTdHlsZSI6bnVsbH0sIlBhcmVudFN0eWxlIjpudWxsfSwiRHVyYXRpb25TdHlsZSI6eyIkaWQiOiIzMTgiLCJGb250U2V0dGluZ3MiOnsiJGlkIjoiMzE5IiwiRm9udFNpemUiOjEwLCJGb250TmFtZSI6IkNhbGlicmkiLCJJc0JvbGQiOmZhbHNlLCJJc0l0YWxpYyI6ZmFsc2UsIklzVW5kZXJsaW5lZCI6ZmFsc2UsIlBhcmVudFN0eWxlIjpudWxsfSwiQXV0b1NpemUiOjAsIkZvcmVncm91bmQiOnsiJGlkIjoiMzIwIiwiQ29sb3IiOnsiJHJlZiI6IjkzIn19LCJNYXhXaWR0aCI6MjAwLjAsIk1heEhlaWdodCI6IkluZmluaXR5IiwiU21hcnRGb3JlZ3JvdW5kSXNBY3RpdmUiOmZhbHNlLCJIb3Jpem9udGFsQWxpZ25tZW50IjowLCJWZXJ0aWNhbEFsaWdubWVudCI6MCwiU21hcnRGb3JlZ3JvdW5kIjpudWxsLCJCYWNrZ3JvdW5kRmlsbFR5cGUiOjAsIk1hcmdpbiI6eyIkaWQiOiIzMjEiLCJUb3AiOjAsIkxlZnQiOjAsIlJpZ2h0IjowLCJCb3R0b20iOjB9LCJQYWRkaW5nIjp7IiRpZCI6IjMyMiIsIlRvcCI6MCwiTGVmdCI6MCwiUmlnaHQiOjAsIkJvdHRvbSI6MH0sIkJhY2tncm91bmQiOnsiJHJlZiI6Ijk2In0sIklzVmlzaWJsZSI6dHJ1ZSwiV2lkdGgiOjAuMCwiSGVpZ2h0IjowLjAsIkJvcmRlclN0eWxlIjp7IiRpZCI6IjMyMyIsIkxpbmVDb2xvciI6bnVsbCwiTGluZVdlaWdodCI6MC4wLCJMaW5lVHlwZSI6MCwiUGFyZW50U3R5bGUiOm51bGx9LCJQYXJlbnRTdHlsZSI6bnVsbH0sIkhvcml6b250YWxDb25uZWN0b3JTdHlsZSI6eyIkaWQiOiIzMjQiLCJMaW5lQ29sb3IiOnsiJHJlZiI6Ijk4In0sIkxpbmVXZWlnaHQiOjEuMCwiTGluZVR5cGUiOjAsIlBhcmVudFN0eWxlIjpudWxsfSwiVmVydGljYWxDb25uZWN0b3JTdHlsZSI6eyIkaWQiOiIzMjUiLCJMaW5lQ29sb3IiOnsiJHJlZiI6IjEwMSJ9LCJMaW5lV2VpZ2h0IjowLjAsIkxpbmVUeXBlIjowLCJQYXJlbnRTdHlsZSI6bnVsbH0sIk1hcmdpbiI6bnVsbCwiU3RhcnREYXRlUG9zaXRpb24iOjYsIkVuZERhdGVQb3NpdGlvbiI6NiwiRGF0ZUlzVmlzaWJsZSI6ZmFsc2UsIlRpdGxlUG9zaXRpb24iOjIsIkR1cmF0aW9uUG9zaXRpb24iOjYsIlBlcmNlbnRhZ2VDb21wbGV0ZWRQb3NpdGlvbiI6MiwiU3BhY2luZyI6MywiSXNCZWxvd1RpbWViYW5kIjp0cnVlLCJQZXJjZW50YWdlQ29tcGxldGVTaGFwZU9wYWNpdHkiOjM1LCJTaGFwZVN0eWxlIjp7IiRpZCI6IjMyNiIsIk1hcmdpbiI6eyIkaWQiOiIzMjciLCJUb3AiOjAsIkxlZnQiOjQsIlJpZ2h0Ijo0LCJCb3R0b20iOjB9LCJQYWRkaW5nIjp7IiRpZCI6IjMyOCIsIlRvcCI6MCwiTGVmdCI6MCwiUmlnaHQiOjAsIkJvdHRvbSI6MH0sIkJhY2tncm91bmQiOnsiJGlkIjoiMzI5IiwiQ29sb3IiOnsiJGlkIjoiMzMwIiwiQSI6MjU1LCJSIjo4NiwiRyI6MjA3LCJCIjoyMTl9fSwiSXNWaXNpYmxlIjp0cnVlLCJXaWR0aCI6MC4wLCJIZWlnaHQiOjE2LjAsIkJvcmRlclN0eWxlIjp7IiRpZCI6IjMzMSIsIkxpbmVDb2xvciI6eyIkaWQiOiIzMzIiLCIkdHlwZSI6Ik5MUkUuQ29tbW9uLkRvbS5Tb2xpZENvbG9yQnJ1c2gsIE5MUkUuQ29tbW9uIiwiQ29sb3IiOnsiJGlkIjoiMzMzIiwiQSI6MjU1LCJSIjoyNTUsIkciOjAsIkIiOjB9fSwiTGluZVdlaWdodCI6MC4wLCJMaW5lVHlwZSI6MCwiUGFyZW50U3R5bGUiOm51bGx9LCJQYXJlbnRTdHlsZSI6bnVsbH0sIlRpdGxlU3R5bGUiOnsiJGlkIjoiMzM0IiwiRm9udFNldHRpbmdzIjp7IiRpZCI6IjMzNSIsIkZvbnRTaXplIjoxMSwiRm9udE5hbWUiOiJDYWxpYnJpIiwiSXNCb2xkIjpmYWxzZSwiSXNJdGFsaWMiOmZhbHNlLCJJc1VuZGVybGluZWQiOmZhbHNlLCJQYXJlbnRTdHlsZSI6bnVsbH0sIkF1dG9TaXplIjowLCJGb3JlZ3JvdW5kIjp7IiRpZCI6IjMzNiIsIkNvbG9yIjp7IiRpZCI6IjMzNyIsIkEiOjI1NSwiUiI6MjU1LCJHIjoyNTUsIkIiOjI1NX19LCJNYXhXaWR0aCI6OTYwLjAsIk1heEhlaWdodCI6IkluZmluaXR5IiwiU21hcnRGb3JlZ3JvdW5kSXNBY3RpdmUiOmZhbHNlLCJIb3Jpem9udGFsQWxpZ25tZW50IjoxLCJWZXJ0aWNhbEFsaWdubWVudCI6MCwiU21hcnRGb3JlZ3JvdW5kIjpudWxsLCJCYWNrZ3JvdW5kRmlsbFR5cGUiOjAsIk1hcmdpbiI6eyIkaWQiOiIzMzgiLCJUb3AiOjAsIkxlZnQiOjAsIlJpZ2h0IjowLCJCb3R0b20iOjB9LCJQYWRkaW5nIjp7IiRpZCI6IjMzOSIsIlRvcCI6MCwiTGVmdCI6MCwiUmlnaHQiOjAsIkJvdHRvbSI6MH0sIkJhY2tncm91bmQiOnsiJHJlZiI6IjExNyJ9LCJJc1Zpc2libGUiOnRydWUsIldpZHRoIjowLjAsIkhlaWdodCI6MC4wLCJCb3JkZXJTdHlsZSI6eyIkaWQiOiIzNDAiLCJMaW5lQ29sb3IiOm51bGwsIkxpbmVXZWlnaHQiOjAuMCwiTGluZVR5cGUiOjAsIlBhcmVudFN0eWxlIjpudWxsfSwiUGFyZW50U3R5bGUiOm51bGx9LCJEYXRlU3R5bGUiOnsiJGlkIjoiMzQxIiwiRm9udFNldHRpbmdzIjp7IiRpZCI6IjM0MiIsIkZvbnRTaXplIjoxMCwiRm9udE5hbWUiOiJDYWxpYnJpIiwiSXNCb2xkIjpmYWxzZSwiSXNJdGFsaWMiOmZhbHNlLCJJc1VuZGVybGluZWQiOmZhbHNlLCJQYXJlbnRTdHlsZSI6bnVsbH0sIkF1dG9TaXplIjowLCJGb3JlZ3JvdW5kIjp7IiRpZCI6IjM0MyIsIkNvbG9yIjp7IiRyZWYiOiIxMjEifX0sIk1heFdpZHRoIjoyMDAuMCwiTWF4SGVpZ2h0IjoiSW5maW5pdHkiLCJTbWFydEZvcmVncm91bmRJc0FjdGl2ZSI6ZmFsc2UsIkhvcml6b250YWxBbGlnbm1lbnQiOjAsIlZlcnRpY2FsQWxpZ25tZW50IjowLCJTbWFydEZvcmVncm91bmQiOm51bGwsIkJhY2tncm91bmRGaWxsVHlwZSI6MCwiTWFyZ2luIjp7IiRpZCI6IjM0NCIsIlRvcCI6MCwiTGVmdCI6MCwiUmlnaHQiOjAsIkJvdHRvbSI6MH0sIlBhZGRpbmciOnsiJGlkIjoiMzQ1IiwiVG9wIjowLCJMZWZ0IjowLCJSaWdodCI6MCwiQm90dG9tIjowfSwiQmFja2dyb3VuZCI6eyIkcmVmIjoiMTI0In0sIklzVmlzaWJsZSI6dHJ1ZSwiV2lkdGgiOjAuMCwiSGVpZ2h0IjowLjAsIkJvcmRlclN0eWxlIjp7IiRpZCI6IjM0NiIsIkxpbmVDb2xvciI6bnVsbCwiTGluZVdlaWdodCI6MC4wLCJMaW5lVHlwZSI6MCwiUGFyZW50U3R5bGUiOm51bGx9LCJQYXJlbnRTdHlsZSI6bnVsbH0sIkRhdGVGb3JtYXQiOnsiJGlkIjoiMzQ3IiwiRm9ybWF0U3RyaW5nIjoiTU1NIGQiLCJTZXBhcmF0b3IiOiIvIiwiVXNlSW50ZXJuYXRpb25hbERhdGVGb3JtYXQiOmZhbHNlLCJEYXRlSXNWaXNpYmxlIjpmYWxzZSwiVGltZUlzVmlzaWJsZSI6ZmFsc2UsIkhvdXJEaWdpdHMiOjEsIkFtUG1EZXNpZ25hdG9yIjoyLCJUcmltMDBNaW51dGVzIjpmYWxzZSwiTGFzdEtub3duVmlzaWJpbGl0eVN0YXRlIjp7IiRpZCI6IjM0OCIsIkRhdGVQYXJ0SXNWaXNpYmxlIjp0cnVlLCJUaW1lUGFydElzVmlzaWJsZSI6ZmFsc2V9fSwiSXNWaXNpYmxlIjp0cnVlLCJQYXJlbnRTdHlsZSI6bnVsbH0sIkluZGV4Ijo1LCJTbWFydER1cmF0aW9uQWN0aXZhdGVkIjpmYWxzZSwiRGF0ZUZvcm1hdCI6eyIkcmVmIjoiMzQ3In0sIklkIjoiMWZiNWM5YmUtYThkNy00OTFlLTkzYWItMTA5NDA0YTBhOTFiIiwiSW1wb3J0SWQiOm51bGwsIlRpdGxlIjoiQ29uc3VtcHRpb24gTWV0cmljcyAiLCJOb3RlIjpudWxsLCJIeXBlcmxpbmsiOnsiJGlkIjoiMzQ5IiwiQWRkcmVzcyI6IiIsIlN1YkFkZHJlc3MiOiIifSwiSXNDaGFuZ2VkIjpmYWxzZSwiSXNOZXciOmZhbHNlfSwiSW5kZXgiOjB9LHsiJGlkIjoiMzUwIiwiX2F0dGFjaGVkTWlsZXN0b25lcyI6W10sIlRhc2tEZWZpbml0aW9uIjp7IiRpZCI6IjM1MSIsIkdyb3VwTmFtZSI6IjcwMDM5MjE5LWNkMTQtNGM0OC1hYzkwLTFmZmM0YTI1MTAwMSIsIlN0YXJ0RGF0ZSI6IjIwMjAtMDItMThUMDA6MDA6MDAiLCJFbmREYXRlIjoiMjAyMC0wNC0wNFQxMTo1OTowMCIsIlBlcmNlbnRhZ2VDb21wbGV0ZSI6bnVsbCwiU3R5bGUiOnsiJGlkIjoiMzUyIiwiU2hhcGUiOjEsIlNoYXBlVGhpY2tuZXNzIjoxLCJEdXJhdGlvbkZvcm1hdCI6MCwiSW5jbHVkZU5vbldvcmtpbmdEYXlzSW5EdXJhdGlvbiI6ZmFsc2UsIlBlcmNlbnRhZ2VDb21wbGV0ZVN0eWxlIjp7IiRpZCI6IjM1MyIsIkZvbnRTZXR0aW5ncyI6eyIkaWQiOiIzNTQiLCJGb250U2l6ZSI6MTAsIkZvbnROYW1lIjoiQ2FsaWJyaSIsIklzQm9sZCI6ZmFsc2UsIklzSXRhbGljIjpmYWxzZSwiSXNVbmRlcmxpbmVkIjpmYWxzZSwiUGFyZW50U3R5bGUiOm51bGx9LCJBdXRvU2l6ZSI6MCwiRm9yZWdyb3VuZCI6eyIkcmVmIjoiODUifSwiTWF4V2lkdGgiOjIwMC4wLCJNYXhIZWlnaHQiOiJJbmZpbml0eSIsIlNtYXJ0Rm9yZWdyb3VuZElzQWN0aXZlIjpmYWxzZSwiSG9yaXpvbnRhbEFsaWdubWVudCI6MSwiVmVydGljYWxBbGlnbm1lbnQiOjAsIlNtYXJ0Rm9yZWdyb3VuZCI6bnVsbCwiQmFja2dyb3VuZEZpbGxUeXBlIjowLCJNYXJnaW4iOnsiJGlkIjoiMzU1IiwiVG9wIjowLCJMZWZ0IjowLCJSaWdodCI6MCwiQm90dG9tIjowfSwiUGFkZGluZyI6eyIkaWQiOiIzNTYiLCJUb3AiOjAsIkxlZnQiOjAsIlJpZ2h0IjowLCJCb3R0b20iOjB9LCJCYWNrZ3JvdW5kIjp7IiRyZWYiOiI4OSJ9LCJJc1Zpc2libGUiOnRydWUsIldpZHRoIjowLjAsIkhlaWdodCI6MC4wLCJCb3JkZXJTdHlsZSI6eyIkaWQiOiIzNTciLCJMaW5lQ29sb3IiOm51bGwsIkxpbmVXZWlnaHQiOjAuMCwiTGluZVR5cGUiOjAsIlBhcmVudFN0eWxlIjpudWxsfSwiUGFyZW50U3R5bGUiOm51bGx9LCJEdXJhdGlvblN0eWxlIjp7IiRpZCI6IjM1OCIsIkZvbnRTZXR0aW5ncyI6eyIkaWQiOiIzNTkiLCJGb250U2l6ZSI6MTAsIkZvbnROYW1lIjoiQ2FsaWJyaSIsIklzQm9sZCI6ZmFsc2UsIklzSXRhbGljIjpmYWxzZSwiSXNVbmRlcmxpbmVkIjpmYWxzZSwiUGFyZW50U3R5bGUiOm51bGx9LCJBdXRvU2l6ZSI6MCwiRm9yZWdyb3VuZCI6eyIkaWQiOiIzNjAiLCJDb2xvciI6eyIkcmVmIjoiOTMifX0sIk1heFdpZHRoIjoyMDAuMCwiTWF4SGVpZ2h0IjoiSW5maW5pdHkiLCJTbWFydEZvcmVncm91bmRJc0FjdGl2ZSI6ZmFsc2UsIkhvcml6b250YWxBbGlnbm1lbnQiOjAsIlZlcnRpY2FsQWxpZ25tZW50IjowLCJTbWFydEZvcmVncm91bmQiOm51bGwsIkJhY2tncm91bmRGaWxsVHlwZSI6MCwiTWFyZ2luIjp7IiRpZCI6IjM2MSIsIlRvcCI6MCwiTGVmdCI6MCwiUmlnaHQiOjAsIkJvdHRvbSI6MH0sIlBhZGRpbmciOnsiJGlkIjoiMzYyIiwiVG9wIjowLCJMZWZ0IjowLCJSaWdodCI6MCwiQm90dG9tIjowfSwiQmFja2dyb3VuZCI6eyIkcmVmIjoiOTYifSwiSXNWaXNpYmxlIjp0cnVlLCJXaWR0aCI6MC4wLCJIZWlnaHQiOjAuMCwiQm9yZGVyU3R5bGUiOnsiJGlkIjoiMzYzIiwiTGluZUNvbG9yIjpudWxsLCJMaW5lV2VpZ2h0IjowLjAsIkxpbmVUeXBlIjowLCJQYXJlbnRTdHlsZSI6bnVsbH0sIlBhcmVudFN0eWxlIjpudWxsfSwiSG9yaXpvbnRhbENvbm5lY3RvclN0eWxlIjp7IiRpZCI6IjM2NCIsIkxpbmVDb2xvciI6eyIkcmVmIjoiOTgifSwiTGluZVdlaWdodCI6MS4wLCJMaW5lVHlwZSI6MCwiUGFyZW50U3R5bGUiOm51bGx9LCJWZXJ0aWNhbENvbm5lY3RvclN0eWxlIjp7IiRpZCI6IjM2NSIsIkxpbmVDb2xvciI6eyIkcmVmIjoiMTAxIn0sIkxpbmVXZWlnaHQiOjAuMCwiTGluZVR5cGUiOjAsIlBhcmVudFN0eWxlIjpudWxsfSwiTWFyZ2luIjpudWxsLCJTdGFydERhdGVQb3NpdGlvbiI6NiwiRW5kRGF0ZVBvc2l0aW9uIjo2LCJEYXRlSXNWaXNpYmxlIjpmYWxzZSwiVGl0bGVQb3NpdGlvbiI6MiwiRHVyYXRpb25Qb3NpdGlvbiI6NiwiUGVyY2VudGFnZUNvbXBsZXRlZFBvc2l0aW9uIjoyLCJTcGFjaW5nIjozLCJJc0JlbG93VGltZWJhbmQiOnRydWUsIlBlcmNlbnRhZ2VDb21wbGV0ZVNoYXBlT3BhY2l0eSI6MzUsIlNoYXBlU3R5bGUiOnsiJGlkIjoiMzY2IiwiTWFyZ2luIjp7IiRpZCI6IjM2NyIsIlRvcCI6MCwiTGVmdCI6NCwiUmlnaHQiOjQsIkJvdHRvbSI6MH0sIlBhZGRpbmciOnsiJGlkIjoiMzY4IiwiVG9wIjowLCJMZWZ0IjowLCJSaWdodCI6MCwiQm90dG9tIjowfSwiQmFja2dyb3VuZCI6eyIkaWQiOiIzNjkiLCJDb2xvciI6eyIkaWQiOiIzNzAiLCJBIjoyNTUsIlIiOjg2LCJHIjoyMDcsIkIiOjIxOX19LCJJc1Zpc2libGUiOnRydWUsIldpZHRoIjowLjAsIkhlaWdodCI6MTYuMCwiQm9yZGVyU3R5bGUiOnsiJGlkIjoiMzcxIiwiTGluZUNvbG9yIjp7IiRpZCI6IjM3MiIsIiR0eXBlIjoiTkxSRS5Db21tb24uRG9tLlNvbGlkQ29sb3JCcnVzaCwgTkxSRS5Db21tb24iLCJDb2xvciI6eyIkaWQiOiIzNzMiLCJBIjoyNTUsIlIiOjI1NSwiRyI6MCwiQiI6MH19LCJMaW5lV2VpZ2h0IjowLjAsIkxpbmVUeXBlIjowLCJQYXJlbnRTdHlsZSI6bnVsbH0sIlBhcmVudFN0eWxlIjpudWxsfSwiVGl0bGVTdHlsZSI6eyIkaWQiOiIzNzQiLCJGb250U2V0dGluZ3MiOnsiJGlkIjoiMzc1IiwiRm9udFNpemUiOjExLCJGb250TmFtZSI6IkNhbGlicmkiLCJJc0JvbGQiOmZhbHNlLCJJc0l0YWxpYyI6ZmFsc2UsIklzVW5kZXJsaW5lZCI6ZmFsc2UsIlBhcmVudFN0eWxlIjpudWxsfSwiQXV0b1NpemUiOjAsIkZvcmVncm91bmQiOnsiJGlkIjoiMzc2IiwiQ29sb3IiOnsiJGlkIjoiMzc3IiwiQSI6MjU1LCJSIjoyNTUsIkciOjI1NSwiQiI6MjU1fX0sIk1heFdpZHRoIjo5NjAuMCwiTWF4SGVpZ2h0IjoiSW5maW5pdHkiLCJTbWFydEZvcmVncm91bmRJc0FjdGl2ZSI6ZmFsc2UsIkhvcml6b250YWxBbGlnbm1lbnQiOjEsIlZlcnRpY2FsQWxpZ25tZW50IjowLCJTbWFydEZvcmVncm91bmQiOm51bGwsIkJhY2tncm91bmRGaWxsVHlwZSI6MCwiTWFyZ2luIjp7IiRpZCI6IjM3OCIsIlRvcCI6MCwiTGVmdCI6MCwiUmlnaHQiOjAsIkJvdHRvbSI6MH0sIlBhZGRpbmciOnsiJGlkIjoiMzc5IiwiVG9wIjowLCJMZWZ0IjowLCJSaWdodCI6MCwiQm90dG9tIjowfSwiQmFja2dyb3VuZCI6eyIkcmVmIjoiMTE3In0sIklzVmlzaWJsZSI6dHJ1ZSwiV2lkdGgiOjAuMCwiSGVpZ2h0IjowLjAsIkJvcmRlclN0eWxlIjp7IiRpZCI6IjM4MCIsIkxpbmVDb2xvciI6bnVsbCwiTGluZVdlaWdodCI6MC4wLCJMaW5lVHlwZSI6MCwiUGFyZW50U3R5bGUiOm51bGx9LCJQYXJlbnRTdHlsZSI6bnVsbH0sIkRhdGVTdHlsZSI6eyIkaWQiOiIzODEiLCJGb250U2V0dGluZ3MiOnsiJGlkIjoiMzgyIiwiRm9udFNpemUiOjEwLCJGb250TmFtZSI6IkNhbGlicmkiLCJJc0JvbGQiOmZhbHNlLCJJc0l0YWxpYyI6ZmFsc2UsIklzVW5kZXJsaW5lZCI6ZmFsc2UsIlBhcmVudFN0eWxlIjpudWxsfSwiQXV0b1NpemUiOjAsIkZvcmVncm91bmQiOnsiJGlkIjoiMzgzIiwiQ29sb3IiOnsiJHJlZiI6IjEyMSJ9fSwiTWF4V2lkdGgiOjIwMC4wLCJNYXhIZWlnaHQiOiJJbmZpbml0eSIsIlNtYXJ0Rm9yZWdyb3VuZElzQWN0aXZlIjpmYWxzZSwiSG9yaXpvbnRhbEFsaWdubWVudCI6MCwiVmVydGljYWxBbGlnbm1lbnQiOjAsIlNtYXJ0Rm9yZWdyb3VuZCI6bnVsbCwiQmFja2dyb3VuZEZpbGxUeXBlIjowLCJNYXJnaW4iOnsiJGlkIjoiMzg0IiwiVG9wIjowLCJMZWZ0IjowLCJSaWdodCI6MCwiQm90dG9tIjowfSwiUGFkZGluZyI6eyIkaWQiOiIzODUiLCJUb3AiOjAsIkxlZnQiOjAsIlJpZ2h0IjowLCJCb3R0b20iOjB9LCJCYWNrZ3JvdW5kIjp7IiRyZWYiOiIxMjQifSwiSXNWaXNpYmxlIjp0cnVlLCJXaWR0aCI6MC4wLCJIZWlnaHQiOjAuMCwiQm9yZGVyU3R5bGUiOnsiJGlkIjoiMzg2IiwiTGluZUNvbG9yIjpudWxsLCJMaW5lV2VpZ2h0IjowLjAsIkxpbmVUeXBlIjowLCJQYXJlbnRTdHlsZSI6bnVsbH0sIlBhcmVudFN0eWxlIjpudWxsfSwiRGF0ZUZvcm1hdCI6eyIkaWQiOiIzODciLCJGb3JtYXRTdHJpbmciOiJNTU0gZCIsIlNlcGFyYXRvciI6Ii8iLCJVc2VJbnRlcm5hdGlvbmFsRGF0ZUZvcm1hdCI6ZmFsc2UsIkRhdGVJc1Zpc2libGUiOmZhbHNlLCJUaW1lSXNWaXNpYmxlIjpmYWxzZSwiSG91ckRpZ2l0cyI6MSwiQW1QbURlc2lnbmF0b3IiOjIsIlRyaW0wME1pbnV0ZXMiOmZhbHNlLCJMYXN0S25vd25WaXNpYmlsaXR5U3RhdGUiOnsiJGlkIjoiMzg4IiwiRGF0ZVBhcnRJc1Zpc2libGUiOnRydWUsIlRpbWVQYXJ0SXNWaXNpYmxlIjpmYWxzZX19LCJJc1Zpc2libGUiOnRydWUsIlBhcmVudFN0eWxlIjpudWxsfSwiSW5kZXgiOjYsIlNtYXJ0RHVyYXRpb25BY3RpdmF0ZWQiOmZhbHNlLCJEYXRlRm9ybWF0Ijp7IiRyZWYiOiIzODcifSwiSWQiOiJjZmYxNzcxYi0zYWRmLTQzNTAtOTIyNy0yYTFiMzg2ZGQ5MGYiLCJJbXBvcnRJZCI6bnVsbCwiVGl0bGUiOiJPZmZsb2FkaW5nIiwiTm90ZSI6bnVsbCwiSHlwZXJsaW5rIjp7IiRpZCI6IjM4OSIsIkFkZHJlc3MiOiIiLCJTdWJBZGRyZXNzIjoiIn0sIklzQ2hhbmdlZCI6ZmFsc2UsIklzTmV3IjpmYWxzZX0sIkluZGV4IjowfSx7IiRpZCI6IjM5MCIsIl9hdHRhY2hlZE1pbGVzdG9uZXMiOltdLCJUYXNrRGVmaW5pdGlvbiI6eyIkaWQiOiIzOTEiLCJHcm91cE5hbWUiOiIzZWYyZjNkYS05OGQ1LTQ0MTMtOTlmMi0wMGM4ZGVhNjA2OGEiLCJTdGFydERhdGUiOiIyMDE5LTA5LTI5VDAwOjAwOjAwIiwiRW5kRGF0ZSI6IjIwMjAtMDEtMjlUMTE6NTk6MDAiLCJQZXJjZW50YWdlQ29tcGxldGUiOm51bGwsIlN0eWxlIjp7IiRpZCI6IjM5MiIsIlNoYXBlIjoxLCJTaGFwZVRoaWNrbmVzcyI6MSwiRHVyYXRpb25Gb3JtYXQiOjAsIkluY2x1ZGVOb25Xb3JraW5nRGF5c0luRHVyYXRpb24iOmZhbHNlLCJQZXJjZW50YWdlQ29tcGxldGVTdHlsZSI6eyIkaWQiOiIzOTMiLCJGb250U2V0dGluZ3MiOnsiJGlkIjoiMzk0IiwiRm9udFNpemUiOjEwLCJGb250TmFtZSI6IkNhbGlicmkiLCJJc0JvbGQiOmZhbHNlLCJJc0l0YWxpYyI6ZmFsc2UsIklzVW5kZXJsaW5lZCI6ZmFsc2UsIlBhcmVudFN0eWxlIjpudWxsfSwiQXV0b1NpemUiOjAsIkZvcmVncm91bmQiOnsiJHJlZiI6Ijg1In0sIk1heFdpZHRoIjoyMDAuMCwiTWF4SGVpZ2h0IjoiSW5maW5pdHkiLCJTbWFydEZvcmVncm91bmRJc0FjdGl2ZSI6ZmFsc2UsIkhvcml6b250YWxBbGlnbm1lbnQiOjAsIlZlcnRpY2FsQWxpZ25tZW50IjowLCJTbWFydEZvcmVncm91bmQiOm51bGwsIkJhY2tncm91bmRGaWxsVHlwZSI6MCwiTWFyZ2luIjp7IiRpZCI6IjM5NSIsIlRvcCI6MCwiTGVmdCI6MCwiUmlnaHQiOjAsIkJvdHRvbSI6MH0sIlBhZGRpbmciOnsiJGlkIjoiMzk2IiwiVG9wIjowLCJMZWZ0IjowLCJSaWdodCI6MCwiQm90dG9tIjowfSwiQmFja2dyb3VuZCI6eyIkcmVmIjoiODkifSwiSXNWaXNpYmxlIjp0cnVlLCJXaWR0aCI6MC4wLCJIZWlnaHQiOjAuMCwiQm9yZGVyU3R5bGUiOnsiJGlkIjoiMzk3IiwiTGluZUNvbG9yIjpudWxsLCJMaW5lV2VpZ2h0IjowLjAsIkxpbmVUeXBlIjowLCJQYXJlbnRTdHlsZSI6bnVsbH0sIlBhcmVudFN0eWxlIjpudWxsfSwiRHVyYXRpb25TdHlsZSI6eyIkaWQiOiIzOTgiLCJGb250U2V0dGluZ3MiOnsiJGlkIjoiMzk5IiwiRm9udFNpemUiOjEwLCJGb250TmFtZSI6IkNhbGlicmkiLCJJc0JvbGQiOmZhbHNlLCJJc0l0YWxpYyI6ZmFsc2UsIklzVW5kZXJsaW5lZCI6ZmFsc2UsIlBhcmVudFN0eWxlIjpudWxsfSwiQXV0b1NpemUiOjAsIkZvcmVncm91bmQiOnsiJGlkIjoiNDAwIiwiQ29sb3IiOnsiJHJlZiI6IjkzIn19LCJNYXhXaWR0aCI6MjAwLjAsIk1heEhlaWdodCI6IkluZmluaXR5IiwiU21hcnRGb3JlZ3JvdW5kSXNBY3RpdmUiOmZhbHNlLCJIb3Jpem9udGFsQWxpZ25tZW50IjowLCJWZXJ0aWNhbEFsaWdubWVudCI6MCwiU21hcnRGb3JlZ3JvdW5kIjpudWxsLCJCYWNrZ3JvdW5kRmlsbFR5cGUiOjAsIk1hcmdpbiI6eyIkaWQiOiI0MDEiLCJUb3AiOjAsIkxlZnQiOjAsIlJpZ2h0IjowLCJCb3R0b20iOjB9LCJQYWRkaW5nIjp7IiRpZCI6IjQwMiIsIlRvcCI6MCwiTGVmdCI6MCwiUmlnaHQiOjAsIkJvdHRvbSI6MH0sIkJhY2tncm91bmQiOnsiJHJlZiI6Ijk2In0sIklzVmlzaWJsZSI6dHJ1ZSwiV2lkdGgiOjAuMCwiSGVpZ2h0IjowLjAsIkJvcmRlclN0eWxlIjp7IiRpZCI6IjQwMyIsIkxpbmVDb2xvciI6bnVsbCwiTGluZVdlaWdodCI6MC4wLCJMaW5lVHlwZSI6MCwiUGFyZW50U3R5bGUiOm51bGx9LCJQYXJlbnRTdHlsZSI6bnVsbH0sIkhvcml6b250YWxDb25uZWN0b3JTdHlsZSI6eyIkaWQiOiI0MDQiLCJMaW5lQ29sb3IiOnsiJHJlZiI6Ijk4In0sIkxpbmVXZWlnaHQiOjEuMCwiTGluZVR5cGUiOjAsIlBhcmVudFN0eWxlIjpudWxsfSwiVmVydGljYWxDb25uZWN0b3JTdHlsZSI6eyIkaWQiOiI0MDUiLCJMaW5lQ29sb3IiOnsiJHJlZiI6IjEwMSJ9LCJMaW5lV2VpZ2h0IjowLjAsIkxpbmVUeXBlIjowLCJQYXJlbnRTdHlsZSI6bnVsbH0sIk1hcmdpbiI6bnVsbCwiU3RhcnREYXRlUG9zaXRpb24iOjYsIkVuZERhdGVQb3NpdGlvbiI6NiwiRGF0ZUlzVmlzaWJsZSI6ZmFsc2UsIlRpdGxlUG9zaXRpb24iOjIsIkR1cmF0aW9uUG9zaXRpb24iOjYsIlBlcmNlbnRhZ2VDb21wbGV0ZWRQb3NpdGlvbiI6MiwiU3BhY2luZyI6MywiSXNCZWxvd1RpbWViYW5kIjp0cnVlLCJQZXJjZW50YWdlQ29tcGxldGVTaGFwZU9wYWNpdHkiOjM1LCJTaGFwZVN0eWxlIjp7IiRpZCI6IjQwNiIsIk1hcmdpbiI6eyIkaWQiOiI0MDciLCJUb3AiOjAsIkxlZnQiOjQsIlJpZ2h0Ijo0LCJCb3R0b20iOjB9LCJQYWRkaW5nIjp7IiRpZCI6IjQwOCIsIlRvcCI6MCwiTGVmdCI6MCwiUmlnaHQiOjAsIkJvdHRvbSI6MH0sIkJhY2tncm91bmQiOnsiJGlkIjoiNDA5IiwiQ29sb3IiOnsiJGlkIjoiNDEwIiwiQSI6MjU1LCJSIjo4NiwiRyI6MjA3LCJCIjoyMTl9fSwiSXNWaXNpYmxlIjp0cnVlLCJXaWR0aCI6MC4wLCJIZWlnaHQiOjE2LjAsIkJvcmRlclN0eWxlIjp7IiRpZCI6IjQxMSIsIkxpbmVDb2xvciI6eyIkaWQiOiI0MTIiLCIkdHlwZSI6Ik5MUkUuQ29tbW9uLkRvbS5Tb2xpZENvbG9yQnJ1c2gsIE5MUkUuQ29tbW9uIiwiQ29sb3IiOnsiJGlkIjoiNDEzIiwiQSI6MjU1LCJSIjoyNTUsIkciOjAsIkIiOjB9fSwiTGluZVdlaWdodCI6MC4wLCJMaW5lVHlwZSI6MCwiUGFyZW50U3R5bGUiOm51bGx9LCJQYXJlbnRTdHlsZSI6bnVsbH0sIlRpdGxlU3R5bGUiOnsiJGlkIjoiNDE0IiwiRm9udFNldHRpbmdzIjp7IiRpZCI6IjQxNSIsIkZvbnRTaXplIjoxMSwiRm9udE5hbWUiOiJDYWxpYnJpIiwiSXNCb2xkIjpmYWxzZSwiSXNJdGFsaWMiOmZhbHNlLCJJc1VuZGVybGluZWQiOmZhbHNlLCJQYXJlbnRTdHlsZSI6bnVsbH0sIkF1dG9TaXplIjowLCJGb3JlZ3JvdW5kIjp7IiRpZCI6IjQxNiIsIkNvbG9yIjp7IiRpZCI6IjQxNyIsIkEiOjI1NSwiUiI6MjU1LCJHIjoyNTUsIkIiOjI1NX19LCJNYXhXaWR0aCI6OTYwLjAsIk1heEhlaWdodCI6IkluZmluaXR5IiwiU21hcnRGb3JlZ3JvdW5kSXNBY3RpdmUiOmZhbHNlLCJIb3Jpem9udGFsQWxpZ25tZW50IjoxLCJWZXJ0aWNhbEFsaWdubWVudCI6MCwiU21hcnRGb3JlZ3JvdW5kIjpudWxsLCJCYWNrZ3JvdW5kRmlsbFR5cGUiOjAsIk1hcmdpbiI6eyIkaWQiOiI0MTgiLCJUb3AiOjAsIkxlZnQiOjAsIlJpZ2h0IjowLCJCb3R0b20iOjB9LCJQYWRkaW5nIjp7IiRpZCI6IjQxOSIsIlRvcCI6MCwiTGVmdCI6MCwiUmlnaHQiOjAsIkJvdHRvbSI6MH0sIkJhY2tncm91bmQiOnsiJHJlZiI6IjExNyJ9LCJJc1Zpc2libGUiOnRydWUsIldpZHRoIjowLjAsIkhlaWdodCI6MC4wLCJCb3JkZXJTdHlsZSI6eyIkaWQiOiI0MjAiLCJMaW5lQ29sb3IiOm51bGwsIkxpbmVXZWlnaHQiOjAuMCwiTGluZVR5cGUiOjAsIlBhcmVudFN0eWxlIjpudWxsfSwiUGFyZW50U3R5bGUiOm51bGx9LCJEYXRlU3R5bGUiOnsiJGlkIjoiNDIxIiwiRm9udFNldHRpbmdzIjp7IiRpZCI6IjQyMiIsIkZvbnRTaXplIjoxMCwiRm9udE5hbWUiOiJDYWxpYnJpIiwiSXNCb2xkIjpmYWxzZSwiSXNJdGFsaWMiOmZhbHNlLCJJc1VuZGVybGluZWQiOmZhbHNlLCJQYXJlbnRTdHlsZSI6bnVsbH0sIkF1dG9TaXplIjowLCJGb3JlZ3JvdW5kIjp7IiRpZCI6IjQyMyIsIkNvbG9yIjp7IiRyZWYiOiIxMjEifX0sIk1heFdpZHRoIjoyMDAuMCwiTWF4SGVpZ2h0IjoiSW5maW5pdHkiLCJTbWFydEZvcmVncm91bmRJc0FjdGl2ZSI6ZmFsc2UsIkhvcml6b250YWxBbGlnbm1lbnQiOjAsIlZlcnRpY2FsQWxpZ25tZW50IjowLCJTbWFydEZvcmVncm91bmQiOm51bGwsIkJhY2tncm91bmRGaWxsVHlwZSI6MCwiTWFyZ2luIjp7IiRpZCI6IjQyNCIsIlRvcCI6MCwiTGVmdCI6MCwiUmlnaHQiOjAsIkJvdHRvbSI6MH0sIlBhZGRpbmciOnsiJGlkIjoiNDI1IiwiVG9wIjowLCJMZWZ0IjowLCJSaWdodCI6MCwiQm90dG9tIjowfSwiQmFja2dyb3VuZCI6eyIkcmVmIjoiMTI0In0sIklzVmlzaWJsZSI6dHJ1ZSwiV2lkdGgiOjAuMCwiSGVpZ2h0IjowLjAsIkJvcmRlclN0eWxlIjp7IiRpZCI6IjQyNiIsIkxpbmVDb2xvciI6bnVsbCwiTGluZVdlaWdodCI6MC4wLCJMaW5lVHlwZSI6MCwiUGFyZW50U3R5bGUiOm51bGx9LCJQYXJlbnRTdHlsZSI6bnVsbH0sIkRhdGVGb3JtYXQiOnsiJGlkIjoiNDI3IiwiRm9ybWF0U3RyaW5nIjoiTU1NIGQiLCJTZXBhcmF0b3IiOiIvIiwiVXNlSW50ZXJuYXRpb25hbERhdGVGb3JtYXQiOmZhbHNlLCJEYXRlSXNWaXNpYmxlIjpmYWxzZSwiVGltZUlzVmlzaWJsZSI6ZmFsc2UsIkhvdXJEaWdpdHMiOjEsIkFtUG1EZXNpZ25hdG9yIjoyLCJUcmltMDBNaW51dGVzIjpmYWxzZSwiTGFzdEtub3duVmlzaWJpbGl0eVN0YXRlIjp7IiRpZCI6IjQyOCIsIkRhdGVQYXJ0SXNWaXNpYmxlIjp0cnVlLCJUaW1lUGFydElzVmlzaWJsZSI6ZmFsc2V9fSwiSXNWaXNpYmxlIjp0cnVlLCJQYXJlbnRTdHlsZSI6bnVsbH0sIkluZGV4Ijo5LCJTbWFydER1cmF0aW9uQWN0aXZhdGVkIjpmYWxzZSwiRGF0ZUZvcm1hdCI6eyIkcmVmIjoiNDI3In0sIklkIjoiNWY4MGRmNjQtMzA5Ni00ZGYyLThlYWEtZTY3MmIzNjEzNDYwIiwiSW1wb3J0SWQiOm51bGwsIlRpdGxlIjoiU0RLIE9wdGltaXphdGlvbiAiLCJOb3RlIjpudWxsLCJIeXBlcmxpbmsiOnsiJGlkIjoiNDI5IiwiQWRkcmVzcyI6IiIsIlN1YkFkZHJlc3MiOiIifSwiSXNDaGFuZ2VkIjpmYWxzZSwiSXNOZXciOmZhbHNlfSwiSW5kZXgiOjB9LHsiJGlkIjoiNDMwIiwiX2F0dGFjaGVkTWlsZXN0b25lcyI6W10sIlRhc2tEZWZpbml0aW9uIjp7IiRpZCI6IjQzMSIsIkdyb3VwTmFtZSI6IjNlZjJmM2RhLTk4ZDUtNDQxMy05OWYyLTAwYzhkZWE2MDY4YSIsIlN0YXJ0RGF0ZSI6IjIwMjAtMDUtMDFUMDA6MDA6MDBaIiwiRW5kRGF0ZSI6IjIwMjAtMDctMzBUMTE6NTk6MDAiLCJQZXJjZW50YWdlQ29tcGxldGUiOjgwLjAsIlN0eWxlIjp7IiRpZCI6IjQzMiIsIlNoYXBlIjo0LCJTaGFwZVRoaWNrbmVzcyI6MSwiRHVyYXRpb25Gb3JtYXQiOjAsIkluY2x1ZGVOb25Xb3JraW5nRGF5c0luRHVyYXRpb24iOmZhbHNlLCJQZXJjZW50YWdlQ29tcGxldGVTdHlsZSI6eyIkaWQiOiI0MzMiLCJGb250U2V0dGluZ3MiOnsiJGlkIjoiNDM0IiwiRm9udFNpemUiOjEwLCJGb250TmFtZSI6IkNhbGlicmkiLCJJc0JvbGQiOmZhbHNlLCJJc0l0YWxpYyI6ZmFsc2UsIklzVW5kZXJsaW5lZCI6ZmFsc2UsIlBhcmVudFN0eWxlIjpudWxsfSwiQXV0b1NpemUiOjAsIkZvcmVncm91bmQiOnsiJGlkIjoiNDM1IiwiQ29sb3IiOnsiJGlkIjoiNDM2IiwiQSI6MjU1LCJSIjoxOTIsIkciOjgwLCJCIjo3N319LCJNYXhXaWR0aCI6MjAwLjAsIk1heEhlaWdodCI6IkluZmluaXR5IiwiU21hcnRGb3JlZ3JvdW5kSXNBY3RpdmUiOmZhbHNlLCJIb3Jpem9udGFsQWxpZ25tZW50IjoxLCJWZXJ0aWNhbEFsaWdubWVudCI6MCwiU21hcnRGb3JlZ3JvdW5kIjpudWxsLCJCYWNrZ3JvdW5kRmlsbFR5cGUiOjAsIk1hcmdpbiI6eyIkaWQiOiI0MzciLCJUb3AiOjAsIkxlZnQiOjAsIlJpZ2h0IjowLCJCb3R0b20iOjB9LCJQYWRkaW5nIjp7IiRpZCI6IjQzOCIsIlRvcCI6MCwiTGVmdCI6MCwiUmlnaHQiOjAsIkJvdHRvbSI6MH0sIkJhY2tncm91bmQiOnsiJHJlZiI6Ijg5In0sIklzVmlzaWJsZSI6dHJ1ZSwiV2lkdGgiOjAuMCwiSGVpZ2h0IjowLjAsIkJvcmRlclN0eWxlIjp7IiRpZCI6IjQzOSIsIkxpbmVDb2xvciI6bnVsbCwiTGluZVdlaWdodCI6MC4wLCJMaW5lVHlwZSI6MCwiUGFyZW50U3R5bGUiOm51bGx9LCJQYXJlbnRTdHlsZSI6bnVsbH0sIkR1cmF0aW9uU3R5bGUiOnsiJGlkIjoiNDQwIiwiRm9udFNldHRpbmdzIjp7IiRpZCI6IjQ0MSIsIkZvbnRTaXplIjoxMCwiRm9udE5hbWUiOiJDYWxpYnJpIiwiSXNCb2xkIjpmYWxzZSwiSXNJdGFsaWMiOmZhbHNlLCJJc1VuZGVybGluZWQiOmZhbHNlLCJQYXJlbnRTdHlsZSI6bnVsbH0sIkF1dG9TaXplIjowLCJGb3JlZ3JvdW5kIjp7IiRpZCI6IjQ0MiIsIkNvbG9yIjp7IiRyZWYiOiI5MyJ9fSwiTWF4V2lkdGgiOjIwMC4wLCJNYXhIZWlnaHQiOiJJbmZpbml0eSIsIlNtYXJ0Rm9yZWdyb3VuZElzQWN0aXZlIjpmYWxzZSwiSG9yaXpvbnRhbEFsaWdubWVudCI6MCwiVmVydGljYWxBbGlnbm1lbnQiOjAsIlNtYXJ0Rm9yZWdyb3VuZCI6bnVsbCwiQmFja2dyb3VuZEZpbGxUeXBlIjowLCJNYXJnaW4iOnsiJGlkIjoiNDQzIiwiVG9wIjowLCJMZWZ0IjowLCJSaWdodCI6MCwiQm90dG9tIjowfSwiUGFkZGluZyI6eyIkaWQiOiI0NDQiLCJUb3AiOjAsIkxlZnQiOjAsIlJpZ2h0IjowLCJCb3R0b20iOjB9LCJCYWNrZ3JvdW5kIjp7IiRyZWYiOiI5NiJ9LCJJc1Zpc2libGUiOnRydWUsIldpZHRoIjowLjAsIkhlaWdodCI6MC4wLCJCb3JkZXJTdHlsZSI6eyIkaWQiOiI0NDUiLCJMaW5lQ29sb3IiOm51bGwsIkxpbmVXZWlnaHQiOjAuMCwiTGluZVR5cGUiOjAsIlBhcmVudFN0eWxlIjpudWxsfSwiUGFyZW50U3R5bGUiOm51bGx9LCJIb3Jpem9udGFsQ29ubmVjdG9yU3R5bGUiOnsiJGlkIjoiNDQ2IiwiTGluZUNvbG9yIjp7IiRyZWYiOiI5OCJ9LCJMaW5lV2VpZ2h0IjoxLjAsIkxpbmVUeXBlIjowLCJQYXJlbnRTdHlsZSI6bnVsbH0sIlZlcnRpY2FsQ29ubmVjdG9yU3R5bGUiOnsiJGlkIjoiNDQ3IiwiTGluZUNvbG9yIjp7IiRyZWYiOiIxMDEifSwiTGluZVdlaWdodCI6MC4wLCJMaW5lVHlwZSI6MCwiUGFyZW50U3R5bGUiOm51bGx9LCJNYXJnaW4iOm51bGwsIlN0YXJ0RGF0ZVBvc2l0aW9uIjo2LCJFbmREYXRlUG9zaXRpb24iOjYsIkRhdGVJc1Zpc2libGUiOmZhbHNlLCJUaXRsZVBvc2l0aW9uIjoyLCJEdXJhdGlvblBvc2l0aW9uIjo2LCJQZXJjZW50YWdlQ29tcGxldGVkUG9zaXRpb24iOjIsIlNwYWNpbmciOjMsIklzQmVsb3dUaW1lYmFuZCI6dHJ1ZSwiUGVyY2VudGFnZUNvbXBsZXRlU2hhcGVPcGFjaXR5IjozNSwiU2hhcGVTdHlsZSI6eyIkaWQiOiI0NDgiLCJNYXJnaW4iOnsiJGlkIjoiNDQ5IiwiVG9wIjowLCJMZWZ0Ijo0LCJSaWdodCI6NCwiQm90dG9tIjowfSwiUGFkZGluZyI6eyIkaWQiOiI0NTAiLCJUb3AiOjAsIkxlZnQiOjAsIlJpZ2h0IjowLCJCb3R0b20iOjB9LCJCYWNrZ3JvdW5kIjp7IiRpZCI6IjQ1MSIsIkNvbG9yIjp7IiRpZCI6IjQ1MiIsIkEiOjI1NSwiUiI6ODYsIkciOjIwNywiQiI6MjE5fX0sIklzVmlzaWJsZSI6dHJ1ZSwiV2lkdGgiOjAuMCwiSGVpZ2h0IjoxNi4wLCJCb3JkZXJTdHlsZSI6eyIkaWQiOiI0NTMiLCJMaW5lQ29sb3IiOnsiJGlkIjoiNDU0IiwiJHR5cGUiOiJOTFJFLkNvbW1vbi5Eb20uU29saWRDb2xvckJydXNoLCBOTFJFLkNvbW1vbiIsIkNvbG9yIjp7IiRpZCI6IjQ1NSIsIkEiOjI1NSwiUiI6MjU1LCJHIjowLCJCIjowfX0sIkxpbmVXZWlnaHQiOjAuMCwiTGluZVR5cGUiOjAsIlBhcmVudFN0eWxlIjpudWxsfSwiUGFyZW50U3R5bGUiOm51bGx9LCJUaXRsZVN0eWxlIjp7IiRpZCI6IjQ1NiIsIkZvbnRTZXR0aW5ncyI6eyIkaWQiOiI0NTciLCJGb250U2l6ZSI6MTEsIkZvbnROYW1lIjoiQ2FsaWJyaSIsIklzQm9sZCI6ZmFsc2UsIklzSXRhbGljIjpmYWxzZSwiSXNVbmRlcmxpbmVkIjpmYWxzZSwiUGFyZW50U3R5bGUiOm51bGx9LCJBdXRvU2l6ZSI6MiwiRm9yZWdyb3VuZCI6eyIkaWQiOiI0NTgiLCJDb2xvciI6eyIkaWQiOiI0NTkiLCJBIjoyNTUsIlIiOjI1NSwiRyI6MjU1LCJCIjoyNTV9fSwiTWF4V2lkdGgiOjgzLjkzNjY2NjY2NjY2NjY2NywiTWF4SGVpZ2h0IjoiSW5maW5pdHkiLCJTbWFydEZvcmVncm91bmRJc0FjdGl2ZSI6ZmFsc2UsIkhvcml6b250YWxBbGlnbm1lbnQiOjEsIlZlcnRpY2FsQWxpZ25tZW50IjowLCJTbWFydEZvcmVncm91bmQiOm51bGwsIkJhY2tncm91bmRGaWxsVHlwZSI6MCwiTWFyZ2luIjp7IiRpZCI6IjQ2MCIsIlRvcCI6MCwiTGVmdCI6MCwiUmlnaHQiOjAsIkJvdHRvbSI6MH0sIlBhZGRpbmciOnsiJGlkIjoiNDYxIiwiVG9wIjowLCJMZWZ0IjowLCJSaWdodCI6MCwiQm90dG9tIjowfSwiQmFja2dyb3VuZCI6eyIkcmVmIjoiMTE3In0sIklzVmlzaWJsZSI6dHJ1ZSwiV2lkdGgiOjAuMCwiSGVpZ2h0IjowLjAsIkJvcmRlclN0eWxlIjp7IiRpZCI6IjQ2MiIsIkxpbmVDb2xvciI6bnVsbCwiTGluZVdlaWdodCI6MC4wLCJMaW5lVHlwZSI6MCwiUGFyZW50U3R5bGUiOm51bGx9LCJQYXJlbnRTdHlsZSI6bnVsbH0sIkRhdGVTdHlsZSI6eyIkaWQiOiI0NjMiLCJGb250U2V0dGluZ3MiOnsiJGlkIjoiNDY0IiwiRm9udFNpemUiOjEwLCJGb250TmFtZSI6IkNhbGlicmkiLCJJc0JvbGQiOmZhbHNlLCJJc0l0YWxpYyI6ZmFsc2UsIklzVW5kZXJsaW5lZCI6ZmFsc2UsIlBhcmVudFN0eWxlIjpudWxsfSwiQXV0b1NpemUiOjAsIkZvcmVncm91bmQiOnsiJGlkIjoiNDY1IiwiQ29sb3IiOnsiJHJlZiI6IjEyMSJ9fSwiTWF4V2lkdGgiOjIwMC4wLCJNYXhIZWlnaHQiOiJJbmZpbml0eSIsIlNtYXJ0Rm9yZWdyb3VuZElzQWN0aXZlIjpmYWxzZSwiSG9yaXpvbnRhbEFsaWdubWVudCI6MCwiVmVydGljYWxBbGlnbm1lbnQiOjAsIlNtYXJ0Rm9yZWdyb3VuZCI6bnVsbCwiQmFja2dyb3VuZEZpbGxUeXBlIjowLCJNYXJnaW4iOnsiJGlkIjoiNDY2IiwiVG9wIjowLCJMZWZ0IjowLCJSaWdodCI6MCwiQm90dG9tIjowfSwiUGFkZGluZyI6eyIkaWQiOiI0NjciLCJUb3AiOjAsIkxlZnQiOjAsIlJpZ2h0IjowLCJCb3R0b20iOjB9LCJCYWNrZ3JvdW5kIjp7IiRyZWYiOiIxMjQifSwiSXNWaXNpYmxlIjp0cnVlLCJXaWR0aCI6MC4wLCJIZWlnaHQiOjAuMCwiQm9yZGVyU3R5bGUiOnsiJGlkIjoiNDY4IiwiTGluZUNvbG9yIjpudWxsLCJMaW5lV2VpZ2h0IjowLjAsIkxpbmVUeXBlIjowLCJQYXJlbnRTdHlsZSI6bnVsbH0sIlBhcmVudFN0eWxlIjpudWxsfSwiRGF0ZUZvcm1hdCI6eyIkaWQiOiI0NjkiLCJGb3JtYXRTdHJpbmciOiJNTU0gZCIsIlNlcGFyYXRvciI6Ii8iLCJVc2VJbnRlcm5hdGlvbmFsRGF0ZUZvcm1hdCI6ZmFsc2UsIkRhdGVJc1Zpc2libGUiOmZhbHNlLCJUaW1lSXNWaXNpYmxlIjpmYWxzZSwiSG91ckRpZ2l0cyI6MSwiQW1QbURlc2lnbmF0b3IiOjIsIlRyaW0wME1pbnV0ZXMiOmZhbHNlLCJMYXN0S25vd25WaXNpYmlsaXR5U3RhdGUiOnsiJGlkIjoiNDcwIiwiRGF0ZVBhcnRJc1Zpc2libGUiOnRydWUsIlRpbWVQYXJ0SXNWaXNpYmxlIjpmYWxzZX19LCJJc1Zpc2libGUiOnRydWUsIlBhcmVudFN0eWxlIjpudWxsfSwiSW5kZXgiOjEwLCJTbWFydER1cmF0aW9uQWN0aXZhdGVkIjpmYWxzZSwiRGF0ZUZvcm1hdCI6eyIkcmVmIjoiNDY5In0sIklkIjoiZTI5ZmI4NjktMGI2MC00M2U2LWI4YjQtOWVjMDViNTUwYmEzIiwiSW1wb3J0SWQiOm51bGwsIlRpdGxlIjoiTG9hZCBQZXJmb3JtYW5jZSAiLCJOb3RlIjpudWxsLCJIeXBlcmxpbmsiOnsiJGlkIjoiNDcxIiwiQWRkcmVzcyI6IiIsIlN1YkFkZHJlc3MiOiIifSwiSXNDaGFuZ2VkIjpmYWxzZSwiSXNOZXciOmZhbHNlfSwiSW5kZXgiOjB9XSwiTWlsZXN0b25lcyI6W3siJGlkIjoiNDcyIiwiSWQiOiJhZTIxMWJiMy05N2JhLTQ4NGUtYmI5Ni0xNTY3Yjg5MzhhOGUiLCJJbmRleCI6NywiR3JvdXBJZCI6Ijg1ODU2OGUyLWM5ZTQtNDQ2Yi1hYzk5LWJmMzM3YzA1N2Q5MSIsIlRpdGxlIjoiUGVyZiBDaGVjayAiLCJEYXRlVGltZSI6IjIwMjAtMDYtMThUMTE6NTk6MDAiLCJQZXJjZW50YWdlQ29tcGxldGUiOm51bGwsIk5vdGUiOm51bGwsIlN0eWxlIjp7IiRpZCI6IjQ3MyIsIlRpdGxlU3R5bGUiOnsiJGlkIjoiNDc0IiwiRm9udFNldHRpbmdzIjp7IiRpZCI6IjQ3NSIsIkZvbnRTaXplIjoxMSwiRm9udE5hbWUiOiJDYWxpYnJpIiwiSXNCb2xkIjp0cnVlLCJJc0l0YWxpYyI6ZmFsc2UsIklzVW5kZXJsaW5lZCI6ZmFsc2UsIlBhcmVudFN0eWxlIjpudWxsfSwiQXV0b1NpemUiOjAsIkZvcmVncm91bmQiOnsiJGlkIjoiNDc2IiwiQ29sb3IiOnsiJGlkIjoiNDc3IiwiQSI6MjU1LCJSIjowLCJHIjowLCJCIjowfX0sIk1heFdpZHRoIjoyMDAuMCwiTWF4SGVpZ2h0IjoiSW5maW5pdHkiLCJTbWFydEZvcmVncm91bmRJc0FjdGl2ZSI6ZmFsc2UsIkhvcml6b250YWxBbGlnbm1lbnQiOjIsIlZlcnRpY2FsQWxpZ25tZW50IjowLCJTbWFydEZvcmVncm91bmQiOm51bGwsIkJhY2tncm91bmRGaWxsVHlwZSI6MCwiTWFyZ2luIjp7IiRyZWYiOiI3MSJ9LCJQYWRkaW5nIjp7IiRyZWYiOiI3MiJ9LCJCYWNrZ3JvdW5kIjp7IiRyZWYiOiI3MyJ9LCJJc1Zpc2libGUiOnRydWUsIldpZHRoIjowLjAsIkhlaWdodCI6MC4wLCJCb3JkZXJTdHlsZSI6bnVsbCwiUGFyZW50U3R5bGUiOm51bGx9LCJEYXRlU3R5bGUiOnsiJGlkIjoiNDc4IiwiRm9udFNldHRpbmdzIjp7IiRpZCI6IjQ3OSIsIkZvbnRTaXplIjoxMCwiRm9udE5hbWUiOiJDYWxpYnJpIiwiSXNCb2xkIjpmYWxzZSwiSXNJdGFsaWMiOmZhbHNlLCJJc1VuZGVybGluZWQiOmZhbHNlLCJQYXJlbnRTdHlsZSI6bnVsbH0sIkF1dG9TaXplIjowLCJGb3JlZ3JvdW5kIjp7IiRpZCI6IjQ4MCIsIkNvbG9yIjp7IiRpZCI6IjQ4MSIsIkEiOjI1NSwiUiI6NjgsIkciOjg0LCJCIjoxMDZ9fSwiTWF4V2lkdGgiOjIwMC4wLCJNYXhIZWlnaHQiOiJJbmZpbml0eSIsIlNtYXJ0Rm9yZWdyb3VuZElzQWN0aXZlIjpmYWxzZSwiSG9yaXpvbnRhbEFsaWdubWVudCI6MiwiVmVydGljYWxBbGlnbm1lbnQiOjAsIlNtYXJ0Rm9yZWdyb3VuZCI6bnVsbCwiQmFja2dyb3VuZEZpbGxUeXBlIjowLCJNYXJnaW4iOnsiJHJlZiI6Ijc4In0sIlBhZGRpbmciOnsiJHJlZiI6Ijc5In0sIkJhY2tncm91bmQiOnsiJHJlZiI6IjgwIn0sIklzVmlzaWJsZSI6dHJ1ZSwiV2lkdGgiOjAuMCwiSGVpZ2h0IjowLjAsIkJvcmRlclN0eWxlIjpudWxsLCJQYXJlbnRTdHlsZSI6bnVsbH0sIlRpdGxlUG9zaXRpb24iOiJMZWZ0IiwiRGF0ZVBvc2l0aW9uIjoiTGVmdCIsIlNoYXBlVHlwZSI6MTEsIlNoYXBlU2l6ZSI6MSwiU2hhcGVTdHlsZSI6eyIkaWQiOiI0ODIiLCJNYXJnaW4iOnsiJHJlZiI6IjYwIn0sIlBhZGRpbmciOnsiJHJlZiI6IjYxIn0sIkJhY2tncm91bmQiOnsiJGlkIjoiNDgzIiwiQ29sb3IiOnsiJGlkIjoiNDg0IiwiQSI6MjU1LCJSIjoxMTUsIkciOjExNSwiQiI6MTE1fX0sIklzVmlzaWJsZSI6dHJ1ZSwiV2lkdGgiOjE4LjAsIkhlaWdodCI6MjAuMCwiQm9yZGVyU3R5bGUiOnsiJGlkIjoiNDg1IiwiTGluZUNvbG9yIjpudWxsLCJMaW5lV2VpZ2h0IjowLjAsIkxpbmVUeXBlIjowLCJQYXJlbnRTdHlsZSI6bnVsbH0sIlBhcmVudFN0eWxlIjpudWxsfSwiRGF0ZUZvcm1hdCI6eyIkaWQiOiI0ODYiLCJGb3JtYXRTdHJpbmciOiJNTU0gZCIsIlNlcGFyYXRvciI6Ii8iLCJVc2VJbnRlcm5hdGlvbmFsRGF0ZUZvcm1hdCI6ZmFsc2UsIkRhdGVJc1Zpc2libGUiOnRydWUsIlRpbWVJc1Zpc2libGUiOmZhbHNlLCJIb3VyRGlnaXRzIjoxLCJBbVBtRGVzaWduYXRvciI6MiwiVHJpbTAwTWludXRlcyI6ZmFsc2UsIkxhc3RLbm93blZpc2liaWxpdHlTdGF0ZSI6bnVsbH0sIklzVmlzaWJsZSI6dHJ1ZX0sIkh5cGVybGluayI6bnVsbCwiSW1wb3J0SWQiOiIifSx7IiRpZCI6IjQ4NyIsIklkIjoiMTBmNDRlYTAtYzFlZi00Yjc1LWE3ODEtZjU4NDViOTEwNzkwIiwiSW5kZXgiOjgsIkdyb3VwSWQiOiI4NTg1NjhlMi1jOWU0LTQ0NmItYWM5OS1iZjMzN2MwNTdkOTEiLCJUaXRsZSI6IklmcmFtZXMiLCJEYXRlVGltZSI6IjIwMTktMTItMDVUMTE6NTk6MDAiLCJQZXJjZW50YWdlQ29tcGxldGUiOm51bGwsIk5vdGUiOm51bGwsIlN0eWxlIjp7IiRpZCI6IjQ4OCIsIlRpdGxlU3R5bGUiOnsiJGlkIjoiNDg5IiwiRm9udFNldHRpbmdzIjp7IiRpZCI6IjQ5MCIsIkZvbnRTaXplIjoxMSwiRm9udE5hbWUiOiJDYWxpYnJpIiwiSXNCb2xkIjp0cnVlLCJJc0l0YWxpYyI6ZmFsc2UsIklzVW5kZXJsaW5lZCI6ZmFsc2UsIlBhcmVudFN0eWxlIjpudWxsfSwiQXV0b1NpemUiOjAsIkZvcmVncm91bmQiOnsiJGlkIjoiNDkxIiwiQ29sb3IiOnsiJGlkIjoiNDkyIiwiQSI6MjU1LCJSIjowLCJHIjowLCJCIjowfX0sIk1heFdpZHRoIjoyMDAuMCwiTWF4SGVpZ2h0IjoiSW5maW5pdHkiLCJTbWFydEZvcmVncm91bmRJc0FjdGl2ZSI6ZmFsc2UsIkhvcml6b250YWxBbGlnbm1lbnQiOjIsIlZlcnRpY2FsQWxpZ25tZW50IjowLCJTbWFydEZvcmVncm91bmQiOm51bGwsIkJhY2tncm91bmRGaWxsVHlwZSI6MCwiTWFyZ2luIjp7IiRyZWYiOiI3MSJ9LCJQYWRkaW5nIjp7IiRyZWYiOiI3MiJ9LCJCYWNrZ3JvdW5kIjp7IiRyZWYiOiI3MyJ9LCJJc1Zpc2libGUiOnRydWUsIldpZHRoIjowLjAsIkhlaWdodCI6MC4wLCJCb3JkZXJTdHlsZSI6bnVsbCwiUGFyZW50U3R5bGUiOm51bGx9LCJEYXRlU3R5bGUiOnsiJGlkIjoiNDkzIiwiRm9udFNldHRpbmdzIjp7IiRpZCI6IjQ5NCIsIkZvbnRTaXplIjoxMCwiRm9udE5hbWUiOiJDYWxpYnJpIiwiSXNCb2xkIjpmYWxzZSwiSXNJdGFsaWMiOmZhbHNlLCJJc1VuZGVybGluZWQiOmZhbHNlLCJQYXJlbnRTdHlsZSI6bnVsbH0sIkF1dG9TaXplIjowLCJGb3JlZ3JvdW5kIjp7IiRpZCI6IjQ5NSIsIkNvbG9yIjp7IiRpZCI6IjQ5NiIsIkEiOjI1NSwiUiI6NjgsIkciOjg0LCJCIjoxMDZ9fSwiTWF4V2lkdGgiOjIwMC4wLCJNYXhIZWlnaHQiOiJJbmZpbml0eSIsIlNtYXJ0Rm9yZWdyb3VuZElzQWN0aXZlIjpmYWxzZSwiSG9yaXpvbnRhbEFsaWdubWVudCI6MiwiVmVydGljYWxBbGlnbm1lbnQiOjAsIlNtYXJ0Rm9yZWdyb3VuZCI6bnVsbCwiQmFja2dyb3VuZEZpbGxUeXBlIjowLCJNYXJnaW4iOnsiJHJlZiI6Ijc4In0sIlBhZGRpbmciOnsiJHJlZiI6Ijc5In0sIkJhY2tncm91bmQiOnsiJHJlZiI6IjgwIn0sIklzVmlzaWJsZSI6dHJ1ZSwiV2lkdGgiOjAuMCwiSGVpZ2h0IjowLjAsIkJvcmRlclN0eWxlIjpudWxsLCJQYXJlbnRTdHlsZSI6bnVsbH0sIlRpdGxlUG9zaXRpb24iOiJMZWZ0IiwiRGF0ZVBvc2l0aW9uIjoiTGVmdCIsIlNoYXBlVHlwZSI6MCwiU2hhcGVTaXplIjowLCJTaGFwZVN0eWxlIjp7IiRpZCI6IjQ5NyIsIk1hcmdpbiI6eyIkcmVmIjoiNjAifSwiUGFkZGluZyI6eyIkcmVmIjoiNjEifSwiQmFja2dyb3VuZCI6eyIkaWQiOiI0OTgiLCJDb2xvciI6eyIkaWQiOiI0OTkiLCJBIjoyNTUsIlIiOjExNSwiRyI6MTE1LCJCIjoxMTV9fSwiSXNWaXNpYmxlIjp0cnVlLCJXaWR0aCI6MTIuMCwiSGVpZ2h0IjoxNC4wLCJCb3JkZXJTdHlsZSI6eyIkaWQiOiI1MDAiLCJMaW5lQ29sb3IiOm51bGwsIkxpbmVXZWlnaHQiOjAuMCwiTGluZVR5cGUiOjAsIlBhcmVudFN0eWxlIjpudWxsfSwiUGFyZW50U3R5bGUiOm51bGx9LCJEYXRlRm9ybWF0Ijp7IiRpZCI6IjUwMSIsIkZvcm1hdFN0cmluZyI6Ik1NTSBkIiwiU2VwYXJhdG9yIjoiLyIsIlVzZUludGVybmF0aW9uYWxEYXRlRm9ybWF0IjpmYWxzZSwiRGF0ZUlzVmlzaWJsZSI6dHJ1ZSwiVGltZUlzVmlzaWJsZSI6ZmFsc2UsIkhvdXJEaWdpdHMiOjEsIkFtUG1EZXNpZ25hdG9yIjoyLCJUcmltMDBNaW51dGVzIjpmYWxzZSwiTGFzdEtub3duVmlzaWJpbGl0eVN0YXRlIjpudWxsfSwiSXNWaXNpYmxlIjp0cnVlfSwiSHlwZXJsaW5rIjpudWxsLCJJbXBvcnRJZCI6IiJ9XX0seyIkaWQiOiI1MDIiLCJJZCI6ImQ5YTdkZjIwLTQ1ODAtNGQ5Yy1iMTcyLTQ3NzA2YzMwM2JjYSIsIkluZGV4IjoxMSwiSGVhZGVyVGV4dCI6Ik9wcyIsIlN0eWxlIjp7IiRpZCI6IjUwMyIsIkhlYWRlclN0eWxlIjp7IiRpZCI6IjUwNCIsIlRleHRTdHlsZSI6eyIkaWQiOiI1MDUiLCJGb250U2V0dGluZ3MiOnsiJGlkIjoiNTA2IiwiRm9udFNpemUiOjEyLCJGb250TmFtZSI6IkNhbGlicmkiLCJJc0JvbGQiOmZhbHNlLCJJc0l0YWxpYyI6ZmFsc2UsIklzVW5kZXJsaW5lZCI6ZmFsc2UsIlBhcmVudFN0eWxlIjpudWxsfSwiQXV0b1NpemUiOjAsIkZvcmVncm91bmQiOnsiJGlkIjoiNTA3IiwiQ29sb3IiOnsiJGlkIjoiNTA4IiwiQSI6MjU1LCJSIjozMiwiRyI6NTYsIkIiOjEwMH19LCJNYXhXaWR0aCI6MC4wLCJNYXhIZWlnaHQiOjAuMCwiU21hcnRGb3JlZ3JvdW5kSXNBY3RpdmUiOmZhbHNlLCJIb3Jpem9udGFsQWxpZ25tZW50IjowLCJWZXJ0aWNhbEFsaWdubWVudCI6MCwiU21hcnRGb3JlZ3JvdW5kIjpudWxsLCJCYWNrZ3JvdW5kRmlsbFR5cGUiOjAsIk1hcmdpbiI6eyIkcmVmIjoiMTQxIn0sIlBhZGRpbmciOnsiJHJlZiI6IjE0MiJ9LCJCYWNrZ3JvdW5kIjpudWxsLCJJc1Zpc2libGUiOmZhbHNlLCJXaWR0aCI6MC4wLCJIZWlnaHQiOjAuMCwiQm9yZGVyU3R5bGUiOm51bGwsIlBhcmVudFN0eWxlIjpudWxsfSwiUmVjdGFuZ2xlU3R5bGUiOnsiJGlkIjoiNTA5IiwiTWFyZ2luIjp7IiRyZWYiOiIxNDQifSwiUGFkZGluZyI6eyIkcmVmIjoiMTQ1In0sIkJhY2tncm91bmQiOnsiJGlkIjoiNTEwIiwiQ29sb3IiOnsiJGlkIjoiNTExIiwiQSI6MTI3LCJSIjoxMTEsIkciOjQ5LCJCIjoxNTJ9fSwiSXNWaXNpYmxlIjpmYWxzZSwiV2lkdGgiOjAuMCwiSGVpZ2h0IjowLjAsIkJvcmRlclN0eWxlIjp7IiRpZCI6IjUxMiIsIkxpbmVDb2xvciI6eyIkcmVmIjoiMTQ5In0sIkxpbmVXZWlnaHQiOjAuMCwiTGluZVR5cGUiOjAsIlBhcmVudFN0eWxlIjpudWxsfSwiUGFyZW50U3R5bGUiOm51bGx9LCJNYXJnaW4iOnsiJHJlZiI6IjE1MSJ9LCJQYWRkaW5nIjp7IiRyZWYiOiIxNTIifSwiQmFja2dyb3VuZCI6bnVsbCwiSXNWaXNpYmxlIjp0cnVlLCJXaWR0aCI6MC4wLCJIZWlnaHQiOjAuMCwiQm9yZGVyU3R5bGUiOm51bGwsIlBhcmVudFN0eWxlIjpudWxsfSwiQmFja2dyb3VuZFN0eWxlIjp7IiRpZCI6IjUxMyIsIk1hcmdpbiI6eyIkcmVmIjoiMTU0In0sIlBhZGRpbmciOnsiJHJlZiI6IjE1NSJ9LCJCYWNrZ3JvdW5kIjp7IiRpZCI6IjUxNCIsIkNvbG9yIjp7IiRpZCI6IjUxNSIsIkEiOjM4LCJSIjowLCJHIjowLCJCIjowfX0sIklzVmlzaWJsZSI6dHJ1ZSwiV2lkdGgiOjAuMCwiSGVpZ2h0IjowLjAsIkJvcmRlclN0eWxlIjp7IiRpZCI6IjUxNiIsIkxpbmVDb2xvciI6eyIkaWQiOiI1MTciLCIkdHlwZSI6Ik5MUkUuQ29tbW9uLkRvbS5Tb2xpZENvbG9yQnJ1c2gsIE5MUkUuQ29tbW9uIiwiQ29sb3IiOnsiJGlkIjoiNTE4IiwiQSI6MjU1LCJSIjoxMTEsIkciOjQ5LCJCIjoxNTJ9fSwiTGluZVdlaWdodCI6MC4wLCJMaW5lVHlwZSI6MCwiUGFyZW50U3R5bGUiOm51bGx9LCJQYXJlbnRTdHlsZSI6bnVsbH0sIklzQWJvdmVUaW1lYmFuZCI6ZmFsc2UsIk1hcmdpbiI6eyIkcmVmIjoiMTYxIn0sIlBhZGRpbmciOnsiJHJlZiI6IjE2MiJ9LCJJc1Zpc2libGUiOnRydWUsIldpZHRoIjowLjAsIkhlaWdodCI6MC4wLCJCb3JkZXJTdHlsZSI6bnVsbCwiUGFyZW50U3R5bGUiOm51bGx9LCJUYXNrcyI6W3siJGlkIjoiNTE5IiwiX2F0dGFjaGVkTWlsZXN0b25lcyI6W10sIlRhc2tEZWZpbml0aW9uIjp7IiRpZCI6IjUyMCIsIkdyb3VwTmFtZSI6IjliMzFlZjE3LTkzYWUtNDVjZS04MTI5LTYwOWZhNWVhNjY5OSIsIlN0YXJ0RGF0ZSI6IjIwMTktMDctMTRUMDA6MDA6MDAiLCJFbmREYXRlIjoiMjAxOS0xMS0wM1QxMTo1OTowMCIsIlBlcmNlbnRhZ2VDb21wbGV0ZSI6MjUuMCwiU3R5bGUiOnsiJGlkIjoiNTIxIiwiU2hhcGUiOjQsIlNoYXBlVGhpY2tuZXNzIjoxLCJEdXJhdGlvbkZvcm1hdCI6MCwiSW5jbHVkZU5vbldvcmtpbmdEYXlzSW5EdXJhdGlvbiI6ZmFsc2UsIlBlcmNlbnRhZ2VDb21wbGV0ZVN0eWxlIjp7IiRpZCI6IjUyMiIsIkZvbnRTZXR0aW5ncyI6eyIkaWQiOiI1MjMiLCJGb250U2l6ZSI6MTAsIkZvbnROYW1lIjoiQ2FsaWJyaSIsIklzQm9sZCI6ZmFsc2UsIklzSXRhbGljIjpmYWxzZSwiSXNVbmRlcmxpbmVkIjpmYWxzZSwiUGFyZW50U3R5bGUiOm51bGx9LCJBdXRvU2l6ZSI6MCwiRm9yZWdyb3VuZCI6eyIkaWQiOiI1MjQiLCJDb2xvciI6eyIkaWQiOiI1MjUiLCJBIjoyNTUsIlIiOjE5MiwiRyI6ODAsIkIiOjc3fX0sIk1heFdpZHRoIjoyMDAuMCwiTWF4SGVpZ2h0IjoiSW5maW5pdHkiLCJTbWFydEZvcmVncm91bmRJc0FjdGl2ZSI6ZmFsc2UsIkhvcml6b250YWxBbGlnbm1lbnQiOjEsIlZlcnRpY2FsQWxpZ25tZW50IjowLCJTbWFydEZvcmVncm91bmQiOm51bGwsIkJhY2tncm91bmRGaWxsVHlwZSI6MCwiTWFyZ2luIjp7IiRpZCI6IjUyNiIsIlRvcCI6MCwiTGVmdCI6MCwiUmlnaHQiOjAsIkJvdHRvbSI6MH0sIlBhZGRpbmciOnsiJGlkIjoiNTI3IiwiVG9wIjowLCJMZWZ0IjowLCJSaWdodCI6MCwiQm90dG9tIjowfSwiQmFja2dyb3VuZCI6eyIkcmVmIjoiODkifSwiSXNWaXNpYmxlIjp0cnVlLCJXaWR0aCI6MC4wLCJIZWlnaHQiOjAuMCwiQm9yZGVyU3R5bGUiOnsiJGlkIjoiNTI4IiwiTGluZUNvbG9yIjpudWxsLCJMaW5lV2VpZ2h0IjowLjAsIkxpbmVUeXBlIjowLCJQYXJlbnRTdHlsZSI6bnVsbH0sIlBhcmVudFN0eWxlIjpudWxsfSwiRHVyYXRpb25TdHlsZSI6eyIkaWQiOiI1MjkiLCJGb250U2V0dGluZ3MiOnsiJGlkIjoiNTMwIiwiRm9udFNpemUiOjEwLCJGb250TmFtZSI6IkNhbGlicmkiLCJJc0JvbGQiOmZhbHNlLCJJc0l0YWxpYyI6ZmFsc2UsIklzVW5kZXJsaW5lZCI6ZmFsc2UsIlBhcmVudFN0eWxlIjpudWxsfSwiQXV0b1NpemUiOjAsIkZvcmVncm91bmQiOnsiJGlkIjoiNTMxIiwiQ29sb3IiOnsiJHJlZiI6IjkzIn19LCJNYXhXaWR0aCI6MjAwLjAsIk1heEhlaWdodCI6IkluZmluaXR5IiwiU21hcnRGb3JlZ3JvdW5kSXNBY3RpdmUiOmZhbHNlLCJIb3Jpem9udGFsQWxpZ25tZW50IjowLCJWZXJ0aWNhbEFsaWdubWVudCI6MCwiU21hcnRGb3JlZ3JvdW5kIjpudWxsLCJCYWNrZ3JvdW5kRmlsbFR5cGUiOjAsIk1hcmdpbiI6eyIkaWQiOiI1MzIiLCJUb3AiOjAsIkxlZnQiOjAsIlJpZ2h0IjowLCJCb3R0b20iOjB9LCJQYWRkaW5nIjp7IiRpZCI6IjUzMyIsIlRvcCI6MCwiTGVmdCI6MCwiUmlnaHQiOjAsIkJvdHRvbSI6MH0sIkJhY2tncm91bmQiOnsiJHJlZiI6Ijk2In0sIklzVmlzaWJsZSI6dHJ1ZSwiV2lkdGgiOjAuMCwiSGVpZ2h0IjowLjAsIkJvcmRlclN0eWxlIjp7IiRpZCI6IjUzNCIsIkxpbmVDb2xvciI6bnVsbCwiTGluZVdlaWdodCI6MC4wLCJMaW5lVHlwZSI6MCwiUGFyZW50U3R5bGUiOm51bGx9LCJQYXJlbnRTdHlsZSI6bnVsbH0sIkhvcml6b250YWxDb25uZWN0b3JTdHlsZSI6eyIkaWQiOiI1MzUiLCJMaW5lQ29sb3IiOnsiJHJlZiI6Ijk4In0sIkxpbmVXZWlnaHQiOjEuMCwiTGluZVR5cGUiOjAsIlBhcmVudFN0eWxlIjpudWxsfSwiVmVydGljYWxDb25uZWN0b3JTdHlsZSI6eyIkaWQiOiI1MzYiLCJMaW5lQ29sb3IiOnsiJHJlZiI6IjEwMSJ9LCJMaW5lV2VpZ2h0IjowLjAsIkxpbmVUeXBlIjowLCJQYXJlbnRTdHlsZSI6bnVsbH0sIk1hcmdpbiI6bnVsbCwiU3RhcnREYXRlUG9zaXRpb24iOjYsIkVuZERhdGVQb3NpdGlvbiI6NiwiRGF0ZUlzVmlzaWJsZSI6ZmFsc2UsIlRpdGxlUG9zaXRpb24iOjIsIkR1cmF0aW9uUG9zaXRpb24iOjYsIlBlcmNlbnRhZ2VDb21wbGV0ZWRQb3NpdGlvbiI6MiwiU3BhY2luZyI6MywiSXNCZWxvd1RpbWViYW5kIjp0cnVlLCJQZXJjZW50YWdlQ29tcGxldGVTaGFwZU9wYWNpdHkiOjM1LCJTaGFwZVN0eWxlIjp7IiRpZCI6IjUzNyIsIk1hcmdpbiI6eyIkaWQiOiI1MzgiLCJUb3AiOjAsIkxlZnQiOjQsIlJpZ2h0Ijo0LCJCb3R0b20iOjB9LCJQYWRkaW5nIjp7IiRpZCI6IjUzOSIsIlRvcCI6MCwiTGVmdCI6MCwiUmlnaHQiOjAsIkJvdHRvbSI6MH0sIkJhY2tncm91bmQiOnsiJGlkIjoiNTQwIiwiQ29sb3IiOnsiJGlkIjoiNTQxIiwiQSI6MjU1LCJSIjoxNjMsIkciOjk5LCJCIjoxOTV9fSwiSXNWaXNpYmxlIjp0cnVlLCJXaWR0aCI6MC4wLCJIZWlnaHQiOjE2LjAsIkJvcmRlclN0eWxlIjp7IiRpZCI6IjU0MiIsIkxpbmVDb2xvciI6eyIkaWQiOiI1NDMiLCIkdHlwZSI6Ik5MUkUuQ29tbW9uLkRvbS5Tb2xpZENvbG9yQnJ1c2gsIE5MUkUuQ29tbW9uIiwiQ29sb3IiOnsiJGlkIjoiNTQ0IiwiQSI6MjU1LCJSIjoyNTUsIkciOjAsIkIiOjB9fSwiTGluZVdlaWdodCI6MC4wLCJMaW5lVHlwZSI6MCwiUGFyZW50U3R5bGUiOm51bGx9LCJQYXJlbnRTdHlsZSI6bnVsbH0sIlRpdGxlU3R5bGUiOnsiJGlkIjoiNTQ1IiwiRm9udFNldHRpbmdzIjp7IiRpZCI6IjU0NiIsIkZvbnRTaXplIjoxMSwiRm9udE5hbWUiOiJDYWxpYnJpIiwiSXNCb2xkIjpmYWxzZSwiSXNJdGFsaWMiOmZhbHNlLCJJc1VuZGVybGluZWQiOmZhbHNlLCJQYXJlbnRTdHlsZSI6bnVsbH0sIkF1dG9TaXplIjowLCJGb3JlZ3JvdW5kIjp7IiRpZCI6IjU0NyIsIkNvbG9yIjp7IiRpZCI6IjU0OCIsIkEiOjI1NSwiUiI6MjU1LCJHIjoyNTUsIkIiOjI1NX19LCJNYXhXaWR0aCI6OTYwLjAsIk1heEhlaWdodCI6IkluZmluaXR5IiwiU21hcnRGb3JlZ3JvdW5kSXNBY3RpdmUiOmZhbHNlLCJIb3Jpem9udGFsQWxpZ25tZW50IjoxLCJWZXJ0aWNhbEFsaWdubWVudCI6MCwiU21hcnRGb3JlZ3JvdW5kIjpudWxsLCJCYWNrZ3JvdW5kRmlsbFR5cGUiOjAsIk1hcmdpbiI6eyIkaWQiOiI1NDkiLCJUb3AiOjAsIkxlZnQiOjAsIlJpZ2h0IjowLCJCb3R0b20iOjB9LCJQYWRkaW5nIjp7IiRpZCI6IjU1MCIsIlRvcCI6MCwiTGVmdCI6MCwiUmlnaHQiOjAsIkJvdHRvbSI6MH0sIkJhY2tncm91bmQiOnsiJHJlZiI6IjExNyJ9LCJJc1Zpc2libGUiOnRydWUsIldpZHRoIjowLjAsIkhlaWdodCI6MC4wLCJCb3JkZXJTdHlsZSI6eyIkaWQiOiI1NTEiLCJMaW5lQ29sb3IiOm51bGwsIkxpbmVXZWlnaHQiOjAuMCwiTGluZVR5cGUiOjAsIlBhcmVudFN0eWxlIjpudWxsfSwiUGFyZW50U3R5bGUiOm51bGx9LCJEYXRlU3R5bGUiOnsiJGlkIjoiNTUyIiwiRm9udFNldHRpbmdzIjp7IiRpZCI6IjU1MyIsIkZvbnRTaXplIjoxMCwiRm9udE5hbWUiOiJDYWxpYnJpIiwiSXNCb2xkIjpmYWxzZSwiSXNJdGFsaWMiOmZhbHNlLCJJc1VuZGVybGluZWQiOmZhbHNlLCJQYXJlbnRTdHlsZSI6bnVsbH0sIkF1dG9TaXplIjowLCJGb3JlZ3JvdW5kIjp7IiRpZCI6IjU1NCIsIkNvbG9yIjp7IiRyZWYiOiIxMjEifX0sIk1heFdpZHRoIjoyMDAuMCwiTWF4SGVpZ2h0IjoiSW5maW5pdHkiLCJTbWFydEZvcmVncm91bmRJc0FjdGl2ZSI6ZmFsc2UsIkhvcml6b250YWxBbGlnbm1lbnQiOjAsIlZlcnRpY2FsQWxpZ25tZW50IjowLCJTbWFydEZvcmVncm91bmQiOm51bGwsIkJhY2tncm91bmRGaWxsVHlwZSI6MCwiTWFyZ2luIjp7IiRpZCI6IjU1NSIsIlRvcCI6MCwiTGVmdCI6MCwiUmlnaHQiOjAsIkJvdHRvbSI6MH0sIlBhZGRpbmciOnsiJGlkIjoiNTU2IiwiVG9wIjowLCJMZWZ0IjowLCJSaWdodCI6MCwiQm90dG9tIjowfSwiQmFja2dyb3VuZCI6eyIkcmVmIjoiMTI0In0sIklzVmlzaWJsZSI6dHJ1ZSwiV2lkdGgiOjAuMCwiSGVpZ2h0IjowLjAsIkJvcmRlclN0eWxlIjp7IiRpZCI6IjU1NyIsIkxpbmVDb2xvciI6bnVsbCwiTGluZVdlaWdodCI6MC4wLCJMaW5lVHlwZSI6MCwiUGFyZW50U3R5bGUiOm51bGx9LCJQYXJlbnRTdHlsZSI6bnVsbH0sIkRhdGVGb3JtYXQiOnsiJGlkIjoiNTU4IiwiRm9ybWF0U3RyaW5nIjoiTU1NIGQiLCJTZXBhcmF0b3IiOiIvIiwiVXNlSW50ZXJuYXRpb25hbERhdGVGb3JtYXQiOmZhbHNlLCJEYXRlSXNWaXNpYmxlIjpmYWxzZSwiVGltZUlzVmlzaWJsZSI6ZmFsc2UsIkhvdXJEaWdpdHMiOjEsIkFtUG1EZXNpZ25hdG9yIjoyLCJUcmltMDBNaW51dGVzIjpmYWxzZSwiTGFzdEtub3duVmlzaWJpbGl0eVN0YXRlIjp7IiRpZCI6IjU1OSIsIkRhdGVQYXJ0SXNWaXNpYmxlIjp0cnVlLCJUaW1lUGFydElzVmlzaWJsZSI6ZmFsc2V9fSwiSXNWaXNpYmxlIjp0cnVlLCJQYXJlbnRTdHlsZSI6bnVsbH0sIkluZGV4IjoxMiwiU21hcnREdXJhdGlvbkFjdGl2YXRlZCI6ZmFsc2UsIkRhdGVGb3JtYXQiOnsiJHJlZiI6IjU1OCJ9LCJJZCI6IjVmZGMxYWUxLTczOTAtNDkxNS04N2VlLWIzZTBhNTcwMWU4NiIsIkltcG9ydElkIjpudWxsLCJUaXRsZSI6IlNlY3VyaXR5IFBvbGljeSAiLCJOb3RlIjpudWxsLCJIeXBlcmxpbmsiOnsiJGlkIjoiNTYwIiwiQWRkcmVzcyI6IiIsIlN1YkFkZHJlc3MiOiIifSwiSXNDaGFuZ2VkIjpmYWxzZSwiSXNOZXciOmZhbHNlfSwiSW5kZXgiOjB9LHsiJGlkIjoiNTYxIiwiX2F0dGFjaGVkTWlsZXN0b25lcyI6W10sIlRhc2tEZWZpbml0aW9uIjp7IiRpZCI6IjU2MiIsIkdyb3VwTmFtZSI6IjliMzFlZjE3LTkzYWUtNDVjZS04MTI5LTYwOWZhNWVhNjY5OSIsIlN0YXJ0RGF0ZSI6IjIwMTktMTItMjVUMDA6MDA6MDAiLCJFbmREYXRlIjoiMjAyMC0wNS0xMFQxMTo1OTowMCIsIlBlcmNlbnRhZ2VDb21wbGV0ZSI6bnVsbCwiU3R5bGUiOnsiJGlkIjoiNTYzIiwiU2hhcGUiOjEsIlNoYXBlVGhpY2tuZXNzIjoxLCJEdXJhdGlvbkZvcm1hdCI6MCwiSW5jbHVkZU5vbldvcmtpbmdEYXlzSW5EdXJhdGlvbiI6ZmFsc2UsIlBlcmNlbnRhZ2VDb21wbGV0ZVN0eWxlIjp7IiRpZCI6IjU2NCIsIkZvbnRTZXR0aW5ncyI6eyIkaWQiOiI1NjUiLCJGb250U2l6ZSI6MTAsIkZvbnROYW1lIjoiQ2FsaWJyaSIsIklzQm9sZCI6ZmFsc2UsIklzSXRhbGljIjpmYWxzZSwiSXNVbmRlcmxpbmVkIjpmYWxzZSwiUGFyZW50U3R5bGUiOm51bGx9LCJBdXRvU2l6ZSI6MCwiRm9yZWdyb3VuZCI6eyIkcmVmIjoiODUifSwiTWF4V2lkdGgiOjIwMC4wLCJNYXhIZWlnaHQiOiJJbmZpbml0eSIsIlNtYXJ0Rm9yZWdyb3VuZElzQWN0aXZlIjpmYWxzZSwiSG9yaXpvbnRhbEFsaWdubWVudCI6MCwiVmVydGljYWxBbGlnbm1lbnQiOjAsIlNtYXJ0Rm9yZWdyb3VuZCI6bnVsbCwiQmFja2dyb3VuZEZpbGxUeXBlIjowLCJNYXJnaW4iOnsiJGlkIjoiNTY2IiwiVG9wIjowLCJMZWZ0IjowLCJSaWdodCI6MCwiQm90dG9tIjowfSwiUGFkZGluZyI6eyIkaWQiOiI1NjciLCJUb3AiOjAsIkxlZnQiOjAsIlJpZ2h0IjowLCJCb3R0b20iOjB9LCJCYWNrZ3JvdW5kIjp7IiRyZWYiOiI4OSJ9LCJJc1Zpc2libGUiOnRydWUsIldpZHRoIjowLjAsIkhlaWdodCI6MC4wLCJCb3JkZXJTdHlsZSI6eyIkaWQiOiI1NjgiLCJMaW5lQ29sb3IiOm51bGwsIkxpbmVXZWlnaHQiOjAuMCwiTGluZVR5cGUiOjAsIlBhcmVudFN0eWxlIjpudWxsfSwiUGFyZW50U3R5bGUiOm51bGx9LCJEdXJhdGlvblN0eWxlIjp7IiRpZCI6IjU2OSIsIkZvbnRTZXR0aW5ncyI6eyIkaWQiOiI1NzAiLCJGb250U2l6ZSI6MTAsIkZvbnROYW1lIjoiQ2FsaWJyaSIsIklzQm9sZCI6ZmFsc2UsIklzSXRhbGljIjpmYWxzZSwiSXNVbmRlcmxpbmVkIjpmYWxzZSwiUGFyZW50U3R5bGUiOm51bGx9LCJBdXRvU2l6ZSI6MCwiRm9yZWdyb3VuZCI6eyIkaWQiOiI1NzEiLCJDb2xvciI6eyIkcmVmIjoiOTMifX0sIk1heFdpZHRoIjoyMDAuMCwiTWF4SGVpZ2h0IjoiSW5maW5pdHkiLCJTbWFydEZvcmVncm91bmRJc0FjdGl2ZSI6ZmFsc2UsIkhvcml6b250YWxBbGlnbm1lbnQiOjAsIlZlcnRpY2FsQWxpZ25tZW50IjowLCJTbWFydEZvcmVncm91bmQiOm51bGwsIkJhY2tncm91bmRGaWxsVHlwZSI6MCwiTWFyZ2luIjp7IiRpZCI6IjU3MiIsIlRvcCI6MCwiTGVmdCI6MCwiUmlnaHQiOjAsIkJvdHRvbSI6MH0sIlBhZGRpbmciOnsiJGlkIjoiNTczIiwiVG9wIjowLCJMZWZ0IjowLCJSaWdodCI6MCwiQm90dG9tIjowfSwiQmFja2dyb3VuZCI6eyIkcmVmIjoiOTYifSwiSXNWaXNpYmxlIjp0cnVlLCJXaWR0aCI6MC4wLCJIZWlnaHQiOjAuMCwiQm9yZGVyU3R5bGUiOnsiJGlkIjoiNTc0IiwiTGluZUNvbG9yIjpudWxsLCJMaW5lV2VpZ2h0IjowLjAsIkxpbmVUeXBlIjowLCJQYXJlbnRTdHlsZSI6bnVsbH0sIlBhcmVudFN0eWxlIjpudWxsfSwiSG9yaXpvbnRhbENvbm5lY3RvclN0eWxlIjp7IiRpZCI6IjU3NSIsIkxpbmVDb2xvciI6eyIkcmVmIjoiOTgifSwiTGluZVdlaWdodCI6MS4wLCJMaW5lVHlwZSI6MCwiUGFyZW50U3R5bGUiOm51bGx9LCJWZXJ0aWNhbENvbm5lY3RvclN0eWxlIjp7IiRpZCI6IjU3NiIsIkxpbmVDb2xvciI6eyIkcmVmIjoiMTAxIn0sIkxpbmVXZWlnaHQiOjAuMCwiTGluZVR5cGUiOjAsIlBhcmVudFN0eWxlIjpudWxsfSwiTWFyZ2luIjpudWxsLCJTdGFydERhdGVQb3NpdGlvbiI6NiwiRW5kRGF0ZVBvc2l0aW9uIjo2LCJEYXRlSXNWaXNpYmxlIjpmYWxzZSwiVGl0bGVQb3NpdGlvbiI6MiwiRHVyYXRpb25Qb3NpdGlvbiI6NiwiUGVyY2VudGFnZUNvbXBsZXRlZFBvc2l0aW9uIjoyLCJTcGFjaW5nIjozLCJJc0JlbG93VGltZWJhbmQiOnRydWUsIlBlcmNlbnRhZ2VDb21wbGV0ZVNoYXBlT3BhY2l0eSI6MzUsIlNoYXBlU3R5bGUiOnsiJGlkIjoiNTc3IiwiTWFyZ2luIjp7IiRpZCI6IjU3OCIsIlRvcCI6MCwiTGVmdCI6NCwiUmlnaHQiOjQsIkJvdHRvbSI6MH0sIlBhZGRpbmciOnsiJGlkIjoiNTc5IiwiVG9wIjowLCJMZWZ0IjowLCJSaWdodCI6MCwiQm90dG9tIjowfSwiQmFja2dyb3VuZCI6eyIkaWQiOiI1ODAiLCJDb2xvciI6eyIkaWQiOiI1ODEiLCJBIjoyNTUsIlIiOjE2MywiRyI6OTksIkIiOjE5NX19LCJJc1Zpc2libGUiOnRydWUsIldpZHRoIjowLjAsIkhlaWdodCI6MTYuMCwiQm9yZGVyU3R5bGUiOnsiJGlkIjoiNTgyIiwiTGluZUNvbG9yIjp7IiRpZCI6IjU4MyIsIiR0eXBlIjoiTkxSRS5Db21tb24uRG9tLlNvbGlkQ29sb3JCcnVzaCwgTkxSRS5Db21tb24iLCJDb2xvciI6eyIkaWQiOiI1ODQiLCJBIjoyNTUsIlIiOjI1NSwiRyI6MCwiQiI6MH19LCJMaW5lV2VpZ2h0IjowLjAsIkxpbmVUeXBlIjowLCJQYXJlbnRTdHlsZSI6bnVsbH0sIlBhcmVudFN0eWxlIjpudWxsfSwiVGl0bGVTdHlsZSI6eyIkaWQiOiI1ODUiLCJGb250U2V0dGluZ3MiOnsiJGlkIjoiNTg2IiwiRm9udFNpemUiOjExLCJGb250TmFtZSI6IkNhbGlicmkiLCJJc0JvbGQiOmZhbHNlLCJJc0l0YWxpYyI6ZmFsc2UsIklzVW5kZXJsaW5lZCI6ZmFsc2UsIlBhcmVudFN0eWxlIjpudWxsfSwiQXV0b1NpemUiOjAsIkZvcmVncm91bmQiOnsiJGlkIjoiNTg3IiwiQ29sb3IiOnsiJGlkIjoiNTg4IiwiQSI6MjU1LCJSIjoyNTUsIkciOjI1NSwiQiI6MjU1fX0sIk1heFdpZHRoIjo3MjAuMCwiTWF4SGVpZ2h0IjoiSW5maW5pdHkiLCJTbWFydEZvcmVncm91bmRJc0FjdGl2ZSI6ZmFsc2UsIkhvcml6b250YWxBbGlnbm1lbnQiOjEsIlZlcnRpY2FsQWxpZ25tZW50IjowLCJTbWFydEZvcmVncm91bmQiOm51bGwsIkJhY2tncm91bmRGaWxsVHlwZSI6MCwiTWFyZ2luIjp7IiRpZCI6IjU4OSIsIlRvcCI6MCwiTGVmdCI6MCwiUmlnaHQiOjAsIkJvdHRvbSI6MH0sIlBhZGRpbmciOnsiJGlkIjoiNTkwIiwiVG9wIjowLCJMZWZ0IjowLCJSaWdodCI6MCwiQm90dG9tIjowfSwiQmFja2dyb3VuZCI6eyIkcmVmIjoiMTE3In0sIklzVmlzaWJsZSI6dHJ1ZSwiV2lkdGgiOjAuMCwiSGVpZ2h0IjowLjAsIkJvcmRlclN0eWxlIjp7IiRpZCI6IjU5MSIsIkxpbmVDb2xvciI6bnVsbCwiTGluZVdlaWdodCI6MC4wLCJMaW5lVHlwZSI6MCwiUGFyZW50U3R5bGUiOm51bGx9LCJQYXJlbnRTdHlsZSI6bnVsbH0sIkRhdGVTdHlsZSI6eyIkaWQiOiI1OTIiLCJGb250U2V0dGluZ3MiOnsiJGlkIjoiNTkzIiwiRm9udFNpemUiOjEwLCJGb250TmFtZSI6IkNhbGlicmkiLCJJc0JvbGQiOmZhbHNlLCJJc0l0YWxpYyI6ZmFsc2UsIklzVW5kZXJsaW5lZCI6ZmFsc2UsIlBhcmVudFN0eWxlIjpudWxsfSwiQXV0b1NpemUiOjAsIkZvcmVncm91bmQiOnsiJGlkIjoiNTk0IiwiQ29sb3IiOnsiJHJlZiI6IjEyMSJ9fSwiTWF4V2lkdGgiOjIwMC4wLCJNYXhIZWlnaHQiOiJJbmZpbml0eSIsIlNtYXJ0Rm9yZWdyb3VuZElzQWN0aXZlIjpmYWxzZSwiSG9yaXpvbnRhbEFsaWdubWVudCI6MCwiVmVydGljYWxBbGlnbm1lbnQiOjAsIlNtYXJ0Rm9yZWdyb3VuZCI6bnVsbCwiQmFja2dyb3VuZEZpbGxUeXBlIjowLCJNYXJnaW4iOnsiJGlkIjoiNTk1IiwiVG9wIjowLCJMZWZ0IjowLCJSaWdodCI6MCwiQm90dG9tIjowfSwiUGFkZGluZyI6eyIkaWQiOiI1OTYiLCJUb3AiOjAsIkxlZnQiOjAsIlJpZ2h0IjowLCJCb3R0b20iOjB9LCJCYWNrZ3JvdW5kIjp7IiRyZWYiOiIxMjQifSwiSXNWaXNpYmxlIjp0cnVlLCJXaWR0aCI6MC4wLCJIZWlnaHQiOjAuMCwiQm9yZGVyU3R5bGUiOnsiJGlkIjoiNTk3IiwiTGluZUNvbG9yIjpudWxsLCJMaW5lV2VpZ2h0IjowLjAsIkxpbmVUeXBlIjowLCJQYXJlbnRTdHlsZSI6bnVsbH0sIlBhcmVudFN0eWxlIjpudWxsfSwiRGF0ZUZvcm1hdCI6eyIkaWQiOiI1OTgiLCJGb3JtYXRTdHJpbmciOiJNTU0gZCIsIlNlcGFyYXRvciI6Ii8iLCJVc2VJbnRlcm5hdGlvbmFsRGF0ZUZvcm1hdCI6ZmFsc2UsIkRhdGVJc1Zpc2libGUiOmZhbHNlLCJUaW1lSXNWaXNpYmxlIjpmYWxzZSwiSG91ckRpZ2l0cyI6MSwiQW1QbURlc2lnbmF0b3IiOjIsIlRyaW0wME1pbnV0ZXMiOmZhbHNlLCJMYXN0S25vd25WaXNpYmlsaXR5U3RhdGUiOnsiJGlkIjoiNTk5IiwiRGF0ZVBhcnRJc1Zpc2libGUiOnRydWUsIlRpbWVQYXJ0SXNWaXNpYmxlIjpmYWxzZX19LCJJc1Zpc2libGUiOnRydWUsIlBhcmVudFN0eWxlIjpudWxsfSwiSW5kZXgiOjEzLCJTbWFydER1cmF0aW9uQWN0aXZhdGVkIjpmYWxzZSwiRGF0ZUZvcm1hdCI6eyIkcmVmIjoiNTk4In0sIklkIjoiOTgzMjU0MGMtYzNkYy00OTI1LWJkMWMtOTViNmY1MjMyNGVmIiwiSW1wb3J0SWQiOm51bGwsIlRpdGxlIjoiQ29uZiBTdGF0aW9ucyIsIk5vdGUiOm51bGwsIkh5cGVybGluayI6eyIkaWQiOiI2MDAiLCJBZGRyZXNzIjoiIiwiU3ViQWRkcmVzcyI6IiJ9LCJJc0NoYW5nZWQiOmZhbHNlLCJJc05ldyI6ZmFsc2V9LCJJbmRleCI6MH0seyIkaWQiOiI2MDEiLCJfYXR0YWNoZWRNaWxlc3RvbmVzIjpbeyIkaWQiOiI2MDIiLCJEYXRlIjoiMjAyMC0wNS0yMVQxMTo1OTowMCIsIlN0eWxlIjp7IiRpZCI6IjYwMyIsIlNoYXBlIjoxMSwiQ29ubmVjdG9yTWFyZ2luIjp7IiRpZCI6IjYwNCIsIlRvcCI6MCwiTGVmdCI6MiwiUmlnaHQiOjIsIkJvdHRvbSI6MH0sIkNvbm5lY3RvclN0eWxlIjp7IiRpZCI6IjYwNSIsIkxpbmVDb2xvciI6eyIkaWQiOiI2MDYiLCIkdHlwZSI6Ik5MUkUuQ29tbW9uLkRvbS5Tb2xpZENvbG9yQnJ1c2gsIE5MUkUuQ29tbW9uIiwiQ29sb3IiOnsiJGlkIjoiNjA3IiwiQSI6MTI3LCJSIjoxMTUsIkciOjExNSwiQiI6MTE1fX0sIkxpbmVXZWlnaHQiOjEuMCwiTGluZVR5cGUiOjAsIlBhcmVudFN0eWxlIjpudWxsfSwiSXNCZWxvd1RpbWViYW5kIjp0cnVlLCJQb3NpdGlvbk9uVGFzayI6MiwiSGlkZURhdGUiOmZhbHNlLCJTaGFwZVNpemUiOjAsIlNwYWNpbmciOjAuMCwiUGFkZGluZyI6eyIkaWQiOiI2MDgiLCJUb3AiOjcsIkxlZnQiOjMsIlJpZ2h0IjowLCJCb3R0b20iOjJ9LCJTaGFwZVN0eWxlIjp7IiRpZCI6IjYwOSIsIk1hcmdpbiI6eyIkaWQiOiI2MTAiLCJUb3AiOjAsIkxlZnQiOjAsIlJpZ2h0IjowLCJCb3R0b20iOjB9LCJQYWRkaW5nIjp7IiRpZCI6IjYxMSIsIlRvcCI6MCwiTGVmdCI6MCwiUmlnaHQiOjAsIkJvdHRvbSI6MH0sIkJhY2tncm91bmQiOnsiJGlkIjoiNjEyIiwiQ29sb3IiOnsiJGlkIjoiNjEzIiwiQSI6MjU1LCJSIjoxMTUsIkciOjExNSwiQiI6MTE1fX0sIklzVmlzaWJsZSI6dHJ1ZSwiV2lkdGgiOjEyLjAsIkhlaWdodCI6MTQuMCwiQm9yZGVyU3R5bGUiOnsiJGlkIjoiNjE0IiwiTGluZUNvbG9yIjpudWxsLCJMaW5lV2VpZ2h0IjowLjAsIkxpbmVUeXBlIjowLCJQYXJlbnRTdHlsZSI6bnVsbH0sIlBhcmVudFN0eWxlIjpudWxsfSwiVGl0bGVTdHlsZSI6eyIkaWQiOiI2MTUiLCJGb250U2V0dGluZ3MiOnsiJGlkIjoiNjE2IiwiRm9udFNpemUiOjExLCJGb250TmFtZSI6IkNhbGlicmkiLCJJc0JvbGQiOnRydWUsIklzSXRhbGljIjpmYWxzZSwiSXNVbmRlcmxpbmVkIjpmYWxzZSwiUGFyZW50U3R5bGUiOm51bGx9LCJBdXRvU2l6ZSI6MCwiRm9yZWdyb3VuZCI6eyIkaWQiOiI2MTciLCJDb2xvciI6eyIkaWQiOiI2MTgiLCJBIjoyNTUsIlIiOjAsIkciOjAsIkIiOjB9fSwiTWF4V2lkdGgiOjIwMC4wLCJNYXhIZWlnaHQiOiJJbmZpbml0eSIsIlNtYXJ0Rm9yZWdyb3VuZElzQWN0aXZlIjpmYWxzZSwiSG9yaXpvbnRhbEFsaWdubWVudCI6MSwiVmVydGljYWxBbGlnbm1lbnQiOjAsIlNtYXJ0Rm9yZWdyb3VuZCI6bnVsbCwiQmFja2dyb3VuZEZpbGxUeXBlIjowLCJNYXJnaW4iOnsiJGlkIjoiNjE5IiwiVG9wIjowLCJMZWZ0IjowLCJSaWdodCI6MCwiQm90dG9tIjowfSwiUGFkZGluZyI6eyIkaWQiOiI2MjAiLCJUb3AiOjAsIkxlZnQiOjAsIlJpZ2h0IjowLCJCb3R0b20iOjB9LCJCYWNrZ3JvdW5kIjp7IiRyZWYiOiI3MyJ9LCJJc1Zpc2libGUiOnRydWUsIldpZHRoIjowLjAsIkhlaWdodCI6MC4wLCJCb3JkZXJTdHlsZSI6eyIkaWQiOiI2MjEiLCJMaW5lQ29sb3IiOm51bGwsIkxpbmVXZWlnaHQiOjAuMCwiTGluZVR5cGUiOjAsIlBhcmVudFN0eWxlIjpudWxsfSwiUGFyZW50U3R5bGUiOm51bGx9LCJEYXRlU3R5bGUiOnsiJGlkIjoiNjIyIiwiRm9udFNldHRpbmdzIjp7IiRpZCI6IjYyMyIsIkZvbnRTaXplIjoxMCwiRm9udE5hbWUiOiJDYWxpYnJpIiwiSXNCb2xkIjpmYWxzZSwiSXNJdGFsaWMiOmZhbHNlLCJJc1VuZGVybGluZWQiOmZhbHNlLCJQYXJlbnRTdHlsZSI6bnVsbH0sIkF1dG9TaXplIjowLCJGb3JlZ3JvdW5kIjp7IiRpZCI6IjYyNCIsIkNvbG9yIjp7IiRpZCI6IjYyNSIsIkEiOjI1NSwiUiI6NjgsIkciOjg0LCJCIjoxMDZ9fSwiTWF4V2lkdGgiOjIwMC4wLCJNYXhIZWlnaHQiOiJJbmZpbml0eSIsIlNtYXJ0Rm9yZWdyb3VuZElzQWN0aXZlIjpmYWxzZSwiSG9yaXpvbnRhbEFsaWdubWVudCI6MSwiVmVydGljYWxBbGlnbm1lbnQiOjAsIlNtYXJ0Rm9yZWdyb3VuZCI6bnVsbCwiQmFja2dyb3VuZEZpbGxUeXBlIjowLCJNYXJnaW4iOnsiJGlkIjoiNjI2IiwiVG9wIjowLCJMZWZ0IjowLCJSaWdodCI6MCwiQm90dG9tIjowfSwiUGFkZGluZyI6eyIkaWQiOiI2MjciLCJUb3AiOjAsIkxlZnQiOjAsIlJpZ2h0IjowLCJCb3R0b20iOjB9LCJCYWNrZ3JvdW5kIjp7IiRyZWYiOiI4MCJ9LCJJc1Zpc2libGUiOnRydWUsIldpZHRoIjowLjAsIkhlaWdodCI6MC4wLCJCb3JkZXJTdHlsZSI6eyIkaWQiOiI2MjgiLCJMaW5lQ29sb3IiOm51bGwsIkxpbmVXZWlnaHQiOjAuMCwiTGluZVR5cGUiOjAsIlBhcmVudFN0eWxlIjpudWxsfSwiUGFyZW50U3R5bGUiOm51bGx9LCJEYXRlRm9ybWF0Ijp7IiRpZCI6IjYyOSIsIkZvcm1hdFN0cmluZyI6Ik1NTSBkIiwiU2VwYXJhdG9yIjoiLyIsIlVzZUludGVybmF0aW9uYWxEYXRlRm9ybWF0IjpmYWxzZSwiRGF0ZUlzVmlzaWJsZSI6dHJ1ZSwiVGltZUlzVmlzaWJsZSI6ZmFsc2UsIkhvdXJEaWdpdHMiOjEsIkFtUG1EZXNpZ25hdG9yIjoyLCJUcmltMDBNaW51dGVzIjpmYWxzZSwiTGFzdEtub3duVmlzaWJpbGl0eVN0YXRlIjpudWxsfSwiSXNWaXNpYmxlIjp0cnVlLCJQYXJlbnRTdHlsZSI6bnVsbH0sIkluZGV4IjoxNSwiUGVyY2VudGFnZUNvbXBsZXRlIjpudWxsLCJQb3NpdGlvbiI6eyJSYXRpbyI6MC4wLCJJc0N1c3RvbSI6ZmFsc2V9LCJEYXRlRm9ybWF0Ijp7IiRyZWYiOiI2MjkifSwiUmVsYXRlZFRhc2tJZCI6Ijc2MjU1MDAyLWY1MTgtNGJkMS04MmM4LTJhYmE2ODFmZjRkYSIsIklkIjoiNzE3MzI0ZjQtOTQ0ZS00YWU0LWFmOGYtMWEyZDFhMDA4NjljIiwiSW1wb3J0SWQiOm51bGwsIlRpdGxlIjoiT25yYW1wICIsIk5vdGUiOm51bGwsIkh5cGVybGluayI6eyIkaWQiOiI2MzAiLCJBZGRyZXNzIjoiIiwiU3ViQWRkcmVzcyI6IiJ9LCJJc0NoYW5nZWQiOmZhbHNlLCJJc05ldyI6ZmFsc2V9XSwiVGFza0RlZmluaXRpb24iOnsiJGlkIjoiNjMxIiwiR3JvdXBOYW1lIjoiMzc0ODE5ZjQtYmE3OC00YmE3LThhYjktZWNhYTYzYjU5NTAwIiwiU3RhcnREYXRlIjoiMjAyMC0wNC0zMFQwMDowMDowMCIsIkVuZERhdGUiOiIyMDIwLTA5LTI3VDExOjU5OjAwIiwiUGVyY2VudGFnZUNvbXBsZXRlIjo4NS4wLCJTdHlsZSI6eyIkaWQiOiI2MzIiLCJTaGFwZSI6NCwiU2hhcGVUaGlja25lc3MiOjEsIkR1cmF0aW9uRm9ybWF0IjowLCJJbmNsdWRlTm9uV29ya2luZ0RheXNJbkR1cmF0aW9uIjpmYWxzZSwiUGVyY2VudGFnZUNvbXBsZXRlU3R5bGUiOnsiJGlkIjoiNjMzIiwiRm9udFNldHRpbmdzIjp7IiRpZCI6IjYzNCIsIkZvbnRTaXplIjoxMCwiRm9udE5hbWUiOiJDYWxpYnJpIiwiSXNCb2xkIjpmYWxzZSwiSXNJdGFsaWMiOmZhbHNlLCJJc1VuZGVybGluZWQiOmZhbHNlLCJQYXJlbnRTdHlsZSI6bnVsbH0sIkF1dG9TaXplIjowLCJGb3JlZ3JvdW5kIjp7IiRpZCI6IjYzNSIsIkNvbG9yIjp7IiRpZCI6IjYzNiIsIkEiOjI1NSwiUiI6MTkyLCJHIjo4MCwiQiI6Nzd9fSwiTWF4V2lkdGgiOjIwMC4wLCJNYXhIZWlnaHQiOiJJbmZpbml0eSIsIlNtYXJ0Rm9yZWdyb3VuZElzQWN0aXZlIjpmYWxzZSwiSG9yaXpvbnRhbEFsaWdubWVudCI6MSwiVmVydGljYWxBbGlnbm1lbnQiOjAsIlNtYXJ0Rm9yZWdyb3VuZCI6bnVsbCwiQmFja2dyb3VuZEZpbGxUeXBlIjowLCJNYXJnaW4iOnsiJGlkIjoiNjM3IiwiVG9wIjowLCJMZWZ0IjowLCJSaWdodCI6MCwiQm90dG9tIjowfSwiUGFkZGluZyI6eyIkaWQiOiI2MzgiLCJUb3AiOjAsIkxlZnQiOjAsIlJpZ2h0IjowLCJCb3R0b20iOjB9LCJCYWNrZ3JvdW5kIjp7IiRyZWYiOiI4OSJ9LCJJc1Zpc2libGUiOnRydWUsIldpZHRoIjowLjAsIkhlaWdodCI6MC4wLCJCb3JkZXJTdHlsZSI6eyIkaWQiOiI2MzkiLCJMaW5lQ29sb3IiOm51bGwsIkxpbmVXZWlnaHQiOjAuMCwiTGluZVR5cGUiOjAsIlBhcmVudFN0eWxlIjpudWxsfSwiUGFyZW50U3R5bGUiOm51bGx9LCJEdXJhdGlvblN0eWxlIjp7IiRpZCI6IjY0MCIsIkZvbnRTZXR0aW5ncyI6eyIkaWQiOiI2NDEiLCJGb250U2l6ZSI6MTAsIkZvbnROYW1lIjoiQ2FsaWJyaSIsIklzQm9sZCI6ZmFsc2UsIklzSXRhbGljIjpmYWxzZSwiSXNVbmRlcmxpbmVkIjpmYWxzZSwiUGFyZW50U3R5bGUiOm51bGx9LCJBdXRvU2l6ZSI6MCwiRm9yZWdyb3VuZCI6eyIkaWQiOiI2NDIiLCJDb2xvciI6eyIkcmVmIjoiOTMifX0sIk1heFdpZHRoIjoyMDAuMCwiTWF4SGVpZ2h0IjoiSW5maW5pdHkiLCJTbWFydEZvcmVncm91bmRJc0FjdGl2ZSI6ZmFsc2UsIkhvcml6b250YWxBbGlnbm1lbnQiOjAsIlZlcnRpY2FsQWxpZ25tZW50IjowLCJTbWFydEZvcmVncm91bmQiOm51bGwsIkJhY2tncm91bmRGaWxsVHlwZSI6MCwiTWFyZ2luIjp7IiRpZCI6IjY0MyIsIlRvcCI6MCwiTGVmdCI6MCwiUmlnaHQiOjAsIkJvdHRvbSI6MH0sIlBhZGRpbmciOnsiJGlkIjoiNjQ0IiwiVG9wIjowLCJMZWZ0IjowLCJSaWdodCI6MCwiQm90dG9tIjowfSwiQmFja2dyb3VuZCI6eyIkcmVmIjoiOTYifSwiSXNWaXNpYmxlIjp0cnVlLCJXaWR0aCI6MC4wLCJIZWlnaHQiOjAuMCwiQm9yZGVyU3R5bGUiOnsiJGlkIjoiNjQ1IiwiTGluZUNvbG9yIjpudWxsLCJMaW5lV2VpZ2h0IjowLjAsIkxpbmVUeXBlIjowLCJQYXJlbnRTdHlsZSI6bnVsbH0sIlBhcmVudFN0eWxlIjpudWxsfSwiSG9yaXpvbnRhbENvbm5lY3RvclN0eWxlIjp7IiRpZCI6IjY0NiIsIkxpbmVDb2xvciI6eyIkcmVmIjoiOTgifSwiTGluZVdlaWdodCI6MS4wLCJMaW5lVHlwZSI6MCwiUGFyZW50U3R5bGUiOm51bGx9LCJWZXJ0aWNhbENvbm5lY3RvclN0eWxlIjp7IiRpZCI6IjY0NyIsIkxpbmVDb2xvciI6eyIkcmVmIjoiMTAxIn0sIkxpbmVXZWlnaHQiOjAuMCwiTGluZVR5cGUiOjAsIlBhcmVudFN0eWxlIjpudWxsfSwiTWFyZ2luIjpudWxsLCJTdGFydERhdGVQb3NpdGlvbiI6NiwiRW5kRGF0ZVBvc2l0aW9uIjo2LCJEYXRlSXNWaXNpYmxlIjpmYWxzZSwiVGl0bGVQb3NpdGlvbiI6MiwiRHVyYXRpb25Qb3NpdGlvbiI6NiwiUGVyY2VudGFnZUNvbXBsZXRlZFBvc2l0aW9uIjoyLCJTcGFjaW5nIjozLCJJc0JlbG93VGltZWJhbmQiOnRydWUsIlBlcmNlbnRhZ2VDb21wbGV0ZVNoYXBlT3BhY2l0eSI6MzUsIlNoYXBlU3R5bGUiOnsiJGlkIjoiNjQ4IiwiTWFyZ2luIjp7IiRpZCI6IjY0OSIsIlRvcCI6MCwiTGVmdCI6NCwiUmlnaHQiOjQsIkJvdHRvbSI6MH0sIlBhZGRpbmciOnsiJGlkIjoiNjUwIiwiVG9wIjowLCJMZWZ0IjowLCJSaWdodCI6MCwiQm90dG9tIjowfSwiQmFja2dyb3VuZCI6eyIkaWQiOiI2NTEiLCJDb2xvciI6eyIkaWQiOiI2NTIiLCJBIjoyNTUsIlIiOjE2MywiRyI6OTksIkIiOjE5NX19LCJJc1Zpc2libGUiOnRydWUsIldpZHRoIjowLjAsIkhlaWdodCI6MTYuMCwiQm9yZGVyU3R5bGUiOnsiJGlkIjoiNjUzIiwiTGluZUNvbG9yIjp7IiRpZCI6IjY1NCIsIiR0eXBlIjoiTkxSRS5Db21tb24uRG9tLlNvbGlkQ29sb3JCcnVzaCwgTkxSRS5Db21tb24iLCJDb2xvciI6eyIkaWQiOiI2NTUiLCJBIjoyNTUsIlIiOjI1NSwiRyI6MCwiQiI6MH19LCJMaW5lV2VpZ2h0IjowLjAsIkxpbmVUeXBlIjowLCJQYXJlbnRTdHlsZSI6bnVsbH0sIlBhcmVudFN0eWxlIjpudWxsfSwiVGl0bGVTdHlsZSI6eyIkaWQiOiI2NTYiLCJGb250U2V0dGluZ3MiOnsiJGlkIjoiNjU3IiwiRm9udFNpemUiOjExLCJGb250TmFtZSI6IkNhbGlicmkiLCJJc0JvbGQiOmZhbHNlLCJJc0l0YWxpYyI6ZmFsc2UsIklzVW5kZXJsaW5lZCI6ZmFsc2UsIlBhcmVudFN0eWxlIjpudWxsfSwiQXV0b1NpemUiOjAsIkZvcmVncm91bmQiOnsiJGlkIjoiNjU4IiwiQ29sb3IiOnsiJGlkIjoiNjU5IiwiQSI6MjU1LCJSIjoyNTUsIkciOjI1NSwiQiI6MjU1fX0sIk1heFdpZHRoIjo3MjAuMCwiTWF4SGVpZ2h0IjoiSW5maW5pdHkiLCJTbWFydEZvcmVncm91bmRJc0FjdGl2ZSI6ZmFsc2UsIkhvcml6b250YWxBbGlnbm1lbnQiOjEsIlZlcnRpY2FsQWxpZ25tZW50IjowLCJTbWFydEZvcmVncm91bmQiOm51bGwsIkJhY2tncm91bmRGaWxsVHlwZSI6MCwiTWFyZ2luIjp7IiRpZCI6IjY2MCIsIlRvcCI6MCwiTGVmdCI6MCwiUmlnaHQiOjAsIkJvdHRvbSI6MH0sIlBhZGRpbmciOnsiJGlkIjoiNjYxIiwiVG9wIjowLCJMZWZ0IjowLCJSaWdodCI6MCwiQm90dG9tIjowfSwiQmFja2dyb3VuZCI6eyIkcmVmIjoiMTE3In0sIklzVmlzaWJsZSI6dHJ1ZSwiV2lkdGgiOjAuMCwiSGVpZ2h0IjowLjAsIkJvcmRlclN0eWxlIjp7IiRpZCI6IjY2MiIsIkxpbmVDb2xvciI6bnVsbCwiTGluZVdlaWdodCI6MC4wLCJMaW5lVHlwZSI6MCwiUGFyZW50U3R5bGUiOm51bGx9LCJQYXJlbnRTdHlsZSI6bnVsbH0sIkRhdGVTdHlsZSI6eyIkaWQiOiI2NjMiLCJGb250U2V0dGluZ3MiOnsiJGlkIjoiNjY0IiwiRm9udFNpemUiOjEwLCJGb250TmFtZSI6IkNhbGlicmkiLCJJc0JvbGQiOmZhbHNlLCJJc0l0YWxpYyI6ZmFsc2UsIklzVW5kZXJsaW5lZCI6ZmFsc2UsIlBhcmVudFN0eWxlIjpudWxsfSwiQXV0b1NpemUiOjAsIkZvcmVncm91bmQiOnsiJGlkIjoiNjY1IiwiQ29sb3IiOnsiJHJlZiI6IjEyMSJ9fSwiTWF4V2lkdGgiOjIwMC4wLCJNYXhIZWlnaHQiOiJJbmZpbml0eSIsIlNtYXJ0Rm9yZWdyb3VuZElzQWN0aXZlIjpmYWxzZSwiSG9yaXpvbnRhbEFsaWdubWVudCI6MCwiVmVydGljYWxBbGlnbm1lbnQiOjAsIlNtYXJ0Rm9yZWdyb3VuZCI6bnVsbCwiQmFja2dyb3VuZEZpbGxUeXBlIjowLCJNYXJnaW4iOnsiJGlkIjoiNjY2IiwiVG9wIjowLCJMZWZ0IjowLCJSaWdodCI6MCwiQm90dG9tIjowfSwiUGFkZGluZyI6eyIkaWQiOiI2NjciLCJUb3AiOjAsIkxlZnQiOjAsIlJpZ2h0IjowLCJCb3R0b20iOjB9LCJCYWNrZ3JvdW5kIjp7IiRyZWYiOiIxMjQifSwiSXNWaXNpYmxlIjp0cnVlLCJXaWR0aCI6MC4wLCJIZWlnaHQiOjAuMCwiQm9yZGVyU3R5bGUiOnsiJGlkIjoiNjY4IiwiTGluZUNvbG9yIjpudWxsLCJMaW5lV2VpZ2h0IjowLjAsIkxpbmVUeXBlIjowLCJQYXJlbnRTdHlsZSI6bnVsbH0sIlBhcmVudFN0eWxlIjpudWxsfSwiRGF0ZUZvcm1hdCI6eyIkaWQiOiI2NjkiLCJGb3JtYXRTdHJpbmciOiJNTU0gZCIsIlNlcGFyYXRvciI6Ii8iLCJVc2VJbnRlcm5hdGlvbmFsRGF0ZUZvcm1hdCI6ZmFsc2UsIkRhdGVJc1Zpc2libGUiOmZhbHNlLCJUaW1lSXNWaXNpYmxlIjpmYWxzZSwiSG91ckRpZ2l0cyI6MSwiQW1QbURlc2lnbmF0b3IiOjIsIlRyaW0wME1pbnV0ZXMiOmZhbHNlLCJMYXN0S25vd25WaXNpYmlsaXR5U3RhdGUiOnsiJGlkIjoiNjcwIiwiRGF0ZVBhcnRJc1Zpc2libGUiOnRydWUsIlRpbWVQYXJ0SXNWaXNpYmxlIjpmYWxzZX19LCJJc1Zpc2libGUiOnRydWUsIlBhcmVudFN0eWxlIjpudWxsfSwiSW5kZXgiOjE0LCJTbWFydER1cmF0aW9uQWN0aXZhdGVkIjpmYWxzZSwiRGF0ZUZvcm1hdCI6eyIkcmVmIjoiNjY5In0sIklkIjoiNzYyNTUwMDItZjUxOC00YmQxLTgyYzgtMmFiYTY4MWZmNGRhIiwiSW1wb3J0SWQiOm51bGwsIlRpdGxlIjoiU291cmNlY29kZSAiLCJOb3RlIjpudWxsLCJIeXBlcmxpbmsiOnsiJGlkIjoiNjcxIiwiQWRkcmVzcyI6IiIsIlN1YkFkZHJlc3MiOiIifSwiSXNDaGFuZ2VkIjpmYWxzZSwiSXNOZXciOmZhbHNlfSwiSW5kZXgiOjB9LHsiJGlkIjoiNjcyIiwiX2F0dGFjaGVkTWlsZXN0b25lcyI6W3siJGlkIjoiNjczIiwiRGF0ZSI6IjIwMTktMTItMDJUMTE6NTk6MDAiLCJTdHlsZSI6eyIkaWQiOiI2NzQiLCJTaGFwZSI6MTMsIkNvbm5lY3Rvck1hcmdpbiI6eyIkaWQiOiI2NzUiLCJUb3AiOjAsIkxlZnQiOjIsIlJpZ2h0IjoyLCJCb3R0b20iOjB9LCJDb25uZWN0b3JTdHlsZSI6eyIkaWQiOiI2NzYiLCJMaW5lQ29sb3IiOnsiJHJlZiI6IjYwNiJ9LCJMaW5lV2VpZ2h0IjoxLjAsIkxpbmVUeXBlIjowLCJQYXJlbnRTdHlsZSI6bnVsbH0sIklzQmVsb3dUaW1lYmFuZCI6dHJ1ZSwiUG9zaXRpb25PblRhc2siOjIsIkhpZGVEYXRlIjpmYWxzZSwiU2hhcGVTaXplIjoxLCJTcGFjaW5nIjowLjAsIlBhZGRpbmciOnsiJGlkIjoiNjc3IiwiVG9wIjo3LCJMZWZ0IjozLCJSaWdodCI6MCwiQm90dG9tIjoyfSwiU2hhcGVTdHlsZSI6eyIkaWQiOiI2NzgiLCJNYXJnaW4iOnsiJGlkIjoiNjc5IiwiVG9wIjowLCJMZWZ0IjowLCJSaWdodCI6MCwiQm90dG9tIjowfSwiUGFkZGluZyI6eyIkaWQiOiI2ODAiLCJUb3AiOjAsIkxlZnQiOjAsIlJpZ2h0IjowLCJCb3R0b20iOjB9LCJCYWNrZ3JvdW5kIjp7IiRpZCI6IjY4MSIsIkNvbG9yIjp7IiRpZCI6IjY4MiIsIkEiOjI1NSwiUiI6MTE1LCJHIjoxMTUsIkIiOjExNX19LCJJc1Zpc2libGUiOnRydWUsIldpZHRoIjoxMy4wLCJIZWlnaHQiOjEzLjAsIkJvcmRlclN0eWxlIjp7IiRpZCI6IjY4MyIsIkxpbmVDb2xvciI6bnVsbCwiTGluZVdlaWdodCI6MC4wLCJMaW5lVHlwZSI6MCwiUGFyZW50U3R5bGUiOm51bGx9LCJQYXJlbnRTdHlsZSI6bnVsbH0sIlRpdGxlU3R5bGUiOnsiJGlkIjoiNjg0IiwiRm9udFNldHRpbmdzIjp7IiRpZCI6IjY4NSIsIkZvbnRTaXplIjoxMSwiRm9udE5hbWUiOiJDYWxpYnJpIiwiSXNCb2xkIjp0cnVlLCJJc0l0YWxpYyI6ZmFsc2UsIklzVW5kZXJsaW5lZCI6ZmFsc2UsIlBhcmVudFN0eWxlIjpudWxsfSwiQXV0b1NpemUiOjAsIkZvcmVncm91bmQiOnsiJGlkIjoiNjg2IiwiQ29sb3IiOnsiJGlkIjoiNjg3IiwiQSI6MjU1LCJSIjowLCJHIjowLCJCIjowfX0sIk1heFdpZHRoIjoyMDAuMCwiTWF4SGVpZ2h0IjoiSW5maW5pdHkiLCJTbWFydEZvcmVncm91bmRJc0FjdGl2ZSI6ZmFsc2UsIkhvcml6b250YWxBbGlnbm1lbnQiOjEsIlZlcnRpY2FsQWxpZ25tZW50IjowLCJTbWFydEZvcmVncm91bmQiOm51bGwsIkJhY2tncm91bmRGaWxsVHlwZSI6MCwiTWFyZ2luIjp7IiRpZCI6IjY4OCIsIlRvcCI6MCwiTGVmdCI6MCwiUmlnaHQiOjAsIkJvdHRvbSI6MH0sIlBhZGRpbmciOnsiJGlkIjoiNjg5IiwiVG9wIjowLCJMZWZ0IjowLCJSaWdodCI6MCwiQm90dG9tIjowfSwiQmFja2dyb3VuZCI6eyIkcmVmIjoiNzMifSwiSXNWaXNpYmxlIjp0cnVlLCJXaWR0aCI6MC4wLCJIZWlnaHQiOjAuMCwiQm9yZGVyU3R5bGUiOnsiJGlkIjoiNjkwIiwiTGluZUNvbG9yIjpudWxsLCJMaW5lV2VpZ2h0IjowLjAsIkxpbmVUeXBlIjowLCJQYXJlbnRTdHlsZSI6bnVsbH0sIlBhcmVudFN0eWxlIjpudWxsfSwiRGF0ZVN0eWxlIjp7IiRpZCI6IjY5MSIsIkZvbnRTZXR0aW5ncyI6eyIkaWQiOiI2OTIiLCJGb250U2l6ZSI6MTAsIkZvbnROYW1lIjoiQ2FsaWJyaSIsIklzQm9sZCI6ZmFsc2UsIklzSXRhbGljIjpmYWxzZSwiSXNVbmRlcmxpbmVkIjpmYWxzZSwiUGFyZW50U3R5bGUiOm51bGx9LCJBdXRvU2l6ZSI6MCwiRm9yZWdyb3VuZCI6eyIkaWQiOiI2OTMiLCJDb2xvciI6eyIkaWQiOiI2OTQiLCJBIjoyNTUsIlIiOjY4LCJHIjo4NCwiQiI6MTA2fX0sIk1heFdpZHRoIjoyMDAuMCwiTWF4SGVpZ2h0IjoiSW5maW5pdHkiLCJTbWFydEZvcmVncm91bmRJc0FjdGl2ZSI6ZmFsc2UsIkhvcml6b250YWxBbGlnbm1lbnQiOjEsIlZlcnRpY2FsQWxpZ25tZW50IjowLCJTbWFydEZvcmVncm91bmQiOm51bGwsIkJhY2tncm91bmRGaWxsVHlwZSI6MCwiTWFyZ2luIjp7IiRpZCI6IjY5NSIsIlRvcCI6MCwiTGVmdCI6MCwiUmlnaHQiOjAsIkJvdHRvbSI6MH0sIlBhZGRpbmciOnsiJGlkIjoiNjk2IiwiVG9wIjowLCJMZWZ0IjowLCJSaWdodCI6MCwiQm90dG9tIjowfSwiQmFja2dyb3VuZCI6eyIkcmVmIjoiODAifSwiSXNWaXNpYmxlIjp0cnVlLCJXaWR0aCI6MC4wLCJIZWlnaHQiOjAuMCwiQm9yZGVyU3R5bGUiOnsiJGlkIjoiNjk3IiwiTGluZUNvbG9yIjpudWxsLCJMaW5lV2VpZ2h0IjowLjAsIkxpbmVUeXBlIjowLCJQYXJlbnRTdHlsZSI6bnVsbH0sIlBhcmVudFN0eWxlIjpudWxsfSwiRGF0ZUZvcm1hdCI6eyIkaWQiOiI2OTgiLCJGb3JtYXRTdHJpbmciOiJNTU0gZCIsIlNlcGFyYXRvciI6Ii8iLCJVc2VJbnRlcm5hdGlvbmFsRGF0ZUZvcm1hdCI6ZmFsc2UsIkRhdGVJc1Zpc2libGUiOnRydWUsIlRpbWVJc1Zpc2libGUiOmZhbHNlLCJIb3VyRGlnaXRzIjoxLCJBbVBtRGVzaWduYXRvciI6MiwiVHJpbTAwTWludXRlcyI6ZmFsc2UsIkxhc3RLbm93blZpc2liaWxpdHlTdGF0ZSI6bnVsbH0sIklzVmlzaWJsZSI6dHJ1ZSwiUGFyZW50U3R5bGUiOm51bGx9LCJJbmRleCI6MTYsIlBlcmNlbnRhZ2VDb21wbGV0ZSI6bnVsbCwiUG9zaXRpb24iOnsiUmF0aW8iOjAuMCwiSXNDdXN0b20iOmZhbHNlfSwiRGF0ZUZvcm1hdCI6eyIkcmVmIjoiNjk4In0sIlJlbGF0ZWRUYXNrSWQiOiI3YjQ5NjkwMC0xMmY5LTQzMWYtYTU3OS04NjMwMzk3NzQzMjEiLCJJZCI6IjZhMjg1M2VmLWJhMjUtNDRiMi05YmI3LWUwYmU2ZTZkNzgyMiIsIkltcG9ydElkIjpudWxsLCJUaXRsZSI6IkVxdWlwIERvY3MgIiwiTm90ZSI6bnVsbCwiSHlwZXJsaW5rIjp7IiRpZCI6IjY5OSIsIkFkZHJlc3MiOiIiLCJTdWJBZGRyZXNzIjoiIn0sIklzQ2hhbmdlZCI6ZmFsc2UsIklzTmV3IjpmYWxzZX1dLCJUYXNrRGVmaW5pdGlvbiI6eyIkaWQiOiI3MDAiLCJHcm91cE5hbWUiOiIzNzQ4MTlmNC1iYTc4LTRiYTctOGFiOS1lY2FhNjNiNTk1MDAiLCJTdGFydERhdGUiOiIyMDE5LTA5LTAxVDAwOjAwOjAwWiIsIkVuZERhdGUiOiIyMDE5LTEyLTEyVDExOjU5OjAwIiwiUGVyY2VudGFnZUNvbXBsZXRlIjo3NS4wLCJTdHlsZSI6eyIkaWQiOiI3MDEiLCJTaGFwZSI6NCwiU2hhcGVUaGlja25lc3MiOjEsIkR1cmF0aW9uRm9ybWF0IjowLCJJbmNsdWRlTm9uV29ya2luZ0RheXNJbkR1cmF0aW9uIjpmYWxzZSwiUGVyY2VudGFnZUNvbXBsZXRlU3R5bGUiOnsiJGlkIjoiNzAyIiwiRm9udFNldHRpbmdzIjp7IiRpZCI6IjcwMyIsIkZvbnRTaXplIjoxMCwiRm9udE5hbWUiOiJDYWxpYnJpIiwiSXNCb2xkIjpmYWxzZSwiSXNJdGFsaWMiOmZhbHNlLCJJc1VuZGVybGluZWQiOmZhbHNlLCJQYXJlbnRTdHlsZSI6bnVsbH0sIkF1dG9TaXplIjowLCJGb3JlZ3JvdW5kIjp7IiRpZCI6IjcwNCIsIkNvbG9yIjp7IiRpZCI6IjcwNSIsIkEiOjI1NSwiUiI6MTkyLCJHIjo4MCwiQiI6Nzd9fSwiTWF4V2lkdGgiOjIwMC4wLCJNYXhIZWlnaHQiOiJJbmZpbml0eSIsIlNtYXJ0Rm9yZWdyb3VuZElzQWN0aXZlIjpmYWxzZSwiSG9yaXpvbnRhbEFsaWdubWVudCI6MSwiVmVydGljYWxBbGlnbm1lbnQiOjAsIlNtYXJ0Rm9yZWdyb3VuZCI6bnVsbCwiQmFja2dyb3VuZEZpbGxUeXBlIjowLCJNYXJnaW4iOnsiJGlkIjoiNzA2IiwiVG9wIjowLCJMZWZ0IjowLCJSaWdodCI6MCwiQm90dG9tIjowfSwiUGFkZGluZyI6eyIkaWQiOiI3MDciLCJUb3AiOjAsIkxlZnQiOjAsIlJpZ2h0IjowLCJCb3R0b20iOjB9LCJCYWNrZ3JvdW5kIjp7IiRyZWYiOiI4OSJ9LCJJc1Zpc2libGUiOnRydWUsIldpZHRoIjowLjAsIkhlaWdodCI6MC4wLCJCb3JkZXJTdHlsZSI6eyIkaWQiOiI3MDgiLCJMaW5lQ29sb3IiOm51bGwsIkxpbmVXZWlnaHQiOjAuMCwiTGluZVR5cGUiOjAsIlBhcmVudFN0eWxlIjpudWxsfSwiUGFyZW50U3R5bGUiOm51bGx9LCJEdXJhdGlvblN0eWxlIjp7IiRpZCI6IjcwOSIsIkZvbnRTZXR0aW5ncyI6eyIkaWQiOiI3MTAiLCJGb250U2l6ZSI6MTAsIkZvbnROYW1lIjoiQ2FsaWJyaSIsIklzQm9sZCI6ZmFsc2UsIklzSXRhbGljIjpmYWxzZSwiSXNVbmRlcmxpbmVkIjpmYWxzZSwiUGFyZW50U3R5bGUiOm51bGx9LCJBdXRvU2l6ZSI6MCwiRm9yZWdyb3VuZCI6eyIkaWQiOiI3MTEiLCJDb2xvciI6eyIkcmVmIjoiOTMifX0sIk1heFdpZHRoIjoyMDAuMCwiTWF4SGVpZ2h0IjoiSW5maW5pdHkiLCJTbWFydEZvcmVncm91bmRJc0FjdGl2ZSI6ZmFsc2UsIkhvcml6b250YWxBbGlnbm1lbnQiOjAsIlZlcnRpY2FsQWxpZ25tZW50IjowLCJTbWFydEZvcmVncm91bmQiOm51bGwsIkJhY2tncm91bmRGaWxsVHlwZSI6MCwiTWFyZ2luIjp7IiRpZCI6IjcxMiIsIlRvcCI6MCwiTGVmdCI6MCwiUmlnaHQiOjAsIkJvdHRvbSI6MH0sIlBhZGRpbmciOnsiJGlkIjoiNzEzIiwiVG9wIjowLCJMZWZ0IjowLCJSaWdodCI6MCwiQm90dG9tIjowfSwiQmFja2dyb3VuZCI6eyIkcmVmIjoiOTYifSwiSXNWaXNpYmxlIjp0cnVlLCJXaWR0aCI6MC4wLCJIZWlnaHQiOjAuMCwiQm9yZGVyU3R5bGUiOnsiJGlkIjoiNzE0IiwiTGluZUNvbG9yIjpudWxsLCJMaW5lV2VpZ2h0IjowLjAsIkxpbmVUeXBlIjowLCJQYXJlbnRTdHlsZSI6bnVsbH0sIlBhcmVudFN0eWxlIjpudWxsfSwiSG9yaXpvbnRhbENvbm5lY3RvclN0eWxlIjp7IiRpZCI6IjcxNSIsIkxpbmVDb2xvciI6eyIkcmVmIjoiOTgifSwiTGluZVdlaWdodCI6MS4wLCJMaW5lVHlwZSI6MCwiUGFyZW50U3R5bGUiOm51bGx9LCJWZXJ0aWNhbENvbm5lY3RvclN0eWxlIjp7IiRpZCI6IjcxNiIsIkxpbmVDb2xvciI6eyIkcmVmIjoiMTAxIn0sIkxpbmVXZWlnaHQiOjAuMCwiTGluZVR5cGUiOjAsIlBhcmVudFN0eWxlIjpudWxsfSwiTWFyZ2luIjpudWxsLCJTdGFydERhdGVQb3NpdGlvbiI6NiwiRW5kRGF0ZVBvc2l0aW9uIjo2LCJEYXRlSXNWaXNpYmxlIjpmYWxzZSwiVGl0bGVQb3NpdGlvbiI6MiwiRHVyYXRpb25Qb3NpdGlvbiI6NiwiUGVyY2VudGFnZUNvbXBsZXRlZFBvc2l0aW9uIjoyLCJTcGFjaW5nIjozLCJJc0JlbG93VGltZWJhbmQiOnRydWUsIlBlcmNlbnRhZ2VDb21wbGV0ZVNoYXBlT3BhY2l0eSI6MzUsIlNoYXBlU3R5bGUiOnsiJGlkIjoiNzE3IiwiTWFyZ2luIjp7IiRpZCI6IjcxOCIsIlRvcCI6MCwiTGVmdCI6NCwiUmlnaHQiOjQsIkJvdHRvbSI6MH0sIlBhZGRpbmciOnsiJGlkIjoiNzE5IiwiVG9wIjowLCJMZWZ0IjowLCJSaWdodCI6MCwiQm90dG9tIjowfSwiQmFja2dyb3VuZCI6eyIkaWQiOiI3MjAiLCJDb2xvciI6eyIkaWQiOiI3MjEiLCJBIjoyNTUsIlIiOjE2MywiRyI6OTksIkIiOjE5NX19LCJJc1Zpc2libGUiOnRydWUsIldpZHRoIjowLjAsIkhlaWdodCI6MTYuMCwiQm9yZGVyU3R5bGUiOnsiJGlkIjoiNzIyIiwiTGluZUNvbG9yIjp7IiRpZCI6IjcyMyIsIiR0eXBlIjoiTkxSRS5Db21tb24uRG9tLlNvbGlkQ29sb3JCcnVzaCwgTkxSRS5Db21tb24iLCJDb2xvciI6eyIkaWQiOiI3MjQiLCJBIjoyNTUsIlIiOjI1NSwiRyI6MCwiQiI6MH19LCJMaW5lV2VpZ2h0IjowLjAsIkxpbmVUeXBlIjowLCJQYXJlbnRTdHlsZSI6bnVsbH0sIlBhcmVudFN0eWxlIjpudWxsfSwiVGl0bGVTdHlsZSI6eyIkaWQiOiI3MjUiLCJGb250U2V0dGluZ3MiOnsiJGlkIjoiNzI2IiwiRm9udFNpemUiOjExLCJGb250TmFtZSI6IkNhbGlicmkiLCJJc0JvbGQiOmZhbHNlLCJJc0l0YWxpYyI6ZmFsc2UsIklzVW5kZXJsaW5lZCI6ZmFsc2UsIlBhcmVudFN0eWxlIjpudWxsfSwiQXV0b1NpemUiOjAsIkZvcmVncm91bmQiOnsiJGlkIjoiNzI3IiwiQ29sb3IiOnsiJGlkIjoiNzI4IiwiQSI6MjU1LCJSIjoyNTUsIkciOjI1NSwiQiI6MjU1fX0sIk1heFdpZHRoIjo5NjAuMCwiTWF4SGVpZ2h0IjoiSW5maW5pdHkiLCJTbWFydEZvcmVncm91bmRJc0FjdGl2ZSI6ZmFsc2UsIkhvcml6b250YWxBbGlnbm1lbnQiOjEsIlZlcnRpY2FsQWxpZ25tZW50IjowLCJTbWFydEZvcmVncm91bmQiOm51bGwsIkJhY2tncm91bmRGaWxsVHlwZSI6MCwiTWFyZ2luIjp7IiRpZCI6IjcyOSIsIlRvcCI6MCwiTGVmdCI6MCwiUmlnaHQiOjAsIkJvdHRvbSI6MH0sIlBhZGRpbmciOnsiJGlkIjoiNzMwIiwiVG9wIjowLCJMZWZ0IjowLCJSaWdodCI6MCwiQm90dG9tIjowfSwiQmFja2dyb3VuZCI6eyIkcmVmIjoiMTE3In0sIklzVmlzaWJsZSI6dHJ1ZSwiV2lkdGgiOjAuMCwiSGVpZ2h0IjowLjAsIkJvcmRlclN0eWxlIjp7IiRpZCI6IjczMSIsIkxpbmVDb2xvciI6bnVsbCwiTGluZVdlaWdodCI6MC4wLCJMaW5lVHlwZSI6MCwiUGFyZW50U3R5bGUiOm51bGx9LCJQYXJlbnRTdHlsZSI6bnVsbH0sIkRhdGVTdHlsZSI6eyIkaWQiOiI3MzIiLCJGb250U2V0dGluZ3MiOnsiJGlkIjoiNzMzIiwiRm9udFNpemUiOjEwLCJGb250TmFtZSI6IkNhbGlicmkiLCJJc0JvbGQiOmZhbHNlLCJJc0l0YWxpYyI6ZmFsc2UsIklzVW5kZXJsaW5lZCI6ZmFsc2UsIlBhcmVudFN0eWxlIjpudWxsfSwiQXV0b1NpemUiOjAsIkZvcmVncm91bmQiOnsiJGlkIjoiNzM0IiwiQ29sb3IiOnsiJHJlZiI6IjEyMSJ9fSwiTWF4V2lkdGgiOjIwMC4wLCJNYXhIZWlnaHQiOiJJbmZpbml0eSIsIlNtYXJ0Rm9yZWdyb3VuZElzQWN0aXZlIjpmYWxzZSwiSG9yaXpvbnRhbEFsaWdubWVudCI6MCwiVmVydGljYWxBbGlnbm1lbnQiOjAsIlNtYXJ0Rm9yZWdyb3VuZCI6bnVsbCwiQmFja2dyb3VuZEZpbGxUeXBlIjowLCJNYXJnaW4iOnsiJGlkIjoiNzM1IiwiVG9wIjowLCJMZWZ0IjowLCJSaWdodCI6MCwiQm90dG9tIjowfSwiUGFkZGluZyI6eyIkaWQiOiI3MzYiLCJUb3AiOjAsIkxlZnQiOjAsIlJpZ2h0IjowLCJCb3R0b20iOjB9LCJCYWNrZ3JvdW5kIjp7IiRyZWYiOiIxMjQifSwiSXNWaXNpYmxlIjp0cnVlLCJXaWR0aCI6MC4wLCJIZWlnaHQiOjAuMCwiQm9yZGVyU3R5bGUiOnsiJGlkIjoiNzM3IiwiTGluZUNvbG9yIjpudWxsLCJMaW5lV2VpZ2h0IjowLjAsIkxpbmVUeXBlIjowLCJQYXJlbnRTdHlsZSI6bnVsbH0sIlBhcmVudFN0eWxlIjpudWxsfSwiRGF0ZUZvcm1hdCI6eyIkaWQiOiI3MzgiLCJGb3JtYXRTdHJpbmciOiJNTU0gZCIsIlNlcGFyYXRvciI6Ii8iLCJVc2VJbnRlcm5hdGlvbmFsRGF0ZUZvcm1hdCI6ZmFsc2UsIkRhdGVJc1Zpc2libGUiOmZhbHNlLCJUaW1lSXNWaXNpYmxlIjpmYWxzZSwiSG91ckRpZ2l0cyI6MSwiQW1QbURlc2lnbmF0b3IiOjIsIlRyaW0wME1pbnV0ZXMiOmZhbHNlLCJMYXN0S25vd25WaXNpYmlsaXR5U3RhdGUiOnsiJGlkIjoiNzM5IiwiRGF0ZVBhcnRJc1Zpc2libGUiOnRydWUsIlRpbWVQYXJ0SXNWaXNpYmxlIjpmYWxzZX19LCJJc1Zpc2libGUiOnRydWUsIlBhcmVudFN0eWxlIjpudWxsfSwiSW5kZXgiOjE1LCJTbWFydER1cmF0aW9uQWN0aXZhdGVkIjpmYWxzZSwiRGF0ZUZvcm1hdCI6eyIkcmVmIjoiNzM4In0sIklkIjoiN2I0OTY5MDAtMTJmOS00MzFmLWE1NzktODYzMDM5Nzc0MzIxIiwiSW1wb3J0SWQiOm51bGwsIlRpdGxlIjoiRG9jdW1lbnRhdGlvbiAiLCJOb3RlIjpudWxsLCJIeXBlcmxpbmsiOnsiJGlkIjoiNzQwIiwiQWRkcmVzcyI6IiIsIlN1YkFkZHJlc3MiOiIifSwiSXNDaGFuZ2VkIjpmYWxzZSwiSXNOZXciOmZhbHNlfSwiSW5kZXgiOjB9LHsiJGlkIjoiNzQxIiwiX2F0dGFjaGVkTWlsZXN0b25lcyI6W10sIlRhc2tEZWZpbml0aW9uIjp7IiRpZCI6Ijc0MiIsIkdyb3VwTmFtZSI6IjM3NDgxOWY0LWJhNzgtNGJhNy04YWI5LWVjYWE2M2I1OTUwMCIsIlN0YXJ0RGF0ZSI6IjIwMjAtMDEtMjVUMDA6MDA6MDAiLCJFbmREYXRlIjoiMjAyMC0wNC0wNlQxMTo1OTowMCIsIlBlcmNlbnRhZ2VDb21wbGV0ZSI6bnVsbCwiU3R5bGUiOnsiJGlkIjoiNzQzIiwiU2hhcGUiOjEsIlNoYXBlVGhpY2tuZXNzIjoxLCJEdXJhdGlvbkZvcm1hdCI6MCwiSW5jbHVkZU5vbldvcmtpbmdEYXlzSW5EdXJhdGlvbiI6ZmFsc2UsIlBlcmNlbnRhZ2VDb21wbGV0ZVN0eWxlIjp7IiRpZCI6Ijc0NCIsIkZvbnRTZXR0aW5ncyI6eyIkaWQiOiI3NDUiLCJGb250U2l6ZSI6MTAsIkZvbnROYW1lIjoiQ2FsaWJyaSIsIklzQm9sZCI6ZmFsc2UsIklzSXRhbGljIjpmYWxzZSwiSXNVbmRlcmxpbmVkIjpmYWxzZSwiUGFyZW50U3R5bGUiOm51bGx9LCJBdXRvU2l6ZSI6MCwiRm9yZWdyb3VuZCI6eyIkcmVmIjoiODUifSwiTWF4V2lkdGgiOjIwMC4wLCJNYXhIZWlnaHQiOiJJbmZpbml0eSIsIlNtYXJ0Rm9yZWdyb3VuZElzQWN0aXZlIjpmYWxzZSwiSG9yaXpvbnRhbEFsaWdubWVudCI6MCwiVmVydGljYWxBbGlnbm1lbnQiOjAsIlNtYXJ0Rm9yZWdyb3VuZCI6bnVsbCwiQmFja2dyb3VuZEZpbGxUeXBlIjowLCJNYXJnaW4iOnsiJGlkIjoiNzQ2IiwiVG9wIjowLCJMZWZ0IjowLCJSaWdodCI6MCwiQm90dG9tIjowfSwiUGFkZGluZyI6eyIkaWQiOiI3NDciLCJUb3AiOjAsIkxlZnQiOjAsIlJpZ2h0IjowLCJCb3R0b20iOjB9LCJCYWNrZ3JvdW5kIjp7IiRyZWYiOiI4OSJ9LCJJc1Zpc2libGUiOnRydWUsIldpZHRoIjowLjAsIkhlaWdodCI6MC4wLCJCb3JkZXJTdHlsZSI6eyIkaWQiOiI3NDgiLCJMaW5lQ29sb3IiOm51bGwsIkxpbmVXZWlnaHQiOjAuMCwiTGluZVR5cGUiOjAsIlBhcmVudFN0eWxlIjpudWxsfSwiUGFyZW50U3R5bGUiOm51bGx9LCJEdXJhdGlvblN0eWxlIjp7IiRpZCI6Ijc0OSIsIkZvbnRTZXR0aW5ncyI6eyIkaWQiOiI3NTAiLCJGb250U2l6ZSI6MTAsIkZvbnROYW1lIjoiQ2FsaWJyaSIsIklzQm9sZCI6ZmFsc2UsIklzSXRhbGljIjpmYWxzZSwiSXNVbmRlcmxpbmVkIjpmYWxzZSwiUGFyZW50U3R5bGUiOm51bGx9LCJBdXRvU2l6ZSI6MCwiRm9yZWdyb3VuZCI6eyIkaWQiOiI3NTEiLCJDb2xvciI6eyIkcmVmIjoiOTMifX0sIk1heFdpZHRoIjoyMDAuMCwiTWF4SGVpZ2h0IjoiSW5maW5pdHkiLCJTbWFydEZvcmVncm91bmRJc0FjdGl2ZSI6ZmFsc2UsIkhvcml6b250YWxBbGlnbm1lbnQiOjAsIlZlcnRpY2FsQWxpZ25tZW50IjowLCJTbWFydEZvcmVncm91bmQiOm51bGwsIkJhY2tncm91bmRGaWxsVHlwZSI6MCwiTWFyZ2luIjp7IiRpZCI6Ijc1MiIsIlRvcCI6MCwiTGVmdCI6MCwiUmlnaHQiOjAsIkJvdHRvbSI6MH0sIlBhZGRpbmciOnsiJGlkIjoiNzUzIiwiVG9wIjowLCJMZWZ0IjowLCJSaWdodCI6MCwiQm90dG9tIjowfSwiQmFja2dyb3VuZCI6eyIkcmVmIjoiOTYifSwiSXNWaXNpYmxlIjp0cnVlLCJXaWR0aCI6MC4wLCJIZWlnaHQiOjAuMCwiQm9yZGVyU3R5bGUiOnsiJGlkIjoiNzU0IiwiTGluZUNvbG9yIjpudWxsLCJMaW5lV2VpZ2h0IjowLjAsIkxpbmVUeXBlIjowLCJQYXJlbnRTdHlsZSI6bnVsbH0sIlBhcmVudFN0eWxlIjpudWxsfSwiSG9yaXpvbnRhbENvbm5lY3RvclN0eWxlIjp7IiRpZCI6Ijc1NSIsIkxpbmVDb2xvciI6eyIkcmVmIjoiOTgifSwiTGluZVdlaWdodCI6MS4wLCJMaW5lVHlwZSI6MCwiUGFyZW50U3R5bGUiOm51bGx9LCJWZXJ0aWNhbENvbm5lY3RvclN0eWxlIjp7IiRpZCI6Ijc1NiIsIkxpbmVDb2xvciI6eyIkcmVmIjoiMTAxIn0sIkxpbmVXZWlnaHQiOjAuMCwiTGluZVR5cGUiOjAsIlBhcmVudFN0eWxlIjpudWxsfSwiTWFyZ2luIjpudWxsLCJTdGFydERhdGVQb3NpdGlvbiI6NiwiRW5kRGF0ZVBvc2l0aW9uIjo2LCJEYXRlSXNWaXNpYmxlIjpmYWxzZSwiVGl0bGVQb3NpdGlvbiI6MiwiRHVyYXRpb25Qb3NpdGlvbiI6NiwiUGVyY2VudGFnZUNvbXBsZXRlZFBvc2l0aW9uIjoyLCJTcGFjaW5nIjozLCJJc0JlbG93VGltZWJhbmQiOnRydWUsIlBlcmNlbnRhZ2VDb21wbGV0ZVNoYXBlT3BhY2l0eSI6MzUsIlNoYXBlU3R5bGUiOnsiJGlkIjoiNzU3IiwiTWFyZ2luIjp7IiRpZCI6Ijc1OCIsIlRvcCI6MCwiTGVmdCI6NCwiUmlnaHQiOjQsIkJvdHRvbSI6MH0sIlBhZGRpbmciOnsiJGlkIjoiNzU5IiwiVG9wIjowLCJMZWZ0IjowLCJSaWdodCI6MCwiQm90dG9tIjowfSwiQmFja2dyb3VuZCI6eyIkaWQiOiI3NjAiLCJDb2xvciI6eyIkaWQiOiI3NjEiLCJBIjoyNTUsIlIiOjE2MywiRyI6OTksIkIiOjE5NX19LCJJc1Zpc2libGUiOnRydWUsIldpZHRoIjowLjAsIkhlaWdodCI6MTYuMCwiQm9yZGVyU3R5bGUiOnsiJGlkIjoiNzYyIiwiTGluZUNvbG9yIjp7IiRpZCI6Ijc2MyIsIiR0eXBlIjoiTkxSRS5Db21tb24uRG9tLlNvbGlkQ29sb3JCcnVzaCwgTkxSRS5Db21tb24iLCJDb2xvciI6eyIkaWQiOiI3NjQiLCJBIjoyNTUsIlIiOjI1NSwiRyI6MCwiQiI6MH19LCJMaW5lV2VpZ2h0IjowLjAsIkxpbmVUeXBlIjowLCJQYXJlbnRTdHlsZSI6bnVsbH0sIlBhcmVudFN0eWxlIjpudWxsfSwiVGl0bGVTdHlsZSI6eyIkaWQiOiI3NjUiLCJGb250U2V0dGluZ3MiOnsiJGlkIjoiNzY2IiwiRm9udFNpemUiOjExLCJGb250TmFtZSI6IkNhbGlicmkiLCJJc0JvbGQiOmZhbHNlLCJJc0l0YWxpYyI6ZmFsc2UsIklzVW5kZXJsaW5lZCI6ZmFsc2UsIlBhcmVudFN0eWxlIjpudWxsfSwiQXV0b1NpemUiOjAsIkZvcmVncm91bmQiOnsiJGlkIjoiNzY3IiwiQ29sb3IiOnsiJGlkIjoiNzY4IiwiQSI6MjU1LCJSIjoyNTUsIkciOjI1NSwiQiI6MjU1fX0sIk1heFdpZHRoIjo5NjAuMCwiTWF4SGVpZ2h0IjoiSW5maW5pdHkiLCJTbWFydEZvcmVncm91bmRJc0FjdGl2ZSI6ZmFsc2UsIkhvcml6b250YWxBbGlnbm1lbnQiOjEsIlZlcnRpY2FsQWxpZ25tZW50IjowLCJTbWFydEZvcmVncm91bmQiOm51bGwsIkJhY2tncm91bmRGaWxsVHlwZSI6MCwiTWFyZ2luIjp7IiRpZCI6Ijc2OSIsIlRvcCI6MCwiTGVmdCI6MCwiUmlnaHQiOjAsIkJvdHRvbSI6MH0sIlBhZGRpbmciOnsiJGlkIjoiNzcwIiwiVG9wIjowLCJMZWZ0IjowLCJSaWdodCI6MCwiQm90dG9tIjowfSwiQmFja2dyb3VuZCI6eyIkcmVmIjoiMTE3In0sIklzVmlzaWJsZSI6dHJ1ZSwiV2lkdGgiOjAuMCwiSGVpZ2h0IjowLjAsIkJvcmRlclN0eWxlIjp7IiRpZCI6Ijc3MSIsIkxpbmVDb2xvciI6bnVsbCwiTGluZVdlaWdodCI6MC4wLCJMaW5lVHlwZSI6MCwiUGFyZW50U3R5bGUiOm51bGx9LCJQYXJlbnRTdHlsZSI6bnVsbH0sIkRhdGVTdHlsZSI6eyIkaWQiOiI3NzIiLCJGb250U2V0dGluZ3MiOnsiJGlkIjoiNzczIiwiRm9udFNpemUiOjEwLCJGb250TmFtZSI6IkNhbGlicmkiLCJJc0JvbGQiOmZhbHNlLCJJc0l0YWxpYyI6ZmFsc2UsIklzVW5kZXJsaW5lZCI6ZmFsc2UsIlBhcmVudFN0eWxlIjpudWxsfSwiQXV0b1NpemUiOjAsIkZvcmVncm91bmQiOnsiJGlkIjoiNzc0IiwiQ29sb3IiOnsiJHJlZiI6IjEyMSJ9fSwiTWF4V2lkdGgiOjIwMC4wLCJNYXhIZWlnaHQiOiJJbmZpbml0eSIsIlNtYXJ0Rm9yZWdyb3VuZElzQWN0aXZlIjpmYWxzZSwiSG9yaXpvbnRhbEFsaWdubWVudCI6MCwiVmVydGljYWxBbGlnbm1lbnQiOjAsIlNtYXJ0Rm9yZWdyb3VuZCI6bnVsbCwiQmFja2dyb3VuZEZpbGxUeXBlIjowLCJNYXJnaW4iOnsiJGlkIjoiNzc1IiwiVG9wIjowLCJMZWZ0IjowLCJSaWdodCI6MCwiQm90dG9tIjowfSwiUGFkZGluZyI6eyIkaWQiOiI3NzYiLCJUb3AiOjAsIkxlZnQiOjAsIlJpZ2h0IjowLCJCb3R0b20iOjB9LCJCYWNrZ3JvdW5kIjp7IiRyZWYiOiIxMjQifSwiSXNWaXNpYmxlIjp0cnVlLCJXaWR0aCI6MC4wLCJIZWlnaHQiOjAuMCwiQm9yZGVyU3R5bGUiOnsiJGlkIjoiNzc3IiwiTGluZUNvbG9yIjpudWxsLCJMaW5lV2VpZ2h0IjowLjAsIkxpbmVUeXBlIjowLCJQYXJlbnRTdHlsZSI6bnVsbH0sIlBhcmVudFN0eWxlIjpudWxsfSwiRGF0ZUZvcm1hdCI6eyIkaWQiOiI3NzgiLCJGb3JtYXRTdHJpbmciOiJNTU0gZCIsIlNlcGFyYXRvciI6Ii8iLCJVc2VJbnRlcm5hdGlvbmFsRGF0ZUZvcm1hdCI6ZmFsc2UsIkRhdGVJc1Zpc2libGUiOmZhbHNlLCJUaW1lSXNWaXNpYmxlIjpmYWxzZSwiSG91ckRpZ2l0cyI6MSwiQW1QbURlc2lnbmF0b3IiOjIsIlRyaW0wME1pbnV0ZXMiOmZhbHNlLCJMYXN0S25vd25WaXNpYmlsaXR5U3RhdGUiOnsiJGlkIjoiNzc5IiwiRGF0ZVBhcnRJc1Zpc2libGUiOnRydWUsIlRpbWVQYXJ0SXNWaXNpYmxlIjpmYWxzZX19LCJJc1Zpc2libGUiOmZhbHNlLCJQYXJlbnRTdHlsZSI6bnVsbH0sIkluZGV4IjoxNiwiU21hcnREdXJhdGlvbkFjdGl2YXRlZCI6ZmFsc2UsIkRhdGVGb3JtYXQiOnsiJHJlZiI6Ijc3OCJ9LCJJZCI6IjlkZGVkNjRjLTE2NDMtNDg0NC1iYzk3LWJiMDllZTQ0MDY4MyIsIkltcG9ydElkIjpudWxsLCJUaXRsZSI6IlNTTyBSb2xsIG91dCIsIk5vdGUiOm51bGwsIkh5cGVybGluayI6eyIkaWQiOiI3ODAiLCJBZGRyZXNzIjoiIiwiU3ViQWRkcmVzcyI6IiJ9LCJJc0NoYW5nZWQiOmZhbHNlLCJJc05ldyI6ZmFsc2V9LCJJbmRleCI6MH0seyIkaWQiOiI3ODEiLCJfYXR0YWNoZWRNaWxlc3RvbmVzIjpbXSwiVGFza0RlZmluaXRpb24iOnsiJGlkIjoiNzgyIiwiR3JvdXBOYW1lIjoiZmMwYzY0YTktYzhkMS00MzAxLTkzZWItMDBhYzVkZjAzZmRlIiwiU3RhcnREYXRlIjoiMjAxOS0xMC0xOVQwMDowMDowMCIsIkVuZERhdGUiOiIyMDIwLTAzLTA3VDExOjU5OjAwIiwiUGVyY2VudGFnZUNvbXBsZXRlIjpudWxsLCJTdHlsZSI6eyIkaWQiOiI3ODMiLCJTaGFwZSI6MSwiU2hhcGVUaGlja25lc3MiOjEsIkR1cmF0aW9uRm9ybWF0IjowLCJJbmNsdWRlTm9uV29ya2luZ0RheXNJbkR1cmF0aW9uIjpmYWxzZSwiUGVyY2VudGFnZUNvbXBsZXRlU3R5bGUiOnsiJGlkIjoiNzg0IiwiRm9udFNldHRpbmdzIjp7IiRpZCI6Ijc4NSIsIkZvbnRTaXplIjoxMCwiRm9udE5hbWUiOiJDYWxpYnJpIiwiSXNCb2xkIjpmYWxzZSwiSXNJdGFsaWMiOmZhbHNlLCJJc1VuZGVybGluZWQiOmZhbHNlLCJQYXJlbnRTdHlsZSI6bnVsbH0sIkF1dG9TaXplIjowLCJGb3JlZ3JvdW5kIjp7IiRyZWYiOiI4NSJ9LCJNYXhXaWR0aCI6MjAwLjAsIk1heEhlaWdodCI6IkluZmluaXR5IiwiU21hcnRGb3JlZ3JvdW5kSXNBY3RpdmUiOmZhbHNlLCJIb3Jpem9udGFsQWxpZ25tZW50IjowLCJWZXJ0aWNhbEFsaWdubWVudCI6MCwiU21hcnRGb3JlZ3JvdW5kIjpudWxsLCJCYWNrZ3JvdW5kRmlsbFR5cGUiOjAsIk1hcmdpbiI6eyIkaWQiOiI3ODYiLCJUb3AiOjAsIkxlZnQiOjAsIlJpZ2h0IjowLCJCb3R0b20iOjB9LCJQYWRkaW5nIjp7IiRpZCI6Ijc4NyIsIlRvcCI6MCwiTGVmdCI6MCwiUmlnaHQiOjAsIkJvdHRvbSI6MH0sIkJhY2tncm91bmQiOnsiJHJlZiI6Ijg5In0sIklzVmlzaWJsZSI6dHJ1ZSwiV2lkdGgiOjAuMCwiSGVpZ2h0IjowLjAsIkJvcmRlclN0eWxlIjp7IiRpZCI6Ijc4OCIsIkxpbmVDb2xvciI6bnVsbCwiTGluZVdlaWdodCI6MC4wLCJMaW5lVHlwZSI6MCwiUGFyZW50U3R5bGUiOm51bGx9LCJQYXJlbnRTdHlsZSI6bnVsbH0sIkR1cmF0aW9uU3R5bGUiOnsiJGlkIjoiNzg5IiwiRm9udFNldHRpbmdzIjp7IiRpZCI6Ijc5MCIsIkZvbnRTaXplIjoxMCwiRm9udE5hbWUiOiJDYWxpYnJpIiwiSXNCb2xkIjpmYWxzZSwiSXNJdGFsaWMiOmZhbHNlLCJJc1VuZGVybGluZWQiOmZhbHNlLCJQYXJlbnRTdHlsZSI6bnVsbH0sIkF1dG9TaXplIjowLCJGb3JlZ3JvdW5kIjp7IiRpZCI6Ijc5MSIsIkNvbG9yIjp7IiRyZWYiOiI5MyJ9fSwiTWF4V2lkdGgiOjIwMC4wLCJNYXhIZWlnaHQiOiJJbmZpbml0eSIsIlNtYXJ0Rm9yZWdyb3VuZElzQWN0aXZlIjpmYWxzZSwiSG9yaXpvbnRhbEFsaWdubWVudCI6MCwiVmVydGljYWxBbGlnbm1lbnQiOjAsIlNtYXJ0Rm9yZWdyb3VuZCI6bnVsbCwiQmFja2dyb3VuZEZpbGxUeXBlIjowLCJNYXJnaW4iOnsiJGlkIjoiNzkyIiwiVG9wIjowLCJMZWZ0IjowLCJSaWdodCI6MCwiQm90dG9tIjowfSwiUGFkZGluZyI6eyIkaWQiOiI3OTMiLCJUb3AiOjAsIkxlZnQiOjAsIlJpZ2h0IjowLCJCb3R0b20iOjB9LCJCYWNrZ3JvdW5kIjp7IiRyZWYiOiI5NiJ9LCJJc1Zpc2libGUiOnRydWUsIldpZHRoIjowLjAsIkhlaWdodCI6MC4wLCJCb3JkZXJTdHlsZSI6eyIkaWQiOiI3OTQiLCJMaW5lQ29sb3IiOm51bGwsIkxpbmVXZWlnaHQiOjAuMCwiTGluZVR5cGUiOjAsIlBhcmVudFN0eWxlIjpudWxsfSwiUGFyZW50U3R5bGUiOm51bGx9LCJIb3Jpem9udGFsQ29ubmVjdG9yU3R5bGUiOnsiJGlkIjoiNzk1IiwiTGluZUNvbG9yIjp7IiRyZWYiOiI5OCJ9LCJMaW5lV2VpZ2h0IjoxLjAsIkxpbmVUeXBlIjowLCJQYXJlbnRTdHlsZSI6bnVsbH0sIlZlcnRpY2FsQ29ubmVjdG9yU3R5bGUiOnsiJGlkIjoiNzk2IiwiTGluZUNvbG9yIjp7IiRyZWYiOiIxMDEifSwiTGluZVdlaWdodCI6MC4wLCJMaW5lVHlwZSI6MCwiUGFyZW50U3R5bGUiOm51bGx9LCJNYXJnaW4iOm51bGwsIlN0YXJ0RGF0ZVBvc2l0aW9uIjo2LCJFbmREYXRlUG9zaXRpb24iOjYsIkRhdGVJc1Zpc2libGUiOmZhbHNlLCJUaXRsZVBvc2l0aW9uIjoyLCJEdXJhdGlvblBvc2l0aW9uIjo2LCJQZXJjZW50YWdlQ29tcGxldGVkUG9zaXRpb24iOjIsIlNwYWNpbmciOjMsIklzQmVsb3dUaW1lYmFuZCI6dHJ1ZSwiUGVyY2VudGFnZUNvbXBsZXRlU2hhcGVPcGFjaXR5IjozNSwiU2hhcGVTdHlsZSI6eyIkaWQiOiI3OTciLCJNYXJnaW4iOnsiJGlkIjoiNzk4IiwiVG9wIjowLCJMZWZ0Ijo0LCJSaWdodCI6NCwiQm90dG9tIjowfSwiUGFkZGluZyI6eyIkaWQiOiI3OTkiLCJUb3AiOjAsIkxlZnQiOjAsIlJpZ2h0IjowLCJCb3R0b20iOjB9LCJCYWNrZ3JvdW5kIjp7IiRpZCI6IjgwMCIsIkNvbG9yIjp7IiRpZCI6IjgwMSIsIkEiOjI1NSwiUiI6MTYzLCJHIjo5OSwiQiI6MTk1fX0sIklzVmlzaWJsZSI6dHJ1ZSwiV2lkdGgiOjAuMCwiSGVpZ2h0IjoxNi4wLCJCb3JkZXJTdHlsZSI6eyIkaWQiOiI4MDIiLCJMaW5lQ29sb3IiOnsiJGlkIjoiODAzIiwiJHR5cGUiOiJOTFJFLkNvbW1vbi5Eb20uU29saWRDb2xvckJydXNoLCBOTFJFLkNvbW1vbiIsIkNvbG9yIjp7IiRpZCI6IjgwNCIsIkEiOjI1NSwiUiI6MjU1LCJHIjowLCJCIjowfX0sIkxpbmVXZWlnaHQiOjAuMCwiTGluZVR5cGUiOjAsIlBhcmVudFN0eWxlIjpudWxsfSwiUGFyZW50U3R5bGUiOm51bGx9LCJUaXRsZVN0eWxlIjp7IiRpZCI6IjgwNSIsIkZvbnRTZXR0aW5ncyI6eyIkaWQiOiI4MDYiLCJGb250U2l6ZSI6MTEsIkZvbnROYW1lIjoiQ2FsaWJyaSIsIklzQm9sZCI6ZmFsc2UsIklzSXRhbGljIjpmYWxzZSwiSXNVbmRlcmxpbmVkIjpmYWxzZSwiUGFyZW50U3R5bGUiOm51bGx9LCJBdXRvU2l6ZSI6MCwiRm9yZWdyb3VuZCI6eyIkaWQiOiI4MDciLCJDb2xvciI6eyIkaWQiOiI4MDgiLCJBIjoyNTUsIlIiOjI1NSwiRyI6MjU1LCJCIjoyNTV9fSwiTWF4V2lkdGgiOjk2MC4wLCJNYXhIZWlnaHQiOiJJbmZpbml0eSIsIlNtYXJ0Rm9yZWdyb3VuZElzQWN0aXZlIjpmYWxzZSwiSG9yaXpvbnRhbEFsaWdubWVudCI6MSwiVmVydGljYWxBbGlnbm1lbnQiOjAsIlNtYXJ0Rm9yZWdyb3VuZCI6bnVsbCwiQmFja2dyb3VuZEZpbGxUeXBlIjowLCJNYXJnaW4iOnsiJGlkIjoiODA5IiwiVG9wIjowLCJMZWZ0IjowLCJSaWdodCI6MCwiQm90dG9tIjowfSwiUGFkZGluZyI6eyIkaWQiOiI4MTAiLCJUb3AiOjAsIkxlZnQiOjAsIlJpZ2h0IjowLCJCb3R0b20iOjB9LCJCYWNrZ3JvdW5kIjp7IiRyZWYiOiIxMTcifSwiSXNWaXNpYmxlIjp0cnVlLCJXaWR0aCI6MC4wLCJIZWlnaHQiOjAuMCwiQm9yZGVyU3R5bGUiOnsiJGlkIjoiODExIiwiTGluZUNvbG9yIjpudWxsLCJMaW5lV2VpZ2h0IjowLjAsIkxpbmVUeXBlIjowLCJQYXJlbnRTdHlsZSI6bnVsbH0sIlBhcmVudFN0eWxlIjpudWxsfSwiRGF0ZVN0eWxlIjp7IiRpZCI6IjgxMiIsIkZvbnRTZXR0aW5ncyI6eyIkaWQiOiI4MTMiLCJGb250U2l6ZSI6MTAsIkZvbnROYW1lIjoiQ2FsaWJyaSIsIklzQm9sZCI6ZmFsc2UsIklzSXRhbGljIjpmYWxzZSwiSXNVbmRlcmxpbmVkIjpmYWxzZSwiUGFyZW50U3R5bGUiOm51bGx9LCJBdXRvU2l6ZSI6MCwiRm9yZWdyb3VuZCI6eyIkaWQiOiI4MTQiLCJDb2xvciI6eyIkcmVmIjoiMTIxIn19LCJNYXhXaWR0aCI6MjAwLjAsIk1heEhlaWdodCI6IkluZmluaXR5IiwiU21hcnRGb3JlZ3JvdW5kSXNBY3RpdmUiOmZhbHNlLCJIb3Jpem9udGFsQWxpZ25tZW50IjowLCJWZXJ0aWNhbEFsaWdubWVudCI6MCwiU21hcnRGb3JlZ3JvdW5kIjpudWxsLCJCYWNrZ3JvdW5kRmlsbFR5cGUiOjAsIk1hcmdpbiI6eyIkaWQiOiI4MTUiLCJUb3AiOjAsIkxlZnQiOjAsIlJpZ2h0IjowLCJCb3R0b20iOjB9LCJQYWRkaW5nIjp7IiRpZCI6IjgxNiIsIlRvcCI6MCwiTGVmdCI6MCwiUmlnaHQiOjAsIkJvdHRvbSI6MH0sIkJhY2tncm91bmQiOnsiJHJlZiI6IjEyNCJ9LCJJc1Zpc2libGUiOnRydWUsIldpZHRoIjowLjAsIkhlaWdodCI6MC4wLCJCb3JkZXJTdHlsZSI6eyIkaWQiOiI4MTciLCJMaW5lQ29sb3IiOm51bGwsIkxpbmVXZWlnaHQiOjAuMCwiTGluZVR5cGUiOjAsIlBhcmVudFN0eWxlIjpudWxsfSwiUGFyZW50U3R5bGUiOm51bGx9LCJEYXRlRm9ybWF0Ijp7IiRpZCI6IjgxOCIsIkZvcm1hdFN0cmluZyI6Ik1NTSBkIiwiU2VwYXJhdG9yIjoiLyIsIlVzZUludGVybmF0aW9uYWxEYXRlRm9ybWF0IjpmYWxzZSwiRGF0ZUlzVmlzaWJsZSI6ZmFsc2UsIlRpbWVJc1Zpc2libGUiOmZhbHNlLCJIb3VyRGlnaXRzIjoxLCJBbVBtRGVzaWduYXRvciI6MiwiVHJpbTAwTWludXRlcyI6ZmFsc2UsIkxhc3RLbm93blZpc2liaWxpdHlTdGF0ZSI6eyIkaWQiOiI4MTkiLCJEYXRlUGFydElzVmlzaWJsZSI6dHJ1ZSwiVGltZVBhcnRJc1Zpc2libGUiOmZhbHNlfX0sIklzVmlzaWJsZSI6dHJ1ZSwiUGFyZW50U3R5bGUiOm51bGx9LCJJbmRleCI6MTksIlNtYXJ0RHVyYXRpb25BY3RpdmF0ZWQiOmZhbHNlLCJEYXRlRm9ybWF0Ijp7IiRyZWYiOiI4MTgifSwiSWQiOiJlNGNiZWE4YS0yMDU3LTRiYzItYmUyNC1hMzdhNWQxMWM3ZjMiLCJJbXBvcnRJZCI6bnVsbCwiVGl0bGUiOiJSZWNydWl0OiBSb3VuZCAxICIsIk5vdGUiOm51bGwsIkh5cGVybGluayI6eyIkaWQiOiI4MjAiLCJBZGRyZXNzIjoiIiwiU3ViQWRkcmVzcyI6IiJ9LCJJc0NoYW5nZWQiOmZhbHNlLCJJc05ldyI6ZmFsc2V9LCJJbmRleCI6MH0seyIkaWQiOiI4MjEiLCJfYXR0YWNoZWRNaWxlc3RvbmVzIjpbXSwiVGFza0RlZmluaXRpb24iOnsiJGlkIjoiODIyIiwiR3JvdXBOYW1lIjoiZmMwYzY0YTktYzhkMS00MzAxLTkzZWItMDBhYzVkZjAzZmRlIiwiU3RhcnREYXRlIjoiMjAyMC0wMy0yOVQwMDowMDowMCIsIkVuZERhdGUiOiIyMDIwLTA4LTA4VDExOjU5OjAwIiwiUGVyY2VudGFnZUNvbXBsZXRlIjpudWxsLCJTdHlsZSI6eyIkaWQiOiI4MjMiLCJTaGFwZSI6MSwiU2hhcGVUaGlja25lc3MiOjEsIkR1cmF0aW9uRm9ybWF0IjowLCJJbmNsdWRlTm9uV29ya2luZ0RheXNJbkR1cmF0aW9uIjpmYWxzZSwiUGVyY2VudGFnZUNvbXBsZXRlU3R5bGUiOnsiJGlkIjoiODI0IiwiRm9udFNldHRpbmdzIjp7IiRpZCI6IjgyNSIsIkZvbnRTaXplIjoxMCwiRm9udE5hbWUiOiJDYWxpYnJpIiwiSXNCb2xkIjpmYWxzZSwiSXNJdGFsaWMiOmZhbHNlLCJJc1VuZGVybGluZWQiOmZhbHNlLCJQYXJlbnRTdHlsZSI6bnVsbH0sIkF1dG9TaXplIjowLCJGb3JlZ3JvdW5kIjp7IiRyZWYiOiI4NSJ9LCJNYXhXaWR0aCI6MjAwLjAsIk1heEhlaWdodCI6IkluZmluaXR5IiwiU21hcnRGb3JlZ3JvdW5kSXNBY3RpdmUiOmZhbHNlLCJIb3Jpem9udGFsQWxpZ25tZW50IjowLCJWZXJ0aWNhbEFsaWdubWVudCI6MCwiU21hcnRGb3JlZ3JvdW5kIjpudWxsLCJCYWNrZ3JvdW5kRmlsbFR5cGUiOjAsIk1hcmdpbiI6eyIkaWQiOiI4MjYiLCJUb3AiOjAsIkxlZnQiOjAsIlJpZ2h0IjowLCJCb3R0b20iOjB9LCJQYWRkaW5nIjp7IiRpZCI6IjgyNyIsIlRvcCI6MCwiTGVmdCI6MCwiUmlnaHQiOjAsIkJvdHRvbSI6MH0sIkJhY2tncm91bmQiOnsiJHJlZiI6Ijg5In0sIklzVmlzaWJsZSI6dHJ1ZSwiV2lkdGgiOjAuMCwiSGVpZ2h0IjowLjAsIkJvcmRlclN0eWxlIjp7IiRpZCI6IjgyOCIsIkxpbmVDb2xvciI6bnVsbCwiTGluZVdlaWdodCI6MC4wLCJMaW5lVHlwZSI6MCwiUGFyZW50U3R5bGUiOm51bGx9LCJQYXJlbnRTdHlsZSI6bnVsbH0sIkR1cmF0aW9uU3R5bGUiOnsiJGlkIjoiODI5IiwiRm9udFNldHRpbmdzIjp7IiRpZCI6IjgzMCIsIkZvbnRTaXplIjoxMCwiRm9udE5hbWUiOiJDYWxpYnJpIiwiSXNCb2xkIjpmYWxzZSwiSXNJdGFsaWMiOmZhbHNlLCJJc1VuZGVybGluZWQiOmZhbHNlLCJQYXJlbnRTdHlsZSI6bnVsbH0sIkF1dG9TaXplIjowLCJGb3JlZ3JvdW5kIjp7IiRpZCI6IjgzMSIsIkNvbG9yIjp7IiRyZWYiOiI5MyJ9fSwiTWF4V2lkdGgiOjIwMC4wLCJNYXhIZWlnaHQiOiJJbmZpbml0eSIsIlNtYXJ0Rm9yZWdyb3VuZElzQWN0aXZlIjpmYWxzZSwiSG9yaXpvbnRhbEFsaWdubWVudCI6MCwiVmVydGljYWxBbGlnbm1lbnQiOjAsIlNtYXJ0Rm9yZWdyb3VuZCI6bnVsbCwiQmFja2dyb3VuZEZpbGxUeXBlIjowLCJNYXJnaW4iOnsiJGlkIjoiODMyIiwiVG9wIjowLCJMZWZ0IjowLCJSaWdodCI6MCwiQm90dG9tIjowfSwiUGFkZGluZyI6eyIkaWQiOiI4MzMiLCJUb3AiOjAsIkxlZnQiOjAsIlJpZ2h0IjowLCJCb3R0b20iOjB9LCJCYWNrZ3JvdW5kIjp7IiRyZWYiOiI5NiJ9LCJJc1Zpc2libGUiOnRydWUsIldpZHRoIjowLjAsIkhlaWdodCI6MC4wLCJCb3JkZXJTdHlsZSI6eyIkaWQiOiI4MzQiLCJMaW5lQ29sb3IiOm51bGwsIkxpbmVXZWlnaHQiOjAuMCwiTGluZVR5cGUiOjAsIlBhcmVudFN0eWxlIjpudWxsfSwiUGFyZW50U3R5bGUiOm51bGx9LCJIb3Jpem9udGFsQ29ubmVjdG9yU3R5bGUiOnsiJGlkIjoiODM1IiwiTGluZUNvbG9yIjp7IiRyZWYiOiI5OCJ9LCJMaW5lV2VpZ2h0IjoxLjAsIkxpbmVUeXBlIjowLCJQYXJlbnRTdHlsZSI6bnVsbH0sIlZlcnRpY2FsQ29ubmVjdG9yU3R5bGUiOnsiJGlkIjoiODM2IiwiTGluZUNvbG9yIjp7IiRyZWYiOiIxMDEifSwiTGluZVdlaWdodCI6MC4wLCJMaW5lVHlwZSI6MCwiUGFyZW50U3R5bGUiOm51bGx9LCJNYXJnaW4iOm51bGwsIlN0YXJ0RGF0ZVBvc2l0aW9uIjo2LCJFbmREYXRlUG9zaXRpb24iOjYsIkRhdGVJc1Zpc2libGUiOmZhbHNlLCJUaXRsZVBvc2l0aW9uIjoyLCJEdXJhdGlvblBvc2l0aW9uIjo2LCJQZXJjZW50YWdlQ29tcGxldGVkUG9zaXRpb24iOjIsIlNwYWNpbmciOjMsIklzQmVsb3dUaW1lYmFuZCI6dHJ1ZSwiUGVyY2VudGFnZUNvbXBsZXRlU2hhcGVPcGFjaXR5IjozNSwiU2hhcGVTdHlsZSI6eyIkaWQiOiI4MzciLCJNYXJnaW4iOnsiJGlkIjoiODM4IiwiVG9wIjowLCJMZWZ0Ijo0LCJSaWdodCI6NCwiQm90dG9tIjowfSwiUGFkZGluZyI6eyIkaWQiOiI4MzkiLCJUb3AiOjAsIkxlZnQiOjAsIlJpZ2h0IjowLCJCb3R0b20iOjB9LCJCYWNrZ3JvdW5kIjp7IiRpZCI6Ijg0MCIsIkNvbG9yIjp7IiRpZCI6Ijg0MSIsIkEiOjI1NSwiUiI6MTYzLCJHIjo5OSwiQiI6MTk1fX0sIklzVmlzaWJsZSI6dHJ1ZSwiV2lkdGgiOjAuMCwiSGVpZ2h0IjoxNi4wLCJCb3JkZXJTdHlsZSI6eyIkaWQiOiI4NDIiLCJMaW5lQ29sb3IiOnsiJGlkIjoiODQzIiwiJHR5cGUiOiJOTFJFLkNvbW1vbi5Eb20uU29saWRDb2xvckJydXNoLCBOTFJFLkNvbW1vbiIsIkNvbG9yIjp7IiRpZCI6Ijg0NCIsIkEiOjI1NSwiUiI6MjU1LCJHIjowLCJCIjowfX0sIkxpbmVXZWlnaHQiOjAuMCwiTGluZVR5cGUiOjAsIlBhcmVudFN0eWxlIjpudWxsfSwiUGFyZW50U3R5bGUiOm51bGx9LCJUaXRsZVN0eWxlIjp7IiRpZCI6Ijg0NSIsIkZvbnRTZXR0aW5ncyI6eyIkaWQiOiI4NDYiLCJGb250U2l6ZSI6MTEsIkZvbnROYW1lIjoiQ2FsaWJyaSIsIklzQm9sZCI6ZmFsc2UsIklzSXRhbGljIjpmYWxzZSwiSXNVbmRlcmxpbmVkIjpmYWxzZSwiUGFyZW50U3R5bGUiOm51bGx9LCJBdXRvU2l6ZSI6MCwiRm9yZWdyb3VuZCI6eyIkaWQiOiI4NDciLCJDb2xvciI6eyIkaWQiOiI4NDgiLCJBIjoyNTUsIlIiOjI1NSwiRyI6MjU1LCJCIjoyNTV9fSwiTWF4V2lkdGgiOjk2MC4wLCJNYXhIZWlnaHQiOiJJbmZpbml0eSIsIlNtYXJ0Rm9yZWdyb3VuZElzQWN0aXZlIjpmYWxzZSwiSG9yaXpvbnRhbEFsaWdubWVudCI6MSwiVmVydGljYWxBbGlnbm1lbnQiOjAsIlNtYXJ0Rm9yZWdyb3VuZCI6bnVsbCwiQmFja2dyb3VuZEZpbGxUeXBlIjowLCJNYXJnaW4iOnsiJGlkIjoiODQ5IiwiVG9wIjowLCJMZWZ0IjowLCJSaWdodCI6MCwiQm90dG9tIjowfSwiUGFkZGluZyI6eyIkaWQiOiI4NTAiLCJUb3AiOjAsIkxlZnQiOjAsIlJpZ2h0IjowLCJCb3R0b20iOjB9LCJCYWNrZ3JvdW5kIjp7IiRyZWYiOiIxMTcifSwiSXNWaXNpYmxlIjp0cnVlLCJXaWR0aCI6MC4wLCJIZWlnaHQiOjAuMCwiQm9yZGVyU3R5bGUiOnsiJGlkIjoiODUxIiwiTGluZUNvbG9yIjpudWxsLCJMaW5lV2VpZ2h0IjowLjAsIkxpbmVUeXBlIjowLCJQYXJlbnRTdHlsZSI6bnVsbH0sIlBhcmVudFN0eWxlIjpudWxsfSwiRGF0ZVN0eWxlIjp7IiRpZCI6Ijg1MiIsIkZvbnRTZXR0aW5ncyI6eyIkaWQiOiI4NTMiLCJGb250U2l6ZSI6MTAsIkZvbnROYW1lIjoiQ2FsaWJyaSIsIklzQm9sZCI6ZmFsc2UsIklzSXRhbGljIjpmYWxzZSwiSXNVbmRlcmxpbmVkIjpmYWxzZSwiUGFyZW50U3R5bGUiOm51bGx9LCJBdXRvU2l6ZSI6MCwiRm9yZWdyb3VuZCI6eyIkaWQiOiI4NTQiLCJDb2xvciI6eyIkcmVmIjoiMTIxIn19LCJNYXhXaWR0aCI6MjAwLjAsIk1heEhlaWdodCI6IkluZmluaXR5IiwiU21hcnRGb3JlZ3JvdW5kSXNBY3RpdmUiOmZhbHNlLCJIb3Jpem9udGFsQWxpZ25tZW50IjowLCJWZXJ0aWNhbEFsaWdubWVudCI6MCwiU21hcnRGb3JlZ3JvdW5kIjpudWxsLCJCYWNrZ3JvdW5kRmlsbFR5cGUiOjAsIk1hcmdpbiI6eyIkaWQiOiI4NTUiLCJUb3AiOjAsIkxlZnQiOjAsIlJpZ2h0IjowLCJCb3R0b20iOjB9LCJQYWRkaW5nIjp7IiRpZCI6Ijg1NiIsIlRvcCI6MCwiTGVmdCI6MCwiUmlnaHQiOjAsIkJvdHRvbSI6MH0sIkJhY2tncm91bmQiOnsiJHJlZiI6IjEyNCJ9LCJJc1Zpc2libGUiOnRydWUsIldpZHRoIjowLjAsIkhlaWdodCI6MC4wLCJCb3JkZXJTdHlsZSI6eyIkaWQiOiI4NTciLCJMaW5lQ29sb3IiOm51bGwsIkxpbmVXZWlnaHQiOjAuMCwiTGluZVR5cGUiOjAsIlBhcmVudFN0eWxlIjpudWxsfSwiUGFyZW50U3R5bGUiOm51bGx9LCJEYXRlRm9ybWF0Ijp7IiRpZCI6Ijg1OCIsIkZvcm1hdFN0cmluZyI6Ik1NTSBkIiwiU2VwYXJhdG9yIjoiLyIsIlVzZUludGVybmF0aW9uYWxEYXRlRm9ybWF0IjpmYWxzZSwiRGF0ZUlzVmlzaWJsZSI6ZmFsc2UsIlRpbWVJc1Zpc2libGUiOmZhbHNlLCJIb3VyRGlnaXRzIjoxLCJBbVBtRGVzaWduYXRvciI6MiwiVHJpbTAwTWludXRlcyI6ZmFsc2UsIkxhc3RLbm93blZpc2liaWxpdHlTdGF0ZSI6eyIkaWQiOiI4NTkiLCJEYXRlUGFydElzVmlzaWJsZSI6dHJ1ZSwiVGltZVBhcnRJc1Zpc2libGUiOmZhbHNlfX0sIklzVmlzaWJsZSI6dHJ1ZSwiUGFyZW50U3R5bGUiOm51bGx9LCJJbmRleCI6MjAsIlNtYXJ0RHVyYXRpb25BY3RpdmF0ZWQiOmZhbHNlLCJEYXRlRm9ybWF0Ijp7IiRyZWYiOiI4NTgifSwiSWQiOiI0ODUwZTQ1MS0zMTVkLTQ1NDQtODBkNC1mNWU4M2U3ZmJmOGEiLCJJbXBvcnRJZCI6bnVsbCwiVGl0bGUiOiJSZWNydWl0OiBSb3VuZCAyIiwiTm90ZSI6bnVsbCwiSHlwZXJsaW5rIjp7IiRpZCI6Ijg2MCIsIkFkZHJlc3MiOiIiLCJTdWJBZGRyZXNzIjoiIn0sIklzQ2hhbmdlZCI6ZmFsc2UsIklzTmV3IjpmYWxzZX0sIkluZGV4IjowfV0sIk1pbGVzdG9uZXMiOltdfSx7IiRpZCI6Ijg2MSIsIklkIjoiYTZiMjkxYjktZjMxMy00NTQ4LTg0N2UtYzUyY2YwNDlmODdiIiwiSW5kZXgiOjIxLCJIZWFkZXJUZXh0IjoiUmlzayBNZ3QiLCJTdHlsZSI6eyIkaWQiOiI4NjIiLCJIZWFkZXJTdHlsZSI6eyIkaWQiOiI4NjMiLCJUZXh0U3R5bGUiOnsiJGlkIjoiODY0IiwiRm9udFNldHRpbmdzIjp7IiRpZCI6Ijg2NSIsIkZvbnRTaXplIjoxMiwiRm9udE5hbWUiOiJDYWxpYnJpIiwiSXNCb2xkIjpmYWxzZSwiSXNJdGFsaWMiOmZhbHNlLCJJc1VuZGVybGluZWQiOmZhbHNlLCJQYXJlbnRTdHlsZSI6bnVsbH0sIkF1dG9TaXplIjowLCJGb3JlZ3JvdW5kIjp7IiRpZCI6Ijg2NiIsIkNvbG9yIjp7IiRpZCI6Ijg2NyIsIkEiOjI1NSwiUiI6MzIsIkciOjU2LCJCIjoxMDB9fSwiTWF4V2lkdGgiOjAuMCwiTWF4SGVpZ2h0IjowLjAsIlNtYXJ0Rm9yZWdyb3VuZElzQWN0aXZlIjpmYWxzZSwiSG9yaXpvbnRhbEFsaWdubWVudCI6MCwiVmVydGljYWxBbGlnbm1lbnQiOjAsIlNtYXJ0Rm9yZWdyb3VuZCI6bnVsbCwiQmFja2dyb3VuZEZpbGxUeXBlIjowLCJNYXJnaW4iOnsiJHJlZiI6IjE0MSJ9LCJQYWRkaW5nIjp7IiRyZWYiOiIxNDIifSwiQmFja2dyb3VuZCI6bnVsbCwiSXNWaXNpYmxlIjpmYWxzZSwiV2lkdGgiOjAuMCwiSGVpZ2h0IjowLjAsIkJvcmRlclN0eWxlIjpudWxsLCJQYXJlbnRTdHlsZSI6bnVsbH0sIlJlY3RhbmdsZVN0eWxlIjp7IiRpZCI6Ijg2OCIsIk1hcmdpbiI6eyIkcmVmIjoiMTQ0In0sIlBhZGRpbmciOnsiJHJlZiI6IjE0NSJ9LCJCYWNrZ3JvdW5kIjp7IiRpZCI6Ijg2OSIsIkNvbG9yIjp7IiRpZCI6Ijg3MCIsIkEiOjEyNywiUiI6MjQwLCJHIjoxMDAsIkIiOjQ3fX0sIklzVmlzaWJsZSI6ZmFsc2UsIldpZHRoIjowLjAsIkhlaWdodCI6MC4wLCJCb3JkZXJTdHlsZSI6eyIkaWQiOiI4NzEiLCJMaW5lQ29sb3IiOnsiJHJlZiI6IjE0OSJ9LCJMaW5lV2VpZ2h0IjowLjAsIkxpbmVUeXBlIjowLCJQYXJlbnRTdHlsZSI6bnVsbH0sIlBhcmVudFN0eWxlIjpudWxsfSwiTWFyZ2luIjp7IiRyZWYiOiIxNTEifSwiUGFkZGluZyI6eyIkcmVmIjoiMTUyIn0sIkJhY2tncm91bmQiOm51bGwsIklzVmlzaWJsZSI6dHJ1ZSwiV2lkdGgiOjAuMCwiSGVpZ2h0IjowLjAsIkJvcmRlclN0eWxlIjpudWxsLCJQYXJlbnRTdHlsZSI6bnVsbH0sIkJhY2tncm91bmRTdHlsZSI6eyIkaWQiOiI4NzIiLCJNYXJnaW4iOnsiJHJlZiI6IjE1NCJ9LCJQYWRkaW5nIjp7IiRyZWYiOiIxNTUifSwiQmFja2dyb3VuZCI6eyIkaWQiOiI4NzMiLCJDb2xvciI6eyIkaWQiOiI4NzQiLCJBIjozOCwiUiI6MCwiRyI6MCwiQiI6MH19LCJJc1Zpc2libGUiOnRydWUsIldpZHRoIjowLjAsIkhlaWdodCI6MC4wLCJCb3JkZXJTdHlsZSI6eyIkaWQiOiI4NzUiLCJMaW5lQ29sb3IiOnsiJGlkIjoiODc2IiwiJHR5cGUiOiJOTFJFLkNvbW1vbi5Eb20uU29saWRDb2xvckJydXNoLCBOTFJFLkNvbW1vbiIsIkNvbG9yIjp7IiRpZCI6Ijg3NyIsIkEiOjI1NSwiUiI6MTc4LCJHIjoxNCwiQiI6MTh9fSwiTGluZVdlaWdodCI6MC4wLCJMaW5lVHlwZSI6MCwiUGFyZW50U3R5bGUiOm51bGx9LCJQYXJlbnRTdHlsZSI6bnVsbH0sIklzQWJvdmVUaW1lYmFuZCI6ZmFsc2UsIk1hcmdpbiI6eyIkcmVmIjoiMTYxIn0sIlBhZGRpbmciOnsiJHJlZiI6IjE2MiJ9LCJJc1Zpc2libGUiOnRydWUsIldpZHRoIjowLjAsIkhlaWdodCI6MC4wLCJCb3JkZXJTdHlsZSI6bnVsbCwiUGFyZW50U3R5bGUiOm51bGx9LCJUYXNrcyI6W3siJGlkIjoiODc4IiwiX2F0dGFjaGVkTWlsZXN0b25lcyI6W10sIlRhc2tEZWZpbml0aW9uIjp7IiRpZCI6Ijg3OSIsIkdyb3VwTmFtZSI6ImE3Nzc3ODRiLWI5M2QtNDRmNC1hOGMwLWIxNGVlNjBlMDI2NyIsIlN0YXJ0RGF0ZSI6IjIwMjAtMDMtMjNUMDA6MDA6MDAiLCJFbmREYXRlIjoiMjAyMC0wNy0wM1QxMTo1OTowMCIsIlBlcmNlbnRhZ2VDb21wbGV0ZSI6NzAuMCwiU3R5bGUiOnsiJGlkIjoiODgwIiwiU2hhcGUiOjQsIlNoYXBlVGhpY2tuZXNzIjoxLCJEdXJhdGlvbkZvcm1hdCI6MCwiSW5jbHVkZU5vbldvcmtpbmdEYXlzSW5EdXJhdGlvbiI6ZmFsc2UsIlBlcmNlbnRhZ2VDb21wbGV0ZVN0eWxlIjp7IiRpZCI6Ijg4MSIsIkZvbnRTZXR0aW5ncyI6eyIkaWQiOiI4ODIiLCJGb250U2l6ZSI6MTAsIkZvbnROYW1lIjoiQ2FsaWJyaSIsIklzQm9sZCI6ZmFsc2UsIklzSXRhbGljIjpmYWxzZSwiSXNVbmRlcmxpbmVkIjpmYWxzZSwiUGFyZW50U3R5bGUiOm51bGx9LCJBdXRvU2l6ZSI6MCwiRm9yZWdyb3VuZCI6eyIkaWQiOiI4ODMiLCJDb2xvciI6eyIkaWQiOiI4ODQiLCJBIjoyNTUsIlIiOjE5MiwiRyI6ODAsIkIiOjc3fX0sIk1heFdpZHRoIjoyMDAuMCwiTWF4SGVpZ2h0IjoiSW5maW5pdHkiLCJTbWFydEZvcmVncm91bmRJc0FjdGl2ZSI6ZmFsc2UsIkhvcml6b250YWxBbGlnbm1lbnQiOjEsIlZlcnRpY2FsQWxpZ25tZW50IjowLCJTbWFydEZvcmVncm91bmQiOm51bGwsIkJhY2tncm91bmRGaWxsVHlwZSI6MCwiTWFyZ2luIjp7IiRpZCI6Ijg4NSIsIlRvcCI6MCwiTGVmdCI6MCwiUmlnaHQiOjAsIkJvdHRvbSI6MH0sIlBhZGRpbmciOnsiJGlkIjoiODg2IiwiVG9wIjowLCJMZWZ0IjowLCJSaWdodCI6MCwiQm90dG9tIjowfSwiQmFja2dyb3VuZCI6eyIkcmVmIjoiODkifSwiSXNWaXNpYmxlIjp0cnVlLCJXaWR0aCI6MC4wLCJIZWlnaHQiOjAuMCwiQm9yZGVyU3R5bGUiOnsiJGlkIjoiODg3IiwiTGluZUNvbG9yIjpudWxsLCJMaW5lV2VpZ2h0IjowLjAsIkxpbmVUeXBlIjowLCJQYXJlbnRTdHlsZSI6bnVsbH0sIlBhcmVudFN0eWxlIjpudWxsfSwiRHVyYXRpb25TdHlsZSI6eyIkaWQiOiI4ODgiLCJGb250U2V0dGluZ3MiOnsiJGlkIjoiODg5IiwiRm9udFNpemUiOjEwLCJGb250TmFtZSI6IkNhbGlicmkiLCJJc0JvbGQiOmZhbHNlLCJJc0l0YWxpYyI6ZmFsc2UsIklzVW5kZXJsaW5lZCI6ZmFsc2UsIlBhcmVudFN0eWxlIjpudWxsfSwiQXV0b1NpemUiOjAsIkZvcmVncm91bmQiOnsiJGlkIjoiODkwIiwiQ29sb3IiOnsiJHJlZiI6IjkzIn19LCJNYXhXaWR0aCI6MjAwLjAsIk1heEhlaWdodCI6IkluZmluaXR5IiwiU21hcnRGb3JlZ3JvdW5kSXNBY3RpdmUiOmZhbHNlLCJIb3Jpem9udGFsQWxpZ25tZW50IjowLCJWZXJ0aWNhbEFsaWdubWVudCI6MCwiU21hcnRGb3JlZ3JvdW5kIjpudWxsLCJCYWNrZ3JvdW5kRmlsbFR5cGUiOjAsIk1hcmdpbiI6eyIkaWQiOiI4OTEiLCJUb3AiOjAsIkxlZnQiOjAsIlJpZ2h0IjowLCJCb3R0b20iOjB9LCJQYWRkaW5nIjp7IiRpZCI6Ijg5MiIsIlRvcCI6MCwiTGVmdCI6MCwiUmlnaHQiOjAsIkJvdHRvbSI6MH0sIkJhY2tncm91bmQiOnsiJHJlZiI6Ijk2In0sIklzVmlzaWJsZSI6dHJ1ZSwiV2lkdGgiOjAuMCwiSGVpZ2h0IjowLjAsIkJvcmRlclN0eWxlIjp7IiRpZCI6Ijg5MyIsIkxpbmVDb2xvciI6bnVsbCwiTGluZVdlaWdodCI6MC4wLCJMaW5lVHlwZSI6MCwiUGFyZW50U3R5bGUiOm51bGx9LCJQYXJlbnRTdHlsZSI6bnVsbH0sIkhvcml6b250YWxDb25uZWN0b3JTdHlsZSI6eyIkaWQiOiI4OTQiLCJMaW5lQ29sb3IiOnsiJHJlZiI6Ijk4In0sIkxpbmVXZWlnaHQiOjEuMCwiTGluZVR5cGUiOjAsIlBhcmVudFN0eWxlIjpudWxsfSwiVmVydGljYWxDb25uZWN0b3JTdHlsZSI6eyIkaWQiOiI4OTUiLCJMaW5lQ29sb3IiOnsiJHJlZiI6IjEwMSJ9LCJMaW5lV2VpZ2h0IjowLjAsIkxpbmVUeXBlIjowLCJQYXJlbnRTdHlsZSI6bnVsbH0sIk1hcmdpbiI6bnVsbCwiU3RhcnREYXRlUG9zaXRpb24iOjYsIkVuZERhdGVQb3NpdGlvbiI6NiwiRGF0ZUlzVmlzaWJsZSI6ZmFsc2UsIlRpdGxlUG9zaXRpb24iOjIsIkR1cmF0aW9uUG9zaXRpb24iOjYsIlBlcmNlbnRhZ2VDb21wbGV0ZWRQb3NpdGlvbiI6MiwiU3BhY2luZyI6MywiSXNCZWxvd1RpbWViYW5kIjp0cnVlLCJQZXJjZW50YWdlQ29tcGxldGVTaGFwZU9wYWNpdHkiOjM1LCJTaGFwZVN0eWxlIjp7IiRpZCI6Ijg5NiIsIk1hcmdpbiI6eyIkaWQiOiI4OTciLCJUb3AiOjAsIkxlZnQiOjQsIlJpZ2h0Ijo0LCJCb3R0b20iOjB9LCJQYWRkaW5nIjp7IiRpZCI6Ijg5OCIsIlRvcCI6MCwiTGVmdCI6MCwiUmlnaHQiOjAsIkJvdHRvbSI6MH0sIkJhY2tncm91bmQiOnsiJGlkIjoiODk5IiwiQ29sb3IiOnsiJGlkIjoiOTAwIiwiQSI6MjU1LCJSIjoyMjcsIkciOjExNiwiQiI6MjJ9fSwiSXNWaXNpYmxlIjp0cnVlLCJXaWR0aCI6MC4wLCJIZWlnaHQiOjE2LjAsIkJvcmRlclN0eWxlIjp7IiRpZCI6IjkwMSIsIkxpbmVDb2xvciI6eyIkaWQiOiI5MDIiLCIkdHlwZSI6Ik5MUkUuQ29tbW9uLkRvbS5Tb2xpZENvbG9yQnJ1c2gsIE5MUkUuQ29tbW9uIiwiQ29sb3IiOnsiJGlkIjoiOTAzIiwiQSI6MjU1LCJSIjoyNTUsIkciOjAsIkIiOjB9fSwiTGluZVdlaWdodCI6MC4wLCJMaW5lVHlwZSI6MCwiUGFyZW50U3R5bGUiOm51bGx9LCJQYXJlbnRTdHlsZSI6bnVsbH0sIlRpdGxlU3R5bGUiOnsiJGlkIjoiOTA0IiwiRm9udFNldHRpbmdzIjp7IiRpZCI6IjkwNSIsIkZvbnRTaXplIjoxMSwiRm9udE5hbWUiOiJDYWxpYnJpIiwiSXNCb2xkIjpmYWxzZSwiSXNJdGFsaWMiOmZhbHNlLCJJc1VuZGVybGluZWQiOmZhbHNlLCJQYXJlbnRTdHlsZSI6bnVsbH0sIkF1dG9TaXplIjowLCJGb3JlZ3JvdW5kIjp7IiRpZCI6IjkwNiIsIkNvbG9yIjp7IiRpZCI6IjkwNyIsIkEiOjI1NSwiUiI6MjU1LCJHIjoyNTUsIkIiOjI1NX19LCJNYXhXaWR0aCI6OTYwLjAsIk1heEhlaWdodCI6IkluZmluaXR5IiwiU21hcnRGb3JlZ3JvdW5kSXNBY3RpdmUiOmZhbHNlLCJIb3Jpem9udGFsQWxpZ25tZW50IjoxLCJWZXJ0aWNhbEFsaWdubWVudCI6MCwiU21hcnRGb3JlZ3JvdW5kIjpudWxsLCJCYWNrZ3JvdW5kRmlsbFR5cGUiOjAsIk1hcmdpbiI6eyIkaWQiOiI5MDgiLCJUb3AiOjAsIkxlZnQiOjAsIlJpZ2h0IjowLCJCb3R0b20iOjB9LCJQYWRkaW5nIjp7IiRpZCI6IjkwOSIsIlRvcCI6MCwiTGVmdCI6MCwiUmlnaHQiOjAsIkJvdHRvbSI6MH0sIkJhY2tncm91bmQiOnsiJHJlZiI6IjExNyJ9LCJJc1Zpc2libGUiOnRydWUsIldpZHRoIjowLjAsIkhlaWdodCI6MC4wLCJCb3JkZXJTdHlsZSI6eyIkaWQiOiI5MTAiLCJMaW5lQ29sb3IiOm51bGwsIkxpbmVXZWlnaHQiOjAuMCwiTGluZVR5cGUiOjAsIlBhcmVudFN0eWxlIjpudWxsfSwiUGFyZW50U3R5bGUiOm51bGx9LCJEYXRlU3R5bGUiOnsiJGlkIjoiOTExIiwiRm9udFNldHRpbmdzIjp7IiRpZCI6IjkxMiIsIkZvbnRTaXplIjoxMCwiRm9udE5hbWUiOiJDYWxpYnJpIiwiSXNCb2xkIjpmYWxzZSwiSXNJdGFsaWMiOmZhbHNlLCJJc1VuZGVybGluZWQiOmZhbHNlLCJQYXJlbnRTdHlsZSI6bnVsbH0sIkF1dG9TaXplIjowLCJGb3JlZ3JvdW5kIjp7IiRpZCI6IjkxMyIsIkNvbG9yIjp7IiRyZWYiOiIxMjEifX0sIk1heFdpZHRoIjoyMDAuMCwiTWF4SGVpZ2h0IjoiSW5maW5pdHkiLCJTbWFydEZvcmVncm91bmRJc0FjdGl2ZSI6ZmFsc2UsIkhvcml6b250YWxBbGlnbm1lbnQiOjAsIlZlcnRpY2FsQWxpZ25tZW50IjowLCJTbWFydEZvcmVncm91bmQiOm51bGwsIkJhY2tncm91bmRGaWxsVHlwZSI6MCwiTWFyZ2luIjp7IiRpZCI6IjkxNCIsIlRvcCI6MCwiTGVmdCI6MCwiUmlnaHQiOjAsIkJvdHRvbSI6MH0sIlBhZGRpbmciOnsiJGlkIjoiOTE1IiwiVG9wIjowLCJMZWZ0IjowLCJSaWdodCI6MCwiQm90dG9tIjowfSwiQmFja2dyb3VuZCI6eyIkcmVmIjoiMTI0In0sIklzVmlzaWJsZSI6dHJ1ZSwiV2lkdGgiOjAuMCwiSGVpZ2h0IjowLjAsIkJvcmRlclN0eWxlIjp7IiRpZCI6IjkxNiIsIkxpbmVDb2xvciI6bnVsbCwiTGluZVdlaWdodCI6MC4wLCJMaW5lVHlwZSI6MCwiUGFyZW50U3R5bGUiOm51bGx9LCJQYXJlbnRTdHlsZSI6bnVsbH0sIkRhdGVGb3JtYXQiOnsiJGlkIjoiOTE3IiwiRm9ybWF0U3RyaW5nIjoiTU1NIGQiLCJTZXBhcmF0b3IiOiIvIiwiVXNlSW50ZXJuYXRpb25hbERhdGVGb3JtYXQiOmZhbHNlLCJEYXRlSXNWaXNpYmxlIjpmYWxzZSwiVGltZUlzVmlzaWJsZSI6ZmFsc2UsIkhvdXJEaWdpdHMiOjEsIkFtUG1EZXNpZ25hdG9yIjoyLCJUcmltMDBNaW51dGVzIjpmYWxzZSwiTGFzdEtub3duVmlzaWJpbGl0eVN0YXRlIjp7IiRpZCI6IjkxOCIsIkRhdGVQYXJ0SXNWaXNpYmxlIjp0cnVlLCJUaW1lUGFydElzVmlzaWJsZSI6ZmFsc2V9fSwiSXNWaXNpYmxlIjp0cnVlLCJQYXJlbnRTdHlsZSI6bnVsbH0sIkluZGV4IjoyMiwiU21hcnREdXJhdGlvbkFjdGl2YXRlZCI6ZmFsc2UsIkRhdGVGb3JtYXQiOnsiJHJlZiI6IjkxNyJ9LCJJZCI6ImZhNzE2MGFlLThkYjYtNDljNC1hNTg2LWMyNjcyMmUwOTRjYSIsIkltcG9ydElkIjpudWxsLCJUaXRsZSI6IkNlcnRpZmljYXRpb24gIiwiTm90ZSI6bnVsbCwiSHlwZXJsaW5rIjp7IiRpZCI6IjkxOSIsIkFkZHJlc3MiOiIiLCJTdWJBZGRyZXNzIjoiIn0sIklzQ2hhbmdlZCI6ZmFsc2UsIklzTmV3IjpmYWxzZX0sIkluZGV4IjowfSx7IiRpZCI6IjkyMCIsIl9hdHRhY2hlZE1pbGVzdG9uZXMiOltdLCJUYXNrRGVmaW5pdGlvbiI6eyIkaWQiOiI5MjEiLCJHcm91cE5hbWUiOiJhNzc3Nzg0Yi1iOTNkLTQ0ZjQtYThjMC1iMTRlZTYwZTAyNjciLCJTdGFydERhdGUiOiIyMDE5LTEwLTI2VDAwOjAwOjAwIiwiRW5kRGF0ZSI6IjIwMTktMTItMTFUMTE6NTk6MDAiLCJQZXJjZW50YWdlQ29tcGxldGUiOm51bGwsIlN0eWxlIjp7IiRpZCI6IjkyMiIsIlNoYXBlIjoxLCJTaGFwZVRoaWNrbmVzcyI6MSwiRHVyYXRpb25Gb3JtYXQiOjAsIkluY2x1ZGVOb25Xb3JraW5nRGF5c0luRHVyYXRpb24iOmZhbHNlLCJQZXJjZW50YWdlQ29tcGxldGVTdHlsZSI6eyIkaWQiOiI5MjMiLCJGb250U2V0dGluZ3MiOnsiJGlkIjoiOTI0IiwiRm9udFNpemUiOjEwLCJGb250TmFtZSI6IkNhbGlicmkiLCJJc0JvbGQiOmZhbHNlLCJJc0l0YWxpYyI6ZmFsc2UsIklzVW5kZXJsaW5lZCI6ZmFsc2UsIlBhcmVudFN0eWxlIjpudWxsfSwiQXV0b1NpemUiOjAsIkZvcmVncm91bmQiOnsiJHJlZiI6Ijg1In0sIk1heFdpZHRoIjoyMDAuMCwiTWF4SGVpZ2h0IjoiSW5maW5pdHkiLCJTbWFydEZvcmVncm91bmRJc0FjdGl2ZSI6ZmFsc2UsIkhvcml6b250YWxBbGlnbm1lbnQiOjAsIlZlcnRpY2FsQWxpZ25tZW50IjowLCJTbWFydEZvcmVncm91bmQiOm51bGwsIkJhY2tncm91bmRGaWxsVHlwZSI6MCwiTWFyZ2luIjp7IiRpZCI6IjkyNSIsIlRvcCI6MCwiTGVmdCI6MCwiUmlnaHQiOjAsIkJvdHRvbSI6MH0sIlBhZGRpbmciOnsiJGlkIjoiOTI2IiwiVG9wIjowLCJMZWZ0IjowLCJSaWdodCI6MCwiQm90dG9tIjowfSwiQmFja2dyb3VuZCI6eyIkcmVmIjoiODkifSwiSXNWaXNpYmxlIjp0cnVlLCJXaWR0aCI6MC4wLCJIZWlnaHQiOjAuMCwiQm9yZGVyU3R5bGUiOnsiJGlkIjoiOTI3IiwiTGluZUNvbG9yIjpudWxsLCJMaW5lV2VpZ2h0IjowLjAsIkxpbmVUeXBlIjowLCJQYXJlbnRTdHlsZSI6bnVsbH0sIlBhcmVudFN0eWxlIjpudWxsfSwiRHVyYXRpb25TdHlsZSI6eyIkaWQiOiI5MjgiLCJGb250U2V0dGluZ3MiOnsiJGlkIjoiOTI5IiwiRm9udFNpemUiOjEwLCJGb250TmFtZSI6IkNhbGlicmkiLCJJc0JvbGQiOmZhbHNlLCJJc0l0YWxpYyI6ZmFsc2UsIklzVW5kZXJsaW5lZCI6ZmFsc2UsIlBhcmVudFN0eWxlIjpudWxsfSwiQXV0b1NpemUiOjAsIkZvcmVncm91bmQiOnsiJGlkIjoiOTMwIiwiQ29sb3IiOnsiJHJlZiI6IjkzIn19LCJNYXhXaWR0aCI6MjAwLjAsIk1heEhlaWdodCI6IkluZmluaXR5IiwiU21hcnRGb3JlZ3JvdW5kSXNBY3RpdmUiOmZhbHNlLCJIb3Jpem9udGFsQWxpZ25tZW50IjowLCJWZXJ0aWNhbEFsaWdubWVudCI6MCwiU21hcnRGb3JlZ3JvdW5kIjpudWxsLCJCYWNrZ3JvdW5kRmlsbFR5cGUiOjAsIk1hcmdpbiI6eyIkaWQiOiI5MzEiLCJUb3AiOjAsIkxlZnQiOjAsIlJpZ2h0IjowLCJCb3R0b20iOjB9LCJQYWRkaW5nIjp7IiRpZCI6IjkzMiIsIlRvcCI6MCwiTGVmdCI6MCwiUmlnaHQiOjAsIkJvdHRvbSI6MH0sIkJhY2tncm91bmQiOnsiJHJlZiI6Ijk2In0sIklzVmlzaWJsZSI6dHJ1ZSwiV2lkdGgiOjAuMCwiSGVpZ2h0IjowLjAsIkJvcmRlclN0eWxlIjp7IiRpZCI6IjkzMyIsIkxpbmVDb2xvciI6bnVsbCwiTGluZVdlaWdodCI6MC4wLCJMaW5lVHlwZSI6MCwiUGFyZW50U3R5bGUiOm51bGx9LCJQYXJlbnRTdHlsZSI6bnVsbH0sIkhvcml6b250YWxDb25uZWN0b3JTdHlsZSI6eyIkaWQiOiI5MzQiLCJMaW5lQ29sb3IiOnsiJHJlZiI6Ijk4In0sIkxpbmVXZWlnaHQiOjEuMCwiTGluZVR5cGUiOjAsIlBhcmVudFN0eWxlIjpudWxsfSwiVmVydGljYWxDb25uZWN0b3JTdHlsZSI6eyIkaWQiOiI5MzUiLCJMaW5lQ29sb3IiOnsiJHJlZiI6IjEwMSJ9LCJMaW5lV2VpZ2h0IjowLjAsIkxpbmVUeXBlIjowLCJQYXJlbnRTdHlsZSI6bnVsbH0sIk1hcmdpbiI6bnVsbCwiU3RhcnREYXRlUG9zaXRpb24iOjYsIkVuZERhdGVQb3NpdGlvbiI6NiwiRGF0ZUlzVmlzaWJsZSI6ZmFsc2UsIlRpdGxlUG9zaXRpb24iOjIsIkR1cmF0aW9uUG9zaXRpb24iOjYsIlBlcmNlbnRhZ2VDb21wbGV0ZWRQb3NpdGlvbiI6MiwiU3BhY2luZyI6MywiSXNCZWxvd1RpbWViYW5kIjp0cnVlLCJQZXJjZW50YWdlQ29tcGxldGVTaGFwZU9wYWNpdHkiOjM1LCJTaGFwZVN0eWxlIjp7IiRpZCI6IjkzNiIsIk1hcmdpbiI6eyIkaWQiOiI5MzciLCJUb3AiOjAsIkxlZnQiOjQsIlJpZ2h0Ijo0LCJCb3R0b20iOjB9LCJQYWRkaW5nIjp7IiRpZCI6IjkzOCIsIlRvcCI6MCwiTGVmdCI6MCwiUmlnaHQiOjAsIkJvdHRvbSI6MH0sIkJhY2tncm91bmQiOnsiJGlkIjoiOTM5IiwiQ29sb3IiOnsiJGlkIjoiOTQwIiwiQSI6MjU1LCJSIjoyMjcsIkciOjExNiwiQiI6MjJ9fSwiSXNWaXNpYmxlIjp0cnVlLCJXaWR0aCI6MC4wLCJIZWlnaHQiOjE2LjAsIkJvcmRlclN0eWxlIjp7IiRpZCI6Ijk0MSIsIkxpbmVDb2xvciI6eyIkaWQiOiI5NDIiLCIkdHlwZSI6Ik5MUkUuQ29tbW9uLkRvbS5Tb2xpZENvbG9yQnJ1c2gsIE5MUkUuQ29tbW9uIiwiQ29sb3IiOnsiJGlkIjoiOTQzIiwiQSI6MjU1LCJSIjoyNTUsIkciOjAsIkIiOjB9fSwiTGluZVdlaWdodCI6MC4wLCJMaW5lVHlwZSI6MCwiUGFyZW50U3R5bGUiOm51bGx9LCJQYXJlbnRTdHlsZSI6bnVsbH0sIlRpdGxlU3R5bGUiOnsiJGlkIjoiOTQ0IiwiRm9udFNldHRpbmdzIjp7IiRpZCI6Ijk0NSIsIkZvbnRTaXplIjoxMSwiRm9udE5hbWUiOiJDYWxpYnJpIiwiSXNCb2xkIjpmYWxzZSwiSXNJdGFsaWMiOmZhbHNlLCJJc1VuZGVybGluZWQiOmZhbHNlLCJQYXJlbnRTdHlsZSI6bnVsbH0sIkF1dG9TaXplIjowLCJGb3JlZ3JvdW5kIjp7IiRpZCI6Ijk0NiIsIkNvbG9yIjp7IiRpZCI6Ijk0NyIsIkEiOjI1NSwiUiI6MjU1LCJHIjoyNTUsIkIiOjI1NX19LCJNYXhXaWR0aCI6OTYwLjAsIk1heEhlaWdodCI6IkluZmluaXR5IiwiU21hcnRGb3JlZ3JvdW5kSXNBY3RpdmUiOmZhbHNlLCJIb3Jpem9udGFsQWxpZ25tZW50IjoxLCJWZXJ0aWNhbEFsaWdubWVudCI6MCwiU21hcnRGb3JlZ3JvdW5kIjpudWxsLCJCYWNrZ3JvdW5kRmlsbFR5cGUiOjAsIk1hcmdpbiI6eyIkaWQiOiI5NDgiLCJUb3AiOjAsIkxlZnQiOjAsIlJpZ2h0IjowLCJCb3R0b20iOjB9LCJQYWRkaW5nIjp7IiRpZCI6Ijk0OSIsIlRvcCI6MCwiTGVmdCI6MCwiUmlnaHQiOjAsIkJvdHRvbSI6MH0sIkJhY2tncm91bmQiOnsiJHJlZiI6IjExNyJ9LCJJc1Zpc2libGUiOnRydWUsIldpZHRoIjowLjAsIkhlaWdodCI6MC4wLCJCb3JkZXJTdHlsZSI6eyIkaWQiOiI5NTAiLCJMaW5lQ29sb3IiOm51bGwsIkxpbmVXZWlnaHQiOjAuMCwiTGluZVR5cGUiOjAsIlBhcmVudFN0eWxlIjpudWxsfSwiUGFyZW50U3R5bGUiOm51bGx9LCJEYXRlU3R5bGUiOnsiJGlkIjoiOTUxIiwiRm9udFNldHRpbmdzIjp7IiRpZCI6Ijk1MiIsIkZvbnRTaXplIjoxMCwiRm9udE5hbWUiOiJDYWxpYnJpIiwiSXNCb2xkIjpmYWxzZSwiSXNJdGFsaWMiOmZhbHNlLCJJc1VuZGVybGluZWQiOmZhbHNlLCJQYXJlbnRTdHlsZSI6bnVsbH0sIkF1dG9TaXplIjowLCJGb3JlZ3JvdW5kIjp7IiRpZCI6Ijk1MyIsIkNvbG9yIjp7IiRyZWYiOiIxMjEifX0sIk1heFdpZHRoIjoyMDAuMCwiTWF4SGVpZ2h0IjoiSW5maW5pdHkiLCJTbWFydEZvcmVncm91bmRJc0FjdGl2ZSI6ZmFsc2UsIkhvcml6b250YWxBbGlnbm1lbnQiOjAsIlZlcnRpY2FsQWxpZ25tZW50IjowLCJTbWFydEZvcmVncm91bmQiOm51bGwsIkJhY2tncm91bmRGaWxsVHlwZSI6MCwiTWFyZ2luIjp7IiRpZCI6Ijk1NCIsIlRvcCI6MCwiTGVmdCI6MCwiUmlnaHQiOjAsIkJvdHRvbSI6MH0sIlBhZGRpbmciOnsiJGlkIjoiOTU1IiwiVG9wIjowLCJMZWZ0IjowLCJSaWdodCI6MCwiQm90dG9tIjowfSwiQmFja2dyb3VuZCI6eyIkcmVmIjoiMTI0In0sIklzVmlzaWJsZSI6dHJ1ZSwiV2lkdGgiOjAuMCwiSGVpZ2h0IjowLjAsIkJvcmRlclN0eWxlIjp7IiRpZCI6Ijk1NiIsIkxpbmVDb2xvciI6bnVsbCwiTGluZVdlaWdodCI6MC4wLCJMaW5lVHlwZSI6MCwiUGFyZW50U3R5bGUiOm51bGx9LCJQYXJlbnRTdHlsZSI6bnVsbH0sIkRhdGVGb3JtYXQiOnsiJGlkIjoiOTU3IiwiRm9ybWF0U3RyaW5nIjoiTU1NIGQiLCJTZXBhcmF0b3IiOiIvIiwiVXNlSW50ZXJuYXRpb25hbERhdGVGb3JtYXQiOmZhbHNlLCJEYXRlSXNWaXNpYmxlIjpmYWxzZSwiVGltZUlzVmlzaWJsZSI6ZmFsc2UsIkhvdXJEaWdpdHMiOjEsIkFtUG1EZXNpZ25hdG9yIjoyLCJUcmltMDBNaW51dGVzIjpmYWxzZSwiTGFzdEtub3duVmlzaWJpbGl0eVN0YXRlIjp7IiRpZCI6Ijk1OCIsIkRhdGVQYXJ0SXNWaXNpYmxlIjp0cnVlLCJUaW1lUGFydElzVmlzaWJsZSI6ZmFsc2V9fSwiSXNWaXNpYmxlIjp0cnVlLCJQYXJlbnRTdHlsZSI6bnVsbH0sIkluZGV4IjoyMywiU21hcnREdXJhdGlvbkFjdGl2YXRlZCI6ZmFsc2UsIkRhdGVGb3JtYXQiOnsiJHJlZiI6Ijk1NyJ9LCJJZCI6ImMwMDBiMzM4LTU2YzMtNDU3ZS05N2FjLTgzODQzYjQ2MzQ4YSIsIkltcG9ydElkIjpudWxsLCJUaXRsZSI6IkxvZ3MgIiwiTm90ZSI6bnVsbCwiSHlwZXJsaW5rIjp7IiRpZCI6Ijk1OSIsIkFkZHJlc3MiOiIiLCJTdWJBZGRyZXNzIjoiIn0sIklzQ2hhbmdlZCI6ZmFsc2UsIklzTmV3IjpmYWxzZX0sIkluZGV4IjowfSx7IiRpZCI6Ijk2MCIsIl9hdHRhY2hlZE1pbGVzdG9uZXMiOltdLCJUYXNrRGVmaW5pdGlvbiI6eyIkaWQiOiI5NjEiLCJHcm91cE5hbWUiOiIyNjBhZTBlZi0wYjFlLTQzZGMtOWUyNC04ZDVkY2E1MWFiYmIiLCJTdGFydERhdGUiOiIyMDIwLTA1LTAzVDAwOjAwOjAwIiwiRW5kRGF0ZSI6IjIwMjAtMDgtMDlUMTE6NTk6MDAiLCJQZXJjZW50YWdlQ29tcGxldGUiOm51bGwsIlN0eWxlIjp7IiRpZCI6Ijk2MiIsIlNoYXBlIjoxLCJTaGFwZVRoaWNrbmVzcyI6MSwiRHVyYXRpb25Gb3JtYXQiOjAsIkluY2x1ZGVOb25Xb3JraW5nRGF5c0luRHVyYXRpb24iOmZhbHNlLCJQZXJjZW50YWdlQ29tcGxldGVTdHlsZSI6eyIkaWQiOiI5NjMiLCJGb250U2V0dGluZ3MiOnsiJGlkIjoiOTY0IiwiRm9udFNpemUiOjEwLCJGb250TmFtZSI6IkNhbGlicmkiLCJJc0JvbGQiOmZhbHNlLCJJc0l0YWxpYyI6ZmFsc2UsIklzVW5kZXJsaW5lZCI6ZmFsc2UsIlBhcmVudFN0eWxlIjpudWxsfSwiQXV0b1NpemUiOjAsIkZvcmVncm91bmQiOnsiJHJlZiI6Ijg1In0sIk1heFdpZHRoIjoyMDAuMCwiTWF4SGVpZ2h0IjoiSW5maW5pdHkiLCJTbWFydEZvcmVncm91bmRJc0FjdGl2ZSI6ZmFsc2UsIkhvcml6b250YWxBbGlnbm1lbnQiOjAsIlZlcnRpY2FsQWxpZ25tZW50IjowLCJTbWFydEZvcmVncm91bmQiOm51bGwsIkJhY2tncm91bmRGaWxsVHlwZSI6MCwiTWFyZ2luIjp7IiRpZCI6Ijk2NSIsIlRvcCI6MCwiTGVmdCI6MCwiUmlnaHQiOjAsIkJvdHRvbSI6MH0sIlBhZGRpbmciOnsiJGlkIjoiOTY2IiwiVG9wIjowLCJMZWZ0IjowLCJSaWdodCI6MCwiQm90dG9tIjowfSwiQmFja2dyb3VuZCI6eyIkcmVmIjoiODkifSwiSXNWaXNpYmxlIjp0cnVlLCJXaWR0aCI6MC4wLCJIZWlnaHQiOjAuMCwiQm9yZGVyU3R5bGUiOnsiJGlkIjoiOTY3IiwiTGluZUNvbG9yIjpudWxsLCJMaW5lV2VpZ2h0IjowLjAsIkxpbmVUeXBlIjowLCJQYXJlbnRTdHlsZSI6bnVsbH0sIlBhcmVudFN0eWxlIjpudWxsfSwiRHVyYXRpb25TdHlsZSI6eyIkaWQiOiI5NjgiLCJGb250U2V0dGluZ3MiOnsiJGlkIjoiOTY5IiwiRm9udFNpemUiOjEwLCJGb250TmFtZSI6IkNhbGlicmkiLCJJc0JvbGQiOmZhbHNlLCJJc0l0YWxpYyI6ZmFsc2UsIklzVW5kZXJsaW5lZCI6ZmFsc2UsIlBhcmVudFN0eWxlIjpudWxsfSwiQXV0b1NpemUiOjAsIkZvcmVncm91bmQiOnsiJGlkIjoiOTcwIiwiQ29sb3IiOnsiJHJlZiI6IjkzIn19LCJNYXhXaWR0aCI6MjAwLjAsIk1heEhlaWdodCI6IkluZmluaXR5IiwiU21hcnRGb3JlZ3JvdW5kSXNBY3RpdmUiOmZhbHNlLCJIb3Jpem9udGFsQWxpZ25tZW50IjowLCJWZXJ0aWNhbEFsaWdubWVudCI6MCwiU21hcnRGb3JlZ3JvdW5kIjpudWxsLCJCYWNrZ3JvdW5kRmlsbFR5cGUiOjAsIk1hcmdpbiI6eyIkaWQiOiI5NzEiLCJUb3AiOjAsIkxlZnQiOjAsIlJpZ2h0IjowLCJCb3R0b20iOjB9LCJQYWRkaW5nIjp7IiRpZCI6Ijk3MiIsIlRvcCI6MCwiTGVmdCI6MCwiUmlnaHQiOjAsIkJvdHRvbSI6MH0sIkJhY2tncm91bmQiOnsiJHJlZiI6Ijk2In0sIklzVmlzaWJsZSI6dHJ1ZSwiV2lkdGgiOjAuMCwiSGVpZ2h0IjowLjAsIkJvcmRlclN0eWxlIjp7IiRpZCI6Ijk3MyIsIkxpbmVDb2xvciI6bnVsbCwiTGluZVdlaWdodCI6MC4wLCJMaW5lVHlwZSI6MCwiUGFyZW50U3R5bGUiOm51bGx9LCJQYXJlbnRTdHlsZSI6bnVsbH0sIkhvcml6b250YWxDb25uZWN0b3JTdHlsZSI6eyIkaWQiOiI5NzQiLCJMaW5lQ29sb3IiOnsiJHJlZiI6Ijk4In0sIkxpbmVXZWlnaHQiOjEuMCwiTGluZVR5cGUiOjAsIlBhcmVudFN0eWxlIjpudWxsfSwiVmVydGljYWxDb25uZWN0b3JTdHlsZSI6eyIkaWQiOiI5NzUiLCJMaW5lQ29sb3IiOnsiJHJlZiI6IjEwMSJ9LCJMaW5lV2VpZ2h0IjowLjAsIkxpbmVUeXBlIjowLCJQYXJlbnRTdHlsZSI6bnVsbH0sIk1hcmdpbiI6bnVsbCwiU3RhcnREYXRlUG9zaXRpb24iOjYsIkVuZERhdGVQb3NpdGlvbiI6NiwiRGF0ZUlzVmlzaWJsZSI6ZmFsc2UsIlRpdGxlUG9zaXRpb24iOjIsIkR1cmF0aW9uUG9zaXRpb24iOjYsIlBlcmNlbnRhZ2VDb21wbGV0ZWRQb3NpdGlvbiI6MiwiU3BhY2luZyI6MywiSXNCZWxvd1RpbWViYW5kIjp0cnVlLCJQZXJjZW50YWdlQ29tcGxldGVTaGFwZU9wYWNpdHkiOjM1LCJTaGFwZVN0eWxlIjp7IiRpZCI6Ijk3NiIsIk1hcmdpbiI6eyIkaWQiOiI5NzciLCJUb3AiOjAsIkxlZnQiOjQsIlJpZ2h0Ijo0LCJCb3R0b20iOjB9LCJQYWRkaW5nIjp7IiRpZCI6Ijk3OCIsIlRvcCI6MCwiTGVmdCI6MCwiUmlnaHQiOjAsIkJvdHRvbSI6MH0sIkJhY2tncm91bmQiOnsiJGlkIjoiOTc5IiwiQ29sb3IiOnsiJGlkIjoiOTgwIiwiQSI6MjU1LCJSIjoyMjcsIkciOjExNiwiQiI6MjJ9fSwiSXNWaXNpYmxlIjp0cnVlLCJXaWR0aCI6MC4wLCJIZWlnaHQiOjE2LjAsIkJvcmRlclN0eWxlIjp7IiRpZCI6Ijk4MSIsIkxpbmVDb2xvciI6eyIkaWQiOiI5ODIiLCIkdHlwZSI6Ik5MUkUuQ29tbW9uLkRvbS5Tb2xpZENvbG9yQnJ1c2gsIE5MUkUuQ29tbW9uIiwiQ29sb3IiOnsiJGlkIjoiOTgzIiwiQSI6MjU1LCJSIjoyNTUsIkciOjAsIkIiOjB9fSwiTGluZVdlaWdodCI6MC4wLCJMaW5lVHlwZSI6MCwiUGFyZW50U3R5bGUiOm51bGx9LCJQYXJlbnRTdHlsZSI6bnVsbH0sIlRpdGxlU3R5bGUiOnsiJGlkIjoiOTg0IiwiRm9udFNldHRpbmdzIjp7IiRpZCI6Ijk4NSIsIkZvbnRTaXplIjoxMSwiRm9udE5hbWUiOiJDYWxpYnJpIiwiSXNCb2xkIjpmYWxzZSwiSXNJdGFsaWMiOmZhbHNlLCJJc1VuZGVybGluZWQiOmZhbHNlLCJQYXJlbnRTdHlsZSI6bnVsbH0sIkF1dG9TaXplIjowLCJGb3JlZ3JvdW5kIjp7IiRpZCI6Ijk4NiIsIkNvbG9yIjp7IiRpZCI6Ijk4NyIsIkEiOjI1NSwiUiI6MjU1LCJHIjoyNTUsIkIiOjI1NX19LCJNYXhXaWR0aCI6OTYwLjAsIk1heEhlaWdodCI6IkluZmluaXR5IiwiU21hcnRGb3JlZ3JvdW5kSXNBY3RpdmUiOmZhbHNlLCJIb3Jpem9udGFsQWxpZ25tZW50IjoxLCJWZXJ0aWNhbEFsaWdubWVudCI6MCwiU21hcnRGb3JlZ3JvdW5kIjpudWxsLCJCYWNrZ3JvdW5kRmlsbFR5cGUiOjAsIk1hcmdpbiI6eyIkaWQiOiI5ODgiLCJUb3AiOjAsIkxlZnQiOjAsIlJpZ2h0IjowLCJCb3R0b20iOjB9LCJQYWRkaW5nIjp7IiRpZCI6Ijk4OSIsIlRvcCI6MCwiTGVmdCI6MCwiUmlnaHQiOjAsIkJvdHRvbSI6MH0sIkJhY2tncm91bmQiOnsiJHJlZiI6IjExNyJ9LCJJc1Zpc2libGUiOnRydWUsIldpZHRoIjowLjAsIkhlaWdodCI6MC4wLCJCb3JkZXJTdHlsZSI6eyIkaWQiOiI5OTAiLCJMaW5lQ29sb3IiOm51bGwsIkxpbmVXZWlnaHQiOjAuMCwiTGluZVR5cGUiOjAsIlBhcmVudFN0eWxlIjpudWxsfSwiUGFyZW50U3R5bGUiOm51bGx9LCJEYXRlU3R5bGUiOnsiJGlkIjoiOTkxIiwiRm9udFNldHRpbmdzIjp7IiRpZCI6Ijk5MiIsIkZvbnRTaXplIjoxMCwiRm9udE5hbWUiOiJDYWxpYnJpIiwiSXNCb2xkIjpmYWxzZSwiSXNJdGFsaWMiOmZhbHNlLCJJc1VuZGVybGluZWQiOmZhbHNlLCJQYXJlbnRTdHlsZSI6bnVsbH0sIkF1dG9TaXplIjowLCJGb3JlZ3JvdW5kIjp7IiRpZCI6Ijk5MyIsIkNvbG9yIjp7IiRyZWYiOiIxMjEifX0sIk1heFdpZHRoIjoyMDAuMCwiTWF4SGVpZ2h0IjoiSW5maW5pdHkiLCJTbWFydEZvcmVncm91bmRJc0FjdGl2ZSI6ZmFsc2UsIkhvcml6b250YWxBbGlnbm1lbnQiOjAsIlZlcnRpY2FsQWxpZ25tZW50IjowLCJTbWFydEZvcmVncm91bmQiOm51bGwsIkJhY2tncm91bmRGaWxsVHlwZSI6MCwiTWFyZ2luIjp7IiRpZCI6Ijk5NCIsIlRvcCI6MCwiTGVmdCI6MCwiUmlnaHQiOjAsIkJvdHRvbSI6MH0sIlBhZGRpbmciOnsiJGlkIjoiOTk1IiwiVG9wIjowLCJMZWZ0IjowLCJSaWdodCI6MCwiQm90dG9tIjowfSwiQmFja2dyb3VuZCI6eyIkcmVmIjoiMTI0In0sIklzVmlzaWJsZSI6dHJ1ZSwiV2lkdGgiOjAuMCwiSGVpZ2h0IjowLjAsIkJvcmRlclN0eWxlIjp7IiRpZCI6Ijk5NiIsIkxpbmVDb2xvciI6bnVsbCwiTGluZVdlaWdodCI6MC4wLCJMaW5lVHlwZSI6MCwiUGFyZW50U3R5bGUiOm51bGx9LCJQYXJlbnRTdHlsZSI6bnVsbH0sIkRhdGVGb3JtYXQiOnsiJGlkIjoiOTk3IiwiRm9ybWF0U3RyaW5nIjoiTU1NIGQiLCJTZXBhcmF0b3IiOiIvIiwiVXNlSW50ZXJuYXRpb25hbERhdGVGb3JtYXQiOmZhbHNlLCJEYXRlSXNWaXNpYmxlIjpmYWxzZSwiVGltZUlzVmlzaWJsZSI6ZmFsc2UsIkhvdXJEaWdpdHMiOjEsIkFtUG1EZXNpZ25hdG9yIjoyLCJUcmltMDBNaW51dGVzIjpmYWxzZSwiTGFzdEtub3duVmlzaWJpbGl0eVN0YXRlIjp7IiRpZCI6Ijk5OCIsIkRhdGVQYXJ0SXNWaXNpYmxlIjp0cnVlLCJUaW1lUGFydElzVmlzaWJsZSI6ZmFsc2V9fSwiSXNWaXNpYmxlIjp0cnVlLCJQYXJlbnRTdHlsZSI6bnVsbH0sIkluZGV4IjoyNCwiU21hcnREdXJhdGlvbkFjdGl2YXRlZCI6ZmFsc2UsIkRhdGVGb3JtYXQiOnsiJHJlZiI6Ijk5NyJ9LCJJZCI6IjQ3NmRjMTVjLWZkNzMtNDY5ZC05OTRkLTU0ODA4OWMyZjU2MiIsIkltcG9ydElkIjpudWxsLCJUaXRsZSI6IkNvbnRlbnQgTWFuYWdlbWVudCAiLCJOb3RlIjpudWxsLCJIeXBlcmxpbmsiOnsiJGlkIjoiOTk5IiwiQWRkcmVzcyI6IiIsIlN1YkFkZHJlc3MiOiIifSwiSXNDaGFuZ2VkIjpmYWxzZSwiSXNOZXciOmZhbHNlfSwiSW5kZXgiOjB9LHsiJGlkIjoiMTAwMCIsIl9hdHRhY2hlZE1pbGVzdG9uZXMiOltdLCJUYXNrRGVmaW5pdGlvbiI6eyIkaWQiOiIxMDAxIiwiR3JvdXBOYW1lIjoiMjYwYWUwZWYtMGIxZS00M2RjLTllMjQtOGQ1ZGNhNTFhYmJiIiwiU3RhcnREYXRlIjoiMjAxOS0xMi0yMlQwMDowMDowMCIsIkVuZERhdGUiOiIyMDIwLTA0LTA0VDExOjU5OjAwIiwiUGVyY2VudGFnZUNvbXBsZXRlIjpudWxsLCJTdHlsZSI6eyIkaWQiOiIxMDAyIiwiU2hhcGUiOjEsIlNoYXBlVGhpY2tuZXNzIjoxLCJEdXJhdGlvbkZvcm1hdCI6MCwiSW5jbHVkZU5vbldvcmtpbmdEYXlzSW5EdXJhdGlvbiI6ZmFsc2UsIlBlcmNlbnRhZ2VDb21wbGV0ZVN0eWxlIjp7IiRpZCI6IjEwMDMiLCJGb250U2V0dGluZ3MiOnsiJGlkIjoiMTAwNCIsIkZvbnRTaXplIjoxMCwiRm9udE5hbWUiOiJDYWxpYnJpIiwiSXNCb2xkIjpmYWxzZSwiSXNJdGFsaWMiOmZhbHNlLCJJc1VuZGVybGluZWQiOmZhbHNlLCJQYXJlbnRTdHlsZSI6bnVsbH0sIkF1dG9TaXplIjowLCJGb3JlZ3JvdW5kIjp7IiRyZWYiOiI4NSJ9LCJNYXhXaWR0aCI6MjAwLjAsIk1heEhlaWdodCI6IkluZmluaXR5IiwiU21hcnRGb3JlZ3JvdW5kSXNBY3RpdmUiOmZhbHNlLCJIb3Jpem9udGFsQWxpZ25tZW50IjowLCJWZXJ0aWNhbEFsaWdubWVudCI6MCwiU21hcnRGb3JlZ3JvdW5kIjpudWxsLCJCYWNrZ3JvdW5kRmlsbFR5cGUiOjAsIk1hcmdpbiI6eyIkaWQiOiIxMDA1IiwiVG9wIjowLCJMZWZ0IjowLCJSaWdodCI6MCwiQm90dG9tIjowfSwiUGFkZGluZyI6eyIkaWQiOiIxMDA2IiwiVG9wIjowLCJMZWZ0IjowLCJSaWdodCI6MCwiQm90dG9tIjowfSwiQmFja2dyb3VuZCI6eyIkcmVmIjoiODkifSwiSXNWaXNpYmxlIjp0cnVlLCJXaWR0aCI6MC4wLCJIZWlnaHQiOjAuMCwiQm9yZGVyU3R5bGUiOnsiJGlkIjoiMTAwNyIsIkxpbmVDb2xvciI6bnVsbCwiTGluZVdlaWdodCI6MC4wLCJMaW5lVHlwZSI6MCwiUGFyZW50U3R5bGUiOm51bGx9LCJQYXJlbnRTdHlsZSI6bnVsbH0sIkR1cmF0aW9uU3R5bGUiOnsiJGlkIjoiMTAwOCIsIkZvbnRTZXR0aW5ncyI6eyIkaWQiOiIxMDA5IiwiRm9udFNpemUiOjEwLCJGb250TmFtZSI6IkNhbGlicmkiLCJJc0JvbGQiOmZhbHNlLCJJc0l0YWxpYyI6ZmFsc2UsIklzVW5kZXJsaW5lZCI6ZmFsc2UsIlBhcmVudFN0eWxlIjpudWxsfSwiQXV0b1NpemUiOjAsIkZvcmVncm91bmQiOnsiJGlkIjoiMTAxMCIsIkNvbG9yIjp7IiRyZWYiOiI5MyJ9fSwiTWF4V2lkdGgiOjIwMC4wLCJNYXhIZWlnaHQiOiJJbmZpbml0eSIsIlNtYXJ0Rm9yZWdyb3VuZElzQWN0aXZlIjpmYWxzZSwiSG9yaXpvbnRhbEFsaWdubWVudCI6MCwiVmVydGljYWxBbGlnbm1lbnQiOjAsIlNtYXJ0Rm9yZWdyb3VuZCI6bnVsbCwiQmFja2dyb3VuZEZpbGxUeXBlIjowLCJNYXJnaW4iOnsiJGlkIjoiMTAxMSIsIlRvcCI6MCwiTGVmdCI6MCwiUmlnaHQiOjAsIkJvdHRvbSI6MH0sIlBhZGRpbmciOnsiJGlkIjoiMTAxMiIsIlRvcCI6MCwiTGVmdCI6MCwiUmlnaHQiOjAsIkJvdHRvbSI6MH0sIkJhY2tncm91bmQiOnsiJHJlZiI6Ijk2In0sIklzVmlzaWJsZSI6dHJ1ZSwiV2lkdGgiOjAuMCwiSGVpZ2h0IjowLjAsIkJvcmRlclN0eWxlIjp7IiRpZCI6IjEwMTMiLCJMaW5lQ29sb3IiOm51bGwsIkxpbmVXZWlnaHQiOjAuMCwiTGluZVR5cGUiOjAsIlBhcmVudFN0eWxlIjpudWxsfSwiUGFyZW50U3R5bGUiOm51bGx9LCJIb3Jpem9udGFsQ29ubmVjdG9yU3R5bGUiOnsiJGlkIjoiMTAxNCIsIkxpbmVDb2xvciI6eyIkcmVmIjoiOTgifSwiTGluZVdlaWdodCI6MS4wLCJMaW5lVHlwZSI6MCwiUGFyZW50U3R5bGUiOm51bGx9LCJWZXJ0aWNhbENvbm5lY3RvclN0eWxlIjp7IiRpZCI6IjEwMTUiLCJMaW5lQ29sb3IiOnsiJHJlZiI6IjEwMSJ9LCJMaW5lV2VpZ2h0IjowLjAsIkxpbmVUeXBlIjowLCJQYXJlbnRTdHlsZSI6bnVsbH0sIk1hcmdpbiI6bnVsbCwiU3RhcnREYXRlUG9zaXRpb24iOjYsIkVuZERhdGVQb3NpdGlvbiI6NiwiRGF0ZUlzVmlzaWJsZSI6ZmFsc2UsIlRpdGxlUG9zaXRpb24iOjIsIkR1cmF0aW9uUG9zaXRpb24iOjYsIlBlcmNlbnRhZ2VDb21wbGV0ZWRQb3NpdGlvbiI6MiwiU3BhY2luZyI6MywiSXNCZWxvd1RpbWViYW5kIjp0cnVlLCJQZXJjZW50YWdlQ29tcGxldGVTaGFwZU9wYWNpdHkiOjM1LCJTaGFwZVN0eWxlIjp7IiRpZCI6IjEwMTYiLCJNYXJnaW4iOnsiJGlkIjoiMTAxNyIsIlRvcCI6MCwiTGVmdCI6NCwiUmlnaHQiOjQsIkJvdHRvbSI6MH0sIlBhZGRpbmciOnsiJGlkIjoiMTAxOCIsIlRvcCI6MCwiTGVmdCI6MCwiUmlnaHQiOjAsIkJvdHRvbSI6MH0sIkJhY2tncm91bmQiOnsiJGlkIjoiMTAxOSIsIkNvbG9yIjp7IiRpZCI6IjEwMjAiLCJBIjoyNTUsIlIiOjIyNywiRyI6MTE2LCJCIjoyMn19LCJJc1Zpc2libGUiOnRydWUsIldpZHRoIjowLjAsIkhlaWdodCI6MTYuMCwiQm9yZGVyU3R5bGUiOnsiJGlkIjoiMTAyMSIsIkxpbmVDb2xvciI6eyIkaWQiOiIxMDIyIiwiJHR5cGUiOiJOTFJFLkNvbW1vbi5Eb20uU29saWRDb2xvckJydXNoLCBOTFJFLkNvbW1vbiIsIkNvbG9yIjp7IiRpZCI6IjEwMjMiLCJBIjoyNTUsIlIiOjI1NSwiRyI6MCwiQiI6MH19LCJMaW5lV2VpZ2h0IjowLjAsIkxpbmVUeXBlIjowLCJQYXJlbnRTdHlsZSI6bnVsbH0sIlBhcmVudFN0eWxlIjpudWxsfSwiVGl0bGVTdHlsZSI6eyIkaWQiOiIxMDI0IiwiRm9udFNldHRpbmdzIjp7IiRpZCI6IjEwMjUiLCJGb250U2l6ZSI6MTEsIkZvbnROYW1lIjoiQ2FsaWJyaSIsIklzQm9sZCI6ZmFsc2UsIklzSXRhbGljIjpmYWxzZSwiSXNVbmRlcmxpbmVkIjpmYWxzZSwiUGFyZW50U3R5bGUiOm51bGx9LCJBdXRvU2l6ZSI6MCwiRm9yZWdyb3VuZCI6eyIkaWQiOiIxMDI2IiwiQ29sb3IiOnsiJGlkIjoiMTAyNyIsIkEiOjI1NSwiUiI6MjU1LCJHIjoyNTUsIkIiOjI1NX19LCJNYXhXaWR0aCI6OTYwLjAsIk1heEhlaWdodCI6IkluZmluaXR5IiwiU21hcnRGb3JlZ3JvdW5kSXNBY3RpdmUiOmZhbHNlLCJIb3Jpem9udGFsQWxpZ25tZW50IjoxLCJWZXJ0aWNhbEFsaWdubWVudCI6MCwiU21hcnRGb3JlZ3JvdW5kIjpudWxsLCJCYWNrZ3JvdW5kRmlsbFR5cGUiOjAsIk1hcmdpbiI6eyIkaWQiOiIxMDI4IiwiVG9wIjowLCJMZWZ0IjowLCJSaWdodCI6MCwiQm90dG9tIjowfSwiUGFkZGluZyI6eyIkaWQiOiIxMDI5IiwiVG9wIjowLCJMZWZ0IjowLCJSaWdodCI6MCwiQm90dG9tIjowfSwiQmFja2dyb3VuZCI6eyIkcmVmIjoiMTE3In0sIklzVmlzaWJsZSI6dHJ1ZSwiV2lkdGgiOjAuMCwiSGVpZ2h0IjowLjAsIkJvcmRlclN0eWxlIjp7IiRpZCI6IjEwMzAiLCJMaW5lQ29sb3IiOm51bGwsIkxpbmVXZWlnaHQiOjAuMCwiTGluZVR5cGUiOjAsIlBhcmVudFN0eWxlIjpudWxsfSwiUGFyZW50U3R5bGUiOm51bGx9LCJEYXRlU3R5bGUiOnsiJGlkIjoiMTAzMSIsIkZvbnRTZXR0aW5ncyI6eyIkaWQiOiIxMDMyIiwiRm9udFNpemUiOjEwLCJGb250TmFtZSI6IkNhbGlicmkiLCJJc0JvbGQiOmZhbHNlLCJJc0l0YWxpYyI6ZmFsc2UsIklzVW5kZXJsaW5lZCI6ZmFsc2UsIlBhcmVudFN0eWxlIjpudWxsfSwiQXV0b1NpemUiOjAsIkZvcmVncm91bmQiOnsiJGlkIjoiMTAzMyIsIkNvbG9yIjp7IiRyZWYiOiIxMjEifX0sIk1heFdpZHRoIjoyMDAuMCwiTWF4SGVpZ2h0IjoiSW5maW5pdHkiLCJTbWFydEZvcmVncm91bmRJc0FjdGl2ZSI6ZmFsc2UsIkhvcml6b250YWxBbGlnbm1lbnQiOjAsIlZlcnRpY2FsQWxpZ25tZW50IjowLCJTbWFydEZvcmVncm91bmQiOm51bGwsIkJhY2tncm91bmRGaWxsVHlwZSI6MCwiTWFyZ2luIjp7IiRpZCI6IjEwMzQiLCJUb3AiOjAsIkxlZnQiOjAsIlJpZ2h0IjowLCJCb3R0b20iOjB9LCJQYWRkaW5nIjp7IiRpZCI6IjEwMzUiLCJUb3AiOjAsIkxlZnQiOjAsIlJpZ2h0IjowLCJCb3R0b20iOjB9LCJCYWNrZ3JvdW5kIjp7IiRyZWYiOiIxMjQifSwiSXNWaXNpYmxlIjp0cnVlLCJXaWR0aCI6MC4wLCJIZWlnaHQiOjAuMCwiQm9yZGVyU3R5bGUiOnsiJGlkIjoiMTAzNiIsIkxpbmVDb2xvciI6bnVsbCwiTGluZVdlaWdodCI6MC4wLCJMaW5lVHlwZSI6MCwiUGFyZW50U3R5bGUiOm51bGx9LCJQYXJlbnRTdHlsZSI6bnVsbH0sIkRhdGVGb3JtYXQiOnsiJGlkIjoiMTAzNyIsIkZvcm1hdFN0cmluZyI6Ik1NTSBkIiwiU2VwYXJhdG9yIjoiLyIsIlVzZUludGVybmF0aW9uYWxEYXRlRm9ybWF0IjpmYWxzZSwiRGF0ZUlzVmlzaWJsZSI6ZmFsc2UsIlRpbWVJc1Zpc2libGUiOmZhbHNlLCJIb3VyRGlnaXRzIjoxLCJBbVBtRGVzaWduYXRvciI6MiwiVHJpbTAwTWludXRlcyI6ZmFsc2UsIkxhc3RLbm93blZpc2liaWxpdHlTdGF0ZSI6eyIkaWQiOiIxMDM4IiwiRGF0ZVBhcnRJc1Zpc2libGUiOnRydWUsIlRpbWVQYXJ0SXNWaXNpYmxlIjpmYWxzZX19LCJJc1Zpc2libGUiOnRydWUsIlBhcmVudFN0eWxlIjpudWxsfSwiSW5kZXgiOjI1LCJTbWFydER1cmF0aW9uQWN0aXZhdGVkIjpmYWxzZSwiRGF0ZUZvcm1hdCI6eyIkcmVmIjoiMTAzNyJ9LCJJZCI6Ijg5NzcxMjBlLWRiNmItNDBiNC05MmIwLWFlMGY1YTQ3NzczNyIsIkltcG9ydElkIjpudWxsLCJUaXRsZSI6IkFjY2VzcyBDb250cm9sIiwiTm90ZSI6bnVsbCwiSHlwZXJsaW5rIjp7IiRpZCI6IjEwMzkiLCJBZGRyZXNzIjoiIiwiU3ViQWRkcmVzcyI6IiJ9LCJJc0NoYW5nZWQiOmZhbHNlLCJJc05ldyI6ZmFsc2V9LCJJbmRleCI6MH0seyIkaWQiOiIxMDQwIiwiX2F0dGFjaGVkTWlsZXN0b25lcyI6W10sIlRhc2tEZWZpbml0aW9uIjp7IiRpZCI6IjEwNDEiLCJHcm91cE5hbWUiOm51bGwsIlN0YXJ0RGF0ZSI6IjIwMTktMDgtMDdUMDA6MDA6MDAiLCJFbmREYXRlIjoiMjAxOS0xMi0yNVQxMTo1OTowMCIsIlBlcmNlbnRhZ2VDb21wbGV0ZSI6ODUuMCwiU3R5bGUiOnsiJGlkIjoiMTA0MiIsIlNoYXBlIjo0LCJTaGFwZVRoaWNrbmVzcyI6MSwiRHVyYXRpb25Gb3JtYXQiOjAsIkluY2x1ZGVOb25Xb3JraW5nRGF5c0luRHVyYXRpb24iOmZhbHNlLCJQZXJjZW50YWdlQ29tcGxldGVTdHlsZSI6eyIkaWQiOiIxMDQzIiwiRm9udFNldHRpbmdzIjp7IiRpZCI6IjEwNDQiLCJGb250U2l6ZSI6MTAsIkZvbnROYW1lIjoiQ2FsaWJyaSIsIklzQm9sZCI6ZmFsc2UsIklzSXRhbGljIjpmYWxzZSwiSXNVbmRlcmxpbmVkIjpmYWxzZSwiUGFyZW50U3R5bGUiOm51bGx9LCJBdXRvU2l6ZSI6MCwiRm9yZWdyb3VuZCI6eyIkaWQiOiIxMDQ1IiwiQ29sb3IiOnsiJGlkIjoiMTA0NiIsIkEiOjI1NSwiUiI6MTkyLCJHIjo4MCwiQiI6Nzd9fSwiTWF4V2lkdGgiOjIwMC4wLCJNYXhIZWlnaHQiOiJJbmZpbml0eSIsIlNtYXJ0Rm9yZWdyb3VuZElzQWN0aXZlIjpmYWxzZSwiSG9yaXpvbnRhbEFsaWdubWVudCI6MSwiVmVydGljYWxBbGlnbm1lbnQiOjAsIlNtYXJ0Rm9yZWdyb3VuZCI6bnVsbCwiQmFja2dyb3VuZEZpbGxUeXBlIjowLCJNYXJnaW4iOnsiJGlkIjoiMTA0NyIsIlRvcCI6MCwiTGVmdCI6MCwiUmlnaHQiOjAsIkJvdHRvbSI6MH0sIlBhZGRpbmciOnsiJGlkIjoiMTA0OCIsIlRvcCI6MCwiTGVmdCI6MCwiUmlnaHQiOjAsIkJvdHRvbSI6MH0sIkJhY2tncm91bmQiOnsiJHJlZiI6Ijg5In0sIklzVmlzaWJsZSI6dHJ1ZSwiV2lkdGgiOjAuMCwiSGVpZ2h0IjowLjAsIkJvcmRlclN0eWxlIjp7IiRpZCI6IjEwNDkiLCJMaW5lQ29sb3IiOm51bGwsIkxpbmVXZWlnaHQiOjAuMCwiTGluZVR5cGUiOjAsIlBhcmVudFN0eWxlIjpudWxsfSwiUGFyZW50U3R5bGUiOm51bGx9LCJEdXJhdGlvblN0eWxlIjp7IiRpZCI6IjEwNTAiLCJGb250U2V0dGluZ3MiOnsiJGlkIjoiMTA1MSIsIkZvbnRTaXplIjoxMCwiRm9udE5hbWUiOiJDYWxpYnJpIiwiSXNCb2xkIjpmYWxzZSwiSXNJdGFsaWMiOmZhbHNlLCJJc1VuZGVybGluZWQiOmZhbHNlLCJQYXJlbnRTdHlsZSI6bnVsbH0sIkF1dG9TaXplIjowLCJGb3JlZ3JvdW5kIjp7IiRpZCI6IjEwNTIiLCJDb2xvciI6eyIkcmVmIjoiOTMifX0sIk1heFdpZHRoIjoyMDAuMCwiTWF4SGVpZ2h0IjoiSW5maW5pdHkiLCJTbWFydEZvcmVncm91bmRJc0FjdGl2ZSI6ZmFsc2UsIkhvcml6b250YWxBbGlnbm1lbnQiOjAsIlZlcnRpY2FsQWxpZ25tZW50IjowLCJTbWFydEZvcmVncm91bmQiOm51bGwsIkJhY2tncm91bmRGaWxsVHlwZSI6MCwiTWFyZ2luIjp7IiRpZCI6IjEwNTMiLCJUb3AiOjAsIkxlZnQiOjAsIlJpZ2h0IjowLCJCb3R0b20iOjB9LCJQYWRkaW5nIjp7IiRpZCI6IjEwNTQiLCJUb3AiOjAsIkxlZnQiOjAsIlJpZ2h0IjowLCJCb3R0b20iOjB9LCJCYWNrZ3JvdW5kIjp7IiRyZWYiOiI5NiJ9LCJJc1Zpc2libGUiOnRydWUsIldpZHRoIjowLjAsIkhlaWdodCI6MC4wLCJCb3JkZXJTdHlsZSI6eyIkaWQiOiIxMDU1IiwiTGluZUNvbG9yIjpudWxsLCJMaW5lV2VpZ2h0IjowLjAsIkxpbmVUeXBlIjowLCJQYXJlbnRTdHlsZSI6bnVsbH0sIlBhcmVudFN0eWxlIjpudWxsfSwiSG9yaXpvbnRhbENvbm5lY3RvclN0eWxlIjp7IiRpZCI6IjEwNTYiLCJMaW5lQ29sb3IiOnsiJHJlZiI6Ijk4In0sIkxpbmVXZWlnaHQiOjEuMCwiTGluZVR5cGUiOjAsIlBhcmVudFN0eWxlIjpudWxsfSwiVmVydGljYWxDb25uZWN0b3JTdHlsZSI6eyIkaWQiOiIxMDU3IiwiTGluZUNvbG9yIjp7IiRyZWYiOiIxMDEifSwiTGluZVdlaWdodCI6MC4wLCJMaW5lVHlwZSI6MCwiUGFyZW50U3R5bGUiOm51bGx9LCJNYXJnaW4iOm51bGwsIlN0YXJ0RGF0ZVBvc2l0aW9uIjo2LCJFbmREYXRlUG9zaXRpb24iOjYsIkRhdGVJc1Zpc2libGUiOmZhbHNlLCJUaXRsZVBvc2l0aW9uIjoyLCJEdXJhdGlvblBvc2l0aW9uIjo2LCJQZXJjZW50YWdlQ29tcGxldGVkUG9zaXRpb24iOjIsIlNwYWNpbmciOjMsIklzQmVsb3dUaW1lYmFuZCI6dHJ1ZSwiUGVyY2VudGFnZUNvbXBsZXRlU2hhcGVPcGFjaXR5IjozNSwiU2hhcGVTdHlsZSI6eyIkaWQiOiIxMDU4IiwiTWFyZ2luIjp7IiRpZCI6IjEwNTkiLCJUb3AiOjAsIkxlZnQiOjQsIlJpZ2h0Ijo0LCJCb3R0b20iOjB9LCJQYWRkaW5nIjp7IiRpZCI6IjEwNjAiLCJUb3AiOjAsIkxlZnQiOjAsIlJpZ2h0IjowLCJCb3R0b20iOjB9LCJCYWNrZ3JvdW5kIjp7IiRpZCI6IjEwNjEiLCJDb2xvciI6eyIkaWQiOiIxMDYyIiwiQSI6MjU1LCJSIjoyMjcsIkciOjExNiwiQiI6MjJ9fSwiSXNWaXNpYmxlIjp0cnVlLCJXaWR0aCI6MC4wLCJIZWlnaHQiOjE2LjAsIkJvcmRlclN0eWxlIjp7IiRpZCI6IjEwNjMiLCJMaW5lQ29sb3IiOnsiJGlkIjoiMTA2NCIsIiR0eXBlIjoiTkxSRS5Db21tb24uRG9tLlNvbGlkQ29sb3JCcnVzaCwgTkxSRS5Db21tb24iLCJDb2xvciI6eyIkaWQiOiIxMDY1IiwiQSI6MjU1LCJSIjoyNTUsIkciOjAsIkIiOjB9fSwiTGluZVdlaWdodCI6MC4wLCJMaW5lVHlwZSI6MCwiUGFyZW50U3R5bGUiOm51bGx9LCJQYXJlbnRTdHlsZSI6bnVsbH0sIlRpdGxlU3R5bGUiOnsiJGlkIjoiMTA2NiIsIkZvbnRTZXR0aW5ncyI6eyIkaWQiOiIxMDY3IiwiRm9udFNpemUiOjExLCJGb250TmFtZSI6IkNhbGlicmkiLCJJc0JvbGQiOmZhbHNlLCJJc0l0YWxpYyI6ZmFsc2UsIklzVW5kZXJsaW5lZCI6ZmFsc2UsIlBhcmVudFN0eWxlIjpudWxsfSwiQXV0b1NpemUiOjAsIkZvcmVncm91bmQiOnsiJGlkIjoiMTA2OCIsIkNvbG9yIjp7IiRpZCI6IjEwNjkiLCJBIjoyNTUsIlIiOjI1NSwiRyI6MjU1LCJCIjoyNTV9fSwiTWF4V2lkdGgiOjk2MC4wLCJNYXhIZWlnaHQiOiJJbmZpbml0eSIsIlNtYXJ0Rm9yZWdyb3VuZElzQWN0aXZlIjpmYWxzZSwiSG9yaXpvbnRhbEFsaWdubWVudCI6MSwiVmVydGljYWxBbGlnbm1lbnQiOjAsIlNtYXJ0Rm9yZWdyb3VuZCI6bnVsbCwiQmFja2dyb3VuZEZpbGxUeXBlIjowLCJNYXJnaW4iOnsiJGlkIjoiMTA3MCIsIlRvcCI6MCwiTGVmdCI6MCwiUmlnaHQiOjAsIkJvdHRvbSI6MH0sIlBhZGRpbmciOnsiJGlkIjoiMTA3MSIsIlRvcCI6MCwiTGVmdCI6MCwiUmlnaHQiOjAsIkJvdHRvbSI6MH0sIkJhY2tncm91bmQiOnsiJHJlZiI6IjExNyJ9LCJJc1Zpc2libGUiOnRydWUsIldpZHRoIjowLjAsIkhlaWdodCI6MC4wLCJCb3JkZXJTdHlsZSI6eyIkaWQiOiIxMDcyIiwiTGluZUNvbG9yIjpudWxsLCJMaW5lV2VpZ2h0IjowLjAsIkxpbmVUeXBlIjowLCJQYXJlbnRTdHlsZSI6bnVsbH0sIlBhcmVudFN0eWxlIjpudWxsfSwiRGF0ZVN0eWxlIjp7IiRpZCI6IjEwNzMiLCJGb250U2V0dGluZ3MiOnsiJGlkIjoiMTA3NCIsIkZvbnRTaXplIjoxMCwiRm9udE5hbWUiOiJDYWxpYnJpIiwiSXNCb2xkIjpmYWxzZSwiSXNJdGFsaWMiOmZhbHNlLCJJc1VuZGVybGluZWQiOmZhbHNlLCJQYXJlbnRTdHlsZSI6bnVsbH0sIkF1dG9TaXplIjowLCJGb3JlZ3JvdW5kIjp7IiRpZCI6IjEwNzUiLCJDb2xvciI6eyIkcmVmIjoiMTIxIn19LCJNYXhXaWR0aCI6MjAwLjAsIk1heEhlaWdodCI6IkluZmluaXR5IiwiU21hcnRGb3JlZ3JvdW5kSXNBY3RpdmUiOmZhbHNlLCJIb3Jpem9udGFsQWxpZ25tZW50IjowLCJWZXJ0aWNhbEFsaWdubWVudCI6MCwiU21hcnRGb3JlZ3JvdW5kIjpudWxsLCJCYWNrZ3JvdW5kRmlsbFR5cGUiOjAsIk1hcmdpbiI6eyIkaWQiOiIxMDc2IiwiVG9wIjowLCJMZWZ0IjowLCJSaWdodCI6MCwiQm90dG9tIjowfSwiUGFkZGluZyI6eyIkaWQiOiIxMDc3IiwiVG9wIjowLCJMZWZ0IjowLCJSaWdodCI6MCwiQm90dG9tIjowfSwiQmFja2dyb3VuZCI6eyIkcmVmIjoiMTI0In0sIklzVmlzaWJsZSI6dHJ1ZSwiV2lkdGgiOjAuMCwiSGVpZ2h0IjowLjAsIkJvcmRlclN0eWxlIjp7IiRpZCI6IjEwNzgiLCJMaW5lQ29sb3IiOm51bGwsIkxpbmVXZWlnaHQiOjAuMCwiTGluZVR5cGUiOjAsIlBhcmVudFN0eWxlIjpudWxsfSwiUGFyZW50U3R5bGUiOm51bGx9LCJEYXRlRm9ybWF0Ijp7IiRpZCI6IjEwNzkiLCJGb3JtYXRTdHJpbmciOiJNTU0gZCIsIlNlcGFyYXRvciI6Ii8iLCJVc2VJbnRlcm5hdGlvbmFsRGF0ZUZvcm1hdCI6ZmFsc2UsIkRhdGVJc1Zpc2libGUiOmZhbHNlLCJUaW1lSXNWaXNpYmxlIjpmYWxzZSwiSG91ckRpZ2l0cyI6MSwiQW1QbURlc2lnbmF0b3IiOjIsIlRyaW0wME1pbnV0ZXMiOmZhbHNlLCJMYXN0S25vd25WaXNpYmlsaXR5U3RhdGUiOnsiJGlkIjoiMTA4MCIsIkRhdGVQYXJ0SXNWaXNpYmxlIjp0cnVlLCJUaW1lUGFydElzVmlzaWJsZSI6ZmFsc2V9fSwiSXNWaXNpYmxlIjp0cnVlLCJQYXJlbnRTdHlsZSI6bnVsbH0sIkluZGV4IjoyNiwiU21hcnREdXJhdGlvbkFjdGl2YXRlZCI6ZmFsc2UsIkRhdGVGb3JtYXQiOnsiJHJlZiI6IjEwNzkifSwiSWQiOiJiM2IyNGYzMC1kZDA5LTQyM2YtODg2MC05MTMzZWVkY2ViMDkiLCJJbXBvcnRJZCI6bnVsbCwiVGl0bGUiOiJSaXNrIFRyYWluaW5nICIsIk5vdGUiOm51bGwsIkh5cGVybGluayI6eyIkaWQiOiIxMDgxIiwiQWRkcmVzcyI6IiIsIlN1YkFkZHJlc3MiOiIifSwiSXNDaGFuZ2VkIjpmYWxzZSwiSXNOZXciOmZhbHNlfSwiSW5kZXgiOjB9LHsiJGlkIjoiMTA4MiIsIl9hdHRhY2hlZE1pbGVzdG9uZXMiOltdLCJUYXNrRGVmaW5pdGlvbiI6eyIkaWQiOiIxMDgzIiwiR3JvdXBOYW1lIjpudWxsLCJTdGFydERhdGUiOiIyMDIwLTA3LTAzVDAwOjAwOjAwIiwiRW5kRGF0ZSI6IjIwMjAtMDktMjZUMTE6NTk6MDAiLCJQZXJjZW50YWdlQ29tcGxldGUiOm51bGwsIlN0eWxlIjp7IiRpZCI6IjEwODQiLCJTaGFwZSI6MSwiU2hhcGVUaGlja25lc3MiOjEsIkR1cmF0aW9uRm9ybWF0IjowLCJJbmNsdWRlTm9uV29ya2luZ0RheXNJbkR1cmF0aW9uIjpmYWxzZSwiUGVyY2VudGFnZUNvbXBsZXRlU3R5bGUiOnsiJGlkIjoiMTA4NSIsIkZvbnRTZXR0aW5ncyI6eyIkaWQiOiIxMDg2IiwiRm9udFNpemUiOjEwLCJGb250TmFtZSI6IkNhbGlicmkiLCJJc0JvbGQiOmZhbHNlLCJJc0l0YWxpYyI6ZmFsc2UsIklzVW5kZXJsaW5lZCI6ZmFsc2UsIlBhcmVudFN0eWxlIjpudWxsfSwiQXV0b1NpemUiOjAsIkZvcmVncm91bmQiOnsiJHJlZiI6Ijg1In0sIk1heFdpZHRoIjoyMDAuMCwiTWF4SGVpZ2h0IjoiSW5maW5pdHkiLCJTbWFydEZvcmVncm91bmRJc0FjdGl2ZSI6ZmFsc2UsIkhvcml6b250YWxBbGlnbm1lbnQiOjAsIlZlcnRpY2FsQWxpZ25tZW50IjowLCJTbWFydEZvcmVncm91bmQiOm51bGwsIkJhY2tncm91bmRGaWxsVHlwZSI6MCwiTWFyZ2luIjp7IiRpZCI6IjEwODciLCJUb3AiOjAsIkxlZnQiOjAsIlJpZ2h0IjowLCJCb3R0b20iOjB9LCJQYWRkaW5nIjp7IiRpZCI6IjEwODgiLCJUb3AiOjAsIkxlZnQiOjAsIlJpZ2h0IjowLCJCb3R0b20iOjB9LCJCYWNrZ3JvdW5kIjp7IiRyZWYiOiI4OSJ9LCJJc1Zpc2libGUiOnRydWUsIldpZHRoIjowLjAsIkhlaWdodCI6MC4wLCJCb3JkZXJTdHlsZSI6eyIkaWQiOiIxMDg5IiwiTGluZUNvbG9yIjpudWxsLCJMaW5lV2VpZ2h0IjowLjAsIkxpbmVUeXBlIjowLCJQYXJlbnRTdHlsZSI6bnVsbH0sIlBhcmVudFN0eWxlIjpudWxsfSwiRHVyYXRpb25TdHlsZSI6eyIkaWQiOiIxMDkwIiwiRm9udFNldHRpbmdzIjp7IiRpZCI6IjEwOTEiLCJGb250U2l6ZSI6MTAsIkZvbnROYW1lIjoiQ2FsaWJyaSIsIklzQm9sZCI6ZmFsc2UsIklzSXRhbGljIjpmYWxzZSwiSXNVbmRlcmxpbmVkIjpmYWxzZSwiUGFyZW50U3R5bGUiOm51bGx9LCJBdXRvU2l6ZSI6MCwiRm9yZWdyb3VuZCI6eyIkaWQiOiIxMDkyIiwiQ29sb3IiOnsiJHJlZiI6IjkzIn19LCJNYXhXaWR0aCI6MjAwLjAsIk1heEhlaWdodCI6IkluZmluaXR5IiwiU21hcnRGb3JlZ3JvdW5kSXNBY3RpdmUiOmZhbHNlLCJIb3Jpem9udGFsQWxpZ25tZW50IjowLCJWZXJ0aWNhbEFsaWdubWVudCI6MCwiU21hcnRGb3JlZ3JvdW5kIjpudWxsLCJCYWNrZ3JvdW5kRmlsbFR5cGUiOjAsIk1hcmdpbiI6eyIkaWQiOiIxMDkzIiwiVG9wIjowLCJMZWZ0IjowLCJSaWdodCI6MCwiQm90dG9tIjowfSwiUGFkZGluZyI6eyIkaWQiOiIxMDk0IiwiVG9wIjowLCJMZWZ0IjowLCJSaWdodCI6MCwiQm90dG9tIjowfSwiQmFja2dyb3VuZCI6eyIkcmVmIjoiOTYifSwiSXNWaXNpYmxlIjp0cnVlLCJXaWR0aCI6MC4wLCJIZWlnaHQiOjAuMCwiQm9yZGVyU3R5bGUiOnsiJGlkIjoiMTA5NSIsIkxpbmVDb2xvciI6bnVsbCwiTGluZVdlaWdodCI6MC4wLCJMaW5lVHlwZSI6MCwiUGFyZW50U3R5bGUiOm51bGx9LCJQYXJlbnRTdHlsZSI6bnVsbH0sIkhvcml6b250YWxDb25uZWN0b3JTdHlsZSI6eyIkaWQiOiIxMDk2IiwiTGluZUNvbG9yIjp7IiRyZWYiOiI5OCJ9LCJMaW5lV2VpZ2h0IjoxLjAsIkxpbmVUeXBlIjowLCJQYXJlbnRTdHlsZSI6bnVsbH0sIlZlcnRpY2FsQ29ubmVjdG9yU3R5bGUiOnsiJGlkIjoiMTA5NyIsIkxpbmVDb2xvciI6eyIkcmVmIjoiMTAxIn0sIkxpbmVXZWlnaHQiOjAuMCwiTGluZVR5cGUiOjAsIlBhcmVudFN0eWxlIjpudWxsfSwiTWFyZ2luIjpudWxsLCJTdGFydERhdGVQb3NpdGlvbiI6NiwiRW5kRGF0ZVBvc2l0aW9uIjo2LCJEYXRlSXNWaXNpYmxlIjpmYWxzZSwiVGl0bGVQb3NpdGlvbiI6MiwiRHVyYXRpb25Qb3NpdGlvbiI6NiwiUGVyY2VudGFnZUNvbXBsZXRlZFBvc2l0aW9uIjoyLCJTcGFjaW5nIjozLCJJc0JlbG93VGltZWJhbmQiOnRydWUsIlBlcmNlbnRhZ2VDb21wbGV0ZVNoYXBlT3BhY2l0eSI6MzUsIlNoYXBlU3R5bGUiOnsiJGlkIjoiMTA5OCIsIk1hcmdpbiI6eyIkaWQiOiIxMDk5IiwiVG9wIjowLCJMZWZ0Ijo0LCJSaWdodCI6NCwiQm90dG9tIjowfSwiUGFkZGluZyI6eyIkaWQiOiIxMTAwIiwiVG9wIjowLCJMZWZ0IjowLCJSaWdodCI6MCwiQm90dG9tIjowfSwiQmFja2dyb3VuZCI6eyIkaWQiOiIxMTAxIiwiQ29sb3IiOnsiJGlkIjoiMTEwMiIsIkEiOjI1NSwiUiI6MjI3LCJHIjoxMTYsIkIiOjIyfX0sIklzVmlzaWJsZSI6dHJ1ZSwiV2lkdGgiOjAuMCwiSGVpZ2h0IjoxNi4wLCJCb3JkZXJTdHlsZSI6eyIkaWQiOiIxMTAzIiwiTGluZUNvbG9yIjp7IiRpZCI6IjExMDQiLCIkdHlwZSI6Ik5MUkUuQ29tbW9uLkRvbS5Tb2xpZENvbG9yQnJ1c2gsIE5MUkUuQ29tbW9uIiwiQ29sb3IiOnsiJGlkIjoiMTEwNSIsIkEiOjI1NSwiUiI6MjU1LCJHIjowLCJCIjowfX0sIkxpbmVXZWlnaHQiOjAuMCwiTGluZVR5cGUiOjAsIlBhcmVudFN0eWxlIjpudWxsfSwiUGFyZW50U3R5bGUiOm51bGx9LCJUaXRsZVN0eWxlIjp7IiRpZCI6IjExMDYiLCJGb250U2V0dGluZ3MiOnsiJGlkIjoiMTEwNyIsIkZvbnRTaXplIjoxMSwiRm9udE5hbWUiOiJDYWxpYnJpIiwiSXNCb2xkIjpmYWxzZSwiSXNJdGFsaWMiOmZhbHNlLCJJc1VuZGVybGluZWQiOmZhbHNlLCJQYXJlbnRTdHlsZSI6bnVsbH0sIkF1dG9TaXplIjowLCJGb3JlZ3JvdW5kIjp7IiRpZCI6IjExMDgiLCJDb2xvciI6eyIkaWQiOiIxMTA5IiwiQSI6MjU1LCJSIjoyNTUsIkciOjI1NSwiQiI6MjU1fX0sIk1heFdpZHRoIjo5NjAuMCwiTWF4SGVpZ2h0IjoiSW5maW5pdHkiLCJTbWFydEZvcmVncm91bmRJc0FjdGl2ZSI6ZmFsc2UsIkhvcml6b250YWxBbGlnbm1lbnQiOjEsIlZlcnRpY2FsQWxpZ25tZW50IjowLCJTbWFydEZvcmVncm91bmQiOm51bGwsIkJhY2tncm91bmRGaWxsVHlwZSI6MCwiTWFyZ2luIjp7IiRpZCI6IjExMTAiLCJUb3AiOjAsIkxlZnQiOjAsIlJpZ2h0IjowLCJCb3R0b20iOjB9LCJQYWRkaW5nIjp7IiRpZCI6IjExMTEiLCJUb3AiOjAsIkxlZnQiOjAsIlJpZ2h0IjowLCJCb3R0b20iOjB9LCJCYWNrZ3JvdW5kIjp7IiRyZWYiOiIxMTcifSwiSXNWaXNpYmxlIjp0cnVlLCJXaWR0aCI6MC4wLCJIZWlnaHQiOjAuMCwiQm9yZGVyU3R5bGUiOnsiJGlkIjoiMTExMiIsIkxpbmVDb2xvciI6bnVsbCwiTGluZVdlaWdodCI6MC4wLCJMaW5lVHlwZSI6MCwiUGFyZW50U3R5bGUiOm51bGx9LCJQYXJlbnRTdHlsZSI6bnVsbH0sIkRhdGVTdHlsZSI6eyIkaWQiOiIxMTEzIiwiRm9udFNldHRpbmdzIjp7IiRpZCI6IjExMTQiLCJGb250U2l6ZSI6MTAsIkZvbnROYW1lIjoiQ2FsaWJyaSIsIklzQm9sZCI6ZmFsc2UsIklzSXRhbGljIjpmYWxzZSwiSXNVbmRlcmxpbmVkIjpmYWxzZSwiUGFyZW50U3R5bGUiOm51bGx9LCJBdXRvU2l6ZSI6MCwiRm9yZWdyb3VuZCI6eyIkaWQiOiIxMTE1IiwiQ29sb3IiOnsiJHJlZiI6IjEyMSJ9fSwiTWF4V2lkdGgiOjIwMC4wLCJNYXhIZWlnaHQiOiJJbmZpbml0eSIsIlNtYXJ0Rm9yZWdyb3VuZElzQWN0aXZlIjpmYWxzZSwiSG9yaXpvbnRhbEFsaWdubWVudCI6MCwiVmVydGljYWxBbGlnbm1lbnQiOjAsIlNtYXJ0Rm9yZWdyb3VuZCI6bnVsbCwiQmFja2dyb3VuZEZpbGxUeXBlIjowLCJNYXJnaW4iOnsiJGlkIjoiMTExNiIsIlRvcCI6MCwiTGVmdCI6MCwiUmlnaHQiOjAsIkJvdHRvbSI6MH0sIlBhZGRpbmciOnsiJGlkIjoiMTExNyIsIlRvcCI6MCwiTGVmdCI6MCwiUmlnaHQiOjAsIkJvdHRvbSI6MH0sIkJhY2tncm91bmQiOnsiJHJlZiI6IjEyNCJ9LCJJc1Zpc2libGUiOnRydWUsIldpZHRoIjowLjAsIkhlaWdodCI6MC4wLCJCb3JkZXJTdHlsZSI6eyIkaWQiOiIxMTE4IiwiTGluZUNvbG9yIjpudWxsLCJMaW5lV2VpZ2h0IjowLjAsIkxpbmVUeXBlIjowLCJQYXJlbnRTdHlsZSI6bnVsbH0sIlBhcmVudFN0eWxlIjpudWxsfSwiRGF0ZUZvcm1hdCI6eyIkaWQiOiIxMTE5IiwiRm9ybWF0U3RyaW5nIjoiTU1NIGQiLCJTZXBhcmF0b3IiOiIvIiwiVXNlSW50ZXJuYXRpb25hbERhdGVGb3JtYXQiOmZhbHNlLCJEYXRlSXNWaXNpYmxlIjpmYWxzZSwiVGltZUlzVmlzaWJsZSI6ZmFsc2UsIkhvdXJEaWdpdHMiOjEsIkFtUG1EZXNpZ25hdG9yIjoyLCJUcmltMDBNaW51dGVzIjpmYWxzZSwiTGFzdEtub3duVmlzaWJpbGl0eVN0YXRlIjp7IiRpZCI6IjExMjAiLCJEYXRlUGFydElzVmlzaWJsZSI6dHJ1ZSwiVGltZVBhcnRJc1Zpc2libGUiOmZhbHNlfX0sIklzVmlzaWJsZSI6dHJ1ZSwiUGFyZW50U3R5bGUiOm51bGx9LCJJbmRleCI6MjcsIlNtYXJ0RHVyYXRpb25BY3RpdmF0ZWQiOmZhbHNlLCJEYXRlRm9ybWF0Ijp7IiRyZWYiOiIxMTE5In0sIklkIjoiOWExOGFjNzMtMzZhNi00YjVjLWI1ZmUtOWI0ZGMzODM1MzQzIiwiSW1wb3J0SWQiOm51bGwsIlRpdGxlIjoiVXNlciBQYXNzd29yZHMgIiwiTm90ZSI6bnVsbCwiSHlwZXJsaW5rIjp7IiRpZCI6IjExMjEiLCJBZGRyZXNzIjoiIiwiU3ViQWRkcmVzcyI6IiJ9LCJJc0NoYW5nZWQiOmZhbHNlLCJJc05ldyI6ZmFsc2V9LCJJbmRleCI6MH1dLCJNaWxlc3RvbmVzIjpbXX0seyIkaWQiOiIxMTIyIiwiSWQiOiIyODliZjQ3Zi1mN2QwLTQ3ODAtYjViZC1hNGQwZTE0N2E3ZDAiLCJJbmRleCI6MjgsIkhlYWRlclRleHQiOiJRb1MiLCJTdHlsZSI6eyIkaWQiOiIxMTIzIiwiSGVhZGVyU3R5bGUiOnsiJGlkIjoiMTEyNCIsIlRleHRTdHlsZSI6eyIkaWQiOiIxMTI1IiwiRm9udFNldHRpbmdzIjp7IiRpZCI6IjExMjYiLCJGb250U2l6ZSI6MTIsIkZvbnROYW1lIjoiQ2FsaWJyaSIsIklzQm9sZCI6ZmFsc2UsIklzSXRhbGljIjpmYWxzZSwiSXNVbmRlcmxpbmVkIjpmYWxzZSwiUGFyZW50U3R5bGUiOm51bGx9LCJBdXRvU2l6ZSI6MCwiRm9yZWdyb3VuZCI6eyIkaWQiOiIxMTI3IiwiQ29sb3IiOnsiJGlkIjoiMTEyOCIsIkEiOjI1NSwiUiI6MzIsIkciOjU2LCJCIjoxMDB9fSwiTWF4V2lkdGgiOjAuMCwiTWF4SGVpZ2h0IjowLjAsIlNtYXJ0Rm9yZWdyb3VuZElzQWN0aXZlIjpmYWxzZSwiSG9yaXpvbnRhbEFsaWdubWVudCI6MCwiVmVydGljYWxBbGlnbm1lbnQiOjAsIlNtYXJ0Rm9yZWdyb3VuZCI6bnVsbCwiQmFja2dyb3VuZEZpbGxUeXBlIjowLCJNYXJnaW4iOnsiJHJlZiI6IjE0MSJ9LCJQYWRkaW5nIjp7IiRyZWYiOiIxNDIifSwiQmFja2dyb3VuZCI6bnVsbCwiSXNWaXNpYmxlIjpmYWxzZSwiV2lkdGgiOjAuMCwiSGVpZ2h0IjowLjAsIkJvcmRlclN0eWxlIjpudWxsLCJQYXJlbnRTdHlsZSI6bnVsbH0sIlJlY3RhbmdsZVN0eWxlIjp7IiRpZCI6IjExMjkiLCJNYXJnaW4iOnsiJHJlZiI6IjE0NCJ9LCJQYWRkaW5nIjp7IiRyZWYiOiIxNDUifSwiQmFja2dyb3VuZCI6eyIkaWQiOiIxMTMwIiwiQ29sb3IiOnsiJGlkIjoiMTEzMSIsIkEiOjEyNywiUiI6MjU0LCJHIjoxODYsIkIiOjEwfX0sIklzVmlzaWJsZSI6ZmFsc2UsIldpZHRoIjowLjAsIkhlaWdodCI6MC4wLCJCb3JkZXJTdHlsZSI6eyIkaWQiOiIxMTMyIiwiTGluZUNvbG9yIjp7IiRyZWYiOiIxNDkifSwiTGluZVdlaWdodCI6MC4wLCJMaW5lVHlwZSI6MCwiUGFyZW50U3R5bGUiOm51bGx9LCJQYXJlbnRTdHlsZSI6bnVsbH0sIk1hcmdpbiI6eyIkcmVmIjoiMTUxIn0sIlBhZGRpbmciOnsiJHJlZiI6IjE1MiJ9LCJCYWNrZ3JvdW5kIjpudWxsLCJJc1Zpc2libGUiOnRydWUsIldpZHRoIjowLjAsIkhlaWdodCI6MC4wLCJCb3JkZXJTdHlsZSI6bnVsbCwiUGFyZW50U3R5bGUiOm51bGx9LCJCYWNrZ3JvdW5kU3R5bGUiOnsiJGlkIjoiMTEzMyIsIk1hcmdpbiI6eyIkcmVmIjoiMTU0In0sIlBhZGRpbmciOnsiJHJlZiI6IjE1NSJ9LCJCYWNrZ3JvdW5kIjp7IiRpZCI6IjExMzQiLCJDb2xvciI6eyIkaWQiOiIxMTM1IiwiQSI6MzgsIlIiOjAsIkciOjAsIkIiOjB9fSwiSXNWaXNpYmxlIjp0cnVlLCJXaWR0aCI6MC4wLCJIZWlnaHQiOjAuMCwiQm9yZGVyU3R5bGUiOnsiJGlkIjoiMTEzNiIsIkxpbmVDb2xvciI6eyIkaWQiOiIxMTM3IiwiJHR5cGUiOiJOTFJFLkNvbW1vbi5Eb20uU29saWRDb2xvckJydXNoLCBOTFJFLkNvbW1vbiIsIkNvbG9yIjp7IiRpZCI6IjExMzgiLCJBIjoyNTUsIlIiOjI1NCwiRyI6MTg2LCJCIjoxMH19LCJMaW5lV2VpZ2h0IjowLjAsIkxpbmVUeXBlIjowLCJQYXJlbnRTdHlsZSI6bnVsbH0sIlBhcmVudFN0eWxlIjpudWxsfSwiSXNBYm92ZVRpbWViYW5kIjpmYWxzZSwiTWFyZ2luIjp7IiRyZWYiOiIxNjEifSwiUGFkZGluZyI6eyIkcmVmIjoiMTYyIn0sIklzVmlzaWJsZSI6dHJ1ZSwiV2lkdGgiOjAuMCwiSGVpZ2h0IjowLjAsIkJvcmRlclN0eWxlIjpudWxsLCJQYXJlbnRTdHlsZSI6bnVsbH0sIlRhc2tzIjpbeyIkaWQiOiIxMTM5IiwiX2F0dGFjaGVkTWlsZXN0b25lcyI6W10sIlRhc2tEZWZpbml0aW9uIjp7IiRpZCI6IjExNDAiLCJHcm91cE5hbWUiOm51bGwsIlN0YXJ0RGF0ZSI6IjIwMjAtMDQtMDZUMDA6MDA6MDAiLCJFbmREYXRlIjoiMjAyMC0wNi0yM1QxMTo1OTowMCIsIlBlcmNlbnRhZ2VDb21wbGV0ZSI6NzUuMCwiU3R5bGUiOnsiJGlkIjoiMTE0MSIsIlNoYXBlIjo0LCJTaGFwZVRoaWNrbmVzcyI6MSwiRHVyYXRpb25Gb3JtYXQiOjAsIkluY2x1ZGVOb25Xb3JraW5nRGF5c0luRHVyYXRpb24iOmZhbHNlLCJQZXJjZW50YWdlQ29tcGxldGVTdHlsZSI6eyIkaWQiOiIxMTQyIiwiRm9udFNldHRpbmdzIjp7IiRpZCI6IjExNDMiLCJGb250U2l6ZSI6MTAsIkZvbnROYW1lIjoiQ2FsaWJyaSIsIklzQm9sZCI6ZmFsc2UsIklzSXRhbGljIjpmYWxzZSwiSXNVbmRlcmxpbmVkIjpmYWxzZSwiUGFyZW50U3R5bGUiOm51bGx9LCJBdXRvU2l6ZSI6MCwiRm9yZWdyb3VuZCI6eyIkaWQiOiIxMTQ0IiwiQ29sb3IiOnsiJGlkIjoiMTE0NSIsIkEiOjI1NSwiUiI6MTkyLCJHIjo4MCwiQiI6Nzd9fSwiTWF4V2lkdGgiOjIwMC4wLCJNYXhIZWlnaHQiOiJJbmZpbml0eSIsIlNtYXJ0Rm9yZWdyb3VuZElzQWN0aXZlIjpmYWxzZSwiSG9yaXpvbnRhbEFsaWdubWVudCI6MSwiVmVydGljYWxBbGlnbm1lbnQiOjAsIlNtYXJ0Rm9yZWdyb3VuZCI6bnVsbCwiQmFja2dyb3VuZEZpbGxUeXBlIjowLCJNYXJnaW4iOnsiJGlkIjoiMTE0NiIsIlRvcCI6MCwiTGVmdCI6MCwiUmlnaHQiOjAsIkJvdHRvbSI6MH0sIlBhZGRpbmciOnsiJGlkIjoiMTE0NyIsIlRvcCI6MCwiTGVmdCI6MCwiUmlnaHQiOjAsIkJvdHRvbSI6MH0sIkJhY2tncm91bmQiOnsiJHJlZiI6Ijg5In0sIklzVmlzaWJsZSI6dHJ1ZSwiV2lkdGgiOjAuMCwiSGVpZ2h0IjowLjAsIkJvcmRlclN0eWxlIjp7IiRpZCI6IjExNDgiLCJMaW5lQ29sb3IiOm51bGwsIkxpbmVXZWlnaHQiOjAuMCwiTGluZVR5cGUiOjAsIlBhcmVudFN0eWxlIjpudWxsfSwiUGFyZW50U3R5bGUiOm51bGx9LCJEdXJhdGlvblN0eWxlIjp7IiRpZCI6IjExNDkiLCJGb250U2V0dGluZ3MiOnsiJGlkIjoiMTE1MCIsIkZvbnRTaXplIjoxMCwiRm9udE5hbWUiOiJDYWxpYnJpIiwiSXNCb2xkIjpmYWxzZSwiSXNJdGFsaWMiOmZhbHNlLCJJc1VuZGVybGluZWQiOmZhbHNlLCJQYXJlbnRTdHlsZSI6bnVsbH0sIkF1dG9TaXplIjowLCJGb3JlZ3JvdW5kIjp7IiRpZCI6IjExNTEiLCJDb2xvciI6eyIkcmVmIjoiOTMifX0sIk1heFdpZHRoIjoyMDAuMCwiTWF4SGVpZ2h0IjoiSW5maW5pdHkiLCJTbWFydEZvcmVncm91bmRJc0FjdGl2ZSI6ZmFsc2UsIkhvcml6b250YWxBbGlnbm1lbnQiOjAsIlZlcnRpY2FsQWxpZ25tZW50IjowLCJTbWFydEZvcmVncm91bmQiOm51bGwsIkJhY2tncm91bmRGaWxsVHlwZSI6MCwiTWFyZ2luIjp7IiRpZCI6IjExNTIiLCJUb3AiOjAsIkxlZnQiOjAsIlJpZ2h0IjowLCJCb3R0b20iOjB9LCJQYWRkaW5nIjp7IiRpZCI6IjExNTMiLCJUb3AiOjAsIkxlZnQiOjAsIlJpZ2h0IjowLCJCb3R0b20iOjB9LCJCYWNrZ3JvdW5kIjp7IiRyZWYiOiI5NiJ9LCJJc1Zpc2libGUiOnRydWUsIldpZHRoIjowLjAsIkhlaWdodCI6MC4wLCJCb3JkZXJTdHlsZSI6eyIkaWQiOiIxMTU0IiwiTGluZUNvbG9yIjpudWxsLCJMaW5lV2VpZ2h0IjowLjAsIkxpbmVUeXBlIjowLCJQYXJlbnRTdHlsZSI6bnVsbH0sIlBhcmVudFN0eWxlIjpudWxsfSwiSG9yaXpvbnRhbENvbm5lY3RvclN0eWxlIjp7IiRpZCI6IjExNTUiLCJMaW5lQ29sb3IiOnsiJHJlZiI6Ijk4In0sIkxpbmVXZWlnaHQiOjEuMCwiTGluZVR5cGUiOjAsIlBhcmVudFN0eWxlIjpudWxsfSwiVmVydGljYWxDb25uZWN0b3JTdHlsZSI6eyIkaWQiOiIxMTU2IiwiTGluZUNvbG9yIjp7IiRyZWYiOiIxMDEifSwiTGluZVdlaWdodCI6MC4wLCJMaW5lVHlwZSI6MCwiUGFyZW50U3R5bGUiOm51bGx9LCJNYXJnaW4iOm51bGwsIlN0YXJ0RGF0ZVBvc2l0aW9uIjo2LCJFbmREYXRlUG9zaXRpb24iOjYsIkRhdGVJc1Zpc2libGUiOmZhbHNlLCJUaXRsZVBvc2l0aW9uIjoyLCJEdXJhdGlvblBvc2l0aW9uIjo2LCJQZXJjZW50YWdlQ29tcGxldGVkUG9zaXRpb24iOjIsIlNwYWNpbmciOjMsIklzQmVsb3dUaW1lYmFuZCI6dHJ1ZSwiUGVyY2VudGFnZUNvbXBsZXRlU2hhcGVPcGFjaXR5IjozNSwiU2hhcGVTdHlsZSI6eyIkaWQiOiIxMTU3IiwiTWFyZ2luIjp7IiRpZCI6IjExNTgiLCJUb3AiOjAsIkxlZnQiOjQsIlJpZ2h0Ijo0LCJCb3R0b20iOjB9LCJQYWRkaW5nIjp7IiRpZCI6IjExNTkiLCJUb3AiOjAsIkxlZnQiOjAsIlJpZ2h0IjowLCJCb3R0b20iOjB9LCJCYWNrZ3JvdW5kIjp7IiRpZCI6IjExNjAiLCJDb2xvciI6eyIkaWQiOiIxMTYxIiwiQSI6MTc4LCJSIjoyMjgsIkciOjIxMiwiQiI6MzF9fSwiSXNWaXNpYmxlIjp0cnVlLCJXaWR0aCI6MC4wLCJIZWlnaHQiOjE2LjAsIkJvcmRlclN0eWxlIjp7IiRpZCI6IjExNjIiLCJMaW5lQ29sb3IiOnsiJGlkIjoiMTE2MyIsIiR0eXBlIjoiTkxSRS5Db21tb24uRG9tLlNvbGlkQ29sb3JCcnVzaCwgTkxSRS5Db21tb24iLCJDb2xvciI6eyIkaWQiOiIxMTY0IiwiQSI6MjU1LCJSIjoyNTUsIkciOjAsIkIiOjB9fSwiTGluZVdlaWdodCI6MC4wLCJMaW5lVHlwZSI6MCwiUGFyZW50U3R5bGUiOm51bGx9LCJQYXJlbnRTdHlsZSI6bnVsbH0sIlRpdGxlU3R5bGUiOnsiJGlkIjoiMTE2NSIsIkZvbnRTZXR0aW5ncyI6eyIkaWQiOiIxMTY2IiwiRm9udFNpemUiOjExLCJGb250TmFtZSI6IkNhbGlicmkiLCJJc0JvbGQiOmZhbHNlLCJJc0l0YWxpYyI6ZmFsc2UsIklzVW5kZXJsaW5lZCI6ZmFsc2UsIlBhcmVudFN0eWxlIjpudWxsfSwiQXV0b1NpemUiOjAsIkZvcmVncm91bmQiOnsiJGlkIjoiMTE2NyIsIkNvbG9yIjp7IiRpZCI6IjExNjgiLCJBIjoyNTUsIlIiOjI1NSwiRyI6MjU1LCJCIjoyNTV9fSwiTWF4V2lkdGgiOjk2MC4wLCJNYXhIZWlnaHQiOiJJbmZpbml0eSIsIlNtYXJ0Rm9yZWdyb3VuZElzQWN0aXZlIjpmYWxzZSwiSG9yaXpvbnRhbEFsaWdubWVudCI6MSwiVmVydGljYWxBbGlnbm1lbnQiOjAsIlNtYXJ0Rm9yZWdyb3VuZCI6bnVsbCwiQmFja2dyb3VuZEZpbGxUeXBlIjowLCJNYXJnaW4iOnsiJGlkIjoiMTE2OSIsIlRvcCI6MCwiTGVmdCI6MCwiUmlnaHQiOjAsIkJvdHRvbSI6MH0sIlBhZGRpbmciOnsiJGlkIjoiMTE3MCIsIlRvcCI6MCwiTGVmdCI6MCwiUmlnaHQiOjAsIkJvdHRvbSI6MH0sIkJhY2tncm91bmQiOnsiJHJlZiI6IjExNyJ9LCJJc1Zpc2libGUiOnRydWUsIldpZHRoIjowLjAsIkhlaWdodCI6MC4wLCJCb3JkZXJTdHlsZSI6eyIkaWQiOiIxMTcxIiwiTGluZUNvbG9yIjpudWxsLCJMaW5lV2VpZ2h0IjowLjAsIkxpbmVUeXBlIjowLCJQYXJlbnRTdHlsZSI6bnVsbH0sIlBhcmVudFN0eWxlIjpudWxsfSwiRGF0ZVN0eWxlIjp7IiRpZCI6IjExNzIiLCJGb250U2V0dGluZ3MiOnsiJGlkIjoiMTE3MyIsIkZvbnRTaXplIjoxMCwiRm9udE5hbWUiOiJDYWxpYnJpIiwiSXNCb2xkIjpmYWxzZSwiSXNJdGFsaWMiOmZhbHNlLCJJc1VuZGVybGluZWQiOmZhbHNlLCJQYXJlbnRTdHlsZSI6bnVsbH0sIkF1dG9TaXplIjowLCJGb3JlZ3JvdW5kIjp7IiRpZCI6IjExNzQiLCJDb2xvciI6eyIkcmVmIjoiMTIxIn19LCJNYXhXaWR0aCI6MjAwLjAsIk1heEhlaWdodCI6IkluZmluaXR5IiwiU21hcnRGb3JlZ3JvdW5kSXNBY3RpdmUiOmZhbHNlLCJIb3Jpem9udGFsQWxpZ25tZW50IjowLCJWZXJ0aWNhbEFsaWdubWVudCI6MCwiU21hcnRGb3JlZ3JvdW5kIjpudWxsLCJCYWNrZ3JvdW5kRmlsbFR5cGUiOjAsIk1hcmdpbiI6eyIkaWQiOiIxMTc1IiwiVG9wIjowLCJMZWZ0IjowLCJSaWdodCI6MCwiQm90dG9tIjowfSwiUGFkZGluZyI6eyIkaWQiOiIxMTc2IiwiVG9wIjowLCJMZWZ0IjowLCJSaWdodCI6MCwiQm90dG9tIjowfSwiQmFja2dyb3VuZCI6eyIkcmVmIjoiMTI0In0sIklzVmlzaWJsZSI6dHJ1ZSwiV2lkdGgiOjAuMCwiSGVpZ2h0IjowLjAsIkJvcmRlclN0eWxlIjp7IiRpZCI6IjExNzciLCJMaW5lQ29sb3IiOm51bGwsIkxpbmVXZWlnaHQiOjAuMCwiTGluZVR5cGUiOjAsIlBhcmVudFN0eWxlIjpudWxsfSwiUGFyZW50U3R5bGUiOm51bGx9LCJEYXRlRm9ybWF0Ijp7IiRpZCI6IjExNzgiLCJGb3JtYXRTdHJpbmciOiJNTU0gZCIsIlNlcGFyYXRvciI6Ii8iLCJVc2VJbnRlcm5hdGlvbmFsRGF0ZUZvcm1hdCI6ZmFsc2UsIkRhdGVJc1Zpc2libGUiOmZhbHNlLCJUaW1lSXNWaXNpYmxlIjpmYWxzZSwiSG91ckRpZ2l0cyI6MSwiQW1QbURlc2lnbmF0b3IiOjIsIlRyaW0wME1pbnV0ZXMiOmZhbHNlLCJMYXN0S25vd25WaXNpYmlsaXR5U3RhdGUiOnsiJGlkIjoiMTE3OSIsIkRhdGVQYXJ0SXNWaXNpYmxlIjp0cnVlLCJUaW1lUGFydElzVmlzaWJsZSI6ZmFsc2V9fSwiSXNWaXNpYmxlIjp0cnVlLCJQYXJlbnRTdHlsZSI6bnVsbH0sIkluZGV4IjoyOSwiU21hcnREdXJhdGlvbkFjdGl2YXRlZCI6ZmFsc2UsIkRhdGVGb3JtYXQiOnsiJHJlZiI6IjExNzgifSwiSWQiOiJmNjMxYTNjOS0zZjYwLTQ4MDctOGFlOS1jODcwMjZiZGIyYTMiLCJJbXBvcnRJZCI6bnVsbCwiVGl0bGUiOiJTTEEgTWV0cmljcyAiLCJOb3RlIjpudWxsLCJIeXBlcmxpbmsiOnsiJGlkIjoiMTE4MCIsIkFkZHJlc3MiOiIiLCJTdWJBZGRyZXNzIjoiIn0sIklzQ2hhbmdlZCI6ZmFsc2UsIklzTmV3IjpmYWxzZX0sIkluZGV4IjowfSx7IiRpZCI6IjExODEiLCJfYXR0YWNoZWRNaWxlc3RvbmVzIjpbXSwiVGFza0RlZmluaXRpb24iOnsiJGlkIjoiMTE4MiIsIkdyb3VwTmFtZSI6IjVhNmU3OTVhLTk0ZTEtNGE5OC1iZTVlLWNmN2Y4M2U4NDM3ZiIsIlN0YXJ0RGF0ZSI6IjIwMTktMTItMDRUMDA6MDA6MDAiLCJFbmREYXRlIjoiMjAyMC0wMy0xOVQxMTo1OTowMCIsIlBlcmNlbnRhZ2VDb21wbGV0ZSI6NzUuMCwiU3R5bGUiOnsiJGlkIjoiMTE4MyIsIlNoYXBlIjo0LCJTaGFwZVRoaWNrbmVzcyI6MSwiRHVyYXRpb25Gb3JtYXQiOjAsIkluY2x1ZGVOb25Xb3JraW5nRGF5c0luRHVyYXRpb24iOmZhbHNlLCJQZXJjZW50YWdlQ29tcGxldGVTdHlsZSI6eyIkaWQiOiIxMTg0IiwiRm9udFNldHRpbmdzIjp7IiRpZCI6IjExODUiLCJGb250U2l6ZSI6MTAsIkZvbnROYW1lIjoiQ2FsaWJyaSIsIklzQm9sZCI6ZmFsc2UsIklzSXRhbGljIjpmYWxzZSwiSXNVbmRlcmxpbmVkIjpmYWxzZSwiUGFyZW50U3R5bGUiOm51bGx9LCJBdXRvU2l6ZSI6MCwiRm9yZWdyb3VuZCI6eyIkaWQiOiIxMTg2IiwiQ29sb3IiOnsiJGlkIjoiMTE4NyIsIkEiOjI1NSwiUiI6MTkyLCJHIjo4MCwiQiI6Nzd9fSwiTWF4V2lkdGgiOjIwMC4wLCJNYXhIZWlnaHQiOiJJbmZpbml0eSIsIlNtYXJ0Rm9yZWdyb3VuZElzQWN0aXZlIjpmYWxzZSwiSG9yaXpvbnRhbEFsaWdubWVudCI6MSwiVmVydGljYWxBbGlnbm1lbnQiOjAsIlNtYXJ0Rm9yZWdyb3VuZCI6bnVsbCwiQmFja2dyb3VuZEZpbGxUeXBlIjowLCJNYXJnaW4iOnsiJGlkIjoiMTE4OCIsIlRvcCI6MCwiTGVmdCI6MCwiUmlnaHQiOjAsIkJvdHRvbSI6MH0sIlBhZGRpbmciOnsiJGlkIjoiMTE4OSIsIlRvcCI6MCwiTGVmdCI6MCwiUmlnaHQiOjAsIkJvdHRvbSI6MH0sIkJhY2tncm91bmQiOnsiJHJlZiI6Ijg5In0sIklzVmlzaWJsZSI6dHJ1ZSwiV2lkdGgiOjAuMCwiSGVpZ2h0IjowLjAsIkJvcmRlclN0eWxlIjp7IiRpZCI6IjExOTAiLCJMaW5lQ29sb3IiOm51bGwsIkxpbmVXZWlnaHQiOjAuMCwiTGluZVR5cGUiOjAsIlBhcmVudFN0eWxlIjpudWxsfSwiUGFyZW50U3R5bGUiOm51bGx9LCJEdXJhdGlvblN0eWxlIjp7IiRpZCI6IjExOTEiLCJGb250U2V0dGluZ3MiOnsiJGlkIjoiMTE5MiIsIkZvbnRTaXplIjoxMCwiRm9udE5hbWUiOiJDYWxpYnJpIiwiSXNCb2xkIjpmYWxzZSwiSXNJdGFsaWMiOmZhbHNlLCJJc1VuZGVybGluZWQiOmZhbHNlLCJQYXJlbnRTdHlsZSI6bnVsbH0sIkF1dG9TaXplIjowLCJGb3JlZ3JvdW5kIjp7IiRpZCI6IjExOTMiLCJDb2xvciI6eyIkcmVmIjoiOTMifX0sIk1heFdpZHRoIjoyMDAuMCwiTWF4SGVpZ2h0IjoiSW5maW5pdHkiLCJTbWFydEZvcmVncm91bmRJc0FjdGl2ZSI6ZmFsc2UsIkhvcml6b250YWxBbGlnbm1lbnQiOjAsIlZlcnRpY2FsQWxpZ25tZW50IjowLCJTbWFydEZvcmVncm91bmQiOm51bGwsIkJhY2tncm91bmRGaWxsVHlwZSI6MCwiTWFyZ2luIjp7IiRpZCI6IjExOTQiLCJUb3AiOjAsIkxlZnQiOjAsIlJpZ2h0IjowLCJCb3R0b20iOjB9LCJQYWRkaW5nIjp7IiRpZCI6IjExOTUiLCJUb3AiOjAsIkxlZnQiOjAsIlJpZ2h0IjowLCJCb3R0b20iOjB9LCJCYWNrZ3JvdW5kIjp7IiRyZWYiOiI5NiJ9LCJJc1Zpc2libGUiOnRydWUsIldpZHRoIjowLjAsIkhlaWdodCI6MC4wLCJCb3JkZXJTdHlsZSI6eyIkaWQiOiIxMTk2IiwiTGluZUNvbG9yIjpudWxsLCJMaW5lV2VpZ2h0IjowLjAsIkxpbmVUeXBlIjowLCJQYXJlbnRTdHlsZSI6bnVsbH0sIlBhcmVudFN0eWxlIjpudWxsfSwiSG9yaXpvbnRhbENvbm5lY3RvclN0eWxlIjp7IiRpZCI6IjExOTciLCJMaW5lQ29sb3IiOnsiJHJlZiI6Ijk4In0sIkxpbmVXZWlnaHQiOjEuMCwiTGluZVR5cGUiOjAsIlBhcmVudFN0eWxlIjpudWxsfSwiVmVydGljYWxDb25uZWN0b3JTdHlsZSI6eyIkaWQiOiIxMTk4IiwiTGluZUNvbG9yIjp7IiRyZWYiOiIxMDEifSwiTGluZVdlaWdodCI6MC4wLCJMaW5lVHlwZSI6MCwiUGFyZW50U3R5bGUiOm51bGx9LCJNYXJnaW4iOm51bGwsIlN0YXJ0RGF0ZVBvc2l0aW9uIjo2LCJFbmREYXRlUG9zaXRpb24iOjYsIkRhdGVJc1Zpc2libGUiOmZhbHNlLCJUaXRsZVBvc2l0aW9uIjoyLCJEdXJhdGlvblBvc2l0aW9uIjo2LCJQZXJjZW50YWdlQ29tcGxldGVkUG9zaXRpb24iOjIsIlNwYWNpbmciOjMsIklzQmVsb3dUaW1lYmFuZCI6dHJ1ZSwiUGVyY2VudGFnZUNvbXBsZXRlU2hhcGVPcGFjaXR5IjozNSwiU2hhcGVTdHlsZSI6eyIkaWQiOiIxMTk5IiwiTWFyZ2luIjp7IiRpZCI6IjEyMDAiLCJUb3AiOjAsIkxlZnQiOjQsIlJpZ2h0Ijo0LCJCb3R0b20iOjB9LCJQYWRkaW5nIjp7IiRpZCI6IjEyMDEiLCJUb3AiOjAsIkxlZnQiOjAsIlJpZ2h0IjowLCJCb3R0b20iOjB9LCJCYWNrZ3JvdW5kIjp7IiRpZCI6IjEyMDIiLCJDb2xvciI6eyIkaWQiOiIxMjAzIiwiQSI6MjU1LCJSIjoyMjgsIkciOjIxMiwiQiI6MzF9fSwiSXNWaXNpYmxlIjp0cnVlLCJXaWR0aCI6MC4wLCJIZWlnaHQiOjE2LjAsIkJvcmRlclN0eWxlIjp7IiRpZCI6IjEyMDQiLCJMaW5lQ29sb3IiOnsiJGlkIjoiMTIwNSIsIiR0eXBlIjoiTkxSRS5Db21tb24uRG9tLlNvbGlkQ29sb3JCcnVzaCwgTkxSRS5Db21tb24iLCJDb2xvciI6eyIkaWQiOiIxMjA2IiwiQSI6MjU1LCJSIjoyNTUsIkciOjAsIkIiOjB9fSwiTGluZVdlaWdodCI6MC4wLCJMaW5lVHlwZSI6MCwiUGFyZW50U3R5bGUiOm51bGx9LCJQYXJlbnRTdHlsZSI6bnVsbH0sIlRpdGxlU3R5bGUiOnsiJGlkIjoiMTIwNyIsIkZvbnRTZXR0aW5ncyI6eyIkaWQiOiIxMjA4IiwiRm9udFNpemUiOjExLCJGb250TmFtZSI6IkNhbGlicmkiLCJJc0JvbGQiOmZhbHNlLCJJc0l0YWxpYyI6ZmFsc2UsIklzVW5kZXJsaW5lZCI6ZmFsc2UsIlBhcmVudFN0eWxlIjpudWxsfSwiQXV0b1NpemUiOjAsIkZvcmVncm91bmQiOnsiJGlkIjoiMTIwOSIsIkNvbG9yIjp7IiRpZCI6IjEyMTAiLCJBIjoyNTUsIlIiOjI1NSwiRyI6MjU1LCJCIjoyNTV9fSwiTWF4V2lkdGgiOjk2MC4wLCJNYXhIZWlnaHQiOiJJbmZpbml0eSIsIlNtYXJ0Rm9yZWdyb3VuZElzQWN0aXZlIjpmYWxzZSwiSG9yaXpvbnRhbEFsaWdubWVudCI6MSwiVmVydGljYWxBbGlnbm1lbnQiOjAsIlNtYXJ0Rm9yZWdyb3VuZCI6bnVsbCwiQmFja2dyb3VuZEZpbGxUeXBlIjowLCJNYXJnaW4iOnsiJGlkIjoiMTIxMSIsIlRvcCI6MCwiTGVmdCI6MCwiUmlnaHQiOjAsIkJvdHRvbSI6MH0sIlBhZGRpbmciOnsiJGlkIjoiMTIxMiIsIlRvcCI6MCwiTGVmdCI6MCwiUmlnaHQiOjAsIkJvdHRvbSI6MH0sIkJhY2tncm91bmQiOnsiJHJlZiI6IjExNyJ9LCJJc1Zpc2libGUiOnRydWUsIldpZHRoIjowLjAsIkhlaWdodCI6MC4wLCJCb3JkZXJTdHlsZSI6eyIkaWQiOiIxMjEzIiwiTGluZUNvbG9yIjpudWxsLCJMaW5lV2VpZ2h0IjowLjAsIkxpbmVUeXBlIjowLCJQYXJlbnRTdHlsZSI6bnVsbH0sIlBhcmVudFN0eWxlIjpudWxsfSwiRGF0ZVN0eWxlIjp7IiRpZCI6IjEyMTQiLCJGb250U2V0dGluZ3MiOnsiJGlkIjoiMTIxNSIsIkZvbnRTaXplIjoxMCwiRm9udE5hbWUiOiJDYWxpYnJpIiwiSXNCb2xkIjpmYWxzZSwiSXNJdGFsaWMiOmZhbHNlLCJJc1VuZGVybGluZWQiOmZhbHNlLCJQYXJlbnRTdHlsZSI6bnVsbH0sIkF1dG9TaXplIjowLCJGb3JlZ3JvdW5kIjp7IiRpZCI6IjEyMTYiLCJDb2xvciI6eyIkcmVmIjoiMTIxIn19LCJNYXhXaWR0aCI6MjAwLjAsIk1heEhlaWdodCI6IkluZmluaXR5IiwiU21hcnRGb3JlZ3JvdW5kSXNBY3RpdmUiOmZhbHNlLCJIb3Jpem9udGFsQWxpZ25tZW50IjowLCJWZXJ0aWNhbEFsaWdubWVudCI6MCwiU21hcnRGb3JlZ3JvdW5kIjpudWxsLCJCYWNrZ3JvdW5kRmlsbFR5cGUiOjAsIk1hcmdpbiI6eyIkaWQiOiIxMjE3IiwiVG9wIjowLCJMZWZ0IjowLCJSaWdodCI6MCwiQm90dG9tIjowfSwiUGFkZGluZyI6eyIkaWQiOiIxMjE4IiwiVG9wIjowLCJMZWZ0IjowLCJSaWdodCI6MCwiQm90dG9tIjowfSwiQmFja2dyb3VuZCI6eyIkcmVmIjoiMTI0In0sIklzVmlzaWJsZSI6dHJ1ZSwiV2lkdGgiOjAuMCwiSGVpZ2h0IjowLjAsIkJvcmRlclN0eWxlIjp7IiRpZCI6IjEyMTkiLCJMaW5lQ29sb3IiOm51bGwsIkxpbmVXZWlnaHQiOjAuMCwiTGluZVR5cGUiOjAsIlBhcmVudFN0eWxlIjpudWxsfSwiUGFyZW50U3R5bGUiOm51bGx9LCJEYXRlRm9ybWF0Ijp7IiRpZCI6IjEyMjAiLCJGb3JtYXRTdHJpbmciOiJNTU0gZCIsIlNlcGFyYXRvciI6Ii8iLCJVc2VJbnRlcm5hdGlvbmFsRGF0ZUZvcm1hdCI6ZmFsc2UsIkRhdGVJc1Zpc2libGUiOmZhbHNlLCJUaW1lSXNWaXNpYmxlIjpmYWxzZSwiSG91ckRpZ2l0cyI6MSwiQW1QbURlc2lnbmF0b3IiOjIsIlRyaW0wME1pbnV0ZXMiOmZhbHNlLCJMYXN0S25vd25WaXNpYmlsaXR5U3RhdGUiOnsiJGlkIjoiMTIyMSIsIkRhdGVQYXJ0SXNWaXNpYmxlIjp0cnVlLCJUaW1lUGFydElzVmlzaWJsZSI6ZmFsc2V9fSwiSXNWaXNpYmxlIjp0cnVlLCJQYXJlbnRTdHlsZSI6bnVsbH0sIkluZGV4IjozMCwiU21hcnREdXJhdGlvbkFjdGl2YXRlZCI6ZmFsc2UsIkRhdGVGb3JtYXQiOnsiJHJlZiI6IjEyMjAifSwiSWQiOiJjZTBjYTE3ZS0wNDg1LTRlMTEtYmYyYi04NTY5NDRkZTE2ODciLCJJbXBvcnRJZCI6bnVsbCwiVGl0bGUiOiJBdmFpbGFiaWxpdHkgTWV0cmljcyAiLCJOb3RlIjpudWxsLCJIeXBlcmxpbmsiOnsiJGlkIjoiMTIyMiIsIkFkZHJlc3MiOiIiLCJTdWJBZGRyZXNzIjoiIn0sIklzQ2hhbmdlZCI6ZmFsc2UsIklzTmV3IjpmYWxzZX0sIkluZGV4IjowfSx7IiRpZCI6IjEyMjMiLCJfYXR0YWNoZWRNaWxlc3RvbmVzIjpbXSwiVGFza0RlZmluaXRpb24iOnsiJGlkIjoiMTIyNCIsIkdyb3VwTmFtZSI6IjVhNmU3OTVhLTk0ZTEtNGE5OC1iZTVlLWNmN2Y4M2U4NDM3ZiIsIlN0YXJ0RGF0ZSI6IjIwMjAtMDUtMDVUMDA6MDA6MDAiLCJFbmREYXRlIjoiMjAyMC0wOC0xNFQxMTo1OTowMCIsIlBlcmNlbnRhZ2VDb21wbGV0ZSI6ODAuMCwiU3R5bGUiOnsiJGlkIjoiMTIyNSIsIlNoYXBlIjo0LCJTaGFwZVRoaWNrbmVzcyI6MSwiRHVyYXRpb25Gb3JtYXQiOjAsIkluY2x1ZGVOb25Xb3JraW5nRGF5c0luRHVyYXRpb24iOmZhbHNlLCJQZXJjZW50YWdlQ29tcGxldGVTdHlsZSI6eyIkaWQiOiIxMjI2IiwiRm9udFNldHRpbmdzIjp7IiRpZCI6IjEyMjciLCJGb250U2l6ZSI6MTAsIkZvbnROYW1lIjoiQ2FsaWJyaSIsIklzQm9sZCI6ZmFsc2UsIklzSXRhbGljIjpmYWxzZSwiSXNVbmRlcmxpbmVkIjpmYWxzZSwiUGFyZW50U3R5bGUiOm51bGx9LCJBdXRvU2l6ZSI6MCwiRm9yZWdyb3VuZCI6eyIkaWQiOiIxMjI4IiwiQ29sb3IiOnsiJGlkIjoiMTIyOSIsIkEiOjI1NSwiUiI6MTkyLCJHIjo4MCwiQiI6Nzd9fSwiTWF4V2lkdGgiOjIwMC4wLCJNYXhIZWlnaHQiOiJJbmZpbml0eSIsIlNtYXJ0Rm9yZWdyb3VuZElzQWN0aXZlIjpmYWxzZSwiSG9yaXpvbnRhbEFsaWdubWVudCI6MSwiVmVydGljYWxBbGlnbm1lbnQiOjAsIlNtYXJ0Rm9yZWdyb3VuZCI6bnVsbCwiQmFja2dyb3VuZEZpbGxUeXBlIjowLCJNYXJnaW4iOnsiJGlkIjoiMTIzMCIsIlRvcCI6MCwiTGVmdCI6MCwiUmlnaHQiOjAsIkJvdHRvbSI6MH0sIlBhZGRpbmciOnsiJGlkIjoiMTIzMSIsIlRvcCI6MCwiTGVmdCI6MCwiUmlnaHQiOjAsIkJvdHRvbSI6MH0sIkJhY2tncm91bmQiOnsiJHJlZiI6Ijg5In0sIklzVmlzaWJsZSI6dHJ1ZSwiV2lkdGgiOjAuMCwiSGVpZ2h0IjowLjAsIkJvcmRlclN0eWxlIjp7IiRpZCI6IjEyMzIiLCJMaW5lQ29sb3IiOm51bGwsIkxpbmVXZWlnaHQiOjAuMCwiTGluZVR5cGUiOjAsIlBhcmVudFN0eWxlIjpudWxsfSwiUGFyZW50U3R5bGUiOm51bGx9LCJEdXJhdGlvblN0eWxlIjp7IiRpZCI6IjEyMzMiLCJGb250U2V0dGluZ3MiOnsiJGlkIjoiMTIzNCIsIkZvbnRTaXplIjoxMCwiRm9udE5hbWUiOiJDYWxpYnJpIiwiSXNCb2xkIjpmYWxzZSwiSXNJdGFsaWMiOmZhbHNlLCJJc1VuZGVybGluZWQiOmZhbHNlLCJQYXJlbnRTdHlsZSI6bnVsbH0sIkF1dG9TaXplIjowLCJGb3JlZ3JvdW5kIjp7IiRpZCI6IjEyMzUiLCJDb2xvciI6eyIkcmVmIjoiOTMifX0sIk1heFdpZHRoIjoyMDAuMCwiTWF4SGVpZ2h0IjoiSW5maW5pdHkiLCJTbWFydEZvcmVncm91bmRJc0FjdGl2ZSI6ZmFsc2UsIkhvcml6b250YWxBbGlnbm1lbnQiOjAsIlZlcnRpY2FsQWxpZ25tZW50IjowLCJTbWFydEZvcmVncm91bmQiOm51bGwsIkJhY2tncm91bmRGaWxsVHlwZSI6MCwiTWFyZ2luIjp7IiRpZCI6IjEyMzYiLCJUb3AiOjAsIkxlZnQiOjAsIlJpZ2h0IjowLCJCb3R0b20iOjB9LCJQYWRkaW5nIjp7IiRpZCI6IjEyMzciLCJUb3AiOjAsIkxlZnQiOjAsIlJpZ2h0IjowLCJCb3R0b20iOjB9LCJCYWNrZ3JvdW5kIjp7IiRyZWYiOiI5NiJ9LCJJc1Zpc2libGUiOnRydWUsIldpZHRoIjowLjAsIkhlaWdodCI6MC4wLCJCb3JkZXJTdHlsZSI6eyIkaWQiOiIxMjM4IiwiTGluZUNvbG9yIjpudWxsLCJMaW5lV2VpZ2h0IjowLjAsIkxpbmVUeXBlIjowLCJQYXJlbnRTdHlsZSI6bnVsbH0sIlBhcmVudFN0eWxlIjpudWxsfSwiSG9yaXpvbnRhbENvbm5lY3RvclN0eWxlIjp7IiRpZCI6IjEyMzkiLCJMaW5lQ29sb3IiOnsiJHJlZiI6Ijk4In0sIkxpbmVXZWlnaHQiOjEuMCwiTGluZVR5cGUiOjAsIlBhcmVudFN0eWxlIjpudWxsfSwiVmVydGljYWxDb25uZWN0b3JTdHlsZSI6eyIkaWQiOiIxMjQwIiwiTGluZUNvbG9yIjp7IiRyZWYiOiIxMDEifSwiTGluZVdlaWdodCI6MC4wLCJMaW5lVHlwZSI6MCwiUGFyZW50U3R5bGUiOm51bGx9LCJNYXJnaW4iOm51bGwsIlN0YXJ0RGF0ZVBvc2l0aW9uIjo2LCJFbmREYXRlUG9zaXRpb24iOjYsIkRhdGVJc1Zpc2libGUiOmZhbHNlLCJUaXRsZVBvc2l0aW9uIjoyLCJEdXJhdGlvblBvc2l0aW9uIjo2LCJQZXJjZW50YWdlQ29tcGxldGVkUG9zaXRpb24iOjIsIlNwYWNpbmciOjMsIklzQmVsb3dUaW1lYmFuZCI6dHJ1ZSwiUGVyY2VudGFnZUNvbXBsZXRlU2hhcGVPcGFjaXR5IjozNSwiU2hhcGVTdHlsZSI6eyIkaWQiOiIxMjQxIiwiTWFyZ2luIjp7IiRpZCI6IjEyNDIiLCJUb3AiOjAsIkxlZnQiOjQsIlJpZ2h0Ijo0LCJCb3R0b20iOjB9LCJQYWRkaW5nIjp7IiRpZCI6IjEyNDMiLCJUb3AiOjAsIkxlZnQiOjAsIlJpZ2h0IjowLCJCb3R0b20iOjB9LCJCYWNrZ3JvdW5kIjp7IiRpZCI6IjEyNDQiLCJDb2xvciI6eyIkaWQiOiIxMjQ1IiwiQSI6MTc4LCJSIjoyMjgsIkciOjIxMiwiQiI6MzF9fSwiSXNWaXNpYmxlIjp0cnVlLCJXaWR0aCI6MC4wLCJIZWlnaHQiOjE2LjAsIkJvcmRlclN0eWxlIjp7IiRpZCI6IjEyNDYiLCJMaW5lQ29sb3IiOnsiJGlkIjoiMTI0NyIsIiR0eXBlIjoiTkxSRS5Db21tb24uRG9tLlNvbGlkQ29sb3JCcnVzaCwgTkxSRS5Db21tb24iLCJDb2xvciI6eyIkaWQiOiIxMjQ4IiwiQSI6MjU1LCJSIjoyNTUsIkciOjAsIkIiOjB9fSwiTGluZVdlaWdodCI6MC4wLCJMaW5lVHlwZSI6MCwiUGFyZW50U3R5bGUiOm51bGx9LCJQYXJlbnRTdHlsZSI6bnVsbH0sIlRpdGxlU3R5bGUiOnsiJGlkIjoiMTI0OSIsIkZvbnRTZXR0aW5ncyI6eyIkaWQiOiIxMjUwIiwiRm9udFNpemUiOjExLCJGb250TmFtZSI6IkNhbGlicmkiLCJJc0JvbGQiOmZhbHNlLCJJc0l0YWxpYyI6ZmFsc2UsIklzVW5kZXJsaW5lZCI6ZmFsc2UsIlBhcmVudFN0eWxlIjpudWxsfSwiQXV0b1NpemUiOjAsIkZvcmVncm91bmQiOnsiJGlkIjoiMTI1MSIsIkNvbG9yIjp7IiRpZCI6IjEyNTIiLCJBIjoyNTUsIlIiOjI1NSwiRyI6MjU1LCJCIjoyNTV9fSwiTWF4V2lkdGgiOjk2MC4wLCJNYXhIZWlnaHQiOiJJbmZpbml0eSIsIlNtYXJ0Rm9yZWdyb3VuZElzQWN0aXZlIjpmYWxzZSwiSG9yaXpvbnRhbEFsaWdubWVudCI6MSwiVmVydGljYWxBbGlnbm1lbnQiOjAsIlNtYXJ0Rm9yZWdyb3VuZCI6bnVsbCwiQmFja2dyb3VuZEZpbGxUeXBlIjowLCJNYXJnaW4iOnsiJGlkIjoiMTI1MyIsIlRvcCI6MCwiTGVmdCI6MCwiUmlnaHQiOjAsIkJvdHRvbSI6MH0sIlBhZGRpbmciOnsiJGlkIjoiMTI1NCIsIlRvcCI6MCwiTGVmdCI6MCwiUmlnaHQiOjAsIkJvdHRvbSI6MH0sIkJhY2tncm91bmQiOnsiJHJlZiI6IjExNyJ9LCJJc1Zpc2libGUiOnRydWUsIldpZHRoIjowLjAsIkhlaWdodCI6MC4wLCJCb3JkZXJTdHlsZSI6eyIkaWQiOiIxMjU1IiwiTGluZUNvbG9yIjpudWxsLCJMaW5lV2VpZ2h0IjowLjAsIkxpbmVUeXBlIjowLCJQYXJlbnRTdHlsZSI6bnVsbH0sIlBhcmVudFN0eWxlIjpudWxsfSwiRGF0ZVN0eWxlIjp7IiRpZCI6IjEyNTYiLCJGb250U2V0dGluZ3MiOnsiJGlkIjoiMTI1NyIsIkZvbnRTaXplIjoxMCwiRm9udE5hbWUiOiJDYWxpYnJpIiwiSXNCb2xkIjpmYWxzZSwiSXNJdGFsaWMiOmZhbHNlLCJJc1VuZGVybGluZWQiOmZhbHNlLCJQYXJlbnRTdHlsZSI6bnVsbH0sIkF1dG9TaXplIjowLCJGb3JlZ3JvdW5kIjp7IiRpZCI6IjEyNTgiLCJDb2xvciI6eyIkcmVmIjoiMTIxIn19LCJNYXhXaWR0aCI6MjAwLjAsIk1heEhlaWdodCI6IkluZmluaXR5IiwiU21hcnRGb3JlZ3JvdW5kSXNBY3RpdmUiOmZhbHNlLCJIb3Jpem9udGFsQWxpZ25tZW50IjowLCJWZXJ0aWNhbEFsaWdubWVudCI6MCwiU21hcnRGb3JlZ3JvdW5kIjpudWxsLCJCYWNrZ3JvdW5kRmlsbFR5cGUiOjAsIk1hcmdpbiI6eyIkaWQiOiIxMjU5IiwiVG9wIjowLCJMZWZ0IjowLCJSaWdodCI6MCwiQm90dG9tIjowfSwiUGFkZGluZyI6eyIkaWQiOiIxMjYwIiwiVG9wIjowLCJMZWZ0IjowLCJSaWdodCI6MCwiQm90dG9tIjowfSwiQmFja2dyb3VuZCI6eyIkcmVmIjoiMTI0In0sIklzVmlzaWJsZSI6dHJ1ZSwiV2lkdGgiOjAuMCwiSGVpZ2h0IjowLjAsIkJvcmRlclN0eWxlIjp7IiRpZCI6IjEyNjEiLCJMaW5lQ29sb3IiOm51bGwsIkxpbmVXZWlnaHQiOjAuMCwiTGluZVR5cGUiOjAsIlBhcmVudFN0eWxlIjpudWxsfSwiUGFyZW50U3R5bGUiOm51bGx9LCJEYXRlRm9ybWF0Ijp7IiRpZCI6IjEyNjIiLCJGb3JtYXRTdHJpbmciOiJNTU0gZCIsIlNlcGFyYXRvciI6Ii8iLCJVc2VJbnRlcm5hdGlvbmFsRGF0ZUZvcm1hdCI6ZmFsc2UsIkRhdGVJc1Zpc2libGUiOmZhbHNlLCJUaW1lSXNWaXNpYmxlIjpmYWxzZSwiSG91ckRpZ2l0cyI6MSwiQW1QbURlc2lnbmF0b3IiOjIsIlRyaW0wME1pbnV0ZXMiOmZhbHNlLCJMYXN0S25vd25WaXNpYmlsaXR5U3RhdGUiOnsiJGlkIjoiMTI2MyIsIkRhdGVQYXJ0SXNWaXNpYmxlIjp0cnVlLCJUaW1lUGFydElzVmlzaWJsZSI6ZmFsc2V9fSwiSXNWaXNpYmxlIjp0cnVlLCJQYXJlbnRTdHlsZSI6bnVsbH0sIkluZGV4IjozMSwiU21hcnREdXJhdGlvbkFjdGl2YXRlZCI6ZmFsc2UsIkRhdGVGb3JtYXQiOnsiJHJlZiI6IjEyNjIifSwiSWQiOiI1ZDlkODkwZC00OGZjLTQ0MTgtODIyMC0xMjA4NGM0NTliZTEiLCJJbXBvcnRJZCI6bnVsbCwiVGl0bGUiOiJPbmJvYXJkaW5nICIsIk5vdGUiOm51bGwsIkh5cGVybGluayI6eyIkaWQiOiIxMjY0IiwiQWRkcmVzcyI6IiIsIlN1YkFkZHJlc3MiOiIifSwiSXNDaGFuZ2VkIjpmYWxzZSwiSXNOZXciOmZhbHNlfSwiSW5kZXgiOjB9LHsiJGlkIjoiMTI2NSIsIl9hdHRhY2hlZE1pbGVzdG9uZXMiOltdLCJUYXNrRGVmaW5pdGlvbiI6eyIkaWQiOiIxMjY2IiwiR3JvdXBOYW1lIjpudWxsLCJTdGFydERhdGUiOiIyMDE5LTA4LTA5VDAwOjAwOjAwIiwiRW5kRGF0ZSI6IjIwMTktMTEtMjJUMTE6NTk6MDAiLCJQZXJjZW50YWdlQ29tcGxldGUiOjY1LjAsIlN0eWxlIjp7IiRpZCI6IjEyNjciLCJTaGFwZSI6NCwiU2hhcGVUaGlja25lc3MiOjEsIkR1cmF0aW9uRm9ybWF0IjowLCJJbmNsdWRlTm9uV29ya2luZ0RheXNJbkR1cmF0aW9uIjpmYWxzZSwiUGVyY2VudGFnZUNvbXBsZXRlU3R5bGUiOnsiJGlkIjoiMTI2OCIsIkZvbnRTZXR0aW5ncyI6eyIkaWQiOiIxMjY5IiwiRm9udFNpemUiOjEwLCJGb250TmFtZSI6IkNhbGlicmkiLCJJc0JvbGQiOmZhbHNlLCJJc0l0YWxpYyI6ZmFsc2UsIklzVW5kZXJsaW5lZCI6ZmFsc2UsIlBhcmVudFN0eWxlIjpudWxsfSwiQXV0b1NpemUiOjAsIkZvcmVncm91bmQiOnsiJGlkIjoiMTI3MCIsIkNvbG9yIjp7IiRpZCI6IjEyNzEiLCJBIjoyNTUsIlIiOjE5MiwiRyI6ODAsIkIiOjc3fX0sIk1heFdpZHRoIjoyMDAuMCwiTWF4SGVpZ2h0IjoiSW5maW5pdHkiLCJTbWFydEZvcmVncm91bmRJc0FjdGl2ZSI6ZmFsc2UsIkhvcml6b250YWxBbGlnbm1lbnQiOjEsIlZlcnRpY2FsQWxpZ25tZW50IjowLCJTbWFydEZvcmVncm91bmQiOm51bGwsIkJhY2tncm91bmRGaWxsVHlwZSI6MCwiTWFyZ2luIjp7IiRpZCI6IjEyNzIiLCJUb3AiOjAsIkxlZnQiOjAsIlJpZ2h0IjowLCJCb3R0b20iOjB9LCJQYWRkaW5nIjp7IiRpZCI6IjEyNzMiLCJUb3AiOjAsIkxlZnQiOjAsIlJpZ2h0IjowLCJCb3R0b20iOjB9LCJCYWNrZ3JvdW5kIjp7IiRyZWYiOiI4OSJ9LCJJc1Zpc2libGUiOnRydWUsIldpZHRoIjowLjAsIkhlaWdodCI6MC4wLCJCb3JkZXJTdHlsZSI6eyIkaWQiOiIxMjc0IiwiTGluZUNvbG9yIjpudWxsLCJMaW5lV2VpZ2h0IjowLjAsIkxpbmVUeXBlIjowLCJQYXJlbnRTdHlsZSI6bnVsbH0sIlBhcmVudFN0eWxlIjpudWxsfSwiRHVyYXRpb25TdHlsZSI6eyIkaWQiOiIxMjc1IiwiRm9udFNldHRpbmdzIjp7IiRpZCI6IjEyNzYiLCJGb250U2l6ZSI6MTAsIkZvbnROYW1lIjoiQ2FsaWJyaSIsIklzQm9sZCI6ZmFsc2UsIklzSXRhbGljIjpmYWxzZSwiSXNVbmRlcmxpbmVkIjpmYWxzZSwiUGFyZW50U3R5bGUiOm51bGx9LCJBdXRvU2l6ZSI6MCwiRm9yZWdyb3VuZCI6eyIkaWQiOiIxMjc3IiwiQ29sb3IiOnsiJHJlZiI6IjkzIn19LCJNYXhXaWR0aCI6MjAwLjAsIk1heEhlaWdodCI6IkluZmluaXR5IiwiU21hcnRGb3JlZ3JvdW5kSXNBY3RpdmUiOmZhbHNlLCJIb3Jpem9udGFsQWxpZ25tZW50IjowLCJWZXJ0aWNhbEFsaWdubWVudCI6MCwiU21hcnRGb3JlZ3JvdW5kIjpudWxsLCJCYWNrZ3JvdW5kRmlsbFR5cGUiOjAsIk1hcmdpbiI6eyIkaWQiOiIxMjc4IiwiVG9wIjowLCJMZWZ0IjowLCJSaWdodCI6MCwiQm90dG9tIjowfSwiUGFkZGluZyI6eyIkaWQiOiIxMjc5IiwiVG9wIjowLCJMZWZ0IjowLCJSaWdodCI6MCwiQm90dG9tIjowfSwiQmFja2dyb3VuZCI6eyIkcmVmIjoiOTYifSwiSXNWaXNpYmxlIjp0cnVlLCJXaWR0aCI6MC4wLCJIZWlnaHQiOjAuMCwiQm9yZGVyU3R5bGUiOnsiJGlkIjoiMTI4MCIsIkxpbmVDb2xvciI6bnVsbCwiTGluZVdlaWdodCI6MC4wLCJMaW5lVHlwZSI6MCwiUGFyZW50U3R5bGUiOm51bGx9LCJQYXJlbnRTdHlsZSI6bnVsbH0sIkhvcml6b250YWxDb25uZWN0b3JTdHlsZSI6eyIkaWQiOiIxMjgxIiwiTGluZUNvbG9yIjp7IiRyZWYiOiI5OCJ9LCJMaW5lV2VpZ2h0IjoxLjAsIkxpbmVUeXBlIjowLCJQYXJlbnRTdHlsZSI6bnVsbH0sIlZlcnRpY2FsQ29ubmVjdG9yU3R5bGUiOnsiJGlkIjoiMTI4MiIsIkxpbmVDb2xvciI6eyIkcmVmIjoiMTAxIn0sIkxpbmVXZWlnaHQiOjAuMCwiTGluZVR5cGUiOjAsIlBhcmVudFN0eWxlIjpudWxsfSwiTWFyZ2luIjpudWxsLCJTdGFydERhdGVQb3NpdGlvbiI6NiwiRW5kRGF0ZVBvc2l0aW9uIjo2LCJEYXRlSXNWaXNpYmxlIjpmYWxzZSwiVGl0bGVQb3NpdGlvbiI6MiwiRHVyYXRpb25Qb3NpdGlvbiI6NiwiUGVyY2VudGFnZUNvbXBsZXRlZFBvc2l0aW9uIjoyLCJTcGFjaW5nIjozLCJJc0JlbG93VGltZWJhbmQiOnRydWUsIlBlcmNlbnRhZ2VDb21wbGV0ZVNoYXBlT3BhY2l0eSI6MzUsIlNoYXBlU3R5bGUiOnsiJGlkIjoiMTI4MyIsIk1hcmdpbiI6eyIkaWQiOiIxMjg0IiwiVG9wIjowLCJMZWZ0Ijo0LCJSaWdodCI6NCwiQm90dG9tIjowfSwiUGFkZGluZyI6eyIkaWQiOiIxMjg1IiwiVG9wIjowLCJMZWZ0IjowLCJSaWdodCI6MCwiQm90dG9tIjowfSwiQmFja2dyb3VuZCI6eyIkaWQiOiIxMjg2IiwiQ29sb3IiOnsiJGlkIjoiMTI4NyIsIkEiOjI1NSwiUiI6MjI4LCJHIjoyMTIsIkIiOjMxfX0sIklzVmlzaWJsZSI6dHJ1ZSwiV2lkdGgiOjAuMCwiSGVpZ2h0IjoxNi4wLCJCb3JkZXJTdHlsZSI6eyIkaWQiOiIxMjg4IiwiTGluZUNvbG9yIjp7IiRpZCI6IjEyODkiLCIkdHlwZSI6Ik5MUkUuQ29tbW9uLkRvbS5Tb2xpZENvbG9yQnJ1c2gsIE5MUkUuQ29tbW9uIiwiQ29sb3IiOnsiJGlkIjoiMTI5MCIsIkEiOjI1NSwiUiI6MjU1LCJHIjowLCJCIjowfX0sIkxpbmVXZWlnaHQiOjAuMCwiTGluZVR5cGUiOjAsIlBhcmVudFN0eWxlIjpudWxsfSwiUGFyZW50U3R5bGUiOm51bGx9LCJUaXRsZVN0eWxlIjp7IiRpZCI6IjEyOTEiLCJGb250U2V0dGluZ3MiOnsiJGlkIjoiMTI5MiIsIkZvbnRTaXplIjoxMSwiRm9udE5hbWUiOiJDYWxpYnJpIiwiSXNCb2xkIjpmYWxzZSwiSXNJdGFsaWMiOmZhbHNlLCJJc1VuZGVybGluZWQiOmZhbHNlLCJQYXJlbnRTdHlsZSI6bnVsbH0sIkF1dG9TaXplIjowLCJGb3JlZ3JvdW5kIjp7IiRpZCI6IjEyOTMiLCJDb2xvciI6eyIkaWQiOiIxMjk0IiwiQSI6MjU1LCJSIjoyNTUsIkciOjI1NSwiQiI6MjU1fX0sIk1heFdpZHRoIjo5NjAuMCwiTWF4SGVpZ2h0IjoiSW5maW5pdHkiLCJTbWFydEZvcmVncm91bmRJc0FjdGl2ZSI6ZmFsc2UsIkhvcml6b250YWxBbGlnbm1lbnQiOjEsIlZlcnRpY2FsQWxpZ25tZW50IjowLCJTbWFydEZvcmVncm91bmQiOm51bGwsIkJhY2tncm91bmRGaWxsVHlwZSI6MCwiTWFyZ2luIjp7IiRpZCI6IjEyOTUiLCJUb3AiOjAsIkxlZnQiOjAsIlJpZ2h0IjowLCJCb3R0b20iOjB9LCJQYWRkaW5nIjp7IiRpZCI6IjEyOTYiLCJUb3AiOjAsIkxlZnQiOjAsIlJpZ2h0IjowLCJCb3R0b20iOjB9LCJCYWNrZ3JvdW5kIjp7IiRyZWYiOiIxMTcifSwiSXNWaXNpYmxlIjp0cnVlLCJXaWR0aCI6MC4wLCJIZWlnaHQiOjAuMCwiQm9yZGVyU3R5bGUiOnsiJGlkIjoiMTI5NyIsIkxpbmVDb2xvciI6bnVsbCwiTGluZVdlaWdodCI6MC4wLCJMaW5lVHlwZSI6MCwiUGFyZW50U3R5bGUiOm51bGx9LCJQYXJlbnRTdHlsZSI6bnVsbH0sIkRhdGVTdHlsZSI6eyIkaWQiOiIxMjk4IiwiRm9udFNldHRpbmdzIjp7IiRpZCI6IjEyOTkiLCJGb250U2l6ZSI6MTAsIkZvbnROYW1lIjoiQ2FsaWJyaSIsIklzQm9sZCI6ZmFsc2UsIklzSXRhbGljIjpmYWxzZSwiSXNVbmRlcmxpbmVkIjpmYWxzZSwiUGFyZW50U3R5bGUiOm51bGx9LCJBdXRvU2l6ZSI6MCwiRm9yZWdyb3VuZCI6eyIkaWQiOiIxMzAwIiwiQ29sb3IiOnsiJHJlZiI6IjEyMSJ9fSwiTWF4V2lkdGgiOjIwMC4wLCJNYXhIZWlnaHQiOiJJbmZpbml0eSIsIlNtYXJ0Rm9yZWdyb3VuZElzQWN0aXZlIjpmYWxzZSwiSG9yaXpvbnRhbEFsaWdubWVudCI6MCwiVmVydGljYWxBbGlnbm1lbnQiOjAsIlNtYXJ0Rm9yZWdyb3VuZCI6bnVsbCwiQmFja2dyb3VuZEZpbGxUeXBlIjowLCJNYXJnaW4iOnsiJGlkIjoiMTMwMSIsIlRvcCI6MCwiTGVmdCI6MCwiUmlnaHQiOjAsIkJvdHRvbSI6MH0sIlBhZGRpbmciOnsiJGlkIjoiMTMwMiIsIlRvcCI6MCwiTGVmdCI6MCwiUmlnaHQiOjAsIkJvdHRvbSI6MH0sIkJhY2tncm91bmQiOnsiJHJlZiI6IjEyNCJ9LCJJc1Zpc2libGUiOnRydWUsIldpZHRoIjowLjAsIkhlaWdodCI6MC4wLCJCb3JkZXJTdHlsZSI6eyIkaWQiOiIxMzAzIiwiTGluZUNvbG9yIjpudWxsLCJMaW5lV2VpZ2h0IjowLjAsIkxpbmVUeXBlIjowLCJQYXJlbnRTdHlsZSI6bnVsbH0sIlBhcmVudFN0eWxlIjpudWxsfSwiRGF0ZUZvcm1hdCI6eyIkaWQiOiIxMzA0IiwiRm9ybWF0U3RyaW5nIjoiTU1NIGQiLCJTZXBhcmF0b3IiOiIvIiwiVXNlSW50ZXJuYXRpb25hbERhdGVGb3JtYXQiOmZhbHNlLCJEYXRlSXNWaXNpYmxlIjpmYWxzZSwiVGltZUlzVmlzaWJsZSI6ZmFsc2UsIkhvdXJEaWdpdHMiOjEsIkFtUG1EZXNpZ25hdG9yIjoyLCJUcmltMDBNaW51dGVzIjpmYWxzZSwiTGFzdEtub3duVmlzaWJpbGl0eVN0YXRlIjp7IiRpZCI6IjEzMDUiLCJEYXRlUGFydElzVmlzaWJsZSI6dHJ1ZSwiVGltZVBhcnRJc1Zpc2libGUiOmZhbHNlfX0sIklzVmlzaWJsZSI6dHJ1ZSwiUGFyZW50U3R5bGUiOm51bGx9LCJJbmRleCI6MzIsIlNtYXJ0RHVyYXRpb25BY3RpdmF0ZWQiOmZhbHNlLCJEYXRlRm9ybWF0Ijp7IiRyZWYiOiIxMzA0In0sIklkIjoiN2I4NGI3MTgtZTExZi00ZjI2LTg4NjEtZDM3ODJhZDZlYzNkIiwiSW1wb3J0SWQiOm51bGwsIlRpdGxlIjoiQWxlcnRpbmcgIiwiTm90ZSI6bnVsbCwiSHlwZXJsaW5rIjp7IiRpZCI6IjEzMDYiLCJBZGRyZXNzIjoiIiwiU3ViQWRkcmVzcyI6IiJ9LCJJc0NoYW5nZWQiOmZhbHNlLCJJc05ldyI6ZmFsc2V9LCJJbmRleCI6MH1dLCJNaWxlc3RvbmVzIjpbXX1dLCJNc1Byb2plY3RJdGVtc1RyZWUiOnsiJGlkIjoiMTMwNyIsIlJvb3QiOnsiSW1wb3J0SWQiOm51bGwsIklzSW1wb3J0ZWQiOmZhbHNlLCJDaGlsZHJlbiI6W119fSwiTWV0YWRhdGEiOnsiJGlkIjoiMTMwOCIsIlJlY2VudENvbG9yc0NvbGxlY3Rpb24iOiJbXCIjRkY3MzczNzNcIixcIiNGRkEzNjNDM1wiLFwiI0ZGRTM3NDE2XCIsXCIjRkY1NkNGREJcIixcIiNCMkU0RDQxRlwiLFwiI0ZGRTRENDFGXCJdIn0sIlNldHRpbmdzIjp7IiRpZCI6IjEzMDkiLCJJbXBhT3B0aW9ucyI6eyIkaWQiOiIxMzEwIiwiTGVmdFRvUmlnaHQiOmZhbHNlLCJQYXlsb2FkT3B0aW9ucyI6Mn0sIlVzZUNvbXByZXNzaW9uIjpmYWxzZSwiQ29tcHJlc2lvblBlcmNlbnRhZ2UiOjUwLjAsIkluYWN0aXZlSW50ZXJ2YWxXaWR0aFRocmVzaG9sZCI6MzAuMCwiSW5hY3RpdmVJbnRlcnZhbFdpZHRoIjoxLjAsIlNwbGl0VGFza3MiOmZhbHNlLCJVc2VDbHVzdGVyIjpmYWxzZSwiRXBzaWxvbiI6NS4wLCJNaW5Qb2ludHNUb0Zvcm1BQ2x1c3RlciI6MiwiR2VuZXJhdGVJbnZpc2libGVTaGFwZXMiOmZhbHNlLCJTbWFydFRpbWVsaW5lVGFza1BlcmNlbnRhZ2VGaXQiOmZhbHNlfSwiSXNOZXciOmZhbHNlLCJJbXBvcnRUeXBlIjowLCJGaWxlUGF0aCI6bnVsbCwiVGltZUNvbmZpZ3VyYXRpb24iOnsiJGlkIjoiMTMxMSIsIlVzZVRpbWUiOmZhbHNlLCJXb3JrRGF5U3RhcnQiOiIwMDowMDowMCIsIldvcmtEYXlFbmQiOiIyMzo1OTowMCJ9LCJMYXN0VXNlZFRlbXBsYXRlSWQiOiJlNjliNmM0Zi00NWZlLTRlMmEtOWE0OC01MTA2ZGE3M2UwYTQifQ=="/>
@@ -6941,18 +13106,144 @@
 </p:tagLst>
 </file>
 
+<file path=ppt/tags/tag100.xml><?xml version="1.0" encoding="utf-8"?>
+<p:tagLst xmlns:a="http://schemas.openxmlformats.org/drawingml/2006/main" xmlns:r="http://schemas.openxmlformats.org/officeDocument/2006/relationships" xmlns:p="http://schemas.openxmlformats.org/presentationml/2006/main">
+  <p:tag name="OTLMARKERSHAPE" val="OTL"/>
+</p:tagLst>
+</file>
+
+<file path=ppt/tags/tag101.xml><?xml version="1.0" encoding="utf-8"?>
+<p:tagLst xmlns:a="http://schemas.openxmlformats.org/drawingml/2006/main" xmlns:r="http://schemas.openxmlformats.org/officeDocument/2006/relationships" xmlns:p="http://schemas.openxmlformats.org/presentationml/2006/main">
+  <p:tag name="OTLMARKERSHAPE" val="OTL"/>
+</p:tagLst>
+</file>
+
+<file path=ppt/tags/tag102.xml><?xml version="1.0" encoding="utf-8"?>
+<p:tagLst xmlns:a="http://schemas.openxmlformats.org/drawingml/2006/main" xmlns:r="http://schemas.openxmlformats.org/officeDocument/2006/relationships" xmlns:p="http://schemas.openxmlformats.org/presentationml/2006/main">
+  <p:tag name="OTLMARKERSHAPE" val="OTL"/>
+</p:tagLst>
+</file>
+
+<file path=ppt/tags/tag103.xml><?xml version="1.0" encoding="utf-8"?>
+<p:tagLst xmlns:a="http://schemas.openxmlformats.org/drawingml/2006/main" xmlns:r="http://schemas.openxmlformats.org/officeDocument/2006/relationships" xmlns:p="http://schemas.openxmlformats.org/presentationml/2006/main">
+  <p:tag name="OTLMARKERSHAPE" val="OTL"/>
+</p:tagLst>
+</file>
+
+<file path=ppt/tags/tag104.xml><?xml version="1.0" encoding="utf-8"?>
+<p:tagLst xmlns:a="http://schemas.openxmlformats.org/drawingml/2006/main" xmlns:r="http://schemas.openxmlformats.org/officeDocument/2006/relationships" xmlns:p="http://schemas.openxmlformats.org/presentationml/2006/main">
+  <p:tag name="OTLMARKERSHAPE" val="OTL"/>
+</p:tagLst>
+</file>
+
+<file path=ppt/tags/tag105.xml><?xml version="1.0" encoding="utf-8"?>
+<p:tagLst xmlns:a="http://schemas.openxmlformats.org/drawingml/2006/main" xmlns:r="http://schemas.openxmlformats.org/officeDocument/2006/relationships" xmlns:p="http://schemas.openxmlformats.org/presentationml/2006/main">
+  <p:tag name="OTLMARKERSHAPE" val="OTL"/>
+</p:tagLst>
+</file>
+
+<file path=ppt/tags/tag106.xml><?xml version="1.0" encoding="utf-8"?>
+<p:tagLst xmlns:a="http://schemas.openxmlformats.org/drawingml/2006/main" xmlns:r="http://schemas.openxmlformats.org/officeDocument/2006/relationships" xmlns:p="http://schemas.openxmlformats.org/presentationml/2006/main">
+  <p:tag name="OTLMARKERSHAPE" val="OTL"/>
+</p:tagLst>
+</file>
+
+<file path=ppt/tags/tag107.xml><?xml version="1.0" encoding="utf-8"?>
+<p:tagLst xmlns:a="http://schemas.openxmlformats.org/drawingml/2006/main" xmlns:r="http://schemas.openxmlformats.org/officeDocument/2006/relationships" xmlns:p="http://schemas.openxmlformats.org/presentationml/2006/main">
+  <p:tag name="OTLMARKERSHAPE" val="OTL"/>
+</p:tagLst>
+</file>
+
+<file path=ppt/tags/tag108.xml><?xml version="1.0" encoding="utf-8"?>
+<p:tagLst xmlns:a="http://schemas.openxmlformats.org/drawingml/2006/main" xmlns:r="http://schemas.openxmlformats.org/officeDocument/2006/relationships" xmlns:p="http://schemas.openxmlformats.org/presentationml/2006/main">
+  <p:tag name="OTLMARKERSHAPE" val="OTL"/>
+</p:tagLst>
+</file>
+
+<file path=ppt/tags/tag109.xml><?xml version="1.0" encoding="utf-8"?>
+<p:tagLst xmlns:a="http://schemas.openxmlformats.org/drawingml/2006/main" xmlns:r="http://schemas.openxmlformats.org/officeDocument/2006/relationships" xmlns:p="http://schemas.openxmlformats.org/presentationml/2006/main">
+  <p:tag name="OTLMARKERSHAPE" val="OTL"/>
+</p:tagLst>
+</file>
+
 <file path=ppt/tags/tag11.xml><?xml version="1.0" encoding="utf-8"?>
 <p:tagLst xmlns:a="http://schemas.openxmlformats.org/drawingml/2006/main" xmlns:r="http://schemas.openxmlformats.org/officeDocument/2006/relationships" xmlns:p="http://schemas.openxmlformats.org/presentationml/2006/main">
   <p:tag name="OTLMARKERSHAPE" val="OTL"/>
 </p:tagLst>
 </file>
 
+<file path=ppt/tags/tag110.xml><?xml version="1.0" encoding="utf-8"?>
+<p:tagLst xmlns:a="http://schemas.openxmlformats.org/drawingml/2006/main" xmlns:r="http://schemas.openxmlformats.org/officeDocument/2006/relationships" xmlns:p="http://schemas.openxmlformats.org/presentationml/2006/main">
+  <p:tag name="OTLMARKERSHAPE" val="OTL"/>
+</p:tagLst>
+</file>
+
+<file path=ppt/tags/tag111.xml><?xml version="1.0" encoding="utf-8"?>
+<p:tagLst xmlns:a="http://schemas.openxmlformats.org/drawingml/2006/main" xmlns:r="http://schemas.openxmlformats.org/officeDocument/2006/relationships" xmlns:p="http://schemas.openxmlformats.org/presentationml/2006/main">
+  <p:tag name="OTLMARKERSHAPE" val="OTL"/>
+</p:tagLst>
+</file>
+
+<file path=ppt/tags/tag112.xml><?xml version="1.0" encoding="utf-8"?>
+<p:tagLst xmlns:a="http://schemas.openxmlformats.org/drawingml/2006/main" xmlns:r="http://schemas.openxmlformats.org/officeDocument/2006/relationships" xmlns:p="http://schemas.openxmlformats.org/presentationml/2006/main">
+  <p:tag name="OTLMARKERSHAPE" val="OTL"/>
+</p:tagLst>
+</file>
+
+<file path=ppt/tags/tag113.xml><?xml version="1.0" encoding="utf-8"?>
+<p:tagLst xmlns:a="http://schemas.openxmlformats.org/drawingml/2006/main" xmlns:r="http://schemas.openxmlformats.org/officeDocument/2006/relationships" xmlns:p="http://schemas.openxmlformats.org/presentationml/2006/main">
+  <p:tag name="OTLMARKERSHAPE" val="OTL"/>
+</p:tagLst>
+</file>
+
+<file path=ppt/tags/tag114.xml><?xml version="1.0" encoding="utf-8"?>
+<p:tagLst xmlns:a="http://schemas.openxmlformats.org/drawingml/2006/main" xmlns:r="http://schemas.openxmlformats.org/officeDocument/2006/relationships" xmlns:p="http://schemas.openxmlformats.org/presentationml/2006/main">
+  <p:tag name="OTLMARKERSHAPE" val="OTL"/>
+</p:tagLst>
+</file>
+
+<file path=ppt/tags/tag115.xml><?xml version="1.0" encoding="utf-8"?>
+<p:tagLst xmlns:a="http://schemas.openxmlformats.org/drawingml/2006/main" xmlns:r="http://schemas.openxmlformats.org/officeDocument/2006/relationships" xmlns:p="http://schemas.openxmlformats.org/presentationml/2006/main">
+  <p:tag name="OTLMARKERSHAPE" val="OTL"/>
+</p:tagLst>
+</file>
+
+<file path=ppt/tags/tag116.xml><?xml version="1.0" encoding="utf-8"?>
+<p:tagLst xmlns:a="http://schemas.openxmlformats.org/drawingml/2006/main" xmlns:r="http://schemas.openxmlformats.org/officeDocument/2006/relationships" xmlns:p="http://schemas.openxmlformats.org/presentationml/2006/main">
+  <p:tag name="OTLMARKERSHAPE" val="OTL"/>
+</p:tagLst>
+</file>
+
+<file path=ppt/tags/tag117.xml><?xml version="1.0" encoding="utf-8"?>
+<p:tagLst xmlns:a="http://schemas.openxmlformats.org/drawingml/2006/main" xmlns:r="http://schemas.openxmlformats.org/officeDocument/2006/relationships" xmlns:p="http://schemas.openxmlformats.org/presentationml/2006/main">
+  <p:tag name="OTLMARKERSHAPE" val="OTL"/>
+</p:tagLst>
+</file>
+
+<file path=ppt/tags/tag118.xml><?xml version="1.0" encoding="utf-8"?>
+<p:tagLst xmlns:a="http://schemas.openxmlformats.org/drawingml/2006/main" xmlns:r="http://schemas.openxmlformats.org/officeDocument/2006/relationships" xmlns:p="http://schemas.openxmlformats.org/presentationml/2006/main">
+  <p:tag name="OTLMARKERSHAPE" val="OTL"/>
+</p:tagLst>
+</file>
+
+<file path=ppt/tags/tag119.xml><?xml version="1.0" encoding="utf-8"?>
+<p:tagLst xmlns:a="http://schemas.openxmlformats.org/drawingml/2006/main" xmlns:r="http://schemas.openxmlformats.org/officeDocument/2006/relationships" xmlns:p="http://schemas.openxmlformats.org/presentationml/2006/main">
+  <p:tag name="OTLMARKERSHAPE" val="OTL"/>
+</p:tagLst>
+</file>
+
 <file path=ppt/tags/tag12.xml><?xml version="1.0" encoding="utf-8"?>
 <p:tagLst xmlns:a="http://schemas.openxmlformats.org/drawingml/2006/main" xmlns:r="http://schemas.openxmlformats.org/officeDocument/2006/relationships" xmlns:p="http://schemas.openxmlformats.org/presentationml/2006/main">
   <p:tag name="OTLMARKERSHAPE" val="OTL"/>
 </p:tagLst>
 </file>
 
+<file path=ppt/tags/tag120.xml><?xml version="1.0" encoding="utf-8"?>
+<p:tagLst xmlns:a="http://schemas.openxmlformats.org/drawingml/2006/main" xmlns:r="http://schemas.openxmlformats.org/officeDocument/2006/relationships" xmlns:p="http://schemas.openxmlformats.org/presentationml/2006/main">
+  <p:tag name="OTLMARKERSHAPE" val="OTL"/>
+</p:tagLst>
+</file>
+
 <file path=ppt/tags/tag13.xml><?xml version="1.0" encoding="utf-8"?>
 <p:tagLst xmlns:a="http://schemas.openxmlformats.org/drawingml/2006/main" xmlns:r="http://schemas.openxmlformats.org/officeDocument/2006/relationships" xmlns:p="http://schemas.openxmlformats.org/presentationml/2006/main">
   <p:tag name="OTLMARKERSHAPE" val="OTL"/>
@@ -7271,19 +13562,254 @@
 </p:tagLst>
 </file>
 
+<file path=ppt/tags/tag61.xml><?xml version="1.0" encoding="utf-8"?>
+<p:tagLst xmlns:a="http://schemas.openxmlformats.org/drawingml/2006/main" xmlns:r="http://schemas.openxmlformats.org/officeDocument/2006/relationships" xmlns:p="http://schemas.openxmlformats.org/presentationml/2006/main">
+  <p:tag name="__PART_0" val="eyIkaWQiOiIxIiwiQ3VsdHVyZUluZm9OYW1lIjoiZW4tVVMiLCJTdHlsZU5hbWUiOm51bGwsIlZlcnNpb24iOnsiJGlkIjoiMiIsIlZlcnNpb24iOiIzLjIuMCIsIk9yaWdpbmFsQXNzZW1ibHlWZXJzaW9uIjoiNC4wMC4wMS4wMCIsIkVkaXRpb24iOiJQcm8iLCJJc1BsdXNFZGl0aW9uIjp0cnVlLCJJc1Byb0VkaXRpb24iOnRydWV9LCJFZmZlY3QiOjAsIlN0eWxlIjp7IiRpZCI6IjMiLCJUaW1lYmFuZFN0eWxlIjp7IiRpZCI6IjQiLCJTY2FsZU1hcmtpbmciOjAsIlNoYXBlIjowLCJTaGFwZVN0eWxlIjp7IiRpZCI6IjUiLCJNYXJnaW4iOnsiJGlkIjoiNiIsIlRvcCI6MCwiTGVmdCI6MTIsIlJpZ2h0IjoxMiwiQm90dG9tIjowfSwiUGFkZGluZyI6eyIkaWQiOiI3IiwiVG9wIjo3LCJMZWZ0IjowLCJSaWdodCI6MCwiQm90dG9tIjo3fSwiQmFja2dyb3VuZCI6eyIkaWQiOiI4IiwiQ29sb3IiOnsiJGlkIjoiOSIsIkEiOjI1NSwiUiI6MjI1LCJHIjoyMjUsIkIiOjIyNX19LCJJc1Zpc2libGUiOnRydWUsIldpZHRoIjo4NTguMCwiSGVpZ2h0IjozMC4wLCJCb3JkZXJTdHlsZSI6eyIkaWQiOiIxMCIsIkxpbmVDb2xvciI6eyIkaWQiOiIxMSIsIiR0eXBlIjoiTkxSRS5Db21tb24uRG9tLlNvbGlkQ29sb3JCcnVzaCwgTkxSRS5Db21tb24iLCJDb2xvciI6eyIkaWQiOiIxMiIsIkEiOjI1NSwiUiI6MjU1LCJHIjowLCJCIjowfX0sIkxpbmVXZWlnaHQiOjAuMCwiTGluZVR5cGUiOjAsIlBhcmVudFN0eWxlIjpudWxsfSwiUGFyZW50U3R5bGUiOm51bGx9LCJSaWdodEVuZENhcHNTdHlsZSI6eyIkaWQiOiIxMyIsIkZvbnRTZXR0aW5ncyI6eyIkaWQiOiIxNCIsIkZvbnRTaXplIjoxOCwiRm9udE5hbWUiOiJDYWxpYnJpIiwiSXNCb2xkIjp0cnVlLCJJc0l0YWxpYyI6ZmFsc2UsIklzVW5kZXJsaW5lZCI6ZmFsc2UsIlBhcmVudFN0eWxlIjpudWxsfSwiQXV0b1NpemUiOjAsIkZvcmVncm91bmQiOnsiJGlkIjoiMTUiLCJDb2xvciI6eyIkaWQiOiIxNiIsIkEiOjI1NSwiUiI6MjM3LCJHIjoxMjUsIkIiOjQ5fX0sIk1heFdpZHRoIjoiSW5maW5pdHkiLCJNYXhIZWlnaHQiOiJJbmZpbml0eSIsIlNtYXJ0Rm9yZWdyb3VuZElzQWN0aXZlIjpmYWxzZSwiSG9yaXpvbnRhbEFsaWdubWVudCI6MCwiVmVydGljYWxBbGlnbm1lbnQiOjAsIlNtYXJ0Rm9yZWdyb3VuZCI6bnVsbCwiQmFja2dyb3VuZEZpbGxUeXBlIjowLCJNYXJnaW4iOnsiJGlkIjoiMTciLCJUb3AiOjAsIkxlZnQiOjAsIlJpZ2h0IjoyNSwiQm90dG9tIjowfSwiUGFkZGluZyI6eyIkaWQiOiIxOCIsIlRvcCI6MCwiTGVmdCI6MCwiUmlnaHQiOjAsIkJvdHRvbSI6MH0sIkJhY2tncm91bmQiOnsiJGlkIjoiMTkiLCJDb2xvciI6eyIkaWQiOiIyMCIsIkEiOjg5LCJSIjowLCJHIjowLCJCIjowfX0sIklzVmlzaWJsZSI6ZmFsc2UsIldpZHRoIjowLjAsIkhlaWdodCI6MC4wLCJCb3JkZXJTdHlsZSI6bnVsbCwiUGFyZW50U3R5bGUiOm51bGx9LCJMZWZ0RW5kQ2Fwc1N0eWxlIjp7IiRpZCI6IjIxIiwiRm9udFNldHRpbmdzIjp7IiRpZCI6IjIyIiwiRm9udFNpemUiOjE4LCJGb250TmFtZSI6IkNhbGlicmkiLCJJc0JvbGQiOnRydWUsIklzSXRhbGljIjpmYWxzZSwiSXNVbmRlcmxpbmVkIjpmYWxzZSwiUGFyZW50U3R5bGUiOm51bGx9LCJBdXRvU2l6ZSI6MCwiRm9yZWdyb3VuZCI6eyIkaWQiOiIyMyIsIkNvbG9yIjp7IiRpZCI6IjI0IiwiQSI6MjU1LCJSIjoyMzcsIkciOjEyNSwiQiI6NDl9fSwiTWF4V2lkdGgiOiJJbmZpbml0eSIsIk1heEhlaWdodCI6IkluZmluaXR5IiwiU21hcnRGb3JlZ3JvdW5kSXNBY3RpdmUiOmZhbHNlLCJIb3Jpem9udGFsQWxpZ25tZW50IjowLCJWZXJ0aWNhbEFsaWdubWVudCI6MCwiU21hcnRGb3JlZ3JvdW5kIjpudWxsLCJCYWNrZ3JvdW5kRmlsbFR5cGUiOjAsIk1hcmdpbiI6eyIkaWQiOiIyNSIsIlRvcCI6MCwiTGVmdCI6MjUsIlJpZ2h0IjowLCJCb3R0b20iOjB9LCJQYWRkaW5nIjp7IiRpZCI6IjI2IiwiVG9wIjowLCJMZWZ0IjowLCJSaWdodCI6MCwiQm90dG9tIjowfSwiQmFja2dyb3VuZCI6eyIkaWQiOiIyNyIsIkNvbG9yIjp7IiRyZWYiOiIyMCJ9fSwiSXNWaXNpYmxlIjpmYWxzZSwiV2lkdGgiOjAuMCwiSGVpZ2h0IjowLjAsIkJvcmRlclN0eWxlIjpudWxsLCJQYXJlbnRTdHlsZSI6bnVsbH0sIlRvZGF5VGV4dFN0eWxlIjp7IiRpZCI6IjI4IiwiRm9udFNldHRpbmdzIjp7IiRpZCI6IjI5IiwiRm9udFNpemUiOjEyLCJGb250TmFtZSI6IkNhbGlicmkiLCJJc0JvbGQiOmZhbHNlLCJJc0l0YWxpYyI6ZmFsc2UsIklzVW5kZXJsaW5lZCI6ZmFsc2UsIlBhcmVudFN0eWxlIjpudWxsfSwiQXV0b1NpemUiOjAsIkZvcmVncm91bmQiOnsiJGlkIjoiMzAiLCJDb2xvciI6eyIkaWQiOiIzMSIsIkEiOjI1NSwiUiI6MCwiRyI6MCwiQiI6MH19LCJNYXhXaWR0aCI6MjAwLjAsIk1heEhlaWdodCI6IkluZmluaXR5IiwiU21hcnRGb3JlZ3JvdW5kSXNBY3RpdmUiOmZhbHNlLCJIb3Jpem9udGFsQWxpZ25tZW50IjowLCJWZXJ0aWNhbEFsaWdubWVudCI6MCwiU21hcnRGb3JlZ3JvdW5kIjpudWxsLCJCYWNrZ3JvdW5kRmlsbFR5cGUiOjAsIk1hcmdpbiI6eyIkaWQiOiIzMiIsIlRvcCI6MCwiTGVmdCI6MCwiUmlnaHQiOjAsIkJvdHRvbSI6MH0sIlBhZGRpbmciOnsiJGlkIjoiMzMiLCJUb3AiOjAsIkxlZnQiOjAsIlJpZ2h0IjowLCJCb3R0b20iOjB9LCJCYWNrZ3JvdW5kIjp7IiRpZCI6IjM0IiwiQ29sb3IiOnsiJHJlZiI6IjIwIn19LCJJc1Zpc2libGUiOnRydWUsIldpZHRoIjowLjAsIkhlaWdodCI6MC4wLCJCb3JkZXJTdHlsZSI6bnVsbCwiUGFyZW50U3R5bGUiOm51bGx9LCJUb2RheU1hcmtlclN0eWxlIjp7IiRpZCI6IjM1IiwiTWFyZ2luIjp7IiRpZCI6IjM2IiwiVG9wIjowLCJMZWZ0IjowLCJSaWdodCI6MCwiQm90dG9tIjowfSwiUGFkZGluZyI6eyIkaWQiOiIzNyIsIlRvcCI6MCwiTGVmdCI6MCwiUmlnaHQiOjAsIkJvdHRvbSI6MH0sIkJhY2tncm91bmQiOnsiJGlkIjoiMzgiLCJDb2xvciI6eyIkaWQiOiIzOSIsIkEiOjI1NSwiUiI6MTE1LCJHIjoxMTUsIkIiOjExNX19LCJJc1Zpc2libGUiOnRydWUsIldpZHRoIjowLjAsIkhlaWdodCI6MC4wLCJCb3JkZXJTdHlsZSI6bnVsbCwiUGFyZW50U3R5bGUiOm51bGx9LCJTY2FsZVN0eWxlIjp7IiRpZCI6IjQwIiwiU2hvd1NlZ21lbnRTZXBhcmF0b3JzIjp0cnVlLCJTZWdtZW50U2VwYXJhdG9yT3BhY2l0eSI6MzAsIkZvbnRTZXR0aW5ncyI6eyIkaWQiOiI0MSIsIkZvbnRTaXplIjoxNCwiRm9udE5hbWUiOiJDYWxpYnJpIiwiSXNCb2xkIjpmYWxzZSwiSXNJdGFsaWMiOmZhbHNlLCJJc1VuZGVybGluZWQiOmZhbHNlLCJQYXJlbnRTdHlsZSI6bnVsbH0sIkF1dG9TaXplIjowLCJGb3JlZ3JvdW5kIjp7IiRpZCI6IjQyIiwiQ29sb3IiOnsiJGlkIjoiNDMiLCJBIjoyNTUsIlIiOjAsIkciOjAsIkIiOjB9fSwiTWF4V2lkdGgiOjIwMC4wLCJNYXhIZWlnaHQiOiJJbmZpbml0eSIsIlNtYXJ0Rm9yZWdyb3VuZElzQWN0aXZlIjpmYWxzZSwiSG9yaXpvbnRhbEFsaWdubWVudCI6MCwiVmVydGljYWxBbGlnbm1lbnQiOjEsIlNtYXJ0Rm9yZWdyb3VuZCI6bnVsbCwiQmFja2dyb3VuZEZpbGxUeXBlIjowLCJNYXJnaW4iOnsiJGlkIjoiNDQiLCJUb3AiOjAsIkxlZnQiOjUsIlJpZ2h0IjowLCJCb3R0b20iOjB9LCJQYWRkaW5nIjp7IiRpZCI6IjQ1IiwiVG9wIjowLCJMZWZ0IjowLCJSaWdodCI6MCwiQm90dG9tIjowfSwiQmFja2dyb3VuZCI6eyIkaWQiOiI0NiIsIkNvbG9yIjp7IiRyZWYiOiIyMCJ9fSwiSXNWaXNpYmxlIjp0cnVlLCJXaWR0aCI6MC4wLCJIZWlnaHQiOjAuMCwiQm9yZGVyU3R5bGUiOm51bGwsIlBhcmVudFN0eWxlIjpudWxsfSwiRWxhcHNlZFRpbWVCYWNrZ3JvdW5kIjp7IiRpZCI6IjQ3IiwiQ29sb3IiOnsiJGlkIjoiNDgiLCJBIjoxOTEsIlIiOjAsIkciOjAsIkIiOjB9fSwiQXBwZW5kWWVhck9uWWVhckNoYW5nZSI6dHJ1ZSwiRWxhcHNlZFRpbWVGb3JtYXQiOjAsIlRvZGF5TWFya2VyUG9zaXRpb24iOjEsIlF1aWNrUG9zaXRpb24iOjMsIkFic29sdXRlUG9zaXRpb24iOjgzLjQsIk1hcmdpbiI6eyIkaWQiOiI0OSIsIlRvcCI6MCwiTGVmdCI6MTAsIlJpZ2h0IjoxMCwiQm90dG9tIjowfSwiUGFkZGluZyI6eyIkaWQiOiI1MCIsIlRvcCI6MCwiTGVmdCI6MCwiUmlnaHQiOjAsIkJvdHRvbSI6MH0sIkJhY2tncm91bmQiOnsiJGlkIjoiNTEiLCJDb2xvciI6eyIkaWQiOiI1MiIsIkEiOjI1NSwiUiI6NDcsIkciOjU0LCJCIjoxNTN9fSwiSXNWaXNpYmxlIjp0cnVlLCJXaWR0aCI6MC4wLCJIZWlnaHQiOjAuMCwiQm9yZGVyU3R5bGUiOm51bGwsIlBhcmVudFN0eWxlIjpudWxsfSwiRGVmYXVsdE1pbGVzdG9uZVN0eWxlIjp7IiRpZCI6IjUzIiwiU2hhcGUiOjAsIkNvbm5lY3Rvck1hcmdpbiI6eyIkaWQiOiI1NCIsIlRvcCI6MCwiTGVmdCI6MiwiUmlnaHQiOjIsIkJvdHRvbSI6MH0sIkNvbm5lY3RvclN0eWxlIjp7IiRpZCI6IjU1IiwiTGluZUNvbG9yIjp7IiRpZCI6IjU2IiwiJHR5cGUiOiJOTFJFLkNvbW1vbi5Eb20uU29saWRDb2xvckJydXNoLCBOTFJFLkNvbW1vbiIsIkNvbG9yIjp7IiRpZCI6IjU3IiwiQSI6MTI3LCJSIjoxMTUsIkciOjExNSwiQiI6MTE1fX0sIkxpbmVXZWlnaHQiOjEuMCwiTGluZVR5cGUiOjAsIlBhcmVudFN0eWxlIjpudWxsfSwiSXNCZWxvd1RpbWViYW5kIjpmYWxzZSwiUG9zaXRpb25PblRhc2siOjAsIkhpZGVEYXRlIjpmYWxzZSwiU2hhcGVTaXplIjoxLCJTcGFjaW5nIjoxLjAsIlBhZGRpbmciOnsiJGlkIjoiNTgiLCJUb3AiOjcsIkxlZnQiOjMsIlJpZ2h0IjowLCJCb3R0b20iOjJ9LCJTaGFwZVN0eWxlIjp7IiRpZCI6IjU5IiwiTWFyZ2luIjp7IiRpZCI6IjYwIiwiVG9wIjowLCJMZWZ0IjowLCJSaWdodCI6MCwiQm90dG9tIjowfSwiUGFkZGluZyI6eyIkaWQiOiI2MSIsIlRvcCI6MCwiTGVmdCI6MCwiUmlnaHQiOjAsIkJvdHRvbSI6MH0sIkJhY2tncm91bmQiOnsiJGlkIjoiNjIiLCJDb2xvciI6eyIkaWQiOiI2MyIsIkEiOjI1NSwiUiI6MTE1LCJHIjoxMTUsIkIiOjExNX19LCJJc1Zpc2libGUiOnRydWUsIldpZHRoIjoxOC4wLCJIZWlnaHQiOjIwLjAsIkJvcmRlclN0eWxlIjp7IiRpZCI6IjY0IiwiTGluZUNvbG9yIjp7IiRpZCI6IjY1IiwiJHR5cGUiOiJOTFJFLkNvbW1vbi5Eb20uU29saWRDb2xvckJydXNoLCBOTFJFLkNvbW1vbiIsIkNvbG9yIjp7IiRpZCI6IjY2IiwiQSI6MjU1LCJSIjoyNTUsIkciOjAsIkIiOjB9fSwiTGluZVdlaWdodCI6MC4wLCJMaW5lVHlwZSI6MCwiUGFyZW50U3R5bGUiOm51bGx9LCJQYXJlbnRTdHlsZSI6bnVsbH0sIlRpdGxlU3R5bGUiOnsiJGlkIjoiNjciLCJGb250U2V0dGluZ3MiOnsiJGlkIjoiNjgiLCJGb250U2l6ZSI6MTEsIkZvbnROYW1lIjoiQ2FsaWJyaSIsIklzQm9sZCI6dHJ1ZSwiSXNJdGFsaWMiOmZhbHNlLCJJc1VuZGVybGluZWQiOmZhbHNlLCJQYXJlbnRTdHlsZSI6bnVsbH0sIkF1dG9TaXplIjowLCJGb3JlZ3JvdW5kIjp7IiRpZCI6IjY5IiwiQ29sb3IiOnsiJGlkIjoiNzAiLCJBIjoyNTUsIlIiOjAsIkciOjAsIkIiOjB9fSwiTWF4V2lkdGgiOjIwMC4wLCJNYXhIZWlnaHQiOiJJbmZpbml0eSIsIlNtYXJ0Rm9yZWdyb3VuZElzQWN0aXZlIjpmYWxzZSwiSG9yaXpvbnRhbEFsaWdubWVudCI6MSwiVmVydGljYWxBbGlnbm1lbnQiOjAsIlNtYXJ0Rm9yZWdyb3VuZCI6bnVsbCwiQmFja2dyb3VuZEZpbGxUeXBlIjowLCJNYXJnaW4iOnsiJGlkIjoiNzEiLCJUb3AiOjAsIkxlZnQiOjAsIlJpZ2h0IjowLCJCb3R0b20iOjB9LCJQYWRkaW5nIjp7IiRpZCI6IjcyIiwiVG9wIjowLCJMZWZ0IjowLCJSaWdodCI6MCwiQm90dG9tIjowfSwiQmFja2dyb3VuZCI6eyIkaWQiOiI3MyIsIkNvbG9yIjp7IiRyZWYiOiIyMCJ9fSwiSXNWaXNpYmxlIjp0cnVlLCJXaWR0aCI6MC4wLCJIZWlnaHQiOjAuMCwiQm9yZGVyU3R5bGUiOm51bGwsIlBhcmVudFN0eWxlIjpudWxsfSwiRGF0ZVN0eWxlIjp7IiRpZCI6Ijc0IiwiRm9udFNldHRpbmdzIjp7IiRpZCI6Ijc1IiwiRm9udFNpemUiOjEwLCJGb250TmFtZSI6IkNhbGlicmkiLCJJc0JvbGQiOmZhbHNlLCJJc0l0YWxpYyI6ZmFsc2UsIklzVW5kZXJsaW5lZCI6ZmFsc2UsIlBhcmVudFN0eWxlIjpudWxsfSwiQXV0b1NpemUiOjAsIkZvcmVncm91bmQiOnsiJGlkIjoiNzYiLCJDb2xvciI6eyIkaWQiOiI3NyIsIkEiOjI1NSwiUiI6NjgsIkciOjg0LCJCIjoxMDZ9fSwiTWF4V2lkdGgiOjIwMC4wLCJNYXhIZWlnaHQiOiJJbmZpbml0eSIsIlNtYXJ0Rm9yZWdyb3VuZElzQWN0aXZlIjpmYWxzZSwiSG9yaXpvbnRhbEFsaWdubWVudCI6MCwiVmVydGljYWxBbGlnbm1lbnQiOjAsIlNtYXJ0Rm9yZWdyb3VuZCI6bnVsbCwiQmFja2dyb3VuZEZpbGxUeXBlIjowLCJNYXJnaW4iOnsiJGlkIjoiNzgiLCJUb3AiOjAsIkxlZnQiOjAsIlJpZ2h0IjowLCJCb3R0b20iOjB9LCJQYWRkaW5nIjp7IiRpZCI6Ijc5IiwiVG9wIjowLCJMZWZ0IjowLCJSaWdodCI6MCwiQm90dG9tIjowfSwiQmFja2dyb3VuZCI6eyIkaWQiOiI4MCIsIkNvbG9yIjp7IiRyZWYiOiIyMCJ9fSwiSXNWaXNpYmxlIjp0cnVlLCJXaWR0aCI6MC4wLCJIZWlnaHQiOjAuMCwiQm9yZGVyU3R5bGUiOm51bGwsIlBhcmVudFN0eWxlIjpudWxsfSwiRGF0ZUZvcm1hdCI6eyIkaWQiOiI4MSIsIkZvcm1hdFN0cmluZyI6Ik1NTSBkIiwiU2VwYXJhdG9yIjoiLyIsIlVzZUludGVybmF0aW9uYWxEYXRlRm9ybWF0IjpmYWxzZSwiRGF0ZUlzVmlzaWJsZSI6dHJ1ZSwiVGltZUlzVmlzaWJsZSI6ZmFsc2UsIkhvdXJEaWdpdHMiOjEsIkFtUG1EZXNpZ25hdG9yIjoyLCJUcmltMDBNaW51dGVzIjpmYWxzZSwiTGFzdEtub3duVmlzaWJpbGl0eVN0YXRlIjpudWxsfSwiSXNWaXNpYmxlIjp0cnVlLCJQYXJlbnRTdHlsZSI6bnVsbH0sIkRlZmF1bHRUYXNrU3R5bGUiOnsiJGlkIjoiODIiLCJTaGFwZSI6MSwiU2hhcGVUaGlja25lc3MiOjMsIkR1cmF0aW9uRm9ybWF0IjowLCJJbmNsdWRlTm9uV29ya2luZ0RheXNJbkR1cmF0aW9uIjpmYWxzZSwiUGVyY2VudGFnZUNvbXBsZXRlU3R5bGUiOnsiJGlkIjoiODMiLCJGb250U2V0dGluZ3MiOnsiJGlkIjoiODQiLCJGb250U2l6ZSI6MTAsIkZvbnROYW1lIjoiQ2FsaWJyaSIsIklzQm9sZCI6ZmFsc2UsIklzSXRhbGljIjpmYWxzZSwiSXNVbmRlcmxpbmVkIjpmYWxzZSwiUGFyZW50U3R5bGUiOm51bGx9LCJBdXRvU2l6ZSI6MCwiRm9yZWdyb3VuZCI6eyIkaWQiOiI4NSIsIkNvbG9yIjp7IiRpZCI6Ijg2IiwiQSI6MjU1LCJSIjoyMzgsIkciOjIzNiwiQiI6MjI1fX0sIk1heFdpZHRoIjoyMDAuMCwiTWF4SGVpZ2h0IjoiSW5maW5pdHkiLCJTbWFydEZvcmVncm91bmRJc0FjdGl2ZSI6ZmFsc2UsIkhvcml6b250YWxBbGlnbm1lbnQiOjEsIlZlcnRpY2FsQWxpZ25tZW50IjowLCJTbWFydEZvcmVncm91bmQiOm51bGwsIkJhY2tncm91bmRGaWxsVHlwZSI6MCwiTWFyZ2luIjp7IiRpZCI6Ijg3IiwiVG9wIjowLCJMZWZ0IjowLCJSaWdodCI6MCwiQm90dG9tIjowfSwiUGFkZGluZyI6eyIkaWQiOiI4OCIsIlRvcCI6MCwiTGVmdCI6MCwiUmlnaHQiOjAsIkJvdHRvbSI6MH0sIkJhY2tncm91bmQiOnsiJGlkIjoiODkiLCJDb2xvciI6eyIkcmVmIjoiMjAifX0sIklzVmlzaWJsZSI6dHJ1ZSwiV2lkdGgiOjAuMCwiSGVpZ2h0IjowLjAsIkJvcmRlclN0eWxlIjpudWxsLCJQYXJlbnRTdHlsZSI6bnVsbH0sIkR1cmF0aW9uU3R5bGUiOnsiJGlkIjoiOTAiLCJGb250U2V0dGluZ3MiOnsiJGlkIjoiOTEiLCJGb250U2l6ZSI6MTAsIkZvbnROYW1lIjoiQ2FsaWJyaSIsIklzQm9sZCI6ZmFsc2UsIklzSXRhbGljIjpmYWxzZSwiSXNVbmRlcmxpbmVkIjpmYWxzZSwiUGFyZW50U3R5bGUiOm51bGx9LCJBdXRvU2l6ZSI6MCwiRm9yZWdyb3VuZCI6eyIkaWQiOiI5MiIsIkNvbG9yIjp7IiRpZCI6IjkzIiwiQSI6MjU1LCJSIjoyMzcsIkciOjEyNSwiQiI6NDl9fSwiTWF4V2lkdGgiOjIwMC4wLCJNYXhIZWlnaHQiOiJJbmZpbml0eSIsIlNtYXJ0Rm9yZWdyb3VuZElzQWN0aXZlIjpmYWxzZSwiSG9yaXpvbnRhbEFsaWdubWVudCI6MCwiVmVydGljYWxBbGlnbm1lbnQiOjAsIlNtYXJ0Rm9yZWdyb3VuZCI6bnVsbCwiQmFja2dyb3VuZEZpbGxUeXBlIjowLCJNYXJnaW4iOnsiJGlkIjoiOTQiLCJUb3AiOjAsIkxlZnQiOjAsIlJpZ2h0IjowLCJCb3R0b20iOjB9LCJQYWRkaW5nIjp7IiRpZCI6Ijk1IiwiVG9wIjowLCJMZWZ0IjowLCJSaWdodCI6MCwiQm90dG9tIjowfSwiQmFja2dyb3VuZCI6eyIkaWQiOiI5NiIsIkNvbG9yIjp7IiRyZWYiOiIyMCJ9fSwiSXNWaXNpYmxlIjp0cnVlLCJXaWR0aCI6MC4wLCJIZWlnaHQiOjAuMCwiQm9yZGVyU3R5bGUiOm51bGwsIlBhcmVudFN0eWxlIjpudWxsfSwiSG9yaXpvbnRhbENvbm5lY3RvclN0eWxlIjp7IiRpZCI6Ijk3IiwiTGluZUNvbG9yIjp7IiRpZCI6Ijk4IiwiJHR5cGUiOiJOTFJFLkNvbW1vbi5Eb20uU29saWRDb2xvckJydXNoLCBOTFJFLkNvbW1vbiIsIkNvbG9yIjp7IiRpZCI6Ijk5IiwiQSI6MjU1LCJSIjoyMDQsIkciOjIwNCwiQiI6MjA0fX0sIkxpbmVXZWlnaHQiOjEuMCwiTGluZVR5cGUiOjAsIlBhcmVudFN0eWxlIjpudWxsfSwiVmVydGljYWxDb25uZWN0b3JTdHlsZSI6eyIkaWQiOiIxMDAiLCJMaW5lQ29sb3IiOnsiJGlkIjoiMTAxIiwiJHR5cGUiOiJOTFJFLkNvbW1vbi5Eb20uU29saWRDb2xvckJydXNoLCBOTFJFLkNvbW1vbiIsIkNvbG9yIjp7IiRpZCI6IjEwMiIsIkEiOjI1NSwiUiI6MjA0LCJHIjoyMDQsIkIiOjIwNH19LCJMaW5lV2VpZ2h0IjowLjAsIkxpbmVUeXBlIjowLCJQYXJlbnRTdHlsZSI6bnVsbH0sIk1hcmdpbiI6bnVsbCwiU3RhcnREYXRlUG9zaXRpb24iOjQsIkVuZERhdGVQb3NpdGlvbiI6NCwiRGF0ZUlzVmlzaWJsZSI6dHJ1ZSwiVGl0bGVQb3NpdGlvbiI6NSwiRHVyYXRpb25Qb3NpdGlvbiI6NiwiUGVyY2VudGFnZUNvbXBsZXRlZFBvc2l0aW9uIjoyLCJTcGFjaW5nIjo1LCJJc0JlbG93VGltZWJhbmQiOnRydWUsIlBlcmNlbnRhZ2VDb21wbGV0ZVNoYXBlT3BhY2l0eSI6MzUsIlNoYXBlU3R5bGUiOnsiJGlkIjoiMTAzIiwiTWFyZ2luIjp7IiRpZCI6IjEwNCIsIlRvcCI6MCwiTGVmdCI6NCwiUmlnaHQiOjQsIkJvdHRvbSI6MH0sIlBhZGRpbmciOnsiJGlkIjoiMTA1IiwiVG9wIjowLCJMZWZ0IjowLCJSaWdodCI6MCwiQm90dG9tIjowfSwiQmFja2dyb3VuZCI6eyIkaWQiOiIxMDYiLCJDb2xvciI6eyIkaWQiOiIxMDciLCJBIjoyNTUsIlIiOjkxLCJHIjoxNTUsIkIiOjIxM319LCJJc1Zpc2libGUiOnRydWUsIldpZHRoIjowLjAsIkhlaWdodCI6MTQuMCwiQm9yZGVyU3R5bGUiOnsiJGlkIjoiMTA4IiwiTGluZUNvbG9yIjp7IiRpZCI6IjEwOSIsIiR0eXBlIjoiTkxSRS5Db21tb24uRG9tLlNvbGlkQ29sb3JCcnVzaCwgTkxSRS5Db21tb24iLCJDb2xvciI6eyIkaWQiOiIxMTAiLCJBIjoyNTUsIlIiOjI1NSwiRyI6MCwiQiI6MH19LCJMaW5lV2VpZ2h0IjowLjAsIkxpbmVUeXBlIjowLCJQYXJlbnRTdHlsZSI6bnVsbH0sIlBhcmVudFN0eWxlIjpudWxsfSwiVGl0bGVTdHlsZSI6eyIkaWQiOiIxMTEiLCJGb250U2V0dGluZ3MiOnsiJGlkIjoiMTEyIiwiRm9udFNpemUiOjExLCJGb250TmFtZSI6IkNhbGlicmkiLCJJc0JvbGQiOmZhbHNlLCJJc0l0YWxpYyI6ZmFsc2UsIklzVW5kZXJsaW5lZCI6ZmFsc2UsIlBhcmVudFN0eWxlIjpudWxsfSwiQXV0b1NpemUiOjAsIkZvcmVncm91bmQiOnsiJGlkIjoiMTEzIiwiQ29sb3IiOnsiJGlkIjoiMTE0IiwiQSI6MjU1LCJSIjowLCJHIjowLCJCIjowfX0sIk1heFdpZHRoIjo5NjAuMCwiTWF4SGVpZ2h0IjoiSW5maW5pdHkiLCJTbWFydEZvcmVncm91bmRJc0FjdGl2ZSI6ZmFsc2UsIkhvcml6b250YWxBbGlnbm1lbnQiOjAsIlZlcnRpY2FsQWxpZ25tZW50IjowLCJTbWFydEZvcmVncm91bmQiOm51bGwsIkJhY2tncm91bmRGaWxsVHlwZSI6MCwiTWFyZ2luIjp7IiRpZCI6IjExNSIsIlRvcCI6MCwiTGVmdCI6MCwiUmlnaHQiOjAsIkJvdHRvbSI6MH0sIlBhZGRpbmciOnsiJGlkIjoiMTE2IiwiVG9wIjowLCJMZWZ0IjowLCJSaWdodCI6MCwiQm90dG9tIjowfSwiQmFja2dyb3VuZCI6eyIkaWQiOiIxMTciLCJDb2xvciI6eyIkcmVmIjoiMjAifX0sIklzVmlzaWJsZSI6dHJ1ZSwiV2lkdGgiOjAuMCwiSGVpZ2h0IjowLjAsIkJvcmRlclN0eWxlIjpudWxsLCJQYXJlbnRTdHlsZSI6bnVsbH0sIkRhdGVTdHlsZSI6eyIkaWQiOiIxMTgiLCJGb250U2V0dGluZ3MiOnsiJGlkIjoiMTE5IiwiRm9udFNpemUiOjEwLCJGb250TmFtZSI6IkNhbGlicmkiLCJJc0JvbGQiOmZhbHNlLCJJc0l0YWxpYyI6ZmFsc2UsIklzVW5kZXJsaW5lZCI6ZmFsc2UsIlBhcmVudFN0eWxlIjpudWxsfSwiQXV0b1NpemUiOjAsIkZvcmVncm91bmQiOnsiJGlkIjoiMTIwIiwiQ29sb3IiOnsiJGlkIjoiMTIxIiwiQSI6MjU1LCJSIjo2OCwiRyI6ODQsIkIiOjEwNn19LCJNYXhXaWR0aCI6MjAwLjAsIk1heEhlaWdodCI6IkluZmluaXR5IiwiU21hcnRGb3JlZ3JvdW5kSXNBY3RpdmUiOmZhbHNlLCJIb3Jpem9udGFsQWxpZ25tZW50IjowLCJWZXJ0aWNhbEFsaWdubWVudCI6MCwiU21hcnRGb3JlZ3JvdW5kIjpudWxsLCJCYWNrZ3JvdW5kRmlsbFR5cGUiOjAsIk1hcmdpbiI6eyIkaWQiOiIxMjIiLCJUb3AiOjAsIkxlZnQiOjAsIlJpZ2h0IjowLCJCb3R0b20iOjB9LCJQYWRkaW5nIjp7IiRpZCI6IjEyMyIsIlRvcCI6MCwiTGVmdCI6MCwiUmlnaHQiOjAsIkJvdHRvbSI6MH0sIkJhY2tncm91bmQiOnsiJGlkIjoiMTI0IiwiQ29sb3IiOnsiJHJlZiI6IjIwIn19LCJJc1Zpc2libGUiOnRydWUsIldpZHRoIjowLjAsIkhlaWdodCI6MC4wLCJCb3JkZXJTdHlsZSI6bnVsbCwiUGFyZW50U3R5bGUiOm51bGx9LCJEYXRlRm9ybWF0Ijp7IiRpZCI6IjEyNSIsIkZvcm1hdFN0cmluZyI6Ik1NTSBkIiwiU2VwYXJhdG9yIjoiLyIsIlVzZUludGVybmF0aW9uYWxEYXRlRm9ybWF0IjpmYWxzZSwiRGF0ZUlzVmlzaWJsZSI6ZmFsc2UsIlRpbWVJc1Zpc2libGUiOmZhbHNlLCJIb3VyRGlnaXRzIjoxLCJBbVBtRGVzaWduYXRvciI6MiwiVHJpbTAwTWludXRlcyI6ZmFsc2UsIkxhc3RLbm93blZpc2liaWxpdHlTdGF0ZSI6eyIkaWQiOiIxMjYiLCJEYXRlUGFydElzVmlzaWJsZSI6dHJ1ZSwiVGltZVBhcnRJc1Zpc2libGUiOmZhbHNlfX0sIklzVmlzaWJsZSI6dHJ1ZSwiUGFyZW50U3R5bGUiOm51bGwsIl9leHBsaWNpdGx5U2V0Ijp7IiRpZCI6IjEyNyIsIlNoYXBlU3R5bGUiOmZhbHNlLCJUaXRsZVN0eWxlIjpmYWxzZSwiRGF0ZVN0eWxlIjpmYWxzZSwiSG9yaXpvbnRhbENvbm5lY3RvclN0eWxlIjpmYWxzZSwiVmVydGljYWxDb25uZWN0b3JTdHlsZSI6ZmFsc2UsIlBlcmNlbnRhZ2VDb21wbGV0ZVNoYXBlT3BhY2l0eSI6ZmFsc2UsIkR1cmF0aW9uRm9ybWF0IjpmYWxzZSwiRHVyYXRpb25Qb3NpdGlvbiI6ZmFsc2UsIkVuZERhdGVQb3NpdGlvbiI6ZmFsc2UsIklzQmVsb3dUaW1lYmFuZCI6ZmFsc2UsIlBlcmNlbnRhZ2VDb21wbGV0ZWRQb3NpdGlvbiI6ZmFsc2UsIlNoYXBlIjpmYWxzZSwiU2hhcGVUaGlja25lc3MiOmZhbHNlLCJTcGFjaW5nIjpmYWxzZSwiU3RhcnREYXRlUG9zaXRpb24iOmZhbHNlLCJUaXRsZVBvc2l0aW9uIjpmYWxzZSwiRGF0ZUZvcm1hdCI6ZmFsc2UsIklzVmlzaWJsZSI6ZmFsc2UsIk1hcmdpbiI6ZmFsc2V9fSwiR3JpZGxpbmVQYW5lbFN0eWxlIjp7IiRpZCI6IjEyOCIsIkdyaWRsaW5lU3R5bGUiOnsiJGlkIjoiMTI5IiwiTGluZUNvbG9yIjp7IiRpZCI6IjEzMCIsIiR0eXBlIjoiTkxSRS5Db21tb24uRG9tLlNvbGlkQ29sb3JCcnVzaCwgTkxSRS5Db21tb24iLCJDb2xvciI6eyIkaWQiOiIxMzEiLCJBIjozOCwiUiI6MCwiRyI6MCwiQiI6MH19LCJMaW5lV2VpZ2h0IjowLjkwNTYxNjc2LCJMaW5lVHlwZSI6MCwiUGFyZW50U3R5bGUiOm51bGx9LCJNYXJnaW4iOnsiJGlkIjoiMTMyIiwiVG9wIjowLCJMZWZ0IjowLCJSaWdodCI6MCwiQm90dG9tIjowfSwiUGFkZGluZyI6eyIkaWQiOiIxMzMiLCJUb3AiOjAsIkxlZnQiOjAsIlJpZ2h0IjowLCJCb3R0b20iOjB9LCJCYWNrZ3JvdW5kIjpudWxsLCJJc1Zpc2libGUiOnRydWUsIldpZHRoIjowLjAsIkhlaWdodCI6MC4wLCJCb3JkZXJTdHlsZSI6eyIkaWQiOiIxMzQiLCJMaW5lQ29sb3IiOm51bGwsIkxpbmVXZWlnaHQiOjAuMCwiTGluZVR5cGUiOjAsIlBhcmVudFN0eWxlIjpudWxsfSwiUGFyZW50U3R5bGUiOm51bGx9LCJTaG93RWxhcHNlZFRpbWVHcmFkaWVudFN0eWxlIjpmYWxzZSwiRGVmYXVsdFN3aW1sYW5lU3R5bGUiOnsiJGlkIjoiMTM1IiwiSGVhZGVyU3R5bGUiOnsiJGlkIjoiMTM2IiwiVGV4dFN0eWxlIjp7IiRpZCI6IjEzNyIsIkZvbnRTZXR0aW5ncyI6eyIkaWQiOiIxMzgiLCJGb250U2l6ZSI6MTIsIkZvbnROYW1lIjoiQ2FsaWJyaSIsIklzQm9sZCI6ZmFsc2UsIklzSXRhbGljIjpmYWxzZSwiSXNVbmRlcmxpbmVkIjpmYWxzZSwiUGFyZW50U3R5bGUiOm51bGx9LCJBdXRvU2l6ZSI6MCwiRm9yZWdyb3VuZCI6eyIkaWQiOiIxMzkiLCJDb2xvciI6eyIkaWQiOiIxNDAiLCJBIjoyNTUsIlIiOjMyLCJHIjo1NiwiQiI6MTAwfX0sIk1heFdpZHRoIjowLjAsIk1heEhlaWdodCI6MC4wLCJTbWFydEZvcmVncm91bmRJc0FjdGl2ZSI6ZmFsc2UsIkhvcml6b250YWxBbGlnbm1lbnQiOjAsIlZlcnRpY2FsQWxpZ25tZW50IjowLCJTbWFydEZvcmVncm91bmQiOm51bGwsIkJhY2tncm91bmRGaWxsVHlwZSI6MCwiTWFyZ2luIjp7IiRpZCI6IjE0MSIsIlRvcCI6MCwiTGVmdCI6MCwiUmlnaHQiOjAsIkJvdHRvbSI6MH0sIlBhZGRpbmciOnsiJGlkIjoiMTQyIiwiVG9wIjowLCJMZWZ0IjowLCJSaWdodCI6MCwiQm90dG9tIjowfSwiQmFja2dyb3VuZCI6bnVsbCwiSXNWaXNpYmxlIjpmYWxzZSwiV2lkdGgiOjAuMCwiSGVpZ2h0IjowLjAsIkJvcmRlclN0eWxlIjpudWxsLCJQYXJlbnRTdHlsZSI6bnVsbH0sIlJlY3RhbmdsZVN0eWxlIjp7IiRpZCI6IjE0MyIsIk1hcmdpbiI6eyIkaWQiOiIxNDQiLCJUb3AiOjAsIkxlZnQiOjAsIlJpZ2h0IjowLCJCb3R0b20iOjB9LCJQYWRkaW5nIjp7IiRpZCI6IjE0NSIsIlRvcCI6MCwiTGVmdCI6MCwiUmlnaHQiOjAsIkJvdHRvbSI6MH0sIkJhY2tncm91bmQiOnsiJGlkIjoiMTQ2IiwiQ29sb3IiOnsiJGlkIjoiMTQ3IiwiQSI6MTI3LCJSIjo5MSwiRyI6MTU1LCJCIjoyMTN9fSwiSXNWaXNpYmxlIjpmYWxzZSwiV2lkdGgiOjAuMCwiSGVpZ2h0IjowLjAsIkJvcmRlclN0eWxlIjp7IiRpZCI6IjE0OCIsIkxpbmVDb2xvciI6eyIkaWQiOiIxNDkiLCIkdHlwZSI6Ik5MUkUuQ29tbW9uLkRvbS5Tb2xpZENvbG9yQnJ1c2gsIE5MUkUuQ29tbW9uIiwiQ29sb3IiOnsiJGlkIjoiMTUwIiwiQSI6MjU1LCJSIjoyNTUsIkciOjAsIkIiOjB9fSwiTGluZVdlaWdodCI6MC4wLCJMaW5lVHlwZSI6MCwiUGFyZW50U3R5bGUiOm51bGx9LCJQYXJlbnRTdHlsZSI6bnVsbH0sIk1hcmdpbiI6eyIkaWQiOiIxNTEiLCJUb3AiOjAsIkxlZnQiOjAsIlJpZ2h0IjowLCJCb3R0b20iOjB9LCJQYWRkaW5nIjp7IiRpZCI6IjE1MiIsIlRvcCI6MCwiTGVmdCI6MCwiUmlnaHQiOjAsIkJvdHRvbSI6MH0sIkJhY2tncm91bmQiOm51bGwsIklzVmlzaWJsZSI6dHJ1ZSwiV2lkdGgiOjAuMCwiSGVpZ2h0IjowLjAsIkJvcmRlclN0eWxlIjpudWxsLCJQYXJlbnRTdHlsZSI6bnVsbH0sIkJhY2tncm91bmRTdHlsZSI6eyIkaWQiOiIxNTMiLCJNYXJnaW4iOnsiJGlkIjoiMTU0IiwiVG9wIjowLCJMZWZ0IjowLCJSaWdodCI6MCwiQm90dG9tIjowfSwiUGFkZGluZyI6eyIkaWQiOiIxNTUiLCJUb3AiOjAsIkxlZnQiOjAsIlJpZ2h0IjowLCJCb3R0b20iOjB9LCJCYWNrZ3JvdW5kIjp7IiRpZCI6IjE1NiIsIkNvbG9yIjp7IiRpZCI6IjE1NyIsIkEiOjM4LCJSIjo5MSwiRyI6MTU1LCJCIjoyMTN9fSwiSXNWaXNpYmxlIjp0cnVlLCJXaWR0aCI6MC4wLCJIZWlnaHQiOjAuMCwiQm9yZGVyU3R5bGUiOnsiJGlkIjoiMTU4IiwiTGluZUNvbG9yIjp7IiRpZCI6IjE1OSIsIiR0eXBlIjoiTkxSRS5Db21tb24uRG9tLlNvbGlkQ29sb3JCcnVzaCwgTkxSRS5Db21tb24iLCJDb2xvciI6eyIkaWQiOiIxNjAiLCJBIjoyNTUsIlIiOjI1NSwiRyI6MCwiQiI6MH19LCJMaW5lV2VpZ2h0IjowLjAsIkxpbmVUeXBlIjowLCJQYXJlbnRTdHlsZSI6bnVsbH0sIlBhcmVudFN0eWxlIjpudWxsfSwiSXNBYm92ZVRpbWViYW5kIjpmYWxzZSwiTWFyZ2luIjp7IiRpZCI6IjE2MSIsIlRvcCI6MCwiTGVmdCI6MCwiUmlnaHQiOjAsIkJvdHRvbSI6MH0sIlBhZGRpbmciOnsiJGlkIjoiMTYyIiwiVG9wIjowLCJMZWZ0IjowLCJSaWdodCI6MCwiQm90dG9tIjowfSwiSXNWaXNpYmxlIjp0cnVlLCJXaWR0aCI6MC4wLCJIZWlnaHQiOjAuMCwiQm9yZGVyU3R5bGUiOm51bGwsIlBhcmVudFN0eWxlIjpudWxsfX0sIlNjYWxlIjp7IiRpZCI6IjE2MyIsIlN0YXJ0RGF0ZSI6IjAwMDEtMDEtMDFUMDA6MDA6MDAiLCJFbmREYXRlIjoiMjAyMS0xMi0xNlQyMzo1OTowMCIsIkZvcm1hdCI6Ik1NTSIsIlR5cGUiOjMsIkF1dG9EYXRlUmFuZ2UiOnRydWUsIldvcmtpbmdEYXlzIjozMSwiVG9kYXlNYXJrZXJUZXh0IjoiVG9kYXkiLCJBdXRvU2NhbGVUeXBlIjpmYWxzZX0sIk1pbGVzdG9uZXMiOltdLCJUYXNrcyI6W10sIlN3aW1sYW5lcyI6W3siJGlkIjoiMTY0IiwiSWQiOiI3YzIxYjlkMC04NDljLTRiY2EtOTRjMi1mNjQ1OGNhMjcyZWYiLCJJbmRleCI6MCwiSGVhZGVyVGV4dCI6IkRlbGl2ZXJ5IiwiU3R5bGUiOnsiJGlkIjoiMTY1IiwiSGVhZGVyU3R5bGUiOnsiJGlkIjoiMTY2IiwiVGV4dFN0eWxlIjp7IiRpZCI6IjE2NyIsIkZvbnRTZXR0aW5ncyI6eyIkaWQiOiIxNjgiLCJGb250U2l6ZSI6MTIsIkZvbnROYW1lIjoiQ2FsaWJyaSIsIklzQm9sZCI6ZmFsc2UsIklzSXRhbGljIjpmYWxzZSwiSXNVbmRlcmxpbmVkIjpmYWxzZSwiUGFyZW50U3R5bGUiOm51bGx9LCJBdXRvU2l6ZSI6MCwiRm9yZWdyb3VuZCI6eyIkaWQiOiIxNjkiLCJDb2xvciI6eyIkaWQiOiIxNzAiLCJBIjoyNTUsIlIiOjAsIkciOjAsIkIiOjB9fSwiTWF4V2lkdGgiOjAuMCwiTWF4SGVpZ2h0IjowLjAsIlNtYXJ0Rm9yZWdyb3VuZElzQWN0aXZlIjpmYWxzZSwiSG9yaXpvbnRhbEFsaWdubWVudCI6MCwiVmVydGljYWxBbGlnbm1lbnQiOjAsIlNtYXJ0Rm9yZWdyb3VuZCI6bnVsbCwiQmFja2dyb3VuZEZpbGxUeXBlIjowLCJNYXJnaW4iOnsiJHJlZiI6IjE0MSJ9LCJQYWRkaW5nIjp7IiRyZWYiOiIxNDIifSwiQmFja2dyb3VuZCI6bnVsbCwiSXNWaXNpYmxlIjpmYWxzZSwiV2lkdGgiOjAuMCwiSGVpZ2h0IjowLjAsIkJvcmRlclN0eWxlIjpudWxsLCJQYXJlbnRTdHlsZSI6bnVsbH0sIlJlY3RhbmdsZVN0eWxlIjp7IiRpZCI6IjE3MSIsIk1hcmdpbiI6eyIkcmVmIjoiMTQ0In0sIlBhZGRpbmciOnsiJHJlZiI6IjE0NSJ9LCJCYWNrZ3JvdW5kIjp7IiRpZCI6IjE3MiIsIkNvbG9yIjp7IiRpZCI6IjE3MyIsIkEiOjEyNywiUiI6MTU0LCJHIjoyMjIsIkIiOjIxNn19LCJJc1Zpc2libGUiOmZhbHNlLCJXaWR0aCI6MC4wLCJIZWlnaHQiOjAuMCwiQm9yZGVyU3R5bGUiOnsiJGlkIjoiMTc0IiwiTGluZUNvbG9yIjp7IiRyZWYiOiIxNDkifSwiTGluZVdlaWdodCI6MC4wLCJMaW5lVHlwZSI6MCwiUGFyZW50U3R5bGUiOm51bGx9LCJQYXJlbnRTdHlsZSI6bnVsbH0sIk1hcmdpbiI6eyIkcmVmIjoiMTUxIn0sIlBhZGRpbmciOnsiJHJlZiI6IjE1MiJ9LCJCYWNrZ3JvdW5kIjpudWxsLCJJc1Zpc2libGUiOnRydWUsIldpZHRoIjowLjAsIkhlaWdodCI6MC4wLCJCb3JkZXJTdHlsZSI6bnVsbCwiUGFyZW50U3R5bGUiOm51bGx9LCJCYWNrZ3JvdW5kU3R5bGUiOnsiJGlkIjoiMTc1IiwiTWFyZ2luIjp7IiRyZWYiOiIxNTQifSwiUGFkZGluZyI6eyIkcmVmIjoiMTU1In0sIkJhY2tncm91bmQiOnsiJGlkIjoiMTc2IiwiQ29sb3IiOnsiJGlkIjoiMTc3IiwiQSI6MzgsIlIiOjAsIkciOjAsIkIiOjB9fSwiSXNWaXNpYmxlIjp0cnVlLCJXaWR0aCI6MC4wLCJIZWlnaHQiOjAuMCwiQm9yZGVyU3R5bGUiOnsiJGlkIjoiMTc4IiwiTGluZUNvbG9yIjp7IiRpZCI6IjE3OSIsIiR0eXBlIjoiTkxSRS5Db21tb24uRG9tLlNvbGlkQ29sb3JCcnVzaCwgTkxSRS5Db21tb24iLCJDb2xvciI6eyIkaWQiOiIxODAiLCJBIjoyNTUsIlIiOjIsIkciOjE3OCwiQiI6MjM4fX0sIkxpbmVXZWlnaHQiOjAuMCwiTGluZVR5cGUiOjAsIlBhcmVudFN0eWxlIjpudWxsfSwiUGFyZW50U3R5bGUiOm51bGx9LCJJc0Fib3ZlVGltZWJhbmQiOmZhbHNlLCJNYXJnaW4iOnsiJHJlZiI6IjE2MSJ9LCJQYWRkaW5nIjp7IiRyZWYiOiIxNjIifSwiSXNWaXNpYmxlIjp0cnVlLCJXaWR0aCI6MC4wLCJIZWlnaHQiOjAuMCwiQm9yZGVyU3R5bGUiOm51bGwsIlBhcmVudFN0eWxlIjpudWxsfSwiVGFza3MiOlt7IiRpZCI6IjE4MSIsIl9hdHRhY2hlZE1pbGVzdG9uZXMiOlt7IiRpZCI6IjE4MiIsIkRhdGUiOiIyMDE5LTEyLTI3VDExOjU5OjAwIiwiU3R5bGUiOnsiJGlkIjoiMTgzIiwiU2hhcGUiOjEsIkNvbm5lY3Rvck1hcmdpbiI6eyIkaWQiOiIxODQiLCJUb3AiOjAsIkxlZnQiOjIsIlJpZ2h0IjoyLCJCb3R0b20iOjB9LCJDb25uZWN0b3JTdHlsZSI6eyIkaWQiOiIxODUiLCJMaW5lQ29sb3IiOnsiJGlkIjoiMTg2IiwiJHR5cGUiOiJOTFJFLkNvbW1vbi5Eb20uU29saWRDb2xvckJydXNoLCBOTFJFLkNvbW1vbiIsIkNvbG9yIjp7IiRpZCI6IjE4NyIsIkEiOjEyNywiUiI6MTE1LCJHIjoxMTUsIkIiOjExNX19LCJMaW5lV2VpZ2h0IjoxLjAsIkxpbmVUeXBlIjowLCJQYXJlbnRTdHlsZSI6bnVsbH0sIklzQmVsb3dUaW1lYmFuZCI6dHJ1ZSwiUG9zaXRpb25PblRhc2siOjMsIkhpZGVEYXRlIjpmYWxzZSwiU2hhcGVTaXplIjoxLCJTcGFjaW5nIjoxLjAsIlBhZGRpbmciOnsiJGlkIjoiMTg4IiwiVG9wIjo3LCJMZWZ0IjozLCJSaWdodCI6MCwiQm90dG9tIjoyfSwiU2hhcGVTdHlsZSI6eyIkaWQiOiIxODkiLCJNYXJnaW4iOnsiJGlkIjoiMTkwIiwiVG9wIjowLCJMZWZ0IjowLCJSaWdodCI6MCwiQm90dG9tIjowfSwiUGFkZGluZyI6eyIkaWQiOiIxOTEiLCJUb3AiOjAsIkxlZnQiOjAsIlJpZ2h0IjowLCJCb3R0b20iOjB9LCJCYWNrZ3JvdW5kIjp7IiRpZCI6IjE5MiIsIkNvbG9yIjp7IiRpZCI6IjE5MyIsIkEiOjI1NSwiUiI6MTE1LCJHIjoxMTUsIkIiOjExNX19LCJJc1Zpc2libGUiOnRydWUsIldpZHRoIjoxOC4wLCJIZWlnaHQiOjIwLjAsIkJvcmRlclN0eWxlIjp7IiRpZCI6IjE5NCIsIkxpbmVDb2xvciI6eyIkcmVmIjoiNjUifSwiTGluZVdlaWdodCI6MC4wLCJMaW5lVHlwZSI6MCwiUGFyZW50U3R5bGUiOm51bGx9LCJQYXJlbnRTdHlsZSI6bnVsbH0sIlRpdGxlU3R5bGUiOnsiJGlkIjoiMTk1IiwiRm9udFNldHRpbmdzIjp7IiRpZCI6IjE5NiIsIkZvbnRTaXplIjoxMSwiRm9udE5hbWUiOiJDYWxpYnJpIiwiSXNCb2xkIjp0cnVlLCJJc0l0YWxpYyI6ZmFsc2UsIklzVW5kZXJsaW5lZCI6ZmFsc2UsIlBhcmVudFN0eWxlIjpudWxsfSwiQXV0b1NpemUiOjAsIkZvcmVncm91bmQiOnsiJGlkIjoiMTk3IiwiQ29sb3IiOnsiJGlkIjoiMTk4IiwiQSI6MjU1LCJSIjowLCJHIjowLCJCIjowfX0sIk1heFdpZHRoIjoyMDAuMCwiTWF4SGVpZ2h0IjoiSW5maW5pdHkiLCJTbWFydEZvcmVncm91bmRJc0FjdGl2ZSI6ZmFsc2UsIkhvcml6b250YWxBbGlnbm1lbnQiOjEsIlZlcnRpY2FsQWxpZ25tZW50IjowLCJTbWFydEZvcmVncm91bmQiOm51bGwsIkJhY2tncm91bmRGaWxsVHlwZSI6MCwiTWFyZ2luIjp7IiRpZCI6IjE5OSIsIlRvcCI6MCwiTGVmdCI6MCwiUmlnaHQiOjAsIkJvdHRvbSI6MH0sIlBhZGRpbmciOnsiJGlkIjoiMjAwIiwiVG9wIjowLCJMZWZ0IjowLCJSaWdodCI6MCwiQm90dG9tIjowfSwiQmFja2dyb3VuZCI6eyIkcmVmIjoiNzMifSwiSXNWaXNpYmxlIjp0cnVlLCJXaWR0aCI6MC4wLCJIZWlnaHQiOjAuMCwiQm9yZGVyU3R5bGUiOnsiJGlkIjoiMjAxIiwiTGluZUNvbG9yIjpudWxsLCJMaW5lV2VpZ2h0IjowLjAsIkxpbmVUeXBlIjowLCJQYXJlbnRTdHlsZSI6bnVsbH0sIlBhcmVudFN0eWxlIjpudWxsfSwiRGF0ZVN0eWxlIjp7IiRpZCI6IjIwMiIsIkZvbnRTZXR0aW5ncyI6eyIkaWQiOiIyMDMiLCJGb250U2l6ZSI6MTAsIkZvbnROYW1lIjoiQ2FsaWJyaSIsIklzQm9sZCI6ZmFsc2UsIklzSXRhbGljIjpmYWxzZSwiSXNVbmRlcmxpbmVkIjpmYWxzZSwiUGFyZW50U3R5bGUiOm51bGx9LCJBdXRvU2l6ZSI6MCwiRm9yZWdyb3VuZCI6eyIkaWQiOiIyMDQiLCJDb2xvciI6eyIkaWQiOiIyMDUiLCJBIjoyNTUsIlIiOjY4LCJHIjo4NCwiQiI6MTA2fX0sIk1heFdpZHRoIjoyMDAuMCwiTWF4SGVpZ2h0IjoiSW5maW5pdHkiLCJTbWFydEZvcmVncm91bmRJc0FjdGl2ZSI6ZmFsc2UsIkhvcml6b250YWxBbGlnbm1lbnQiOjEsIlZlcnRpY2FsQWxpZ25tZW50IjowLCJTbWFydEZvcmVncm91bmQiOm51bGwsIkJhY2tncm91bmRGaWxsVHlwZSI6MCwiTWFyZ2luIjp7IiRpZCI6IjIwNiIsIlRvcCI6MCwiTGVmdCI6MCwiUmlnaHQiOjAsIkJvdHRvbSI6MH0sIlBhZGRpbmciOnsiJGlkIjoiMjA3IiwiVG9wIjowLCJMZWZ0IjowLCJSaWdodCI6MCwiQm90dG9tIjowfSwiQmFja2dyb3VuZCI6eyIkcmVmIjoiODAifSwiSXNWaXNpYmxlIjp0cnVlLCJXaWR0aCI6MC4wLCJIZWlnaHQiOjAuMCwiQm9yZGVyU3R5bGUiOnsiJGlkIjoiMjA4IiwiTGluZUNvbG9yIjpudWxsLCJMaW5lV2VpZ2h0IjowLjAsIkxpbmVUeXBlIjowLCJQYXJlbnRTdHlsZSI6bnVsbH0sIlBhcmVudFN0eWxlIjpudWxsfSwiRGF0ZUZvcm1hdCI6eyIkaWQiOiIyMDkiLCJGb3JtYXRTdHJpbmciOiJNTU0gZCIsIlNlcGFyYXRvciI6Ii8iLCJVc2VJbnRlcm5hdGlvbmFsRGF0ZUZvcm1hdCI6ZmFsc2UsIkRhdGVJc1Zpc2libGUiOnRydWUsIlRpbWVJc1Zpc2libGUiOmZhbHNlLCJIb3VyRGlnaXRzIjoxLCJBbVBtRGVzaWduYXRvciI6MiwiVHJpbTAwTWludXRlcyI6ZmFsc2UsIkxhc3RLbm93blZpc2liaWxpdHlTdGF0ZSI6bnVsbH0sIklzVmlzaWJsZSI6dHJ1ZSwiUGFyZW50U3R5bGUiOm51bGx9LCJJbmRleCI6MiwiUGVyY2VudGFnZUNvbXBsZXRlIjpudWxsLCJQb3NpdGlvbiI6eyJSYXRpbyI6MC4wLCJJc0N1c3RvbSI6ZmFsc2V9LCJEYXRlRm9ybWF0Ijp7IiRyZWYiOiIyMDkifSwiUmVsYXRlZFRhc2tJZCI6ImI3M2FkMzg3LTIzZDgtNGViOS05NTc0LWVkYzRjNDU1YzNiMCIsIklkIjoiZGNmZjFjNjMtOWQ1NS00NDQ4LWJjNjEtNDg0MmU4NjRjZjk2IiwiSW1wb3J0SWQiOm51bGwsIlRpdGxlIjoiUGhhc2UgMSIsIk5vdGUiOm51bGwsIkh5cGVybGluayI6eyIkaWQiOiIyMTAiLCJBZGRyZXNzIjoiIiwiU3ViQWRkcmVzcyI6IiJ9LCJJc0NoYW5nZWQiOmZhbHNlLCJJc05ldyI6ZmFsc2V9LHsiJGlkIjoiMjExIiwiRGF0ZSI6IjIwMjAtMDMtMjdUMTE6NTk6MDAiLCJTdHlsZSI6eyIkaWQiOiIyMTIiLCJTaGFwZSI6MSwiQ29ubmVjdG9yTWFyZ2luIjp7IiRpZCI6IjIxMyIsIlRvcCI6MCwiTGVmdCI6MiwiUmlnaHQiOjIsIkJvdHRvbSI6MH0sIkNvbm5lY3RvclN0eWxlIjp7IiRpZCI6IjIxNCIsIkxpbmVDb2xvciI6eyIkaWQiOiIyMTUiLCIkdHlwZSI6Ik5MUkUuQ29tbW9uLkRvbS5Tb2xpZENvbG9yQnJ1c2gsIE5MUkUuQ29tbW9uIiwiQ29sb3IiOnsiJGlkIjoiMjE2IiwiQSI6MTI3LCJSIjoxMTUsIkciOjExNSwiQiI6MTE1fX0sIkxpbmVXZWlnaHQiOjEuMCwiTGluZVR5cGUiOjAsIlBhcmVudFN0eWxlIjpudWxsfSwiSXNCZWxvd1RpbWViYW5kIjp0cnVlLCJQb3NpdGlvbk9uVGFzayI6MywiSGlkZURhdGUiOmZhbHNlLCJTaGFwZVNpemUiOjEsIlNwYWNpbmciOjEuMCwiUGFkZGluZyI6eyIkaWQiOiIyMTciLCJUb3AiOjcsIkxlZnQiOjMsIlJpZ2h0IjowLCJCb3R0b20iOjJ9LCJTaGFwZVN0eWxlIjp7IiRpZCI6IjIxOCIsIk1hcmdpbiI6eyIkaWQiOiIyMTkiLCJUb3AiOjAsIkxlZnQiOjAsIlJpZ2h0IjowLCJCb3R0b20iOjB9LCJQYWRkaW5nIjp7IiRpZCI6IjIyMCIsIlRvcCI6MCwiTGVmdCI6MCwiUmlnaHQiOjAsIkJvdHRvbSI6MH0sIkJhY2tncm91bmQiOnsiJGlkIjoiMjIxIiwiQ29sb3IiOnsiJGlkIjoiMjIyIiwiQSI6MjU1LCJSIjoxMTUsIkciOjExNSwiQiI6MTE1fX0sIklzVmlzaWJsZSI6dHJ1ZSwiV2lkdGgiOjE4LjAsIkhlaWdodCI6MjAuMCwiQm9yZGVyU3R5bGUiOnsiJGlkIjoiMjIzIiwiTGluZUNvbG9yIjp7IiRyZWYiOiI2NSJ9LCJMaW5lV2VpZ2h0IjowLjAsIkxpbmVUeXBlIjowLCJQYXJlbnRTdHlsZSI6bnVsbH0sIlBhcmVudFN0eWxlIjpudWxsfSwiVGl0bGVTdHlsZSI6eyIkaWQiOiIyMjQiLCJGb250U2V0dGluZ3MiOnsiJGlkIjoiMjI1IiwiRm9udFNpemUiOjExLCJGb250TmFtZSI6IkNhbGlicmkiLCJJc0JvbGQiOnRydWUsIklzSXRhbGljIjpmYWxzZSwiSXNVbmRlcmxpbmVkIjpmYWxzZSwiUGFyZW50U3R5bGUiOm51bGx9LCJBdXRvU2l6ZSI6MCwiRm9yZWdyb3VuZCI6eyIkaWQiOiIyMjYiLCJDb2xvciI6eyIkaWQiOiIyMjciLCJBIjoyNTUsIlIiOjAsIkciOjAsIkIiOjB9fSwiTWF4V2lkdGgiOjIwMC4wLCJNYXhIZWlnaHQiOiJJbmZpbml0eSIsIlNtYXJ0Rm9yZWdyb3VuZElzQWN0aXZlIjpmYWxzZSwiSG9yaXpvbnRhbEFsaWdubWVudCI6MSwiVmVydGljYWxBbGlnbm1lbnQiOjAsIlNtYXJ0Rm9yZWdyb3VuZCI6bnVsbCwiQmFja2dyb3VuZEZpbGxUeXBlIjowLCJNYXJnaW4iOnsiJGlkIjoiMjI4IiwiVG9wIjowLCJMZWZ0IjowLCJSaWdodCI6MCwiQm90dG9tIjowfSwiUGFkZGluZyI6eyIkaWQiOiIyMjkiLCJUb3AiOjAsIkxlZnQiOjAsIlJpZ2h0IjowLCJCb3R0b20iOjB9LCJCYWNrZ3JvdW5kIjp7IiRyZWYiOiI3MyJ9LCJJc1Zpc2libGUiOnRydWUsIldpZHRoIjowLjAsIkhlaWdodCI6MC4wLCJCb3JkZXJTdHlsZSI6eyIkaWQiOiIyMzAiLCJMaW5lQ29sb3IiOm51bGwsIkxpbmVXZWlnaHQiOjAuMCwiTGluZVR5cGUiOjAsIlBhcmVudFN0eWxlIjpudWxsfSwiUGFyZW50U3R5bGUiOm51bGx9LCJEYXRlU3R5bGUiOnsiJGlkIjoiMjMxIiwiRm9udFNldHRpbmdzIjp7IiRpZCI6IjIzMiIsIkZvbnRTaXplIjoxMCwiRm9udE5hbWUiOiJDYWxpYnJpIiwiSXNCb2xkIjpmYWxzZSwiSXNJdGFsaWMiOmZhbHNlLCJJc1VuZGVybGluZWQiOmZhbHNlLCJQYXJlbnRTdHlsZSI6bnVsbH0sIkF1dG9TaXplIjowLCJGb3JlZ3JvdW5kIjp7IiRpZCI6IjIzMyIsIkNvbG9yIjp7IiRpZCI6IjIzNCIsIkEiOjI1NSwiUiI6NjgsIkciOjg0LCJCIjoxMDZ9fSwiTWF4V2lkdGgiOjIwMC4wLCJNYXhIZWlnaHQiOiJJbmZpbml0eSIsIlNtYXJ0Rm9yZWdyb3VuZElzQWN0aXZlIjpmYWxzZSwiSG9yaXpvbnRhbEFsaWdubWVudCI6MSwiVmVydGljYWxBbGlnbm1lbnQiOjAsIlNtYXJ0Rm9yZWdyb3VuZCI6bnVsbCwiQmFja2dyb3VuZEZpbGxUeXBlIjowLCJNYXJnaW4iOnsiJGlkIjoiMjM1IiwiVG9wIjowLCJMZWZ0IjowLCJSaWdodCI6MCwiQm90dG9tIjowfSwiUGFkZGluZyI6eyIkaWQiOiIyMzYiLCJUb3AiOjAsIkxlZnQiOjAsIlJpZ2h0IjowLCJCb3R0b20iOjB9LCJCYWNrZ3JvdW5kIjp7IiRyZWYiOiI4MCJ9LCJJc1Zpc2libGUiOnRydWUsIldpZHRoIjowLjAsIkhlaWdodCI6MC4wLCJCb3JkZXJTdHlsZSI6eyIkaWQiOiIyMzciLCJMaW5lQ29sb3IiOm51bGwsIkxpbmVXZWlnaHQiOjAuMCwiTGluZVR5cGUiOjAsIlBhcmVudFN0eWxlIjpudWxsfSwiUGFyZW50U3R5bGUiOm51bGx9LCJEYXRlRm9ybWF0Ijp7IiRpZCI6IjIzOCIsIkZvcm1hdFN0cmluZyI6Ik1NTSBkIiwiU2VwYXJhdG9yIjoiLyIsIlVzZUludGVybmF0aW9uYWxEYXRlRm9ybWF0IjpmYWxzZSwiRGF0ZUlzVmlzaWJsZSI6dHJ1ZSwiVGltZUlzVmlzaWJsZSI6ZmFsc2UsIkhvdXJEaWdpdHMiOjEsIkFtUG1EZXNpZ25hdG9yIjoyLCJUcmltMDBNaW51dGVzIjpmYWxzZSwiTGFzdEtub3duVmlzaWJpbGl0eVN0YXRlIjpudWxsfSwiSXNWaXNpYmxlIjp0cnVlLCJQYXJlbnRTdHlsZSI6bnVsbH0sIkluZGV4IjozLCJQZXJjZW50YWdlQ29tcGxldGUiOm51bGwsIlBvc2l0aW9uIjp7IlJhdGlvIjowLjAsIklzQ3VzdG9tIjpmYWxzZX0sIkRhdGVGb3JtYXQiOnsiJHJlZiI6IjIzOCJ9LCJSZWxhdGVkVGFza0lkIjoiYjczYWQzODctMjNkOC00ZWI5LTk1NzQtZWRjNGM0NTVjM2IwIiwiSWQiOiJmMTY0NGY0Ni0xYzE1LTRlOWEtODA4ZC0wZjE1NjdhMTlkNjUiLCJJbXBvcnRJZCI6bnVsbCwiVGl0bGUiOiJQaGFzZSAyIiwiTm90ZSI6bnVsbCwiSHlwZXJsaW5rIjp7IiRpZCI6IjIzOSIsIkFkZHJlc3MiOiIiLCJTdWJBZGRyZXNzIjoiIn0sIklzQ2hhbmdlZCI6ZmFsc2UsIklzTmV3IjpmYWxzZX0seyIkaWQiOiIyNDAiLCJEYXRlIjoiMjAyMC0wNy0wNVQxMTo1OTowMCIsIlN0eWxlIjp7IiRpZCI6IjI0MSIsIlNoYXBlIjoxLCJDb25uZWN0b3JNYXJnaW4iOnsiJGlkIjoiMjQyIiwiVG9wIjowLCJMZWZ0IjoyLCJSaWdodCI6MiwiQm90dG9tIjowfSwiQ29ubmVjdG9yU3R5bGUiOnsiJGlkIjoiMjQzIiwiTGluZUNvbG9yIjp7IiRpZCI6IjI0NCIsIiR0eXBlIjoiTkxSRS5Db21tb24uRG9tLlNvbGlkQ29sb3JCcnVzaCwgTkxSRS5Db21tb24iLCJDb2xvciI6eyIkaWQiOiIyNDUiLCJBIjoxMjcsIlIiOjExNSwiRyI6MTE1LCJCIjoxMTV9fSwiTGluZVdlaWdodCI6MS4wLCJMaW5lVHlwZSI6MCwiUGFyZW50U3R5bGUiOm51bGx9LCJJc0JlbG93VGltZWJhbmQiOnRydWUsIlBvc2l0aW9uT25UYXNrIjozLCJIaWRlRGF0ZSI6ZmFsc2UsIlNoYXBlU2l6ZSI6MSwiU3BhY2luZyI6MS4wLCJQYWRkaW5nIjp7IiRpZCI6IjI0NiIsIlRvcCI6NywiTGVmdCI6MywiUmlnaHQiOjAsIkJvdHRvbSI6Mn0sIlNoYXBlU3R5bGUiOnsiJGlkIjoiMjQ3IiwiTWFyZ2luIjp7IiRpZCI6IjI0OCIsIlRvcCI6MCwiTGVmdCI6MCwiUmlnaHQiOjAsIkJvdHRvbSI6MH0sIlBhZGRpbmciOnsiJGlkIjoiMjQ5IiwiVG9wIjowLCJMZWZ0IjowLCJSaWdodCI6MCwiQm90dG9tIjowfSwiQmFja2dyb3VuZCI6eyIkaWQiOiIyNTAiLCJDb2xvciI6eyIkaWQiOiIyNTEiLCJBIjoyNTUsIlIiOjExNSwiRyI6MTE1LCJCIjoxMTV9fSwiSXNWaXNpYmxlIjp0cnVlLCJXaWR0aCI6MTguMCwiSGVpZ2h0IjoyMC4wLCJCb3JkZXJTdHlsZSI6eyIkaWQiOiIyNTIiLCJMaW5lQ29sb3IiOnsiJHJlZiI6IjY1In0sIkxpbmVXZWlnaHQiOjAuMCwiTGluZVR5cGUiOjAsIlBhcmVudFN0eWxlIjpudWxsfSwiUGFyZW50U3R5bGUiOm51bGx9LCJUaXRsZVN0eWxlIjp7IiRpZCI6IjI1MyIsIkZvbnRTZXR0aW5ncyI6eyIkaWQiOiIyNTQiLCJGb250U2l6ZSI6MTEsIkZvbnROYW1lIjoiQ2FsaWJyaSIsIklzQm9sZCI6dHJ1ZSwiSXNJdGFsaWMiOmZhbHNlLCJJc1VuZGVybGluZWQiOmZhbHNlLCJQYXJlbnRTdHlsZSI6bnVsbH0sIkF1dG9TaXplIjowLCJGb3JlZ3JvdW5kIjp7IiRpZCI6IjI1NSIsIkNvbG9yIjp7IiRpZCI6IjI1NiIsIkEiOjI1NSwiUiI6MCwiRyI6MCwiQiI6MH19LCJNYXhXaWR0aCI6MjAwLjAsIk1heEhlaWdodCI6IkluZmluaXR5IiwiU21hcnRGb3JlZ3JvdW5kSXNBY3RpdmUiOmZhbHNlLCJIb3Jpem9udGFsQWxpZ25tZW50IjoxLCJWZXJ0aWNhbEFsaWdubWVudCI6MCwiU21hcnRGb3JlZ3JvdW5kIjpudWxsLCJCYWNrZ3JvdW5kRmlsbFR5cGUiOjAsIk1hcmdpbiI6eyIkaWQiOiIyNTciLCJUb3AiOjAsIkxlZnQiOjAsIlJpZ2h0IjowLCJCb3R0b20iOjB9LCJQYWRkaW5nIjp7IiRpZCI6IjI1OCIsIlRvcCI6MCwiTGVmdCI6MCwiUmlnaHQiOjAsIkJvdHRvbSI6MH0sIkJhY2tncm91bmQiOnsiJHJlZiI6IjczIn0sIklzVmlzaWJsZSI6dHJ1ZSwiV2lkdGgiOjAuMCwiSGVpZ2h0IjowLjAsIkJvcmRlclN0eWxlIjp7IiRpZCI6IjI1OSIsIkxpbmVDb2xvciI6bnVsbCwiTGluZVdlaWdodCI6MC4wLCJMaW5lVHlwZSI6MCwiUGFyZW50U3R5bGUiOm51bGx9LCJQYXJlbnRTdHlsZSI6bnVsbH0sIkRhdGVTdHlsZSI6eyIkaWQiOiIyNjAiLCJGb250U2V0dGluZ3MiOnsiJGlkIjoiMjYxIiwiRm9udFNpemUiOjEwLCJGb250TmFtZSI6IkNhbGlicmkiLCJJc0JvbGQiOmZhbHNlLCJJc0l0YWxpYyI6ZmFsc2UsIklzVW5kZXJsaW5lZCI6ZmFsc2UsIlBhcmVudFN0eWxlIjpudWxsfSwiQXV0b1NpemUiOjAsIkZvcmVncm91bmQiOnsiJGlkIjoiMjYyIiwiQ29sb3IiOnsiJGlkIjoiMjYzIiwiQSI6MjU1LCJSIjo2OCwiRyI6ODQsIkIiOjEwNn19LCJNYXhXaWR0aCI6MjAwLjAsIk1heEhlaWdodCI6IkluZmluaXR5IiwiU21hcnRGb3JlZ3JvdW5kSXNBY3RpdmUiOmZhbHNlLCJIb3Jpem9udGFsQWxpZ25tZW50IjoxLCJWZXJ0aWNhbEFsaWdubWVudCI6MCwiU21hcnRGb3JlZ3JvdW5kIjpudWxsLCJCYWNrZ3JvdW5kRmlsbFR5cGUiOjAsIk1hcmdpbiI6eyIkaWQiOiIyNjQiLCJUb3AiOjAsIkxlZnQiOjAsIlJpZ2h0IjowLCJCb3R0b20iOjB9LCJQYWRkaW5nIjp7IiRpZCI6IjI2NSIsIlRvcCI6MCwiTGVmdCI6MCwiUmlnaHQiOjAsIkJvdHRvbSI6MH0sIkJhY2tncm91bmQiOnsiJHJlZiI6IjgwIn0sIklzVmlzaWJsZSI6dHJ1ZSwiV2lkdGgiOjAuMCwiSGVpZ2h0IjowLjAsIkJvcmRlclN0eWxlIjp7IiRpZCI6IjI2NiIsIkxpbmVDb2xvciI6bnVsbCwiTGluZVdlaWdodCI6MC4wLCJMaW5lVHlwZSI6MCwiUGFyZW50U3R5bGUiOm51bGx9LCJQYXJlbnRTdHlsZSI6bnVsbH0sIkRhdGVGb3JtYXQiOnsiJGlkIjoiMjY3IiwiRm9ybWF0U3RyaW5nIjoiTU1NIGQiLCJTZXBhcmF0b3IiOiIvIiwiVXNlSW50ZXJuYXRpb25hbERhdGVGb3JtYXQiOmZhbHNlLCJEYXRlSXNWaXNpYmxlIjp0cnVlLCJUaW1lSXNWaXNpYmxlIjpmYWxzZSwiSG91ckRpZ2l0cyI6MSwiQW1QbURlc2lnbmF0b3IiOjIsIlRyaW0wME1pbnV0ZXMiOmZhbHNlLCJMYXN0S25vd25WaXNpYmlsaXR5U3RhdGUiOm51bGx9LCJJc1Zpc2libGUiOnRydWUsIlBhcmVudFN0eWxlIjpudWxsfSwiSW5kZXgiOjQsIlBlcmNlbnRhZ2VDb21wbGV0ZSI6bnVsbCwiUG9zaXRpb24iOnsiUmF0aW8iOjAuMCwiSXNDdXN0b20iOmZhbHNlfSwiRGF0ZUZvcm1hdCI6eyIkcmVmIjoiMjY3In0sIlJlbGF0ZWRUYXNrSWQiOiJiNzNhZDM4Ny0yM2Q4LTRlYjktOTU3NC1lZGM0YzQ1NWMzYjAiLCJJZCI6ImMyOWRmMGNjLWMyZWMtNGIzMi1hYmVhLWZmYTlkYzI1OWQzOSIsIkltcG9ydElkIjpudWxsLCJUaXRsZSI6IlBoYXNlIDMiLCJOb3RlIjpudWxsLCJIeXBlcmxpbmsiOnsiJGlkIjoiMjY4IiwiQWRkcmVzcyI6IiIsIlN1YkFkZHJlc3MiOiIifSwiSXNDaGFuZ2VkIjpmYWxzZSwiSXNOZXciOmZhbHNlfV0sIlRhc2tEZWZpbml0aW9uIjp7IiRpZCI6IjI2OSIsIkdyb3VwTmFtZSI6bnVsbCwiU3RhcnREYXRlIjoiMjAxOS0xMi0xNVQwMDowMDowMCIsIkVuZERhdGUiOiIyMDIwLTA5LTE1VDExOjU5OjAwIiwiUGVyY2VudGFnZUNvbXBsZXRlIjpudWxsLCJTdHlsZSI6eyIkaWQiOiIyNzAiLCJTaGFwZSI6MSwiU2hhcGVUaGlja25lc3MiOjEsIkR1cmF0aW9uRm9ybWF0IjowLCJJbmNsdWRlTm9uV29ya2luZ0RheXNJbkR1cmF0aW9uIjpmYWxzZSwiUGVyY2VudGFnZUNvbXBsZXRlU3R5bGUiOnsiJGlkIjoiMjcxIiwiRm9udFNldHRpbmdzIjp7IiRpZCI6IjI3MiIsIkZvbnRTaXplIjoxMCwiRm9udE5hbWUiOiJDYWxpYnJpIiwiSXNCb2xkIjpmYWxzZSwiSXNJdGFsaWMiOmZhbHNlLCJJc1VuZGVybGluZWQiOmZhbHNlLCJQYXJlbnRTdHlsZSI6bnVsbH0sIkF1dG9TaXplIjowLCJGb3JlZ3JvdW5kIjp7IiRyZWYiOiI4NSJ9LCJNYXhXaWR0aCI6MjAwLjAsIk1heEhlaWdodCI6IkluZmluaXR5IiwiU21hcnRGb3JlZ3JvdW5kSXNBY3RpdmUiOmZhbHNlLCJIb3Jpem9udGFsQWxpZ25tZW50IjoxLCJWZXJ0aWNhbEFsaWdubWVudCI6MCwiU21hcnRGb3JlZ3JvdW5kIjpudWxsLCJCYWNrZ3JvdW5kRmlsbFR5cGUiOjAsIk1hcmdpbiI6eyIkaWQiOiIyNzMiLCJUb3AiOjAsIkxlZnQiOjAsIlJpZ2h0IjowLCJCb3R0b20iOjB9LCJQYWRkaW5nIjp7IiRpZCI6IjI3NCIsIlRvcCI6MCwiTGVmdCI6MCwiUmlnaHQiOjAsIkJvdHRvbSI6MH0sIkJhY2tncm91bmQiOnsiJHJlZiI6Ijg5In0sIklzVmlzaWJsZSI6dHJ1ZSwiV2lkdGgiOjAuMCwiSGVpZ2h0IjowLjAsIkJvcmRlclN0eWxlIjp7IiRpZCI6IjI3NSIsIkxpbmVDb2xvciI6bnVsbCwiTGluZVdlaWdodCI6MC4wLCJMaW5lVHlwZSI6MCwiUGFyZW50U3R5bGUiOm51bGx9LCJQYXJlbnRTdHlsZSI6bnVsbH0sIkR1cmF0aW9uU3R5bGUiOnsiJGlkIjoiMjc2IiwiRm9udFNldHRpbmdzIjp7IiRpZCI6IjI3NyIsIkZvbnRTaXplIjoxMCwiRm9udE5hbWUiOiJDYWxpYnJpIiwiSXNCb2xkIjpmYWxzZSwiSXNJdGFsaWMiOmZhbHNlLCJJc1VuZGVybGluZWQiOmZhbHNlLCJQYXJlbnRTdHlsZSI6bnVsbH0sIkF1dG9TaXplIjowLCJGb3JlZ3JvdW5kIjp7IiRpZCI6IjI3OCIsIkNvbG9yIjp7IiRyZWYiOiI5MyJ9fSwiTWF4V2lkdGgiOjIwMC4wLCJNYXhIZWlnaHQiOiJJbmZpbml0eSIsIlNtYXJ0Rm9yZWdyb3VuZElzQWN0aXZlIjpmYWxzZSwiSG9yaXpvbnRhbEFsaWdubWVudCI6MCwiVmVydGljYWxBbGlnbm1lbnQiOjAsIlNtYXJ0Rm9yZWdyb3VuZCI6bnVsbCwiQmFja2dyb3VuZEZpbGxUeXBlIjowLCJNYXJnaW4iOnsiJGlkIjoiMjc5IiwiVG9wIjowLCJMZWZ0IjowLCJSaWdodCI6MCwiQm90dG9tIjowfSwiUGFkZGluZyI6eyIkaWQiOiIyODAiLCJUb3AiOjAsIkxlZnQiOjAsIlJpZ2h0IjowLCJCb3R0b20iOjB9LCJCYWNrZ3JvdW5kIjp7IiRyZWYiOiI5NiJ9LCJJc1Zpc2libGUiOnRydWUsIldpZHRoIjowLjAsIkhlaWdodCI6MC4wLCJCb3JkZXJTdHlsZSI6eyIkaWQiOiIyODEiLCJMaW5lQ29sb3IiOm51bGwsIkxpbmVXZWlnaHQiOjAuMCwiTGluZVR5cGUiOjAsIlBhcmVudFN0eWxlIjpudWxsfSwiUGFyZW50U3R5bGUiOm51bGx9LCJIb3Jpem9udGFsQ29ubmVjdG9yU3R5bGUiOnsiJGlkIjoiMjgyIiwiTGluZUNvbG9yIjp7IiRyZWYiOiI5OCJ9LCJMaW5lV2VpZ2h0IjoxLjAsIkxpbmVUeXBlIjowLCJQYXJlbnRTdHlsZSI6bnVsbH0sIlZlcnRpY2FsQ29ubmVjdG9yU3R5bGUiOnsiJGlkIjoiMjgzIiwiTGluZUNvbG9yIjp7IiRyZWYiOiIxMDEifSwiTGluZVdlaWdodCI6MC4wLCJMaW5lVHlwZSI6MCwiUGFyZW50U3R5bGUiOm51bGx9LCJNYXJnaW4iOm51bGwsIlN0YXJ0RGF0ZVBvc2l0aW9uIjo2LCJFbmREYXRlUG9zaXRpb24iOjYsIkRhdGVJc1Zpc2libGUiOmZhbHNlLCJUaXRsZVBvc2l0aW9uIjoyLCJEdXJhdGlvblBvc2l0aW9uIjo2LCJQZXJjZW50YWdlQ29tcGxldGVkUG9zaXRpb24iOjIsIlNwYWNpbmciOjMsIklzQmVsb3dUaW1lYmFuZCI6dHJ1ZSwiUGVyY2VudGFnZUNvbXBsZXRlU2hhcGVPcGFjaXR5IjozNSwiU2hhcGVTdHlsZSI6eyIkaWQiOiIyODQiLCJNYXJnaW4iOnsiJGlkIjoiMjg1IiwiVG9wIjowLCJMZWZ0Ijo0LCJSaWdodCI6NCwiQm90dG9tIjowfSwiUGFkZGluZyI6eyIkaWQiOiIyODYiLCJUb3AiOjAsIkxlZnQiOjAsIlJpZ2h0IjowLCJCb3R0b20iOjB9LCJCYWNrZ3JvdW5kIjp7IiRpZCI6IjI4NyIsIkNvbG9yIjp7IiRpZCI6IjI4OCIsIkEiOjI1NSwiUiI6ODYsIkciOjIwNywiQiI6MjE5fX0sIklzVmlzaWJsZSI6dHJ1ZSwiV2lkdGgiOjAuMCwiSGVpZ2h0IjoxNi4wLCJCb3JkZXJTdHlsZSI6eyIkaWQiOiIyODkiLCJMaW5lQ29sb3IiOnsiJGlkIjoiMjkwIiwiJHR5cGUiOiJOTFJFLkNvbW1vbi5Eb20uU29saWRDb2xvckJydXNoLCBOTFJFLkNvbW1vbiIsIkNvbG9yIjp7IiRpZCI6IjI5MSIsIkEiOjI1NSwiUiI6MjU1LCJHIjowLCJCIjowfX0sIkxpbmVXZWlnaHQiOjAuMCwiTGluZVR5cGUiOjAsIlBhcmVudFN0eWxlIjpudWxsfSwiUGFyZW50U3R5bGUiOm51bGx9LCJUaXRsZVN0eWxlIjp7IiRpZCI6IjI5MiIsIkZvbnRTZXR0aW5ncyI6eyIkaWQiOiIyOTMiLCJGb250U2l6ZSI6MTEsIkZvbnROYW1lIjoiQ2FsaWJyaSIsIklzQm9sZCI6ZmFsc2UsIklzSXRhbGljIjpmYWxzZSwiSXNVbmRlcmxpbmVkIjpmYWxzZSwiUGFyZW50U3R5bGUiOm51bGx9LCJBdXRvU2l6ZSI6MiwiRm9yZWdyb3VuZCI6eyIkaWQiOiIyOTQiLCJDb2xvciI6eyIkaWQiOiIyOTUiLCJBIjoyNTUsIlIiOjI1NSwiRyI6MjU1LCJCIjoyNTV9fSwiTWF4V2lkdGgiOjc3LjI0NjY2NjY2NjY2NjY3LCJNYXhIZWlnaHQiOiJJbmZpbml0eSIsIlNtYXJ0Rm9yZWdyb3VuZElzQWN0aXZlIjpmYWxzZSwiSG9yaXpvbnRhbEFsaWdubWVudCI6MSwiVmVydGljYWxBbGlnbm1lbnQiOjAsIlNtYXJ0Rm9yZWdyb3VuZCI6bnVsbCwiQmFja2dyb3VuZEZpbGxUeXBlIjowLCJNYXJnaW4iOnsiJGlkIjoiMjk2IiwiVG9wIjowLCJMZWZ0IjowLCJSaWdodCI6MCwiQm90dG9tIjowfSwiUGFkZGluZyI6eyIkaWQiOiIyOTciLCJUb3AiOjAsIkxlZnQiOjAsIlJpZ2h0IjowLCJCb3R0b20iOjB9LCJCYWNrZ3JvdW5kIjp7IiRyZWYiOiIxMTcifSwiSXNWaXNpYmxlIjp0cnVlLCJXaWR0aCI6MC4wLCJIZWlnaHQiOjAuMCwiQm9yZGVyU3R5bGUiOnsiJGlkIjoiMjk4IiwiTGluZUNvbG9yIjpudWxsLCJMaW5lV2VpZ2h0IjowLjAsIkxpbmVUeXBlIjowLCJQYXJlbnRTdHlsZSI6bnVsbH0sIlBhcmVudFN0eWxlIjpudWxsfSwiRGF0ZVN0eWxlIjp7IiRpZCI6IjI5OSIsIkZvbnRTZXR0aW5ncyI6eyIkaWQiOiIzMDAiLCJGb250U2l6ZSI6MTAsIkZvbnROYW1lIjoiQ2FsaWJyaSIsIklzQm9sZCI6ZmFsc2UsIklzSXRhbGljIjpmYWxzZSwiSXNVbmRlcmxpbmVkIjpmYWxzZSwiUGFyZW50U3R5bGUiOm51bGx9LCJBdXRvU2l6ZSI6MCwiRm9yZWdyb3VuZCI6eyIkaWQiOiIzMDEiLCJDb2xvciI6eyIkcmVmIjoiMTIxIn19LCJNYXhXaWR0aCI6MjAwLjAsIk1heEhlaWdodCI6IkluZmluaXR5IiwiU21hcnRGb3JlZ3JvdW5kSXNBY3RpdmUiOmZhbHNlLCJIb3Jpem9udGFsQWxpZ25tZW50IjowLCJWZXJ0aWNhbEFsaWdubWVudCI6MCwiU21hcnRGb3JlZ3JvdW5kIjpudWxsLCJCYWNrZ3JvdW5kRmlsbFR5cGUiOjAsIk1hcmdpbiI6eyIkaWQiOiIzMDIiLCJUb3AiOjAsIkxlZnQiOjAsIlJpZ2h0IjowLCJCb3R0b20iOjB9LCJQYWRkaW5nIjp7IiRpZCI6IjMwMyIsIlRvcCI6MCwiTGVmdCI6MCwiUmlnaHQiOjAsIkJvdHRvbSI6MH0sIkJhY2tncm91bmQiOnsiJHJlZiI6IjEyNCJ9LCJJc1Zpc2libGUiOnRydWUsIldpZHRoIjowLjAsIkhlaWdodCI6MC4wLCJCb3JkZXJTdHlsZSI6eyIkaWQiOiIzMDQiLCJMaW5lQ29sb3IiOm51bGwsIkxpbmVXZWlnaHQiOjAuMCwiTGluZVR5cGUiOjAsIlBhcmVudFN0eWxlIjpudWxsfSwiUGFyZW50U3R5bGUiOm51bGx9LCJEYXRlRm9ybWF0Ijp7IiRpZCI6IjMwNSIsIkZvcm1hdFN0cmluZyI6Ik1NTSBkIiwiU2VwYXJhdG9yIjoiLyIsIlVzZUludGVybmF0aW9uYWxEYXRlRm9ybWF0IjpmYWxzZSwiRGF0ZUlzVmlzaWJsZSI6ZmFsc2UsIlRpbWVJc1Zpc2libGUiOmZhbHNlLCJIb3VyRGlnaXRzIjoxLCJBbVBtRGVzaWduYXRvciI6MiwiVHJpbTAwTWludXRlcyI6ZmFsc2UsIkxhc3RLbm93blZpc2liaWxpdHlTdGF0ZSI6eyIkaWQiOiIzMDYiLCJEYXRlUGFydElzVmlzaWJsZSI6dHJ1ZSwiVGltZVBhcnRJc1Zpc2libGUiOmZhbHNlfX0sIklzVmlzaWJsZSI6dHJ1ZSwiUGFyZW50U3R5bGUiOm51bGx9LCJJbmRleCI6MSwiU21hcnREdXJhdGlvbkFjdGl2YXRlZCI6ZmFsc2UsIkRhdGVGb3JtYXQiOnsiJHJlZiI6IjMwNSJ9LCJJZCI6ImI3M2FkMzg3LTIzZDgtNGViOS05NTc0LWVkYzRjNDU1YzNiMCIsIkltcG9ydElkIjpudWxsLCJUaXRsZSI6IlN5c3RlbSBCYWxhbmNpbmciLCJOb3RlIjpudWxsLCJIeXBlcmxpbmsiOnsiJGlkIjoiMzA3IiwiQWRkcmVzcyI6IiIsIlN1YkFkZHJlc3MiOiIifSwiSXNDaGFuZ2VkIjpmYWxzZSwiSXNOZXciOmZhbHNlfSwiSW5kZXgiOjB9LHsiJGlkIjoiMzA4IiwiX2F0dGFjaGVkTWlsZXN0b25lcyI6W10sIlRhc2tEZWZpbml0aW9uIjp7IiRpZCI6IjMwOSIsIkdyb3VwTmFtZSI6IjcwMDM5MjE5LWNkMTQtNGM0OC1hYzkwLTFmZmM0YTI1MTAwMSIsIlN0YXJ0RGF0ZSI6IjIwMTktMDgtMjBUMDA6MDA6MDAiLCJFbmREYXRlIjoiMjAxOS0xMS0yM1QxMTo1OTowMCIsIlBlcmNlbnRhZ2VDb21wbGV0ZSI6ODUuMCwiU3R5bGUiOnsiJGlkIjoiMzEwIiwiU2hhcGUiOjQsIlNoYXBlVGhpY2tuZXNzIjoxLCJEdXJhdGlvbkZvcm1hdCI6MCwiSW5jbHVkZU5vbldvcmtpbmdEYXlzSW5EdXJhdGlvbiI6ZmFsc2UsIlBlcmNlbnRhZ2VDb21wbGV0ZVN0eWxlIjp7IiRpZCI6IjMxMSIsIkZvbnRTZXR0aW5ncyI6eyIkaWQiOiIzMTIiLCJGb250U2l6ZSI6MTAsIkZvbnROYW1lIjoiQ2FsaWJyaSIsIklzQm9sZCI6ZmFsc2UsIklzSXRhbGljIjpmYWxzZSwiSXNVbmRlcmxpbmVkIjpmYWxzZSwiUGFyZW50U3R5bGUiOm51bGx9LCJBdXRvU2l6ZSI6MCwiRm9yZWdyb3VuZCI6eyIkaWQiOiIzMTMiLCJDb2xvciI6eyIkaWQiOiIzMTQiLCJBIjoyNTUsIlIiOjE5MiwiRyI6ODAsIkIiOjc3fX0sIk1heFdpZHRoIjoyMDAuMCwiTWF4SGVpZ2h0IjoiSW5maW5pdHkiLCJTbWFydEZvcmVncm91bmRJc0FjdGl2ZSI6ZmFsc2UsIkhvcml6b250YWxBbGlnbm1lbnQiOjEsIlZlcnRpY2FsQWxpZ25tZW50IjowLCJTbWFydEZvcmVncm91bmQiOm51bGwsIkJhY2tncm91bmRGaWxsVHlwZSI6MCwiTWFyZ2luIjp7IiRpZCI6IjMxNSIsIlRvcCI6MCwiTGVmdCI6MCwiUmlnaHQiOjAsIkJvdHRvbSI6MH0sIlBhZGRpbmciOnsiJGlkIjoiMzE2IiwiVG9wIjowLCJMZWZ0IjowLCJSaWdodCI6MCwiQm90dG9tIjowfSwiQmFja2dyb3VuZCI6eyIkcmVmIjoiODkifSwiSXNWaXNpYmxlIjp0cnVlLCJXaWR0aCI6MC4wLCJIZWlnaHQiOjAuMCwiQm9yZGVyU3R5bGUiOnsiJGlkIjoiMzE3IiwiTGluZUNvbG9yIjpudWxsLCJMaW5lV2VpZ2h0IjowLjAsIkxpbmVUeXBlIjowLCJQYXJlbnRTdHlsZSI6bnVsbH0sIlBhcmVudFN0eWxlIjpudWxsfSwiRHVyYXRpb25TdHlsZSI6eyIkaWQiOiIzMTgiLCJGb250U2V0dGluZ3MiOnsiJGlkIjoiMzE5IiwiRm9udFNpemUiOjEwLCJGb250TmFtZSI6IkNhbGlicmkiLCJJc0JvbGQiOmZhbHNlLCJJc0l0YWxpYyI6ZmFsc2UsIklzVW5kZXJsaW5lZCI6ZmFsc2UsIlBhcmVudFN0eWxlIjpudWxsfSwiQXV0b1NpemUiOjAsIkZvcmVncm91bmQiOnsiJGlkIjoiMzIwIiwiQ29sb3IiOnsiJHJlZiI6IjkzIn19LCJNYXhXaWR0aCI6MjAwLjAsIk1heEhlaWdodCI6IkluZmluaXR5IiwiU21hcnRGb3JlZ3JvdW5kSXNBY3RpdmUiOmZhbHNlLCJIb3Jpem9udGFsQWxpZ25tZW50IjowLCJWZXJ0aWNhbEFsaWdubWVudCI6MCwiU21hcnRGb3JlZ3JvdW5kIjpudWxsLCJCYWNrZ3JvdW5kRmlsbFR5cGUiOjAsIk1hcmdpbiI6eyIkaWQiOiIzMjEiLCJUb3AiOjAsIkxlZnQiOjAsIlJpZ2h0IjowLCJCb3R0b20iOjB9LCJQYWRkaW5nIjp7IiRpZCI6IjMyMiIsIlRvcCI6MCwiTGVmdCI6MCwiUmlnaHQiOjAsIkJvdHRvbSI6MH0sIkJhY2tncm91bmQiOnsiJHJlZiI6Ijk2In0sIklzVmlzaWJsZSI6dHJ1ZSwiV2lkdGgiOjAuMCwiSGVpZ2h0IjowLjAsIkJvcmRlclN0eWxlIjp7IiRpZCI6IjMyMyIsIkxpbmVDb2xvciI6bnVsbCwiTGluZVdlaWdodCI6MC4wLCJMaW5lVHlwZSI6MCwiUGFyZW50U3R5bGUiOm51bGx9LCJQYXJlbnRTdHlsZSI6bnVsbH0sIkhvcml6b250YWxDb25uZWN0b3JTdHlsZSI6eyIkaWQiOiIzMjQiLCJMaW5lQ29sb3IiOnsiJHJlZiI6Ijk4In0sIkxpbmVXZWlnaHQiOjEuMCwiTGluZVR5cGUiOjAsIlBhcmVudFN0eWxlIjpudWxsfSwiVmVydGljYWxDb25uZWN0b3JTdHlsZSI6eyIkaWQiOiIzMjUiLCJMaW5lQ29sb3IiOnsiJHJlZiI6IjEwMSJ9LCJMaW5lV2VpZ2h0IjowLjAsIkxpbmVUeXBlIjowLCJQYXJlbnRTdHlsZSI6bnVsbH0sIk1hcmdpbiI6bnVsbCwiU3RhcnREYXRlUG9zaXRpb24iOjYsIkVuZERhdGVQb3NpdGlvbiI6NiwiRGF0ZUlzVmlzaWJsZSI6ZmFsc2UsIlRpdGxlUG9zaXRpb24iOjIsIkR1cmF0aW9uUG9zaXRpb24iOjYsIlBlcmNlbnRhZ2VDb21wbGV0ZWRQb3NpdGlvbiI6MiwiU3BhY2luZyI6MywiSXNCZWxvd1RpbWViYW5kIjp0cnVlLCJQZXJjZW50YWdlQ29tcGxldGVTaGFwZU9wYWNpdHkiOjM1LCJTaGFwZVN0eWxlIjp7IiRpZCI6IjMyNiIsIk1hcmdpbiI6eyIkaWQiOiIzMjciLCJUb3AiOjAsIkxlZnQiOjQsIlJpZ2h0Ijo0LCJCb3R0b20iOjB9LCJQYWRkaW5nIjp7IiRpZCI6IjMyOCIsIlRvcCI6MCwiTGVmdCI6MCwiUmlnaHQiOjAsIkJvdHRvbSI6MH0sIkJhY2tncm91bmQiOnsiJGlkIjoiMzI5IiwiQ29sb3IiOnsiJGlkIjoiMzMwIiwiQSI6MjU1LCJSIjo4NiwiRyI6MjA3LCJCIjoyMTl9fSwiSXNWaXNpYmxlIjp0cnVlLCJXaWR0aCI6MC4wLCJIZWlnaHQiOjE2LjAsIkJvcmRlclN0eWxlIjp7IiRpZCI6IjMzMSIsIkxpbmVDb2xvciI6eyIkaWQiOiIzMzIiLCIkdHlwZSI6Ik5MUkUuQ29tbW9uLkRvbS5Tb2xpZENvbG9yQnJ1c2gsIE5MUkUuQ29tbW9uIiwiQ29sb3IiOnsiJGlkIjoiMzMzIiwiQSI6MjU1LCJSIjoyNTUsIkciOjAsIkIiOjB9fSwiTGluZVdlaWdodCI6MC4wLCJMaW5lVHlwZSI6MCwiUGFyZW50U3R5bGUiOm51bGx9LCJQYXJlbnRTdHlsZSI6bnVsbH0sIlRpdGxlU3R5bGUiOnsiJGlkIjoiMzM0IiwiRm9udFNldHRpbmdzIjp7IiRpZCI6IjMzNSIsIkZvbnRTaXplIjoxMSwiRm9udE5hbWUiOiJDYWxpYnJpIiwiSXNCb2xkIjpmYWxzZSwiSXNJdGFsaWMiOmZhbHNlLCJJc1VuZGVybGluZWQiOmZhbHNlLCJQYXJlbnRTdHlsZSI6bnVsbH0sIkF1dG9TaXplIjowLCJGb3JlZ3JvdW5kIjp7IiRpZCI6IjMzNiIsIkNvbG9yIjp7IiRpZCI6IjMzNyIsIkEiOjI1NSwiUiI6MjU1LCJHIjoyNTUsIkIiOjI1NX19LCJNYXhXaWR0aCI6OTYwLjAsIk1heEhlaWdodCI6IkluZmluaXR5IiwiU21hcnRGb3JlZ3JvdW5kSXNBY3RpdmUiOmZhbHNlLCJIb3Jpem9udGFsQWxpZ25tZW50IjoxLCJWZXJ0aWNhbEFsaWdubWVudCI6MCwiU21hcnRGb3JlZ3JvdW5kIjpudWxsLCJCYWNrZ3JvdW5kRmlsbFR5cGUiOjAsIk1hcmdpbiI6eyIkaWQiOiIzMzgiLCJUb3AiOjAsIkxlZnQiOjAsIlJpZ2h0IjowLCJCb3R0b20iOjB9LCJQYWRkaW5nIjp7IiRpZCI6IjMzOSIsIlRvcCI6MCwiTGVmdCI6MCwiUmlnaHQiOjAsIkJvdHRvbSI6MH0sIkJhY2tncm91bmQiOnsiJHJlZiI6IjExNyJ9LCJJc1Zpc2libGUiOnRydWUsIldpZHRoIjowLjAsIkhlaWdodCI6MC4wLCJCb3JkZXJTdHlsZSI6eyIkaWQiOiIzNDAiLCJMaW5lQ29sb3IiOm51bGwsIkxpbmVXZWlnaHQiOjAuMCwiTGluZVR5cGUiOjAsIlBhcmVudFN0eWxlIjpudWxsfSwiUGFyZW50U3R5bGUiOm51bGx9LCJEYXRlU3R5bGUiOnsiJGlkIjoiMzQxIiwiRm9udFNldHRpbmdzIjp7IiRpZCI6IjM0MiIsIkZvbnRTaXplIjoxMCwiRm9udE5hbWUiOiJDYWxpYnJpIiwiSXNCb2xkIjpmYWxzZSwiSXNJdGFsaWMiOmZhbHNlLCJJc1VuZGVybGluZWQiOmZhbHNlLCJQYXJlbnRTdHlsZSI6bnVsbH0sIkF1dG9TaXplIjowLCJGb3JlZ3JvdW5kIjp7IiRpZCI6IjM0MyIsIkNvbG9yIjp7IiRyZWYiOiIxMjEifX0sIk1heFdpZHRoIjoyMDAuMCwiTWF4SGVpZ2h0IjoiSW5maW5pdHkiLCJTbWFydEZvcmVncm91bmRJc0FjdGl2ZSI6ZmFsc2UsIkhvcml6b250YWxBbGlnbm1lbnQiOjAsIlZlcnRpY2FsQWxpZ25tZW50IjowLCJTbWFydEZvcmVncm91bmQiOm51bGwsIkJhY2tncm91bmRGaWxsVHlwZSI6MCwiTWFyZ2luIjp7IiRpZCI6IjM0NCIsIlRvcCI6MCwiTGVmdCI6MCwiUmlnaHQiOjAsIkJvdHRvbSI6MH0sIlBhZGRpbmciOnsiJGlkIjoiMzQ1IiwiVG9wIjowLCJMZWZ0IjowLCJSaWdodCI6MCwiQm90dG9tIjowfSwiQmFja2dyb3VuZCI6eyIkcmVmIjoiMTI0In0sIklzVmlzaWJsZSI6dHJ1ZSwiV2lkdGgiOjAuMCwiSGVpZ2h0IjowLjAsIkJvcmRlclN0eWxlIjp7IiRpZCI6IjM0NiIsIkxpbmVDb2xvciI6bnVsbCwiTGluZVdlaWdodCI6MC4wLCJMaW5lVHlwZSI6MCwiUGFyZW50U3R5bGUiOm51bGx9LCJQYXJlbnRTdHlsZSI6bnVsbH0sIkRhdGVGb3JtYXQiOnsiJGlkIjoiMzQ3IiwiRm9ybWF0U3RyaW5nIjoiTU1NIGQiLCJTZXBhcmF0b3IiOiIvIiwiVXNlSW50ZXJuYXRpb25hbERhdGVGb3JtYXQiOmZhbHNlLCJEYXRlSXNWaXNpYmxlIjpmYWxzZSwiVGltZUlzVmlzaWJsZSI6ZmFsc2UsIkhvdXJEaWdpdHMiOjEsIkFtUG1EZXNpZ25hdG9yIjoyLCJUcmltMDBNaW51dGVzIjpmYWxzZSwiTGFzdEtub3duVmlzaWJpbGl0eVN0YXRlIjp7IiRpZCI6IjM0OCIsIkRhdGVQYXJ0SXNWaXNpYmxlIjp0cnVlLCJUaW1lUGFydElzVmlzaWJsZSI6ZmFsc2V9fSwiSXNWaXNpYmxlIjp0cnVlLCJQYXJlbnRTdHlsZSI6bnVsbH0sIkluZGV4Ijo1LCJTbWFydER1cmF0aW9uQWN0aXZhdGVkIjpmYWxzZSwiRGF0ZUZvcm1hdCI6eyIkcmVmIjoiMzQ3In0sIklkIjoiMWZiNWM5YmUtYThkNy00OTFlLTkzYWItMTA5NDA0YTBhOTFiIiwiSW1wb3J0SWQiOm51bGwsIlRpdGxlIjoiQ29uc3VtcHRpb24gTWV0cmljcyAiLCJOb3RlIjpudWxsLCJIeXBlcmxpbmsiOnsiJGlkIjoiMzQ5IiwiQWRkcmVzcyI6IiIsIlN1YkFkZHJlc3MiOiIifSwiSXNDaGFuZ2VkIjpmYWxzZSwiSXNOZXciOmZhbHNlfSwiSW5kZXgiOjB9LHsiJGlkIjoiMzUwIiwiX2F0dGFjaGVkTWlsZXN0b25lcyI6W10sIlRhc2tEZWZpbml0aW9uIjp7IiRpZCI6IjM1MSIsIkdyb3VwTmFtZSI6IjcwMDM5MjE5LWNkMTQtNGM0OC1hYzkwLTFmZmM0YTI1MTAwMSIsIlN0YXJ0RGF0ZSI6IjIwMjAtMDItMThUMDA6MDA6MDAiLCJFbmREYXRlIjoiMjAyMC0wNC0wNFQxMTo1OTowMCIsIlBlcmNlbnRhZ2VDb21wbGV0ZSI6bnVsbCwiU3R5bGUiOnsiJGlkIjoiMzUyIiwiU2hhcGUiOjEsIlNoYXBlVGhpY2tuZXNzIjoxLCJEdXJhdGlvbkZvcm1hdCI6MCwiSW5jbHVkZU5vbldvcmtpbmdEYXlzSW5EdXJhdGlvbiI6ZmFsc2UsIlBlcmNlbnRhZ2VDb21wbGV0ZVN0eWxlIjp7IiRpZCI6IjM1MyIsIkZvbnRTZXR0aW5ncyI6eyIkaWQiOiIzNTQiLCJGb250U2l6ZSI6MTAsIkZvbnROYW1lIjoiQ2FsaWJyaSIsIklzQm9sZCI6ZmFsc2UsIklzSXRhbGljIjpmYWxzZSwiSXNVbmRlcmxpbmVkIjpmYWxzZSwiUGFyZW50U3R5bGUiOm51bGx9LCJBdXRvU2l6ZSI6MCwiRm9yZWdyb3VuZCI6eyIkcmVmIjoiODUifSwiTWF4V2lkdGgiOjIwMC4wLCJNYXhIZWlnaHQiOiJJbmZpbml0eSIsIlNtYXJ0Rm9yZWdyb3VuZElzQWN0aXZlIjpmYWxzZSwiSG9yaXpvbnRhbEFsaWdubWVudCI6MSwiVmVydGljYWxBbGlnbm1lbnQiOjAsIlNtYXJ0Rm9yZWdyb3VuZCI6bnVsbCwiQmFja2dyb3VuZEZpbGxUeXBlIjowLCJNYXJnaW4iOnsiJGlkIjoiMzU1IiwiVG9wIjowLCJMZWZ0IjowLCJSaWdodCI6MCwiQm90dG9tIjowfSwiUGFkZGluZyI6eyIkaWQiOiIzNTYiLCJUb3AiOjAsIkxlZnQiOjAsIlJpZ2h0IjowLCJCb3R0b20iOjB9LCJCYWNrZ3JvdW5kIjp7IiRyZWYiOiI4OSJ9LCJJc1Zpc2libGUiOnRydWUsIldpZHRoIjowLjAsIkhlaWdodCI6MC4wLCJCb3JkZXJTdHlsZSI6eyIkaWQiOiIzNTciLCJMaW5lQ29sb3IiOm51bGwsIkxpbmVXZWlnaHQiOjAuMCwiTGluZVR5cGUiOjAsIlBhcmVudFN0eWxlIjpudWxsfSwiUGFyZW50U3R5bGUiOm51bGx9LCJEdXJhdGlvblN0eWxlIjp7IiRpZCI6IjM1OCIsIkZvbnRTZXR0aW5ncyI6eyIkaWQiOiIzNTkiLCJGb250U2l6ZSI6MTAsIkZvbnROYW1lIjoiQ2FsaWJyaSIsIklzQm9sZCI6ZmFsc2UsIklzSXRhbGljIjpmYWxzZSwiSXNVbmRlcmxpbmVkIjpmYWxzZSwiUGFyZW50U3R5bGUiOm51bGx9LCJBdXRvU2l6ZSI6MCwiRm9yZWdyb3VuZCI6eyIkaWQiOiIzNjAiLCJDb2xvciI6eyIkcmVmIjoiOTMifX0sIk1heFdpZHRoIjoyMDAuMCwiTWF4SGVpZ2h0IjoiSW5maW5pdHkiLCJTbWFydEZvcmVncm91bmRJc0FjdGl2ZSI6ZmFsc2UsIkhvcml6b250YWxBbGlnbm1lbnQiOjAsIlZlcnRpY2FsQWxpZ25tZW50IjowLCJTbWFydEZvcmVncm91bmQiOm51bGwsIkJhY2tncm91bmRGaWxsVHlwZSI6MCwiTWFyZ2luIjp7IiRpZCI6IjM2MSIsIlRvcCI6MCwiTGVmdCI6MCwiUmlnaHQiOjAsIkJvdHRvbSI6MH0sIlBhZGRpbmciOnsiJGlkIjoiMzYyIiwiVG9wIjowLCJMZWZ0IjowLCJSaWdodCI6MCwiQm90dG9tIjowfSwiQmFja2dyb3VuZCI6eyIkcmVmIjoiOTYifSwiSXNWaXNpYmxlIjp0cnVlLCJXaWR0aCI6MC4wLCJIZWlnaHQiOjAuMCwiQm9yZGVyU3R5bGUiOnsiJGlkIjoiMzYzIiwiTGluZUNvbG9yIjpudWxsLCJMaW5lV2VpZ2h0IjowLjAsIkxpbmVUeXBlIjowLCJQYXJlbnRTdHlsZSI6bnVsbH0sIlBhcmVudFN0eWxlIjpudWxsfSwiSG9yaXpvbnRhbENvbm5lY3RvclN0eWxlIjp7IiRpZCI6IjM2NCIsIkxpbmVDb2xvciI6eyIkcmVmIjoiOTgifSwiTGluZVdlaWdodCI6MS4wLCJMaW5lVHlwZSI6MCwiUGFyZW50U3R5bGUiOm51bGx9LCJWZXJ0aWNhbENvbm5lY3RvclN0eWxlIjp7IiRpZCI6IjM2NSIsIkxpbmVDb2xvciI6eyIkcmVmIjoiMTAxIn0sIkxpbmVXZWlnaHQiOjAuMCwiTGluZVR5cGUiOjAsIlBhcmVudFN0eWxlIjpudWxsfSwiTWFyZ2luIjpudWxsLCJTdGFydERhdGVQb3NpdGlvbiI6NiwiRW5kRGF0ZVBvc2l0aW9uIjo2LCJEYXRlSXNWaXNpYmxlIjpmYWxzZSwiVGl0bGVQb3NpdGlvbiI6MiwiRHVyYXRpb25Qb3NpdGlvbiI6NiwiUGVyY2VudGFnZUNvbXBsZXRlZFBvc2l0aW9uIjoyLCJTcGFjaW5nIjozLCJJc0JlbG93VGltZWJhbmQiOnRydWUsIlBlcmNlbnRhZ2VDb21wbGV0ZVNoYXBlT3BhY2l0eSI6MzUsIlNoYXBlU3R5bGUiOnsiJGlkIjoiMzY2IiwiTWFyZ2luIjp7IiRpZCI6IjM2NyIsIlRvcCI6MCwiTGVmdCI6NCwiUmlnaHQiOjQsIkJvdHRvbSI6MH0sIlBhZGRpbmciOnsiJGlkIjoiMzY4IiwiVG9wIjowLCJMZWZ0IjowLCJSaWdodCI6MCwiQm90dG9tIjowfSwiQmFja2dyb3VuZCI6eyIkaWQiOiIzNjkiLCJDb2xvciI6eyIkaWQiOiIzNzAiLCJBIjoyNTUsIlIiOjg2LCJHIjoyMDcsIkIiOjIxOX19LCJJc1Zpc2libGUiOnRydWUsIldpZHRoIjowLjAsIkhlaWdodCI6MTYuMCwiQm9yZGVyU3R5bGUiOnsiJGlkIjoiMzcxIiwiTGluZUNvbG9yIjp7IiRpZCI6IjM3MiIsIiR0eXBlIjoiTkxSRS5Db21tb24uRG9tLlNvbGlkQ29sb3JCcnVzaCwgTkxSRS5Db21tb24iLCJDb2xvciI6eyIkaWQiOiIzNzMiLCJBIjoyNTUsIlIiOjI1NSwiRyI6MCwiQiI6MH19LCJMaW5lV2VpZ2h0IjowLjAsIkxpbmVUeXBlIjowLCJQYXJlbnRTdHlsZSI6bnVsbH0sIlBhcmVudFN0eWxlIjpudWxsfSwiVGl0bGVTdHlsZSI6eyIkaWQiOiIzNzQiLCJGb250U2V0dGluZ3MiOnsiJGlkIjoiMzc1IiwiRm9udFNpemUiOjExLCJGb250TmFtZSI6IkNhbGlicmkiLCJJc0JvbGQiOmZhbHNlLCJJc0l0YWxpYyI6ZmFsc2UsIklzVW5kZXJsaW5lZCI6ZmFsc2UsIlBhcmVudFN0eWxlIjpudWxsfSwiQXV0b1NpemUiOjAsIkZvcmVncm91bmQiOnsiJGlkIjoiMzc2IiwiQ29sb3IiOnsiJGlkIjoiMzc3IiwiQSI6MjU1LCJSIjoyNTUsIkciOjI1NSwiQiI6MjU1fX0sIk1heFdpZHRoIjo5NjAuMCwiTWF4SGVpZ2h0IjoiSW5maW5pdHkiLCJTbWFydEZvcmVncm91bmRJc0FjdGl2ZSI6ZmFsc2UsIkhvcml6b250YWxBbGlnbm1lbnQiOjEsIlZlcnRpY2FsQWxpZ25tZW50IjowLCJTbWFydEZvcmVncm91bmQiOm51bGwsIkJhY2tncm91bmRGaWxsVHlwZSI6MCwiTWFyZ2luIjp7IiRpZCI6IjM3OCIsIlRvcCI6MCwiTGVmdCI6MCwiUmlnaHQiOjAsIkJvdHRvbSI6MH0sIlBhZGRpbmciOnsiJGlkIjoiMzc5IiwiVG9wIjowLCJMZWZ0IjowLCJSaWdodCI6MCwiQm90dG9tIjowfSwiQmFja2dyb3VuZCI6eyIkcmVmIjoiMTE3In0sIklzVmlzaWJsZSI6dHJ1ZSwiV2lkdGgiOjAuMCwiSGVpZ2h0IjowLjAsIkJvcmRlclN0eWxlIjp7IiRpZCI6IjM4MCIsIkxpbmVDb2xvciI6bnVsbCwiTGluZVdlaWdodCI6MC4wLCJMaW5lVHlwZSI6MCwiUGFyZW50U3R5bGUiOm51bGx9LCJQYXJlbnRTdHlsZSI6bnVsbH0sIkRhdGVTdHlsZSI6eyIkaWQiOiIzODEiLCJGb250U2V0dGluZ3MiOnsiJGlkIjoiMzgyIiwiRm9udFNpemUiOjEwLCJGb250TmFtZSI6IkNhbGlicmkiLCJJc0JvbGQiOmZhbHNlLCJJc0l0YWxpYyI6ZmFsc2UsIklzVW5kZXJsaW5lZCI6ZmFsc2UsIlBhcmVudFN0eWxlIjpudWxsfSwiQXV0b1NpemUiOjAsIkZvcmVncm91bmQiOnsiJGlkIjoiMzgzIiwiQ29sb3IiOnsiJHJlZiI6IjEyMSJ9fSwiTWF4V2lkdGgiOjIwMC4wLCJNYXhIZWlnaHQiOiJJbmZpbml0eSIsIlNtYXJ0Rm9yZWdyb3VuZElzQWN0aXZlIjpmYWxzZSwiSG9yaXpvbnRhbEFsaWdubWVudCI6MCwiVmVydGljYWxBbGlnbm1lbnQiOjAsIlNtYXJ0Rm9yZWdyb3VuZCI6bnVsbCwiQmFja2dyb3VuZEZpbGxUeXBlIjowLCJNYXJnaW4iOnsiJGlkIjoiMzg0IiwiVG9wIjowLCJMZWZ0IjowLCJSaWdodCI6MCwiQm90dG9tIjowfSwiUGFkZGluZyI6eyIkaWQiOiIzODUiLCJUb3AiOjAsIkxlZnQiOjAsIlJpZ2h0IjowLCJCb3R0b20iOjB9LCJCYWNrZ3JvdW5kIjp7IiRyZWYiOiIxMjQifSwiSXNWaXNpYmxlIjp0cnVlLCJXaWR0aCI6MC4wLCJIZWlnaHQiOjAuMCwiQm9yZGVyU3R5bGUiOnsiJGlkIjoiMzg2IiwiTGluZUNvbG9yIjpudWxsLCJMaW5lV2VpZ2h0IjowLjAsIkxpbmVUeXBlIjowLCJQYXJlbnRTdHlsZSI6bnVsbH0sIlBhcmVudFN0eWxlIjpudWxsfSwiRGF0ZUZvcm1hdCI6eyIkaWQiOiIzODciLCJGb3JtYXRTdHJpbmciOiJNTU0gZCIsIlNlcGFyYXRvciI6Ii8iLCJVc2VJbnRlcm5hdGlvbmFsRGF0ZUZvcm1hdCI6ZmFsc2UsIkRhdGVJc1Zpc2libGUiOmZhbHNlLCJUaW1lSXNWaXNpYmxlIjpmYWxzZSwiSG91ckRpZ2l0cyI6MSwiQW1QbURlc2lnbmF0b3IiOjIsIlRyaW0wME1pbnV0ZXMiOmZhbHNlLCJMYXN0S25vd25WaXNpYmlsaXR5U3RhdGUiOnsiJGlkIjoiMzg4IiwiRGF0ZVBhcnRJc1Zpc2libGUiOnRydWUsIlRpbWVQYXJ0SXNWaXNpYmxlIjpmYWxzZX19LCJJc1Zpc2libGUiOnRydWUsIlBhcmVudFN0eWxlIjpudWxsfSwiSW5kZXgiOjYsIlNtYXJ0RHVyYXRpb25BY3RpdmF0ZWQiOmZhbHNlLCJEYXRlRm9ybWF0Ijp7IiRyZWYiOiIzODcifSwiSWQiOiJjZmYxNzcxYi0zYWRmLTQzNTAtOTIyNy0yYTFiMzg2ZGQ5MGYiLCJJbXBvcnRJZCI6bnVsbCwiVGl0bGUiOiJPZmZsb2FkaW5nIiwiTm90ZSI6bnVsbCwiSHlwZXJsaW5rIjp7IiRpZCI6IjM4OSIsIkFkZHJlc3MiOiIiLCJTdWJBZGRyZXNzIjoiIn0sIklzQ2hhbmdlZCI6ZmFsc2UsIklzTmV3IjpmYWxzZX0sIkluZGV4IjowfSx7IiRpZCI6IjM5MCIsIl9hdHRhY2hlZE1pbGVzdG9uZXMiOltdLCJUYXNrRGVmaW5pdGlvbiI6eyIkaWQiOiIzOTEiLCJHcm91cE5hbWUiOiIzZWYyZjNkYS05OGQ1LTQ0MTMtOTlmMi0wMGM4ZGVhNjA2OGEiLCJTdGFydERhdGUiOiIyMDE5LTA5LTI5VDAwOjAwOjAwIiwiRW5kRGF0ZSI6IjIwMjAtMDEtMjlUMTE6NTk6MDAiLCJQZXJjZW50YWdlQ29tcGxldGUiOm51bGwsIlN0eWxlIjp7IiRpZCI6IjM5MiIsIlNoYXBlIjoxLCJTaGFwZVRoaWNrbmVzcyI6MSwiRHVyYXRpb25Gb3JtYXQiOjAsIkluY2x1ZGVOb25Xb3JraW5nRGF5c0luRHVyYXRpb24iOmZhbHNlLCJQZXJjZW50YWdlQ29tcGxldGVTdHlsZSI6eyIkaWQiOiIzOTMiLCJGb250U2V0dGluZ3MiOnsiJGlkIjoiMzk0IiwiRm9udFNpemUiOjEwLCJGb250TmFtZSI6IkNhbGlicmkiLCJJc0JvbGQiOmZhbHNlLCJJc0l0YWxpYyI6ZmFsc2UsIklzVW5kZXJsaW5lZCI6ZmFsc2UsIlBhcmVudFN0eWxlIjpudWxsfSwiQXV0b1NpemUiOjAsIkZvcmVncm91bmQiOnsiJHJlZiI6Ijg1In0sIk1heFdpZHRoIjoyMDAuMCwiTWF4SGVpZ2h0IjoiSW5maW5pdHkiLCJTbWFydEZvcmVncm91bmRJc0FjdGl2ZSI6ZmFsc2UsIkhvcml6b250YWxBbGlnbm1lbnQiOjAsIlZlcnRpY2FsQWxpZ25tZW50IjowLCJTbWFydEZvcmVncm91bmQiOm51bGwsIkJhY2tncm91bmRGaWxsVHlwZSI6MCwiTWFyZ2luIjp7IiRpZCI6IjM5NSIsIlRvcCI6MCwiTGVmdCI6MCwiUmlnaHQiOjAsIkJvdHRvbSI6MH0sIlBhZGRpbmciOnsiJGlkIjoiMzk2IiwiVG9wIjowLCJMZWZ0IjowLCJSaWdodCI6MCwiQm90dG9tIjowfSwiQmFja2dyb3VuZCI6eyIkcmVmIjoiODkifSwiSXNWaXNpYmxlIjp0cnVlLCJXaWR0aCI6MC4wLCJIZWlnaHQiOjAuMCwiQm9yZGVyU3R5bGUiOnsiJGlkIjoiMzk3IiwiTGluZUNvbG9yIjpudWxsLCJMaW5lV2VpZ2h0IjowLjAsIkxpbmVUeXBlIjowLCJQYXJlbnRTdHlsZSI6bnVsbH0sIlBhcmVudFN0eWxlIjpudWxsfSwiRHVyYXRpb25TdHlsZSI6eyIkaWQiOiIzOTgiLCJGb250U2V0dGluZ3MiOnsiJGlkIjoiMzk5IiwiRm9udFNpemUiOjEwLCJGb250TmFtZSI6IkNhbGlicmkiLCJJc0JvbGQiOmZhbHNlLCJJc0l0YWxpYyI6ZmFsc2UsIklzVW5kZXJsaW5lZCI6ZmFsc2UsIlBhcmVudFN0eWxlIjpudWxsfSwiQXV0b1NpemUiOjAsIkZvcmVncm91bmQiOnsiJGlkIjoiNDAwIiwiQ29sb3IiOnsiJHJlZiI6IjkzIn19LCJNYXhXaWR0aCI6MjAwLjAsIk1heEhlaWdodCI6IkluZmluaXR5IiwiU21hcnRGb3JlZ3JvdW5kSXNBY3RpdmUiOmZhbHNlLCJIb3Jpem9udGFsQWxpZ25tZW50IjowLCJWZXJ0aWNhbEFsaWdubWVudCI6MCwiU21hcnRGb3JlZ3JvdW5kIjpudWxsLCJCYWNrZ3JvdW5kRmlsbFR5cGUiOjAsIk1hcmdpbiI6eyIkaWQiOiI0MDEiLCJUb3AiOjAsIkxlZnQiOjAsIlJpZ2h0IjowLCJCb3R0b20iOjB9LCJQYWRkaW5nIjp7IiRpZCI6IjQwMiIsIlRvcCI6MCwiTGVmdCI6MCwiUmlnaHQiOjAsIkJvdHRvbSI6MH0sIkJhY2tncm91bmQiOnsiJHJlZiI6Ijk2In0sIklzVmlzaWJsZSI6dHJ1ZSwiV2lkdGgiOjAuMCwiSGVpZ2h0IjowLjAsIkJvcmRlclN0eWxlIjp7IiRpZCI6IjQwMyIsIkxpbmVDb2xvciI6bnVsbCwiTGluZVdlaWdodCI6MC4wLCJMaW5lVHlwZSI6MCwiUGFyZW50U3R5bGUiOm51bGx9LCJQYXJlbnRTdHlsZSI6bnVsbH0sIkhvcml6b250YWxDb25uZWN0b3JTdHlsZSI6eyIkaWQiOiI0MDQiLCJMaW5lQ29sb3IiOnsiJHJlZiI6Ijk4In0sIkxpbmVXZWlnaHQiOjEuMCwiTGluZVR5cGUiOjAsIlBhcmVudFN0eWxlIjpudWxsfSwiVmVydGljYWxDb25uZWN0b3JTdHlsZSI6eyIkaWQiOiI0MDUiLCJMaW5lQ29sb3IiOnsiJHJlZiI6IjEwMSJ9LCJMaW5lV2VpZ2h0IjowLjAsIkxpbmVUeXBlIjowLCJQYXJlbnRTdHlsZSI6bnVsbH0sIk1hcmdpbiI6bnVsbCwiU3RhcnREYXRlUG9zaXRpb24iOjYsIkVuZERhdGVQb3NpdGlvbiI6NiwiRGF0ZUlzVmlzaWJsZSI6ZmFsc2UsIlRpdGxlUG9zaXRpb24iOjIsIkR1cmF0aW9uUG9zaXRpb24iOjYsIlBlcmNlbnRhZ2VDb21wbGV0ZWRQb3NpdGlvbiI6MiwiU3BhY2luZyI6MywiSXNCZWxvd1RpbWViYW5kIjp0cnVlLCJQZXJjZW50YWdlQ29tcGxldGVTaGFwZU9wYWNpdHkiOjM1LCJTaGFwZVN0eWxlIjp7IiRpZCI6IjQwNiIsIk1hcmdpbiI6eyIkaWQiOiI0MDciLCJUb3AiOjAsIkxlZnQiOjQsIlJpZ2h0Ijo0LCJCb3R0b20iOjB9LCJQYWRkaW5nIjp7IiRpZCI6IjQwOCIsIlRvcCI6MCwiTGVmdCI6MCwiUmlnaHQiOjAsIkJvdHRvbSI6MH0sIkJhY2tncm91bmQiOnsiJGlkIjoiNDA5IiwiQ29sb3IiOnsiJGlkIjoiNDEwIiwiQSI6MjU1LCJSIjo4NiwiRyI6MjA3LCJCIjoyMTl9fSwiSXNWaXNpYmxlIjp0cnVlLCJXaWR0aCI6MC4wLCJIZWlnaHQiOjE2LjAsIkJvcmRlclN0eWxlIjp7IiRpZCI6IjQxMSIsIkxpbmVDb2xvciI6eyIkaWQiOiI0MTIiLCIkdHlwZSI6Ik5MUkUuQ29tbW9uLkRvbS5Tb2xpZENvbG9yQnJ1c2gsIE5MUkUuQ29tbW9uIiwiQ29sb3IiOnsiJGlkIjoiNDEzIiwiQSI6MjU1LCJSIjoyNTUsIkciOjAsIkIiOjB9fSwiTGluZVdlaWdodCI6MC4wLCJMaW5lVHlwZSI6MCwiUGFyZW50U3R5bGUiOm51bGx9LCJQYXJlbnRTdHlsZSI6bnVsbH0sIlRpdGxlU3R5bGUiOnsiJGlkIjoiNDE0IiwiRm9udFNldHRpbmdzIjp7IiRpZCI6IjQxNSIsIkZvbnRTaXplIjoxMSwiRm9udE5hbWUiOiJDYWxpYnJpIiwiSXNCb2xkIjpmYWxzZSwiSXNJdGFsaWMiOmZhbHNlLCJJc1VuZGVybGluZWQiOmZhbHNlLCJQYXJlbnRTdHlsZSI6bnVsbH0sIkF1dG9TaXplIjowLCJGb3JlZ3JvdW5kIjp7IiRpZCI6IjQxNiIsIkNvbG9yIjp7IiRpZCI6IjQxNyIsIkEiOjI1NSwiUiI6MjU1LCJHIjoyNTUsIkIiOjI1NX19LCJNYXhXaWR0aCI6OTYwLjAsIk1heEhlaWdodCI6IkluZmluaXR5IiwiU21hcnRGb3JlZ3JvdW5kSXNBY3RpdmUiOmZhbHNlLCJIb3Jpem9udGFsQWxpZ25tZW50IjoxLCJWZXJ0aWNhbEFsaWdubWVudCI6MCwiU21hcnRGb3JlZ3JvdW5kIjpudWxsLCJCYWNrZ3JvdW5kRmlsbFR5cGUiOjAsIk1hcmdpbiI6eyIkaWQiOiI0MTgiLCJUb3AiOjAsIkxlZnQiOjAsIlJpZ2h0IjowLCJCb3R0b20iOjB9LCJQYWRkaW5nIjp7IiRpZCI6IjQxOSIsIlRvcCI6MCwiTGVmdCI6MCwiUmlnaHQiOjAsIkJvdHRvbSI6MH0sIkJhY2tncm91bmQiOnsiJHJlZiI6IjExNyJ9LCJJc1Zpc2libGUiOnRydWUsIldpZHRoIjowLjAsIkhlaWdodCI6MC4wLCJCb3JkZXJTdHlsZSI6eyIkaWQiOiI0MjAiLCJMaW5lQ29sb3IiOm51bGwsIkxpbmVXZWlnaHQiOjAuMCwiTGluZVR5cGUiOjAsIlBhcmVudFN0eWxlIjpudWxsfSwiUGFyZW50U3R5bGUiOm51bGx9LCJEYXRlU3R5bGUiOnsiJGlkIjoiNDIxIiwiRm9udFNldHRpbmdzIjp7IiRpZCI6IjQyMiIsIkZvbnRTaXplIjoxMCwiRm9udE5hbWUiOiJDYWxpYnJpIiwiSXNCb2xkIjpmYWxzZSwiSXNJdGFsaWMiOmZhbHNlLCJJc1VuZGVybGluZWQiOmZhbHNlLCJQYXJlbnRTdHlsZSI6bnVsbH0sIkF1dG9TaXplIjowLCJGb3JlZ3JvdW5kIjp7IiRpZCI6IjQyMyIsIkNvbG9yIjp7IiRyZWYiOiIxMjEifX0sIk1heFdpZHRoIjoyMDAuMCwiTWF4SGVpZ2h0IjoiSW5maW5pdHkiLCJTbWFydEZvcmVncm91bmRJc0FjdGl2ZSI6ZmFsc2UsIkhvcml6b250YWxBbGlnbm1lbnQiOjAsIlZlcnRpY2FsQWxpZ25tZW50IjowLCJTbWFydEZvcmVncm91bmQiOm51bGwsIkJhY2tncm91bmRGaWxsVHlwZSI6MCwiTWFyZ2luIjp7IiRpZCI6IjQyNCIsIlRvcCI6MCwiTGVmdCI6MCwiUmlnaHQiOjAsIkJvdHRvbSI6MH0sIlBhZGRpbmciOnsiJGlkIjoiNDI1IiwiVG9wIjowLCJMZWZ0IjowLCJSaWdodCI6MCwiQm90dG9tIjowfSwiQmFja2dyb3VuZCI6eyIkcmVmIjoiMTI0In0sIklzVmlzaWJsZSI6dHJ1ZSwiV2lkdGgiOjAuMCwiSGVpZ2h0IjowLjAsIkJvcmRlclN0eWxlIjp7IiRpZCI6IjQyNiIsIkxpbmVDb2xvciI6bnVsbCwiTGluZVdlaWdodCI6MC4wLCJMaW5lVHlwZSI6MCwiUGFyZW50U3R5bGUiOm51bGx9LCJQYXJlbnRTdHlsZSI6bnVsbH0sIkRhdGVGb3JtYXQiOnsiJGlkIjoiNDI3IiwiRm9ybWF0U3RyaW5nIjoiTU1NIGQiLCJTZXBhcmF0b3IiOiIvIiwiVXNlSW50ZXJuYXRpb25hbERhdGVGb3JtYXQiOmZhbHNlLCJEYXRlSXNWaXNpYmxlIjpmYWxzZSwiVGltZUlzVmlzaWJsZSI6ZmFsc2UsIkhvdXJEaWdpdHMiOjEsIkFtUG1EZXNpZ25hdG9yIjoyLCJUcmltMDBNaW51dGVzIjpmYWxzZSwiTGFzdEtub3duVmlzaWJpbGl0eVN0YXRlIjp7IiRpZCI6IjQyOCIsIkRhdGVQYXJ0SXNWaXNpYmxlIjp0cnVlLCJUaW1lUGFydElzVmlzaWJsZSI6ZmFsc2V9fSwiSXNWaXNpYmxlIjp0cnVlLCJQYXJlbnRTdHlsZSI6bnVsbH0sIkluZGV4Ijo5LCJTbWFydER1cmF0aW9uQWN0aXZhdGVkIjpmYWxzZSwiRGF0ZUZvcm1hdCI6eyIkcmVmIjoiNDI3In0sIklkIjoiNWY4MGRmNjQtMzA5Ni00ZGYyLThlYWEtZTY3MmIzNjEzNDYwIiwiSW1wb3J0SWQiOm51bGwsIlRpdGxlIjoiU0RLIE9wdGltaXphdGlvbiAiLCJOb3RlIjpudWxsLCJIeXBlcmxpbmsiOnsiJGlkIjoiNDI5IiwiQWRkcmVzcyI6IiIsIlN1YkFkZHJlc3MiOiIifSwiSXNDaGFuZ2VkIjpmYWxzZSwiSXNOZXciOmZhbHNlfSwiSW5kZXgiOjB9LHsiJGlkIjoiNDMwIiwiX2F0dGFjaGVkTWlsZXN0b25lcyI6W10sIlRhc2tEZWZpbml0aW9uIjp7IiRpZCI6IjQzMSIsIkdyb3VwTmFtZSI6IjNlZjJmM2RhLTk4ZDUtNDQxMy05OWYyLTAwYzhkZWE2MDY4YSIsIlN0YXJ0RGF0ZSI6IjIwMjAtMDUtMDFUMDA6MDA6MDBaIiwiRW5kRGF0ZSI6IjIwMjAtMDctMzBUMTE6NTk6MDAiLCJQZXJjZW50YWdlQ29tcGxldGUiOjgwLjAsIlN0eWxlIjp7IiRpZCI6IjQzMiIsIlNoYXBlIjo0LCJTaGFwZVRoaWNrbmVzcyI6MSwiRHVyYXRpb25Gb3JtYXQiOjAsIkluY2x1ZGVOb25Xb3JraW5nRGF5c0luRHVyYXRpb24iOmZhbHNlLCJQZXJjZW50YWdlQ29tcGxldGVTdHlsZSI6eyIkaWQiOiI0MzMiLCJGb250U2V0dGluZ3MiOnsiJGlkIjoiNDM0IiwiRm9udFNpemUiOjEwLCJGb250TmFtZSI6IkNhbGlicmkiLCJJc0JvbGQiOmZhbHNlLCJJc0l0YWxpYyI6ZmFsc2UsIklzVW5kZXJsaW5lZCI6ZmFsc2UsIlBhcmVudFN0eWxlIjpudWxsfSwiQXV0b1NpemUiOjAsIkZvcmVncm91bmQiOnsiJGlkIjoiNDM1IiwiQ29sb3IiOnsiJGlkIjoiNDM2IiwiQSI6MjU1LCJSIjoxOTIsIkciOjgwLCJCIjo3N319LCJNYXhXaWR0aCI6MjAwLjAsIk1heEhlaWdodCI6IkluZmluaXR5IiwiU21hcnRGb3JlZ3JvdW5kSXNBY3RpdmUiOmZhbHNlLCJIb3Jpem9udGFsQWxpZ25tZW50IjoxLCJWZXJ0aWNhbEFsaWdubWVudCI6MCwiU21hcnRGb3JlZ3JvdW5kIjpudWxsLCJCYWNrZ3JvdW5kRmlsbFR5cGUiOjAsIk1hcmdpbiI6eyIkaWQiOiI0MzciLCJUb3AiOjAsIkxlZnQiOjAsIlJpZ2h0IjowLCJCb3R0b20iOjB9LCJQYWRkaW5nIjp7IiRpZCI6IjQzOCIsIlRvcCI6MCwiTGVmdCI6MCwiUmlnaHQiOjAsIkJvdHRvbSI6MH0sIkJhY2tncm91bmQiOnsiJHJlZiI6Ijg5In0sIklzVmlzaWJsZSI6dHJ1ZSwiV2lkdGgiOjAuMCwiSGVpZ2h0IjowLjAsIkJvcmRlclN0eWxlIjp7IiRpZCI6IjQzOSIsIkxpbmVDb2xvciI6bnVsbCwiTGluZVdlaWdodCI6MC4wLCJMaW5lVHlwZSI6MCwiUGFyZW50U3R5bGUiOm51bGx9LCJQYXJlbnRTdHlsZSI6bnVsbH0sIkR1cmF0aW9uU3R5bGUiOnsiJGlkIjoiNDQwIiwiRm9udFNldHRpbmdzIjp7IiRpZCI6IjQ0MSIsIkZvbnRTaXplIjoxMCwiRm9udE5hbWUiOiJDYWxpYnJpIiwiSXNCb2xkIjpmYWxzZSwiSXNJdGFsaWMiOmZhbHNlLCJJc1VuZGVybGluZWQiOmZhbHNlLCJQYXJlbnRTdHlsZSI6bnVsbH0sIkF1dG9TaXplIjowLCJGb3JlZ3JvdW5kIjp7IiRpZCI6IjQ0MiIsIkNvbG9yIjp7IiRyZWYiOiI5MyJ9fSwiTWF4V2lkdGgiOjIwMC4wLCJNYXhIZWlnaHQiOiJJbmZpbml0eSIsIlNtYXJ0Rm9yZWdyb3VuZElzQWN0aXZlIjpmYWxzZSwiSG9yaXpvbnRhbEFsaWdubWVudCI6MCwiVmVydGljYWxBbGlnbm1lbnQiOjAsIlNtYXJ0Rm9yZWdyb3VuZCI6bnVsbCwiQmFja2dyb3VuZEZpbGxUeXBlIjowLCJNYXJnaW4iOnsiJGlkIjoiNDQzIiwiVG9wIjowLCJMZWZ0IjowLCJSaWdodCI6MCwiQm90dG9tIjowfSwiUGFkZGluZyI6eyIkaWQiOiI0NDQiLCJUb3AiOjAsIkxlZnQiOjAsIlJpZ2h0IjowLCJCb3R0b20iOjB9LCJCYWNrZ3JvdW5kIjp7IiRyZWYiOiI5NiJ9LCJJc1Zpc2libGUiOnRydWUsIldpZHRoIjowLjAsIkhlaWdodCI6MC4wLCJCb3JkZXJTdHlsZSI6eyIkaWQiOiI0NDUiLCJMaW5lQ29sb3IiOm51bGwsIkxpbmVXZWlnaHQiOjAuMCwiTGluZVR5cGUiOjAsIlBhcmVudFN0eWxlIjpudWxsfSwiUGFyZW50U3R5bGUiOm51bGx9LCJIb3Jpem9udGFsQ29ubmVjdG9yU3R5bGUiOnsiJGlkIjoiNDQ2IiwiTGluZUNvbG9yIjp7IiRyZWYiOiI5OCJ9LCJMaW5lV2VpZ2h0IjoxLjAsIkxpbmVUeXBlIjowLCJQYXJlbnRTdHlsZSI6bnVsbH0sIlZlcnRpY2FsQ29ubmVjdG9yU3R5bGUiOnsiJGlkIjoiNDQ3IiwiTGluZUNvbG9yIjp7IiRyZWYiOiIxMDEifSwiTGluZVdlaWdodCI6MC4wLCJMaW5lVHlwZSI6MCwiUGFyZW50U3R5bGUiOm51bGx9LCJNYXJnaW4iOm51bGwsIlN0YXJ0RGF0ZVBvc2l0aW9uIjo2LCJFbmREYXRlUG9zaXRpb24iOjYsIkRhdGVJc1Zpc2libGUiOmZhbHNlLCJUaXRsZVBvc2l0aW9uIjoyLCJEdXJhdGlvblBvc2l0aW9uIjo2LCJQZXJjZW50YWdlQ29tcGxldGVkUG9zaXRpb24iOjIsIlNwYWNpbmciOjMsIklzQmVsb3dUaW1lYmFuZCI6dHJ1ZSwiUGVyY2VudGFnZUNvbXBsZXRlU2hhcGVPcGFjaXR5IjozNSwiU2hhcGVTdHlsZSI6eyIkaWQiOiI0NDgiLCJNYXJnaW4iOnsiJGlkIjoiNDQ5IiwiVG9wIjowLCJMZWZ0Ijo0LCJSaWdodCI6NCwiQm90dG9tIjowfSwiUGFkZGluZyI6eyIkaWQiOiI0NTAiLCJUb3AiOjAsIkxlZnQiOjAsIlJpZ2h0IjowLCJCb3R0b20iOjB9LCJCYWNrZ3JvdW5kIjp7IiRpZCI6IjQ1MSIsIkNvbG9yIjp7IiRpZCI6IjQ1MiIsIkEiOjI1NSwiUiI6ODYsIkciOjIwNywiQiI6MjE5fX0sIklzVmlzaWJsZSI6dHJ1ZSwiV2lkdGgiOjAuMCwiSGVpZ2h0IjoxNi4wLCJCb3JkZXJTdHlsZSI6eyIkaWQiOiI0NTMiLCJMaW5lQ29sb3IiOnsiJGlkIjoiNDU0IiwiJHR5cGUiOiJOTFJFLkNvbW1vbi5Eb20uU29saWRDb2xvckJydXNoLCBOTFJFLkNvbW1vbiIsIkNvbG9yIjp7IiRpZCI6IjQ1NSIsIkEiOjI1NSwiUiI6MjU1LCJHIjowLCJCIjowfX0sIkxpbmVXZWlnaHQiOjAuMCwiTGluZVR5cGUiOjAsIlBhcmVudFN0eWxlIjpudWxsfSwiUGFyZW50U3R5bGUiOm51bGx9LCJUaXRsZVN0eWxlIjp7IiRpZCI6IjQ1NiIsIkZvbnRTZXR0aW5ncyI6eyIkaWQiOiI0NTciLCJGb250U2l6ZSI6MTEsIkZvbnROYW1lIjoiQ2FsaWJyaSIsIklzQm9sZCI6ZmFsc2UsIklzSXRhbGljIjpmYWxzZSwiSXNVbmRlcmxpbmVkIjpmYWxzZSwiUGFyZW50U3R5bGUiOm51bGx9LCJBdXRvU2l6ZSI6MiwiRm9yZWdyb3VuZCI6eyIkaWQiOiI0NTgiLCJDb2xvciI6eyIkaWQiOiI0NTkiLCJBIjoyNTUsIlIiOjI1NSwiRyI6MjU1LCJCIjoyNTV9fSwiTWF4V2lkdGgiOjgzLjkzNjY2NjY2NjY2NjY2NywiTWF4SGVpZ2h0IjoiSW5maW5pdHkiLCJTbWFydEZvcmVncm91bmRJc0FjdGl2ZSI6ZmFsc2UsIkhvcml6b250YWxBbGlnbm1lbnQiOjEsIlZlcnRpY2FsQWxpZ25tZW50IjowLCJTbWFydEZvcmVncm91bmQiOm51bGwsIkJhY2tncm91bmRGaWxsVHlwZSI6MCwiTWFyZ2luIjp7IiRpZCI6IjQ2MCIsIlRvcCI6MCwiTGVmdCI6MCwiUmlnaHQiOjAsIkJvdHRvbSI6MH0sIlBhZGRpbmciOnsiJGlkIjoiNDYxIiwiVG9wIjowLCJMZWZ0IjowLCJSaWdodCI6MCwiQm90dG9tIjowfSwiQmFja2dyb3VuZCI6eyIkcmVmIjoiMTE3In0sIklzVmlzaWJsZSI6dHJ1ZSwiV2lkdGgiOjAuMCwiSGVpZ2h0IjowLjAsIkJvcmRlclN0eWxlIjp7IiRpZCI6IjQ2MiIsIkxpbmVDb2xvciI6bnVsbCwiTGluZVdlaWdodCI6MC4wLCJMaW5lVHlwZSI6MCwiUGFyZW50U3R5bGUiOm51bGx9LCJQYXJlbnRTdHlsZSI6bnVsbH0sIkRhdGVTdHlsZSI6eyIkaWQiOiI0NjMiLCJGb250U2V0dGluZ3MiOnsiJGlkIjoiNDY0IiwiRm9udFNpemUiOjEwLCJGb250TmFtZSI6IkNhbGlicmkiLCJJc0JvbGQiOmZhbHNlLCJJc0l0YWxpYyI6ZmFsc2UsIklzVW5kZXJsaW5lZCI6ZmFsc2UsIlBhcmVudFN0eWxlIjpudWxsfSwiQXV0b1NpemUiOjAsIkZvcmVncm91bmQiOnsiJGlkIjoiNDY1IiwiQ29sb3IiOnsiJHJlZiI6IjEyMSJ9fSwiTWF4V2lkdGgiOjIwMC4wLCJNYXhIZWlnaHQiOiJJbmZpbml0eSIsIlNtYXJ0Rm9yZWdyb3VuZElzQWN0aXZlIjpmYWxzZSwiSG9yaXpvbnRhbEFsaWdubWVudCI6MCwiVmVydGljYWxBbGlnbm1lbnQiOjAsIlNtYXJ0Rm9yZWdyb3VuZCI6bnVsbCwiQmFja2dyb3VuZEZpbGxUeXBlIjowLCJNYXJnaW4iOnsiJGlkIjoiNDY2IiwiVG9wIjowLCJMZWZ0IjowLCJSaWdodCI6MCwiQm90dG9tIjowfSwiUGFkZGluZyI6eyIkaWQiOiI0NjciLCJUb3AiOjAsIkxlZnQiOjAsIlJpZ2h0IjowLCJCb3R0b20iOjB9LCJCYWNrZ3JvdW5kIjp7IiRyZWYiOiIxMjQifSwiSXNWaXNpYmxlIjp0cnVlLCJXaWR0aCI6MC4wLCJIZWlnaHQiOjAuMCwiQm9yZGVyU3R5bGUiOnsiJGlkIjoiNDY4IiwiTGluZUNvbG9yIjpudWxsLCJMaW5lV2VpZ2h0IjowLjAsIkxpbmVUeXBlIjowLCJQYXJlbnRTdHlsZSI6bnVsbH0sIlBhcmVudFN0eWxlIjpudWxsfSwiRGF0ZUZvcm1hdCI6eyIkaWQiOiI0NjkiLCJGb3JtYXRTdHJpbmciOiJNTU0gZCIsIlNlcGFyYXRvciI6Ii8iLCJVc2VJbnRlcm5hdGlvbmFsRGF0ZUZvcm1hdCI6ZmFsc2UsIkRhdGVJc1Zpc2libGUiOmZhbHNlLCJUaW1lSXNWaXNpYmxlIjpmYWxzZSwiSG91ckRpZ2l0cyI6MSwiQW1QbURlc2lnbmF0b3IiOjIsIlRyaW0wME1pbnV0ZXMiOmZhbHNlLCJMYXN0S25vd25WaXNpYmlsaXR5U3RhdGUiOnsiJGlkIjoiNDcwIiwiRGF0ZVBhcnRJc1Zpc2libGUiOnRydWUsIlRpbWVQYXJ0SXNWaXNpYmxlIjpmYWxzZX19LCJJc1Zpc2libGUiOnRydWUsIlBhcmVudFN0eWxlIjpudWxsfSwiSW5kZXgiOjEwLCJTbWFydER1cmF0aW9uQWN0aXZhdGVkIjpmYWxzZSwiRGF0ZUZvcm1hdCI6eyIkcmVmIjoiNDY5In0sIklkIjoiZTI5ZmI4NjktMGI2MC00M2U2LWI4YjQtOWVjMDViNTUwYmEzIiwiSW1wb3J0SWQiOm51bGwsIlRpdGxlIjoiTG9hZCBQZXJmb3JtYW5jZSAiLCJOb3RlIjpudWxsLCJIeXBlcmxpbmsiOnsiJGlkIjoiNDcxIiwiQWRkcmVzcyI6IiIsIlN1YkFkZHJlc3MiOiIifSwiSXNDaGFuZ2VkIjpmYWxzZSwiSXNOZXciOmZhbHNlfSwiSW5kZXgiOjB9XSwiTWlsZXN0b25lcyI6W3siJGlkIjoiNDcyIiwiSWQiOiJhZTIxMWJiMy05N2JhLTQ4NGUtYmI5Ni0xNTY3Yjg5MzhhOGUiLCJJbmRleCI6NywiR3JvdXBJZCI6Ijg1ODU2OGUyLWM5ZTQtNDQ2Yi1hYzk5LWJmMzM3YzA1N2Q5MSIsIlRpdGxlIjoiUGVyZiBDaGVjayAiLCJEYXRlVGltZSI6IjIwMjAtMDYtMThUMTE6NTk6MDAiLCJQZXJjZW50YWdlQ29tcGxldGUiOm51bGwsIk5vdGUiOm51bGwsIlN0eWxlIjp7IiRpZCI6IjQ3MyIsIlRpdGxlU3R5bGUiOnsiJGlkIjoiNDc0IiwiRm9udFNldHRpbmdzIjp7IiRpZCI6IjQ3NSIsIkZvbnRTaXplIjoxMSwiRm9udE5hbWUiOiJDYWxpYnJpIiwiSXNCb2xkIjp0cnVlLCJJc0l0YWxpYyI6ZmFsc2UsIklzVW5kZXJsaW5lZCI6ZmFsc2UsIlBhcmVudFN0eWxlIjpudWxsfSwiQXV0b1NpemUiOjAsIkZvcmVncm91bmQiOnsiJGlkIjoiNDc2IiwiQ29sb3IiOnsiJGlkIjoiNDc3IiwiQSI6MjU1LCJSIjowLCJHIjowLCJCIjowfX0sIk1heFdpZHRoIjoyMDAuMCwiTWF4SGVpZ2h0IjoiSW5maW5pdHkiLCJTbWFydEZvcmVncm91bmRJc0FjdGl2ZSI6ZmFsc2UsIkhvcml6b250YWxBbGlnbm1lbnQiOjIsIlZlcnRpY2FsQWxpZ25tZW50IjowLCJTbWFydEZvcmVncm91bmQiOm51bGwsIkJhY2tncm91bmRGaWxsVHlwZSI6MCwiTWFyZ2luIjp7IiRyZWYiOiI3MSJ9LCJQYWRkaW5nIjp7IiRyZWYiOiI3MiJ9LCJCYWNrZ3JvdW5kIjp7IiRyZWYiOiI3MyJ9LCJJc1Zpc2libGUiOnRydWUsIldpZHRoIjowLjAsIkhlaWdodCI6MC4wLCJCb3JkZXJTdHlsZSI6bnVsbCwiUGFyZW50U3R5bGUiOm51bGx9LCJEYXRlU3R5bGUiOnsiJGlkIjoiNDc4IiwiRm9udFNldHRpbmdzIjp7IiRpZCI6IjQ3OSIsIkZvbnRTaXplIjoxMCwiRm9udE5hbWUiOiJDYWxpYnJpIiwiSXNCb2xkIjpmYWxzZSwiSXNJdGFsaWMiOmZhbHNlLCJJc1VuZGVybGluZWQiOmZhbHNlLCJQYXJlbnRTdHlsZSI6bnVsbH0sIkF1dG9TaXplIjowLCJGb3JlZ3JvdW5kIjp7IiRpZCI6IjQ4MCIsIkNvbG9yIjp7IiRpZCI6IjQ4MSIsIkEiOjI1NSwiUiI6NjgsIkciOjg0LCJCIjoxMDZ9fSwiTWF4V2lkdGgiOjIwMC4wLCJNYXhIZWlnaHQiOiJJbmZpbml0eSIsIlNtYXJ0Rm9yZWdyb3VuZElzQWN0aXZlIjpmYWxzZSwiSG9yaXpvbnRhbEFsaWdubWVudCI6MiwiVmVydGljYWxBbGlnbm1lbnQiOjAsIlNtYXJ0Rm9yZWdyb3VuZCI6bnVsbCwiQmFja2dyb3VuZEZpbGxUeXBlIjowLCJNYXJnaW4iOnsiJHJlZiI6Ijc4In0sIlBhZGRpbmciOnsiJHJlZiI6Ijc5In0sIkJhY2tncm91bmQiOnsiJHJlZiI6IjgwIn0sIklzVmlzaWJsZSI6dHJ1ZSwiV2lkdGgiOjAuMCwiSGVpZ2h0IjowLjAsIkJvcmRlclN0eWxlIjpudWxsLCJQYXJlbnRTdHlsZSI6bnVsbH0sIlRpdGxlUG9zaXRpb24iOiJMZWZ0IiwiRGF0ZVBvc2l0aW9uIjoiTGVmdCIsIlNoYXBlVHlwZSI6MTEsIlNoYXBlU2l6ZSI6MSwiU2hhcGVTdHlsZSI6eyIkaWQiOiI0ODIiLCJNYXJnaW4iOnsiJHJlZiI6IjYwIn0sIlBhZGRpbmciOnsiJHJlZiI6IjYxIn0sIkJhY2tncm91bmQiOnsiJGlkIjoiNDgzIiwiQ29sb3IiOnsiJGlkIjoiNDg0IiwiQSI6MjU1LCJSIjoxMTUsIkciOjExNSwiQiI6MTE1fX0sIklzVmlzaWJsZSI6dHJ1ZSwiV2lkdGgiOjE4LjAsIkhlaWdodCI6MjAuMCwiQm9yZGVyU3R5bGUiOnsiJGlkIjoiNDg1IiwiTGluZUNvbG9yIjpudWxsLCJMaW5lV2VpZ2h0IjowLjAsIkxpbmVUeXBlIjowLCJQYXJlbnRTdHlsZSI6bnVsbH0sIlBhcmVudFN0eWxlIjpudWxsfSwiRGF0ZUZvcm1hdCI6eyIkaWQiOiI0ODYiLCJGb3JtYXRTdHJpbmciOiJNTU0gZCIsIlNlcGFyYXRvciI6Ii8iLCJVc2VJbnRlcm5hdGlvbmFsRGF0ZUZvcm1hdCI6ZmFsc2UsIkRhdGVJc1Zpc2libGUiOnRydWUsIlRpbWVJc1Zpc2libGUiOmZhbHNlLCJIb3VyRGlnaXRzIjoxLCJBbVBtRGVzaWduYXRvciI6MiwiVHJpbTAwTWludXRlcyI6ZmFsc2UsIkxhc3RLbm93blZpc2liaWxpdHlTdGF0ZSI6bnVsbH0sIklzVmlzaWJsZSI6dHJ1ZX0sIkh5cGVybGluayI6bnVsbCwiSW1wb3J0SWQiOiIifSx7IiRpZCI6IjQ4NyIsIklkIjoiMTBmNDRlYTAtYzFlZi00Yjc1LWE3ODEtZjU4NDViOTEwNzkwIiwiSW5kZXgiOjgsIkdyb3VwSWQiOiI4NTg1NjhlMi1jOWU0LTQ0NmItYWM5OS1iZjMzN2MwNTdkOTEiLCJUaXRsZSI6IklmcmFtZXMiLCJEYXRlVGltZSI6IjIwMTktMTItMDVUMTE6NTk6MDAiLCJQZXJjZW50YWdlQ29tcGxldGUiOm51bGwsIk5vdGUiOm51bGwsIlN0eWxlIjp7IiRpZCI6IjQ4OCIsIlRpdGxlU3R5bGUiOnsiJGlkIjoiNDg5IiwiRm9udFNldHRpbmdzIjp7IiRpZCI6IjQ5MCIsIkZvbnRTaXplIjoxMSwiRm9udE5hbWUiOiJDYWxpYnJpIiwiSXNCb2xkIjp0cnVlLCJJc0l0YWxpYyI6ZmFsc2UsIklzVW5kZXJsaW5lZCI6ZmFsc2UsIlBhcmVudFN0eWxlIjpudWxsfSwiQXV0b1NpemUiOjAsIkZvcmVncm91bmQiOnsiJGlkIjoiNDkxIiwiQ29sb3IiOnsiJGlkIjoiNDkyIiwiQSI6MjU1LCJSIjowLCJHIjowLCJCIjowfX0sIk1heFdpZHRoIjoyMDAuMCwiTWF4SGVpZ2h0IjoiSW5maW5pdHkiLCJTbWFydEZvcmVncm91bmRJc0FjdGl2ZSI6ZmFsc2UsIkhvcml6b250YWxBbGlnbm1lbnQiOjIsIlZlcnRpY2FsQWxpZ25tZW50IjowLCJTbWFydEZvcmVncm91bmQiOm51bGwsIkJhY2tncm91bmRGaWxsVHlwZSI6MCwiTWFyZ2luIjp7IiRyZWYiOiI3MSJ9LCJQYWRkaW5nIjp7IiRyZWYiOiI3MiJ9LCJCYWNrZ3JvdW5kIjp7IiRyZWYiOiI3MyJ9LCJJc1Zpc2libGUiOnRydWUsIldpZHRoIjowLjAsIkhlaWdodCI6MC4wLCJCb3JkZXJTdHlsZSI6bnVsbCwiUGFyZW50U3R5bGUiOm51bGx9LCJEYXRlU3R5bGUiOnsiJGlkIjoiNDkzIiwiRm9udFNldHRpbmdzIjp7IiRpZCI6IjQ5NCIsIkZvbnRTaXplIjoxMCwiRm9udE5hbWUiOiJDYWxpYnJpIiwiSXNCb2xkIjpmYWxzZSwiSXNJdGFsaWMiOmZhbHNlLCJJc1VuZGVybGluZWQiOmZhbHNlLCJQYXJlbnRTdHlsZSI6bnVsbH0sIkF1dG9TaXplIjowLCJGb3JlZ3JvdW5kIjp7IiRpZCI6IjQ5NSIsIkNvbG9yIjp7IiRpZCI6IjQ5NiIsIkEiOjI1NSwiUiI6NjgsIkciOjg0LCJCIjoxMDZ9fSwiTWF4V2lkdGgiOjIwMC4wLCJNYXhIZWlnaHQiOiJJbmZpbml0eSIsIlNtYXJ0Rm9yZWdyb3VuZElzQWN0aXZlIjpmYWxzZSwiSG9yaXpvbnRhbEFsaWdubWVudCI6MiwiVmVydGljYWxBbGlnbm1lbnQiOjAsIlNtYXJ0Rm9yZWdyb3VuZCI6bnVsbCwiQmFja2dyb3VuZEZpbGxUeXBlIjowLCJNYXJnaW4iOnsiJHJlZiI6Ijc4In0sIlBhZGRpbmciOnsiJHJlZiI6Ijc5In0sIkJhY2tncm91bmQiOnsiJHJlZiI6IjgwIn0sIklzVmlzaWJsZSI6dHJ1ZSwiV2lkdGgiOjAuMCwiSGVpZ2h0IjowLjAsIkJvcmRlclN0eWxlIjpudWxsLCJQYXJlbnRTdHlsZSI6bnVsbH0sIlRpdGxlUG9zaXRpb24iOiJMZWZ0IiwiRGF0ZVBvc2l0aW9uIjoiTGVmdCIsIlNoYXBlVHlwZSI6MCwiU2hhcGVTaXplIjowLCJTaGFwZVN0eWxlIjp7IiRpZCI6IjQ5NyIsIk1hcmdpbiI6eyIkcmVmIjoiNjAifSwiUGFkZGluZyI6eyIkcmVmIjoiNjEifSwiQmFja2dyb3VuZCI6eyIkaWQiOiI0OTgiLCJDb2xvciI6eyIkaWQiOiI0OTkiLCJBIjoyNTUsIlIiOjExNSwiRyI6MTE1LCJCIjoxMTV9fSwiSXNWaXNpYmxlIjp0cnVlLCJXaWR0aCI6MTIuMCwiSGVpZ2h0IjoxNC4wLCJCb3JkZXJTdHlsZSI6eyIkaWQiOiI1MDAiLCJMaW5lQ29sb3IiOm51bGwsIkxpbmVXZWlnaHQiOjAuMCwiTGluZVR5cGUiOjAsIlBhcmVudFN0eWxlIjpudWxsfSwiUGFyZW50U3R5bGUiOm51bGx9LCJEYXRlRm9ybWF0Ijp7IiRpZCI6IjUwMSIsIkZvcm1hdFN0cmluZyI6Ik1NTSBkIiwiU2VwYXJhdG9yIjoiLyIsIlVzZUludGVybmF0aW9uYWxEYXRlRm9ybWF0IjpmYWxzZSwiRGF0ZUlzVmlzaWJsZSI6dHJ1ZSwiVGltZUlzVmlzaWJsZSI6ZmFsc2UsIkhvdXJEaWdpdHMiOjEsIkFtUG1EZXNpZ25hdG9yIjoyLCJUcmltMDBNaW51dGVzIjpmYWxzZSwiTGFzdEtub3duVmlzaWJpbGl0eVN0YXRlIjpudWxsfSwiSXNWaXNpYmxlIjp0cnVlfSwiSHlwZXJsaW5rIjpudWxsLCJJbXBvcnRJZCI6IiJ9XX0seyIkaWQiOiI1MDIiLCJJZCI6ImQ5YTdkZjIwLTQ1ODAtNGQ5Yy1iMTcyLTQ3NzA2YzMwM2JjYSIsIkluZGV4IjoxMSwiSGVhZGVyVGV4dCI6Ik9wcyIsIlN0eWxlIjp7IiRpZCI6IjUwMyIsIkhlYWRlclN0eWxlIjp7IiRpZCI6IjUwNCIsIlRleHRTdHlsZSI6eyIkaWQiOiI1MDUiLCJGb250U2V0dGluZ3MiOnsiJGlkIjoiNTA2IiwiRm9udFNpemUiOjEyLCJGb250TmFtZSI6IkNhbGlicmkiLCJJc0JvbGQiOmZhbHNlLCJJc0l0YWxpYyI6ZmFsc2UsIklzVW5kZXJsaW5lZCI6ZmFsc2UsIlBhcmVudFN0eWxlIjpudWxsfSwiQXV0b1NpemUiOjAsIkZvcmVncm91bmQiOnsiJGlkIjoiNTA3IiwiQ29sb3IiOnsiJGlkIjoiNTA4IiwiQSI6MjU1LCJSIjozMiwiRyI6NTYsIkIiOjEwMH19LCJNYXhXaWR0aCI6MC4wLCJNYXhIZWlnaHQiOjAuMCwiU21hcnRGb3JlZ3JvdW5kSXNBY3RpdmUiOmZhbHNlLCJIb3Jpem9udGFsQWxpZ25tZW50IjowLCJWZXJ0aWNhbEFsaWdubWVudCI6MCwiU21hcnRGb3JlZ3JvdW5kIjpudWxsLCJCYWNrZ3JvdW5kRmlsbFR5cGUiOjAsIk1hcmdpbiI6eyIkcmVmIjoiMTQxIn0sIlBhZGRpbmciOnsiJHJlZiI6IjE0MiJ9LCJCYWNrZ3JvdW5kIjpudWxsLCJJc1Zpc2libGUiOmZhbHNlLCJXaWR0aCI6MC4wLCJIZWlnaHQiOjAuMCwiQm9yZGVyU3R5bGUiOm51bGwsIlBhcmVudFN0eWxlIjpudWxsfSwiUmVjdGFuZ2xlU3R5bGUiOnsiJGlkIjoiNTA5IiwiTWFyZ2luIjp7IiRyZWYiOiIxNDQifSwiUGFkZGluZyI6eyIkcmVmIjoiMTQ1In0sIkJhY2tncm91bmQiOnsiJGlkIjoiNTEwIiwiQ29sb3IiOnsiJGlkIjoiNTExIiwiQSI6MTI3LCJSIjoxMTEsIkciOjQ5LCJCIjoxNTJ9fSwiSXNWaXNpYmxlIjpmYWxzZSwiV2lkdGgiOjAuMCwiSGVpZ2h0IjowLjAsIkJvcmRlclN0eWxlIjp7IiRpZCI6IjUxMiIsIkxpbmVDb2xvciI6eyIkcmVmIjoiMTQ5In0sIkxpbmVXZWlnaHQiOjAuMCwiTGluZVR5cGUiOjAsIlBhcmVudFN0eWxlIjpudWxsfSwiUGFyZW50U3R5bGUiOm51bGx9LCJNYXJnaW4iOnsiJHJlZiI6IjE1MSJ9LCJQYWRkaW5nIjp7IiRyZWYiOiIxNTIifSwiQmFja2dyb3VuZCI6bnVsbCwiSXNWaXNpYmxlIjp0cnVlLCJXaWR0aCI6MC4wLCJIZWlnaHQiOjAuMCwiQm9yZGVyU3R5bGUiOm51bGwsIlBhcmVudFN0eWxlIjpudWxsfSwiQmFja2dyb3VuZFN0eWxlIjp7IiRpZCI6IjUxMyIsIk1hcmdpbiI6eyIkcmVmIjoiMTU0In0sIlBhZGRpbmciOnsiJHJlZiI6IjE1NSJ9LCJCYWNrZ3JvdW5kIjp7IiRpZCI6IjUxNCIsIkNvbG9yIjp7IiRpZCI6IjUxNSIsIkEiOjM4LCJSIjowLCJHIjowLCJCIjowfX0sIklzVmlzaWJsZSI6dHJ1ZSwiV2lkdGgiOjAuMCwiSGVpZ2h0IjowLjAsIkJvcmRlclN0eWxlIjp7IiRpZCI6IjUxNiIsIkxpbmVDb2xvciI6eyIkaWQiOiI1MTciLCIkdHlwZSI6Ik5MUkUuQ29tbW9uLkRvbS5Tb2xpZENvbG9yQnJ1c2gsIE5MUkUuQ29tbW9uIiwiQ29sb3IiOnsiJGlkIjoiNTE4IiwiQSI6MjU1LCJSIjoxMTEsIkciOjQ5LCJCIjoxNTJ9fSwiTGluZVdlaWdodCI6MC4wLCJMaW5lVHlwZSI6MCwiUGFyZW50U3R5bGUiOm51bGx9LCJQYXJlbnRTdHlsZSI6bnVsbH0sIklzQWJvdmVUaW1lYmFuZCI6ZmFsc2UsIk1hcmdpbiI6eyIkcmVmIjoiMTYxIn0sIlBhZGRpbmciOnsiJHJlZiI6IjE2MiJ9LCJJc1Zpc2libGUiOnRydWUsIldpZHRoIjowLjAsIkhlaWdodCI6MC4wLCJCb3JkZXJTdHlsZSI6bnVsbCwiUGFyZW50U3R5bGUiOm51bGx9LCJUYXNrcyI6W3siJGlkIjoiNTE5IiwiX2F0dGFjaGVkTWlsZXN0b25lcyI6W10sIlRhc2tEZWZpbml0aW9uIjp7IiRpZCI6IjUyMCIsIkdyb3VwTmFtZSI6IjliMzFlZjE3LTkzYWUtNDVjZS04MTI5LTYwOWZhNWVhNjY5OSIsIlN0YXJ0RGF0ZSI6IjIwMTktMDctMTRUMDA6MDA6MDAiLCJFbmREYXRlIjoiMjAxOS0xMS0wM1QxMTo1OTowMCIsIlBlcmNlbnRhZ2VDb21wbGV0ZSI6MjUuMCwiU3R5bGUiOnsiJGlkIjoiNTIxIiwiU2hhcGUiOjQsIlNoYXBlVGhpY2tuZXNzIjoxLCJEdXJhdGlvbkZvcm1hdCI6MCwiSW5jbHVkZU5vbldvcmtpbmdEYXlzSW5EdXJhdGlvbiI6ZmFsc2UsIlBlcmNlbnRhZ2VDb21wbGV0ZVN0eWxlIjp7IiRpZCI6IjUyMiIsIkZvbnRTZXR0aW5ncyI6eyIkaWQiOiI1MjMiLCJGb250U2l6ZSI6MTAsIkZvbnROYW1lIjoiQ2FsaWJyaSIsIklzQm9sZCI6ZmFsc2UsIklzSXRhbGljIjpmYWxzZSwiSXNVbmRlcmxpbmVkIjpmYWxzZSwiUGFyZW50U3R5bGUiOm51bGx9LCJBdXRvU2l6ZSI6MCwiRm9yZWdyb3VuZCI6eyIkaWQiOiI1MjQiLCJDb2xvciI6eyIkaWQiOiI1MjUiLCJBIjoyNTUsIlIiOjE5MiwiRyI6ODAsIkIiOjc3fX0sIk1heFdpZHRoIjoyMDAuMCwiTWF4SGVpZ2h0IjoiSW5maW5pdHkiLCJTbWFydEZvcmVncm91bmRJc0FjdGl2ZSI6ZmFsc2UsIkhvcml6b250YWxBbGlnbm1lbnQiOjEsIlZlcnRpY2FsQWxpZ25tZW50IjowLCJTbWFydEZvcmVncm91bmQiOm51bGwsIkJhY2tncm91bmRGaWxsVHlwZSI6MCwiTWFyZ2luIjp7IiRpZCI6IjUyNiIsIlRvcCI6MCwiTGVmdCI6MCwiUmlnaHQiOjAsIkJvdHRvbSI6MH0sIlBhZGRpbmciOnsiJGlkIjoiNTI3IiwiVG9wIjowLCJMZWZ0IjowLCJSaWdodCI6MCwiQm90dG9tIjowfSwiQmFja2dyb3VuZCI6eyIkcmVmIjoiODkifSwiSXNWaXNpYmxlIjp0cnVlLCJXaWR0aCI6MC4wLCJIZWlnaHQiOjAuMCwiQm9yZGVyU3R5bGUiOnsiJGlkIjoiNTI4IiwiTGluZUNvbG9yIjpudWxsLCJMaW5lV2VpZ2h0IjowLjAsIkxpbmVUeXBlIjowLCJQYXJlbnRTdHlsZSI6bnVsbH0sIlBhcmVudFN0eWxlIjpudWxsfSwiRHVyYXRpb25TdHlsZSI6eyIkaWQiOiI1MjkiLCJGb250U2V0dGluZ3MiOnsiJGlkIjoiNTMwIiwiRm9udFNpemUiOjEwLCJGb250TmFtZSI6IkNhbGlicmkiLCJJc0JvbGQiOmZhbHNlLCJJc0l0YWxpYyI6ZmFsc2UsIklzVW5kZXJsaW5lZCI6ZmFsc2UsIlBhcmVudFN0eWxlIjpudWxsfSwiQXV0b1NpemUiOjAsIkZvcmVncm91bmQiOnsiJGlkIjoiNTMxIiwiQ29sb3IiOnsiJHJlZiI6IjkzIn19LCJNYXhXaWR0aCI6MjAwLjAsIk1heEhlaWdodCI6IkluZmluaXR5IiwiU21hcnRGb3JlZ3JvdW5kSXNBY3RpdmUiOmZhbHNlLCJIb3Jpem9udGFsQWxpZ25tZW50IjowLCJWZXJ0aWNhbEFsaWdubWVudCI6MCwiU21hcnRGb3JlZ3JvdW5kIjpudWxsLCJCYWNrZ3JvdW5kRmlsbFR5cGUiOjAsIk1hcmdpbiI6eyIkaWQiOiI1MzIiLCJUb3AiOjAsIkxlZnQiOjAsIlJpZ2h0IjowLCJCb3R0b20iOjB9LCJQYWRkaW5nIjp7IiRpZCI6IjUzMyIsIlRvcCI6MCwiTGVmdCI6MCwiUmlnaHQiOjAsIkJvdHRvbSI6MH0sIkJhY2tncm91bmQiOnsiJHJlZiI6Ijk2In0sIklzVmlzaWJsZSI6dHJ1ZSwiV2lkdGgiOjAuMCwiSGVpZ2h0IjowLjAsIkJvcmRlclN0eWxlIjp7IiRpZCI6IjUzNCIsIkxpbmVDb2xvciI6bnVsbCwiTGluZVdlaWdodCI6MC4wLCJMaW5lVHlwZSI6MCwiUGFyZW50U3R5bGUiOm51bGx9LCJQYXJlbnRTdHlsZSI6bnVsbH0sIkhvcml6b250YWxDb25uZWN0b3JTdHlsZSI6eyIkaWQiOiI1MzUiLCJMaW5lQ29sb3IiOnsiJHJlZiI6Ijk4In0sIkxpbmVXZWlnaHQiOjEuMCwiTGluZVR5cGUiOjAsIlBhcmVudFN0eWxlIjpudWxsfSwiVmVydGljYWxDb25uZWN0b3JTdHlsZSI6eyIkaWQiOiI1MzYiLCJMaW5lQ29sb3IiOnsiJHJlZiI6IjEwMSJ9LCJMaW5lV2VpZ2h0IjowLjAsIkxpbmVUeXBlIjowLCJQYXJlbnRTdHlsZSI6bnVsbH0sIk1hcmdpbiI6bnVsbCwiU3RhcnREYXRlUG9zaXRpb24iOjYsIkVuZERhdGVQb3NpdGlvbiI6NiwiRGF0ZUlzVmlzaWJsZSI6ZmFsc2UsIlRpdGxlUG9zaXRpb24iOjIsIkR1cmF0aW9uUG9zaXRpb24iOjYsIlBlcmNlbnRhZ2VDb21wbGV0ZWRQb3NpdGlvbiI6MiwiU3BhY2luZyI6MywiSXNCZWxvd1RpbWViYW5kIjp0cnVlLCJQZXJjZW50YWdlQ29tcGxldGVTaGFwZU9wYWNpdHkiOjM1LCJTaGFwZVN0eWxlIjp7IiRpZCI6IjUzNyIsIk1hcmdpbiI6eyIkaWQiOiI1MzgiLCJUb3AiOjAsIkxlZnQiOjQsIlJpZ2h0Ijo0LCJCb3R0b20iOjB9LCJQYWRkaW5nIjp7IiRpZCI6IjUzOSIsIlRvcCI6MCwiTGVmdCI6MCwiUmlnaHQiOjAsIkJvdHRvbSI6MH0sIkJhY2tncm91bmQiOnsiJGlkIjoiNTQwIiwiQ29sb3IiOnsiJGlkIjoiNTQxIiwiQSI6MjU1LCJSIjoxNjMsIkciOjk5LCJCIjoxOTV9fSwiSXNWaXNpYmxlIjp0cnVlLCJXaWR0aCI6MC4wLCJIZWlnaHQiOjE2LjAsIkJvcmRlclN0eWxlIjp7IiRpZCI6IjU0MiIsIkxpbmVDb2xvciI6eyIkaWQiOiI1NDMiLCIkdHlwZSI6Ik5MUkUuQ29tbW9uLkRvbS5Tb2xpZENvbG9yQnJ1c2gsIE5MUkUuQ29tbW9uIiwiQ29sb3IiOnsiJGlkIjoiNTQ0IiwiQSI6MjU1LCJSIjoyNTUsIkciOjAsIkIiOjB9fSwiTGluZVdlaWdodCI6MC4wLCJMaW5lVHlwZSI6MCwiUGFyZW50U3R5bGUiOm51bGx9LCJQYXJlbnRTdHlsZSI6bnVsbH0sIlRpdGxlU3R5bGUiOnsiJGlkIjoiNTQ1IiwiRm9udFNldHRpbmdzIjp7IiRpZCI6IjU0NiIsIkZvbnRTaXplIjoxMSwiRm9udE5hbWUiOiJDYWxpYnJpIiwiSXNCb2xkIjpmYWxzZSwiSXNJdGFsaWMiOmZhbHNlLCJJc1VuZGVybGluZWQiOmZhbHNlLCJQYXJlbnRTdHlsZSI6bnVsbH0sIkF1dG9TaXplIjowLCJGb3JlZ3JvdW5kIjp7IiRpZCI6IjU0NyIsIkNvbG9yIjp7IiRpZCI6IjU0OCIsIkEiOjI1NSwiUiI6MjU1LCJHIjoyNTUsIkIiOjI1NX19LCJNYXhXaWR0aCI6OTYwLjAsIk1heEhlaWdodCI6IkluZmluaXR5IiwiU21hcnRGb3JlZ3JvdW5kSXNBY3RpdmUiOmZhbHNlLCJIb3Jpem9udGFsQWxpZ25tZW50IjoxLCJWZXJ0aWNhbEFsaWdubWVudCI6MCwiU21hcnRGb3JlZ3JvdW5kIjpudWxsLCJCYWNrZ3JvdW5kRmlsbFR5cGUiOjAsIk1hcmdpbiI6eyIkaWQiOiI1NDkiLCJUb3AiOjAsIkxlZnQiOjAsIlJpZ2h0IjowLCJCb3R0b20iOjB9LCJQYWRkaW5nIjp7IiRpZCI6IjU1MCIsIlRvcCI6MCwiTGVmdCI6MCwiUmlnaHQiOjAsIkJvdHRvbSI6MH0sIkJhY2tncm91bmQiOnsiJHJlZiI6IjExNyJ9LCJJc1Zpc2libGUiOnRydWUsIldpZHRoIjowLjAsIkhlaWdodCI6MC4wLCJCb3JkZXJTdHlsZSI6eyIkaWQiOiI1NTEiLCJMaW5lQ29sb3IiOm51bGwsIkxpbmVXZWlnaHQiOjAuMCwiTGluZVR5cGUiOjAsIlBhcmVudFN0eWxlIjpudWxsfSwiUGFyZW50U3R5bGUiOm51bGx9LCJEYXRlU3R5bGUiOnsiJGlkIjoiNTUyIiwiRm9udFNldHRpbmdzIjp7IiRpZCI6IjU1MyIsIkZvbnRTaXplIjoxMCwiRm9udE5hbWUiOiJDYWxpYnJpIiwiSXNCb2xkIjpmYWxzZSwiSXNJdGFsaWMiOmZhbHNlLCJJc1VuZGVybGluZWQiOmZhbHNlLCJQYXJlbnRTdHlsZSI6bnVsbH0sIkF1dG9TaXplIjowLCJGb3JlZ3JvdW5kIjp7IiRpZCI6IjU1NCIsIkNvbG9yIjp7IiRyZWYiOiIxMjEifX0sIk1heFdpZHRoIjoyMDAuMCwiTWF4SGVpZ2h0IjoiSW5maW5pdHkiLCJTbWFydEZvcmVncm91bmRJc0FjdGl2ZSI6ZmFsc2UsIkhvcml6b250YWxBbGlnbm1lbnQiOjAsIlZlcnRpY2FsQWxpZ25tZW50IjowLCJTbWFydEZvcmVncm91bmQiOm51bGwsIkJhY2tncm91bmRGaWxsVHlwZSI6MCwiTWFyZ2luIjp7IiRpZCI6IjU1NSIsIlRvcCI6MCwiTGVmdCI6MCwiUmlnaHQiOjAsIkJvdHRvbSI6MH0sIlBhZGRpbmciOnsiJGlkIjoiNTU2IiwiVG9wIjowLCJMZWZ0IjowLCJSaWdodCI6MCwiQm90dG9tIjowfSwiQmFja2dyb3VuZCI6eyIkcmVmIjoiMTI0In0sIklzVmlzaWJsZSI6dHJ1ZSwiV2lkdGgiOjAuMCwiSGVpZ2h0IjowLjAsIkJvcmRlclN0eWxlIjp7IiRpZCI6IjU1NyIsIkxpbmVDb2xvciI6bnVsbCwiTGluZVdlaWdodCI6MC4wLCJMaW5lVHlwZSI6MCwiUGFyZW50U3R5bGUiOm51bGx9LCJQYXJlbnRTdHlsZSI6bnVsbH0sIkRhdGVGb3JtYXQiOnsiJGlkIjoiNTU4IiwiRm9ybWF0U3RyaW5nIjoiTU1NIGQiLCJTZXBhcmF0b3IiOiIvIiwiVXNlSW50ZXJuYXRpb25hbERhdGVGb3JtYXQiOmZhbHNlLCJEYXRlSXNWaXNpYmxlIjpmYWxzZSwiVGltZUlzVmlzaWJsZSI6ZmFsc2UsIkhvdXJEaWdpdHMiOjEsIkFtUG1EZXNpZ25hdG9yIjoyLCJUcmltMDBNaW51dGVzIjpmYWxzZSwiTGFzdEtub3duVmlzaWJpbGl0eVN0YXRlIjp7IiRpZCI6IjU1OSIsIkRhdGVQYXJ0SXNWaXNpYmxlIjp0cnVlLCJUaW1lUGFydElzVmlzaWJsZSI6ZmFsc2V9fSwiSXNWaXNpYmxlIjp0cnVlLCJQYXJlbnRTdHlsZSI6bnVsbH0sIkluZGV4IjoxMiwiU21hcnREdXJhdGlvbkFjdGl2YXRlZCI6ZmFsc2UsIkRhdGVGb3JtYXQiOnsiJHJlZiI6IjU1OCJ9LCJJZCI6IjVmZGMxYWUxLTczOTAtNDkxNS04N2VlLWIzZTBhNTcwMWU4NiIsIkltcG9ydElkIjpudWxsLCJUaXRsZSI6IlNlY3VyaXR5IFBvbGljeSAiLCJOb3RlIjpudWxsLCJIeXBlcmxpbmsiOnsiJGlkIjoiNTYwIiwiQWRkcmVzcyI6IiIsIlN1YkFkZHJlc3MiOiIifSwiSXNDaGFuZ2VkIjpmYWxzZSwiSXNOZXciOmZhbHNlfSwiSW5kZXgiOjB9LHsiJGlkIjoiNTYxIiwiX2F0dGFjaGVkTWlsZXN0b25lcyI6W10sIlRhc2tEZWZpbml0aW9uIjp7IiRpZCI6IjU2MiIsIkdyb3VwTmFtZSI6IjliMzFlZjE3LTkzYWUtNDVjZS04MTI5LTYwOWZhNWVhNjY5OSIsIlN0YXJ0RGF0ZSI6IjIwMTktMTItMjVUMDA6MDA6MDAiLCJFbmREYXRlIjoiMjAyMC0wNS0xMFQxMTo1OTowMCIsIlBlcmNlbnRhZ2VDb21wbGV0ZSI6bnVsbCwiU3R5bGUiOnsiJGlkIjoiNTYzIiwiU2hhcGUiOjEsIlNoYXBlVGhpY2tuZXNzIjoxLCJEdXJhdGlvbkZvcm1hdCI6MCwiSW5jbHVkZU5vbldvcmtpbmdEYXlzSW5EdXJhdGlvbiI6ZmFsc2UsIlBlcmNlbnRhZ2VDb21wbGV0ZVN0eWxlIjp7IiRpZCI6IjU2NCIsIkZvbnRTZXR0aW5ncyI6eyIkaWQiOiI1NjUiLCJGb250U2l6ZSI6MTAsIkZvbnROYW1lIjoiQ2FsaWJyaSIsIklzQm9sZCI6ZmFsc2UsIklzSXRhbGljIjpmYWxzZSwiSXNVbmRlcmxpbmVkIjpmYWxzZSwiUGFyZW50U3R5bGUiOm51bGx9LCJBdXRvU2l6ZSI6MCwiRm9yZWdyb3VuZCI6eyIkcmVmIjoiODUifSwiTWF4V2lkdGgiOjIwMC4wLCJNYXhIZWlnaHQiOiJJbmZpbml0eSIsIlNtYXJ0Rm9yZWdyb3VuZElzQWN0aXZlIjpmYWxzZSwiSG9yaXpvbnRhbEFsaWdubWVudCI6MCwiVmVydGljYWxBbGlnbm1lbnQiOjAsIlNtYXJ0Rm9yZWdyb3VuZCI6bnVsbCwiQmFja2dyb3VuZEZpbGxUeXBlIjowLCJNYXJnaW4iOnsiJGlkIjoiNTY2IiwiVG9wIjowLCJMZWZ0IjowLCJSaWdodCI6MCwiQm90dG9tIjowfSwiUGFkZGluZyI6eyIkaWQiOiI1NjciLCJUb3AiOjAsIkxlZnQiOjAsIlJpZ2h0IjowLCJCb3R0b20iOjB9LCJCYWNrZ3JvdW5kIjp7IiRyZWYiOiI4OSJ9LCJJc1Zpc2libGUiOnRydWUsIldpZHRoIjowLjAsIkhlaWdodCI6MC4wLCJCb3JkZXJTdHlsZSI6eyIkaWQiOiI1NjgiLCJMaW5lQ29sb3IiOm51bGwsIkxpbmVXZWlnaHQiOjAuMCwiTGluZVR5cGUiOjAsIlBhcmVudFN0eWxlIjpudWxsfSwiUGFyZW50U3R5bGUiOm51bGx9LCJEdXJhdGlvblN0eWxlIjp7IiRpZCI6IjU2OSIsIkZvbnRTZXR0aW5ncyI6eyIkaWQiOiI1NzAiLCJGb250U2l6ZSI6MTAsIkZvbnROYW1lIjoiQ2FsaWJyaSIsIklzQm9sZCI6ZmFsc2UsIklzSXRhbGljIjpmYWxzZSwiSXNVbmRlcmxpbmVkIjpmYWxzZSwiUGFyZW50U3R5bGUiOm51bGx9LCJBdXRvU2l6ZSI6MCwiRm9yZWdyb3VuZCI6eyIkaWQiOiI1NzEiLCJDb2xvciI6eyIkcmVmIjoiOTMifX0sIk1heFdpZHRoIjoyMDAuMCwiTWF4SGVpZ2h0IjoiSW5maW5pdHkiLCJTbWFydEZvcmVncm91bmRJc0FjdGl2ZSI6ZmFsc2UsIkhvcml6b250YWxBbGlnbm1lbnQiOjAsIlZlcnRpY2FsQWxpZ25tZW50IjowLCJTbWFydEZvcmVncm91bmQiOm51bGwsIkJhY2tncm91bmRGaWxsVHlwZSI6MCwiTWFyZ2luIjp7IiRpZCI6IjU3MiIsIlRvcCI6MCwiTGVmdCI6MCwiUmlnaHQiOjAsIkJvdHRvbSI6MH0sIlBhZGRpbmciOnsiJGlkIjoiNTczIiwiVG9wIjowLCJMZWZ0IjowLCJSaWdodCI6MCwiQm90dG9tIjowfSwiQmFja2dyb3VuZCI6eyIkcmVmIjoiOTYifSwiSXNWaXNpYmxlIjp0cnVlLCJXaWR0aCI6MC4wLCJIZWlnaHQiOjAuMCwiQm9yZGVyU3R5bGUiOnsiJGlkIjoiNTc0IiwiTGluZUNvbG9yIjpudWxsLCJMaW5lV2VpZ2h0IjowLjAsIkxpbmVUeXBlIjowLCJQYXJlbnRTdHlsZSI6bnVsbH0sIlBhcmVudFN0eWxlIjpudWxsfSwiSG9yaXpvbnRhbENvbm5lY3RvclN0eWxlIjp7IiRpZCI6IjU3NSIsIkxpbmVDb2xvciI6eyIkcmVmIjoiOTgifSwiTGluZVdlaWdodCI6MS4wLCJMaW5lVHlwZSI6MCwiUGFyZW50U3R5bGUiOm51bGx9LCJWZXJ0aWNhbENvbm5lY3RvclN0eWxlIjp7IiRpZCI6IjU3NiIsIkxpbmVDb2xvciI6eyIkcmVmIjoiMTAxIn0sIkxpbmVXZWlnaHQiOjAuMCwiTGluZVR5cGUiOjAsIlBhcmVudFN0eWxlIjpudWxsfSwiTWFyZ2luIjpudWxsLCJTdGFydERhdGVQb3NpdGlvbiI6NiwiRW5kRGF0ZVBvc2l0aW9uIjo2LCJEYXRlSXNWaXNpYmxlIjpmYWxzZSwiVGl0bGVQb3NpdGlvbiI6MiwiRHVyYXRpb25Qb3NpdGlvbiI6NiwiUGVyY2VudGFnZUNvbXBsZXRlZFBvc2l0aW9uIjoyLCJTcGFjaW5nIjozLCJJc0JlbG93VGltZWJhbmQiOnRydWUsIlBlcmNlbnRhZ2VDb21wbGV0ZVNoYXBlT3BhY2l0eSI6MzUsIlNoYXBlU3R5bGUiOnsiJGlkIjoiNTc3IiwiTWFyZ2luIjp7IiRpZCI6IjU3OCIsIlRvcCI6MCwiTGVmdCI6NCwiUmlnaHQiOjQsIkJvdHRvbSI6MH0sIlBhZGRpbmciOnsiJGlkIjoiNTc5IiwiVG9wIjowLCJMZWZ0IjowLCJSaWdodCI6MCwiQm90dG9tIjowfSwiQmFja2dyb3VuZCI6eyIkaWQiOiI1ODAiLCJDb2xvciI6eyIkaWQiOiI1ODEiLCJBIjoyNTUsIlIiOjE2MywiRyI6OTksIkIiOjE5NX19LCJJc1Zpc2libGUiOnRydWUsIldpZHRoIjowLjAsIkhlaWdodCI6MTYuMCwiQm9yZGVyU3R5bGUiOnsiJGlkIjoiNTgyIiwiTGluZUNvbG9yIjp7IiRpZCI6IjU4MyIsIiR0eXBlIjoiTkxSRS5Db21tb24uRG9tLlNvbGlkQ29sb3JCcnVzaCwgTkxSRS5Db21tb24iLCJDb2xvciI6eyIkaWQiOiI1ODQiLCJBIjoyNTUsIlIiOjI1NSwiRyI6MCwiQiI6MH19LCJMaW5lV2VpZ2h0IjowLjAsIkxpbmVUeXBlIjowLCJQYXJlbnRTdHlsZSI6bnVsbH0sIlBhcmVudFN0eWxlIjpudWxsfSwiVGl0bGVTdHlsZSI6eyIkaWQiOiI1ODUiLCJGb250U2V0dGluZ3MiOnsiJGlkIjoiNTg2IiwiRm9udFNpemUiOjExLCJGb250TmFtZSI6IkNhbGlicmkiLCJJc0JvbGQiOmZhbHNlLCJJc0l0YWxpYyI6ZmFsc2UsIklzVW5kZXJsaW5lZCI6ZmFsc2UsIlBhcmVudFN0eWxlIjpudWxsfSwiQXV0b1NpemUiOjAsIkZvcmVncm91bmQiOnsiJGlkIjoiNTg3IiwiQ29sb3IiOnsiJGlkIjoiNTg4IiwiQSI6MjU1LCJSIjoyNTUsIkciOjI1NSwiQiI6MjU1fX0sIk1heFdpZHRoIjo3MjAuMCwiTWF4SGVpZ2h0IjoiSW5maW5pdHkiLCJTbWFydEZvcmVncm91bmRJc0FjdGl2ZSI6ZmFsc2UsIkhvcml6b250YWxBbGlnbm1lbnQiOjEsIlZlcnRpY2FsQWxpZ25tZW50IjowLCJTbWFydEZvcmVncm91bmQiOm51bGwsIkJhY2tncm91bmRGaWxsVHlwZSI6MCwiTWFyZ2luIjp7IiRpZCI6IjU4OSIsIlRvcCI6MCwiTGVmdCI6MCwiUmlnaHQiOjAsIkJvdHRvbSI6MH0sIlBhZGRpbmciOnsiJGlkIjoiNTkwIiwiVG9wIjowLCJMZWZ0IjowLCJSaWdodCI6MCwiQm90dG9tIjowfSwiQmFja2dyb3VuZCI6eyIkcmVmIjoiMTE3In0sIklzVmlzaWJsZSI6dHJ1ZSwiV2lkdGgiOjAuMCwiSGVpZ2h0IjowLjAsIkJvcmRlclN0eWxlIjp7IiRpZCI6IjU5MSIsIkxpbmVDb2xvciI6bnVsbCwiTGluZVdlaWdodCI6MC4wLCJMaW5lVHlwZSI6MCwiUGFyZW50U3R5bGUiOm51bGx9LCJQYXJlbnRTdHlsZSI6bnVsbH0sIkRhdGVTdHlsZSI6eyIkaWQiOiI1OTIiLCJGb250U2V0dGluZ3MiOnsiJGlkIjoiNTkzIiwiRm9udFNpemUiOjEwLCJGb250TmFtZSI6IkNhbGlicmkiLCJJc0JvbGQiOmZhbHNlLCJJc0l0YWxpYyI6ZmFsc2UsIklzVW5kZXJsaW5lZCI6ZmFsc2UsIlBhcmVudFN0eWxlIjpudWxsfSwiQXV0b1NpemUiOjAsIkZvcmVncm91bmQiOnsiJGlkIjoiNTk0IiwiQ29sb3IiOnsiJHJlZiI6IjEyMSJ9fSwiTWF4V2lkdGgiOjIwMC4wLCJNYXhIZWlnaHQiOiJJbmZpbml0eSIsIlNtYXJ0Rm9yZWdyb3VuZElzQWN0aXZlIjpmYWxzZSwiSG9yaXpvbnRhbEFsaWdubWVudCI6MCwiVmVydGljYWxBbGlnbm1lbnQiOjAsIlNtYXJ0Rm9yZWdyb3VuZCI6bnVsbCwiQmFja2dyb3VuZEZpbGxUeXBlIjowLCJNYXJnaW4iOnsiJGlkIjoiNTk1IiwiVG9wIjowLCJMZWZ0IjowLCJSaWdodCI6MCwiQm90dG9tIjowfSwiUGFkZGluZyI6eyIkaWQiOiI1OTYiLCJUb3AiOjAsIkxlZnQiOjAsIlJpZ2h0IjowLCJCb3R0b20iOjB9LCJCYWNrZ3JvdW5kIjp7IiRyZWYiOiIxMjQifSwiSXNWaXNpYmxlIjp0cnVlLCJXaWR0aCI6MC4wLCJIZWlnaHQiOjAuMCwiQm9yZGVyU3R5bGUiOnsiJGlkIjoiNTk3IiwiTGluZUNvbG9yIjpudWxsLCJMaW5lV2VpZ2h0IjowLjAsIkxpbmVUeXBlIjowLCJQYXJlbnRTdHlsZSI6bnVsbH0sIlBhcmVudFN0eWxlIjpudWxsfSwiRGF0ZUZvcm1hdCI6eyIkaWQiOiI1OTgiLCJGb3JtYXRTdHJpbmciOiJNTU0gZCIsIlNlcGFyYXRvciI6Ii8iLCJVc2VJbnRlcm5hdGlvbmFsRGF0ZUZvcm1hdCI6ZmFsc2UsIkRhdGVJc1Zpc2libGUiOmZhbHNlLCJUaW1lSXNWaXNpYmxlIjpmYWxzZSwiSG91ckRpZ2l0cyI6MSwiQW1QbURlc2lnbmF0b3IiOjIsIlRyaW0wME1pbnV0ZXMiOmZhbHNlLCJMYXN0S25vd25WaXNpYmlsaXR5U3RhdGUiOnsiJGlkIjoiNTk5IiwiRGF0ZVBhcnRJc1Zpc2libGUiOnRydWUsIlRpbWVQYXJ0SXNWaXNpYmxlIjpmYWxzZX19LCJJc1Zpc2libGUiOnRydWUsIlBhcmVudFN0eWxlIjpudWxsfSwiSW5kZXgiOjEzLCJTbWFydER1cmF0aW9uQWN0aXZhdGVkIjpmYWxzZSwiRGF0ZUZvcm1hdCI6eyIkcmVmIjoiNTk4In0sIklkIjoiOTgzMjU0MGMtYzNkYy00OTI1LWJkMWMtOTViNmY1MjMyNGVmIiwiSW1wb3J0SWQiOm51bGwsIlRpdGxlIjoiQ29uZiBTdGF0aW9ucyIsIk5vdGUiOm51bGwsIkh5cGVybGluayI6eyIkaWQiOiI2MDAiLCJBZGRyZXNzIjoiIiwiU3ViQWRkcmVzcyI6IiJ9LCJJc0NoYW5nZWQiOmZhbHNlLCJJc05ldyI6ZmFsc2V9LCJJbmRleCI6MH0seyIkaWQiOiI2MDEiLCJfYXR0YWNoZWRNaWxlc3RvbmVzIjpbeyIkaWQiOiI2MDIiLCJEYXRlIjoiMjAyMC0wNS0yMVQxMTo1OTowMCIsIlN0eWxlIjp7IiRpZCI6IjYwMyIsIlNoYXBlIjoxMSwiQ29ubmVjdG9yTWFyZ2luIjp7IiRpZCI6IjYwNCIsIlRvcCI6MCwiTGVmdCI6MiwiUmlnaHQiOjIsIkJvdHRvbSI6MH0sIkNvbm5lY3RvclN0eWxlIjp7IiRpZCI6IjYwNSIsIkxpbmVDb2xvciI6eyIkaWQiOiI2MDYiLCIkdHlwZSI6Ik5MUkUuQ29tbW9uLkRvbS5Tb2xpZENvbG9yQnJ1c2gsIE5MUkUuQ29tbW9uIiwiQ29sb3IiOnsiJGlkIjoiNjA3IiwiQSI6MTI3LCJSIjoxMTUsIkciOjExNSwiQiI6MTE1fX0sIkxpbmVXZWlnaHQiOjEuMCwiTGluZVR5cGUiOjAsIlBhcmVudFN0eWxlIjpudWxsfSwiSXNCZWxvd1RpbWViYW5kIjp0cnVlLCJQb3NpdGlvbk9uVGFzayI6MiwiSGlkZURhdGUiOmZhbHNlLCJTaGFwZVNpemUiOjAsIlNwYWNpbmciOjAuMCwiUGFkZGluZyI6eyIkaWQiOiI2MDgiLCJUb3AiOjcsIkxlZnQiOjMsIlJpZ2h0IjowLCJCb3R0b20iOjJ9LCJTaGFwZVN0eWxlIjp7IiRpZCI6IjYwOSIsIk1hcmdpbiI6eyIkaWQiOiI2MTAiLCJUb3AiOjAsIkxlZnQiOjAsIlJpZ2h0IjowLCJCb3R0b20iOjB9LCJQYWRkaW5nIjp7IiRpZCI6IjYxMSIsIlRvcCI6MCwiTGVmdCI6MCwiUmlnaHQiOjAsIkJvdHRvbSI6MH0sIkJhY2tncm91bmQiOnsiJGlkIjoiNjEyIiwiQ29sb3IiOnsiJGlkIjoiNjEzIiwiQSI6MjU1LCJSIjoxMTUsIkciOjExNSwiQiI6MTE1fX0sIklzVmlzaWJsZSI6dHJ1ZSwiV2lkdGgiOjEyLjAsIkhlaWdodCI6MTQuMCwiQm9yZGVyU3R5bGUiOnsiJGlkIjoiNjE0IiwiTGluZUNvbG9yIjpudWxsLCJMaW5lV2VpZ2h0IjowLjAsIkxpbmVUeXBlIjowLCJQYXJlbnRTdHlsZSI6bnVsbH0sIlBhcmVudFN0eWxlIjpudWxsfSwiVGl0bGVTdHlsZSI6eyIkaWQiOiI2MTUiLCJGb250U2V0dGluZ3MiOnsiJGlkIjoiNjE2IiwiRm9udFNpemUiOjExLCJGb250TmFtZSI6IkNhbGlicmkiLCJJc0JvbGQiOnRydWUsIklzSXRhbGljIjpmYWxzZSwiSXNVbmRlcmxpbmVkIjpmYWxzZSwiUGFyZW50U3R5bGUiOm51bGx9LCJBdXRvU2l6ZSI6MCwiRm9yZWdyb3VuZCI6eyIkaWQiOiI2MTciLCJDb2xvciI6eyIkaWQiOiI2MTgiLCJBIjoyNTUsIlIiOjAsIkciOjAsIkIiOjB9fSwiTWF4V2lkdGgiOjIwMC4wLCJNYXhIZWlnaHQiOiJJbmZpbml0eSIsIlNtYXJ0Rm9yZWdyb3VuZElzQWN0aXZlIjpmYWxzZSwiSG9yaXpvbnRhbEFsaWdubWVudCI6MSwiVmVydGljYWxBbGlnbm1lbnQiOjAsIlNtYXJ0Rm9yZWdyb3VuZCI6bnVsbCwiQmFja2dyb3VuZEZpbGxUeXBlIjowLCJNYXJnaW4iOnsiJGlkIjoiNjE5IiwiVG9wIjowLCJMZWZ0IjowLCJSaWdodCI6MCwiQm90dG9tIjowfSwiUGFkZGluZyI6eyIkaWQiOiI2MjAiLCJUb3AiOjAsIkxlZnQiOjAsIlJpZ2h0IjowLCJCb3R0b20iOjB9LCJCYWNrZ3JvdW5kIjp7IiRyZWYiOiI3MyJ9LCJJc1Zpc2libGUiOnRydWUsIldpZHRoIjowLjAsIkhlaWdodCI6MC4wLCJCb3JkZXJTdHlsZSI6eyIkaWQiOiI2MjEiLCJMaW5lQ29sb3IiOm51bGwsIkxpbmVXZWlnaHQiOjAuMCwiTGluZVR5cGUiOjAsIlBhcmVudFN0eWxlIjpudWxsfSwiUGFyZW50U3R5bGUiOm51bGx9LCJEYXRlU3R5bGUiOnsiJGlkIjoiNjIyIiwiRm9udFNldHRpbmdzIjp7IiRpZCI6IjYyMyIsIkZvbnRTaXplIjoxMCwiRm9udE5hbWUiOiJDYWxpYnJpIiwiSXNCb2xkIjpmYWxzZSwiSXNJdGFsaWMiOmZhbHNlLCJJc1VuZGVybGluZWQiOmZhbHNlLCJQYXJlbnRTdHlsZSI6bnVsbH0sIkF1dG9TaXplIjowLCJGb3JlZ3JvdW5kIjp7IiRpZCI6IjYyNCIsIkNvbG9yIjp7IiRpZCI6IjYyNSIsIkEiOjI1NSwiUiI6NjgsIkciOjg0LCJCIjoxMDZ9fSwiTWF4V2lkdGgiOjIwMC4wLCJNYXhIZWlnaHQiOiJJbmZpbml0eSIsIlNtYXJ0Rm9yZWdyb3VuZElzQWN0aXZlIjpmYWxzZSwiSG9yaXpvbnRhbEFsaWdubWVudCI6MSwiVmVydGljYWxBbGlnbm1lbnQiOjAsIlNtYXJ0Rm9yZWdyb3VuZCI6bnVsbCwiQmFja2dyb3VuZEZpbGxUeXBlIjowLCJNYXJnaW4iOnsiJGlkIjoiNjI2IiwiVG9wIjowLCJMZWZ0IjowLCJSaWdodCI6MCwiQm90dG9tIjowfSwiUGFkZGluZyI6eyIkaWQiOiI2MjciLCJUb3AiOjAsIkxlZnQiOjAsIlJpZ2h0IjowLCJCb3R0b20iOjB9LCJCYWNrZ3JvdW5kIjp7IiRyZWYiOiI4MCJ9LCJJc1Zpc2libGUiOnRydWUsIldpZHRoIjowLjAsIkhlaWdodCI6MC4wLCJCb3JkZXJTdHlsZSI6eyIkaWQiOiI2MjgiLCJMaW5lQ29sb3IiOm51bGwsIkxpbmVXZWlnaHQiOjAuMCwiTGluZVR5cGUiOjAsIlBhcmVudFN0eWxlIjpudWxsfSwiUGFyZW50U3R5bGUiOm51bGx9LCJEYXRlRm9ybWF0Ijp7IiRpZCI6IjYyOSIsIkZvcm1hdFN0cmluZyI6Ik1NTSBkIiwiU2VwYXJhdG9yIjoiLyIsIlVzZUludGVybmF0aW9uYWxEYXRlRm9ybWF0IjpmYWxzZSwiRGF0ZUlzVmlzaWJsZSI6dHJ1ZSwiVGltZUlzVmlzaWJsZSI6ZmFsc2UsIkhvdXJEaWdpdHMiOjEsIkFtUG1EZXNpZ25hdG9yIjoyLCJUcmltMDBNaW51dGVzIjpmYWxzZSwiTGFzdEtub3duVmlzaWJpbGl0eVN0YXRlIjpudWxsfSwiSXNWaXNpYmxlIjp0cnVlLCJQYXJlbnRTdHlsZSI6bnVsbH0sIkluZGV4IjoxNSwiUGVyY2VudGFnZUNvbXBsZXRlIjpudWxsLCJQb3NpdGlvbiI6eyJSYXRpbyI6MC4wLCJJc0N1c3RvbSI6ZmFsc2V9LCJEYXRlRm9ybWF0Ijp7IiRyZWYiOiI2MjkifSwiUmVsYXRlZFRhc2tJZCI6Ijc2MjU1MDAyLWY1MTgtNGJkMS04MmM4LTJhYmE2ODFmZjRkYSIsIklkIjoiNzE3MzI0ZjQtOTQ0ZS00YWU0LWFmOGYtMWEyZDFhMDA4NjljIiwiSW1wb3J0SWQiOm51bGwsIlRpdGxlIjoiT25yYW1wICIsIk5vdGUiOm51bGwsIkh5cGVybGluayI6eyIkaWQiOiI2MzAiLCJBZGRyZXNzIjoiIiwiU3ViQWRkcmVzcyI6IiJ9LCJJc0NoYW5nZWQiOmZhbHNlLCJJc05ldyI6ZmFsc2V9XSwiVGFza0RlZmluaXRpb24iOnsiJGlkIjoiNjMxIiwiR3JvdXBOYW1lIjoiMzc0ODE5ZjQtYmE3OC00YmE3LThhYjktZWNhYTYzYjU5NTAwIiwiU3RhcnREYXRlIjoiMjAyMC0wNC0zMFQwMDowMDowMCIsIkVuZERhdGUiOiIyMDIwLTA5LTI3VDExOjU5OjAwIiwiUGVyY2VudGFnZUNvbXBsZXRlIjo4NS4wLCJTdHlsZSI6eyIkaWQiOiI2MzIiLCJTaGFwZSI6NCwiU2hhcGVUaGlja25lc3MiOjEsIkR1cmF0aW9uRm9ybWF0IjowLCJJbmNsdWRlTm9uV29ya2luZ0RheXNJbkR1cmF0aW9uIjpmYWxzZSwiUGVyY2VudGFnZUNvbXBsZXRlU3R5bGUiOnsiJGlkIjoiNjMzIiwiRm9udFNldHRpbmdzIjp7IiRpZCI6IjYzNCIsIkZvbnRTaXplIjoxMCwiRm9udE5hbWUiOiJDYWxpYnJpIiwiSXNCb2xkIjpmYWxzZSwiSXNJdGFsaWMiOmZhbHNlLCJJc1VuZGVybGluZWQiOmZhbHNlLCJQYXJlbnRTdHlsZSI6bnVsbH0sIkF1dG9TaXplIjowLCJGb3JlZ3JvdW5kIjp7IiRpZCI6IjYzNSIsIkNvbG9yIjp7IiRpZCI6IjYzNiIsIkEiOjI1NSwiUiI6MTkyLCJHIjo4MCwiQiI6Nzd9fSwiTWF4V2lkdGgiOjIwMC4wLCJNYXhIZWlnaHQiOiJJbmZpbml0eSIsIlNtYXJ0Rm9yZWdyb3VuZElzQWN0aXZlIjpmYWxzZSwiSG9yaXpvbnRhbEFsaWdubWVudCI6MSwiVmVydGljYWxBbGlnbm1lbnQiOjAsIlNtYXJ0Rm9yZWdyb3VuZCI6bnVsbCwiQmFja2dyb3VuZEZpbGxUeXBlIjowLCJNYXJnaW4iOnsiJGlkIjoiNjM3IiwiVG9wIjowLCJMZWZ0IjowLCJSaWdodCI6MCwiQm90dG9tIjowfSwiUGFkZGluZyI6eyIkaWQiOiI2MzgiLCJUb3AiOjAsIkxlZnQiOjAsIlJpZ2h0IjowLCJCb3R0b20iOjB9LCJCYWNrZ3JvdW5kIjp7IiRyZWYiOiI4OSJ9LCJJc1Zpc2libGUiOnRydWUsIldpZHRoIjowLjAsIkhlaWdodCI6MC4wLCJCb3JkZXJTdHlsZSI6eyIkaWQiOiI2MzkiLCJMaW5lQ29sb3IiOm51bGwsIkxpbmVXZWlnaHQiOjAuMCwiTGluZVR5cGUiOjAsIlBhcmVudFN0eWxlIjpudWxsfSwiUGFyZW50U3R5bGUiOm51bGx9LCJEdXJhdGlvblN0eWxlIjp7IiRpZCI6IjY0MCIsIkZvbnRTZXR0aW5ncyI6eyIkaWQiOiI2NDEiLCJGb250U2l6ZSI6MTAsIkZvbnROYW1lIjoiQ2FsaWJyaSIsIklzQm9sZCI6ZmFsc2UsIklzSXRhbGljIjpmYWxzZSwiSXNVbmRlcmxpbmVkIjpmYWxzZSwiUGFyZW50U3R5bGUiOm51bGx9LCJBdXRvU2l6ZSI6MCwiRm9yZWdyb3VuZCI6eyIkaWQiOiI2NDIiLCJDb2xvciI6eyIkcmVmIjoiOTMifX0sIk1heFdpZHRoIjoyMDAuMCwiTWF4SGVpZ2h0IjoiSW5maW5pdHkiLCJTbWFydEZvcmVncm91bmRJc0FjdGl2ZSI6ZmFsc2UsIkhvcml6b250YWxBbGlnbm1lbnQiOjAsIlZlcnRpY2FsQWxpZ25tZW50IjowLCJTbWFydEZvcmVncm91bmQiOm51bGwsIkJhY2tncm91bmRGaWxsVHlwZSI6MCwiTWFyZ2luIjp7IiRpZCI6IjY0MyIsIlRvcCI6MCwiTGVmdCI6MCwiUmlnaHQiOjAsIkJvdHRvbSI6MH0sIlBhZGRpbmciOnsiJGlkIjoiNjQ0IiwiVG9wIjowLCJMZWZ0IjowLCJSaWdodCI6MCwiQm90dG9tIjowfSwiQmFja2dyb3VuZCI6eyIkcmVmIjoiOTYifSwiSXNWaXNpYmxlIjp0cnVlLCJXaWR0aCI6MC4wLCJIZWlnaHQiOjAuMCwiQm9yZGVyU3R5bGUiOnsiJGlkIjoiNjQ1IiwiTGluZUNvbG9yIjpudWxsLCJMaW5lV2VpZ2h0IjowLjAsIkxpbmVUeXBlIjowLCJQYXJlbnRTdHlsZSI6bnVsbH0sIlBhcmVudFN0eWxlIjpudWxsfSwiSG9yaXpvbnRhbENvbm5lY3RvclN0eWxlIjp7IiRpZCI6IjY0NiIsIkxpbmVDb2xvciI6eyIkcmVmIjoiOTgifSwiTGluZVdlaWdodCI6MS4wLCJMaW5lVHlwZSI6MCwiUGFyZW50U3R5bGUiOm51bGx9LCJWZXJ0aWNhbENvbm5lY3RvclN0eWxlIjp7IiRpZCI6IjY0NyIsIkxpbmVDb2xvciI6eyIkcmVmIjoiMTAxIn0sIkxpbmVXZWlnaHQiOjAuMCwiTGluZVR5cGUiOjAsIlBhcmVudFN0eWxlIjpudWxsfSwiTWFyZ2luIjpudWxsLCJTdGFydERhdGVQb3NpdGlvbiI6NiwiRW5kRGF0ZVBvc2l0aW9uIjo2LCJEYXRlSXNWaXNpYmxlIjpmYWxzZSwiVGl0bGVQb3NpdGlvbiI6MiwiRHVyYXRpb25Qb3NpdGlvbiI6NiwiUGVyY2VudGFnZUNvbXBsZXRlZFBvc2l0aW9uIjoyLCJTcGFjaW5nIjozLCJJc0JlbG93VGltZWJhbmQiOnRydWUsIlBlcmNlbnRhZ2VDb21wbGV0ZVNoYXBlT3BhY2l0eSI6MzUsIlNoYXBlU3R5bGUiOnsiJGlkIjoiNjQ4IiwiTWFyZ2luIjp7IiRpZCI6IjY0OSIsIlRvcCI6MCwiTGVmdCI6NCwiUmlnaHQiOjQsIkJvdHRvbSI6MH0sIlBhZGRpbmciOnsiJGlkIjoiNjUwIiwiVG9wIjowLCJMZWZ0IjowLCJSaWdodCI6MCwiQm90dG9tIjowfSwiQmFja2dyb3VuZCI6eyIkaWQiOiI2NTEiLCJDb2xvciI6eyIkaWQiOiI2NTIiLCJBIjoyNTUsIlIiOjE2MywiRyI6OTksIkIiOjE5NX19LCJJc1Zpc2libGUiOnRydWUsIldpZHRoIjowLjAsIkhlaWdodCI6MTYuMCwiQm9yZGVyU3R5bGUiOnsiJGlkIjoiNjUzIiwiTGluZUNvbG9yIjp7IiRpZCI6IjY1NCIsIiR0eXBlIjoiTkxSRS5Db21tb24uRG9tLlNvbGlkQ29sb3JCcnVzaCwgTkxSRS5Db21tb24iLCJDb2xvciI6eyIkaWQiOiI2NTUiLCJBIjoyNTUsIlIiOjI1NSwiRyI6MCwiQiI6MH19LCJMaW5lV2VpZ2h0IjowLjAsIkxpbmVUeXBlIjowLCJQYXJlbnRTdHlsZSI6bnVsbH0sIlBhcmVudFN0eWxlIjpudWxsfSwiVGl0bGVTdHlsZSI6eyIkaWQiOiI2NTYiLCJGb250U2V0dGluZ3MiOnsiJGlkIjoiNjU3IiwiRm9udFNpemUiOjExLCJGb250TmFtZSI6IkNhbGlicmkiLCJJc0JvbGQiOmZhbHNlLCJJc0l0YWxpYyI6ZmFsc2UsIklzVW5kZXJsaW5lZCI6ZmFsc2UsIlBhcmVudFN0eWxlIjpudWxsfSwiQXV0b1NpemUiOjAsIkZvcmVncm91bmQiOnsiJGlkIjoiNjU4IiwiQ29sb3IiOnsiJGlkIjoiNjU5IiwiQSI6MjU1LCJSIjoyNTUsIkciOjI1NSwiQiI6MjU1fX0sIk1heFdpZHRoIjo3MjAuMCwiTWF4SGVpZ2h0IjoiSW5maW5pdHkiLCJTbWFydEZvcmVncm91bmRJc0FjdGl2ZSI6ZmFsc2UsIkhvcml6b250YWxBbGlnbm1lbnQiOjEsIlZlcnRpY2FsQWxpZ25tZW50IjowLCJTbWFydEZvcmVncm91bmQiOm51bGwsIkJhY2tncm91bmRGaWxsVHlwZSI6MCwiTWFyZ2luIjp7IiRpZCI6IjY2MCIsIlRvcCI6MCwiTGVmdCI6MCwiUmlnaHQiOjAsIkJvdHRvbSI6MH0sIlBhZGRpbmciOnsiJGlkIjoiNjYxIiwiVG9wIjowLCJMZWZ0IjowLCJSaWdodCI6MCwiQm90dG9tIjowfSwiQmFja2dyb3VuZCI6eyIkcmVmIjoiMTE3In0sIklzVmlzaWJsZSI6dHJ1ZSwiV2lkdGgiOjAuMCwiSGVpZ2h0IjowLjAsIkJvcmRlclN0eWxlIjp7IiRpZCI6IjY2MiIsIkxpbmVDb2xvciI6bnVsbCwiTGluZVdlaWdodCI6MC4wLCJMaW5lVHlwZSI6MCwiUGFyZW50U3R5bGUiOm51bGx9LCJQYXJlbnRTdHlsZSI6bnVsbH0sIkRhdGVTdHlsZSI6eyIkaWQiOiI2NjMiLCJGb250U2V0dGluZ3MiOnsiJGlkIjoiNjY0IiwiRm9udFNpemUiOjEwLCJGb250TmFtZSI6IkNhbGlicmkiLCJJc0JvbGQiOmZhbHNlLCJJc0l0YWxpYyI6ZmFsc2UsIklzVW5kZXJsaW5lZCI6ZmFsc2UsIlBhcmVudFN0eWxlIjpudWxsfSwiQXV0b1NpemUiOjAsIkZvcmVncm91bmQiOnsiJGlkIjoiNjY1IiwiQ29sb3IiOnsiJHJlZiI6IjEyMSJ9fSwiTWF4V2lkdGgiOjIwMC4wLCJNYXhIZWlnaHQiOiJJbmZpbml0eSIsIlNtYXJ0Rm9yZWdyb3VuZElzQWN0aXZlIjpmYWxzZSwiSG9yaXpvbnRhbEFsaWdubWVudCI6MCwiVmVydGljYWxBbGlnbm1lbnQiOjAsIlNtYXJ0Rm9yZWdyb3VuZCI6bnVsbCwiQmFja2dyb3VuZEZpbGxUeXBlIjowLCJNYXJnaW4iOnsiJGlkIjoiNjY2IiwiVG9wIjowLCJMZWZ0IjowLCJSaWdodCI6MCwiQm90dG9tIjowfSwiUGFkZGluZyI6eyIkaWQiOiI2NjciLCJUb3AiOjAsIkxlZnQiOjAsIlJpZ2h0IjowLCJCb3R0b20iOjB9LCJCYWNrZ3JvdW5kIjp7IiRyZWYiOiIxMjQifSwiSXNWaXNpYmxlIjp0cnVlLCJXaWR0aCI6MC4wLCJIZWlnaHQiOjAuMCwiQm9yZGVyU3R5bGUiOnsiJGlkIjoiNjY4IiwiTGluZUNvbG9yIjpudWxsLCJMaW5lV2VpZ2h0IjowLjAsIkxpbmVUeXBlIjowLCJQYXJlbnRTdHlsZSI6bnVsbH0sIlBhcmVudFN0eWxlIjpudWxsfSwiRGF0ZUZvcm1hdCI6eyIkaWQiOiI2NjkiLCJGb3JtYXRTdHJpbmciOiJNTU0gZCIsIlNlcGFyYXRvciI6Ii8iLCJVc2VJbnRlcm5hdGlvbmFsRGF0ZUZvcm1hdCI6ZmFsc2UsIkRhdGVJc1Zpc2libGUiOmZhbHNlLCJUaW1lSXNWaXNpYmxlIjpmYWxzZSwiSG91ckRpZ2l0cyI6MSwiQW1QbURlc2lnbmF0b3IiOjIsIlRyaW0wME1pbnV0ZXMiOmZhbHNlLCJMYXN0S25vd25WaXNpYmlsaXR5U3RhdGUiOnsiJGlkIjoiNjcwIiwiRGF0ZVBhcnRJc1Zpc2libGUiOnRydWUsIlRpbWVQYXJ0SXNWaXNpYmxlIjpmYWxzZX19LCJJc1Zpc2libGUiOnRydWUsIlBhcmVudFN0eWxlIjpudWxsfSwiSW5kZXgiOjE0LCJTbWFydER1cmF0aW9uQWN0aXZhdGVkIjpmYWxzZSwiRGF0ZUZvcm1hdCI6eyIkcmVmIjoiNjY5In0sIklkIjoiNzYyNTUwMDItZjUxOC00YmQxLTgyYzgtMmFiYTY4MWZmNGRhIiwiSW1wb3J0SWQiOm51bGwsIlRpdGxlIjoiU291cmNlY29kZSAiLCJOb3RlIjpudWxsLCJIeXBlcmxpbmsiOnsiJGlkIjoiNjcxIiwiQWRkcmVzcyI6IiIsIlN1YkFkZHJlc3MiOiIifSwiSXNDaGFuZ2VkIjpmYWxzZSwiSXNOZXciOmZhbHNlfSwiSW5kZXgiOjB9LHsiJGlkIjoiNjcyIiwiX2F0dGFjaGVkTWlsZXN0b25lcyI6W3siJGlkIjoiNjczIiwiRGF0ZSI6IjIwMTktMTItMDJUMTE6NTk6MDAiLCJTdHlsZSI6eyIkaWQiOiI2NzQiLCJTaGFwZSI6MTMsIkNvbm5lY3Rvck1hcmdpbiI6eyIkaWQiOiI2NzUiLCJUb3AiOjAsIkxlZnQiOjIsIlJpZ2h0IjoyLCJCb3R0b20iOjB9LCJDb25uZWN0b3JTdHlsZSI6eyIkaWQiOiI2NzYiLCJMaW5lQ29sb3IiOnsiJHJlZiI6IjYwNiJ9LCJMaW5lV2VpZ2h0IjoxLjAsIkxpbmVUeXBlIjowLCJQYXJlbnRTdHlsZSI6bnVsbH0sIklzQmVsb3dUaW1lYmFuZCI6dHJ1ZSwiUG9zaXRpb25PblRhc2siOjIsIkhpZGVEYXRlIjpmYWxzZSwiU2hhcGVTaXplIjoxLCJTcGFjaW5nIjowLjAsIlBhZGRpbmciOnsiJGlkIjoiNjc3IiwiVG9wIjo3LCJMZWZ0IjozLCJSaWdodCI6MCwiQm90dG9tIjoyfSwiU2hhcGVTdHlsZSI6eyIkaWQiOiI2NzgiLCJNYXJnaW4iOnsiJGlkIjoiNjc5IiwiVG9wIjowLCJMZWZ0IjowLCJSaWdodCI6MCwiQm90dG9tIjowfSwiUGFkZGluZyI6eyIkaWQiOiI2ODAiLCJUb3AiOjAsIkxlZnQiOjAsIlJpZ2h0IjowLCJCb3R0b20iOjB9LCJCYWNrZ3JvdW5kIjp7IiRpZCI6IjY4MSIsIkNvbG9yIjp7IiRpZCI6IjY4MiIsIkEiOjI1NSwiUiI6MTE1LCJHIjoxMTUsIkIiOjExNX19LCJJc1Zpc2libGUiOnRydWUsIldpZHRoIjoxMy4wLCJIZWlnaHQiOjEzLjAsIkJvcmRlclN0eWxlIjp7IiRpZCI6IjY4MyIsIkxpbmVDb2xvciI6bnVsbCwiTGluZVdlaWdodCI6MC4wLCJMaW5lVHlwZSI6MCwiUGFyZW50U3R5bGUiOm51bGx9LCJQYXJlbnRTdHlsZSI6bnVsbH0sIlRpdGxlU3R5bGUiOnsiJGlkIjoiNjg0IiwiRm9udFNldHRpbmdzIjp7IiRpZCI6IjY4NSIsIkZvbnRTaXplIjoxMSwiRm9udE5hbWUiOiJDYWxpYnJpIiwiSXNCb2xkIjp0cnVlLCJJc0l0YWxpYyI6ZmFsc2UsIklzVW5kZXJsaW5lZCI6ZmFsc2UsIlBhcmVudFN0eWxlIjpudWxsfSwiQXV0b1NpemUiOjAsIkZvcmVncm91bmQiOnsiJGlkIjoiNjg2IiwiQ29sb3IiOnsiJGlkIjoiNjg3IiwiQSI6MjU1LCJSIjowLCJHIjowLCJCIjowfX0sIk1heFdpZHRoIjoyMDAuMCwiTWF4SGVpZ2h0IjoiSW5maW5pdHkiLCJTbWFydEZvcmVncm91bmRJc0FjdGl2ZSI6ZmFsc2UsIkhvcml6b250YWxBbGlnbm1lbnQiOjEsIlZlcnRpY2FsQWxpZ25tZW50IjowLCJTbWFydEZvcmVncm91bmQiOm51bGwsIkJhY2tncm91bmRGaWxsVHlwZSI6MCwiTWFyZ2luIjp7IiRpZCI6IjY4OCIsIlRvcCI6MCwiTGVmdCI6MCwiUmlnaHQiOjAsIkJvdHRvbSI6MH0sIlBhZGRpbmciOnsiJGlkIjoiNjg5IiwiVG9wIjowLCJMZWZ0IjowLCJSaWdodCI6MCwiQm90dG9tIjowfSwiQmFja2dyb3VuZCI6eyIkcmVmIjoiNzMifSwiSXNWaXNpYmxlIjp0cnVlLCJXaWR0aCI6MC4wLCJIZWlnaHQiOjAuMCwiQm9yZGVyU3R5bGUiOnsiJGlkIjoiNjkwIiwiTGluZUNvbG9yIjpudWxsLCJMaW5lV2VpZ2h0IjowLjAsIkxpbmVUeXBlIjowLCJQYXJlbnRTdHlsZSI6bnVsbH0sIlBhcmVudFN0eWxlIjpudWxsfSwiRGF0ZVN0eWxlIjp7IiRpZCI6IjY5MSIsIkZvbnRTZXR0aW5ncyI6eyIkaWQiOiI2OTIiLCJGb250U2l6ZSI6MTAsIkZvbnROYW1lIjoiQ2FsaWJyaSIsIklzQm9sZCI6ZmFsc2UsIklzSXRhbGljIjpmYWxzZSwiSXNVbmRlcmxpbmVkIjpmYWxzZSwiUGFyZW50U3R5bGUiOm51bGx9LCJBdXRvU2l6ZSI6MCwiRm9yZWdyb3VuZCI6eyIkaWQiOiI2OTMiLCJDb2xvciI6eyIkaWQiOiI2OTQiLCJBIjoyNTUsIlIiOjY4LCJHIjo4NCwiQiI6MTA2fX0sIk1heFdpZHRoIjoyMDAuMCwiTWF4SGVpZ2h0IjoiSW5maW5pdHkiLCJTbWFydEZvcmVncm91bmRJc0FjdGl2ZSI6ZmFsc2UsIkhvcml6b250YWxBbGlnbm1lbnQiOjEsIlZlcnRpY2FsQWxpZ25tZW50IjowLCJTbWFydEZvcmVncm91bmQiOm51bGwsIkJhY2tncm91bmRGaWxsVHlwZSI6MCwiTWFyZ2luIjp7IiRpZCI6IjY5NSIsIlRvcCI6MCwiTGVmdCI6MCwiUmlnaHQiOjAsIkJvdHRvbSI6MH0sIlBhZGRpbmciOnsiJGlkIjoiNjk2IiwiVG9wIjowLCJMZWZ0IjowLCJSaWdodCI6MCwiQm90dG9tIjowfSwiQmFja2dyb3VuZCI6eyIkcmVmIjoiODAifSwiSXNWaXNpYmxlIjp0cnVlLCJXaWR0aCI6MC4wLCJIZWlnaHQiOjAuMCwiQm9yZGVyU3R5bGUiOnsiJGlkIjoiNjk3IiwiTGluZUNvbG9yIjpudWxsLCJMaW5lV2VpZ2h0IjowLjAsIkxpbmVUeXBlIjowLCJQYXJlbnRTdHlsZSI6bnVsbH0sIlBhcmVudFN0eWxlIjpudWxsfSwiRGF0ZUZvcm1hdCI6eyIkaWQiOiI2OTgiLCJGb3JtYXRTdHJpbmciOiJNTU0gZCIsIlNlcGFyYXRvciI6Ii8iLCJVc2VJbnRlcm5hdGlvbmFsRGF0ZUZvcm1hdCI6ZmFsc2UsIkRhdGVJc1Zpc2libGUiOnRydWUsIlRpbWVJc1Zpc2libGUiOmZhbHNlLCJIb3VyRGlnaXRzIjoxLCJBbVBtRGVzaWduYXRvciI6MiwiVHJpbTAwTWludXRlcyI6ZmFsc2UsIkxhc3RLbm93blZpc2liaWxpdHlTdGF0ZSI6bnVsbH0sIklzVmlzaWJsZSI6dHJ1ZSwiUGFyZW50U3R5bGUiOm51bGx9LCJJbmRleCI6MTYsIlBlcmNlbnRhZ2VDb21wbGV0ZSI6bnVsbCwiUG9zaXRpb24iOnsiUmF0aW8iOjAuMCwiSXNDdXN0b20iOmZhbHNlfSwiRGF0ZUZvcm1hdCI6eyIkcmVmIjoiNjk4In0sIlJlbGF0ZWRUYXNrSWQiOiI3YjQ5NjkwMC0xMmY5LTQzMWYtYTU3OS04NjMwMzk3NzQzMjEiLCJJZCI6IjZhMjg1M2VmLWJhMjUtNDRiMi05YmI3LWUwYmU2ZTZkNzgyMiIsIkltcG9ydElkIjpudWxsLCJUaXRsZSI6IkVxdWlwIERvY3MgIiwiTm90ZSI6bnVsbCwiSHlwZXJsaW5rIjp7IiRpZCI6IjY5OSIsIkFkZHJlc3MiOiIiLCJTdWJBZGRyZXNzIjoiIn0sIklzQ2hhbmdlZCI6ZmFsc2UsIklzTmV3IjpmYWxzZX1dLCJUYXNrRGVmaW5pdGlvbiI6eyIkaWQiOiI3MDAiLCJHcm91cE5hbWUiOiIzNzQ4MTlmNC1iYTc4LTRiYTctOGFiOS1lY2FhNjNiNTk1MDAiLCJTdGFydERhdGUiOiIyMDE5LTA5LTAxVDAwOjAwOjAwWiIsIkVuZERhdGUiOiIyMDE5LTEyLTEyVDExOjU5OjAwIiwiUGVyY2VudGFnZUNvbXBsZXRlIjo3NS4wLCJTdHlsZSI6eyIkaWQiOiI3MDEiLCJTaGFwZSI6NCwiU2hhcGVUaGlja25lc3MiOjEsIkR1cmF0aW9uRm9ybWF0IjowLCJJbmNsdWRlTm9uV29ya2luZ0RheXNJbkR1cmF0aW9uIjpmYWxzZSwiUGVyY2VudGFnZUNvbXBsZXRlU3R5bGUiOnsiJGlkIjoiNzAyIiwiRm9udFNldHRpbmdzIjp7IiRpZCI6IjcwMyIsIkZvbnRTaXplIjoxMCwiRm9udE5hbWUiOiJDYWxpYnJpIiwiSXNCb2xkIjpmYWxzZSwiSXNJdGFsaWMiOmZhbHNlLCJJc1VuZGVybGluZWQiOmZhbHNlLCJQYXJlbnRTdHlsZSI6bnVsbH0sIkF1dG9TaXplIjowLCJGb3JlZ3JvdW5kIjp7IiRpZCI6IjcwNCIsIkNvbG9yIjp7IiRpZCI6IjcwNSIsIkEiOjI1NSwiUiI6MTkyLCJHIjo4MCwiQiI6Nzd9fSwiTWF4V2lkdGgiOjIwMC4wLCJNYXhIZWlnaHQiOiJJbmZpbml0eSIsIlNtYXJ0Rm9yZWdyb3VuZElzQWN0aXZlIjpmYWxzZSwiSG9yaXpvbnRhbEFsaWdubWVudCI6MSwiVmVydGljYWxBbGlnbm1lbnQiOjAsIlNtYXJ0Rm9yZWdyb3VuZCI6bnVsbCwiQmFja2dyb3VuZEZpbGxUeXBlIjowLCJNYXJnaW4iOnsiJGlkIjoiNzA2IiwiVG9wIjowLCJMZWZ0IjowLCJSaWdodCI6MCwiQm90dG9tIjowfSwiUGFkZGluZyI6eyIkaWQiOiI3MDciLCJUb3AiOjAsIkxlZnQiOjAsIlJpZ2h0IjowLCJCb3R0b20iOjB9LCJCYWNrZ3JvdW5kIjp7IiRyZWYiOiI4OSJ9LCJJc1Zpc2libGUiOnRydWUsIldpZHRoIjowLjAsIkhlaWdodCI6MC4wLCJCb3JkZXJTdHlsZSI6eyIkaWQiOiI3MDgiLCJMaW5lQ29sb3IiOm51bGwsIkxpbmVXZWlnaHQiOjAuMCwiTGluZVR5cGUiOjAsIlBhcmVudFN0eWxlIjpudWxsfSwiUGFyZW50U3R5bGUiOm51bGx9LCJEdXJhdGlvblN0eWxlIjp7IiRpZCI6IjcwOSIsIkZvbnRTZXR0aW5ncyI6eyIkaWQiOiI3MTAiLCJGb250U2l6ZSI6MTAsIkZvbnROYW1lIjoiQ2FsaWJyaSIsIklzQm9sZCI6ZmFsc2UsIklzSXRhbGljIjpmYWxzZSwiSXNVbmRlcmxpbmVkIjpmYWxzZSwiUGFyZW50U3R5bGUiOm51bGx9LCJBdXRvU2l6ZSI6MCwiRm9yZWdyb3VuZCI6eyIkaWQiOiI3MTEiLCJDb2xvciI6eyIkcmVmIjoiOTMifX0sIk1heFdpZHRoIjoyMDAuMCwiTWF4SGVpZ2h0IjoiSW5maW5pdHkiLCJTbWFydEZvcmVncm91bmRJc0FjdGl2ZSI6ZmFsc2UsIkhvcml6b250YWxBbGlnbm1lbnQiOjAsIlZlcnRpY2FsQWxpZ25tZW50IjowLCJTbWFydEZvcmVncm91bmQiOm51bGwsIkJhY2tncm91bmRGaWxsVHlwZSI6MCwiTWFyZ2luIjp7IiRpZCI6IjcxMiIsIlRvcCI6MCwiTGVmdCI6MCwiUmlnaHQiOjAsIkJvdHRvbSI6MH0sIlBhZGRpbmciOnsiJGlkIjoiNzEzIiwiVG9wIjowLCJMZWZ0IjowLCJSaWdodCI6MCwiQm90dG9tIjowfSwiQmFja2dyb3VuZCI6eyIkcmVmIjoiOTYifSwiSXNWaXNpYmxlIjp0cnVlLCJXaWR0aCI6MC4wLCJIZWlnaHQiOjAuMCwiQm9yZGVyU3R5bGUiOnsiJGlkIjoiNzE0IiwiTGluZUNvbG9yIjpudWxsLCJMaW5lV2VpZ2h0IjowLjAsIkxpbmVUeXBlIjowLCJQYXJlbnRTdHlsZSI6bnVsbH0sIlBhcmVudFN0eWxlIjpudWxsfSwiSG9yaXpvbnRhbENvbm5lY3RvclN0eWxlIjp7IiRpZCI6IjcxNSIsIkxpbmVDb2xvciI6eyIkcmVmIjoiOTgifSwiTGluZVdlaWdodCI6MS4wLCJMaW5lVHlwZSI6MCwiUGFyZW50U3R5bGUiOm51bGx9LCJWZXJ0aWNhbENvbm5lY3RvclN0eWxlIjp7IiRpZCI6IjcxNiIsIkxpbmVDb2xvciI6eyIkcmVmIjoiMTAxIn0sIkxpbmVXZWlnaHQiOjAuMCwiTGluZVR5cGUiOjAsIlBhcmVudFN0eWxlIjpudWxsfSwiTWFyZ2luIjpudWxsLCJTdGFydERhdGVQb3NpdGlvbiI6NiwiRW5kRGF0ZVBvc2l0aW9uIjo2LCJEYXRlSXNWaXNpYmxlIjpmYWxzZSwiVGl0bGVQb3NpdGlvbiI6MiwiRHVyYXRpb25Qb3NpdGlvbiI6NiwiUGVyY2VudGFnZUNvbXBsZXRlZFBvc2l0aW9uIjoyLCJTcGFjaW5nIjozLCJJc0JlbG93VGltZWJhbmQiOnRydWUsIlBlcmNlbnRhZ2VDb21wbGV0ZVNoYXBlT3BhY2l0eSI6MzUsIlNoYXBlU3R5bGUiOnsiJGlkIjoiNzE3IiwiTWFyZ2luIjp7IiRpZCI6IjcxOCIsIlRvcCI6MCwiTGVmdCI6NCwiUmlnaHQiOjQsIkJvdHRvbSI6MH0sIlBhZGRpbmciOnsiJGlkIjoiNzE5IiwiVG9wIjowLCJMZWZ0IjowLCJSaWdodCI6MCwiQm90dG9tIjowfSwiQmFja2dyb3VuZCI6eyIkaWQiOiI3MjAiLCJDb2xvciI6eyIkaWQiOiI3MjEiLCJBIjoyNTUsIlIiOjE2MywiRyI6OTksIkIiOjE5NX19LCJJc1Zpc2libGUiOnRydWUsIldpZHRoIjowLjAsIkhlaWdodCI6MTYuMCwiQm9yZGVyU3R5bGUiOnsiJGlkIjoiNzIyIiwiTGluZUNvbG9yIjp7IiRpZCI6IjcyMyIsIiR0eXBlIjoiTkxSRS5Db21tb24uRG9tLlNvbGlkQ29sb3JCcnVzaCwgTkxSRS5Db21tb24iLCJDb2xvciI6eyIkaWQiOiI3MjQiLCJBIjoyNTUsIlIiOjI1NSwiRyI6MCwiQiI6MH19LCJMaW5lV2VpZ2h0IjowLjAsIkxpbmVUeXBlIjowLCJQYXJlbnRTdHlsZSI6bnVsbH0sIlBhcmVudFN0eWxlIjpudWxsfSwiVGl0bGVTdHlsZSI6eyIkaWQiOiI3MjUiLCJGb250U2V0dGluZ3MiOnsiJGlkIjoiNzI2IiwiRm9udFNpemUiOjExLCJGb250TmFtZSI6IkNhbGlicmkiLCJJc0JvbGQiOmZhbHNlLCJJc0l0YWxpYyI6ZmFsc2UsIklzVW5kZXJsaW5lZCI6ZmFsc2UsIlBhcmVudFN0eWxlIjpudWxsfSwiQXV0b1NpemUiOjAsIkZvcmVncm91bmQiOnsiJGlkIjoiNzI3IiwiQ29sb3IiOnsiJGlkIjoiNzI4IiwiQSI6MjU1LCJSIjoyNTUsIkciOjI1NSwiQiI6MjU1fX0sIk1heFdpZHRoIjo5NjAuMCwiTWF4SGVpZ2h0IjoiSW5maW5pdHkiLCJTbWFydEZvcmVncm91bmRJc0FjdGl2ZSI6ZmFsc2UsIkhvcml6b250YWxBbGlnbm1lbnQiOjEsIlZlcnRpY2FsQWxpZ25tZW50IjowLCJTbWFydEZvcmVncm91bmQiOm51bGwsIkJhY2tncm91bmRGaWxsVHlwZSI6MCwiTWFyZ2luIjp7IiRpZCI6IjcyOSIsIlRvcCI6MCwiTGVmdCI6MCwiUmlnaHQiOjAsIkJvdHRvbSI6MH0sIlBhZGRpbmciOnsiJGlkIjoiNzMwIiwiVG9wIjowLCJMZWZ0IjowLCJSaWdodCI6MCwiQm90dG9tIjowfSwiQmFja2dyb3VuZCI6eyIkcmVmIjoiMTE3In0sIklzVmlzaWJsZSI6dHJ1ZSwiV2lkdGgiOjAuMCwiSGVpZ2h0IjowLjAsIkJvcmRlclN0eWxlIjp7IiRpZCI6IjczMSIsIkxpbmVDb2xvciI6bnVsbCwiTGluZVdlaWdodCI6MC4wLCJMaW5lVHlwZSI6MCwiUGFyZW50U3R5bGUiOm51bGx9LCJQYXJlbnRTdHlsZSI6bnVsbH0sIkRhdGVTdHlsZSI6eyIkaWQiOiI3MzIiLCJGb250U2V0dGluZ3MiOnsiJGlkIjoiNzMzIiwiRm9udFNpemUiOjEwLCJGb250TmFtZSI6IkNhbGlicmkiLCJJc0JvbGQiOmZhbHNlLCJJc0l0YWxpYyI6ZmFsc2UsIklzVW5kZXJsaW5lZCI6ZmFsc2UsIlBhcmVudFN0eWxlIjpudWxsfSwiQXV0b1NpemUiOjAsIkZvcmVncm91bmQiOnsiJGlkIjoiNzM0IiwiQ29sb3IiOnsiJHJlZiI6IjEyMSJ9fSwiTWF4V2lkdGgiOjIwMC4wLCJNYXhIZWlnaHQiOiJJbmZpbml0eSIsIlNtYXJ0Rm9yZWdyb3VuZElzQWN0aXZlIjpmYWxzZSwiSG9yaXpvbnRhbEFsaWdubWVudCI6MCwiVmVydGljYWxBbGlnbm1lbnQiOjAsIlNtYXJ0Rm9yZWdyb3VuZCI6bnVsbCwiQmFja2dyb3VuZEZpbGxUeXBlIjowLCJNYXJnaW4iOnsiJGlkIjoiNzM1IiwiVG9wIjowLCJMZWZ0IjowLCJSaWdodCI6MCwiQm90dG9tIjowfSwiUGFkZGluZyI6eyIkaWQiOiI3MzYiLCJUb3AiOjAsIkxlZnQiOjAsIlJpZ2h0IjowLCJCb3R0b20iOjB9LCJCYWNrZ3JvdW5kIjp7IiRyZWYiOiIxMjQifSwiSXNWaXNpYmxlIjp0cnVlLCJXaWR0aCI6MC4wLCJIZWlnaHQiOjAuMCwiQm9yZGVyU3R5bGUiOnsiJGlkIjoiNzM3IiwiTGluZUNvbG9yIjpudWxsLCJMaW5lV2VpZ2h0IjowLjAsIkxpbmVUeXBlIjowLCJQYXJlbnRTdHlsZSI6bnVsbH0sIlBhcmVudFN0eWxlIjpudWxsfSwiRGF0ZUZvcm1hdCI6eyIkaWQiOiI3MzgiLCJGb3JtYXRTdHJpbmciOiJNTU0gZCIsIlNlcGFyYXRvciI6Ii8iLCJVc2VJbnRlcm5hdGlvbmFsRGF0ZUZvcm1hdCI6ZmFsc2UsIkRhdGVJc1Zpc2libGUiOmZhbHNlLCJUaW1lSXNWaXNpYmxlIjpmYWxzZSwiSG91ckRpZ2l0cyI6MSwiQW1QbURlc2lnbmF0b3IiOjIsIlRyaW0wME1pbnV0ZXMiOmZhbHNlLCJMYXN0S25vd25WaXNpYmlsaXR5U3RhdGUiOnsiJGlkIjoiNzM5IiwiRGF0ZVBhcnRJc1Zpc2libGUiOnRydWUsIlRpbWVQYXJ0SXNWaXNpYmxlIjpmYWxzZX19LCJJc1Zpc2libGUiOnRydWUsIlBhcmVudFN0eWxlIjpudWxsfSwiSW5kZXgiOjE1LCJTbWFydER1cmF0aW9uQWN0aXZhdGVkIjpmYWxzZSwiRGF0ZUZvcm1hdCI6eyIkcmVmIjoiNzM4In0sIklkIjoiN2I0OTY5MDAtMTJmOS00MzFmLWE1NzktODYzMDM5Nzc0MzIxIiwiSW1wb3J0SWQiOm51bGwsIlRpdGxlIjoiRG9jdW1lbnRhdGlvbiAiLCJOb3RlIjpudWxsLCJIeXBlcmxpbmsiOnsiJGlkIjoiNzQwIiwiQWRkcmVzcyI6IiIsIlN1YkFkZHJlc3MiOiIifSwiSXNDaGFuZ2VkIjpmYWxzZSwiSXNOZXciOmZhbHNlfSwiSW5kZXgiOjB9LHsiJGlkIjoiNzQxIiwiX2F0dGFjaGVkTWlsZXN0b25lcyI6W10sIlRhc2tEZWZpbml0aW9uIjp7IiRpZCI6Ijc0MiIsIkdyb3VwTmFtZSI6IjM3NDgxOWY0LWJhNzgtNGJhNy04YWI5LWVjYWE2M2I1OTUwMCIsIlN0YXJ0RGF0ZSI6IjIwMjAtMDEtMjVUMDA6MDA6MDAiLCJFbmREYXRlIjoiMjAyMC0wNC0wNlQxMTo1OTowMCIsIlBlcmNlbnRhZ2VDb21wbGV0ZSI6bnVsbCwiU3R5bGUiOnsiJGlkIjoiNzQzIiwiU2hhcGUiOjEsIlNoYXBlVGhpY2tuZXNzIjoxLCJEdXJhdGlvbkZvcm1hdCI6MCwiSW5jbHVkZU5vbldvcmtpbmdEYXlzSW5EdXJhdGlvbiI6ZmFsc2UsIlBlcmNlbnRhZ2VDb21wbGV0ZVN0eWxlIjp7IiRpZCI6Ijc0NCIsIkZvbnRTZXR0aW5ncyI6eyIkaWQiOiI3NDUiLCJGb250U2l6ZSI6MTAsIkZvbnROYW1lIjoiQ2FsaWJyaSIsIklzQm9sZCI6ZmFsc2UsIklzSXRhbGljIjpmYWxzZSwiSXNVbmRlcmxpbmVkIjpmYWxzZSwiUGFyZW50U3R5bGUiOm51bGx9LCJBdXRvU2l6ZSI6MCwiRm9yZWdyb3VuZCI6eyIkcmVmIjoiODUifSwiTWF4V2lkdGgiOjIwMC4wLCJNYXhIZWlnaHQiOiJJbmZpbml0eSIsIlNtYXJ0Rm9yZWdyb3VuZElzQWN0aXZlIjpmYWxzZSwiSG9yaXpvbnRhbEFsaWdubWVudCI6MCwiVmVydGljYWxBbGlnbm1lbnQiOjAsIlNtYXJ0Rm9yZWdyb3VuZCI6bnVsbCwiQmFja2dyb3VuZEZpbGxUeXBlIjowLCJNYXJnaW4iOnsiJGlkIjoiNzQ2IiwiVG9wIjowLCJMZWZ0IjowLCJSaWdodCI6MCwiQm90dG9tIjowfSwiUGFkZGluZyI6eyIkaWQiOiI3NDciLCJUb3AiOjAsIkxlZnQiOjAsIlJpZ2h0IjowLCJCb3R0b20iOjB9LCJCYWNrZ3JvdW5kIjp7IiRyZWYiOiI4OSJ9LCJJc1Zpc2libGUiOnRydWUsIldpZHRoIjowLjAsIkhlaWdodCI6MC4wLCJCb3JkZXJTdHlsZSI6eyIkaWQiOiI3NDgiLCJMaW5lQ29sb3IiOm51bGwsIkxpbmVXZWlnaHQiOjAuMCwiTGluZVR5cGUiOjAsIlBhcmVudFN0eWxlIjpudWxsfSwiUGFyZW50U3R5bGUiOm51bGx9LCJEdXJhdGlvblN0eWxlIjp7IiRpZCI6Ijc0OSIsIkZvbnRTZXR0aW5ncyI6eyIkaWQiOiI3NTAiLCJGb250U2l6ZSI6MTAsIkZvbnROYW1lIjoiQ2FsaWJyaSIsIklzQm9sZCI6ZmFsc2UsIklzSXRhbGljIjpmYWxzZSwiSXNVbmRlcmxpbmVkIjpmYWxzZSwiUGFyZW50U3R5bGUiOm51bGx9LCJBdXRvU2l6ZSI6MCwiRm9yZWdyb3VuZCI6eyIkaWQiOiI3NTEiLCJDb2xvciI6eyIkcmVmIjoiOTMifX0sIk1heFdpZHRoIjoyMDAuMCwiTWF4SGVpZ2h0IjoiSW5maW5pdHkiLCJTbWFydEZvcmVncm91bmRJc0FjdGl2ZSI6ZmFsc2UsIkhvcml6b250YWxBbGlnbm1lbnQiOjAsIlZlcnRpY2FsQWxpZ25tZW50IjowLCJTbWFydEZvcmVncm91bmQiOm51bGwsIkJhY2tncm91bmRGaWxsVHlwZSI6MCwiTWFyZ2luIjp7IiRpZCI6Ijc1MiIsIlRvcCI6MCwiTGVmdCI6MCwiUmlnaHQiOjAsIkJvdHRvbSI6MH0sIlBhZGRpbmciOnsiJGlkIjoiNzUzIiwiVG9wIjowLCJMZWZ0IjowLCJSaWdodCI6MCwiQm90dG9tIjowfSwiQmFja2dyb3VuZCI6eyIkcmVmIjoiOTYifSwiSXNWaXNpYmxlIjp0cnVlLCJXaWR0aCI6MC4wLCJIZWlnaHQiOjAuMCwiQm9yZGVyU3R5bGUiOnsiJGlkIjoiNzU0IiwiTGluZUNvbG9yIjpudWxsLCJMaW5lV2VpZ2h0IjowLjAsIkxpbmVUeXBlIjowLCJQYXJlbnRTdHlsZSI6bnVsbH0sIlBhcmVudFN0eWxlIjpudWxsfSwiSG9yaXpvbnRhbENvbm5lY3RvclN0eWxlIjp7IiRpZCI6Ijc1NSIsIkxpbmVDb2xvciI6eyIkcmVmIjoiOTgifSwiTGluZVdlaWdodCI6MS4wLCJMaW5lVHlwZSI6MCwiUGFyZW50U3R5bGUiOm51bGx9LCJWZXJ0aWNhbENvbm5lY3RvclN0eWxlIjp7IiRpZCI6Ijc1NiIsIkxpbmVDb2xvciI6eyIkcmVmIjoiMTAxIn0sIkxpbmVXZWlnaHQiOjAuMCwiTGluZVR5cGUiOjAsIlBhcmVudFN0eWxlIjpudWxsfSwiTWFyZ2luIjpudWxsLCJTdGFydERhdGVQb3NpdGlvbiI6NiwiRW5kRGF0ZVBvc2l0aW9uIjo2LCJEYXRlSXNWaXNpYmxlIjpmYWxzZSwiVGl0bGVQb3NpdGlvbiI6MiwiRHVyYXRpb25Qb3NpdGlvbiI6NiwiUGVyY2VudGFnZUNvbXBsZXRlZFBvc2l0aW9uIjoyLCJTcGFjaW5nIjozLCJJc0JlbG93VGltZWJhbmQiOnRydWUsIlBlcmNlbnRhZ2VDb21wbGV0ZVNoYXBlT3BhY2l0eSI6MzUsIlNoYXBlU3R5bGUiOnsiJGlkIjoiNzU3IiwiTWFyZ2luIjp7IiRpZCI6Ijc1OCIsIlRvcCI6MCwiTGVmdCI6NCwiUmlnaHQiOjQsIkJvdHRvbSI6MH0sIlBhZGRpbmciOnsiJGlkIjoiNzU5IiwiVG9wIjowLCJMZWZ0IjowLCJSaWdodCI6MCwiQm90dG9tIjowfSwiQmFja2dyb3VuZCI6eyIkaWQiOiI3NjAiLCJDb2xvciI6eyIkaWQiOiI3NjEiLCJBIjoyNTUsIlIiOjE2MywiRyI6OTksIkIiOjE5NX19LCJJc1Zpc2libGUiOnRydWUsIldpZHRoIjowLjAsIkhlaWdodCI6MTYuMCwiQm9yZGVyU3R5bGUiOnsiJGlkIjoiNzYyIiwiTGluZUNvbG9yIjp7IiRpZCI6Ijc2MyIsIiR0eXBlIjoiTkxSRS5Db21tb24uRG9tLlNvbGlkQ29sb3JCcnVzaCwgTkxSRS5Db21tb24iLCJDb2xvciI6eyIkaWQiOiI3NjQiLCJBIjoyNTUsIlIiOjI1NSwiRyI6MCwiQiI6MH19LCJMaW5lV2VpZ2h0IjowLjAsIkxpbmVUeXBlIjowLCJQYXJlbnRTdHlsZSI6bnVsbH0sIlBhcmVudFN0eWxlIjpudWxsfSwiVGl0bGVTdHlsZSI6eyIkaWQiOiI3NjUiLCJGb250U2V0dGluZ3MiOnsiJGlkIjoiNzY2IiwiRm9udFNpemUiOjExLCJGb250TmFtZSI6IkNhbGlicmkiLCJJc0JvbGQiOmZhbHNlLCJJc0l0YWxpYyI6ZmFsc2UsIklzVW5kZXJsaW5lZCI6ZmFsc2UsIlBhcmVudFN0eWxlIjpudWxsfSwiQXV0b1NpemUiOjAsIkZvcmVncm91bmQiOnsiJGlkIjoiNzY3IiwiQ29sb3IiOnsiJGlkIjoiNzY4IiwiQSI6MjU1LCJSIjoyNTUsIkciOjI1NSwiQiI6MjU1fX0sIk1heFdpZHRoIjo5NjAuMCwiTWF4SGVpZ2h0IjoiSW5maW5pdHkiLCJTbWFydEZvcmVncm91bmRJc0FjdGl2ZSI6ZmFsc2UsIkhvcml6b250YWxBbGlnbm1lbnQiOjEsIlZlcnRpY2FsQWxpZ25tZW50IjowLCJTbWFydEZvcmVncm91bmQiOm51bGwsIkJhY2tncm91bmRGaWxsVHlwZSI6MCwiTWFyZ2luIjp7IiRpZCI6Ijc2OSIsIlRvcCI6MCwiTGVmdCI6MCwiUmlnaHQiOjAsIkJvdHRvbSI6MH0sIlBhZGRpbmciOnsiJGlkIjoiNzcwIiwiVG9wIjowLCJMZWZ0IjowLCJSaWdodCI6MCwiQm90dG9tIjowfSwiQmFja2dyb3VuZCI6eyIkcmVmIjoiMTE3In0sIklzVmlzaWJsZSI6dHJ1ZSwiV2lkdGgiOjAuMCwiSGVpZ2h0IjowLjAsIkJvcmRlclN0eWxlIjp7IiRpZCI6Ijc3MSIsIkxpbmVDb2xvciI6bnVsbCwiTGluZVdlaWdodCI6MC4wLCJMaW5lVHlwZSI6MCwiUGFyZW50U3R5bGUiOm51bGx9LCJQYXJlbnRTdHlsZSI6bnVsbH0sIkRhdGVTdHlsZSI6eyIkaWQiOiI3NzIiLCJGb250U2V0dGluZ3MiOnsiJGlkIjoiNzczIiwiRm9udFNpemUiOjEwLCJGb250TmFtZSI6IkNhbGlicmkiLCJJc0JvbGQiOmZhbHNlLCJJc0l0YWxpYyI6ZmFsc2UsIklzVW5kZXJsaW5lZCI6ZmFsc2UsIlBhcmVudFN0eWxlIjpudWxsfSwiQXV0b1NpemUiOjAsIkZvcmVncm91bmQiOnsiJGlkIjoiNzc0IiwiQ29sb3IiOnsiJHJlZiI6IjEyMSJ9fSwiTWF4V2lkdGgiOjIwMC4wLCJNYXhIZWlnaHQiOiJJbmZpbml0eSIsIlNtYXJ0Rm9yZWdyb3VuZElzQWN0aXZlIjpmYWxzZSwiSG9yaXpvbnRhbEFsaWdubWVudCI6MCwiVmVydGljYWxBbGlnbm1lbnQiOjAsIlNtYXJ0Rm9yZWdyb3VuZCI6bnVsbCwiQmFja2dyb3VuZEZpbGxUeXBlIjowLCJNYXJnaW4iOnsiJGlkIjoiNzc1IiwiVG9wIjowLCJMZWZ0IjowLCJSaWdodCI6MCwiQm90dG9tIjowfSwiUGFkZGluZyI6eyIkaWQiOiI3NzYiLCJUb3AiOjAsIkxlZnQiOjAsIlJpZ2h0IjowLCJCb3R0b20iOjB9LCJCYWNrZ3JvdW5kIjp7IiRyZWYiOiIxMjQifSwiSXNWaXNpYmxlIjp0cnVlLCJXaWR0aCI6MC4wLCJIZWlnaHQiOjAuMCwiQm9yZGVyU3R5bGUiOnsiJGlkIjoiNzc3IiwiTGluZUNvbG9yIjpudWxsLCJMaW5lV2VpZ2h0IjowLjAsIkxpbmVUeXBlIjowLCJQYXJlbnRTdHlsZSI6bnVsbH0sIlBhcmVudFN0eWxlIjpudWxsfSwiRGF0ZUZvcm1hdCI6eyIkaWQiOiI3NzgiLCJGb3JtYXRTdHJpbmciOiJNTU0gZCIsIlNlcGFyYXRvciI6Ii8iLCJVc2VJbnRlcm5hdGlvbmFsRGF0ZUZvcm1hdCI6ZmFsc2UsIkRhdGVJc1Zpc2libGUiOmZhbHNlLCJUaW1lSXNWaXNpYmxlIjpmYWxzZSwiSG91ckRpZ2l0cyI6MSwiQW1QbURlc2lnbmF0b3IiOjIsIlRyaW0wME1pbnV0ZXMiOmZhbHNlLCJMYXN0S25vd25WaXNpYmlsaXR5U3RhdGUiOnsiJGlkIjoiNzc5IiwiRGF0ZVBhcnRJc1Zpc2libGUiOnRydWUsIlRpbWVQYXJ0SXNWaXNpYmxlIjpmYWxzZX19LCJJc1Zpc2libGUiOmZhbHNlLCJQYXJlbnRTdHlsZSI6bnVsbH0sIkluZGV4IjoxNiwiU21hcnREdXJhdGlvbkFjdGl2YXRlZCI6ZmFsc2UsIkRhdGVGb3JtYXQiOnsiJHJlZiI6Ijc3OCJ9LCJJZCI6IjlkZGVkNjRjLTE2NDMtNDg0NC1iYzk3LWJiMDllZTQ0MDY4MyIsIkltcG9ydElkIjpudWxsLCJUaXRsZSI6IlNTTyBSb2xsIG91dCIsIk5vdGUiOm51bGwsIkh5cGVybGluayI6eyIkaWQiOiI3ODAiLCJBZGRyZXNzIjoiIiwiU3ViQWRkcmVzcyI6IiJ9LCJJc0NoYW5nZWQiOmZhbHNlLCJJc05ldyI6ZmFsc2V9LCJJbmRleCI6MH0seyIkaWQiOiI3ODEiLCJfYXR0YWNoZWRNaWxlc3RvbmVzIjpbXSwiVGFza0RlZmluaXRpb24iOnsiJGlkIjoiNzgyIiwiR3JvdXBOYW1lIjoiZmMwYzY0YTktYzhkMS00MzAxLTkzZWItMDBhYzVkZjAzZmRlIiwiU3RhcnREYXRlIjoiMjAxOS0xMC0xOVQwMDowMDowMCIsIkVuZERhdGUiOiIyMDIwLTAzLTA3VDExOjU5OjAwIiwiUGVyY2VudGFnZUNvbXBsZXRlIjpudWxsLCJTdHlsZSI6eyIkaWQiOiI3ODMiLCJTaGFwZSI6MSwiU2hhcGVUaGlja25lc3MiOjEsIkR1cmF0aW9uRm9ybWF0IjowLCJJbmNsdWRlTm9uV29ya2luZ0RheXNJbkR1cmF0aW9uIjpmYWxzZSwiUGVyY2VudGFnZUNvbXBsZXRlU3R5bGUiOnsiJGlkIjoiNzg0IiwiRm9udFNldHRpbmdzIjp7IiRpZCI6Ijc4NSIsIkZvbnRTaXplIjoxMCwiRm9udE5hbWUiOiJDYWxpYnJpIiwiSXNCb2xkIjpmYWxzZSwiSXNJdGFsaWMiOmZhbHNlLCJJc1VuZGVybGluZWQiOmZhbHNlLCJQYXJlbnRTdHlsZSI6bnVsbH0sIkF1dG9TaXplIjowLCJGb3JlZ3JvdW5kIjp7IiRyZWYiOiI4NSJ9LCJNYXhXaWR0aCI6MjAwLjAsIk1heEhlaWdodCI6IkluZmluaXR5IiwiU21hcnRGb3JlZ3JvdW5kSXNBY3RpdmUiOmZhbHNlLCJIb3Jpem9udGFsQWxpZ25tZW50IjowLCJWZXJ0aWNhbEFsaWdubWVudCI6MCwiU21hcnRGb3JlZ3JvdW5kIjpudWxsLCJCYWNrZ3JvdW5kRmlsbFR5cGUiOjAsIk1hcmdpbiI6eyIkaWQiOiI3ODYiLCJUb3AiOjAsIkxlZnQiOjAsIlJpZ2h0IjowLCJCb3R0b20iOjB9LCJQYWRkaW5nIjp7IiRpZCI6Ijc4NyIsIlRvcCI6MCwiTGVmdCI6MCwiUmlnaHQiOjAsIkJvdHRvbSI6MH0sIkJhY2tncm91bmQiOnsiJHJlZiI6Ijg5In0sIklzVmlzaWJsZSI6dHJ1ZSwiV2lkdGgiOjAuMCwiSGVpZ2h0IjowLjAsIkJvcmRlclN0eWxlIjp7IiRpZCI6Ijc4OCIsIkxpbmVDb2xvciI6bnVsbCwiTGluZVdlaWdodCI6MC4wLCJMaW5lVHlwZSI6MCwiUGFyZW50U3R5bGUiOm51bGx9LCJQYXJlbnRTdHlsZSI6bnVsbH0sIkR1cmF0aW9uU3R5bGUiOnsiJGlkIjoiNzg5IiwiRm9udFNldHRpbmdzIjp7IiRpZCI6Ijc5MCIsIkZvbnRTaXplIjoxMCwiRm9udE5hbWUiOiJDYWxpYnJpIiwiSXNCb2xkIjpmYWxzZSwiSXNJdGFsaWMiOmZhbHNlLCJJc1VuZGVybGluZWQiOmZhbHNlLCJQYXJlbnRTdHlsZSI6bnVsbH0sIkF1dG9TaXplIjowLCJGb3JlZ3JvdW5kIjp7IiRpZCI6Ijc5MSIsIkNvbG9yIjp7IiRyZWYiOiI5MyJ9fSwiTWF4V2lkdGgiOjIwMC4wLCJNYXhIZWlnaHQiOiJJbmZpbml0eSIsIlNtYXJ0Rm9yZWdyb3VuZElzQWN0aXZlIjpmYWxzZSwiSG9yaXpvbnRhbEFsaWdubWVudCI6MCwiVmVydGljYWxBbGlnbm1lbnQiOjAsIlNtYXJ0Rm9yZWdyb3VuZCI6bnVsbCwiQmFja2dyb3VuZEZpbGxUeXBlIjowLCJNYXJnaW4iOnsiJGlkIjoiNzkyIiwiVG9wIjowLCJMZWZ0IjowLCJSaWdodCI6MCwiQm90dG9tIjowfSwiUGFkZGluZyI6eyIkaWQiOiI3OTMiLCJUb3AiOjAsIkxlZnQiOjAsIlJpZ2h0IjowLCJCb3R0b20iOjB9LCJCYWNrZ3JvdW5kIjp7IiRyZWYiOiI5NiJ9LCJJc1Zpc2libGUiOnRydWUsIldpZHRoIjowLjAsIkhlaWdodCI6MC4wLCJCb3JkZXJTdHlsZSI6eyIkaWQiOiI3OTQiLCJMaW5lQ29sb3IiOm51bGwsIkxpbmVXZWlnaHQiOjAuMCwiTGluZVR5cGUiOjAsIlBhcmVudFN0eWxlIjpudWxsfSwiUGFyZW50U3R5bGUiOm51bGx9LCJIb3Jpem9udGFsQ29ubmVjdG9yU3R5bGUiOnsiJGlkIjoiNzk1IiwiTGluZUNvbG9yIjp7IiRyZWYiOiI5OCJ9LCJMaW5lV2VpZ2h0IjoxLjAsIkxpbmVUeXBlIjowLCJQYXJlbnRTdHlsZSI6bnVsbH0sIlZlcnRpY2FsQ29ubmVjdG9yU3R5bGUiOnsiJGlkIjoiNzk2IiwiTGluZUNvbG9yIjp7IiRyZWYiOiIxMDEifSwiTGluZVdlaWdodCI6MC4wLCJMaW5lVHlwZSI6MCwiUGFyZW50U3R5bGUiOm51bGx9LCJNYXJnaW4iOm51bGwsIlN0YXJ0RGF0ZVBvc2l0aW9uIjo2LCJFbmREYXRlUG9zaXRpb24iOjYsIkRhdGVJc1Zpc2libGUiOmZhbHNlLCJUaXRsZVBvc2l0aW9uIjoyLCJEdXJhdGlvblBvc2l0aW9uIjo2LCJQZXJjZW50YWdlQ29tcGxldGVkUG9zaXRpb24iOjIsIlNwYWNpbmciOjMsIklzQmVsb3dUaW1lYmFuZCI6dHJ1ZSwiUGVyY2VudGFnZUNvbXBsZXRlU2hhcGVPcGFjaXR5IjozNSwiU2hhcGVTdHlsZSI6eyIkaWQiOiI3OTciLCJNYXJnaW4iOnsiJGlkIjoiNzk4IiwiVG9wIjowLCJMZWZ0Ijo0LCJSaWdodCI6NCwiQm90dG9tIjowfSwiUGFkZGluZyI6eyIkaWQiOiI3OTkiLCJUb3AiOjAsIkxlZnQiOjAsIlJpZ2h0IjowLCJCb3R0b20iOjB9LCJCYWNrZ3JvdW5kIjp7IiRpZCI6IjgwMCIsIkNvbG9yIjp7IiRpZCI6IjgwMSIsIkEiOjI1NSwiUiI6MTYzLCJHIjo5OSwiQiI6MTk1fX0sIklzVmlzaWJsZSI6dHJ1ZSwiV2lkdGgiOjAuMCwiSGVpZ2h0IjoxNi4wLCJCb3JkZXJTdHlsZSI6eyIkaWQiOiI4MDIiLCJMaW5lQ29sb3IiOnsiJGlkIjoiODAzIiwiJHR5cGUiOiJOTFJFLkNvbW1vbi5Eb20uU29saWRDb2xvckJydXNoLCBOTFJFLkNvbW1vbiIsIkNvbG9yIjp7IiRpZCI6IjgwNCIsIkEiOjI1NSwiUiI6MjU1LCJHIjowLCJCIjowfX0sIkxpbmVXZWlnaHQiOjAuMCwiTGluZVR5cGUiOjAsIlBhcmVudFN0eWxlIjpudWxsfSwiUGFyZW50U3R5bGUiOm51bGx9LCJUaXRsZVN0eWxlIjp7IiRpZCI6IjgwNSIsIkZvbnRTZXR0aW5ncyI6eyIkaWQiOiI4MDYiLCJGb250U2l6ZSI6MTEsIkZvbnROYW1lIjoiQ2FsaWJyaSIsIklzQm9sZCI6ZmFsc2UsIklzSXRhbGljIjpmYWxzZSwiSXNVbmRlcmxpbmVkIjpmYWxzZSwiUGFyZW50U3R5bGUiOm51bGx9LCJBdXRvU2l6ZSI6MCwiRm9yZWdyb3VuZCI6eyIkaWQiOiI4MDciLCJDb2xvciI6eyIkaWQiOiI4MDgiLCJBIjoyNTUsIlIiOjI1NSwiRyI6MjU1LCJCIjoyNTV9fSwiTWF4V2lkdGgiOjk2MC4wLCJNYXhIZWlnaHQiOiJJbmZpbml0eSIsIlNtYXJ0Rm9yZWdyb3VuZElzQWN0aXZlIjpmYWxzZSwiSG9yaXpvbnRhbEFsaWdubWVudCI6MSwiVmVydGljYWxBbGlnbm1lbnQiOjAsIlNtYXJ0Rm9yZWdyb3VuZCI6bnVsbCwiQmFja2dyb3VuZEZpbGxUeXBlIjowLCJNYXJnaW4iOnsiJGlkIjoiODA5IiwiVG9wIjowLCJMZWZ0IjowLCJSaWdodCI6MCwiQm90dG9tIjowfSwiUGFkZGluZyI6eyIkaWQiOiI4MTAiLCJUb3AiOjAsIkxlZnQiOjAsIlJpZ2h0IjowLCJCb3R0b20iOjB9LCJCYWNrZ3JvdW5kIjp7IiRyZWYiOiIxMTcifSwiSXNWaXNpYmxlIjp0cnVlLCJXaWR0aCI6MC4wLCJIZWlnaHQiOjAuMCwiQm9yZGVyU3R5bGUiOnsiJGlkIjoiODExIiwiTGluZUNvbG9yIjpudWxsLCJMaW5lV2VpZ2h0IjowLjAsIkxpbmVUeXBlIjowLCJQYXJlbnRTdHlsZSI6bnVsbH0sIlBhcmVudFN0eWxlIjpudWxsfSwiRGF0ZVN0eWxlIjp7IiRpZCI6IjgxMiIsIkZvbnRTZXR0aW5ncyI6eyIkaWQiOiI4MTMiLCJGb250U2l6ZSI6MTAsIkZvbnROYW1lIjoiQ2FsaWJyaSIsIklzQm9sZCI6ZmFsc2UsIklzSXRhbGljIjpmYWxzZSwiSXNVbmRlcmxpbmVkIjpmYWxzZSwiUGFyZW50U3R5bGUiOm51bGx9LCJBdXRvU2l6ZSI6MCwiRm9yZWdyb3VuZCI6eyIkaWQiOiI4MTQiLCJDb2xvciI6eyIkcmVmIjoiMTIxIn19LCJNYXhXaWR0aCI6MjAwLjAsIk1heEhlaWdodCI6IkluZmluaXR5IiwiU21hcnRGb3JlZ3JvdW5kSXNBY3RpdmUiOmZhbHNlLCJIb3Jpem9udGFsQWxpZ25tZW50IjowLCJWZXJ0aWNhbEFsaWdubWVudCI6MCwiU21hcnRGb3JlZ3JvdW5kIjpudWxsLCJCYWNrZ3JvdW5kRmlsbFR5cGUiOjAsIk1hcmdpbiI6eyIkaWQiOiI4MTUiLCJUb3AiOjAsIkxlZnQiOjAsIlJpZ2h0IjowLCJCb3R0b20iOjB9LCJQYWRkaW5nIjp7IiRpZCI6IjgxNiIsIlRvcCI6MCwiTGVmdCI6MCwiUmlnaHQiOjAsIkJvdHRvbSI6MH0sIkJhY2tncm91bmQiOnsiJHJlZiI6IjEyNCJ9LCJJc1Zpc2libGUiOnRydWUsIldpZHRoIjowLjAsIkhlaWdodCI6MC4wLCJCb3JkZXJTdHlsZSI6eyIkaWQiOiI4MTciLCJMaW5lQ29sb3IiOm51bGwsIkxpbmVXZWlnaHQiOjAuMCwiTGluZVR5cGUiOjAsIlBhcmVudFN0eWxlIjpudWxsfSwiUGFyZW50U3R5bGUiOm51bGx9LCJEYXRlRm9ybWF0Ijp7IiRpZCI6IjgxOCIsIkZvcm1hdFN0cmluZyI6Ik1NTSBkIiwiU2VwYXJhdG9yIjoiLyIsIlVzZUludGVybmF0aW9uYWxEYXRlRm9ybWF0IjpmYWxzZSwiRGF0ZUlzVmlzaWJsZSI6ZmFsc2UsIlRpbWVJc1Zpc2libGUiOmZhbHNlLCJIb3VyRGlnaXRzIjoxLCJBbVBtRGVzaWduYXRvciI6MiwiVHJpbTAwTWludXRlcyI6ZmFsc2UsIkxhc3RLbm93blZpc2liaWxpdHlTdGF0ZSI6eyIkaWQiOiI4MTkiLCJEYXRlUGFydElzVmlzaWJsZSI6dHJ1ZSwiVGltZVBhcnRJc1Zpc2libGUiOmZhbHNlfX0sIklzVmlzaWJsZSI6dHJ1ZSwiUGFyZW50U3R5bGUiOm51bGx9LCJJbmRleCI6MTksIlNtYXJ0RHVyYXRpb25BY3RpdmF0ZWQiOmZhbHNlLCJEYXRlRm9ybWF0Ijp7IiRyZWYiOiI4MTgifSwiSWQiOiJlNGNiZWE4YS0yMDU3LTRiYzItYmUyNC1hMzdhNWQxMWM3ZjMiLCJJbXBvcnRJZCI6bnVsbCwiVGl0bGUiOiJSZWNydWl0OiBSb3VuZCAxICIsIk5vdGUiOm51bGwsIkh5cGVybGluayI6eyIkaWQiOiI4MjAiLCJBZGRyZXNzIjoiIiwiU3ViQWRkcmVzcyI6IiJ9LCJJc0NoYW5nZWQiOmZhbHNlLCJJc05ldyI6ZmFsc2V9LCJJbmRleCI6MH0seyIkaWQiOiI4MjEiLCJfYXR0YWNoZWRNaWxlc3RvbmVzIjpbXSwiVGFza0RlZmluaXRpb24iOnsiJGlkIjoiODIyIiwiR3JvdXBOYW1lIjoiZmMwYzY0YTktYzhkMS00MzAxLTkzZWItMDBhYzVkZjAzZmRlIiwiU3RhcnREYXRlIjoiMjAyMC0wMy0yOVQwMDowMDowMCIsIkVuZERhdGUiOiIyMDIwLTA4LTA4VDExOjU5OjAwIiwiUGVyY2VudGFnZUNvbXBsZXRlIjpudWxsLCJTdHlsZSI6eyIkaWQiOiI4MjMiLCJTaGFwZSI6MSwiU2hhcGVUaGlja25lc3MiOjEsIkR1cmF0aW9uRm9ybWF0IjowLCJJbmNsdWRlTm9uV29ya2luZ0RheXNJbkR1cmF0aW9uIjpmYWxzZSwiUGVyY2VudGFnZUNvbXBsZXRlU3R5bGUiOnsiJGlkIjoiODI0IiwiRm9udFNldHRpbmdzIjp7IiRpZCI6IjgyNSIsIkZvbnRTaXplIjoxMCwiRm9udE5hbWUiOiJDYWxpYnJpIiwiSXNCb2xkIjpmYWxzZSwiSXNJdGFsaWMiOmZhbHNlLCJJc1VuZGVybGluZWQiOmZhbHNlLCJQYXJlbnRTdHlsZSI6bnVsbH0sIkF1dG9TaXplIjowLCJGb3JlZ3JvdW5kIjp7IiRyZWYiOiI4NSJ9LCJNYXhXaWR0aCI6MjAwLjAsIk1heEhlaWdodCI6IkluZmluaXR5IiwiU21hcnRGb3JlZ3JvdW5kSXNBY3RpdmUiOmZhbHNlLCJIb3Jpem9udGFsQWxpZ25tZW50IjowLCJWZXJ0aWNhbEFsaWdubWVudCI6MCwiU21hcnRGb3JlZ3JvdW5kIjpudWxsLCJCYWNrZ3JvdW5kRmlsbFR5cGUiOjAsIk1hcmdpbiI6eyIkaWQiOiI4MjYiLCJUb3AiOjAsIkxlZnQiOjAsIlJpZ2h0IjowLCJCb3R0b20iOjB9LCJQYWRkaW5nIjp7IiRpZCI6IjgyNyIsIlRvcCI6MCwiTGVmdCI6MCwiUmlnaHQiOjAsIkJvdHRvbSI6MH0sIkJhY2tncm91bmQiOnsiJHJlZiI6Ijg5In0sIklzVmlzaWJsZSI6dHJ1ZSwiV2lkdGgiOjAuMCwiSGVpZ2h0IjowLjAsIkJvcmRlclN0eWxlIjp7IiRpZCI6IjgyOCIsIkxpbmVDb2xvciI6bnVsbCwiTGluZVdlaWdodCI6MC4wLCJMaW5lVHlwZSI6MCwiUGFyZW50U3R5bGUiOm51bGx9LCJQYXJlbnRTdHlsZSI6bnVsbH0sIkR1cmF0aW9uU3R5bGUiOnsiJGlkIjoiODI5IiwiRm9udFNldHRpbmdzIjp7IiRpZCI6IjgzMCIsIkZvbnRTaXplIjoxMCwiRm9udE5hbWUiOiJDYWxpYnJpIiwiSXNCb2xkIjpmYWxzZSwiSXNJdGFsaWMiOmZhbHNlLCJJc1VuZGVybGluZWQiOmZhbHNlLCJQYXJlbnRTdHlsZSI6bnVsbH0sIkF1dG9TaXplIjowLCJGb3JlZ3JvdW5kIjp7IiRpZCI6IjgzMSIsIkNvbG9yIjp7IiRyZWYiOiI5MyJ9fSwiTWF4V2lkdGgiOjIwMC4wLCJNYXhIZWlnaHQiOiJJbmZpbml0eSIsIlNtYXJ0Rm9yZWdyb3VuZElzQWN0aXZlIjpmYWxzZSwiSG9yaXpvbnRhbEFsaWdubWVudCI6MCwiVmVydGljYWxBbGlnbm1lbnQiOjAsIlNtYXJ0Rm9yZWdyb3VuZCI6bnVsbCwiQmFja2dyb3VuZEZpbGxUeXBlIjowLCJNYXJnaW4iOnsiJGlkIjoiODMyIiwiVG9wIjowLCJMZWZ0IjowLCJSaWdodCI6MCwiQm90dG9tIjowfSwiUGFkZGluZyI6eyIkaWQiOiI4MzMiLCJUb3AiOjAsIkxlZnQiOjAsIlJpZ2h0IjowLCJCb3R0b20iOjB9LCJCYWNrZ3JvdW5kIjp7IiRyZWYiOiI5NiJ9LCJJc1Zpc2libGUiOnRydWUsIldpZHRoIjowLjAsIkhlaWdodCI6MC4wLCJCb3JkZXJTdHlsZSI6eyIkaWQiOiI4MzQiLCJMaW5lQ29sb3IiOm51bGwsIkxpbmVXZWlnaHQiOjAuMCwiTGluZVR5cGUiOjAsIlBhcmVudFN0eWxlIjpudWxsfSwiUGFyZW50U3R5bGUiOm51bGx9LCJIb3Jpem9udGFsQ29ubmVjdG9yU3R5bGUiOnsiJGlkIjoiODM1IiwiTGluZUNvbG9yIjp7IiRyZWYiOiI5OCJ9LCJMaW5lV2VpZ2h0IjoxLjAsIkxpbmVUeXBlIjowLCJQYXJlbnRTdHlsZSI6bnVsbH0sIlZlcnRpY2FsQ29ubmVjdG9yU3R5bGUiOnsiJGlkIjoiODM2IiwiTGluZUNvbG9yIjp7IiRyZWYiOiIxMDEifSwiTGluZVdlaWdodCI6MC4wLCJMaW5lVHlwZSI6MCwiUGFyZW50U3R5bGUiOm51bGx9LCJNYXJnaW4iOm51bGwsIlN0YXJ0RGF0ZVBvc2l0aW9uIjo2LCJFbmREYXRlUG9zaXRpb24iOjYsIkRhdGVJc1Zpc2libGUiOmZhbHNlLCJUaXRsZVBvc2l0aW9uIjoyLCJEdXJhdGlvblBvc2l0aW9uIjo2LCJQZXJjZW50YWdlQ29tcGxldGVkUG9zaXRpb24iOjIsIlNwYWNpbmciOjMsIklzQmVsb3dUaW1lYmFuZCI6dHJ1ZSwiUGVyY2VudGFnZUNvbXBsZXRlU2hhcGVPcGFjaXR5IjozNSwiU2hhcGVTdHlsZSI6eyIkaWQiOiI4MzciLCJNYXJnaW4iOnsiJGlkIjoiODM4IiwiVG9wIjowLCJMZWZ0Ijo0LCJSaWdodCI6NCwiQm90dG9tIjowfSwiUGFkZGluZyI6eyIkaWQiOiI4MzkiLCJUb3AiOjAsIkxlZnQiOjAsIlJpZ2h0IjowLCJCb3R0b20iOjB9LCJCYWNrZ3JvdW5kIjp7IiRpZCI6Ijg0MCIsIkNvbG9yIjp7IiRpZCI6Ijg0MSIsIkEiOjI1NSwiUiI6MTYzLCJHIjo5OSwiQiI6MTk1fX0sIklzVmlzaWJsZSI6dHJ1ZSwiV2lkdGgiOjAuMCwiSGVpZ2h0IjoxNi4wLCJCb3JkZXJTdHlsZSI6eyIkaWQiOiI4NDIiLCJMaW5lQ29sb3IiOnsiJGlkIjoiODQzIiwiJHR5cGUiOiJOTFJFLkNvbW1vbi5Eb20uU29saWRDb2xvckJydXNoLCBOTFJFLkNvbW1vbiIsIkNvbG9yIjp7IiRpZCI6Ijg0NCIsIkEiOjI1NSwiUiI6MjU1LCJHIjowLCJCIjowfX0sIkxpbmVXZWlnaHQiOjAuMCwiTGluZVR5cGUiOjAsIlBhcmVudFN0eWxlIjpudWxsfSwiUGFyZW50U3R5bGUiOm51bGx9LCJUaXRsZVN0eWxlIjp7IiRpZCI6Ijg0NSIsIkZvbnRTZXR0aW5ncyI6eyIkaWQiOiI4NDYiLCJGb250U2l6ZSI6MTEsIkZvbnROYW1lIjoiQ2FsaWJyaSIsIklzQm9sZCI6ZmFsc2UsIklzSXRhbGljIjpmYWxzZSwiSXNVbmRlcmxpbmVkIjpmYWxzZSwiUGFyZW50U3R5bGUiOm51bGx9LCJBdXRvU2l6ZSI6MCwiRm9yZWdyb3VuZCI6eyIkaWQiOiI4NDciLCJDb2xvciI6eyIkaWQiOiI4NDgiLCJBIjoyNTUsIlIiOjI1NSwiRyI6MjU1LCJCIjoyNTV9fSwiTWF4V2lkdGgiOjk2MC4wLCJNYXhIZWlnaHQiOiJJbmZpbml0eSIsIlNtYXJ0Rm9yZWdyb3VuZElzQWN0aXZlIjpmYWxzZSwiSG9yaXpvbnRhbEFsaWdubWVudCI6MSwiVmVydGljYWxBbGlnbm1lbnQiOjAsIlNtYXJ0Rm9yZWdyb3VuZCI6bnVsbCwiQmFja2dyb3VuZEZpbGxUeXBlIjowLCJNYXJnaW4iOnsiJGlkIjoiODQ5IiwiVG9wIjowLCJMZWZ0IjowLCJSaWdodCI6MCwiQm90dG9tIjowfSwiUGFkZGluZyI6eyIkaWQiOiI4NTAiLCJUb3AiOjAsIkxlZnQiOjAsIlJpZ2h0IjowLCJCb3R0b20iOjB9LCJCYWNrZ3JvdW5kIjp7IiRyZWYiOiIxMTcifSwiSXNWaXNpYmxlIjp0cnVlLCJXaWR0aCI6MC4wLCJIZWlnaHQiOjAuMCwiQm9yZGVyU3R5bGUiOnsiJGlkIjoiODUxIiwiTGluZUNvbG9yIjpudWxsLCJMaW5lV2VpZ2h0IjowLjAsIkxpbmVUeXBlIjowLCJQYXJlbnRTdHlsZSI6bnVsbH0sIlBhcmVudFN0eWxlIjpudWxsfSwiRGF0ZVN0eWxlIjp7IiRpZCI6Ijg1MiIsIkZvbnRTZXR0aW5ncyI6eyIkaWQiOiI4NTMiLCJGb250U2l6ZSI6MTAsIkZvbnROYW1lIjoiQ2FsaWJyaSIsIklzQm9sZCI6ZmFsc2UsIklzSXRhbGljIjpmYWxzZSwiSXNVbmRlcmxpbmVkIjpmYWxzZSwiUGFyZW50U3R5bGUiOm51bGx9LCJBdXRvU2l6ZSI6MCwiRm9yZWdyb3VuZCI6eyIkaWQiOiI4NTQiLCJDb2xvciI6eyIkcmVmIjoiMTIxIn19LCJNYXhXaWR0aCI6MjAwLjAsIk1heEhlaWdodCI6IkluZmluaXR5IiwiU21hcnRGb3JlZ3JvdW5kSXNBY3RpdmUiOmZhbHNlLCJIb3Jpem9udGFsQWxpZ25tZW50IjowLCJWZXJ0aWNhbEFsaWdubWVudCI6MCwiU21hcnRGb3JlZ3JvdW5kIjpudWxsLCJCYWNrZ3JvdW5kRmlsbFR5cGUiOjAsIk1hcmdpbiI6eyIkaWQiOiI4NTUiLCJUb3AiOjAsIkxlZnQiOjAsIlJpZ2h0IjowLCJCb3R0b20iOjB9LCJQYWRkaW5nIjp7IiRpZCI6Ijg1NiIsIlRvcCI6MCwiTGVmdCI6MCwiUmlnaHQiOjAsIkJvdHRvbSI6MH0sIkJhY2tncm91bmQiOnsiJHJlZiI6IjEyNCJ9LCJJc1Zpc2libGUiOnRydWUsIldpZHRoIjowLjAsIkhlaWdodCI6MC4wLCJCb3JkZXJTdHlsZSI6eyIkaWQiOiI4NTciLCJMaW5lQ29sb3IiOm51bGwsIkxpbmVXZWlnaHQiOjAuMCwiTGluZVR5cGUiOjAsIlBhcmVudFN0eWxlIjpudWxsfSwiUGFyZW50U3R5bGUiOm51bGx9LCJEYXRlRm9ybWF0Ijp7IiRpZCI6Ijg1OCIsIkZvcm1hdFN0cmluZyI6Ik1NTSBkIiwiU2VwYXJhdG9yIjoiLyIsIlVzZUludGVybmF0aW9uYWxEYXRlRm9ybWF0IjpmYWxzZSwiRGF0ZUlzVmlzaWJsZSI6ZmFsc2UsIlRpbWVJc1Zpc2libGUiOmZhbHNlLCJIb3VyRGlnaXRzIjoxLCJBbVBtRGVzaWduYXRvciI6MiwiVHJpbTAwTWludXRlcyI6ZmFsc2UsIkxhc3RLbm93blZpc2liaWxpdHlTdGF0ZSI6eyIkaWQiOiI4NTkiLCJEYXRlUGFydElzVmlzaWJsZSI6dHJ1ZSwiVGltZVBhcnRJc1Zpc2libGUiOmZhbHNlfX0sIklzVmlzaWJsZSI6dHJ1ZSwiUGFyZW50U3R5bGUiOm51bGx9LCJJbmRleCI6MjAsIlNtYXJ0RHVyYXRpb25BY3RpdmF0ZWQiOmZhbHNlLCJEYXRlRm9ybWF0Ijp7IiRyZWYiOiI4NTgifSwiSWQiOiI0ODUwZTQ1MS0zMTVkLTQ1NDQtODBkNC1mNWU4M2U3ZmJmOGEiLCJJbXBvcnRJZCI6bnVsbCwiVGl0bGUiOiJSZWNydWl0OiBSb3VuZCAyIiwiTm90ZSI6bnVsbCwiSHlwZXJsaW5rIjp7IiRpZCI6Ijg2MCIsIkFkZHJlc3MiOiIiLCJTdWJBZGRyZXNzIjoiIn0sIklzQ2hhbmdlZCI6ZmFsc2UsIklzTmV3IjpmYWxzZX0sIkluZGV4IjowfV0sIk1pbGVzdG9uZXMiOltdfSx7IiRpZCI6Ijg2MSIsIklkIjoiYTZiMjkxYjktZjMxMy00NTQ4LTg0N2UtYzUyY2YwNDlmODdiIiwiSW5kZXgiOjIxLCJIZWFkZXJUZXh0IjoiUmlzayBNZ3QiLCJTdHlsZSI6eyIkaWQiOiI4NjIiLCJIZWFkZXJTdHlsZSI6eyIkaWQiOiI4NjMiLCJUZXh0U3R5bGUiOnsiJGlkIjoiODY0IiwiRm9udFNldHRpbmdzIjp7IiRpZCI6Ijg2NSIsIkZvbnRTaXplIjoxMiwiRm9udE5hbWUiOiJDYWxpYnJpIiwiSXNCb2xkIjpmYWxzZSwiSXNJdGFsaWMiOmZhbHNlLCJJc1VuZGVybGluZWQiOmZhbHNlLCJQYXJlbnRTdHlsZSI6bnVsbH0sIkF1dG9TaXplIjowLCJGb3JlZ3JvdW5kIjp7IiRpZCI6Ijg2NiIsIkNvbG9yIjp7IiRpZCI6Ijg2NyIsIkEiOjI1NSwiUiI6MzIsIkciOjU2LCJCIjoxMDB9fSwiTWF4V2lkdGgiOjAuMCwiTWF4SGVpZ2h0IjowLjAsIlNtYXJ0Rm9yZWdyb3VuZElzQWN0aXZlIjpmYWxzZSwiSG9yaXpvbnRhbEFsaWdubWVudCI6MCwiVmVydGljYWxBbGlnbm1lbnQiOjAsIlNtYXJ0Rm9yZWdyb3VuZCI6bnVsbCwiQmFja2dyb3VuZEZpbGxUeXBlIjowLCJNYXJnaW4iOnsiJHJlZiI6IjE0MSJ9LCJQYWRkaW5nIjp7IiRyZWYiOiIxNDIifSwiQmFja2dyb3VuZCI6bnVsbCwiSXNWaXNpYmxlIjpmYWxzZSwiV2lkdGgiOjAuMCwiSGVpZ2h0IjowLjAsIkJvcmRlclN0eWxlIjpudWxsLCJQYXJlbnRTdHlsZSI6bnVsbH0sIlJlY3RhbmdsZVN0eWxlIjp7IiRpZCI6Ijg2OCIsIk1hcmdpbiI6eyIkcmVmIjoiMTQ0In0sIlBhZGRpbmciOnsiJHJlZiI6IjE0NSJ9LCJCYWNrZ3JvdW5kIjp7IiRpZCI6Ijg2OSIsIkNvbG9yIjp7IiRpZCI6Ijg3MCIsIkEiOjEyNywiUiI6MjQwLCJHIjoxMDAsIkIiOjQ3fX0sIklzVmlzaWJsZSI6ZmFsc2UsIldpZHRoIjowLjAsIkhlaWdodCI6MC4wLCJCb3JkZXJTdHlsZSI6eyIkaWQiOiI4NzEiLCJMaW5lQ29sb3IiOnsiJHJlZiI6IjE0OSJ9LCJMaW5lV2VpZ2h0IjowLjAsIkxpbmVUeXBlIjowLCJQYXJlbnRTdHlsZSI6bnVsbH0sIlBhcmVudFN0eWxlIjpudWxsfSwiTWFyZ2luIjp7IiRyZWYiOiIxNTEifSwiUGFkZGluZyI6eyIkcmVmIjoiMTUyIn0sIkJhY2tncm91bmQiOm51bGwsIklzVmlzaWJsZSI6dHJ1ZSwiV2lkdGgiOjAuMCwiSGVpZ2h0IjowLjAsIkJvcmRlclN0eWxlIjpudWxsLCJQYXJlbnRTdHlsZSI6bnVsbH0sIkJhY2tncm91bmRTdHlsZSI6eyIkaWQiOiI4NzIiLCJNYXJnaW4iOnsiJHJlZiI6IjE1NCJ9LCJQYWRkaW5nIjp7IiRyZWYiOiIxNTUifSwiQmFja2dyb3VuZCI6eyIkaWQiOiI4NzMiLCJDb2xvciI6eyIkaWQiOiI4NzQiLCJBIjozOCwiUiI6MCwiRyI6MCwiQiI6MH19LCJJc1Zpc2libGUiOnRydWUsIldpZHRoIjowLjAsIkhlaWdodCI6MC4wLCJCb3JkZXJTdHlsZSI6eyIkaWQiOiI4NzUiLCJMaW5lQ29sb3IiOnsiJGlkIjoiODc2IiwiJHR5cGUiOiJOTFJFLkNvbW1vbi5Eb20uU29saWRDb2xvckJydXNoLCBOTFJFLkNvbW1vbiIsIkNvbG9yIjp7IiRpZCI6Ijg3NyIsIkEiOjI1NSwiUiI6MTc4LCJHIjoxNCwiQiI6MTh9fSwiTGluZVdlaWdodCI6MC4wLCJMaW5lVHlwZSI6MCwiUGFyZW50U3R5bGUiOm51bGx9LCJQYXJlbnRTdHlsZSI6bnVsbH0sIklzQWJvdmVUaW1lYmFuZCI6ZmFsc2UsIk1hcmdpbiI6eyIkcmVmIjoiMTYxIn0sIlBhZGRpbmciOnsiJHJlZiI6IjE2MiJ9LCJJc1Zpc2libGUiOnRydWUsIldpZHRoIjowLjAsIkhlaWdodCI6MC4wLCJCb3JkZXJTdHlsZSI6bnVsbCwiUGFyZW50U3R5bGUiOm51bGx9LCJUYXNrcyI6W3siJGlkIjoiODc4IiwiX2F0dGFjaGVkTWlsZXN0b25lcyI6W10sIlRhc2tEZWZpbml0aW9uIjp7IiRpZCI6Ijg3OSIsIkdyb3VwTmFtZSI6ImE3Nzc3ODRiLWI5M2QtNDRmNC1hOGMwLWIxNGVlNjBlMDI2NyIsIlN0YXJ0RGF0ZSI6IjIwMjAtMDMtMjNUMDA6MDA6MDAiLCJFbmREYXRlIjoiMjAyMC0wNy0wM1QxMTo1OTowMCIsIlBlcmNlbnRhZ2VDb21wbGV0ZSI6NzAuMCwiU3R5bGUiOnsiJGlkIjoiODgwIiwiU2hhcGUiOjQsIlNoYXBlVGhpY2tuZXNzIjoxLCJEdXJhdGlvbkZvcm1hdCI6MCwiSW5jbHVkZU5vbldvcmtpbmdEYXlzSW5EdXJhdGlvbiI6ZmFsc2UsIlBlcmNlbnRhZ2VDb21wbGV0ZVN0eWxlIjp7IiRpZCI6Ijg4MSIsIkZvbnRTZXR0aW5ncyI6eyIkaWQiOiI4ODIiLCJGb250U2l6ZSI6MTAsIkZvbnROYW1lIjoiQ2FsaWJyaSIsIklzQm9sZCI6ZmFsc2UsIklzSXRhbGljIjpmYWxzZSwiSXNVbmRlcmxpbmVkIjpmYWxzZSwiUGFyZW50U3R5bGUiOm51bGx9LCJBdXRvU2l6ZSI6MCwiRm9yZWdyb3VuZCI6eyIkaWQiOiI4ODMiLCJDb2xvciI6eyIkaWQiOiI4ODQiLCJBIjoyNTUsIlIiOjE5MiwiRyI6ODAsIkIiOjc3fX0sIk1heFdpZHRoIjoyMDAuMCwiTWF4SGVpZ2h0IjoiSW5maW5pdHkiLCJTbWFydEZvcmVncm91bmRJc0FjdGl2ZSI6ZmFsc2UsIkhvcml6b250YWxBbGlnbm1lbnQiOjEsIlZlcnRpY2FsQWxpZ25tZW50IjowLCJTbWFydEZvcmVncm91bmQiOm51bGwsIkJhY2tncm91bmRGaWxsVHlwZSI6MCwiTWFyZ2luIjp7IiRpZCI6Ijg4NSIsIlRvcCI6MCwiTGVmdCI6MCwiUmlnaHQiOjAsIkJvdHRvbSI6MH0sIlBhZGRpbmciOnsiJGlkIjoiODg2IiwiVG9wIjowLCJMZWZ0IjowLCJSaWdodCI6MCwiQm90dG9tIjowfSwiQmFja2dyb3VuZCI6eyIkcmVmIjoiODkifSwiSXNWaXNpYmxlIjp0cnVlLCJXaWR0aCI6MC4wLCJIZWlnaHQiOjAuMCwiQm9yZGVyU3R5bGUiOnsiJGlkIjoiODg3IiwiTGluZUNvbG9yIjpudWxsLCJMaW5lV2VpZ2h0IjowLjAsIkxpbmVUeXBlIjowLCJQYXJlbnRTdHlsZSI6bnVsbH0sIlBhcmVudFN0eWxlIjpudWxsfSwiRHVyYXRpb25TdHlsZSI6eyIkaWQiOiI4ODgiLCJGb250U2V0dGluZ3MiOnsiJGlkIjoiODg5IiwiRm9udFNpemUiOjEwLCJGb250TmFtZSI6IkNhbGlicmkiLCJJc0JvbGQiOmZhbHNlLCJJc0l0YWxpYyI6ZmFsc2UsIklzVW5kZXJsaW5lZCI6ZmFsc2UsIlBhcmVudFN0eWxlIjpudWxsfSwiQXV0b1NpemUiOjAsIkZvcmVncm91bmQiOnsiJGlkIjoiODkwIiwiQ29sb3IiOnsiJHJlZiI6IjkzIn19LCJNYXhXaWR0aCI6MjAwLjAsIk1heEhlaWdodCI6IkluZmluaXR5IiwiU21hcnRGb3JlZ3JvdW5kSXNBY3RpdmUiOmZhbHNlLCJIb3Jpem9udGFsQWxpZ25tZW50IjowLCJWZXJ0aWNhbEFsaWdubWVudCI6MCwiU21hcnRGb3JlZ3JvdW5kIjpudWxsLCJCYWNrZ3JvdW5kRmlsbFR5cGUiOjAsIk1hcmdpbiI6eyIkaWQiOiI4OTEiLCJUb3AiOjAsIkxlZnQiOjAsIlJpZ2h0IjowLCJCb3R0b20iOjB9LCJQYWRkaW5nIjp7IiRpZCI6Ijg5MiIsIlRvcCI6MCwiTGVmdCI6MCwiUmlnaHQiOjAsIkJvdHRvbSI6MH0sIkJhY2tncm91bmQiOnsiJHJlZiI6Ijk2In0sIklzVmlzaWJsZSI6dHJ1ZSwiV2lkdGgiOjAuMCwiSGVpZ2h0IjowLjAsIkJvcmRlclN0eWxlIjp7IiRpZCI6Ijg5MyIsIkxpbmVDb2xvciI6bnVsbCwiTGluZVdlaWdodCI6MC4wLCJMaW5lVHlwZSI6MCwiUGFyZW50U3R5bGUiOm51bGx9LCJQYXJlbnRTdHlsZSI6bnVsbH0sIkhvcml6b250YWxDb25uZWN0b3JTdHlsZSI6eyIkaWQiOiI4OTQiLCJMaW5lQ29sb3IiOnsiJHJlZiI6Ijk4In0sIkxpbmVXZWlnaHQiOjEuMCwiTGluZVR5cGUiOjAsIlBhcmVudFN0eWxlIjpudWxsfSwiVmVydGljYWxDb25uZWN0b3JTdHlsZSI6eyIkaWQiOiI4OTUiLCJMaW5lQ29sb3IiOnsiJHJlZiI6IjEwMSJ9LCJMaW5lV2VpZ2h0IjowLjAsIkxpbmVUeXBlIjowLCJQYXJlbnRTdHlsZSI6bnVsbH0sIk1hcmdpbiI6bnVsbCwiU3RhcnREYXRlUG9zaXRpb24iOjYsIkVuZERhdGVQb3NpdGlvbiI6NiwiRGF0ZUlzVmlzaWJsZSI6ZmFsc2UsIlRpdGxlUG9zaXRpb24iOjIsIkR1cmF0aW9uUG9zaXRpb24iOjYsIlBlcmNlbnRhZ2VDb21wbGV0ZWRQb3NpdGlvbiI6MiwiU3BhY2luZyI6MywiSXNCZWxvd1RpbWViYW5kIjp0cnVlLCJQZXJjZW50YWdlQ29tcGxldGVTaGFwZU9wYWNpdHkiOjM1LCJTaGFwZVN0eWxlIjp7IiRpZCI6Ijg5NiIsIk1hcmdpbiI6eyIkaWQiOiI4OTciLCJUb3AiOjAsIkxlZnQiOjQsIlJpZ2h0Ijo0LCJCb3R0b20iOjB9LCJQYWRkaW5nIjp7IiRpZCI6Ijg5OCIsIlRvcCI6MCwiTGVmdCI6MCwiUmlnaHQiOjAsIkJvdHRvbSI6MH0sIkJhY2tncm91bmQiOnsiJGlkIjoiODk5IiwiQ29sb3IiOnsiJGlkIjoiOTAwIiwiQSI6MjU1LCJSIjoyMjcsIkciOjExNiwiQiI6MjJ9fSwiSXNWaXNpYmxlIjp0cnVlLCJXaWR0aCI6MC4wLCJIZWlnaHQiOjE2LjAsIkJvcmRlclN0eWxlIjp7IiRpZCI6IjkwMSIsIkxpbmVDb2xvciI6eyIkaWQiOiI5MDIiLCIkdHlwZSI6Ik5MUkUuQ29tbW9uLkRvbS5Tb2xpZENvbG9yQnJ1c2gsIE5MUkUuQ29tbW9uIiwiQ29sb3IiOnsiJGlkIjoiOTAzIiwiQSI6MjU1LCJSIjoyNTUsIkciOjAsIkIiOjB9fSwiTGluZVdlaWdodCI6MC4wLCJMaW5lVHlwZSI6MCwiUGFyZW50U3R5bGUiOm51bGx9LCJQYXJlbnRTdHlsZSI6bnVsbH0sIlRpdGxlU3R5bGUiOnsiJGlkIjoiOTA0IiwiRm9udFNldHRpbmdzIjp7IiRpZCI6IjkwNSIsIkZvbnRTaXplIjoxMSwiRm9udE5hbWUiOiJDYWxpYnJpIiwiSXNCb2xkIjpmYWxzZSwiSXNJdGFsaWMiOmZhbHNlLCJJc1VuZGVybGluZWQiOmZhbHNlLCJQYXJlbnRTdHlsZSI6bnVsbH0sIkF1dG9TaXplIjowLCJGb3JlZ3JvdW5kIjp7IiRpZCI6IjkwNiIsIkNvbG9yIjp7IiRpZCI6IjkwNyIsIkEiOjI1NSwiUiI6MjU1LCJHIjoyNTUsIkIiOjI1NX19LCJNYXhXaWR0aCI6OTYwLjAsIk1heEhlaWdodCI6IkluZmluaXR5IiwiU21hcnRGb3JlZ3JvdW5kSXNBY3RpdmUiOmZhbHNlLCJIb3Jpem9udGFsQWxpZ25tZW50IjoxLCJWZXJ0aWNhbEFsaWdubWVudCI6MCwiU21hcnRGb3JlZ3JvdW5kIjpudWxsLCJCYWNrZ3JvdW5kRmlsbFR5cGUiOjAsIk1hcmdpbiI6eyIkaWQiOiI5MDgiLCJUb3AiOjAsIkxlZnQiOjAsIlJpZ2h0IjowLCJCb3R0b20iOjB9LCJQYWRkaW5nIjp7IiRpZCI6IjkwOSIsIlRvcCI6MCwiTGVmdCI6MCwiUmlnaHQiOjAsIkJvdHRvbSI6MH0sIkJhY2tncm91bmQiOnsiJHJlZiI6IjExNyJ9LCJJc1Zpc2libGUiOnRydWUsIldpZHRoIjowLjAsIkhlaWdodCI6MC4wLCJCb3JkZXJTdHlsZSI6eyIkaWQiOiI5MTAiLCJMaW5lQ29sb3IiOm51bGwsIkxpbmVXZWlnaHQiOjAuMCwiTGluZVR5cGUiOjAsIlBhcmVudFN0eWxlIjpudWxsfSwiUGFyZW50U3R5bGUiOm51bGx9LCJEYXRlU3R5bGUiOnsiJGlkIjoiOTExIiwiRm9udFNldHRpbmdzIjp7IiRpZCI6IjkxMiIsIkZvbnRTaXplIjoxMCwiRm9udE5hbWUiOiJDYWxpYnJpIiwiSXNCb2xkIjpmYWxzZSwiSXNJdGFsaWMiOmZhbHNlLCJJc1VuZGVybGluZWQiOmZhbHNlLCJQYXJlbnRTdHlsZSI6bnVsbH0sIkF1dG9TaXplIjowLCJGb3JlZ3JvdW5kIjp7IiRpZCI6IjkxMyIsIkNvbG9yIjp7IiRyZWYiOiIxMjEifX0sIk1heFdpZHRoIjoyMDAuMCwiTWF4SGVpZ2h0IjoiSW5maW5pdHkiLCJTbWFydEZvcmVncm91bmRJc0FjdGl2ZSI6ZmFsc2UsIkhvcml6b250YWxBbGlnbm1lbnQiOjAsIlZlcnRpY2FsQWxpZ25tZW50IjowLCJTbWFydEZvcmVncm91bmQiOm51bGwsIkJhY2tncm91bmRGaWxsVHlwZSI6MCwiTWFyZ2luIjp7IiRpZCI6IjkxNCIsIlRvcCI6MCwiTGVmdCI6MCwiUmlnaHQiOjAsIkJvdHRvbSI6MH0sIlBhZGRpbmciOnsiJGlkIjoiOTE1IiwiVG9wIjowLCJMZWZ0IjowLCJSaWdodCI6MCwiQm90dG9tIjowfSwiQmFja2dyb3VuZCI6eyIkcmVmIjoiMTI0In0sIklzVmlzaWJsZSI6dHJ1ZSwiV2lkdGgiOjAuMCwiSGVpZ2h0IjowLjAsIkJvcmRlclN0eWxlIjp7IiRpZCI6IjkxNiIsIkxpbmVDb2xvciI6bnVsbCwiTGluZVdlaWdodCI6MC4wLCJMaW5lVHlwZSI6MCwiUGFyZW50U3R5bGUiOm51bGx9LCJQYXJlbnRTdHlsZSI6bnVsbH0sIkRhdGVGb3JtYXQiOnsiJGlkIjoiOTE3IiwiRm9ybWF0U3RyaW5nIjoiTU1NIGQiLCJTZXBhcmF0b3IiOiIvIiwiVXNlSW50ZXJuYXRpb25hbERhdGVGb3JtYXQiOmZhbHNlLCJEYXRlSXNWaXNpYmxlIjpmYWxzZSwiVGltZUlzVmlzaWJsZSI6ZmFsc2UsIkhvdXJEaWdpdHMiOjEsIkFtUG1EZXNpZ25hdG9yIjoyLCJUcmltMDBNaW51dGVzIjpmYWxzZSwiTGFzdEtub3duVmlzaWJpbGl0eVN0YXRlIjp7IiRpZCI6IjkxOCIsIkRhdGVQYXJ0SXNWaXNpYmxlIjp0cnVlLCJUaW1lUGFydElzVmlzaWJsZSI6ZmFsc2V9fSwiSXNWaXNpYmxlIjp0cnVlLCJQYXJlbnRTdHlsZSI6bnVsbH0sIkluZGV4IjoyMiwiU21hcnREdXJhdGlvbkFjdGl2YXRlZCI6ZmFsc2UsIkRhdGVGb3JtYXQiOnsiJHJlZiI6IjkxNyJ9LCJJZCI6ImZhNzE2MGFlLThkYjYtNDljNC1hNTg2LWMyNjcyMmUwOTRjYSIsIkltcG9ydElkIjpudWxsLCJUaXRsZSI6IkNlcnRpZmljYXRpb24gIiwiTm90ZSI6bnVsbCwiSHlwZXJsaW5rIjp7IiRpZCI6IjkxOSIsIkFkZHJlc3MiOiIiLCJTdWJBZGRyZXNzIjoiIn0sIklzQ2hhbmdlZCI6ZmFsc2UsIklzTmV3IjpmYWxzZX0sIkluZGV4IjowfSx7IiRpZCI6IjkyMCIsIl9hdHRhY2hlZE1pbGVzdG9uZXMiOltdLCJUYXNrRGVmaW5pdGlvbiI6eyIkaWQiOiI5MjEiLCJHcm91cE5hbWUiOiJhNzc3Nzg0Yi1iOTNkLTQ0ZjQtYThjMC1iMTRlZTYwZTAyNjciLCJTdGFydERhdGUiOiIyMDE5LTEwLTI2VDAwOjAwOjAwIiwiRW5kRGF0ZSI6IjIwMTktMTItMTFUMTE6NTk6MDAiLCJQZXJjZW50YWdlQ29tcGxldGUiOm51bGwsIlN0eWxlIjp7IiRpZCI6IjkyMiIsIlNoYXBlIjoxLCJTaGFwZVRoaWNrbmVzcyI6MSwiRHVyYXRpb25Gb3JtYXQiOjAsIkluY2x1ZGVOb25Xb3JraW5nRGF5c0luRHVyYXRpb24iOmZhbHNlLCJQZXJjZW50YWdlQ29tcGxldGVTdHlsZSI6eyIkaWQiOiI5MjMiLCJGb250U2V0dGluZ3MiOnsiJGlkIjoiOTI0IiwiRm9udFNpemUiOjEwLCJGb250TmFtZSI6IkNhbGlicmkiLCJJc0JvbGQiOmZhbHNlLCJJc0l0YWxpYyI6ZmFsc2UsIklzVW5kZXJsaW5lZCI6ZmFsc2UsIlBhcmVudFN0eWxlIjpudWxsfSwiQXV0b1NpemUiOjAsIkZvcmVncm91bmQiOnsiJHJlZiI6Ijg1In0sIk1heFdpZHRoIjoyMDAuMCwiTWF4SGVpZ2h0IjoiSW5maW5pdHkiLCJTbWFydEZvcmVncm91bmRJc0FjdGl2ZSI6ZmFsc2UsIkhvcml6b250YWxBbGlnbm1lbnQiOjAsIlZlcnRpY2FsQWxpZ25tZW50IjowLCJTbWFydEZvcmVncm91bmQiOm51bGwsIkJhY2tncm91bmRGaWxsVHlwZSI6MCwiTWFyZ2luIjp7IiRpZCI6IjkyNSIsIlRvcCI6MCwiTGVmdCI6MCwiUmlnaHQiOjAsIkJvdHRvbSI6MH0sIlBhZGRpbmciOnsiJGlkIjoiOTI2IiwiVG9wIjowLCJMZWZ0IjowLCJSaWdodCI6MCwiQm90dG9tIjowfSwiQmFja2dyb3VuZCI6eyIkcmVmIjoiODkifSwiSXNWaXNpYmxlIjp0cnVlLCJXaWR0aCI6MC4wLCJIZWlnaHQiOjAuMCwiQm9yZGVyU3R5bGUiOnsiJGlkIjoiOTI3IiwiTGluZUNvbG9yIjpudWxsLCJMaW5lV2VpZ2h0IjowLjAsIkxpbmVUeXBlIjowLCJQYXJlbnRTdHlsZSI6bnVsbH0sIlBhcmVudFN0eWxlIjpudWxsfSwiRHVyYXRpb25TdHlsZSI6eyIkaWQiOiI5MjgiLCJGb250U2V0dGluZ3MiOnsiJGlkIjoiOTI5IiwiRm9udFNpemUiOjEwLCJGb250TmFtZSI6IkNhbGlicmkiLCJJc0JvbGQiOmZhbHNlLCJJc0l0YWxpYyI6ZmFsc2UsIklzVW5kZXJsaW5lZCI6ZmFsc2UsIlBhcmVudFN0eWxlIjpudWxsfSwiQXV0b1NpemUiOjAsIkZvcmVncm91bmQiOnsiJGlkIjoiOTMwIiwiQ29sb3IiOnsiJHJlZiI6IjkzIn19LCJNYXhXaWR0aCI6MjAwLjAsIk1heEhlaWdodCI6IkluZmluaXR5IiwiU21hcnRGb3JlZ3JvdW5kSXNBY3RpdmUiOmZhbHNlLCJIb3Jpem9udGFsQWxpZ25tZW50IjowLCJWZXJ0aWNhbEFsaWdubWVudCI6MCwiU21hcnRGb3JlZ3JvdW5kIjpudWxsLCJCYWNrZ3JvdW5kRmlsbFR5cGUiOjAsIk1hcmdpbiI6eyIkaWQiOiI5MzEiLCJUb3AiOjAsIkxlZnQiOjAsIlJpZ2h0IjowLCJCb3R0b20iOjB9LCJQYWRkaW5nIjp7IiRpZCI6IjkzMiIsIlRvcCI6MCwiTGVmdCI6MCwiUmlnaHQiOjAsIkJvdHRvbSI6MH0sIkJhY2tncm91bmQiOnsiJHJlZiI6Ijk2In0sIklzVmlzaWJsZSI6dHJ1ZSwiV2lkdGgiOjAuMCwiSGVpZ2h0IjowLjAsIkJvcmRlclN0eWxlIjp7IiRpZCI6IjkzMyIsIkxpbmVDb2xvciI6bnVsbCwiTGluZVdlaWdodCI6MC4wLCJMaW5lVHlwZSI6MCwiUGFyZW50U3R5bGUiOm51bGx9LCJQYXJlbnRTdHlsZSI6bnVsbH0sIkhvcml6b250YWxDb25uZWN0b3JTdHlsZSI6eyIkaWQiOiI5MzQiLCJMaW5lQ29sb3IiOnsiJHJlZiI6Ijk4In0sIkxpbmVXZWlnaHQiOjEuMCwiTGluZVR5cGUiOjAsIlBhcmVudFN0eWxlIjpudWxsfSwiVmVydGljYWxDb25uZWN0b3JTdHlsZSI6eyIkaWQiOiI5MzUiLCJMaW5lQ29sb3IiOnsiJHJlZiI6IjEwMSJ9LCJMaW5lV2VpZ2h0IjowLjAsIkxpbmVUeXBlIjowLCJQYXJlbnRTdHlsZSI6bnVsbH0sIk1hcmdpbiI6bnVsbCwiU3RhcnREYXRlUG9zaXRpb24iOjYsIkVuZERhdGVQb3NpdGlvbiI6NiwiRGF0ZUlzVmlzaWJsZSI6ZmFsc2UsIlRpdGxlUG9zaXRpb24iOjIsIkR1cmF0aW9uUG9zaXRpb24iOjYsIlBlcmNlbnRhZ2VDb21wbGV0ZWRQb3NpdGlvbiI6MiwiU3BhY2luZyI6MywiSXNCZWxvd1RpbWViYW5kIjp0cnVlLCJQZXJjZW50YWdlQ29tcGxldGVTaGFwZU9wYWNpdHkiOjM1LCJTaGFwZVN0eWxlIjp7IiRpZCI6IjkzNiIsIk1hcmdpbiI6eyIkaWQiOiI5MzciLCJUb3AiOjAsIkxlZnQiOjQsIlJpZ2h0Ijo0LCJCb3R0b20iOjB9LCJQYWRkaW5nIjp7IiRpZCI6IjkzOCIsIlRvcCI6MCwiTGVmdCI6MCwiUmlnaHQiOjAsIkJvdHRvbSI6MH0sIkJhY2tncm91bmQiOnsiJGlkIjoiOTM5IiwiQ29sb3IiOnsiJGlkIjoiOTQwIiwiQSI6MjU1LCJSIjoyMjcsIkciOjExNiwiQiI6MjJ9fSwiSXNWaXNpYmxlIjp0cnVlLCJXaWR0aCI6MC4wLCJIZWlnaHQiOjE2LjAsIkJvcmRlclN0eWxlIjp7IiRpZCI6Ijk0MSIsIkxpbmVDb2xvciI6eyIkaWQiOiI5NDIiLCIkdHlwZSI6Ik5MUkUuQ29tbW9uLkRvbS5Tb2xpZENvbG9yQnJ1c2gsIE5MUkUuQ29tbW9uIiwiQ29sb3IiOnsiJGlkIjoiOTQzIiwiQSI6MjU1LCJSIjoyNTUsIkciOjAsIkIiOjB9fSwiTGluZVdlaWdodCI6MC4wLCJMaW5lVHlwZSI6MCwiUGFyZW50U3R5bGUiOm51bGx9LCJQYXJlbnRTdHlsZSI6bnVsbH0sIlRpdGxlU3R5bGUiOnsiJGlkIjoiOTQ0IiwiRm9udFNldHRpbmdzIjp7IiRpZCI6Ijk0NSIsIkZvbnRTaXplIjoxMSwiRm9udE5hbWUiOiJDYWxpYnJpIiwiSXNCb2xkIjpmYWxzZSwiSXNJdGFsaWMiOmZhbHNlLCJJc1VuZGVybGluZWQiOmZhbHNlLCJQYXJlbnRTdHlsZSI6bnVsbH0sIkF1dG9TaXplIjowLCJGb3JlZ3JvdW5kIjp7IiRpZCI6Ijk0NiIsIkNvbG9yIjp7IiRpZCI6Ijk0NyIsIkEiOjI1NSwiUiI6MjU1LCJHIjoyNTUsIkIiOjI1NX19LCJNYXhXaWR0aCI6OTYwLjAsIk1heEhlaWdodCI6IkluZmluaXR5IiwiU21hcnRGb3JlZ3JvdW5kSXNBY3RpdmUiOmZhbHNlLCJIb3Jpem9udGFsQWxpZ25tZW50IjoxLCJWZXJ0aWNhbEFsaWdubWVudCI6MCwiU21hcnRGb3JlZ3JvdW5kIjpudWxsLCJCYWNrZ3JvdW5kRmlsbFR5cGUiOjAsIk1hcmdpbiI6eyIkaWQiOiI5NDgiLCJUb3AiOjAsIkxlZnQiOjAsIlJpZ2h0IjowLCJCb3R0b20iOjB9LCJQYWRkaW5nIjp7IiRpZCI6Ijk0OSIsIlRvcCI6MCwiTGVmdCI6MCwiUmlnaHQiOjAsIkJvdHRvbSI6MH0sIkJhY2tncm91bmQiOnsiJHJlZiI6IjExNyJ9LCJJc1Zpc2libGUiOnRydWUsIldpZHRoIjowLjAsIkhlaWdodCI6MC4wLCJCb3JkZXJTdHlsZSI6eyIkaWQiOiI5NTAiLCJMaW5lQ29sb3IiOm51bGwsIkxpbmVXZWlnaHQiOjAuMCwiTGluZVR5cGUiOjAsIlBhcmVudFN0eWxlIjpudWxsfSwiUGFyZW50U3R5bGUiOm51bGx9LCJEYXRlU3R5bGUiOnsiJGlkIjoiOTUxIiwiRm9udFNldHRpbmdzIjp7IiRpZCI6Ijk1MiIsIkZvbnRTaXplIjoxMCwiRm9udE5hbWUiOiJDYWxpYnJpIiwiSXNCb2xkIjpmYWxzZSwiSXNJdGFsaWMiOmZhbHNlLCJJc1VuZGVybGluZWQiOmZhbHNlLCJQYXJlbnRTdHlsZSI6bnVsbH0sIkF1dG9TaXplIjowLCJGb3JlZ3JvdW5kIjp7IiRpZCI6Ijk1MyIsIkNvbG9yIjp7IiRyZWYiOiIxMjEifX0sIk1heFdpZHRoIjoyMDAuMCwiTWF4SGVpZ2h0IjoiSW5maW5pdHkiLCJTbWFydEZvcmVncm91bmRJc0FjdGl2ZSI6ZmFsc2UsIkhvcml6b250YWxBbGlnbm1lbnQiOjAsIlZlcnRpY2FsQWxpZ25tZW50IjowLCJTbWFydEZvcmVncm91bmQiOm51bGwsIkJhY2tncm91bmRGaWxsVHlwZSI6MCwiTWFyZ2luIjp7IiRpZCI6Ijk1NCIsIlRvcCI6MCwiTGVmdCI6MCwiUmlnaHQiOjAsIkJvdHRvbSI6MH0sIlBhZGRpbmciOnsiJGlkIjoiOTU1IiwiVG9wIjowLCJMZWZ0IjowLCJSaWdodCI6MCwiQm90dG9tIjowfSwiQmFja2dyb3VuZCI6eyIkcmVmIjoiMTI0In0sIklzVmlzaWJsZSI6dHJ1ZSwiV2lkdGgiOjAuMCwiSGVpZ2h0IjowLjAsIkJvcmRlclN0eWxlIjp7IiRpZCI6Ijk1NiIsIkxpbmVDb2xvciI6bnVsbCwiTGluZVdlaWdodCI6MC4wLCJMaW5lVHlwZSI6MCwiUGFyZW50U3R5bGUiOm51bGx9LCJQYXJlbnRTdHlsZSI6bnVsbH0sIkRhdGVGb3JtYXQiOnsiJGlkIjoiOTU3IiwiRm9ybWF0U3RyaW5nIjoiTU1NIGQiLCJTZXBhcmF0b3IiOiIvIiwiVXNlSW50ZXJuYXRpb25hbERhdGVGb3JtYXQiOmZhbHNlLCJEYXRlSXNWaXNpYmxlIjpmYWxzZSwiVGltZUlzVmlzaWJsZSI6ZmFsc2UsIkhvdXJEaWdpdHMiOjEsIkFtUG1EZXNpZ25hdG9yIjoyLCJUcmltMDBNaW51dGVzIjpmYWxzZSwiTGFzdEtub3duVmlzaWJpbGl0eVN0YXRlIjp7IiRpZCI6Ijk1OCIsIkRhdGVQYXJ0SXNWaXNpYmxlIjp0cnVlLCJUaW1lUGFydElzVmlzaWJsZSI6ZmFsc2V9fSwiSXNWaXNpYmxlIjp0cnVlLCJQYXJlbnRTdHlsZSI6bnVsbH0sIkluZGV4IjoyMywiU21hcnREdXJhdGlvbkFjdGl2YXRlZCI6ZmFsc2UsIkRhdGVGb3JtYXQiOnsiJHJlZiI6Ijk1NyJ9LCJJZCI6ImMwMDBiMzM4LTU2YzMtNDU3ZS05N2FjLTgzODQzYjQ2MzQ4YSIsIkltcG9ydElkIjpudWxsLCJUaXRsZSI6IkxvZ3MgIiwiTm90ZSI6bnVsbCwiSHlwZXJsaW5rIjp7IiRpZCI6Ijk1OSIsIkFkZHJlc3MiOiIiLCJTdWJBZGRyZXNzIjoiIn0sIklzQ2hhbmdlZCI6ZmFsc2UsIklzTmV3IjpmYWxzZX0sIkluZGV4IjowfSx7IiRpZCI6Ijk2MCIsIl9hdHRhY2hlZE1pbGVzdG9uZXMiOltdLCJUYXNrRGVmaW5pdGlvbiI6eyIkaWQiOiI5NjEiLCJHcm91cE5hbWUiOiIyNjBhZTBlZi0wYjFlLTQzZGMtOWUyNC04ZDVkY2E1MWFiYmIiLCJTdGFydERhdGUiOiIyMDIwLTA1LTAzVDAwOjAwOjAwIiwiRW5kRGF0ZSI6IjIwMjAtMDgtMDlUMTE6NTk6MDAiLCJQZXJjZW50YWdlQ29tcGxldGUiOm51bGwsIlN0eWxlIjp7IiRpZCI6Ijk2MiIsIlNoYXBlIjoxLCJTaGFwZVRoaWNrbmVzcyI6MSwiRHVyYXRpb25Gb3JtYXQiOjAsIkluY2x1ZGVOb25Xb3JraW5nRGF5c0luRHVyYXRpb24iOmZhbHNlLCJQZXJjZW50YWdlQ29tcGxldGVTdHlsZSI6eyIkaWQiOiI5NjMiLCJGb250U2V0dGluZ3MiOnsiJGlkIjoiOTY0IiwiRm9udFNpemUiOjEwLCJGb250TmFtZSI6IkNhbGlicmkiLCJJc0JvbGQiOmZhbHNlLCJJc0l0YWxpYyI6ZmFsc2UsIklzVW5kZXJsaW5lZCI6ZmFsc2UsIlBhcmVudFN0eWxlIjpudWxsfSwiQXV0b1NpemUiOjAsIkZvcmVncm91bmQiOnsiJHJlZiI6Ijg1In0sIk1heFdpZHRoIjoyMDAuMCwiTWF4SGVpZ2h0IjoiSW5maW5pdHkiLCJTbWFydEZvcmVncm91bmRJc0FjdGl2ZSI6ZmFsc2UsIkhvcml6b250YWxBbGlnbm1lbnQiOjAsIlZlcnRpY2FsQWxpZ25tZW50IjowLCJTbWFydEZvcmVncm91bmQiOm51bGwsIkJhY2tncm91bmRGaWxsVHlwZSI6MCwiTWFyZ2luIjp7IiRpZCI6Ijk2NSIsIlRvcCI6MCwiTGVmdCI6MCwiUmlnaHQiOjAsIkJvdHRvbSI6MH0sIlBhZGRpbmciOnsiJGlkIjoiOTY2IiwiVG9wIjowLCJMZWZ0IjowLCJSaWdodCI6MCwiQm90dG9tIjowfSwiQmFja2dyb3VuZCI6eyIkcmVmIjoiODkifSwiSXNWaXNpYmxlIjp0cnVlLCJXaWR0aCI6MC4wLCJIZWlnaHQiOjAuMCwiQm9yZGVyU3R5bGUiOnsiJGlkIjoiOTY3IiwiTGluZUNvbG9yIjpudWxsLCJMaW5lV2VpZ2h0IjowLjAsIkxpbmVUeXBlIjowLCJQYXJlbnRTdHlsZSI6bnVsbH0sIlBhcmVudFN0eWxlIjpudWxsfSwiRHVyYXRpb25TdHlsZSI6eyIkaWQiOiI5NjgiLCJGb250U2V0dGluZ3MiOnsiJGlkIjoiOTY5IiwiRm9udFNpemUiOjEwLCJGb250TmFtZSI6IkNhbGlicmkiLCJJc0JvbGQiOmZhbHNlLCJJc0l0YWxpYyI6ZmFsc2UsIklzVW5kZXJsaW5lZCI6ZmFsc2UsIlBhcmVudFN0eWxlIjpudWxsfSwiQXV0b1NpemUiOjAsIkZvcmVncm91bmQiOnsiJGlkIjoiOTcwIiwiQ29sb3IiOnsiJHJlZiI6IjkzIn19LCJNYXhXaWR0aCI6MjAwLjAsIk1heEhlaWdodCI6IkluZmluaXR5IiwiU21hcnRGb3JlZ3JvdW5kSXNBY3RpdmUiOmZhbHNlLCJIb3Jpem9udGFsQWxpZ25tZW50IjowLCJWZXJ0aWNhbEFsaWdubWVudCI6MCwiU21hcnRGb3JlZ3JvdW5kIjpudWxsLCJCYWNrZ3JvdW5kRmlsbFR5cGUiOjAsIk1hcmdpbiI6eyIkaWQiOiI5NzEiLCJUb3AiOjAsIkxlZnQiOjAsIlJpZ2h0IjowLCJCb3R0b20iOjB9LCJQYWRkaW5nIjp7IiRpZCI6Ijk3MiIsIlRvcCI6MCwiTGVmdCI6MCwiUmlnaHQiOjAsIkJvdHRvbSI6MH0sIkJhY2tncm91bmQiOnsiJHJlZiI6Ijk2In0sIklzVmlzaWJsZSI6dHJ1ZSwiV2lkdGgiOjAuMCwiSGVpZ2h0IjowLjAsIkJvcmRlclN0eWxlIjp7IiRpZCI6Ijk3MyIsIkxpbmVDb2xvciI6bnVsbCwiTGluZVdlaWdodCI6MC4wLCJMaW5lVHlwZSI6MCwiUGFyZW50U3R5bGUiOm51bGx9LCJQYXJlbnRTdHlsZSI6bnVsbH0sIkhvcml6b250YWxDb25uZWN0b3JTdHlsZSI6eyIkaWQiOiI5NzQiLCJMaW5lQ29sb3IiOnsiJHJlZiI6Ijk4In0sIkxpbmVXZWlnaHQiOjEuMCwiTGluZVR5cGUiOjAsIlBhcmVudFN0eWxlIjpudWxsfSwiVmVydGljYWxDb25uZWN0b3JTdHlsZSI6eyIkaWQiOiI5NzUiLCJMaW5lQ29sb3IiOnsiJHJlZiI6IjEwMSJ9LCJMaW5lV2VpZ2h0IjowLjAsIkxpbmVUeXBlIjowLCJQYXJlbnRTdHlsZSI6bnVsbH0sIk1hcmdpbiI6bnVsbCwiU3RhcnREYXRlUG9zaXRpb24iOjYsIkVuZERhdGVQb3NpdGlvbiI6NiwiRGF0ZUlzVmlzaWJsZSI6ZmFsc2UsIlRpdGxlUG9zaXRpb24iOjIsIkR1cmF0aW9uUG9zaXRpb24iOjYsIlBlcmNlbnRhZ2VDb21wbGV0ZWRQb3NpdGlvbiI6MiwiU3BhY2luZyI6MywiSXNCZWxvd1RpbWViYW5kIjp0cnVlLCJQZXJjZW50YWdlQ29tcGxldGVTaGFwZU9wYWNpdHkiOjM1LCJTaGFwZVN0eWxlIjp7IiRpZCI6Ijk3NiIsIk1hcmdpbiI6eyIkaWQiOiI5NzciLCJUb3AiOjAsIkxlZnQiOjQsIlJpZ2h0Ijo0LCJCb3R0b20iOjB9LCJQYWRkaW5nIjp7IiRpZCI6Ijk3OCIsIlRvcCI6MCwiTGVmdCI6MCwiUmlnaHQiOjAsIkJvdHRvbSI6MH0sIkJhY2tncm91bmQiOnsiJGlkIjoiOTc5IiwiQ29sb3IiOnsiJGlkIjoiOTgwIiwiQSI6MjU1LCJSIjoyMjcsIkciOjExNiwiQiI6MjJ9fSwiSXNWaXNpYmxlIjp0cnVlLCJXaWR0aCI6MC4wLCJIZWlnaHQiOjE2LjAsIkJvcmRlclN0eWxlIjp7IiRpZCI6Ijk4MSIsIkxpbmVDb2xvciI6eyIkaWQiOiI5ODIiLCIkdHlwZSI6Ik5MUkUuQ29tbW9uLkRvbS5Tb2xpZENvbG9yQnJ1c2gsIE5MUkUuQ29tbW9uIiwiQ29sb3IiOnsiJGlkIjoiOTgzIiwiQSI6MjU1LCJSIjoyNTUsIkciOjAsIkIiOjB9fSwiTGluZVdlaWdodCI6MC4wLCJMaW5lVHlwZSI6MCwiUGFyZW50U3R5bGUiOm51bGx9LCJQYXJlbnRTdHlsZSI6bnVsbH0sIlRpdGxlU3R5bGUiOnsiJGlkIjoiOTg0IiwiRm9udFNldHRpbmdzIjp7IiRpZCI6Ijk4NSIsIkZvbnRTaXplIjoxMSwiRm9udE5hbWUiOiJDYWxpYnJpIiwiSXNCb2xkIjpmYWxzZSwiSXNJdGFsaWMiOmZhbHNlLCJJc1VuZGVybGluZWQiOmZhbHNlLCJQYXJlbnRTdHlsZSI6bnVsbH0sIkF1dG9TaXplIjowLCJGb3JlZ3JvdW5kIjp7IiRpZCI6Ijk4NiIsIkNvbG9yIjp7IiRpZCI6Ijk4NyIsIkEiOjI1NSwiUiI6MjU1LCJHIjoyNTUsIkIiOjI1NX19LCJNYXhXaWR0aCI6OTYwLjAsIk1heEhlaWdodCI6IkluZmluaXR5IiwiU21hcnRGb3JlZ3JvdW5kSXNBY3RpdmUiOmZhbHNlLCJIb3Jpem9udGFsQWxpZ25tZW50IjoxLCJWZXJ0aWNhbEFsaWdubWVudCI6MCwiU21hcnRGb3JlZ3JvdW5kIjpudWxsLCJCYWNrZ3JvdW5kRmlsbFR5cGUiOjAsIk1hcmdpbiI6eyIkaWQiOiI5ODgiLCJUb3AiOjAsIkxlZnQiOjAsIlJpZ2h0IjowLCJCb3R0b20iOjB9LCJQYWRkaW5nIjp7IiRpZCI6Ijk4OSIsIlRvcCI6MCwiTGVmdCI6MCwiUmlnaHQiOjAsIkJvdHRvbSI6MH0sIkJhY2tncm91bmQiOnsiJHJlZiI6IjExNyJ9LCJJc1Zpc2libGUiOnRydWUsIldpZHRoIjowLjAsIkhlaWdodCI6MC4wLCJCb3JkZXJTdHlsZSI6eyIkaWQiOiI5OTAiLCJMaW5lQ29sb3IiOm51bGwsIkxpbmVXZWlnaHQiOjAuMCwiTGluZVR5cGUiOjAsIlBhcmVudFN0eWxlIjpudWxsfSwiUGFyZW50U3R5bGUiOm51bGx9LCJEYXRlU3R5bGUiOnsiJGlkIjoiOTkxIiwiRm9udFNldHRpbmdzIjp7IiRpZCI6Ijk5MiIsIkZvbnRTaXplIjoxMCwiRm9udE5hbWUiOiJDYWxpYnJpIiwiSXNCb2xkIjpmYWxzZSwiSXNJdGFsaWMiOmZhbHNlLCJJc1VuZGVybGluZWQiOmZhbHNlLCJQYXJlbnRTdHlsZSI6bnVsbH0sIkF1dG9TaXplIjowLCJGb3JlZ3JvdW5kIjp7IiRpZCI6Ijk5MyIsIkNvbG9yIjp7IiRyZWYiOiIxMjEifX0sIk1heFdpZHRoIjoyMDAuMCwiTWF4SGVpZ2h0IjoiSW5maW5pdHkiLCJTbWFydEZvcmVncm91bmRJc0FjdGl2ZSI6ZmFsc2UsIkhvcml6b250YWxBbGlnbm1lbnQiOjAsIlZlcnRpY2FsQWxpZ25tZW50IjowLCJTbWFydEZvcmVncm91bmQiOm51bGwsIkJhY2tncm91bmRGaWxsVHlwZSI6MCwiTWFyZ2luIjp7IiRpZCI6Ijk5NCIsIlRvcCI6MCwiTGVmdCI6MCwiUmlnaHQiOjAsIkJvdHRvbSI6MH0sIlBhZGRpbmciOnsiJGlkIjoiOTk1IiwiVG9wIjowLCJMZWZ0IjowLCJSaWdodCI6MCwiQm90dG9tIjowfSwiQmFja2dyb3VuZCI6eyIkcmVmIjoiMTI0In0sIklzVmlzaWJsZSI6dHJ1ZSwiV2lkdGgiOjAuMCwiSGVpZ2h0IjowLjAsIkJvcmRlclN0eWxlIjp7IiRpZCI6Ijk5NiIsIkxpbmVDb2xvciI6bnVsbCwiTGluZVdlaWdodCI6MC4wLCJMaW5lVHlwZSI6MCwiUGFyZW50U3R5bGUiOm51bGx9LCJQYXJlbnRTdHlsZSI6bnVsbH0sIkRhdGVGb3JtYXQiOnsiJGlkIjoiOTk3IiwiRm9ybWF0U3RyaW5nIjoiTU1NIGQiLCJTZXBhcmF0b3IiOiIvIiwiVXNlSW50ZXJuYXRpb25hbERhdGVGb3JtYXQiOmZhbHNlLCJEYXRlSXNWaXNpYmxlIjpmYWxzZSwiVGltZUlzVmlzaWJsZSI6ZmFsc2UsIkhvdXJEaWdpdHMiOjEsIkFtUG1EZXNpZ25hdG9yIjoyLCJUcmltMDBNaW51dGVzIjpmYWxzZSwiTGFzdEtub3duVmlzaWJpbGl0eVN0YXRlIjp7IiRpZCI6Ijk5OCIsIkRhdGVQYXJ0SXNWaXNpYmxlIjp0cnVlLCJUaW1lUGFydElzVmlzaWJsZSI6ZmFsc2V9fSwiSXNWaXNpYmxlIjp0cnVlLCJQYXJlbnRTdHlsZSI6bnVsbH0sIkluZGV4IjoyNCwiU21hcnREdXJhdGlvbkFjdGl2YXRlZCI6ZmFsc2UsIkRhdGVGb3JtYXQiOnsiJHJlZiI6Ijk5NyJ9LCJJZCI6IjQ3NmRjMTVjLWZkNzMtNDY5ZC05OTRkLTU0ODA4OWMyZjU2MiIsIkltcG9ydElkIjpudWxsLCJUaXRsZSI6IkNvbnRlbnQgTWFuYWdlbWVudCAiLCJOb3RlIjpudWxsLCJIeXBlcmxpbmsiOnsiJGlkIjoiOTk5IiwiQWRkcmVzcyI6IiIsIlN1YkFkZHJlc3MiOiIifSwiSXNDaGFuZ2VkIjpmYWxzZSwiSXNOZXciOmZhbHNlfSwiSW5kZXgiOjB9LHsiJGlkIjoiMTAwMCIsIl9hdHRhY2hlZE1pbGVzdG9uZXMiOltdLCJUYXNrRGVmaW5pdGlvbiI6eyIkaWQiOiIxMDAxIiwiR3JvdXBOYW1lIjoiMjYwYWUwZWYtMGIxZS00M2RjLTllMjQtOGQ1ZGNhNTFhYmJiIiwiU3RhcnREYXRlIjoiMjAxOS0xMi0yMlQwMDowMDowMCIsIkVuZERhdGUiOiIyMDIwLTA0LTA0VDExOjU5OjAwIiwiUGVyY2VudGFnZUNvbXBsZXRlIjpudWxsLCJTdHlsZSI6eyIkaWQiOiIxMDAyIiwiU2hhcGUiOjEsIlNoYXBlVGhpY2tuZXNzIjoxLCJEdXJhdGlvbkZvcm1hdCI6MCwiSW5jbHVkZU5vbldvcmtpbmdEYXlzSW5EdXJhdGlvbiI6ZmFsc2UsIlBlcmNlbnRhZ2VDb21wbGV0ZVN0eWxlIjp7IiRpZCI6IjEwMDMiLCJGb250U2V0dGluZ3MiOnsiJGlkIjoiMTAwNCIsIkZvbnRTaXplIjoxMCwiRm9udE5hbWUiOiJDYWxpYnJpIiwiSXNCb2xkIjpmYWxzZSwiSXNJdGFsaWMiOmZhbHNlLCJJc1VuZGVybGluZWQiOmZhbHNlLCJQYXJlbnRTdHlsZSI6bnVsbH0sIkF1dG9TaXplIjowLCJGb3JlZ3JvdW5kIjp7IiRyZWYiOiI4NSJ9LCJNYXhXaWR0aCI6MjAwLjAsIk1heEhlaWdodCI6IkluZmluaXR5IiwiU21hcnRGb3JlZ3JvdW5kSXNBY3RpdmUiOmZhbHNlLCJIb3Jpem9udGFsQWxpZ25tZW50IjowLCJWZXJ0aWNhbEFsaWdubWVudCI6MCwiU21hcnRGb3JlZ3JvdW5kIjpudWxsLCJCYWNrZ3JvdW5kRmlsbFR5cGUiOjAsIk1hcmdpbiI6eyIkaWQiOiIxMDA1IiwiVG9wIjowLCJMZWZ0IjowLCJSaWdodCI6MCwiQm90dG9tIjowfSwiUGFkZGluZyI6eyIkaWQiOiIxMDA2IiwiVG9wIjowLCJMZWZ0IjowLCJSaWdodCI6MCwiQm90dG9tIjowfSwiQmFja2dyb3VuZCI6eyIkcmVmIjoiODkifSwiSXNWaXNpYmxlIjp0cnVlLCJXaWR0aCI6MC4wLCJIZWlnaHQiOjAuMCwiQm9yZGVyU3R5bGUiOnsiJGlkIjoiMTAwNyIsIkxpbmVDb2xvciI6bnVsbCwiTGluZVdlaWdodCI6MC4wLCJMaW5lVHlwZSI6MCwiUGFyZW50U3R5bGUiOm51bGx9LCJQYXJlbnRTdHlsZSI6bnVsbH0sIkR1cmF0aW9uU3R5bGUiOnsiJGlkIjoiMTAwOCIsIkZvbnRTZXR0aW5ncyI6eyIkaWQiOiIxMDA5IiwiRm9udFNpemUiOjEwLCJGb250TmFtZSI6IkNhbGlicmkiLCJJc0JvbGQiOmZhbHNlLCJJc0l0YWxpYyI6ZmFsc2UsIklzVW5kZXJsaW5lZCI6ZmFsc2UsIlBhcmVudFN0eWxlIjpudWxsfSwiQXV0b1NpemUiOjAsIkZvcmVncm91bmQiOnsiJGlkIjoiMTAxMCIsIkNvbG9yIjp7IiRyZWYiOiI5MyJ9fSwiTWF4V2lkdGgiOjIwMC4wLCJNYXhIZWlnaHQiOiJJbmZpbml0eSIsIlNtYXJ0Rm9yZWdyb3VuZElzQWN0aXZlIjpmYWxzZSwiSG9yaXpvbnRhbEFsaWdubWVudCI6MCwiVmVydGljYWxBbGlnbm1lbnQiOjAsIlNtYXJ0Rm9yZWdyb3VuZCI6bnVsbCwiQmFja2dyb3VuZEZpbGxUeXBlIjowLCJNYXJnaW4iOnsiJGlkIjoiMTAxMSIsIlRvcCI6MCwiTGVmdCI6MCwiUmlnaHQiOjAsIkJvdHRvbSI6MH0sIlBhZGRpbmciOnsiJGlkIjoiMTAxMiIsIlRvcCI6MCwiTGVmdCI6MCwiUmlnaHQiOjAsIkJvdHRvbSI6MH0sIkJhY2tncm91bmQiOnsiJHJlZiI6Ijk2In0sIklzVmlzaWJsZSI6dHJ1ZSwiV2lkdGgiOjAuMCwiSGVpZ2h0IjowLjAsIkJvcmRlclN0eWxlIjp7IiRpZCI6IjEwMTMiLCJMaW5lQ29sb3IiOm51bGwsIkxpbmVXZWlnaHQiOjAuMCwiTGluZVR5cGUiOjAsIlBhcmVudFN0eWxlIjpudWxsfSwiUGFyZW50U3R5bGUiOm51bGx9LCJIb3Jpem9udGFsQ29ubmVjdG9yU3R5bGUiOnsiJGlkIjoiMTAxNCIsIkxpbmVDb2xvciI6eyIkcmVmIjoiOTgifSwiTGluZVdlaWdodCI6MS4wLCJMaW5lVHlwZSI6MCwiUGFyZW50U3R5bGUiOm51bGx9LCJWZXJ0aWNhbENvbm5lY3RvclN0eWxlIjp7IiRpZCI6IjEwMTUiLCJMaW5lQ29sb3IiOnsiJHJlZiI6IjEwMSJ9LCJMaW5lV2VpZ2h0IjowLjAsIkxpbmVUeXBlIjowLCJQYXJlbnRTdHlsZSI6bnVsbH0sIk1hcmdpbiI6bnVsbCwiU3RhcnREYXRlUG9zaXRpb24iOjYsIkVuZERhdGVQb3NpdGlvbiI6NiwiRGF0ZUlzVmlzaWJsZSI6ZmFsc2UsIlRpdGxlUG9zaXRpb24iOjIsIkR1cmF0aW9uUG9zaXRpb24iOjYsIlBlcmNlbnRhZ2VDb21wbGV0ZWRQb3NpdGlvbiI6MiwiU3BhY2luZyI6MywiSXNCZWxvd1RpbWViYW5kIjp0cnVlLCJQZXJjZW50YWdlQ29tcGxldGVTaGFwZU9wYWNpdHkiOjM1LCJTaGFwZVN0eWxlIjp7IiRpZCI6IjEwMTYiLCJNYXJnaW4iOnsiJGlkIjoiMTAxNyIsIlRvcCI6MCwiTGVmdCI6NCwiUmlnaHQiOjQsIkJvdHRvbSI6MH0sIlBhZGRpbmciOnsiJGlkIjoiMTAxOCIsIlRvcCI6MCwiTGVmdCI6MCwiUmlnaHQiOjAsIkJvdHRvbSI6MH0sIkJhY2tncm91bmQiOnsiJGlkIjoiMTAxOSIsIkNvbG9yIjp7IiRpZCI6IjEwMjAiLCJBIjoyNTUsIlIiOjIyNywiRyI6MTE2LCJCIjoyMn19LCJJc1Zpc2libGUiOnRydWUsIldpZHRoIjowLjAsIkhlaWdodCI6MTYuMCwiQm9yZGVyU3R5bGUiOnsiJGlkIjoiMTAyMSIsIkxpbmVDb2xvciI6eyIkaWQiOiIxMDIyIiwiJHR5cGUiOiJOTFJFLkNvbW1vbi5Eb20uU29saWRDb2xvckJydXNoLCBOTFJFLkNvbW1vbiIsIkNvbG9yIjp7IiRpZCI6IjEwMjMiLCJBIjoyNTUsIlIiOjI1NSwiRyI6MCwiQiI6MH19LCJMaW5lV2VpZ2h0IjowLjAsIkxpbmVUeXBlIjowLCJQYXJlbnRTdHlsZSI6bnVsbH0sIlBhcmVudFN0eWxlIjpudWxsfSwiVGl0bGVTdHlsZSI6eyIkaWQiOiIxMDI0IiwiRm9udFNldHRpbmdzIjp7IiRpZCI6IjEwMjUiLCJGb250U2l6ZSI6MTEsIkZvbnROYW1lIjoiQ2FsaWJyaSIsIklzQm9sZCI6ZmFsc2UsIklzSXRhbGljIjpmYWxzZSwiSXNVbmRlcmxpbmVkIjpmYWxzZSwiUGFyZW50U3R5bGUiOm51bGx9LCJBdXRvU2l6ZSI6MCwiRm9yZWdyb3VuZCI6eyIkaWQiOiIxMDI2IiwiQ29sb3IiOnsiJGlkIjoiMTAyNyIsIkEiOjI1NSwiUiI6MjU1LCJHIjoyNTUsIkIiOjI1NX19LCJNYXhXaWR0aCI6OTYwLjAsIk1heEhlaWdodCI6IkluZmluaXR5IiwiU21hcnRGb3JlZ3JvdW5kSXNBY3RpdmUiOmZhbHNlLCJIb3Jpem9udGFsQWxpZ25tZW50IjoxLCJWZXJ0aWNhbEFsaWdubWVudCI6MCwiU21hcnRGb3JlZ3JvdW5kIjpudWxsLCJCYWNrZ3JvdW5kRmlsbFR5cGUiOjAsIk1hcmdpbiI6eyIkaWQiOiIxMDI4IiwiVG9wIjowLCJMZWZ0IjowLCJSaWdodCI6MCwiQm90dG9tIjowfSwiUGFkZGluZyI6eyIkaWQiOiIxMDI5IiwiVG9wIjowLCJMZWZ0IjowLCJSaWdodCI6MCwiQm90dG9tIjowfSwiQmFja2dyb3VuZCI6eyIkcmVmIjoiMTE3In0sIklzVmlzaWJsZSI6dHJ1ZSwiV2lkdGgiOjAuMCwiSGVpZ2h0IjowLjAsIkJvcmRlclN0eWxlIjp7IiRpZCI6IjEwMzAiLCJMaW5lQ29sb3IiOm51bGwsIkxpbmVXZWlnaHQiOjAuMCwiTGluZVR5cGUiOjAsIlBhcmVudFN0eWxlIjpudWxsfSwiUGFyZW50U3R5bGUiOm51bGx9LCJEYXRlU3R5bGUiOnsiJGlkIjoiMTAzMSIsIkZvbnRTZXR0aW5ncyI6eyIkaWQiOiIxMDMyIiwiRm9udFNpemUiOjEwLCJGb250TmFtZSI6IkNhbGlicmkiLCJJc0JvbGQiOmZhbHNlLCJJc0l0YWxpYyI6ZmFsc2UsIklzVW5kZXJsaW5lZCI6ZmFsc2UsIlBhcmVudFN0eWxlIjpudWxsfSwiQXV0b1NpemUiOjAsIkZvcmVncm91bmQiOnsiJGlkIjoiMTAzMyIsIkNvbG9yIjp7IiRyZWYiOiIxMjEifX0sIk1heFdpZHRoIjoyMDAuMCwiTWF4SGVpZ2h0IjoiSW5maW5pdHkiLCJTbWFydEZvcmVncm91bmRJc0FjdGl2ZSI6ZmFsc2UsIkhvcml6b250YWxBbGlnbm1lbnQiOjAsIlZlcnRpY2FsQWxpZ25tZW50IjowLCJTbWFydEZvcmVncm91bmQiOm51bGwsIkJhY2tncm91bmRGaWxsVHlwZSI6MCwiTWFyZ2luIjp7IiRpZCI6IjEwMzQiLCJUb3AiOjAsIkxlZnQiOjAsIlJpZ2h0IjowLCJCb3R0b20iOjB9LCJQYWRkaW5nIjp7IiRpZCI6IjEwMzUiLCJUb3AiOjAsIkxlZnQiOjAsIlJpZ2h0IjowLCJCb3R0b20iOjB9LCJCYWNrZ3JvdW5kIjp7IiRyZWYiOiIxMjQifSwiSXNWaXNpYmxlIjp0cnVlLCJXaWR0aCI6MC4wLCJIZWlnaHQiOjAuMCwiQm9yZGVyU3R5bGUiOnsiJGlkIjoiMTAzNiIsIkxpbmVDb2xvciI6bnVsbCwiTGluZVdlaWdodCI6MC4wLCJMaW5lVHlwZSI6MCwiUGFyZW50U3R5bGUiOm51bGx9LCJQYXJlbnRTdHlsZSI6bnVsbH0sIkRhdGVGb3JtYXQiOnsiJGlkIjoiMTAzNyIsIkZvcm1hdFN0cmluZyI6Ik1NTSBkIiwiU2VwYXJhdG9yIjoiLyIsIlVzZUludGVybmF0aW9uYWxEYXRlRm9ybWF0IjpmYWxzZSwiRGF0ZUlzVmlzaWJsZSI6ZmFsc2UsIlRpbWVJc1Zpc2libGUiOmZhbHNlLCJIb3VyRGlnaXRzIjoxLCJBbVBtRGVzaWduYXRvciI6MiwiVHJpbTAwTWludXRlcyI6ZmFsc2UsIkxhc3RLbm93blZpc2liaWxpdHlTdGF0ZSI6eyIkaWQiOiIxMDM4IiwiRGF0ZVBhcnRJc1Zpc2libGUiOnRydWUsIlRpbWVQYXJ0SXNWaXNpYmxlIjpmYWxzZX19LCJJc1Zpc2libGUiOnRydWUsIlBhcmVudFN0eWxlIjpudWxsfSwiSW5kZXgiOjI1LCJTbWFydER1cmF0aW9uQWN0aXZhdGVkIjpmYWxzZSwiRGF0ZUZvcm1hdCI6eyIkcmVmIjoiMTAzNyJ9LCJJZCI6Ijg5NzcxMjBlLWRiNmItNDBiNC05MmIwLWFlMGY1YTQ3NzczNyIsIkltcG9ydElkIjpudWxsLCJUaXRsZSI6IkFjY2VzcyBDb250cm9sIiwiTm90ZSI6bnVsbCwiSHlwZXJsaW5rIjp7IiRpZCI6IjEwMzkiLCJBZGRyZXNzIjoiIiwiU3ViQWRkcmVzcyI6IiJ9LCJJc0NoYW5nZWQiOmZhbHNlLCJJc05ldyI6ZmFsc2V9LCJJbmRleCI6MH0seyIkaWQiOiIxMDQwIiwiX2F0dGFjaGVkTWlsZXN0b25lcyI6W10sIlRhc2tEZWZpbml0aW9uIjp7IiRpZCI6IjEwNDEiLCJHcm91cE5hbWUiOm51bGwsIlN0YXJ0RGF0ZSI6IjIwMTktMDgtMDdUMDA6MDA6MDAiLCJFbmREYXRlIjoiMjAxOS0xMi0yNVQxMTo1OTowMCIsIlBlcmNlbnRhZ2VDb21wbGV0ZSI6ODUuMCwiU3R5bGUiOnsiJGlkIjoiMTA0MiIsIlNoYXBlIjo0LCJTaGFwZVRoaWNrbmVzcyI6MSwiRHVyYXRpb25Gb3JtYXQiOjAsIkluY2x1ZGVOb25Xb3JraW5nRGF5c0luRHVyYXRpb24iOmZhbHNlLCJQZXJjZW50YWdlQ29tcGxldGVTdHlsZSI6eyIkaWQiOiIxMDQzIiwiRm9udFNldHRpbmdzIjp7IiRpZCI6IjEwNDQiLCJGb250U2l6ZSI6MTAsIkZvbnROYW1lIjoiQ2FsaWJyaSIsIklzQm9sZCI6ZmFsc2UsIklzSXRhbGljIjpmYWxzZSwiSXNVbmRlcmxpbmVkIjpmYWxzZSwiUGFyZW50U3R5bGUiOm51bGx9LCJBdXRvU2l6ZSI6MCwiRm9yZWdyb3VuZCI6eyIkaWQiOiIxMDQ1IiwiQ29sb3IiOnsiJGlkIjoiMTA0NiIsIkEiOjI1NSwiUiI6MTkyLCJHIjo4MCwiQiI6Nzd9fSwiTWF4V2lkdGgiOjIwMC4wLCJNYXhIZWlnaHQiOiJJbmZpbml0eSIsIlNtYXJ0Rm9yZWdyb3VuZElzQWN0aXZlIjpmYWxzZSwiSG9yaXpvbnRhbEFsaWdubWVudCI6MSwiVmVydGljYWxBbGlnbm1lbnQiOjAsIlNtYXJ0Rm9yZWdyb3VuZCI6bnVsbCwiQmFja2dyb3VuZEZpbGxUeXBlIjowLCJNYXJnaW4iOnsiJGlkIjoiMTA0NyIsIlRvcCI6MCwiTGVmdCI6MCwiUmlnaHQiOjAsIkJvdHRvbSI6MH0sIlBhZGRpbmciOnsiJGlkIjoiMTA0OCIsIlRvcCI6MCwiTGVmdCI6MCwiUmlnaHQiOjAsIkJvdHRvbSI6MH0sIkJhY2tncm91bmQiOnsiJHJlZiI6Ijg5In0sIklzVmlzaWJsZSI6dHJ1ZSwiV2lkdGgiOjAuMCwiSGVpZ2h0IjowLjAsIkJvcmRlclN0eWxlIjp7IiRpZCI6IjEwNDkiLCJMaW5lQ29sb3IiOm51bGwsIkxpbmVXZWlnaHQiOjAuMCwiTGluZVR5cGUiOjAsIlBhcmVudFN0eWxlIjpudWxsfSwiUGFyZW50U3R5bGUiOm51bGx9LCJEdXJhdGlvblN0eWxlIjp7IiRpZCI6IjEwNTAiLCJGb250U2V0dGluZ3MiOnsiJGlkIjoiMTA1MSIsIkZvbnRTaXplIjoxMCwiRm9udE5hbWUiOiJDYWxpYnJpIiwiSXNCb2xkIjpmYWxzZSwiSXNJdGFsaWMiOmZhbHNlLCJJc1VuZGVybGluZWQiOmZhbHNlLCJQYXJlbnRTdHlsZSI6bnVsbH0sIkF1dG9TaXplIjowLCJGb3JlZ3JvdW5kIjp7IiRpZCI6IjEwNTIiLCJDb2xvciI6eyIkcmVmIjoiOTMifX0sIk1heFdpZHRoIjoyMDAuMCwiTWF4SGVpZ2h0IjoiSW5maW5pdHkiLCJTbWFydEZvcmVncm91bmRJc0FjdGl2ZSI6ZmFsc2UsIkhvcml6b250YWxBbGlnbm1lbnQiOjAsIlZlcnRpY2FsQWxpZ25tZW50IjowLCJTbWFydEZvcmVncm91bmQiOm51bGwsIkJhY2tncm91bmRGaWxsVHlwZSI6MCwiTWFyZ2luIjp7IiRpZCI6IjEwNTMiLCJUb3AiOjAsIkxlZnQiOjAsIlJpZ2h0IjowLCJCb3R0b20iOjB9LCJQYWRkaW5nIjp7IiRpZCI6IjEwNTQiLCJUb3AiOjAsIkxlZnQiOjAsIlJpZ2h0IjowLCJCb3R0b20iOjB9LCJCYWNrZ3JvdW5kIjp7IiRyZWYiOiI5NiJ9LCJJc1Zpc2libGUiOnRydWUsIldpZHRoIjowLjAsIkhlaWdodCI6MC4wLCJCb3JkZXJTdHlsZSI6eyIkaWQiOiIxMDU1IiwiTGluZUNvbG9yIjpudWxsLCJMaW5lV2VpZ2h0IjowLjAsIkxpbmVUeXBlIjowLCJQYXJlbnRTdHlsZSI6bnVsbH0sIlBhcmVudFN0eWxlIjpudWxsfSwiSG9yaXpvbnRhbENvbm5lY3RvclN0eWxlIjp7IiRpZCI6IjEwNTYiLCJMaW5lQ29sb3IiOnsiJHJlZiI6Ijk4In0sIkxpbmVXZWlnaHQiOjEuMCwiTGluZVR5cGUiOjAsIlBhcmVudFN0eWxlIjpudWxsfSwiVmVydGljYWxDb25uZWN0b3JTdHlsZSI6eyIkaWQiOiIxMDU3IiwiTGluZUNvbG9yIjp7IiRyZWYiOiIxMDEifSwiTGluZVdlaWdodCI6MC4wLCJMaW5lVHlwZSI6MCwiUGFyZW50U3R5bGUiOm51bGx9LCJNYXJnaW4iOm51bGwsIlN0YXJ0RGF0ZVBvc2l0aW9uIjo2LCJFbmREYXRlUG9zaXRpb24iOjYsIkRhdGVJc1Zpc2libGUiOmZhbHNlLCJUaXRsZVBvc2l0aW9uIjoyLCJEdXJhdGlvblBvc2l0aW9uIjo2LCJQZXJjZW50YWdlQ29tcGxldGVkUG9zaXRpb24iOjIsIlNwYWNpbmciOjMsIklzQmVsb3dUaW1lYmFuZCI6dHJ1ZSwiUGVyY2VudGFnZUNvbXBsZXRlU2hhcGVPcGFjaXR5IjozNSwiU2hhcGVTdHlsZSI6eyIkaWQiOiIxMDU4IiwiTWFyZ2luIjp7IiRpZCI6IjEwNTkiLCJUb3AiOjAsIkxlZnQiOjQsIlJpZ2h0Ijo0LCJCb3R0b20iOjB9LCJQYWRkaW5nIjp7IiRpZCI6IjEwNjAiLCJUb3AiOjAsIkxlZnQiOjAsIlJpZ2h0IjowLCJCb3R0b20iOjB9LCJCYWNrZ3JvdW5kIjp7IiRpZCI6IjEwNjEiLCJDb2xvciI6eyIkaWQiOiIxMDYyIiwiQSI6MjU1LCJSIjoyMjcsIkciOjExNiwiQiI6MjJ9fSwiSXNWaXNpYmxlIjp0cnVlLCJXaWR0aCI6MC4wLCJIZWlnaHQiOjE2LjAsIkJvcmRlclN0eWxlIjp7IiRpZCI6IjEwNjMiLCJMaW5lQ29sb3IiOnsiJGlkIjoiMTA2NCIsIiR0eXBlIjoiTkxSRS5Db21tb24uRG9tLlNvbGlkQ29sb3JCcnVzaCwgTkxSRS5Db21tb24iLCJDb2xvciI6eyIkaWQiOiIxMDY1IiwiQSI6MjU1LCJSIjoyNTUsIkciOjAsIkIiOjB9fSwiTGluZVdlaWdodCI6MC4wLCJMaW5lVHlwZSI6MCwiUGFyZW50U3R5bGUiOm51bGx9LCJQYXJlbnRTdHlsZSI6bnVsbH0sIlRpdGxlU3R5bGUiOnsiJGlkIjoiMTA2NiIsIkZvbnRTZXR0aW5ncyI6eyIkaWQiOiIxMDY3IiwiRm9udFNpemUiOjExLCJGb250TmFtZSI6IkNhbGlicmkiLCJJc0JvbGQiOmZhbHNlLCJJc0l0YWxpYyI6ZmFsc2UsIklzVW5kZXJsaW5lZCI6ZmFsc2UsIlBhcmVudFN0eWxlIjpudWxsfSwiQXV0b1NpemUiOjAsIkZvcmVncm91bmQiOnsiJGlkIjoiMTA2OCIsIkNvbG9yIjp7IiRpZCI6IjEwNjkiLCJBIjoyNTUsIlIiOjI1NSwiRyI6MjU1LCJCIjoyNTV9fSwiTWF4V2lkdGgiOjk2MC4wLCJNYXhIZWlnaHQiOiJJbmZpbml0eSIsIlNtYXJ0Rm9yZWdyb3VuZElzQWN0aXZlIjpmYWxzZSwiSG9yaXpvbnRhbEFsaWdubWVudCI6MSwiVmVydGljYWxBbGlnbm1lbnQiOjAsIlNtYXJ0Rm9yZWdyb3VuZCI6bnVsbCwiQmFja2dyb3VuZEZpbGxUeXBlIjowLCJNYXJnaW4iOnsiJGlkIjoiMTA3MCIsIlRvcCI6MCwiTGVmdCI6MCwiUmlnaHQiOjAsIkJvdHRvbSI6MH0sIlBhZGRpbmciOnsiJGlkIjoiMTA3MSIsIlRvcCI6MCwiTGVmdCI6MCwiUmlnaHQiOjAsIkJvdHRvbSI6MH0sIkJhY2tncm91bmQiOnsiJHJlZiI6IjExNyJ9LCJJc1Zpc2libGUiOnRydWUsIldpZHRoIjowLjAsIkhlaWdodCI6MC4wLCJCb3JkZXJTdHlsZSI6eyIkaWQiOiIxMDcyIiwiTGluZUNvbG9yIjpudWxsLCJMaW5lV2VpZ2h0IjowLjAsIkxpbmVUeXBlIjowLCJQYXJlbnRTdHlsZSI6bnVsbH0sIlBhcmVudFN0eWxlIjpudWxsfSwiRGF0ZVN0eWxlIjp7IiRpZCI6IjEwNzMiLCJGb250U2V0dGluZ3MiOnsiJGlkIjoiMTA3NCIsIkZvbnRTaXplIjoxMCwiRm9udE5hbWUiOiJDYWxpYnJpIiwiSXNCb2xkIjpmYWxzZSwiSXNJdGFsaWMiOmZhbHNlLCJJc1VuZGVybGluZWQiOmZhbHNlLCJQYXJlbnRTdHlsZSI6bnVsbH0sIkF1dG9TaXplIjowLCJGb3JlZ3JvdW5kIjp7IiRpZCI6IjEwNzUiLCJDb2xvciI6eyIkcmVmIjoiMTIxIn19LCJNYXhXaWR0aCI6MjAwLjAsIk1heEhlaWdodCI6IkluZmluaXR5IiwiU21hcnRGb3JlZ3JvdW5kSXNBY3RpdmUiOmZhbHNlLCJIb3Jpem9udGFsQWxpZ25tZW50IjowLCJWZXJ0aWNhbEFsaWdubWVudCI6MCwiU21hcnRGb3JlZ3JvdW5kIjpudWxsLCJCYWNrZ3JvdW5kRmlsbFR5cGUiOjAsIk1hcmdpbiI6eyIkaWQiOiIxMDc2IiwiVG9wIjowLCJMZWZ0IjowLCJSaWdodCI6MCwiQm90dG9tIjowfSwiUGFkZGluZyI6eyIkaWQiOiIxMDc3IiwiVG9wIjowLCJMZWZ0IjowLCJSaWdodCI6MCwiQm90dG9tIjowfSwiQmFja2dyb3VuZCI6eyIkcmVmIjoiMTI0In0sIklzVmlzaWJsZSI6dHJ1ZSwiV2lkdGgiOjAuMCwiSGVpZ2h0IjowLjAsIkJvcmRlclN0eWxlIjp7IiRpZCI6IjEwNzgiLCJMaW5lQ29sb3IiOm51bGwsIkxpbmVXZWlnaHQiOjAuMCwiTGluZVR5cGUiOjAsIlBhcmVudFN0eWxlIjpudWxsfSwiUGFyZW50U3R5bGUiOm51bGx9LCJEYXRlRm9ybWF0Ijp7IiRpZCI6IjEwNzkiLCJGb3JtYXRTdHJpbmciOiJNTU0gZCIsIlNlcGFyYXRvciI6Ii8iLCJVc2VJbnRlcm5hdGlvbmFsRGF0ZUZvcm1hdCI6ZmFsc2UsIkRhdGVJc1Zpc2libGUiOmZhbHNlLCJUaW1lSXNWaXNpYmxlIjpmYWxzZSwiSG91ckRpZ2l0cyI6MSwiQW1QbURlc2lnbmF0b3IiOjIsIlRyaW0wME1pbnV0ZXMiOmZhbHNlLCJMYXN0S25vd25WaXNpYmlsaXR5U3RhdGUiOnsiJGlkIjoiMTA4MCIsIkRhdGVQYXJ0SXNWaXNpYmxlIjp0cnVlLCJUaW1lUGFydElzVmlzaWJsZSI6ZmFsc2V9fSwiSXNWaXNpYmxlIjp0cnVlLCJQYXJlbnRTdHlsZSI6bnVsbH0sIkluZGV4IjoyNiwiU21hcnREdXJhdGlvbkFjdGl2YXRlZCI6ZmFsc2UsIkRhdGVGb3JtYXQiOnsiJHJlZiI6IjEwNzkifSwiSWQiOiJiM2IyNGYzMC1kZDA5LTQyM2YtODg2MC05MTMzZWVkY2ViMDkiLCJJbXBvcnRJZCI6bnVsbCwiVGl0bGUiOiJSaXNrIFRyYWluaW5nICIsIk5vdGUiOm51bGwsIkh5cGVybGluayI6eyIkaWQiOiIxMDgxIiwiQWRkcmVzcyI6IiIsIlN1YkFkZHJlc3MiOiIifSwiSXNDaGFuZ2VkIjpmYWxzZSwiSXNOZXciOmZhbHNlfSwiSW5kZXgiOjB9LHsiJGlkIjoiMTA4MiIsIl9hdHRhY2hlZE1pbGVzdG9uZXMiOltdLCJUYXNrRGVmaW5pdGlvbiI6eyIkaWQiOiIxMDgzIiwiR3JvdXBOYW1lIjpudWxsLCJTdGFydERhdGUiOiIyMDIwLTA3LTAzVDAwOjAwOjAwIiwiRW5kRGF0ZSI6IjIwMjAtMDktMjZUMTE6NTk6MDAiLCJQZXJjZW50YWdlQ29tcGxldGUiOm51bGwsIlN0eWxlIjp7IiRpZCI6IjEwODQiLCJTaGFwZSI6MSwiU2hhcGVUaGlja25lc3MiOjEsIkR1cmF0aW9uRm9ybWF0IjowLCJJbmNsdWRlTm9uV29ya2luZ0RheXNJbkR1cmF0aW9uIjpmYWxzZSwiUGVyY2VudGFnZUNvbXBsZXRlU3R5bGUiOnsiJGlkIjoiMTA4NSIsIkZvbnRTZXR0aW5ncyI6eyIkaWQiOiIxMDg2IiwiRm9udFNpemUiOjEwLCJGb250TmFtZSI6IkNhbGlicmkiLCJJc0JvbGQiOmZhbHNlLCJJc0l0YWxpYyI6ZmFsc2UsIklzVW5kZXJsaW5lZCI6ZmFsc2UsIlBhcmVudFN0eWxlIjpudWxsfSwiQXV0b1NpemUiOjAsIkZvcmVncm91bmQiOnsiJHJlZiI6Ijg1In0sIk1heFdpZHRoIjoyMDAuMCwiTWF4SGVpZ2h0IjoiSW5maW5pdHkiLCJTbWFydEZvcmVncm91bmRJc0FjdGl2ZSI6ZmFsc2UsIkhvcml6b250YWxBbGlnbm1lbnQiOjAsIlZlcnRpY2FsQWxpZ25tZW50IjowLCJTbWFydEZvcmVncm91bmQiOm51bGwsIkJhY2tncm91bmRGaWxsVHlwZSI6MCwiTWFyZ2luIjp7IiRpZCI6IjEwODciLCJUb3AiOjAsIkxlZnQiOjAsIlJpZ2h0IjowLCJCb3R0b20iOjB9LCJQYWRkaW5nIjp7IiRpZCI6IjEwODgiLCJUb3AiOjAsIkxlZnQiOjAsIlJpZ2h0IjowLCJCb3R0b20iOjB9LCJCYWNrZ3JvdW5kIjp7IiRyZWYiOiI4OSJ9LCJJc1Zpc2libGUiOnRydWUsIldpZHRoIjowLjAsIkhlaWdodCI6MC4wLCJCb3JkZXJTdHlsZSI6eyIkaWQiOiIxMDg5IiwiTGluZUNvbG9yIjpudWxsLCJMaW5lV2VpZ2h0IjowLjAsIkxpbmVUeXBlIjowLCJQYXJlbnRTdHlsZSI6bnVsbH0sIlBhcmVudFN0eWxlIjpudWxsfSwiRHVyYXRpb25TdHlsZSI6eyIkaWQiOiIxMDkwIiwiRm9udFNldHRpbmdzIjp7IiRpZCI6IjEwOTEiLCJGb250U2l6ZSI6MTAsIkZvbnROYW1lIjoiQ2FsaWJyaSIsIklzQm9sZCI6ZmFsc2UsIklzSXRhbGljIjpmYWxzZSwiSXNVbmRlcmxpbmVkIjpmYWxzZSwiUGFyZW50U3R5bGUiOm51bGx9LCJBdXRvU2l6ZSI6MCwiRm9yZWdyb3VuZCI6eyIkaWQiOiIxMDkyIiwiQ29sb3IiOnsiJHJlZiI6IjkzIn19LCJNYXhXaWR0aCI6MjAwLjAsIk1heEhlaWdodCI6IkluZmluaXR5IiwiU21hcnRGb3JlZ3JvdW5kSXNBY3RpdmUiOmZhbHNlLCJIb3Jpem9udGFsQWxpZ25tZW50IjowLCJWZXJ0aWNhbEFsaWdubWVudCI6MCwiU21hcnRGb3JlZ3JvdW5kIjpudWxsLCJCYWNrZ3JvdW5kRmlsbFR5cGUiOjAsIk1hcmdpbiI6eyIkaWQiOiIxMDkzIiwiVG9wIjowLCJMZWZ0IjowLCJSaWdodCI6MCwiQm90dG9tIjowfSwiUGFkZGluZyI6eyIkaWQiOiIxMDk0IiwiVG9wIjowLCJMZWZ0IjowLCJSaWdodCI6MCwiQm90dG9tIjowfSwiQmFja2dyb3VuZCI6eyIkcmVmIjoiOTYifSwiSXNWaXNpYmxlIjp0cnVlLCJXaWR0aCI6MC4wLCJIZWlnaHQiOjAuMCwiQm9yZGVyU3R5bGUiOnsiJGlkIjoiMTA5NSIsIkxpbmVDb2xvciI6bnVsbCwiTGluZVdlaWdodCI6MC4wLCJMaW5lVHlwZSI6MCwiUGFyZW50U3R5bGUiOm51bGx9LCJQYXJlbnRTdHlsZSI6bnVsbH0sIkhvcml6b250YWxDb25uZWN0b3JTdHlsZSI6eyIkaWQiOiIxMDk2IiwiTGluZUNvbG9yIjp7IiRyZWYiOiI5OCJ9LCJMaW5lV2VpZ2h0IjoxLjAsIkxpbmVUeXBlIjowLCJQYXJlbnRTdHlsZSI6bnVsbH0sIlZlcnRpY2FsQ29ubmVjdG9yU3R5bGUiOnsiJGlkIjoiMTA5NyIsIkxpbmVDb2xvciI6eyIkcmVmIjoiMTAxIn0sIkxpbmVXZWlnaHQiOjAuMCwiTGluZVR5cGUiOjAsIlBhcmVudFN0eWxlIjpudWxsfSwiTWFyZ2luIjpudWxsLCJTdGFydERhdGVQb3NpdGlvbiI6NiwiRW5kRGF0ZVBvc2l0aW9uIjo2LCJEYXRlSXNWaXNpYmxlIjpmYWxzZSwiVGl0bGVQb3NpdGlvbiI6MiwiRHVyYXRpb25Qb3NpdGlvbiI6NiwiUGVyY2VudGFnZUNvbXBsZXRlZFBvc2l0aW9uIjoyLCJTcGFjaW5nIjozLCJJc0JlbG93VGltZWJhbmQiOnRydWUsIlBlcmNlbnRhZ2VDb21wbGV0ZVNoYXBlT3BhY2l0eSI6MzUsIlNoYXBlU3R5bGUiOnsiJGlkIjoiMTA5OCIsIk1hcmdpbiI6eyIkaWQiOiIxMDk5IiwiVG9wIjowLCJMZWZ0Ijo0LCJSaWdodCI6NCwiQm90dG9tIjowfSwiUGFkZGluZyI6eyIkaWQiOiIxMTAwIiwiVG9wIjowLCJMZWZ0IjowLCJSaWdodCI6MCwiQm90dG9tIjowfSwiQmFja2dyb3VuZCI6eyIkaWQiOiIxMTAxIiwiQ29sb3IiOnsiJGlkIjoiMTEwMiIsIkEiOjI1NSwiUiI6MjI3LCJHIjoxMTYsIkIiOjIyfX0sIklzVmlzaWJsZSI6dHJ1ZSwiV2lkdGgiOjAuMCwiSGVpZ2h0IjoxNi4wLCJCb3JkZXJTdHlsZSI6eyIkaWQiOiIxMTAzIiwiTGluZUNvbG9yIjp7IiRpZCI6IjExMDQiLCIkdHlwZSI6Ik5MUkUuQ29tbW9uLkRvbS5Tb2xpZENvbG9yQnJ1c2gsIE5MUkUuQ29tbW9uIiwiQ29sb3IiOnsiJGlkIjoiMTEwNSIsIkEiOjI1NSwiUiI6MjU1LCJHIjowLCJCIjowfX0sIkxpbmVXZWlnaHQiOjAuMCwiTGluZVR5cGUiOjAsIlBhcmVudFN0eWxlIjpudWxsfSwiUGFyZW50U3R5bGUiOm51bGx9LCJUaXRsZVN0eWxlIjp7IiRpZCI6IjExMDYiLCJGb250U2V0dGluZ3MiOnsiJGlkIjoiMTEwNyIsIkZvbnRTaXplIjoxMSwiRm9udE5hbWUiOiJDYWxpYnJpIiwiSXNCb2xkIjpmYWxzZSwiSXNJdGFsaWMiOmZhbHNlLCJJc1VuZGVybGluZWQiOmZhbHNlLCJQYXJlbnRTdHlsZSI6bnVsbH0sIkF1dG9TaXplIjowLCJGb3JlZ3JvdW5kIjp7IiRpZCI6IjExMDgiLCJDb2xvciI6eyIkaWQiOiIxMTA5IiwiQSI6MjU1LCJSIjoyNTUsIkciOjI1NSwiQiI6MjU1fX0sIk1heFdpZHRoIjo5NjAuMCwiTWF4SGVpZ2h0IjoiSW5maW5pdHkiLCJTbWFydEZvcmVncm91bmRJc0FjdGl2ZSI6ZmFsc2UsIkhvcml6b250YWxBbGlnbm1lbnQiOjEsIlZlcnRpY2FsQWxpZ25tZW50IjowLCJTbWFydEZvcmVncm91bmQiOm51bGwsIkJhY2tncm91bmRGaWxsVHlwZSI6MCwiTWFyZ2luIjp7IiRpZCI6IjExMTAiLCJUb3AiOjAsIkxlZnQiOjAsIlJpZ2h0IjowLCJCb3R0b20iOjB9LCJQYWRkaW5nIjp7IiRpZCI6IjExMTEiLCJUb3AiOjAsIkxlZnQiOjAsIlJpZ2h0IjowLCJCb3R0b20iOjB9LCJCYWNrZ3JvdW5kIjp7IiRyZWYiOiIxMTcifSwiSXNWaXNpYmxlIjp0cnVlLCJXaWR0aCI6MC4wLCJIZWlnaHQiOjAuMCwiQm9yZGVyU3R5bGUiOnsiJGlkIjoiMTExMiIsIkxpbmVDb2xvciI6bnVsbCwiTGluZVdlaWdodCI6MC4wLCJMaW5lVHlwZSI6MCwiUGFyZW50U3R5bGUiOm51bGx9LCJQYXJlbnRTdHlsZSI6bnVsbH0sIkRhdGVTdHlsZSI6eyIkaWQiOiIxMTEzIiwiRm9udFNldHRpbmdzIjp7IiRpZCI6IjExMTQiLCJGb250U2l6ZSI6MTAsIkZvbnROYW1lIjoiQ2FsaWJyaSIsIklzQm9sZCI6ZmFsc2UsIklzSXRhbGljIjpmYWxzZSwiSXNVbmRlcmxpbmVkIjpmYWxzZSwiUGFyZW50U3R5bGUiOm51bGx9LCJBdXRvU2l6ZSI6MCwiRm9yZWdyb3VuZCI6eyIkaWQiOiIxMTE1IiwiQ29sb3IiOnsiJHJlZiI6IjEyMSJ9fSwiTWF4V2lkdGgiOjIwMC4wLCJNYXhIZWlnaHQiOiJJbmZpbml0eSIsIlNtYXJ0Rm9yZWdyb3VuZElzQWN0aXZlIjpmYWxzZSwiSG9yaXpvbnRhbEFsaWdubWVudCI6MCwiVmVydGljYWxBbGlnbm1lbnQiOjAsIlNtYXJ0Rm9yZWdyb3VuZCI6bnVsbCwiQmFja2dyb3VuZEZpbGxUeXBlIjowLCJNYXJnaW4iOnsiJGlkIjoiMTExNiIsIlRvcCI6MCwiTGVmdCI6MCwiUmlnaHQiOjAsIkJvdHRvbSI6MH0sIlBhZGRpbmciOnsiJGlkIjoiMTExNyIsIlRvcCI6MCwiTGVmdCI6MCwiUmlnaHQiOjAsIkJvdHRvbSI6MH0sIkJhY2tncm91bmQiOnsiJHJlZiI6IjEyNCJ9LCJJc1Zpc2libGUiOnRydWUsIldpZHRoIjowLjAsIkhlaWdodCI6MC4wLCJCb3JkZXJTdHlsZSI6eyIkaWQiOiIxMTE4IiwiTGluZUNvbG9yIjpudWxsLCJMaW5lV2VpZ2h0IjowLjAsIkxpbmVUeXBlIjowLCJQYXJlbnRTdHlsZSI6bnVsbH0sIlBhcmVudFN0eWxlIjpudWxsfSwiRGF0ZUZvcm1hdCI6eyIkaWQiOiIxMTE5IiwiRm9ybWF0U3RyaW5nIjoiTU1NIGQiLCJTZXBhcmF0b3IiOiIvIiwiVXNlSW50ZXJuYXRpb25hbERhdGVGb3JtYXQiOmZhbHNlLCJEYXRlSXNWaXNpYmxlIjpmYWxzZSwiVGltZUlzVmlzaWJsZSI6ZmFsc2UsIkhvdXJEaWdpdHMiOjEsIkFtUG1EZXNpZ25hdG9yIjoyLCJUcmltMDBNaW51dGVzIjpmYWxzZSwiTGFzdEtub3duVmlzaWJpbGl0eVN0YXRlIjp7IiRpZCI6IjExMjAiLCJEYXRlUGFydElzVmlzaWJsZSI6dHJ1ZSwiVGltZVBhcnRJc1Zpc2libGUiOmZhbHNlfX0sIklzVmlzaWJsZSI6dHJ1ZSwiUGFyZW50U3R5bGUiOm51bGx9LCJJbmRleCI6MjcsIlNtYXJ0RHVyYXRpb25BY3RpdmF0ZWQiOmZhbHNlLCJEYXRlRm9ybWF0Ijp7IiRyZWYiOiIxMTE5In0sIklkIjoiOWExOGFjNzMtMzZhNi00YjVjLWI1ZmUtOWI0ZGMzODM1MzQzIiwiSW1wb3J0SWQiOm51bGwsIlRpdGxlIjoiVXNlciBQYXNzd29yZHMgIiwiTm90ZSI6bnVsbCwiSHlwZXJsaW5rIjp7IiRpZCI6IjExMjEiLCJBZGRyZXNzIjoiIiwiU3ViQWRkcmVzcyI6IiJ9LCJJc0NoYW5nZWQiOmZhbHNlLCJJc05ldyI6ZmFsc2V9LCJJbmRleCI6MH1dLCJNaWxlc3RvbmVzIjpbXX0seyIkaWQiOiIxMTIyIiwiSWQiOiIyODliZjQ3Zi1mN2QwLTQ3ODAtYjViZC1hNGQwZTE0N2E3ZDAiLCJJbmRleCI6MjgsIkhlYWRlclRleHQiOiJRb1MiLCJTdHlsZSI6eyIkaWQiOiIxMTIzIiwiSGVhZGVyU3R5bGUiOnsiJGlkIjoiMTEyNCIsIlRleHRTdHlsZSI6eyIkaWQiOiIxMTI1IiwiRm9udFNldHRpbmdzIjp7IiRpZCI6IjExMjYiLCJGb250U2l6ZSI6MTIsIkZvbnROYW1lIjoiQ2FsaWJyaSIsIklzQm9sZCI6ZmFsc2UsIklzSXRhbGljIjpmYWxzZSwiSXNVbmRlcmxpbmVkIjpmYWxzZSwiUGFyZW50U3R5bGUiOm51bGx9LCJBdXRvU2l6ZSI6MCwiRm9yZWdyb3VuZCI6eyIkaWQiOiIxMTI3IiwiQ29sb3IiOnsiJGlkIjoiMTEyOCIsIkEiOjI1NSwiUiI6MzIsIkciOjU2LCJCIjoxMDB9fSwiTWF4V2lkdGgiOjAuMCwiTWF4SGVpZ2h0IjowLjAsIlNtYXJ0Rm9yZWdyb3VuZElzQWN0aXZlIjpmYWxzZSwiSG9yaXpvbnRhbEFsaWdubWVudCI6MCwiVmVydGljYWxBbGlnbm1lbnQiOjAsIlNtYXJ0Rm9yZWdyb3VuZCI6bnVsbCwiQmFja2dyb3VuZEZpbGxUeXBlIjowLCJNYXJnaW4iOnsiJHJlZiI6IjE0MSJ9LCJQYWRkaW5nIjp7IiRyZWYiOiIxNDIifSwiQmFja2dyb3VuZCI6bnVsbCwiSXNWaXNpYmxlIjpmYWxzZSwiV2lkdGgiOjAuMCwiSGVpZ2h0IjowLjAsIkJvcmRlclN0eWxlIjpudWxsLCJQYXJlbnRTdHlsZSI6bnVsbH0sIlJlY3RhbmdsZVN0eWxlIjp7IiRpZCI6IjExMjkiLCJNYXJnaW4iOnsiJHJlZiI6IjE0NCJ9LCJQYWRkaW5nIjp7IiRyZWYiOiIxNDUifSwiQmFja2dyb3VuZCI6eyIkaWQiOiIxMTMwIiwiQ29sb3IiOnsiJGlkIjoiMTEzMSIsIkEiOjEyNywiUiI6MjU0LCJHIjoxODYsIkIiOjEwfX0sIklzVmlzaWJsZSI6ZmFsc2UsIldpZHRoIjowLjAsIkhlaWdodCI6MC4wLCJCb3JkZXJTdHlsZSI6eyIkaWQiOiIxMTMyIiwiTGluZUNvbG9yIjp7IiRyZWYiOiIxNDkifSwiTGluZVdlaWdodCI6MC4wLCJMaW5lVHlwZSI6MCwiUGFyZW50U3R5bGUiOm51bGx9LCJQYXJlbnRTdHlsZSI6bnVsbH0sIk1hcmdpbiI6eyIkcmVmIjoiMTUxIn0sIlBhZGRpbmciOnsiJHJlZiI6IjE1MiJ9LCJCYWNrZ3JvdW5kIjpudWxsLCJJc1Zpc2libGUiOnRydWUsIldpZHRoIjowLjAsIkhlaWdodCI6MC4wLCJCb3JkZXJTdHlsZSI6bnVsbCwiUGFyZW50U3R5bGUiOm51bGx9LCJCYWNrZ3JvdW5kU3R5bGUiOnsiJGlkIjoiMTEzMyIsIk1hcmdpbiI6eyIkcmVmIjoiMTU0In0sIlBhZGRpbmciOnsiJHJlZiI6IjE1NSJ9LCJCYWNrZ3JvdW5kIjp7IiRpZCI6IjExMzQiLCJDb2xvciI6eyIkaWQiOiIxMTM1IiwiQSI6MzgsIlIiOjAsIkciOjAsIkIiOjB9fSwiSXNWaXNpYmxlIjp0cnVlLCJXaWR0aCI6MC4wLCJIZWlnaHQiOjAuMCwiQm9yZGVyU3R5bGUiOnsiJGlkIjoiMTEzNiIsIkxpbmVDb2xvciI6eyIkaWQiOiIxMTM3IiwiJHR5cGUiOiJOTFJFLkNvbW1vbi5Eb20uU29saWRDb2xvckJydXNoLCBOTFJFLkNvbW1vbiIsIkNvbG9yIjp7IiRpZCI6IjExMzgiLCJBIjoyNTUsIlIiOjI1NCwiRyI6MTg2LCJCIjoxMH19LCJMaW5lV2VpZ2h0IjowLjAsIkxpbmVUeXBlIjowLCJQYXJlbnRTdHlsZSI6bnVsbH0sIlBhcmVudFN0eWxlIjpudWxsfSwiSXNBYm92ZVRpbWViYW5kIjpmYWxzZSwiTWFyZ2luIjp7IiRyZWYiOiIxNjEifSwiUGFkZGluZyI6eyIkcmVmIjoiMTYyIn0sIklzVmlzaWJsZSI6dHJ1ZSwiV2lkdGgiOjAuMCwiSGVpZ2h0IjowLjAsIkJvcmRlclN0eWxlIjpudWxsLCJQYXJlbnRTdHlsZSI6bnVsbH0sIlRhc2tzIjpbeyIkaWQiOiIxMTM5IiwiX2F0dGFjaGVkTWlsZXN0b25lcyI6W10sIlRhc2tEZWZpbml0aW9uIjp7IiRpZCI6IjExNDAiLCJHcm91cE5hbWUiOm51bGwsIlN0YXJ0RGF0ZSI6IjIwMjAtMDQtMDZUMDA6MDA6MDAiLCJFbmREYXRlIjoiMjAyMC0wNi0yM1QxMTo1OTowMCIsIlBlcmNlbnRhZ2VDb21wbGV0ZSI6NzUuMCwiU3R5bGUiOnsiJGlkIjoiMTE0MSIsIlNoYXBlIjo0LCJTaGFwZVRoaWNrbmVzcyI6MSwiRHVyYXRpb25Gb3JtYXQiOjAsIkluY2x1ZGVOb25Xb3JraW5nRGF5c0luRHVyYXRpb24iOmZhbHNlLCJQZXJjZW50YWdlQ29tcGxldGVTdHlsZSI6eyIkaWQiOiIxMTQyIiwiRm9udFNldHRpbmdzIjp7IiRpZCI6IjExNDMiLCJGb250U2l6ZSI6MTAsIkZvbnROYW1lIjoiQ2FsaWJyaSIsIklzQm9sZCI6ZmFsc2UsIklzSXRhbGljIjpmYWxzZSwiSXNVbmRlcmxpbmVkIjpmYWxzZSwiUGFyZW50U3R5bGUiOm51bGx9LCJBdXRvU2l6ZSI6MCwiRm9yZWdyb3VuZCI6eyIkaWQiOiIxMTQ0IiwiQ29sb3IiOnsiJGlkIjoiMTE0NSIsIkEiOjI1NSwiUiI6MTkyLCJHIjo4MCwiQiI6Nzd9fSwiTWF4V2lkdGgiOjIwMC4wLCJNYXhIZWlnaHQiOiJJbmZpbml0eSIsIlNtYXJ0Rm9yZWdyb3VuZElzQWN0aXZlIjpmYWxzZSwiSG9yaXpvbnRhbEFsaWdubWVudCI6MSwiVmVydGljYWxBbGlnbm1lbnQiOjAsIlNtYXJ0Rm9yZWdyb3VuZCI6bnVsbCwiQmFja2dyb3VuZEZpbGxUeXBlIjowLCJNYXJnaW4iOnsiJGlkIjoiMTE0NiIsIlRvcCI6MCwiTGVmdCI6MCwiUmlnaHQiOjAsIkJvdHRvbSI6MH0sIlBhZGRpbmciOnsiJGlkIjoiMTE0NyIsIlRvcCI6MCwiTGVmdCI6MCwiUmlnaHQiOjAsIkJvdHRvbSI6MH0sIkJhY2tncm91bmQiOnsiJHJlZiI6Ijg5In0sIklzVmlzaWJsZSI6dHJ1ZSwiV2lkdGgiOjAuMCwiSGVpZ2h0IjowLjAsIkJvcmRlclN0eWxlIjp7IiRpZCI6IjExNDgiLCJMaW5lQ29sb3IiOm51bGwsIkxpbmVXZWlnaHQiOjAuMCwiTGluZVR5cGUiOjAsIlBhcmVudFN0eWxlIjpudWxsfSwiUGFyZW50U3R5bGUiOm51bGx9LCJEdXJhdGlvblN0eWxlIjp7IiRpZCI6IjExNDkiLCJGb250U2V0dGluZ3MiOnsiJGlkIjoiMTE1MCIsIkZvbnRTaXplIjoxMCwiRm9udE5hbWUiOiJDYWxpYnJpIiwiSXNCb2xkIjpmYWxzZSwiSXNJdGFsaWMiOmZhbHNlLCJJc1VuZGVybGluZWQiOmZhbHNlLCJQYXJlbnRTdHlsZSI6bnVsbH0sIkF1dG9TaXplIjowLCJGb3JlZ3JvdW5kIjp7IiRpZCI6IjExNTEiLCJDb2xvciI6eyIkcmVmIjoiOTMifX0sIk1heFdpZHRoIjoyMDAuMCwiTWF4SGVpZ2h0IjoiSW5maW5pdHkiLCJTbWFydEZvcmVncm91bmRJc0FjdGl2ZSI6ZmFsc2UsIkhvcml6b250YWxBbGlnbm1lbnQiOjAsIlZlcnRpY2FsQWxpZ25tZW50IjowLCJTbWFydEZvcmVncm91bmQiOm51bGwsIkJhY2tncm91bmRGaWxsVHlwZSI6MCwiTWFyZ2luIjp7IiRpZCI6IjExNTIiLCJUb3AiOjAsIkxlZnQiOjAsIlJpZ2h0IjowLCJCb3R0b20iOjB9LCJQYWRkaW5nIjp7IiRpZCI6IjExNTMiLCJUb3AiOjAsIkxlZnQiOjAsIlJpZ2h0IjowLCJCb3R0b20iOjB9LCJCYWNrZ3JvdW5kIjp7IiRyZWYiOiI5NiJ9LCJJc1Zpc2libGUiOnRydWUsIldpZHRoIjowLjAsIkhlaWdodCI6MC4wLCJCb3JkZXJTdHlsZSI6eyIkaWQiOiIxMTU0IiwiTGluZUNvbG9yIjpudWxsLCJMaW5lV2VpZ2h0IjowLjAsIkxpbmVUeXBlIjowLCJQYXJlbnRTdHlsZSI6bnVsbH0sIlBhcmVudFN0eWxlIjpudWxsfSwiSG9yaXpvbnRhbENvbm5lY3RvclN0eWxlIjp7IiRpZCI6IjExNTUiLCJMaW5lQ29sb3IiOnsiJHJlZiI6Ijk4In0sIkxpbmVXZWlnaHQiOjEuMCwiTGluZVR5cGUiOjAsIlBhcmVudFN0eWxlIjpudWxsfSwiVmVydGljYWxDb25uZWN0b3JTdHlsZSI6eyIkaWQiOiIxMTU2IiwiTGluZUNvbG9yIjp7IiRyZWYiOiIxMDEifSwiTGluZVdlaWdodCI6MC4wLCJMaW5lVHlwZSI6MCwiUGFyZW50U3R5bGUiOm51bGx9LCJNYXJnaW4iOm51bGwsIlN0YXJ0RGF0ZVBvc2l0aW9uIjo2LCJFbmREYXRlUG9zaXRpb24iOjYsIkRhdGVJc1Zpc2libGUiOmZhbHNlLCJUaXRsZVBvc2l0aW9uIjoyLCJEdXJhdGlvblBvc2l0aW9uIjo2LCJQZXJjZW50YWdlQ29tcGxldGVkUG9zaXRpb24iOjIsIlNwYWNpbmciOjMsIklzQmVsb3dUaW1lYmFuZCI6dHJ1ZSwiUGVyY2VudGFnZUNvbXBsZXRlU2hhcGVPcGFjaXR5IjozNSwiU2hhcGVTdHlsZSI6eyIkaWQiOiIxMTU3IiwiTWFyZ2luIjp7IiRpZCI6IjExNTgiLCJUb3AiOjAsIkxlZnQiOjQsIlJpZ2h0Ijo0LCJCb3R0b20iOjB9LCJQYWRkaW5nIjp7IiRpZCI6IjExNTkiLCJUb3AiOjAsIkxlZnQiOjAsIlJpZ2h0IjowLCJCb3R0b20iOjB9LCJCYWNrZ3JvdW5kIjp7IiRpZCI6IjExNjAiLCJDb2xvciI6eyIkaWQiOiIxMTYxIiwiQSI6MTc4LCJSIjoyMjgsIkciOjIxMiwiQiI6MzF9fSwiSXNWaXNpYmxlIjp0cnVlLCJXaWR0aCI6MC4wLCJIZWlnaHQiOjE2LjAsIkJvcmRlclN0eWxlIjp7IiRpZCI6IjExNjIiLCJMaW5lQ29sb3IiOnsiJGlkIjoiMTE2MyIsIiR0eXBlIjoiTkxSRS5Db21tb24uRG9tLlNvbGlkQ29sb3JCcnVzaCwgTkxSRS5Db21tb24iLCJDb2xvciI6eyIkaWQiOiIxMTY0IiwiQSI6MjU1LCJSIjoyNTUsIkciOjAsIkIiOjB9fSwiTGluZVdlaWdodCI6MC4wLCJMaW5lVHlwZSI6MCwiUGFyZW50U3R5bGUiOm51bGx9LCJQYXJlbnRTdHlsZSI6bnVsbH0sIlRpdGxlU3R5bGUiOnsiJGlkIjoiMTE2NSIsIkZvbnRTZXR0aW5ncyI6eyIkaWQiOiIxMTY2IiwiRm9udFNpemUiOjExLCJGb250TmFtZSI6IkNhbGlicmkiLCJJc0JvbGQiOmZhbHNlLCJJc0l0YWxpYyI6ZmFsc2UsIklzVW5kZXJsaW5lZCI6ZmFsc2UsIlBhcmVudFN0eWxlIjpudWxsfSwiQXV0b1NpemUiOjAsIkZvcmVncm91bmQiOnsiJGlkIjoiMTE2NyIsIkNvbG9yIjp7IiRpZCI6IjExNjgiLCJBIjoyNTUsIlIiOjI1NSwiRyI6MjU1LCJCIjoyNTV9fSwiTWF4V2lkdGgiOjk2MC4wLCJNYXhIZWlnaHQiOiJJbmZpbml0eSIsIlNtYXJ0Rm9yZWdyb3VuZElzQWN0aXZlIjpmYWxzZSwiSG9yaXpvbnRhbEFsaWdubWVudCI6MSwiVmVydGljYWxBbGlnbm1lbnQiOjAsIlNtYXJ0Rm9yZWdyb3VuZCI6bnVsbCwiQmFja2dyb3VuZEZpbGxUeXBlIjowLCJNYXJnaW4iOnsiJGlkIjoiMTE2OSIsIlRvcCI6MCwiTGVmdCI6MCwiUmlnaHQiOjAsIkJvdHRvbSI6MH0sIlBhZGRpbmciOnsiJGlkIjoiMTE3MCIsIlRvcCI6MCwiTGVmdCI6MCwiUmlnaHQiOjAsIkJvdHRvbSI6MH0sIkJhY2tncm91bmQiOnsiJHJlZiI6IjExNyJ9LCJJc1Zpc2libGUiOnRydWUsIldpZHRoIjowLjAsIkhlaWdodCI6MC4wLCJCb3JkZXJTdHlsZSI6eyIkaWQiOiIxMTcxIiwiTGluZUNvbG9yIjpudWxsLCJMaW5lV2VpZ2h0IjowLjAsIkxpbmVUeXBlIjowLCJQYXJlbnRTdHlsZSI6bnVsbH0sIlBhcmVudFN0eWxlIjpudWxsfSwiRGF0ZVN0eWxlIjp7IiRpZCI6IjExNzIiLCJGb250U2V0dGluZ3MiOnsiJGlkIjoiMTE3MyIsIkZvbnRTaXplIjoxMCwiRm9udE5hbWUiOiJDYWxpYnJpIiwiSXNCb2xkIjpmYWxzZSwiSXNJdGFsaWMiOmZhbHNlLCJJc1VuZGVybGluZWQiOmZhbHNlLCJQYXJlbnRTdHlsZSI6bnVsbH0sIkF1dG9TaXplIjowLCJGb3JlZ3JvdW5kIjp7IiRpZCI6IjExNzQiLCJDb2xvciI6eyIkcmVmIjoiMTIxIn19LCJNYXhXaWR0aCI6MjAwLjAsIk1heEhlaWdodCI6IkluZmluaXR5IiwiU21hcnRGb3JlZ3JvdW5kSXNBY3RpdmUiOmZhbHNlLCJIb3Jpem9udGFsQWxpZ25tZW50IjowLCJWZXJ0aWNhbEFsaWdubWVudCI6MCwiU21hcnRGb3JlZ3JvdW5kIjpudWxsLCJCYWNrZ3JvdW5kRmlsbFR5cGUiOjAsIk1hcmdpbiI6eyIkaWQiOiIxMTc1IiwiVG9wIjowLCJMZWZ0IjowLCJSaWdodCI6MCwiQm90dG9tIjowfSwiUGFkZGluZyI6eyIkaWQiOiIxMTc2IiwiVG9wIjowLCJMZWZ0IjowLCJSaWdodCI6MCwiQm90dG9tIjowfSwiQmFja2dyb3VuZCI6eyIkcmVmIjoiMTI0In0sIklzVmlzaWJsZSI6dHJ1ZSwiV2lkdGgiOjAuMCwiSGVpZ2h0IjowLjAsIkJvcmRlclN0eWxlIjp7IiRpZCI6IjExNzciLCJMaW5lQ29sb3IiOm51bGwsIkxpbmVXZWlnaHQiOjAuMCwiTGluZVR5cGUiOjAsIlBhcmVudFN0eWxlIjpudWxsfSwiUGFyZW50U3R5bGUiOm51bGx9LCJEYXRlRm9ybWF0Ijp7IiRpZCI6IjExNzgiLCJGb3JtYXRTdHJpbmciOiJNTU0gZCIsIlNlcGFyYXRvciI6Ii8iLCJVc2VJbnRlcm5hdGlvbmFsRGF0ZUZvcm1hdCI6ZmFsc2UsIkRhdGVJc1Zpc2libGUiOmZhbHNlLCJUaW1lSXNWaXNpYmxlIjpmYWxzZSwiSG91ckRpZ2l0cyI6MSwiQW1QbURlc2lnbmF0b3IiOjIsIlRyaW0wME1pbnV0ZXMiOmZhbHNlLCJMYXN0S25vd25WaXNpYmlsaXR5U3RhdGUiOnsiJGlkIjoiMTE3OSIsIkRhdGVQYXJ0SXNWaXNpYmxlIjp0cnVlLCJUaW1lUGFydElzVmlzaWJsZSI6ZmFsc2V9fSwiSXNWaXNpYmxlIjp0cnVlLCJQYXJlbnRTdHlsZSI6bnVsbH0sIkluZGV4IjoyOSwiU21hcnREdXJhdGlvbkFjdGl2YXRlZCI6ZmFsc2UsIkRhdGVGb3JtYXQiOnsiJHJlZiI6IjExNzgifSwiSWQiOiJmNjMxYTNjOS0zZjYwLTQ4MDctOGFlOS1jODcwMjZiZGIyYTMiLCJJbXBvcnRJZCI6bnVsbCwiVGl0bGUiOiJTTEEgTWV0cmljcyAiLCJOb3RlIjpudWxsLCJIeXBlcmxpbmsiOnsiJGlkIjoiMTE4MCIsIkFkZHJlc3MiOiIiLCJTdWJBZGRyZXNzIjoiIn0sIklzQ2hhbmdlZCI6ZmFsc2UsIklzTmV3IjpmYWxzZX0sIkluZGV4IjowfSx7IiRpZCI6IjExODEiLCJfYXR0YWNoZWRNaWxlc3RvbmVzIjpbXSwiVGFza0RlZmluaXRpb24iOnsiJGlkIjoiMTE4MiIsIkdyb3VwTmFtZSI6IjVhNmU3OTVhLTk0ZTEtNGE5OC1iZTVlLWNmN2Y4M2U4NDM3ZiIsIlN0YXJ0RGF0ZSI6IjIwMTktMTItMDRUMDA6MDA6MDAiLCJFbmREYXRlIjoiMjAyMC0wMy0xOVQxMTo1OTowMCIsIlBlcmNlbnRhZ2VDb21wbGV0ZSI6NzUuMCwiU3R5bGUiOnsiJGlkIjoiMTE4MyIsIlNoYXBlIjo0LCJTaGFwZVRoaWNrbmVzcyI6MSwiRHVyYXRpb25Gb3JtYXQiOjAsIkluY2x1ZGVOb25Xb3JraW5nRGF5c0luRHVyYXRpb24iOmZhbHNlLCJQZXJjZW50YWdlQ29tcGxldGVTdHlsZSI6eyIkaWQiOiIxMTg0IiwiRm9udFNldHRpbmdzIjp7IiRpZCI6IjExODUiLCJGb250U2l6ZSI6MTAsIkZvbnROYW1lIjoiQ2FsaWJyaSIsIklzQm9sZCI6ZmFsc2UsIklzSXRhbGljIjpmYWxzZSwiSXNVbmRlcmxpbmVkIjpmYWxzZSwiUGFyZW50U3R5bGUiOm51bGx9LCJBdXRvU2l6ZSI6MCwiRm9yZWdyb3VuZCI6eyIkaWQiOiIxMTg2IiwiQ29sb3IiOnsiJGlkIjoiMTE4NyIsIkEiOjI1NSwiUiI6MTkyLCJHIjo4MCwiQiI6Nzd9fSwiTWF4V2lkdGgiOjIwMC4wLCJNYXhIZWlnaHQiOiJJbmZpbml0eSIsIlNtYXJ0Rm9yZWdyb3VuZElzQWN0aXZlIjpmYWxzZSwiSG9yaXpvbnRhbEFsaWdubWVudCI6MSwiVmVydGljYWxBbGlnbm1lbnQiOjAsIlNtYXJ0Rm9yZWdyb3VuZCI6bnVsbCwiQmFja2dyb3VuZEZpbGxUeXBlIjowLCJNYXJnaW4iOnsiJGlkIjoiMTE4OCIsIlRvcCI6MCwiTGVmdCI6MCwiUmlnaHQiOjAsIkJvdHRvbSI6MH0sIlBhZGRpbmciOnsiJGlkIjoiMTE4OSIsIlRvcCI6MCwiTGVmdCI6MCwiUmlnaHQiOjAsIkJvdHRvbSI6MH0sIkJhY2tncm91bmQiOnsiJHJlZiI6Ijg5In0sIklzVmlzaWJsZSI6dHJ1ZSwiV2lkdGgiOjAuMCwiSGVpZ2h0IjowLjAsIkJvcmRlclN0eWxlIjp7IiRpZCI6IjExOTAiLCJMaW5lQ29sb3IiOm51bGwsIkxpbmVXZWlnaHQiOjAuMCwiTGluZVR5cGUiOjAsIlBhcmVudFN0eWxlIjpudWxsfSwiUGFyZW50U3R5bGUiOm51bGx9LCJEdXJhdGlvblN0eWxlIjp7IiRpZCI6IjExOTEiLCJGb250U2V0dGluZ3MiOnsiJGlkIjoiMTE5MiIsIkZvbnRTaXplIjoxMCwiRm9udE5hbWUiOiJDYWxpYnJpIiwiSXNCb2xkIjpmYWxzZSwiSXNJdGFsaWMiOmZhbHNlLCJJc1VuZGVybGluZWQiOmZhbHNlLCJQYXJlbnRTdHlsZSI6bnVsbH0sIkF1dG9TaXplIjowLCJGb3JlZ3JvdW5kIjp7IiRpZCI6IjExOTMiLCJDb2xvciI6eyIkcmVmIjoiOTMifX0sIk1heFdpZHRoIjoyMDAuMCwiTWF4SGVpZ2h0IjoiSW5maW5pdHkiLCJTbWFydEZvcmVncm91bmRJc0FjdGl2ZSI6ZmFsc2UsIkhvcml6b250YWxBbGlnbm1lbnQiOjAsIlZlcnRpY2FsQWxpZ25tZW50IjowLCJTbWFydEZvcmVncm91bmQiOm51bGwsIkJhY2tncm91bmRGaWxsVHlwZSI6MCwiTWFyZ2luIjp7IiRpZCI6IjExOTQiLCJUb3AiOjAsIkxlZnQiOjAsIlJpZ2h0IjowLCJCb3R0b20iOjB9LCJQYWRkaW5nIjp7IiRpZCI6IjExOTUiLCJUb3AiOjAsIkxlZnQiOjAsIlJpZ2h0IjowLCJCb3R0b20iOjB9LCJCYWNrZ3JvdW5kIjp7IiRyZWYiOiI5NiJ9LCJJc1Zpc2libGUiOnRydWUsIldpZHRoIjowLjAsIkhlaWdodCI6MC4wLCJCb3JkZXJTdHlsZSI6eyIkaWQiOiIxMTk2IiwiTGluZUNvbG9yIjpudWxsLCJMaW5lV2VpZ2h0IjowLjAsIkxpbmVUeXBlIjowLCJQYXJlbnRTdHlsZSI6bnVsbH0sIlBhcmVudFN0eWxlIjpudWxsfSwiSG9yaXpvbnRhbENvbm5lY3RvclN0eWxlIjp7IiRpZCI6IjExOTciLCJMaW5lQ29sb3IiOnsiJHJlZiI6Ijk4In0sIkxpbmVXZWlnaHQiOjEuMCwiTGluZVR5cGUiOjAsIlBhcmVudFN0eWxlIjpudWxsfSwiVmVydGljYWxDb25uZWN0b3JTdHlsZSI6eyIkaWQiOiIxMTk4IiwiTGluZUNvbG9yIjp7IiRyZWYiOiIxMDEifSwiTGluZVdlaWdodCI6MC4wLCJMaW5lVHlwZSI6MCwiUGFyZW50U3R5bGUiOm51bGx9LCJNYXJnaW4iOm51bGwsIlN0YXJ0RGF0ZVBvc2l0aW9uIjo2LCJFbmREYXRlUG9zaXRpb24iOjYsIkRhdGVJc1Zpc2libGUiOmZhbHNlLCJUaXRsZVBvc2l0aW9uIjoyLCJEdXJhdGlvblBvc2l0aW9uIjo2LCJQZXJjZW50YWdlQ29tcGxldGVkUG9zaXRpb24iOjIsIlNwYWNpbmciOjMsIklzQmVsb3dUaW1lYmFuZCI6dHJ1ZSwiUGVyY2VudGFnZUNvbXBsZXRlU2hhcGVPcGFjaXR5IjozNSwiU2hhcGVTdHlsZSI6eyIkaWQiOiIxMTk5IiwiTWFyZ2luIjp7IiRpZCI6IjEyMDAiLCJUb3AiOjAsIkxlZnQiOjQsIlJpZ2h0Ijo0LCJCb3R0b20iOjB9LCJQYWRkaW5nIjp7IiRpZCI6IjEyMDEiLCJUb3AiOjAsIkxlZnQiOjAsIlJpZ2h0IjowLCJCb3R0b20iOjB9LCJCYWNrZ3JvdW5kIjp7IiRpZCI6IjEyMDIiLCJDb2xvciI6eyIkaWQiOiIxMjAzIiwiQSI6MjU1LCJSIjoyMjgsIkciOjIxMiwiQiI6MzF9fSwiSXNWaXNpYmxlIjp0cnVlLCJXaWR0aCI6MC4wLCJIZWlnaHQiOjE2LjAsIkJvcmRlclN0eWxlIjp7IiRpZCI6IjEyMDQiLCJMaW5lQ29sb3IiOnsiJGlkIjoiMTIwNSIsIiR0eXBlIjoiTkxSRS5Db21tb24uRG9tLlNvbGlkQ29sb3JCcnVzaCwgTkxSRS5Db21tb24iLCJDb2xvciI6eyIkaWQiOiIxMjA2IiwiQSI6MjU1LCJSIjoyNTUsIkciOjAsIkIiOjB9fSwiTGluZVdlaWdodCI6MC4wLCJMaW5lVHlwZSI6MCwiUGFyZW50U3R5bGUiOm51bGx9LCJQYXJlbnRTdHlsZSI6bnVsbH0sIlRpdGxlU3R5bGUiOnsiJGlkIjoiMTIwNyIsIkZvbnRTZXR0aW5ncyI6eyIkaWQiOiIxMjA4IiwiRm9udFNpemUiOjExLCJGb250TmFtZSI6IkNhbGlicmkiLCJJc0JvbGQiOmZhbHNlLCJJc0l0YWxpYyI6ZmFsc2UsIklzVW5kZXJsaW5lZCI6ZmFsc2UsIlBhcmVudFN0eWxlIjpudWxsfSwiQXV0b1NpemUiOjAsIkZvcmVncm91bmQiOnsiJGlkIjoiMTIwOSIsIkNvbG9yIjp7IiRpZCI6IjEyMTAiLCJBIjoyNTUsIlIiOjI1NSwiRyI6MjU1LCJCIjoyNTV9fSwiTWF4V2lkdGgiOjk2MC4wLCJNYXhIZWlnaHQiOiJJbmZpbml0eSIsIlNtYXJ0Rm9yZWdyb3VuZElzQWN0aXZlIjpmYWxzZSwiSG9yaXpvbnRhbEFsaWdubWVudCI6MSwiVmVydGljYWxBbGlnbm1lbnQiOjAsIlNtYXJ0Rm9yZWdyb3VuZCI6bnVsbCwiQmFja2dyb3VuZEZpbGxUeXBlIjowLCJNYXJnaW4iOnsiJGlkIjoiMTIxMSIsIlRvcCI6MCwiTGVmdCI6MCwiUmlnaHQiOjAsIkJvdHRvbSI6MH0sIlBhZGRpbmciOnsiJGlkIjoiMTIxMiIsIlRvcCI6MCwiTGVmdCI6MCwiUmlnaHQiOjAsIkJvdHRvbSI6MH0sIkJhY2tncm91bmQiOnsiJHJlZiI6IjExNyJ9LCJJc1Zpc2libGUiOnRydWUsIldpZHRoIjowLjAsIkhlaWdodCI6MC4wLCJCb3JkZXJTdHlsZSI6eyIkaWQiOiIxMjEzIiwiTGluZUNvbG9yIjpudWxsLCJMaW5lV2VpZ2h0IjowLjAsIkxpbmVUeXBlIjowLCJQYXJlbnRTdHlsZSI6bnVsbH0sIlBhcmVudFN0eWxlIjpudWxsfSwiRGF0ZVN0eWxlIjp7IiRpZCI6IjEyMTQiLCJGb250U2V0dGluZ3MiOnsiJGlkIjoiMTIxNSIsIkZvbnRTaXplIjoxMCwiRm9udE5hbWUiOiJDYWxpYnJpIiwiSXNCb2xkIjpmYWxzZSwiSXNJdGFsaWMiOmZhbHNlLCJJc1VuZGVybGluZWQiOmZhbHNlLCJQYXJlbnRTdHlsZSI6bnVsbH0sIkF1dG9TaXplIjowLCJGb3JlZ3JvdW5kIjp7IiRpZCI6IjEyMTYiLCJDb2xvciI6eyIkcmVmIjoiMTIxIn19LCJNYXhXaWR0aCI6MjAwLjAsIk1heEhlaWdodCI6IkluZmluaXR5IiwiU21hcnRGb3JlZ3JvdW5kSXNBY3RpdmUiOmZhbHNlLCJIb3Jpem9udGFsQWxpZ25tZW50IjowLCJWZXJ0aWNhbEFsaWdubWVudCI6MCwiU21hcnRGb3JlZ3JvdW5kIjpudWxsLCJCYWNrZ3JvdW5kRmlsbFR5cGUiOjAsIk1hcmdpbiI6eyIkaWQiOiIxMjE3IiwiVG9wIjowLCJMZWZ0IjowLCJSaWdodCI6MCwiQm90dG9tIjowfSwiUGFkZGluZyI6eyIkaWQiOiIxMjE4IiwiVG9wIjowLCJMZWZ0IjowLCJSaWdodCI6MCwiQm90dG9tIjowfSwiQmFja2dyb3VuZCI6eyIkcmVmIjoiMTI0In0sIklzVmlzaWJsZSI6dHJ1ZSwiV2lkdGgiOjAuMCwiSGVpZ2h0IjowLjAsIkJvcmRlclN0eWxlIjp7IiRpZCI6IjEyMTkiLCJMaW5lQ29sb3IiOm51bGwsIkxpbmVXZWlnaHQiOjAuMCwiTGluZVR5cGUiOjAsIlBhcmVudFN0eWxlIjpudWxsfSwiUGFyZW50U3R5bGUiOm51bGx9LCJEYXRlRm9ybWF0Ijp7IiRpZCI6IjEyMjAiLCJGb3JtYXRTdHJpbmciOiJNTU0gZCIsIlNlcGFyYXRvciI6Ii8iLCJVc2VJbnRlcm5hdGlvbmFsRGF0ZUZvcm1hdCI6ZmFsc2UsIkRhdGVJc1Zpc2libGUiOmZhbHNlLCJUaW1lSXNWaXNpYmxlIjpmYWxzZSwiSG91ckRpZ2l0cyI6MSwiQW1QbURlc2lnbmF0b3IiOjIsIlRyaW0wME1pbnV0ZXMiOmZhbHNlLCJMYXN0S25vd25WaXNpYmlsaXR5U3RhdGUiOnsiJGlkIjoiMTIyMSIsIkRhdGVQYXJ0SXNWaXNpYmxlIjp0cnVlLCJUaW1lUGFydElzVmlzaWJsZSI6ZmFsc2V9fSwiSXNWaXNpYmxlIjp0cnVlLCJQYXJlbnRTdHlsZSI6bnVsbH0sIkluZGV4IjozMCwiU21hcnREdXJhdGlvbkFjdGl2YXRlZCI6ZmFsc2UsIkRhdGVGb3JtYXQiOnsiJHJlZiI6IjEyMjAifSwiSWQiOiJjZTBjYTE3ZS0wNDg1LTRlMTEtYmYyYi04NTY5NDRkZTE2ODciLCJJbXBvcnRJZCI6bnVsbCwiVGl0bGUiOiJBdmFpbGFiaWxpdHkgTWV0cmljcyAiLCJOb3RlIjpudWxsLCJIeXBlcmxpbmsiOnsiJGlkIjoiMTIyMiIsIkFkZHJlc3MiOiIiLCJTdWJBZGRyZXNzIjoiIn0sIklzQ2hhbmdlZCI6ZmFsc2UsIklzTmV3IjpmYWxzZX0sIkluZGV4IjowfSx7IiRpZCI6IjEyMjMiLCJfYXR0YWNoZWRNaWxlc3RvbmVzIjpbXSwiVGFza0RlZmluaXRpb24iOnsiJGlkIjoiMTIyNCIsIkdyb3VwTmFtZSI6IjVhNmU3OTVhLTk0ZTEtNGE5OC1iZTVlLWNmN2Y4M2U4NDM3ZiIsIlN0YXJ0RGF0ZSI6IjIwMjAtMDUtMDVUMDA6MDA6MDAiLCJFbmREYXRlIjoiMjAyMC0wOC0xNFQxMTo1OTowMCIsIlBlcmNlbnRhZ2VDb21wbGV0ZSI6ODAuMCwiU3R5bGUiOnsiJGlkIjoiMTIyNSIsIlNoYXBlIjo0LCJTaGFwZVRoaWNrbmVzcyI6MSwiRHVyYXRpb25Gb3JtYXQiOjAsIkluY2x1ZGVOb25Xb3JraW5nRGF5c0luRHVyYXRpb24iOmZhbHNlLCJQZXJjZW50YWdlQ29tcGxldGVTdHlsZSI6eyIkaWQiOiIxMjI2IiwiRm9udFNldHRpbmdzIjp7IiRpZCI6IjEyMjciLCJGb250U2l6ZSI6MTAsIkZvbnROYW1lIjoiQ2FsaWJyaSIsIklzQm9sZCI6ZmFsc2UsIklzSXRhbGljIjpmYWxzZSwiSXNVbmRlcmxpbmVkIjpmYWxzZSwiUGFyZW50U3R5bGUiOm51bGx9LCJBdXRvU2l6ZSI6MCwiRm9yZWdyb3VuZCI6eyIkaWQiOiIxMjI4IiwiQ29sb3IiOnsiJGlkIjoiMTIyOSIsIkEiOjI1NSwiUiI6MTkyLCJHIjo4MCwiQiI6Nzd9fSwiTWF4V2lkdGgiOjIwMC4wLCJNYXhIZWlnaHQiOiJJbmZpbml0eSIsIlNtYXJ0Rm9yZWdyb3VuZElzQWN0aXZlIjpmYWxzZSwiSG9yaXpvbnRhbEFsaWdubWVudCI6MSwiVmVydGljYWxBbGlnbm1lbnQiOjAsIlNtYXJ0Rm9yZWdyb3VuZCI6bnVsbCwiQmFja2dyb3VuZEZpbGxUeXBlIjowLCJNYXJnaW4iOnsiJGlkIjoiMTIzMCIsIlRvcCI6MCwiTGVmdCI6MCwiUmlnaHQiOjAsIkJvdHRvbSI6MH0sIlBhZGRpbmciOnsiJGlkIjoiMTIzMSIsIlRvcCI6MCwiTGVmdCI6MCwiUmlnaHQiOjAsIkJvdHRvbSI6MH0sIkJhY2tncm91bmQiOnsiJHJlZiI6Ijg5In0sIklzVmlzaWJsZSI6dHJ1ZSwiV2lkdGgiOjAuMCwiSGVpZ2h0IjowLjAsIkJvcmRlclN0eWxlIjp7IiRpZCI6IjEyMzIiLCJMaW5lQ29sb3IiOm51bGwsIkxpbmVXZWlnaHQiOjAuMCwiTGluZVR5cGUiOjAsIlBhcmVudFN0eWxlIjpudWxsfSwiUGFyZW50U3R5bGUiOm51bGx9LCJEdXJhdGlvblN0eWxlIjp7IiRpZCI6IjEyMzMiLCJGb250U2V0dGluZ3MiOnsiJGlkIjoiMTIzNCIsIkZvbnRTaXplIjoxMCwiRm9udE5hbWUiOiJDYWxpYnJpIiwiSXNCb2xkIjpmYWxzZSwiSXNJdGFsaWMiOmZhbHNlLCJJc1VuZGVybGluZWQiOmZhbHNlLCJQYXJlbnRTdHlsZSI6bnVsbH0sIkF1dG9TaXplIjowLCJGb3JlZ3JvdW5kIjp7IiRpZCI6IjEyMzUiLCJDb2xvciI6eyIkcmVmIjoiOTMifX0sIk1heFdpZHRoIjoyMDAuMCwiTWF4SGVpZ2h0IjoiSW5maW5pdHkiLCJTbWFydEZvcmVncm91bmRJc0FjdGl2ZSI6ZmFsc2UsIkhvcml6b250YWxBbGlnbm1lbnQiOjAsIlZlcnRpY2FsQWxpZ25tZW50IjowLCJTbWFydEZvcmVncm91bmQiOm51bGwsIkJhY2tncm91bmRGaWxsVHlwZSI6MCwiTWFyZ2luIjp7IiRpZCI6IjEyMzYiLCJUb3AiOjAsIkxlZnQiOjAsIlJpZ2h0IjowLCJCb3R0b20iOjB9LCJQYWRkaW5nIjp7IiRpZCI6IjEyMzciLCJUb3AiOjAsIkxlZnQiOjAsIlJpZ2h0IjowLCJCb3R0b20iOjB9LCJCYWNrZ3JvdW5kIjp7IiRyZWYiOiI5NiJ9LCJJc1Zpc2libGUiOnRydWUsIldpZHRoIjowLjAsIkhlaWdodCI6MC4wLCJCb3JkZXJTdHlsZSI6eyIkaWQiOiIxMjM4IiwiTGluZUNvbG9yIjpudWxsLCJMaW5lV2VpZ2h0IjowLjAsIkxpbmVUeXBlIjowLCJQYXJlbnRTdHlsZSI6bnVsbH0sIlBhcmVudFN0eWxlIjpudWxsfSwiSG9yaXpvbnRhbENvbm5lY3RvclN0eWxlIjp7IiRpZCI6IjEyMzkiLCJMaW5lQ29sb3IiOnsiJHJlZiI6Ijk4In0sIkxpbmVXZWlnaHQiOjEuMCwiTGluZVR5cGUiOjAsIlBhcmVudFN0eWxlIjpudWxsfSwiVmVydGljYWxDb25uZWN0b3JTdHlsZSI6eyIkaWQiOiIxMjQwIiwiTGluZUNvbG9yIjp7IiRyZWYiOiIxMDEifSwiTGluZVdlaWdodCI6MC4wLCJMaW5lVHlwZSI6MCwiUGFyZW50U3R5bGUiOm51bGx9LCJNYXJnaW4iOm51bGwsIlN0YXJ0RGF0ZVBvc2l0aW9uIjo2LCJFbmREYXRlUG9zaXRpb24iOjYsIkRhdGVJc1Zpc2libGUiOmZhbHNlLCJUaXRsZVBvc2l0aW9uIjoyLCJEdXJhdGlvblBvc2l0aW9uIjo2LCJQZXJjZW50YWdlQ29tcGxldGVkUG9zaXRpb24iOjIsIlNwYWNpbmciOjMsIklzQmVsb3dUaW1lYmFuZCI6dHJ1ZSwiUGVyY2VudGFnZUNvbXBsZXRlU2hhcGVPcGFjaXR5IjozNSwiU2hhcGVTdHlsZSI6eyIkaWQiOiIxMjQxIiwiTWFyZ2luIjp7IiRpZCI6IjEyNDIiLCJUb3AiOjAsIkxlZnQiOjQsIlJpZ2h0Ijo0LCJCb3R0b20iOjB9LCJQYWRkaW5nIjp7IiRpZCI6IjEyNDMiLCJUb3AiOjAsIkxlZnQiOjAsIlJpZ2h0IjowLCJCb3R0b20iOjB9LCJCYWNrZ3JvdW5kIjp7IiRpZCI6IjEyNDQiLCJDb2xvciI6eyIkaWQiOiIxMjQ1IiwiQSI6MTc4LCJSIjoyMjgsIkciOjIxMiwiQiI6MzF9fSwiSXNWaXNpYmxlIjp0cnVlLCJXaWR0aCI6MC4wLCJIZWlnaHQiOjE2LjAsIkJvcmRlclN0eWxlIjp7IiRpZCI6IjEyNDYiLCJMaW5lQ29sb3IiOnsiJGlkIjoiMTI0NyIsIiR0eXBlIjoiTkxSRS5Db21tb24uRG9tLlNvbGlkQ29sb3JCcnVzaCwgTkxSRS5Db21tb24iLCJDb2xvciI6eyIkaWQiOiIxMjQ4IiwiQSI6MjU1LCJSIjoyNTUsIkciOjAsIkIiOjB9fSwiTGluZVdlaWdodCI6MC4wLCJMaW5lVHlwZSI6MCwiUGFyZW50U3R5bGUiOm51bGx9LCJQYXJlbnRTdHlsZSI6bnVsbH0sIlRpdGxlU3R5bGUiOnsiJGlkIjoiMTI0OSIsIkZvbnRTZXR0aW5ncyI6eyIkaWQiOiIxMjUwIiwiRm9udFNpemUiOjExLCJGb250TmFtZSI6IkNhbGlicmkiLCJJc0JvbGQiOmZhbHNlLCJJc0l0YWxpYyI6ZmFsc2UsIklzVW5kZXJsaW5lZCI6ZmFsc2UsIlBhcmVudFN0eWxlIjpudWxsfSwiQXV0b1NpemUiOjAsIkZvcmVncm91bmQiOnsiJGlkIjoiMTI1MSIsIkNvbG9yIjp7IiRpZCI6IjEyNTIiLCJBIjoyNTUsIlIiOjI1NSwiRyI6MjU1LCJCIjoyNTV9fSwiTWF4V2lkdGgiOjk2MC4wLCJNYXhIZWlnaHQiOiJJbmZpbml0eSIsIlNtYXJ0Rm9yZWdyb3VuZElzQWN0aXZlIjpmYWxzZSwiSG9yaXpvbnRhbEFsaWdubWVudCI6MSwiVmVydGljYWxBbGlnbm1lbnQiOjAsIlNtYXJ0Rm9yZWdyb3VuZCI6bnVsbCwiQmFja2dyb3VuZEZpbGxUeXBlIjowLCJNYXJnaW4iOnsiJGlkIjoiMTI1MyIsIlRvcCI6MCwiTGVmdCI6MCwiUmlnaHQiOjAsIkJvdHRvbSI6MH0sIlBhZGRpbmciOnsiJGlkIjoiMTI1NCIsIlRvcCI6MCwiTGVmdCI6MCwiUmlnaHQiOjAsIkJvdHRvbSI6MH0sIkJhY2tncm91bmQiOnsiJHJlZiI6IjExNyJ9LCJJc1Zpc2libGUiOnRydWUsIldpZHRoIjowLjAsIkhlaWdodCI6MC4wLCJCb3JkZXJTdHlsZSI6eyIkaWQiOiIxMjU1IiwiTGluZUNvbG9yIjpudWxsLCJMaW5lV2VpZ2h0IjowLjAsIkxpbmVUeXBlIjowLCJQYXJlbnRTdHlsZSI6bnVsbH0sIlBhcmVudFN0eWxlIjpudWxsfSwiRGF0ZVN0eWxlIjp7IiRpZCI6IjEyNTYiLCJGb250U2V0dGluZ3MiOnsiJGlkIjoiMTI1NyIsIkZvbnRTaXplIjoxMCwiRm9udE5hbWUiOiJDYWxpYnJpIiwiSXNCb2xkIjpmYWxzZSwiSXNJdGFsaWMiOmZhbHNlLCJJc1VuZGVybGluZWQiOmZhbHNlLCJQYXJlbnRTdHlsZSI6bnVsbH0sIkF1dG9TaXplIjowLCJGb3JlZ3JvdW5kIjp7IiRpZCI6IjEyNTgiLCJDb2xvciI6eyIkcmVmIjoiMTIxIn19LCJNYXhXaWR0aCI6MjAwLjAsIk1heEhlaWdodCI6IkluZmluaXR5IiwiU21hcnRGb3JlZ3JvdW5kSXNBY3RpdmUiOmZhbHNlLCJIb3Jpem9udGFsQWxpZ25tZW50IjowLCJWZXJ0aWNhbEFsaWdubWVudCI6MCwiU21hcnRGb3JlZ3JvdW5kIjpudWxsLCJCYWNrZ3JvdW5kRmlsbFR5cGUiOjAsIk1hcmdpbiI6eyIkaWQiOiIxMjU5IiwiVG9wIjowLCJMZWZ0IjowLCJSaWdodCI6MCwiQm90dG9tIjowfSwiUGFkZGluZyI6eyIkaWQiOiIxMjYwIiwiVG9wIjowLCJMZWZ0IjowLCJSaWdodCI6MCwiQm90dG9tIjowfSwiQmFja2dyb3VuZCI6eyIkcmVmIjoiMTI0In0sIklzVmlzaWJsZSI6dHJ1ZSwiV2lkdGgiOjAuMCwiSGVpZ2h0IjowLjAsIkJvcmRlclN0eWxlIjp7IiRpZCI6IjEyNjEiLCJMaW5lQ29sb3IiOm51bGwsIkxpbmVXZWlnaHQiOjAuMCwiTGluZVR5cGUiOjAsIlBhcmVudFN0eWxlIjpudWxsfSwiUGFyZW50U3R5bGUiOm51bGx9LCJEYXRlRm9ybWF0Ijp7IiRpZCI6IjEyNjIiLCJGb3JtYXRTdHJpbmciOiJNTU0gZCIsIlNlcGFyYXRvciI6Ii8iLCJVc2VJbnRlcm5hdGlvbmFsRGF0ZUZvcm1hdCI6ZmFsc2UsIkRhdGVJc1Zpc2libGUiOmZhbHNlLCJUaW1lSXNWaXNpYmxlIjpmYWxzZSwiSG91ckRpZ2l0cyI6MSwiQW1QbURlc2lnbmF0b3IiOjIsIlRyaW0wME1pbnV0ZXMiOmZhbHNlLCJMYXN0S25vd25WaXNpYmlsaXR5U3RhdGUiOnsiJGlkIjoiMTI2MyIsIkRhdGVQYXJ0SXNWaXNpYmxlIjp0cnVlLCJUaW1lUGFydElzVmlzaWJsZSI6ZmFsc2V9fSwiSXNWaXNpYmxlIjp0cnVlLCJQYXJlbnRTdHlsZSI6bnVsbH0sIkluZGV4IjozMSwiU21hcnREdXJhdGlvbkFjdGl2YXRlZCI6ZmFsc2UsIkRhdGVGb3JtYXQiOnsiJHJlZiI6IjEyNjIifSwiSWQiOiI1ZDlkODkwZC00OGZjLTQ0MTgtODIyMC0xMjA4NGM0NTliZTEiLCJJbXBvcnRJZCI6bnVsbCwiVGl0bGUiOiJPbmJvYXJkaW5nICIsIk5vdGUiOm51bGwsIkh5cGVybGluayI6eyIkaWQiOiIxMjY0IiwiQWRkcmVzcyI6IiIsIlN1YkFkZHJlc3MiOiIifSwiSXNDaGFuZ2VkIjpmYWxzZSwiSXNOZXciOmZhbHNlfSwiSW5kZXgiOjB9LHsiJGlkIjoiMTI2NSIsIl9hdHRhY2hlZE1pbGVzdG9uZXMiOltdLCJUYXNrRGVmaW5pdGlvbiI6eyIkaWQiOiIxMjY2IiwiR3JvdXBOYW1lIjpudWxsLCJTdGFydERhdGUiOiIyMDE5LTA4LTA5VDAwOjAwOjAwIiwiRW5kRGF0ZSI6IjIwMTktMTEtMjJUMTE6NTk6MDAiLCJQZXJjZW50YWdlQ29tcGxldGUiOjY1LjAsIlN0eWxlIjp7IiRpZCI6IjEyNjciLCJTaGFwZSI6NCwiU2hhcGVUaGlja25lc3MiOjEsIkR1cmF0aW9uRm9ybWF0IjowLCJJbmNsdWRlTm9uV29ya2luZ0RheXNJbkR1cmF0aW9uIjpmYWxzZSwiUGVyY2VudGFnZUNvbXBsZXRlU3R5bGUiOnsiJGlkIjoiMTI2OCIsIkZvbnRTZXR0aW5ncyI6eyIkaWQiOiIxMjY5IiwiRm9udFNpemUiOjEwLCJGb250TmFtZSI6IkNhbGlicmkiLCJJc0JvbGQiOmZhbHNlLCJJc0l0YWxpYyI6ZmFsc2UsIklzVW5kZXJsaW5lZCI6ZmFsc2UsIlBhcmVudFN0eWxlIjpudWxsfSwiQXV0b1NpemUiOjAsIkZvcmVncm91bmQiOnsiJGlkIjoiMTI3MCIsIkNvbG9yIjp7IiRpZCI6IjEyNzEiLCJBIjoyNTUsIlIiOjE5MiwiRyI6ODAsIkIiOjc3fX0sIk1heFdpZHRoIjoyMDAuMCwiTWF4SGVpZ2h0IjoiSW5maW5pdHkiLCJTbWFydEZvcmVncm91bmRJc0FjdGl2ZSI6ZmFsc2UsIkhvcml6b250YWxBbGlnbm1lbnQiOjEsIlZlcnRpY2FsQWxpZ25tZW50IjowLCJTbWFydEZvcmVncm91bmQiOm51bGwsIkJhY2tncm91bmRGaWxsVHlwZSI6MCwiTWFyZ2luIjp7IiRpZCI6IjEyNzIiLCJUb3AiOjAsIkxlZnQiOjAsIlJpZ2h0IjowLCJCb3R0b20iOjB9LCJQYWRkaW5nIjp7IiRpZCI6IjEyNzMiLCJUb3AiOjAsIkxlZnQiOjAsIlJpZ2h0IjowLCJCb3R0b20iOjB9LCJCYWNrZ3JvdW5kIjp7IiRyZWYiOiI4OSJ9LCJJc1Zpc2libGUiOnRydWUsIldpZHRoIjowLjAsIkhlaWdodCI6MC4wLCJCb3JkZXJTdHlsZSI6eyIkaWQiOiIxMjc0IiwiTGluZUNvbG9yIjpudWxsLCJMaW5lV2VpZ2h0IjowLjAsIkxpbmVUeXBlIjowLCJQYXJlbnRTdHlsZSI6bnVsbH0sIlBhcmVudFN0eWxlIjpudWxsfSwiRHVyYXRpb25TdHlsZSI6eyIkaWQiOiIxMjc1IiwiRm9udFNldHRpbmdzIjp7IiRpZCI6IjEyNzYiLCJGb250U2l6ZSI6MTAsIkZvbnROYW1lIjoiQ2FsaWJyaSIsIklzQm9sZCI6ZmFsc2UsIklzSXRhbGljIjpmYWxzZSwiSXNVbmRlcmxpbmVkIjpmYWxzZSwiUGFyZW50U3R5bGUiOm51bGx9LCJBdXRvU2l6ZSI6MCwiRm9yZWdyb3VuZCI6eyIkaWQiOiIxMjc3IiwiQ29sb3IiOnsiJHJlZiI6IjkzIn19LCJNYXhXaWR0aCI6MjAwLjAsIk1heEhlaWdodCI6IkluZmluaXR5IiwiU21hcnRGb3JlZ3JvdW5kSXNBY3RpdmUiOmZhbHNlLCJIb3Jpem9udGFsQWxpZ25tZW50IjowLCJWZXJ0aWNhbEFsaWdubWVudCI6MCwiU21hcnRGb3JlZ3JvdW5kIjpudWxsLCJCYWNrZ3JvdW5kRmlsbFR5cGUiOjAsIk1hcmdpbiI6eyIkaWQiOiIxMjc4IiwiVG9wIjowLCJMZWZ0IjowLCJSaWdodCI6MCwiQm90dG9tIjowfSwiUGFkZGluZyI6eyIkaWQiOiIxMjc5IiwiVG9wIjowLCJMZWZ0IjowLCJSaWdodCI6MCwiQm90dG9tIjowfSwiQmFja2dyb3VuZCI6eyIkcmVmIjoiOTYifSwiSXNWaXNpYmxlIjp0cnVlLCJXaWR0aCI6MC4wLCJIZWlnaHQiOjAuMCwiQm9yZGVyU3R5bGUiOnsiJGlkIjoiMTI4MCIsIkxpbmVDb2xvciI6bnVsbCwiTGluZVdlaWdodCI6MC4wLCJMaW5lVHlwZSI6MCwiUGFyZW50U3R5bGUiOm51bGx9LCJQYXJlbnRTdHlsZSI6bnVsbH0sIkhvcml6b250YWxDb25uZWN0b3JTdHlsZSI6eyIkaWQiOiIxMjgxIiwiTGluZUNvbG9yIjp7IiRyZWYiOiI5OCJ9LCJMaW5lV2VpZ2h0IjoxLjAsIkxpbmVUeXBlIjowLCJQYXJlbnRTdHlsZSI6bnVsbH0sIlZlcnRpY2FsQ29ubmVjdG9yU3R5bGUiOnsiJGlkIjoiMTI4MiIsIkxpbmVDb2xvciI6eyIkcmVmIjoiMTAxIn0sIkxpbmVXZWlnaHQiOjAuMCwiTGluZVR5cGUiOjAsIlBhcmVudFN0eWxlIjpudWxsfSwiTWFyZ2luIjpudWxsLCJTdGFydERhdGVQb3NpdGlvbiI6NiwiRW5kRGF0ZVBvc2l0aW9uIjo2LCJEYXRlSXNWaXNpYmxlIjpmYWxzZSwiVGl0bGVQb3NpdGlvbiI6MiwiRHVyYXRpb25Qb3NpdGlvbiI6NiwiUGVyY2VudGFnZUNvbXBsZXRlZFBvc2l0aW9uIjoyLCJTcGFjaW5nIjozLCJJc0JlbG93VGltZWJhbmQiOnRydWUsIlBlcmNlbnRhZ2VDb21wbGV0ZVNoYXBlT3BhY2l0eSI6MzUsIlNoYXBlU3R5bGUiOnsiJGlkIjoiMTI4MyIsIk1hcmdpbiI6eyIkaWQiOiIxMjg0IiwiVG9wIjowLCJMZWZ0Ijo0LCJSaWdodCI6NCwiQm90dG9tIjowfSwiUGFkZGluZyI6eyIkaWQiOiIxMjg1IiwiVG9wIjowLCJMZWZ0IjowLCJSaWdodCI6MCwiQm90dG9tIjowfSwiQmFja2dyb3VuZCI6eyIkaWQiOiIxMjg2IiwiQ29sb3IiOnsiJGlkIjoiMTI4NyIsIkEiOjI1NSwiUiI6MjI4LCJHIjoyMTIsIkIiOjMxfX0sIklzVmlzaWJsZSI6dHJ1ZSwiV2lkdGgiOjAuMCwiSGVpZ2h0IjoxNi4wLCJCb3JkZXJTdHlsZSI6eyIkaWQiOiIxMjg4IiwiTGluZUNvbG9yIjp7IiRpZCI6IjEyODkiLCIkdHlwZSI6Ik5MUkUuQ29tbW9uLkRvbS5Tb2xpZENvbG9yQnJ1c2gsIE5MUkUuQ29tbW9uIiwiQ29sb3IiOnsiJGlkIjoiMTI5MCIsIkEiOjI1NSwiUiI6MjU1LCJHIjowLCJCIjowfX0sIkxpbmVXZWlnaHQiOjAuMCwiTGluZVR5cGUiOjAsIlBhcmVudFN0eWxlIjpudWxsfSwiUGFyZW50U3R5bGUiOm51bGx9LCJUaXRsZVN0eWxlIjp7IiRpZCI6IjEyOTEiLCJGb250U2V0dGluZ3MiOnsiJGlkIjoiMTI5MiIsIkZvbnRTaXplIjoxMSwiRm9udE5hbWUiOiJDYWxpYnJpIiwiSXNCb2xkIjpmYWxzZSwiSXNJdGFsaWMiOmZhbHNlLCJJc1VuZGVybGluZWQiOmZhbHNlLCJQYXJlbnRTdHlsZSI6bnVsbH0sIkF1dG9TaXplIjowLCJGb3JlZ3JvdW5kIjp7IiRpZCI6IjEyOTMiLCJDb2xvciI6eyIkaWQiOiIxMjk0IiwiQSI6MjU1LCJSIjoyNTUsIkciOjI1NSwiQiI6MjU1fX0sIk1heFdpZHRoIjo5NjAuMCwiTWF4SGVpZ2h0IjoiSW5maW5pdHkiLCJTbWFydEZvcmVncm91bmRJc0FjdGl2ZSI6ZmFsc2UsIkhvcml6b250YWxBbGlnbm1lbnQiOjEsIlZlcnRpY2FsQWxpZ25tZW50IjowLCJTbWFydEZvcmVncm91bmQiOm51bGwsIkJhY2tncm91bmRGaWxsVHlwZSI6MCwiTWFyZ2luIjp7IiRpZCI6IjEyOTUiLCJUb3AiOjAsIkxlZnQiOjAsIlJpZ2h0IjowLCJCb3R0b20iOjB9LCJQYWRkaW5nIjp7IiRpZCI6IjEyOTYiLCJUb3AiOjAsIkxlZnQiOjAsIlJpZ2h0IjowLCJCb3R0b20iOjB9LCJCYWNrZ3JvdW5kIjp7IiRyZWYiOiIxMTcifSwiSXNWaXNpYmxlIjp0cnVlLCJXaWR0aCI6MC4wLCJIZWlnaHQiOjAuMCwiQm9yZGVyU3R5bGUiOnsiJGlkIjoiMTI5NyIsIkxpbmVDb2xvciI6bnVsbCwiTGluZVdlaWdodCI6MC4wLCJMaW5lVHlwZSI6MCwiUGFyZW50U3R5bGUiOm51bGx9LCJQYXJlbnRTdHlsZSI6bnVsbH0sIkRhdGVTdHlsZSI6eyIkaWQiOiIxMjk4IiwiRm9udFNldHRpbmdzIjp7IiRpZCI6IjEyOTkiLCJGb250U2l6ZSI6MTAsIkZvbnROYW1lIjoiQ2FsaWJyaSIsIklzQm9sZCI6ZmFsc2UsIklzSXRhbGljIjpmYWxzZSwiSXNVbmRlcmxpbmVkIjpmYWxzZSwiUGFyZW50U3R5bGUiOm51bGx9LCJBdXRvU2l6ZSI6MCwiRm9yZWdyb3VuZCI6eyIkaWQiOiIxMzAwIiwiQ29sb3IiOnsiJHJlZiI6IjEyMSJ9fSwiTWF4V2lkdGgiOjIwMC4wLCJNYXhIZWlnaHQiOiJJbmZpbml0eSIsIlNtYXJ0Rm9yZWdyb3VuZElzQWN0aXZlIjpmYWxzZSwiSG9yaXpvbnRhbEFsaWdubWVudCI6MCwiVmVydGljYWxBbGlnbm1lbnQiOjAsIlNtYXJ0Rm9yZWdyb3VuZCI6bnVsbCwiQmFja2dyb3VuZEZpbGxUeXBlIjowLCJNYXJnaW4iOnsiJGlkIjoiMTMwMSIsIlRvcCI6MCwiTGVmdCI6MCwiUmlnaHQiOjAsIkJvdHRvbSI6MH0sIlBhZGRpbmciOnsiJGlkIjoiMTMwMiIsIlRvcCI6MCwiTGVmdCI6MCwiUmlnaHQiOjAsIkJvdHRvbSI6MH0sIkJhY2tncm91bmQiOnsiJHJlZiI6IjEyNCJ9LCJJc1Zpc2libGUiOnRydWUsIldpZHRoIjowLjAsIkhlaWdodCI6MC4wLCJCb3JkZXJTdHlsZSI6eyIkaWQiOiIxMzAzIiwiTGluZUNvbG9yIjpudWxsLCJMaW5lV2VpZ2h0IjowLjAsIkxpbmVUeXBlIjowLCJQYXJlbnRTdHlsZSI6bnVsbH0sIlBhcmVudFN0eWxlIjpudWxsfSwiRGF0ZUZvcm1hdCI6eyIkaWQiOiIxMzA0IiwiRm9ybWF0U3RyaW5nIjoiTU1NIGQiLCJTZXBhcmF0b3IiOiIvIiwiVXNlSW50ZXJuYXRpb25hbERhdGVGb3JtYXQiOmZhbHNlLCJEYXRlSXNWaXNpYmxlIjpmYWxzZSwiVGltZUlzVmlzaWJsZSI6ZmFsc2UsIkhvdXJEaWdpdHMiOjEsIkFtUG1EZXNpZ25hdG9yIjoyLCJUcmltMDBNaW51dGVzIjpmYWxzZSwiTGFzdEtub3duVmlzaWJpbGl0eVN0YXRlIjp7IiRpZCI6IjEzMDUiLCJEYXRlUGFydElzVmlzaWJsZSI6dHJ1ZSwiVGltZVBhcnRJc1Zpc2libGUiOmZhbHNlfX0sIklzVmlzaWJsZSI6dHJ1ZSwiUGFyZW50U3R5bGUiOm51bGx9LCJJbmRleCI6MzIsIlNtYXJ0RHVyYXRpb25BY3RpdmF0ZWQiOmZhbHNlLCJEYXRlRm9ybWF0Ijp7IiRyZWYiOiIxMzA0In0sIklkIjoiN2I4NGI3MTgtZTExZi00ZjI2LTg4NjEtZDM3ODJhZDZlYzNkIiwiSW1wb3J0SWQiOm51bGwsIlRpdGxlIjoiQWxlcnRpbmcgIiwiTm90ZSI6bnVsbCwiSHlwZXJsaW5rIjp7IiRpZCI6IjEzMDYiLCJBZGRyZXNzIjoiIiwiU3ViQWRkcmVzcyI6IiJ9LCJJc0NoYW5nZWQiOmZhbHNlLCJJc05ldyI6ZmFsc2V9LCJJbmRleCI6MH1dLCJNaWxlc3RvbmVzIjpbXX1dLCJNc1Byb2plY3RJdGVtc1RyZWUiOnsiJGlkIjoiMTMwNyIsIlJvb3QiOnsiSW1wb3J0SWQiOm51bGwsIklzSW1wb3J0ZWQiOmZhbHNlLCJDaGlsZHJlbiI6W119fSwiTWV0YWRhdGEiOnsiJGlkIjoiMTMwOCIsIlJlY2VudENvbG9yc0NvbGxlY3Rpb24iOiJbXCIjRkY3MzczNzNcIixcIiNGRkEzNjNDM1wiLFwiI0ZGRTM3NDE2XCIsXCIjRkY1NkNGREJcIixcIiNCMkU0RDQxRlwiLFwiI0ZGRTRENDFGXCJdIn0sIlNldHRpbmdzIjp7IiRpZCI6IjEzMDkiLCJJbXBhT3B0aW9ucyI6eyIkaWQiOiIxMzEwIiwiTGVmdFRvUmlnaHQiOmZhbHNlLCJQYXlsb2FkT3B0aW9ucyI6Mn0sIlVzZUNvbXByZXNzaW9uIjpmYWxzZSwiQ29tcHJlc2lvblBlcmNlbnRhZ2UiOjUwLjAsIkluYWN0aXZlSW50ZXJ2YWxXaWR0aFRocmVzaG9sZCI6MzAuMCwiSW5hY3RpdmVJbnRlcnZhbFdpZHRoIjoxLjAsIlNwbGl0VGFza3MiOmZhbHNlLCJVc2VDbHVzdGVyIjpmYWxzZSwiRXBzaWxvbiI6NS4wLCJNaW5Qb2ludHNUb0Zvcm1BQ2x1c3RlciI6MiwiR2VuZXJhdGVJbnZpc2libGVTaGFwZXMiOmZhbHNlLCJTbWFydFRpbWVsaW5lVGFza1BlcmNlbnRhZ2VGaXQiOmZhbHNlfSwiSXNOZXciOmZhbHNlLCJJbXBvcnRUeXBlIjowLCJGaWxlUGF0aCI6bnVsbCwiVGltZUNvbmZpZ3VyYXRpb24iOnsiJGlkIjoiMTMxMSIsIlVzZVRpbWUiOmZhbHNlLCJXb3JrRGF5U3RhcnQiOiIwMDowMDowMCIsIldvcmtEYXlFbmQiOiIyMzo1OTowMCJ9LCJMYXN0VXNlZFRlbXBsYXRlSWQiOiJlNjliNmM0Zi00NWZlLTRlMmEtOWE0OC01MTA2ZGE3M2UwYTQifQ=="/>
+  <p:tag name="__MASTER" val="__part_0"/>
+</p:tagLst>
+</file>
+
+<file path=ppt/tags/tag62.xml><?xml version="1.0" encoding="utf-8"?>
+<p:tagLst xmlns:a="http://schemas.openxmlformats.org/drawingml/2006/main" xmlns:r="http://schemas.openxmlformats.org/officeDocument/2006/relationships" xmlns:p="http://schemas.openxmlformats.org/presentationml/2006/main">
+  <p:tag name="OTLMARKERSHAPE" val="OTL"/>
+</p:tagLst>
+</file>
+
+<file path=ppt/tags/tag63.xml><?xml version="1.0" encoding="utf-8"?>
+<p:tagLst xmlns:a="http://schemas.openxmlformats.org/drawingml/2006/main" xmlns:r="http://schemas.openxmlformats.org/officeDocument/2006/relationships" xmlns:p="http://schemas.openxmlformats.org/presentationml/2006/main">
+  <p:tag name="OTLMARKERSHAPE" val="OTL"/>
+</p:tagLst>
+</file>
+
+<file path=ppt/tags/tag64.xml><?xml version="1.0" encoding="utf-8"?>
+<p:tagLst xmlns:a="http://schemas.openxmlformats.org/drawingml/2006/main" xmlns:r="http://schemas.openxmlformats.org/officeDocument/2006/relationships" xmlns:p="http://schemas.openxmlformats.org/presentationml/2006/main">
+  <p:tag name="OTLMARKERSHAPE" val="OTL"/>
+</p:tagLst>
+</file>
+
+<file path=ppt/tags/tag65.xml><?xml version="1.0" encoding="utf-8"?>
+<p:tagLst xmlns:a="http://schemas.openxmlformats.org/drawingml/2006/main" xmlns:r="http://schemas.openxmlformats.org/officeDocument/2006/relationships" xmlns:p="http://schemas.openxmlformats.org/presentationml/2006/main">
+  <p:tag name="OTLMARKERSHAPE" val="OTL"/>
+</p:tagLst>
+</file>
+
+<file path=ppt/tags/tag66.xml><?xml version="1.0" encoding="utf-8"?>
+<p:tagLst xmlns:a="http://schemas.openxmlformats.org/drawingml/2006/main" xmlns:r="http://schemas.openxmlformats.org/officeDocument/2006/relationships" xmlns:p="http://schemas.openxmlformats.org/presentationml/2006/main">
+  <p:tag name="OTLMARKERSHAPE" val="OTL"/>
+</p:tagLst>
+</file>
+
+<file path=ppt/tags/tag67.xml><?xml version="1.0" encoding="utf-8"?>
+<p:tagLst xmlns:a="http://schemas.openxmlformats.org/drawingml/2006/main" xmlns:r="http://schemas.openxmlformats.org/officeDocument/2006/relationships" xmlns:p="http://schemas.openxmlformats.org/presentationml/2006/main">
+  <p:tag name="OTLMARKERSHAPE" val="OTL"/>
+</p:tagLst>
+</file>
+
+<file path=ppt/tags/tag68.xml><?xml version="1.0" encoding="utf-8"?>
+<p:tagLst xmlns:a="http://schemas.openxmlformats.org/drawingml/2006/main" xmlns:r="http://schemas.openxmlformats.org/officeDocument/2006/relationships" xmlns:p="http://schemas.openxmlformats.org/presentationml/2006/main">
+  <p:tag name="OTLMARKERSHAPE" val="OTL"/>
+</p:tagLst>
+</file>
+
+<file path=ppt/tags/tag69.xml><?xml version="1.0" encoding="utf-8"?>
+<p:tagLst xmlns:a="http://schemas.openxmlformats.org/drawingml/2006/main" xmlns:r="http://schemas.openxmlformats.org/officeDocument/2006/relationships" xmlns:p="http://schemas.openxmlformats.org/presentationml/2006/main">
+  <p:tag name="OTLMARKERSHAPE" val="OTL"/>
+</p:tagLst>
+</file>
+
 <file path=ppt/tags/tag7.xml><?xml version="1.0" encoding="utf-8"?>
 <p:tagLst xmlns:a="http://schemas.openxmlformats.org/drawingml/2006/main" xmlns:r="http://schemas.openxmlformats.org/officeDocument/2006/relationships" xmlns:p="http://schemas.openxmlformats.org/presentationml/2006/main">
   <p:tag name="OTLMARKERSHAPE" val="OTL"/>
 </p:tagLst>
 </file>
 
+<file path=ppt/tags/tag70.xml><?xml version="1.0" encoding="utf-8"?>
+<p:tagLst xmlns:a="http://schemas.openxmlformats.org/drawingml/2006/main" xmlns:r="http://schemas.openxmlformats.org/officeDocument/2006/relationships" xmlns:p="http://schemas.openxmlformats.org/presentationml/2006/main">
+  <p:tag name="OTLMARKERSHAPE" val="OTL"/>
+</p:tagLst>
+</file>
+
+<file path=ppt/tags/tag71.xml><?xml version="1.0" encoding="utf-8"?>
+<p:tagLst xmlns:a="http://schemas.openxmlformats.org/drawingml/2006/main" xmlns:r="http://schemas.openxmlformats.org/officeDocument/2006/relationships" xmlns:p="http://schemas.openxmlformats.org/presentationml/2006/main">
+  <p:tag name="OTLMARKERSHAPE" val="OTL"/>
+</p:tagLst>
+</file>
+
+<file path=ppt/tags/tag72.xml><?xml version="1.0" encoding="utf-8"?>
+<p:tagLst xmlns:a="http://schemas.openxmlformats.org/drawingml/2006/main" xmlns:r="http://schemas.openxmlformats.org/officeDocument/2006/relationships" xmlns:p="http://schemas.openxmlformats.org/presentationml/2006/main">
+  <p:tag name="OTLMARKERSHAPE" val="OTL"/>
+</p:tagLst>
+</file>
+
+<file path=ppt/tags/tag73.xml><?xml version="1.0" encoding="utf-8"?>
+<p:tagLst xmlns:a="http://schemas.openxmlformats.org/drawingml/2006/main" xmlns:r="http://schemas.openxmlformats.org/officeDocument/2006/relationships" xmlns:p="http://schemas.openxmlformats.org/presentationml/2006/main">
+  <p:tag name="OTLMARKERSHAPE" val="OTL"/>
+</p:tagLst>
+</file>
+
+<file path=ppt/tags/tag74.xml><?xml version="1.0" encoding="utf-8"?>
+<p:tagLst xmlns:a="http://schemas.openxmlformats.org/drawingml/2006/main" xmlns:r="http://schemas.openxmlformats.org/officeDocument/2006/relationships" xmlns:p="http://schemas.openxmlformats.org/presentationml/2006/main">
+  <p:tag name="OTLMARKERSHAPE" val="OTL"/>
+</p:tagLst>
+</file>
+
+<file path=ppt/tags/tag75.xml><?xml version="1.0" encoding="utf-8"?>
+<p:tagLst xmlns:a="http://schemas.openxmlformats.org/drawingml/2006/main" xmlns:r="http://schemas.openxmlformats.org/officeDocument/2006/relationships" xmlns:p="http://schemas.openxmlformats.org/presentationml/2006/main">
+  <p:tag name="OTLMARKERSHAPE" val="OTL"/>
+</p:tagLst>
+</file>
+
+<file path=ppt/tags/tag76.xml><?xml version="1.0" encoding="utf-8"?>
+<p:tagLst xmlns:a="http://schemas.openxmlformats.org/drawingml/2006/main" xmlns:r="http://schemas.openxmlformats.org/officeDocument/2006/relationships" xmlns:p="http://schemas.openxmlformats.org/presentationml/2006/main">
+  <p:tag name="OTLMARKERSHAPE" val="OTL"/>
+</p:tagLst>
+</file>
+
+<file path=ppt/tags/tag77.xml><?xml version="1.0" encoding="utf-8"?>
+<p:tagLst xmlns:a="http://schemas.openxmlformats.org/drawingml/2006/main" xmlns:r="http://schemas.openxmlformats.org/officeDocument/2006/relationships" xmlns:p="http://schemas.openxmlformats.org/presentationml/2006/main">
+  <p:tag name="OTLMARKERSHAPE" val="OTL"/>
+</p:tagLst>
+</file>
+
+<file path=ppt/tags/tag78.xml><?xml version="1.0" encoding="utf-8"?>
+<p:tagLst xmlns:a="http://schemas.openxmlformats.org/drawingml/2006/main" xmlns:r="http://schemas.openxmlformats.org/officeDocument/2006/relationships" xmlns:p="http://schemas.openxmlformats.org/presentationml/2006/main">
+  <p:tag name="OTLMARKERSHAPE" val="OTL"/>
+</p:tagLst>
+</file>
+
+<file path=ppt/tags/tag79.xml><?xml version="1.0" encoding="utf-8"?>
+<p:tagLst xmlns:a="http://schemas.openxmlformats.org/drawingml/2006/main" xmlns:r="http://schemas.openxmlformats.org/officeDocument/2006/relationships" xmlns:p="http://schemas.openxmlformats.org/presentationml/2006/main">
+  <p:tag name="OTLMARKERSHAPE" val="OTL"/>
+</p:tagLst>
+</file>
+
 <file path=ppt/tags/tag8.xml><?xml version="1.0" encoding="utf-8"?>
 <p:tagLst xmlns:a="http://schemas.openxmlformats.org/drawingml/2006/main" xmlns:r="http://schemas.openxmlformats.org/officeDocument/2006/relationships" xmlns:p="http://schemas.openxmlformats.org/presentationml/2006/main">
   <p:tag name="OTLMARKERSHAPE" val="OTL"/>
 </p:tagLst>
 </file>
 
+<file path=ppt/tags/tag80.xml><?xml version="1.0" encoding="utf-8"?>
+<p:tagLst xmlns:a="http://schemas.openxmlformats.org/drawingml/2006/main" xmlns:r="http://schemas.openxmlformats.org/officeDocument/2006/relationships" xmlns:p="http://schemas.openxmlformats.org/presentationml/2006/main">
+  <p:tag name="OTLMARKERSHAPE" val="OTL"/>
+</p:tagLst>
+</file>
+
+<file path=ppt/tags/tag81.xml><?xml version="1.0" encoding="utf-8"?>
+<p:tagLst xmlns:a="http://schemas.openxmlformats.org/drawingml/2006/main" xmlns:r="http://schemas.openxmlformats.org/officeDocument/2006/relationships" xmlns:p="http://schemas.openxmlformats.org/presentationml/2006/main">
+  <p:tag name="OTLMARKERSHAPE" val="OTL"/>
+</p:tagLst>
+</file>
+
+<file path=ppt/tags/tag82.xml><?xml version="1.0" encoding="utf-8"?>
+<p:tagLst xmlns:a="http://schemas.openxmlformats.org/drawingml/2006/main" xmlns:r="http://schemas.openxmlformats.org/officeDocument/2006/relationships" xmlns:p="http://schemas.openxmlformats.org/presentationml/2006/main">
+  <p:tag name="OTLMARKERSHAPE" val="OTL"/>
+</p:tagLst>
+</file>
+
+<file path=ppt/tags/tag83.xml><?xml version="1.0" encoding="utf-8"?>
+<p:tagLst xmlns:a="http://schemas.openxmlformats.org/drawingml/2006/main" xmlns:r="http://schemas.openxmlformats.org/officeDocument/2006/relationships" xmlns:p="http://schemas.openxmlformats.org/presentationml/2006/main">
+  <p:tag name="OTLMARKERSHAPE" val="OTL"/>
+</p:tagLst>
+</file>
+
+<file path=ppt/tags/tag84.xml><?xml version="1.0" encoding="utf-8"?>
+<p:tagLst xmlns:a="http://schemas.openxmlformats.org/drawingml/2006/main" xmlns:r="http://schemas.openxmlformats.org/officeDocument/2006/relationships" xmlns:p="http://schemas.openxmlformats.org/presentationml/2006/main">
+  <p:tag name="OTLMARKERSHAPE" val="OTL"/>
+</p:tagLst>
+</file>
+
+<file path=ppt/tags/tag85.xml><?xml version="1.0" encoding="utf-8"?>
+<p:tagLst xmlns:a="http://schemas.openxmlformats.org/drawingml/2006/main" xmlns:r="http://schemas.openxmlformats.org/officeDocument/2006/relationships" xmlns:p="http://schemas.openxmlformats.org/presentationml/2006/main">
+  <p:tag name="OTLMARKERSHAPE" val="OTL"/>
+</p:tagLst>
+</file>
+
+<file path=ppt/tags/tag86.xml><?xml version="1.0" encoding="utf-8"?>
+<p:tagLst xmlns:a="http://schemas.openxmlformats.org/drawingml/2006/main" xmlns:r="http://schemas.openxmlformats.org/officeDocument/2006/relationships" xmlns:p="http://schemas.openxmlformats.org/presentationml/2006/main">
+  <p:tag name="OTLMARKERSHAPE" val="OTL"/>
+</p:tagLst>
+</file>
+
+<file path=ppt/tags/tag87.xml><?xml version="1.0" encoding="utf-8"?>
+<p:tagLst xmlns:a="http://schemas.openxmlformats.org/drawingml/2006/main" xmlns:r="http://schemas.openxmlformats.org/officeDocument/2006/relationships" xmlns:p="http://schemas.openxmlformats.org/presentationml/2006/main">
+  <p:tag name="OTLMARKERSHAPE" val="OTL"/>
+</p:tagLst>
+</file>
+
+<file path=ppt/tags/tag88.xml><?xml version="1.0" encoding="utf-8"?>
+<p:tagLst xmlns:a="http://schemas.openxmlformats.org/drawingml/2006/main" xmlns:r="http://schemas.openxmlformats.org/officeDocument/2006/relationships" xmlns:p="http://schemas.openxmlformats.org/presentationml/2006/main">
+  <p:tag name="OTLMARKERSHAPE" val="OTL"/>
+</p:tagLst>
+</file>
+
+<file path=ppt/tags/tag89.xml><?xml version="1.0" encoding="utf-8"?>
+<p:tagLst xmlns:a="http://schemas.openxmlformats.org/drawingml/2006/main" xmlns:r="http://schemas.openxmlformats.org/officeDocument/2006/relationships" xmlns:p="http://schemas.openxmlformats.org/presentationml/2006/main">
+  <p:tag name="OTLMARKERSHAPE" val="OTL"/>
+</p:tagLst>
+</file>
+
 <file path=ppt/tags/tag9.xml><?xml version="1.0" encoding="utf-8"?>
+<p:tagLst xmlns:a="http://schemas.openxmlformats.org/drawingml/2006/main" xmlns:r="http://schemas.openxmlformats.org/officeDocument/2006/relationships" xmlns:p="http://schemas.openxmlformats.org/presentationml/2006/main">
+  <p:tag name="OTLMARKERSHAPE" val="OTL"/>
+</p:tagLst>
+</file>
+
+<file path=ppt/tags/tag90.xml><?xml version="1.0" encoding="utf-8"?>
+<p:tagLst xmlns:a="http://schemas.openxmlformats.org/drawingml/2006/main" xmlns:r="http://schemas.openxmlformats.org/officeDocument/2006/relationships" xmlns:p="http://schemas.openxmlformats.org/presentationml/2006/main">
+  <p:tag name="OTLMARKERSHAPE" val="OTL"/>
+</p:tagLst>
+</file>
+
+<file path=ppt/tags/tag91.xml><?xml version="1.0" encoding="utf-8"?>
+<p:tagLst xmlns:a="http://schemas.openxmlformats.org/drawingml/2006/main" xmlns:r="http://schemas.openxmlformats.org/officeDocument/2006/relationships" xmlns:p="http://schemas.openxmlformats.org/presentationml/2006/main">
+  <p:tag name="OTLMARKERSHAPE" val="OTL"/>
+</p:tagLst>
+</file>
+
+<file path=ppt/tags/tag92.xml><?xml version="1.0" encoding="utf-8"?>
+<p:tagLst xmlns:a="http://schemas.openxmlformats.org/drawingml/2006/main" xmlns:r="http://schemas.openxmlformats.org/officeDocument/2006/relationships" xmlns:p="http://schemas.openxmlformats.org/presentationml/2006/main">
+  <p:tag name="OTLMARKERSHAPE" val="OTL"/>
+</p:tagLst>
+</file>
+
+<file path=ppt/tags/tag93.xml><?xml version="1.0" encoding="utf-8"?>
+<p:tagLst xmlns:a="http://schemas.openxmlformats.org/drawingml/2006/main" xmlns:r="http://schemas.openxmlformats.org/officeDocument/2006/relationships" xmlns:p="http://schemas.openxmlformats.org/presentationml/2006/main">
+  <p:tag name="OTLMARKERSHAPE" val="OTL"/>
+</p:tagLst>
+</file>
+
+<file path=ppt/tags/tag94.xml><?xml version="1.0" encoding="utf-8"?>
+<p:tagLst xmlns:a="http://schemas.openxmlformats.org/drawingml/2006/main" xmlns:r="http://schemas.openxmlformats.org/officeDocument/2006/relationships" xmlns:p="http://schemas.openxmlformats.org/presentationml/2006/main">
+  <p:tag name="OTLMARKERSHAPE" val="OTL"/>
+</p:tagLst>
+</file>
+
+<file path=ppt/tags/tag95.xml><?xml version="1.0" encoding="utf-8"?>
+<p:tagLst xmlns:a="http://schemas.openxmlformats.org/drawingml/2006/main" xmlns:r="http://schemas.openxmlformats.org/officeDocument/2006/relationships" xmlns:p="http://schemas.openxmlformats.org/presentationml/2006/main">
+  <p:tag name="OTLMARKERSHAPE" val="OTL"/>
+</p:tagLst>
+</file>
+
+<file path=ppt/tags/tag96.xml><?xml version="1.0" encoding="utf-8"?>
+<p:tagLst xmlns:a="http://schemas.openxmlformats.org/drawingml/2006/main" xmlns:r="http://schemas.openxmlformats.org/officeDocument/2006/relationships" xmlns:p="http://schemas.openxmlformats.org/presentationml/2006/main">
+  <p:tag name="OTLMARKERSHAPE" val="OTL"/>
+</p:tagLst>
+</file>
+
+<file path=ppt/tags/tag97.xml><?xml version="1.0" encoding="utf-8"?>
+<p:tagLst xmlns:a="http://schemas.openxmlformats.org/drawingml/2006/main" xmlns:r="http://schemas.openxmlformats.org/officeDocument/2006/relationships" xmlns:p="http://schemas.openxmlformats.org/presentationml/2006/main">
+  <p:tag name="OTLMARKERSHAPE" val="OTL"/>
+</p:tagLst>
+</file>
+
+<file path=ppt/tags/tag98.xml><?xml version="1.0" encoding="utf-8"?>
+<p:tagLst xmlns:a="http://schemas.openxmlformats.org/drawingml/2006/main" xmlns:r="http://schemas.openxmlformats.org/officeDocument/2006/relationships" xmlns:p="http://schemas.openxmlformats.org/presentationml/2006/main">
+  <p:tag name="OTLMARKERSHAPE" val="OTL"/>
+</p:tagLst>
+</file>
+
+<file path=ppt/tags/tag99.xml><?xml version="1.0" encoding="utf-8"?>
 <p:tagLst xmlns:a="http://schemas.openxmlformats.org/drawingml/2006/main" xmlns:r="http://schemas.openxmlformats.org/officeDocument/2006/relationships" xmlns:p="http://schemas.openxmlformats.org/presentationml/2006/main">
   <p:tag name="OTLMARKERSHAPE" val="OTL"/>
 </p:tagLst>

--- a/Documentation/Roadmap.pptx
+++ b/Documentation/Roadmap.pptx
@@ -232,7 +232,7 @@
             <a:fld id="{783318CE-7023-48EA-BE1A-FD2616466EBB}" type="datetimeFigureOut">
               <a:rPr lang="en-US" smtClean="0"/>
               <a:pPr/>
-              <a:t>10/18/2020</a:t>
+              <a:t>11/2/2020</a:t>
             </a:fld>
             <a:endParaRPr lang="en-US"/>
           </a:p>
@@ -630,7 +630,7 @@
             <a:fld id="{D06AC3B0-CB85-40CE-8E40-078D7E0039DD}" type="datetimeFigureOut">
               <a:rPr lang="en-US" smtClean="0"/>
               <a:pPr/>
-              <a:t>10/18/2020</a:t>
+              <a:t>11/2/2020</a:t>
             </a:fld>
             <a:endParaRPr lang="en-US"/>
           </a:p>
@@ -800,7 +800,7 @@
             <a:fld id="{D06AC3B0-CB85-40CE-8E40-078D7E0039DD}" type="datetimeFigureOut">
               <a:rPr lang="en-US" smtClean="0"/>
               <a:pPr/>
-              <a:t>10/18/2020</a:t>
+              <a:t>11/2/2020</a:t>
             </a:fld>
             <a:endParaRPr lang="en-US"/>
           </a:p>
@@ -980,7 +980,7 @@
             <a:fld id="{D06AC3B0-CB85-40CE-8E40-078D7E0039DD}" type="datetimeFigureOut">
               <a:rPr lang="en-US" smtClean="0"/>
               <a:pPr/>
-              <a:t>10/18/2020</a:t>
+              <a:t>11/2/2020</a:t>
             </a:fld>
             <a:endParaRPr lang="en-US"/>
           </a:p>
@@ -1150,7 +1150,7 @@
             <a:fld id="{D06AC3B0-CB85-40CE-8E40-078D7E0039DD}" type="datetimeFigureOut">
               <a:rPr lang="en-US" smtClean="0"/>
               <a:pPr/>
-              <a:t>10/18/2020</a:t>
+              <a:t>11/2/2020</a:t>
             </a:fld>
             <a:endParaRPr lang="en-US"/>
           </a:p>
@@ -1397,7 +1397,7 @@
             <a:fld id="{D06AC3B0-CB85-40CE-8E40-078D7E0039DD}" type="datetimeFigureOut">
               <a:rPr lang="en-US" smtClean="0"/>
               <a:pPr/>
-              <a:t>10/18/2020</a:t>
+              <a:t>11/2/2020</a:t>
             </a:fld>
             <a:endParaRPr lang="en-US"/>
           </a:p>
@@ -1628,7 +1628,7 @@
             <a:fld id="{D06AC3B0-CB85-40CE-8E40-078D7E0039DD}" type="datetimeFigureOut">
               <a:rPr lang="en-US" smtClean="0"/>
               <a:pPr/>
-              <a:t>10/18/2020</a:t>
+              <a:t>11/2/2020</a:t>
             </a:fld>
             <a:endParaRPr lang="en-US"/>
           </a:p>
@@ -1994,7 +1994,7 @@
             <a:fld id="{D06AC3B0-CB85-40CE-8E40-078D7E0039DD}" type="datetimeFigureOut">
               <a:rPr lang="en-US" smtClean="0"/>
               <a:pPr/>
-              <a:t>10/18/2020</a:t>
+              <a:t>11/2/2020</a:t>
             </a:fld>
             <a:endParaRPr lang="en-US"/>
           </a:p>
@@ -2113,7 +2113,7 @@
             <a:fld id="{D06AC3B0-CB85-40CE-8E40-078D7E0039DD}" type="datetimeFigureOut">
               <a:rPr lang="en-US" smtClean="0"/>
               <a:pPr/>
-              <a:t>10/18/2020</a:t>
+              <a:t>11/2/2020</a:t>
             </a:fld>
             <a:endParaRPr lang="en-US"/>
           </a:p>
@@ -2210,7 +2210,7 @@
             <a:fld id="{D06AC3B0-CB85-40CE-8E40-078D7E0039DD}" type="datetimeFigureOut">
               <a:rPr lang="en-US" smtClean="0"/>
               <a:pPr/>
-              <a:t>10/18/2020</a:t>
+              <a:t>11/2/2020</a:t>
             </a:fld>
             <a:endParaRPr lang="en-US"/>
           </a:p>
@@ -2487,7 +2487,7 @@
             <a:fld id="{D06AC3B0-CB85-40CE-8E40-078D7E0039DD}" type="datetimeFigureOut">
               <a:rPr lang="en-US" smtClean="0"/>
               <a:pPr/>
-              <a:t>10/18/2020</a:t>
+              <a:t>11/2/2020</a:t>
             </a:fld>
             <a:endParaRPr lang="en-US"/>
           </a:p>
@@ -2741,7 +2741,7 @@
             <a:fld id="{D06AC3B0-CB85-40CE-8E40-078D7E0039DD}" type="datetimeFigureOut">
               <a:rPr lang="en-US" smtClean="0"/>
               <a:pPr/>
-              <a:t>10/18/2020</a:t>
+              <a:t>11/2/2020</a:t>
             </a:fld>
             <a:endParaRPr lang="en-US"/>
           </a:p>
@@ -2954,7 +2954,7 @@
             <a:fld id="{D06AC3B0-CB85-40CE-8E40-078D7E0039DD}" type="datetimeFigureOut">
               <a:rPr lang="en-US" smtClean="0"/>
               <a:pPr/>
-              <a:t>10/18/2020</a:t>
+              <a:t>11/2/2020</a:t>
             </a:fld>
             <a:endParaRPr lang="en-US"/>
           </a:p>
@@ -7803,11 +7803,7 @@
             </a:pPr>
             <a:r>
               <a:rPr lang="fr-FR" dirty="0" smtClean="0"/>
-              <a:t>Dans </a:t>
-            </a:r>
-            <a:r>
-              <a:rPr lang="fr-FR" dirty="0" smtClean="0"/>
-              <a:t>la partie Recherche : choisir un champ pour rechercher un article.</a:t>
+              <a:t>Dans la partie Recherche : choisir un champ pour rechercher un article.</a:t>
             </a:r>
             <a:endParaRPr lang="fr-FR" b="1" dirty="0" smtClean="0"/>
           </a:p>
@@ -8195,15 +8191,7 @@
             </a:pPr>
             <a:r>
               <a:rPr lang="fr-FR" sz="1500" dirty="0" smtClean="0"/>
-              <a:t>Introduire le code de fournisseur que vous voulez modifier  puis appuyer sur recherche et les </a:t>
-            </a:r>
-            <a:r>
-              <a:rPr lang="fr-FR" sz="1500" dirty="0" smtClean="0"/>
-              <a:t>champs </a:t>
-            </a:r>
-            <a:r>
-              <a:rPr lang="fr-FR" sz="1500" dirty="0" smtClean="0"/>
-              <a:t>seront remplis.</a:t>
+              <a:t>Introduire le code de fournisseur que vous voulez modifier  puis appuyer sur recherche et les champs seront remplis.</a:t>
             </a:r>
             <a:endParaRPr lang="fr-FR" sz="1500" b="1" dirty="0" smtClean="0"/>
           </a:p>
@@ -10225,8 +10213,8 @@
         </p:nvSpPr>
         <p:spPr>
           <a:xfrm flipV="1">
-            <a:off x="6081478" y="892992"/>
-            <a:ext cx="114300" cy="127000"/>
+            <a:off x="7067006" y="953588"/>
+            <a:ext cx="104502" cy="104503"/>
           </a:xfrm>
           <a:prstGeom prst="triangle">
             <a:avLst/>
@@ -10297,8 +10285,8 @@
         </p:nvSpPr>
         <p:spPr>
           <a:xfrm>
-            <a:off x="5904410" y="720771"/>
-            <a:ext cx="418012" cy="184666"/>
+            <a:off x="6831873" y="674693"/>
+            <a:ext cx="627018" cy="184666"/>
           </a:xfrm>
           <a:prstGeom prst="rect">
             <a:avLst/>
@@ -11006,7 +10994,7 @@
         </p:nvSpPr>
         <p:spPr>
           <a:xfrm>
-            <a:off x="2504939" y="92989"/>
+            <a:off x="2374310" y="0"/>
             <a:ext cx="7182123" cy="707886"/>
           </a:xfrm>
           <a:prstGeom prst="rect">
@@ -11468,7 +11456,7 @@
       </p:sp>
       <p:sp>
         <p:nvSpPr>
-          <p:cNvPr id="129" name="OTLSHAPE_SLT_5fdc1ae17390491587eeb3e0a5701e86_Shape">
+          <p:cNvPr id="131" name="OTLSHAPE_SLT_5fdc1ae17390491587eeb3e0a5701e86_Shape">
             <a:extLst>
               <a:ext uri="{FF2B5EF4-FFF2-40B4-BE49-F238E27FC236}">
                 <a16:creationId xmlns="" xmlns:a16="http://schemas.microsoft.com/office/drawing/2014/main" id="{E551897C-3474-4EEF-966B-9EE54F027C72}"/>
@@ -11484,8 +11472,8 @@
         </p:nvSpPr>
         <p:spPr>
           <a:xfrm>
-            <a:off x="7171510" y="4049486"/>
-            <a:ext cx="796832" cy="195942"/>
+            <a:off x="6021977" y="4376057"/>
+            <a:ext cx="1097279" cy="222069"/>
           </a:xfrm>
           <a:prstGeom prst="chevron">
             <a:avLst/>
@@ -11544,58 +11532,7 @@
       </p:sp>
       <p:sp>
         <p:nvSpPr>
-          <p:cNvPr id="130" name="OTLSHAPE_SLT_5fdc1ae17390491587eeb3e0a5701e86_Title">
-            <a:extLst>
-              <a:ext uri="{FF2B5EF4-FFF2-40B4-BE49-F238E27FC236}">
-                <a16:creationId xmlns="" xmlns:a16="http://schemas.microsoft.com/office/drawing/2014/main" id="{BAEE7FA3-5766-4B53-A85B-AEF0E5523AB1}"/>
-              </a:ext>
-            </a:extLst>
-          </p:cNvPr>
-          <p:cNvSpPr txBox="1"/>
-          <p:nvPr>
-            <p:custDataLst>
-              <p:tags r:id="rId46"/>
-            </p:custDataLst>
-          </p:nvPr>
-        </p:nvSpPr>
-        <p:spPr>
-          <a:xfrm>
-            <a:off x="7223761" y="4047198"/>
-            <a:ext cx="640080" cy="169277"/>
-          </a:xfrm>
-          <a:prstGeom prst="rect">
-            <a:avLst/>
-          </a:prstGeom>
-          <a:noFill/>
-        </p:spPr>
-        <p:txBody>
-          <a:bodyPr vert="horz" wrap="square" lIns="0" tIns="0" rIns="0" bIns="0" rtlCol="0" anchor="ctr" anchorCtr="0">
-            <a:spAutoFit/>
-          </a:bodyPr>
-          <a:lstStyle/>
-          <a:p>
-            <a:pPr algn="ctr"/>
-            <a:r>
-              <a:rPr lang="fr-FR" sz="1100" spc="-4" dirty="0" smtClean="0">
-                <a:solidFill>
-                  <a:schemeClr val="lt1"/>
-                </a:solidFill>
-                <a:latin typeface="Calibri" panose="020F0502020204030204" pitchFamily="34" charset="0"/>
-              </a:rPr>
-              <a:t>Contrats</a:t>
-            </a:r>
-            <a:endParaRPr lang="fr-FR" sz="1100" spc="-4" dirty="0">
-              <a:solidFill>
-                <a:schemeClr val="lt1"/>
-              </a:solidFill>
-              <a:latin typeface="Calibri" panose="020F0502020204030204" pitchFamily="34" charset="0"/>
-            </a:endParaRPr>
-          </a:p>
-        </p:txBody>
-      </p:sp>
-      <p:sp>
-        <p:nvSpPr>
-          <p:cNvPr id="131" name="OTLSHAPE_SLT_5fdc1ae17390491587eeb3e0a5701e86_Shape">
+          <p:cNvPr id="133" name="OTLSHAPE_SLT_5fdc1ae17390491587eeb3e0a5701e86_Shape">
             <a:extLst>
               <a:ext uri="{FF2B5EF4-FFF2-40B4-BE49-F238E27FC236}">
                 <a16:creationId xmlns="" xmlns:a16="http://schemas.microsoft.com/office/drawing/2014/main" id="{E551897C-3474-4EEF-966B-9EE54F027C72}"/>
@@ -11605,14 +11542,14 @@
           <p:cNvSpPr/>
           <p:nvPr>
             <p:custDataLst>
-              <p:tags r:id="rId47"/>
+              <p:tags r:id="rId46"/>
             </p:custDataLst>
           </p:nvPr>
         </p:nvSpPr>
         <p:spPr>
           <a:xfrm>
-            <a:off x="6021977" y="4376057"/>
-            <a:ext cx="1097279" cy="222069"/>
+            <a:off x="3133616" y="4379080"/>
+            <a:ext cx="1869457" cy="219045"/>
           </a:xfrm>
           <a:prstGeom prst="chevron">
             <a:avLst/>
@@ -11661,7 +11598,7 @@
           <a:lstStyle/>
           <a:p>
             <a:pPr algn="ctr"/>
-            <a:endParaRPr lang="fr-FR" dirty="0">
+            <a:endParaRPr lang="fr-FR">
               <a:solidFill>
                 <a:schemeClr val="tx1"/>
               </a:solidFill>
@@ -11671,7 +11608,109 @@
       </p:sp>
       <p:sp>
         <p:nvSpPr>
-          <p:cNvPr id="133" name="OTLSHAPE_SLT_5fdc1ae17390491587eeb3e0a5701e86_Shape">
+          <p:cNvPr id="137" name="OTLSHAPE_SLT_5fdc1ae17390491587eeb3e0a5701e86_Title">
+            <a:extLst>
+              <a:ext uri="{FF2B5EF4-FFF2-40B4-BE49-F238E27FC236}">
+                <a16:creationId xmlns="" xmlns:a16="http://schemas.microsoft.com/office/drawing/2014/main" id="{BAEE7FA3-5766-4B53-A85B-AEF0E5523AB1}"/>
+              </a:ext>
+            </a:extLst>
+          </p:cNvPr>
+          <p:cNvSpPr txBox="1"/>
+          <p:nvPr>
+            <p:custDataLst>
+              <p:tags r:id="rId47"/>
+            </p:custDataLst>
+          </p:nvPr>
+        </p:nvSpPr>
+        <p:spPr>
+          <a:xfrm>
+            <a:off x="3304904" y="4403967"/>
+            <a:ext cx="953588" cy="169277"/>
+          </a:xfrm>
+          <a:prstGeom prst="rect">
+            <a:avLst/>
+          </a:prstGeom>
+          <a:noFill/>
+        </p:spPr>
+        <p:txBody>
+          <a:bodyPr vert="horz" wrap="square" lIns="0" tIns="0" rIns="0" bIns="0" rtlCol="0" anchor="ctr" anchorCtr="0">
+            <a:spAutoFit/>
+          </a:bodyPr>
+          <a:lstStyle/>
+          <a:p>
+            <a:pPr algn="ctr"/>
+            <a:r>
+              <a:rPr lang="fr-FR" sz="1100" spc="-4" dirty="0" smtClean="0">
+                <a:solidFill>
+                  <a:schemeClr val="lt1"/>
+                </a:solidFill>
+                <a:latin typeface="Calibri" panose="020F0502020204030204" pitchFamily="34" charset="0"/>
+              </a:rPr>
+              <a:t>Administration</a:t>
+            </a:r>
+            <a:endParaRPr lang="fr-FR" sz="1100" spc="-4" dirty="0">
+              <a:solidFill>
+                <a:schemeClr val="lt1"/>
+              </a:solidFill>
+              <a:latin typeface="Calibri" panose="020F0502020204030204" pitchFamily="34" charset="0"/>
+            </a:endParaRPr>
+          </a:p>
+        </p:txBody>
+      </p:sp>
+      <p:sp>
+        <p:nvSpPr>
+          <p:cNvPr id="138" name="OTLSHAPE_SLT_5fdc1ae17390491587eeb3e0a5701e86_Title">
+            <a:extLst>
+              <a:ext uri="{FF2B5EF4-FFF2-40B4-BE49-F238E27FC236}">
+                <a16:creationId xmlns="" xmlns:a16="http://schemas.microsoft.com/office/drawing/2014/main" id="{BAEE7FA3-5766-4B53-A85B-AEF0E5523AB1}"/>
+              </a:ext>
+            </a:extLst>
+          </p:cNvPr>
+          <p:cNvSpPr txBox="1"/>
+          <p:nvPr>
+            <p:custDataLst>
+              <p:tags r:id="rId48"/>
+            </p:custDataLst>
+          </p:nvPr>
+        </p:nvSpPr>
+        <p:spPr>
+          <a:xfrm>
+            <a:off x="6191794" y="4406242"/>
+            <a:ext cx="849086" cy="169277"/>
+          </a:xfrm>
+          <a:prstGeom prst="rect">
+            <a:avLst/>
+          </a:prstGeom>
+          <a:noFill/>
+        </p:spPr>
+        <p:txBody>
+          <a:bodyPr vert="horz" wrap="square" lIns="0" tIns="0" rIns="0" bIns="0" rtlCol="0" anchor="ctr" anchorCtr="0">
+            <a:spAutoFit/>
+          </a:bodyPr>
+          <a:lstStyle/>
+          <a:p>
+            <a:pPr algn="ctr"/>
+            <a:r>
+              <a:rPr lang="fr-FR" sz="1100" spc="-4" dirty="0" smtClean="0">
+                <a:solidFill>
+                  <a:schemeClr val="lt1"/>
+                </a:solidFill>
+                <a:latin typeface="Calibri" panose="020F0502020204030204" pitchFamily="34" charset="0"/>
+              </a:rPr>
+              <a:t>Sous-traitants</a:t>
+            </a:r>
+            <a:endParaRPr lang="fr-FR" sz="1100" spc="-4" dirty="0">
+              <a:solidFill>
+                <a:schemeClr val="lt1"/>
+              </a:solidFill>
+              <a:latin typeface="Calibri" panose="020F0502020204030204" pitchFamily="34" charset="0"/>
+            </a:endParaRPr>
+          </a:p>
+        </p:txBody>
+      </p:sp>
+      <p:sp>
+        <p:nvSpPr>
+          <p:cNvPr id="139" name="OTLSHAPE_SLT_5fdc1ae17390491587eeb3e0a5701e86_Shape">
             <a:extLst>
               <a:ext uri="{FF2B5EF4-FFF2-40B4-BE49-F238E27FC236}">
                 <a16:creationId xmlns="" xmlns:a16="http://schemas.microsoft.com/office/drawing/2014/main" id="{E551897C-3474-4EEF-966B-9EE54F027C72}"/>
@@ -11681,14 +11720,14 @@
           <p:cNvSpPr/>
           <p:nvPr>
             <p:custDataLst>
-              <p:tags r:id="rId48"/>
+              <p:tags r:id="rId49"/>
             </p:custDataLst>
           </p:nvPr>
         </p:nvSpPr>
         <p:spPr>
           <a:xfrm>
-            <a:off x="3133616" y="4379080"/>
-            <a:ext cx="1869457" cy="219045"/>
+            <a:off x="7171509" y="4361664"/>
+            <a:ext cx="2024741" cy="223399"/>
           </a:xfrm>
           <a:prstGeom prst="chevron">
             <a:avLst/>
@@ -11747,184 +11786,6 @@
       </p:sp>
       <p:sp>
         <p:nvSpPr>
-          <p:cNvPr id="137" name="OTLSHAPE_SLT_5fdc1ae17390491587eeb3e0a5701e86_Title">
-            <a:extLst>
-              <a:ext uri="{FF2B5EF4-FFF2-40B4-BE49-F238E27FC236}">
-                <a16:creationId xmlns="" xmlns:a16="http://schemas.microsoft.com/office/drawing/2014/main" id="{BAEE7FA3-5766-4B53-A85B-AEF0E5523AB1}"/>
-              </a:ext>
-            </a:extLst>
-          </p:cNvPr>
-          <p:cNvSpPr txBox="1"/>
-          <p:nvPr>
-            <p:custDataLst>
-              <p:tags r:id="rId49"/>
-            </p:custDataLst>
-          </p:nvPr>
-        </p:nvSpPr>
-        <p:spPr>
-          <a:xfrm>
-            <a:off x="3304904" y="4403967"/>
-            <a:ext cx="953588" cy="169277"/>
-          </a:xfrm>
-          <a:prstGeom prst="rect">
-            <a:avLst/>
-          </a:prstGeom>
-          <a:noFill/>
-        </p:spPr>
-        <p:txBody>
-          <a:bodyPr vert="horz" wrap="square" lIns="0" tIns="0" rIns="0" bIns="0" rtlCol="0" anchor="ctr" anchorCtr="0">
-            <a:spAutoFit/>
-          </a:bodyPr>
-          <a:lstStyle/>
-          <a:p>
-            <a:pPr algn="ctr"/>
-            <a:r>
-              <a:rPr lang="fr-FR" sz="1100" spc="-4" dirty="0" smtClean="0">
-                <a:solidFill>
-                  <a:schemeClr val="lt1"/>
-                </a:solidFill>
-                <a:latin typeface="Calibri" panose="020F0502020204030204" pitchFamily="34" charset="0"/>
-              </a:rPr>
-              <a:t>Administration</a:t>
-            </a:r>
-            <a:endParaRPr lang="fr-FR" sz="1100" spc="-4" dirty="0">
-              <a:solidFill>
-                <a:schemeClr val="lt1"/>
-              </a:solidFill>
-              <a:latin typeface="Calibri" panose="020F0502020204030204" pitchFamily="34" charset="0"/>
-            </a:endParaRPr>
-          </a:p>
-        </p:txBody>
-      </p:sp>
-      <p:sp>
-        <p:nvSpPr>
-          <p:cNvPr id="138" name="OTLSHAPE_SLT_5fdc1ae17390491587eeb3e0a5701e86_Title">
-            <a:extLst>
-              <a:ext uri="{FF2B5EF4-FFF2-40B4-BE49-F238E27FC236}">
-                <a16:creationId xmlns="" xmlns:a16="http://schemas.microsoft.com/office/drawing/2014/main" id="{BAEE7FA3-5766-4B53-A85B-AEF0E5523AB1}"/>
-              </a:ext>
-            </a:extLst>
-          </p:cNvPr>
-          <p:cNvSpPr txBox="1"/>
-          <p:nvPr>
-            <p:custDataLst>
-              <p:tags r:id="rId50"/>
-            </p:custDataLst>
-          </p:nvPr>
-        </p:nvSpPr>
-        <p:spPr>
-          <a:xfrm>
-            <a:off x="6191794" y="4406242"/>
-            <a:ext cx="849086" cy="169277"/>
-          </a:xfrm>
-          <a:prstGeom prst="rect">
-            <a:avLst/>
-          </a:prstGeom>
-          <a:noFill/>
-        </p:spPr>
-        <p:txBody>
-          <a:bodyPr vert="horz" wrap="square" lIns="0" tIns="0" rIns="0" bIns="0" rtlCol="0" anchor="ctr" anchorCtr="0">
-            <a:spAutoFit/>
-          </a:bodyPr>
-          <a:lstStyle/>
-          <a:p>
-            <a:pPr algn="ctr"/>
-            <a:r>
-              <a:rPr lang="fr-FR" sz="1100" spc="-4" dirty="0" smtClean="0">
-                <a:solidFill>
-                  <a:schemeClr val="lt1"/>
-                </a:solidFill>
-                <a:latin typeface="Calibri" panose="020F0502020204030204" pitchFamily="34" charset="0"/>
-              </a:rPr>
-              <a:t>Sous-traitants</a:t>
-            </a:r>
-            <a:endParaRPr lang="fr-FR" sz="1100" spc="-4" dirty="0">
-              <a:solidFill>
-                <a:schemeClr val="lt1"/>
-              </a:solidFill>
-              <a:latin typeface="Calibri" panose="020F0502020204030204" pitchFamily="34" charset="0"/>
-            </a:endParaRPr>
-          </a:p>
-        </p:txBody>
-      </p:sp>
-      <p:sp>
-        <p:nvSpPr>
-          <p:cNvPr id="139" name="OTLSHAPE_SLT_5fdc1ae17390491587eeb3e0a5701e86_Shape">
-            <a:extLst>
-              <a:ext uri="{FF2B5EF4-FFF2-40B4-BE49-F238E27FC236}">
-                <a16:creationId xmlns="" xmlns:a16="http://schemas.microsoft.com/office/drawing/2014/main" id="{E551897C-3474-4EEF-966B-9EE54F027C72}"/>
-              </a:ext>
-            </a:extLst>
-          </p:cNvPr>
-          <p:cNvSpPr/>
-          <p:nvPr>
-            <p:custDataLst>
-              <p:tags r:id="rId51"/>
-            </p:custDataLst>
-          </p:nvPr>
-        </p:nvSpPr>
-        <p:spPr>
-          <a:xfrm>
-            <a:off x="7171509" y="4361664"/>
-            <a:ext cx="2024741" cy="223399"/>
-          </a:xfrm>
-          <a:prstGeom prst="chevron">
-            <a:avLst/>
-          </a:prstGeom>
-          <a:solidFill>
-            <a:srgbClr val="A363C3"/>
-          </a:solidFill>
-          <a:ln w="12700" cap="flat" cmpd="sng" algn="ctr">
-            <a:noFill/>
-            <a:prstDash val="solid"/>
-            <a:miter lim="800000"/>
-          </a:ln>
-          <a:effectLst/>
-          <a:extLst>
-            <a:ext uri="{91240B29-F687-4F45-9708-019B960494DF}">
-              <a14:hiddenLine xmlns="" xmlns:a14="http://schemas.microsoft.com/office/drawing/2010/main" w="12700" cap="flat" cmpd="sng" algn="ctr">
-                <a:solidFill>
-                  <a:schemeClr val="accent1">
-                    <a:shade val="50000"/>
-                  </a:schemeClr>
-                </a:solidFill>
-                <a:prstDash val="solid"/>
-                <a:miter lim="800000"/>
-              </a14:hiddenLine>
-            </a:ext>
-          </a:extLst>
-        </p:spPr>
-        <p:style>
-          <a:lnRef idx="2">
-            <a:schemeClr val="accent1">
-              <a:shade val="50000"/>
-            </a:schemeClr>
-          </a:lnRef>
-          <a:fillRef idx="1">
-            <a:schemeClr val="accent1"/>
-          </a:fillRef>
-          <a:effectRef idx="0">
-            <a:schemeClr val="accent1"/>
-          </a:effectRef>
-          <a:fontRef idx="minor">
-            <a:schemeClr val="lt1"/>
-          </a:fontRef>
-        </p:style>
-        <p:txBody>
-          <a:bodyPr rtlCol="0" anchor="ctr"/>
-          <a:lstStyle/>
-          <a:p>
-            <a:pPr algn="ctr"/>
-            <a:endParaRPr lang="fr-FR">
-              <a:solidFill>
-                <a:schemeClr val="tx1"/>
-              </a:solidFill>
-            </a:endParaRPr>
-          </a:p>
-        </p:txBody>
-      </p:sp>
-      <p:sp>
-        <p:nvSpPr>
           <p:cNvPr id="144" name="OTLSHAPE_SLT_5fdc1ae17390491587eeb3e0a5701e86_Title">
             <a:extLst>
               <a:ext uri="{FF2B5EF4-FFF2-40B4-BE49-F238E27FC236}">
@@ -11935,7 +11796,7 @@
           <p:cNvSpPr txBox="1"/>
           <p:nvPr>
             <p:custDataLst>
-              <p:tags r:id="rId52"/>
+              <p:tags r:id="rId50"/>
             </p:custDataLst>
           </p:nvPr>
         </p:nvSpPr>
@@ -11995,7 +11856,7 @@
           <p:cNvSpPr txBox="1"/>
           <p:nvPr>
             <p:custDataLst>
-              <p:tags r:id="rId53"/>
+              <p:tags r:id="rId51"/>
             </p:custDataLst>
           </p:nvPr>
         </p:nvSpPr>
@@ -12046,7 +11907,7 @@
           <p:cNvSpPr txBox="1"/>
           <p:nvPr>
             <p:custDataLst>
-              <p:tags r:id="rId54"/>
+              <p:tags r:id="rId52"/>
             </p:custDataLst>
           </p:nvPr>
         </p:nvSpPr>
@@ -12097,7 +11958,7 @@
           <p:cNvSpPr txBox="1"/>
           <p:nvPr>
             <p:custDataLst>
-              <p:tags r:id="rId55"/>
+              <p:tags r:id="rId53"/>
             </p:custDataLst>
           </p:nvPr>
         </p:nvSpPr>
@@ -12148,7 +12009,7 @@
           <p:cNvSpPr txBox="1"/>
           <p:nvPr>
             <p:custDataLst>
-              <p:tags r:id="rId56"/>
+              <p:tags r:id="rId54"/>
             </p:custDataLst>
           </p:nvPr>
         </p:nvSpPr>
@@ -12199,7 +12060,7 @@
           <p:cNvSpPr txBox="1"/>
           <p:nvPr>
             <p:custDataLst>
-              <p:tags r:id="rId57"/>
+              <p:tags r:id="rId55"/>
             </p:custDataLst>
           </p:nvPr>
         </p:nvSpPr>
@@ -12250,14 +12111,14 @@
           <p:cNvSpPr txBox="1"/>
           <p:nvPr>
             <p:custDataLst>
-              <p:tags r:id="rId58"/>
+              <p:tags r:id="rId56"/>
             </p:custDataLst>
           </p:nvPr>
         </p:nvSpPr>
         <p:spPr>
-          <a:xfrm>
-            <a:off x="6940732" y="790439"/>
-            <a:ext cx="418012" cy="184666"/>
+          <a:xfrm flipH="1">
+            <a:off x="6844937" y="845749"/>
+            <a:ext cx="457198" cy="184666"/>
           </a:xfrm>
           <a:prstGeom prst="rect">
             <a:avLst/>
@@ -12329,7 +12190,7 @@
           <p:cNvSpPr txBox="1"/>
           <p:nvPr>
             <p:custDataLst>
-              <p:tags r:id="rId59"/>
+              <p:tags r:id="rId57"/>
             </p:custDataLst>
           </p:nvPr>
         </p:nvSpPr>
@@ -12380,7 +12241,7 @@
           <p:cNvSpPr txBox="1"/>
           <p:nvPr>
             <p:custDataLst>
-              <p:tags r:id="rId60"/>
+              <p:tags r:id="rId58"/>
             </p:custDataLst>
           </p:nvPr>
         </p:nvSpPr>
@@ -13226,19 +13087,7 @@
 </p:tagLst>
 </file>
 
-<file path=ppt/tags/tag119.xml><?xml version="1.0" encoding="utf-8"?>
-<p:tagLst xmlns:a="http://schemas.openxmlformats.org/drawingml/2006/main" xmlns:r="http://schemas.openxmlformats.org/officeDocument/2006/relationships" xmlns:p="http://schemas.openxmlformats.org/presentationml/2006/main">
-  <p:tag name="OTLMARKERSHAPE" val="OTL"/>
-</p:tagLst>
-</file>
-
 <file path=ppt/tags/tag12.xml><?xml version="1.0" encoding="utf-8"?>
-<p:tagLst xmlns:a="http://schemas.openxmlformats.org/drawingml/2006/main" xmlns:r="http://schemas.openxmlformats.org/officeDocument/2006/relationships" xmlns:p="http://schemas.openxmlformats.org/presentationml/2006/main">
-  <p:tag name="OTLMARKERSHAPE" val="OTL"/>
-</p:tagLst>
-</file>
-
-<file path=ppt/tags/tag120.xml><?xml version="1.0" encoding="utf-8"?>
 <p:tagLst xmlns:a="http://schemas.openxmlformats.org/drawingml/2006/main" xmlns:r="http://schemas.openxmlformats.org/officeDocument/2006/relationships" xmlns:p="http://schemas.openxmlformats.org/presentationml/2006/main">
   <p:tag name="OTLMARKERSHAPE" val="OTL"/>
 </p:tagLst>
